--- a/figure_edits.pptx
+++ b/figure_edits.pptx
@@ -9,6 +9,10 @@
     <p:sldId id="257" r:id="rId3"/>
     <p:sldId id="258" r:id="rId4"/>
     <p:sldId id="259" r:id="rId5"/>
+    <p:sldId id="260" r:id="rId6"/>
+    <p:sldId id="261" r:id="rId7"/>
+    <p:sldId id="262" r:id="rId8"/>
+    <p:sldId id="263" r:id="rId9"/>
   </p:sldIdLst>
   <p:sldSz cx="12192000" cy="6858000"/>
   <p:notesSz cx="6858000" cy="9144000"/>
@@ -118,14 +122,715 @@
 <file path=ppt/revisionInfo.xml><?xml version="1.0" encoding="utf-8"?>
 <p1510:revInfo xmlns:a="http://schemas.openxmlformats.org/drawingml/2006/main" xmlns:r="http://schemas.openxmlformats.org/officeDocument/2006/relationships" xmlns:p1510="http://schemas.microsoft.com/office/powerpoint/2015/10/main">
   <p1510:revLst>
-    <p1510:client id="{BDFFD3DD-7B75-4519-BEDE-C27D41CF9350}" v="6" dt="2022-08-15T18:54:03.022"/>
-    <p1510:client id="{FE3D5A73-17BE-4D2C-B17E-8C7A1A502177}" v="38" dt="2022-08-15T04:07:05.625"/>
+    <p1510:client id="{93947198-6EF3-4429-A1DA-73044AA7A7E2}" v="24" dt="2022-08-19T03:05:12.400"/>
   </p1510:revLst>
 </p1510:revInfo>
 </file>
 
 <file path=ppt/changesInfos/changesInfo1.xml><?xml version="1.0" encoding="utf-8"?>
 <pc:chgInfo xmlns:a="http://schemas.openxmlformats.org/drawingml/2006/main" xmlns:r="http://schemas.openxmlformats.org/officeDocument/2006/relationships" xmlns:ac="http://schemas.microsoft.com/office/drawing/2013/main/command" xmlns:pc="http://schemas.microsoft.com/office/powerpoint/2013/main/command">
+  <pc:docChgLst>
+    <pc:chgData name="Francisco Valentin Ramirez Cuevas" userId="e79bf063-6348-4b44-8f45-581164b14c81" providerId="ADAL" clId="{BF42B584-1F75-4952-8CDB-16FC9BE668C3}"/>
+    <pc:docChg chg="undo custSel addSld delSld modSld">
+      <pc:chgData name="Francisco Valentin Ramirez Cuevas" userId="e79bf063-6348-4b44-8f45-581164b14c81" providerId="ADAL" clId="{BF42B584-1F75-4952-8CDB-16FC9BE668C3}" dt="2022-08-08T04:50:55.823" v="65" actId="1076"/>
+      <pc:docMkLst>
+        <pc:docMk/>
+      </pc:docMkLst>
+      <pc:sldChg chg="addSp delSp modSp mod">
+        <pc:chgData name="Francisco Valentin Ramirez Cuevas" userId="e79bf063-6348-4b44-8f45-581164b14c81" providerId="ADAL" clId="{BF42B584-1F75-4952-8CDB-16FC9BE668C3}" dt="2022-08-06T13:32:05.185" v="6" actId="1076"/>
+        <pc:sldMkLst>
+          <pc:docMk/>
+          <pc:sldMk cId="2860674138" sldId="256"/>
+        </pc:sldMkLst>
+        <pc:spChg chg="del">
+          <ac:chgData name="Francisco Valentin Ramirez Cuevas" userId="e79bf063-6348-4b44-8f45-581164b14c81" providerId="ADAL" clId="{BF42B584-1F75-4952-8CDB-16FC9BE668C3}" dt="2022-08-06T13:31:57.732" v="1" actId="478"/>
+          <ac:spMkLst>
+            <pc:docMk/>
+            <pc:sldMk cId="2860674138" sldId="256"/>
+            <ac:spMk id="20" creationId="{4C2B6058-2AAA-355D-0D8D-D6332672C45E}"/>
+          </ac:spMkLst>
+        </pc:spChg>
+        <pc:spChg chg="del">
+          <ac:chgData name="Francisco Valentin Ramirez Cuevas" userId="e79bf063-6348-4b44-8f45-581164b14c81" providerId="ADAL" clId="{BF42B584-1F75-4952-8CDB-16FC9BE668C3}" dt="2022-08-06T13:31:57.732" v="1" actId="478"/>
+          <ac:spMkLst>
+            <pc:docMk/>
+            <pc:sldMk cId="2860674138" sldId="256"/>
+            <ac:spMk id="21" creationId="{63F9BAEE-EC4C-B81B-B602-0EC74D782AA4}"/>
+          </ac:spMkLst>
+        </pc:spChg>
+        <pc:spChg chg="del">
+          <ac:chgData name="Francisco Valentin Ramirez Cuevas" userId="e79bf063-6348-4b44-8f45-581164b14c81" providerId="ADAL" clId="{BF42B584-1F75-4952-8CDB-16FC9BE668C3}" dt="2022-08-06T13:31:57.732" v="1" actId="478"/>
+          <ac:spMkLst>
+            <pc:docMk/>
+            <pc:sldMk cId="2860674138" sldId="256"/>
+            <ac:spMk id="22" creationId="{E8A434C9-7153-8629-5A69-FAAE2A4FC163}"/>
+          </ac:spMkLst>
+        </pc:spChg>
+        <pc:spChg chg="del">
+          <ac:chgData name="Francisco Valentin Ramirez Cuevas" userId="e79bf063-6348-4b44-8f45-581164b14c81" providerId="ADAL" clId="{BF42B584-1F75-4952-8CDB-16FC9BE668C3}" dt="2022-08-06T13:31:57.732" v="1" actId="478"/>
+          <ac:spMkLst>
+            <pc:docMk/>
+            <pc:sldMk cId="2860674138" sldId="256"/>
+            <ac:spMk id="24" creationId="{0D1313DA-9867-4C31-FCFC-6B8E0E8A9307}"/>
+          </ac:spMkLst>
+        </pc:spChg>
+        <pc:spChg chg="del">
+          <ac:chgData name="Francisco Valentin Ramirez Cuevas" userId="e79bf063-6348-4b44-8f45-581164b14c81" providerId="ADAL" clId="{BF42B584-1F75-4952-8CDB-16FC9BE668C3}" dt="2022-08-06T13:31:57.732" v="1" actId="478"/>
+          <ac:spMkLst>
+            <pc:docMk/>
+            <pc:sldMk cId="2860674138" sldId="256"/>
+            <ac:spMk id="25" creationId="{1035C71C-971D-D4DD-8D31-F32E3DE09D8B}"/>
+          </ac:spMkLst>
+        </pc:spChg>
+        <pc:spChg chg="del">
+          <ac:chgData name="Francisco Valentin Ramirez Cuevas" userId="e79bf063-6348-4b44-8f45-581164b14c81" providerId="ADAL" clId="{BF42B584-1F75-4952-8CDB-16FC9BE668C3}" dt="2022-08-06T13:31:57.732" v="1" actId="478"/>
+          <ac:spMkLst>
+            <pc:docMk/>
+            <pc:sldMk cId="2860674138" sldId="256"/>
+            <ac:spMk id="30" creationId="{B884CAD6-6E7A-48E8-A143-E7EE57D7DCA7}"/>
+          </ac:spMkLst>
+        </pc:spChg>
+        <pc:spChg chg="del">
+          <ac:chgData name="Francisco Valentin Ramirez Cuevas" userId="e79bf063-6348-4b44-8f45-581164b14c81" providerId="ADAL" clId="{BF42B584-1F75-4952-8CDB-16FC9BE668C3}" dt="2022-08-06T13:31:57.732" v="1" actId="478"/>
+          <ac:spMkLst>
+            <pc:docMk/>
+            <pc:sldMk cId="2860674138" sldId="256"/>
+            <ac:spMk id="31" creationId="{DFD8EEE2-1B31-9F65-89F5-C56910D0A903}"/>
+          </ac:spMkLst>
+        </pc:spChg>
+        <pc:spChg chg="del">
+          <ac:chgData name="Francisco Valentin Ramirez Cuevas" userId="e79bf063-6348-4b44-8f45-581164b14c81" providerId="ADAL" clId="{BF42B584-1F75-4952-8CDB-16FC9BE668C3}" dt="2022-08-06T13:31:57.732" v="1" actId="478"/>
+          <ac:spMkLst>
+            <pc:docMk/>
+            <pc:sldMk cId="2860674138" sldId="256"/>
+            <ac:spMk id="32" creationId="{B01A4289-C92C-6BFC-138C-FC3938A3F24A}"/>
+          </ac:spMkLst>
+        </pc:spChg>
+        <pc:spChg chg="del">
+          <ac:chgData name="Francisco Valentin Ramirez Cuevas" userId="e79bf063-6348-4b44-8f45-581164b14c81" providerId="ADAL" clId="{BF42B584-1F75-4952-8CDB-16FC9BE668C3}" dt="2022-08-06T13:31:57.732" v="1" actId="478"/>
+          <ac:spMkLst>
+            <pc:docMk/>
+            <pc:sldMk cId="2860674138" sldId="256"/>
+            <ac:spMk id="33" creationId="{A921A9FB-E1C4-2632-5D6A-7E5B3C3E6DB0}"/>
+          </ac:spMkLst>
+        </pc:spChg>
+        <pc:spChg chg="del">
+          <ac:chgData name="Francisco Valentin Ramirez Cuevas" userId="e79bf063-6348-4b44-8f45-581164b14c81" providerId="ADAL" clId="{BF42B584-1F75-4952-8CDB-16FC9BE668C3}" dt="2022-08-06T13:31:57.732" v="1" actId="478"/>
+          <ac:spMkLst>
+            <pc:docMk/>
+            <pc:sldMk cId="2860674138" sldId="256"/>
+            <ac:spMk id="34" creationId="{EC8C82A1-22EF-D212-EC2B-9BCC0BAAC1CB}"/>
+          </ac:spMkLst>
+        </pc:spChg>
+        <pc:spChg chg="del">
+          <ac:chgData name="Francisco Valentin Ramirez Cuevas" userId="e79bf063-6348-4b44-8f45-581164b14c81" providerId="ADAL" clId="{BF42B584-1F75-4952-8CDB-16FC9BE668C3}" dt="2022-08-06T13:31:57.732" v="1" actId="478"/>
+          <ac:spMkLst>
+            <pc:docMk/>
+            <pc:sldMk cId="2860674138" sldId="256"/>
+            <ac:spMk id="35" creationId="{6F1419AD-387D-464E-527E-B575BBEF04E9}"/>
+          </ac:spMkLst>
+        </pc:spChg>
+        <pc:spChg chg="del">
+          <ac:chgData name="Francisco Valentin Ramirez Cuevas" userId="e79bf063-6348-4b44-8f45-581164b14c81" providerId="ADAL" clId="{BF42B584-1F75-4952-8CDB-16FC9BE668C3}" dt="2022-08-06T13:31:57.732" v="1" actId="478"/>
+          <ac:spMkLst>
+            <pc:docMk/>
+            <pc:sldMk cId="2860674138" sldId="256"/>
+            <ac:spMk id="45" creationId="{1F047013-518D-B215-2E51-D607B3D5F3C0}"/>
+          </ac:spMkLst>
+        </pc:spChg>
+        <pc:spChg chg="del">
+          <ac:chgData name="Francisco Valentin Ramirez Cuevas" userId="e79bf063-6348-4b44-8f45-581164b14c81" providerId="ADAL" clId="{BF42B584-1F75-4952-8CDB-16FC9BE668C3}" dt="2022-08-06T13:31:57.732" v="1" actId="478"/>
+          <ac:spMkLst>
+            <pc:docMk/>
+            <pc:sldMk cId="2860674138" sldId="256"/>
+            <ac:spMk id="46" creationId="{D255646C-246E-47AD-F035-72F0FDCB32CF}"/>
+          </ac:spMkLst>
+        </pc:spChg>
+        <pc:picChg chg="add del">
+          <ac:chgData name="Francisco Valentin Ramirez Cuevas" userId="e79bf063-6348-4b44-8f45-581164b14c81" providerId="ADAL" clId="{BF42B584-1F75-4952-8CDB-16FC9BE668C3}" dt="2022-08-06T13:32:00.405" v="3" actId="21"/>
+          <ac:picMkLst>
+            <pc:docMk/>
+            <pc:sldMk cId="2860674138" sldId="256"/>
+            <ac:picMk id="3" creationId="{A862D128-58A2-429C-DE36-B3F2D248359C}"/>
+          </ac:picMkLst>
+        </pc:picChg>
+        <pc:picChg chg="add mod">
+          <ac:chgData name="Francisco Valentin Ramirez Cuevas" userId="e79bf063-6348-4b44-8f45-581164b14c81" providerId="ADAL" clId="{BF42B584-1F75-4952-8CDB-16FC9BE668C3}" dt="2022-08-06T13:32:05.185" v="6" actId="1076"/>
+          <ac:picMkLst>
+            <pc:docMk/>
+            <pc:sldMk cId="2860674138" sldId="256"/>
+            <ac:picMk id="4" creationId="{F139ED17-0AB3-EDD1-C2B4-0B1996BAF329}"/>
+          </ac:picMkLst>
+        </pc:picChg>
+        <pc:picChg chg="del">
+          <ac:chgData name="Francisco Valentin Ramirez Cuevas" userId="e79bf063-6348-4b44-8f45-581164b14c81" providerId="ADAL" clId="{BF42B584-1F75-4952-8CDB-16FC9BE668C3}" dt="2022-08-06T13:31:57.732" v="1" actId="478"/>
+          <ac:picMkLst>
+            <pc:docMk/>
+            <pc:sldMk cId="2860674138" sldId="256"/>
+            <ac:picMk id="15" creationId="{9043968B-E8A4-965D-B8CA-92C9B0490213}"/>
+          </ac:picMkLst>
+        </pc:picChg>
+        <pc:picChg chg="del">
+          <ac:chgData name="Francisco Valentin Ramirez Cuevas" userId="e79bf063-6348-4b44-8f45-581164b14c81" providerId="ADAL" clId="{BF42B584-1F75-4952-8CDB-16FC9BE668C3}" dt="2022-08-06T13:31:57.732" v="1" actId="478"/>
+          <ac:picMkLst>
+            <pc:docMk/>
+            <pc:sldMk cId="2860674138" sldId="256"/>
+            <ac:picMk id="16" creationId="{E3CC23CF-7536-E4EB-F55A-A8F8A84BD7D9}"/>
+          </ac:picMkLst>
+        </pc:picChg>
+        <pc:cxnChg chg="del mod">
+          <ac:chgData name="Francisco Valentin Ramirez Cuevas" userId="e79bf063-6348-4b44-8f45-581164b14c81" providerId="ADAL" clId="{BF42B584-1F75-4952-8CDB-16FC9BE668C3}" dt="2022-08-06T13:31:57.732" v="1" actId="478"/>
+          <ac:cxnSpMkLst>
+            <pc:docMk/>
+            <pc:sldMk cId="2860674138" sldId="256"/>
+            <ac:cxnSpMk id="7" creationId="{A8904CAF-4D63-8695-1D89-85EA825B1608}"/>
+          </ac:cxnSpMkLst>
+        </pc:cxnChg>
+        <pc:cxnChg chg="del mod">
+          <ac:chgData name="Francisco Valentin Ramirez Cuevas" userId="e79bf063-6348-4b44-8f45-581164b14c81" providerId="ADAL" clId="{BF42B584-1F75-4952-8CDB-16FC9BE668C3}" dt="2022-08-06T13:31:57.732" v="1" actId="478"/>
+          <ac:cxnSpMkLst>
+            <pc:docMk/>
+            <pc:sldMk cId="2860674138" sldId="256"/>
+            <ac:cxnSpMk id="11" creationId="{3082CAF3-0086-DDA3-FAFA-D8A6E2336C7C}"/>
+          </ac:cxnSpMkLst>
+        </pc:cxnChg>
+        <pc:cxnChg chg="del mod">
+          <ac:chgData name="Francisco Valentin Ramirez Cuevas" userId="e79bf063-6348-4b44-8f45-581164b14c81" providerId="ADAL" clId="{BF42B584-1F75-4952-8CDB-16FC9BE668C3}" dt="2022-08-06T13:31:57.732" v="1" actId="478"/>
+          <ac:cxnSpMkLst>
+            <pc:docMk/>
+            <pc:sldMk cId="2860674138" sldId="256"/>
+            <ac:cxnSpMk id="13" creationId="{F4564006-A072-94F9-9CFA-3FE177DFAC9D}"/>
+          </ac:cxnSpMkLst>
+        </pc:cxnChg>
+        <pc:cxnChg chg="del">
+          <ac:chgData name="Francisco Valentin Ramirez Cuevas" userId="e79bf063-6348-4b44-8f45-581164b14c81" providerId="ADAL" clId="{BF42B584-1F75-4952-8CDB-16FC9BE668C3}" dt="2022-08-06T13:31:57.732" v="1" actId="478"/>
+          <ac:cxnSpMkLst>
+            <pc:docMk/>
+            <pc:sldMk cId="2860674138" sldId="256"/>
+            <ac:cxnSpMk id="36" creationId="{98F8521B-0F63-DE99-F59D-67D0BE5C983E}"/>
+          </ac:cxnSpMkLst>
+        </pc:cxnChg>
+        <pc:cxnChg chg="del">
+          <ac:chgData name="Francisco Valentin Ramirez Cuevas" userId="e79bf063-6348-4b44-8f45-581164b14c81" providerId="ADAL" clId="{BF42B584-1F75-4952-8CDB-16FC9BE668C3}" dt="2022-08-06T13:31:57.732" v="1" actId="478"/>
+          <ac:cxnSpMkLst>
+            <pc:docMk/>
+            <pc:sldMk cId="2860674138" sldId="256"/>
+            <ac:cxnSpMk id="44" creationId="{7AD26A38-796F-F4CA-6D78-6DAF866D975F}"/>
+          </ac:cxnSpMkLst>
+        </pc:cxnChg>
+      </pc:sldChg>
+      <pc:sldChg chg="addSp delSp modSp new mod">
+        <pc:chgData name="Francisco Valentin Ramirez Cuevas" userId="e79bf063-6348-4b44-8f45-581164b14c81" providerId="ADAL" clId="{BF42B584-1F75-4952-8CDB-16FC9BE668C3}" dt="2022-08-08T04:43:58.299" v="16" actId="478"/>
+        <pc:sldMkLst>
+          <pc:docMk/>
+          <pc:sldMk cId="438522008" sldId="257"/>
+        </pc:sldMkLst>
+        <pc:spChg chg="del">
+          <ac:chgData name="Francisco Valentin Ramirez Cuevas" userId="e79bf063-6348-4b44-8f45-581164b14c81" providerId="ADAL" clId="{BF42B584-1F75-4952-8CDB-16FC9BE668C3}" dt="2022-08-06T13:33:02.399" v="8" actId="478"/>
+          <ac:spMkLst>
+            <pc:docMk/>
+            <pc:sldMk cId="438522008" sldId="257"/>
+            <ac:spMk id="2" creationId="{BEECDB48-4DD1-94A1-B533-75A78CCEB074}"/>
+          </ac:spMkLst>
+        </pc:spChg>
+        <pc:spChg chg="del">
+          <ac:chgData name="Francisco Valentin Ramirez Cuevas" userId="e79bf063-6348-4b44-8f45-581164b14c81" providerId="ADAL" clId="{BF42B584-1F75-4952-8CDB-16FC9BE668C3}" dt="2022-08-06T13:33:02.399" v="8" actId="478"/>
+          <ac:spMkLst>
+            <pc:docMk/>
+            <pc:sldMk cId="438522008" sldId="257"/>
+            <ac:spMk id="3" creationId="{5755F6D4-D0F0-A903-D003-2C38DABC29E7}"/>
+          </ac:spMkLst>
+        </pc:spChg>
+        <pc:picChg chg="add del">
+          <ac:chgData name="Francisco Valentin Ramirez Cuevas" userId="e79bf063-6348-4b44-8f45-581164b14c81" providerId="ADAL" clId="{BF42B584-1F75-4952-8CDB-16FC9BE668C3}" dt="2022-08-08T04:43:58.299" v="16" actId="478"/>
+          <ac:picMkLst>
+            <pc:docMk/>
+            <pc:sldMk cId="438522008" sldId="257"/>
+            <ac:picMk id="3" creationId="{FCEC7515-8CBF-4972-7173-4FA30D693CF8}"/>
+          </ac:picMkLst>
+        </pc:picChg>
+        <pc:picChg chg="add del">
+          <ac:chgData name="Francisco Valentin Ramirez Cuevas" userId="e79bf063-6348-4b44-8f45-581164b14c81" providerId="ADAL" clId="{BF42B584-1F75-4952-8CDB-16FC9BE668C3}" dt="2022-08-06T13:33:03.436" v="10" actId="21"/>
+          <ac:picMkLst>
+            <pc:docMk/>
+            <pc:sldMk cId="438522008" sldId="257"/>
+            <ac:picMk id="5" creationId="{1B480274-115E-5BB1-4850-ECDA37EEB4BE}"/>
+          </ac:picMkLst>
+        </pc:picChg>
+        <pc:picChg chg="add mod">
+          <ac:chgData name="Francisco Valentin Ramirez Cuevas" userId="e79bf063-6348-4b44-8f45-581164b14c81" providerId="ADAL" clId="{BF42B584-1F75-4952-8CDB-16FC9BE668C3}" dt="2022-08-06T13:33:08.603" v="13" actId="1076"/>
+          <ac:picMkLst>
+            <pc:docMk/>
+            <pc:sldMk cId="438522008" sldId="257"/>
+            <ac:picMk id="6" creationId="{C9E67B7A-8432-3529-EFC4-CBFD3FFB622C}"/>
+          </ac:picMkLst>
+        </pc:picChg>
+      </pc:sldChg>
+      <pc:sldChg chg="addSp delSp modSp add mod">
+        <pc:chgData name="Francisco Valentin Ramirez Cuevas" userId="e79bf063-6348-4b44-8f45-581164b14c81" providerId="ADAL" clId="{BF42B584-1F75-4952-8CDB-16FC9BE668C3}" dt="2022-08-08T04:50:55.823" v="65" actId="1076"/>
+        <pc:sldMkLst>
+          <pc:docMk/>
+          <pc:sldMk cId="3517987463" sldId="258"/>
+        </pc:sldMkLst>
+        <pc:spChg chg="add mod">
+          <ac:chgData name="Francisco Valentin Ramirez Cuevas" userId="e79bf063-6348-4b44-8f45-581164b14c81" providerId="ADAL" clId="{BF42B584-1F75-4952-8CDB-16FC9BE668C3}" dt="2022-08-08T04:50:31.654" v="57" actId="1038"/>
+          <ac:spMkLst>
+            <pc:docMk/>
+            <pc:sldMk cId="3517987463" sldId="258"/>
+            <ac:spMk id="5" creationId="{6DCC9AD6-8328-FA7E-94AB-15EB9ABF67E6}"/>
+          </ac:spMkLst>
+        </pc:spChg>
+        <pc:spChg chg="add mod">
+          <ac:chgData name="Francisco Valentin Ramirez Cuevas" userId="e79bf063-6348-4b44-8f45-581164b14c81" providerId="ADAL" clId="{BF42B584-1F75-4952-8CDB-16FC9BE668C3}" dt="2022-08-08T04:50:53.021" v="63" actId="1076"/>
+          <ac:spMkLst>
+            <pc:docMk/>
+            <pc:sldMk cId="3517987463" sldId="258"/>
+            <ac:spMk id="7" creationId="{DA757123-6A4F-8721-F0FC-1000A2AD12D2}"/>
+          </ac:spMkLst>
+        </pc:spChg>
+        <pc:picChg chg="add mod">
+          <ac:chgData name="Francisco Valentin Ramirez Cuevas" userId="e79bf063-6348-4b44-8f45-581164b14c81" providerId="ADAL" clId="{BF42B584-1F75-4952-8CDB-16FC9BE668C3}" dt="2022-08-08T04:50:55.823" v="65" actId="1076"/>
+          <ac:picMkLst>
+            <pc:docMk/>
+            <pc:sldMk cId="3517987463" sldId="258"/>
+            <ac:picMk id="2" creationId="{E47EB808-3F0D-2D4E-7747-F94D175CCADF}"/>
+          </ac:picMkLst>
+        </pc:picChg>
+        <pc:picChg chg="del">
+          <ac:chgData name="Francisco Valentin Ramirez Cuevas" userId="e79bf063-6348-4b44-8f45-581164b14c81" providerId="ADAL" clId="{BF42B584-1F75-4952-8CDB-16FC9BE668C3}" dt="2022-08-08T04:44:00.634" v="17" actId="21"/>
+          <ac:picMkLst>
+            <pc:docMk/>
+            <pc:sldMk cId="3517987463" sldId="258"/>
+            <ac:picMk id="3" creationId="{FCEC7515-8CBF-4972-7173-4FA30D693CF8}"/>
+          </ac:picMkLst>
+        </pc:picChg>
+        <pc:picChg chg="add del mod">
+          <ac:chgData name="Francisco Valentin Ramirez Cuevas" userId="e79bf063-6348-4b44-8f45-581164b14c81" providerId="ADAL" clId="{BF42B584-1F75-4952-8CDB-16FC9BE668C3}" dt="2022-08-08T04:44:02.747" v="20"/>
+          <ac:picMkLst>
+            <pc:docMk/>
+            <pc:sldMk cId="3517987463" sldId="258"/>
+            <ac:picMk id="4" creationId="{9FB722B4-1542-2B4D-C224-E37D378DFF58}"/>
+          </ac:picMkLst>
+        </pc:picChg>
+        <pc:picChg chg="del">
+          <ac:chgData name="Francisco Valentin Ramirez Cuevas" userId="e79bf063-6348-4b44-8f45-581164b14c81" providerId="ADAL" clId="{BF42B584-1F75-4952-8CDB-16FC9BE668C3}" dt="2022-08-08T04:44:01.837" v="18" actId="478"/>
+          <ac:picMkLst>
+            <pc:docMk/>
+            <pc:sldMk cId="3517987463" sldId="258"/>
+            <ac:picMk id="6" creationId="{C9E67B7A-8432-3529-EFC4-CBFD3FFB622C}"/>
+          </ac:picMkLst>
+        </pc:picChg>
+      </pc:sldChg>
+    </pc:docChg>
+  </pc:docChgLst>
+  <pc:docChgLst>
+    <pc:chgData name="Francisco Valentin Ramirez Cuevas" userId="e79bf063-6348-4b44-8f45-581164b14c81" providerId="ADAL" clId="{7812F05B-5A5B-4694-857A-BFD59020F1B1}"/>
+    <pc:docChg chg="custSel addSld modSld">
+      <pc:chgData name="Francisco Valentin Ramirez Cuevas" userId="e79bf063-6348-4b44-8f45-581164b14c81" providerId="ADAL" clId="{7812F05B-5A5B-4694-857A-BFD59020F1B1}" dt="2022-08-17T20:55:55.583" v="4"/>
+      <pc:docMkLst>
+        <pc:docMk/>
+      </pc:docMkLst>
+      <pc:sldChg chg="addSp delSp add">
+        <pc:chgData name="Francisco Valentin Ramirez Cuevas" userId="e79bf063-6348-4b44-8f45-581164b14c81" providerId="ADAL" clId="{7812F05B-5A5B-4694-857A-BFD59020F1B1}" dt="2022-08-17T20:55:55.583" v="4"/>
+        <pc:sldMkLst>
+          <pc:docMk/>
+          <pc:sldMk cId="2680790321" sldId="260"/>
+        </pc:sldMkLst>
+        <pc:spChg chg="del">
+          <ac:chgData name="Francisco Valentin Ramirez Cuevas" userId="e79bf063-6348-4b44-8f45-581164b14c81" providerId="ADAL" clId="{7812F05B-5A5B-4694-857A-BFD59020F1B1}" dt="2022-08-17T20:55:37.266" v="1" actId="478"/>
+          <ac:spMkLst>
+            <pc:docMk/>
+            <pc:sldMk cId="2680790321" sldId="260"/>
+            <ac:spMk id="6" creationId="{8E6F4ABA-A6D0-7A17-EED9-8A861D257AC7}"/>
+          </ac:spMkLst>
+        </pc:spChg>
+        <pc:spChg chg="del">
+          <ac:chgData name="Francisco Valentin Ramirez Cuevas" userId="e79bf063-6348-4b44-8f45-581164b14c81" providerId="ADAL" clId="{7812F05B-5A5B-4694-857A-BFD59020F1B1}" dt="2022-08-17T20:55:37.266" v="1" actId="478"/>
+          <ac:spMkLst>
+            <pc:docMk/>
+            <pc:sldMk cId="2680790321" sldId="260"/>
+            <ac:spMk id="8" creationId="{DA92265B-02F0-26CD-FBC9-52F0C873893E}"/>
+          </ac:spMkLst>
+        </pc:spChg>
+        <pc:spChg chg="del">
+          <ac:chgData name="Francisco Valentin Ramirez Cuevas" userId="e79bf063-6348-4b44-8f45-581164b14c81" providerId="ADAL" clId="{7812F05B-5A5B-4694-857A-BFD59020F1B1}" dt="2022-08-17T20:55:37.266" v="1" actId="478"/>
+          <ac:spMkLst>
+            <pc:docMk/>
+            <pc:sldMk cId="2680790321" sldId="260"/>
+            <ac:spMk id="9" creationId="{77DA1C0B-1C7C-07BB-97F8-F6DA987CAFBC}"/>
+          </ac:spMkLst>
+        </pc:spChg>
+        <pc:spChg chg="del">
+          <ac:chgData name="Francisco Valentin Ramirez Cuevas" userId="e79bf063-6348-4b44-8f45-581164b14c81" providerId="ADAL" clId="{7812F05B-5A5B-4694-857A-BFD59020F1B1}" dt="2022-08-17T20:55:37.266" v="1" actId="478"/>
+          <ac:spMkLst>
+            <pc:docMk/>
+            <pc:sldMk cId="2680790321" sldId="260"/>
+            <ac:spMk id="10" creationId="{003B00A1-F5FE-DF07-3820-4CB28AB1AAB2}"/>
+          </ac:spMkLst>
+        </pc:spChg>
+        <pc:spChg chg="del">
+          <ac:chgData name="Francisco Valentin Ramirez Cuevas" userId="e79bf063-6348-4b44-8f45-581164b14c81" providerId="ADAL" clId="{7812F05B-5A5B-4694-857A-BFD59020F1B1}" dt="2022-08-17T20:55:37.266" v="1" actId="478"/>
+          <ac:spMkLst>
+            <pc:docMk/>
+            <pc:sldMk cId="2680790321" sldId="260"/>
+            <ac:spMk id="11" creationId="{A976E85D-9313-803D-0FF2-2CBB32AB0EC6}"/>
+          </ac:spMkLst>
+        </pc:spChg>
+        <pc:spChg chg="del">
+          <ac:chgData name="Francisco Valentin Ramirez Cuevas" userId="e79bf063-6348-4b44-8f45-581164b14c81" providerId="ADAL" clId="{7812F05B-5A5B-4694-857A-BFD59020F1B1}" dt="2022-08-17T20:55:37.266" v="1" actId="478"/>
+          <ac:spMkLst>
+            <pc:docMk/>
+            <pc:sldMk cId="2680790321" sldId="260"/>
+            <ac:spMk id="12" creationId="{F06F5A27-12F9-6E64-BD9C-161BE6BEAD3A}"/>
+          </ac:spMkLst>
+        </pc:spChg>
+        <pc:spChg chg="del">
+          <ac:chgData name="Francisco Valentin Ramirez Cuevas" userId="e79bf063-6348-4b44-8f45-581164b14c81" providerId="ADAL" clId="{7812F05B-5A5B-4694-857A-BFD59020F1B1}" dt="2022-08-17T20:55:37.266" v="1" actId="478"/>
+          <ac:spMkLst>
+            <pc:docMk/>
+            <pc:sldMk cId="2680790321" sldId="260"/>
+            <ac:spMk id="13" creationId="{42DAD19E-483B-5DA3-EA43-F08948BB1798}"/>
+          </ac:spMkLst>
+        </pc:spChg>
+        <pc:spChg chg="del">
+          <ac:chgData name="Francisco Valentin Ramirez Cuevas" userId="e79bf063-6348-4b44-8f45-581164b14c81" providerId="ADAL" clId="{7812F05B-5A5B-4694-857A-BFD59020F1B1}" dt="2022-08-17T20:55:37.266" v="1" actId="478"/>
+          <ac:spMkLst>
+            <pc:docMk/>
+            <pc:sldMk cId="2680790321" sldId="260"/>
+            <ac:spMk id="14" creationId="{601F0670-2536-A323-FA25-FDE050A695B6}"/>
+          </ac:spMkLst>
+        </pc:spChg>
+        <pc:spChg chg="del">
+          <ac:chgData name="Francisco Valentin Ramirez Cuevas" userId="e79bf063-6348-4b44-8f45-581164b14c81" providerId="ADAL" clId="{7812F05B-5A5B-4694-857A-BFD59020F1B1}" dt="2022-08-17T20:55:37.266" v="1" actId="478"/>
+          <ac:spMkLst>
+            <pc:docMk/>
+            <pc:sldMk cId="2680790321" sldId="260"/>
+            <ac:spMk id="15" creationId="{93ED9B95-7781-3939-194F-56F7608B9766}"/>
+          </ac:spMkLst>
+        </pc:spChg>
+        <pc:spChg chg="del">
+          <ac:chgData name="Francisco Valentin Ramirez Cuevas" userId="e79bf063-6348-4b44-8f45-581164b14c81" providerId="ADAL" clId="{7812F05B-5A5B-4694-857A-BFD59020F1B1}" dt="2022-08-17T20:55:37.266" v="1" actId="478"/>
+          <ac:spMkLst>
+            <pc:docMk/>
+            <pc:sldMk cId="2680790321" sldId="260"/>
+            <ac:spMk id="16" creationId="{2CEF4D75-7664-B02C-0A80-180D4994AB3E}"/>
+          </ac:spMkLst>
+        </pc:spChg>
+        <pc:spChg chg="del">
+          <ac:chgData name="Francisco Valentin Ramirez Cuevas" userId="e79bf063-6348-4b44-8f45-581164b14c81" providerId="ADAL" clId="{7812F05B-5A5B-4694-857A-BFD59020F1B1}" dt="2022-08-17T20:55:37.266" v="1" actId="478"/>
+          <ac:spMkLst>
+            <pc:docMk/>
+            <pc:sldMk cId="2680790321" sldId="260"/>
+            <ac:spMk id="17" creationId="{F27140E4-AA9B-6E82-4166-7054A4580760}"/>
+          </ac:spMkLst>
+        </pc:spChg>
+        <pc:spChg chg="del">
+          <ac:chgData name="Francisco Valentin Ramirez Cuevas" userId="e79bf063-6348-4b44-8f45-581164b14c81" providerId="ADAL" clId="{7812F05B-5A5B-4694-857A-BFD59020F1B1}" dt="2022-08-17T20:55:37.266" v="1" actId="478"/>
+          <ac:spMkLst>
+            <pc:docMk/>
+            <pc:sldMk cId="2680790321" sldId="260"/>
+            <ac:spMk id="18" creationId="{C682E232-D2FB-82DB-B847-4A9F3C61A399}"/>
+          </ac:spMkLst>
+        </pc:spChg>
+        <pc:spChg chg="del">
+          <ac:chgData name="Francisco Valentin Ramirez Cuevas" userId="e79bf063-6348-4b44-8f45-581164b14c81" providerId="ADAL" clId="{7812F05B-5A5B-4694-857A-BFD59020F1B1}" dt="2022-08-17T20:55:37.266" v="1" actId="478"/>
+          <ac:spMkLst>
+            <pc:docMk/>
+            <pc:sldMk cId="2680790321" sldId="260"/>
+            <ac:spMk id="19" creationId="{A61FB58D-C966-BAEB-4718-C6A1E96C5C10}"/>
+          </ac:spMkLst>
+        </pc:spChg>
+        <pc:spChg chg="del">
+          <ac:chgData name="Francisco Valentin Ramirez Cuevas" userId="e79bf063-6348-4b44-8f45-581164b14c81" providerId="ADAL" clId="{7812F05B-5A5B-4694-857A-BFD59020F1B1}" dt="2022-08-17T20:55:37.266" v="1" actId="478"/>
+          <ac:spMkLst>
+            <pc:docMk/>
+            <pc:sldMk cId="2680790321" sldId="260"/>
+            <ac:spMk id="20" creationId="{D3FCC4AB-300F-198A-29EE-EEB62DDD529F}"/>
+          </ac:spMkLst>
+        </pc:spChg>
+        <pc:spChg chg="del">
+          <ac:chgData name="Francisco Valentin Ramirez Cuevas" userId="e79bf063-6348-4b44-8f45-581164b14c81" providerId="ADAL" clId="{7812F05B-5A5B-4694-857A-BFD59020F1B1}" dt="2022-08-17T20:55:37.266" v="1" actId="478"/>
+          <ac:spMkLst>
+            <pc:docMk/>
+            <pc:sldMk cId="2680790321" sldId="260"/>
+            <ac:spMk id="21" creationId="{CBB6B6FE-1EA1-67FD-F45D-62B5005BFC93}"/>
+          </ac:spMkLst>
+        </pc:spChg>
+        <pc:spChg chg="del">
+          <ac:chgData name="Francisco Valentin Ramirez Cuevas" userId="e79bf063-6348-4b44-8f45-581164b14c81" providerId="ADAL" clId="{7812F05B-5A5B-4694-857A-BFD59020F1B1}" dt="2022-08-17T20:55:37.266" v="1" actId="478"/>
+          <ac:spMkLst>
+            <pc:docMk/>
+            <pc:sldMk cId="2680790321" sldId="260"/>
+            <ac:spMk id="22" creationId="{DA6178CC-B180-FBBD-FDB7-281C0FA2EA2A}"/>
+          </ac:spMkLst>
+        </pc:spChg>
+        <pc:spChg chg="del">
+          <ac:chgData name="Francisco Valentin Ramirez Cuevas" userId="e79bf063-6348-4b44-8f45-581164b14c81" providerId="ADAL" clId="{7812F05B-5A5B-4694-857A-BFD59020F1B1}" dt="2022-08-17T20:55:37.266" v="1" actId="478"/>
+          <ac:spMkLst>
+            <pc:docMk/>
+            <pc:sldMk cId="2680790321" sldId="260"/>
+            <ac:spMk id="23" creationId="{C688C7F6-7909-514C-FBAD-164E6DD764ED}"/>
+          </ac:spMkLst>
+        </pc:spChg>
+        <pc:spChg chg="del">
+          <ac:chgData name="Francisco Valentin Ramirez Cuevas" userId="e79bf063-6348-4b44-8f45-581164b14c81" providerId="ADAL" clId="{7812F05B-5A5B-4694-857A-BFD59020F1B1}" dt="2022-08-17T20:55:37.266" v="1" actId="478"/>
+          <ac:spMkLst>
+            <pc:docMk/>
+            <pc:sldMk cId="2680790321" sldId="260"/>
+            <ac:spMk id="24" creationId="{4019E980-5FFC-D0BB-D08C-D85707EC90FD}"/>
+          </ac:spMkLst>
+        </pc:spChg>
+        <pc:spChg chg="del">
+          <ac:chgData name="Francisco Valentin Ramirez Cuevas" userId="e79bf063-6348-4b44-8f45-581164b14c81" providerId="ADAL" clId="{7812F05B-5A5B-4694-857A-BFD59020F1B1}" dt="2022-08-17T20:55:37.266" v="1" actId="478"/>
+          <ac:spMkLst>
+            <pc:docMk/>
+            <pc:sldMk cId="2680790321" sldId="260"/>
+            <ac:spMk id="31" creationId="{C236E08A-A853-E10E-FFE6-70758FB0E3AA}"/>
+          </ac:spMkLst>
+        </pc:spChg>
+        <pc:spChg chg="del">
+          <ac:chgData name="Francisco Valentin Ramirez Cuevas" userId="e79bf063-6348-4b44-8f45-581164b14c81" providerId="ADAL" clId="{7812F05B-5A5B-4694-857A-BFD59020F1B1}" dt="2022-08-17T20:55:37.266" v="1" actId="478"/>
+          <ac:spMkLst>
+            <pc:docMk/>
+            <pc:sldMk cId="2680790321" sldId="260"/>
+            <ac:spMk id="32" creationId="{7607AF76-75A2-B712-EA41-522637F9202C}"/>
+          </ac:spMkLst>
+        </pc:spChg>
+        <pc:picChg chg="add del">
+          <ac:chgData name="Francisco Valentin Ramirez Cuevas" userId="e79bf063-6348-4b44-8f45-581164b14c81" providerId="ADAL" clId="{7812F05B-5A5B-4694-857A-BFD59020F1B1}" dt="2022-08-17T20:55:54.466" v="3"/>
+          <ac:picMkLst>
+            <pc:docMk/>
+            <pc:sldMk cId="2680790321" sldId="260"/>
+            <ac:picMk id="2" creationId="{1FE8708D-059F-4346-BAF5-0DE44A11B636}"/>
+          </ac:picMkLst>
+        </pc:picChg>
+        <pc:picChg chg="del">
+          <ac:chgData name="Francisco Valentin Ramirez Cuevas" userId="e79bf063-6348-4b44-8f45-581164b14c81" providerId="ADAL" clId="{7812F05B-5A5B-4694-857A-BFD59020F1B1}" dt="2022-08-17T20:55:37.266" v="1" actId="478"/>
+          <ac:picMkLst>
+            <pc:docMk/>
+            <pc:sldMk cId="2680790321" sldId="260"/>
+            <ac:picMk id="4" creationId="{7CE3C2D4-F950-039F-0B76-49C779627518}"/>
+          </ac:picMkLst>
+        </pc:picChg>
+        <pc:picChg chg="add">
+          <ac:chgData name="Francisco Valentin Ramirez Cuevas" userId="e79bf063-6348-4b44-8f45-581164b14c81" providerId="ADAL" clId="{7812F05B-5A5B-4694-857A-BFD59020F1B1}" dt="2022-08-17T20:55:55.583" v="4"/>
+          <ac:picMkLst>
+            <pc:docMk/>
+            <pc:sldMk cId="2680790321" sldId="260"/>
+            <ac:picMk id="5" creationId="{1B708DD9-5BA0-4D3E-B595-4B94E1013BAE}"/>
+          </ac:picMkLst>
+        </pc:picChg>
+        <pc:cxnChg chg="del">
+          <ac:chgData name="Francisco Valentin Ramirez Cuevas" userId="e79bf063-6348-4b44-8f45-581164b14c81" providerId="ADAL" clId="{7812F05B-5A5B-4694-857A-BFD59020F1B1}" dt="2022-08-17T20:55:37.266" v="1" actId="478"/>
+          <ac:cxnSpMkLst>
+            <pc:docMk/>
+            <pc:sldMk cId="2680790321" sldId="260"/>
+            <ac:cxnSpMk id="3" creationId="{F76E7795-F9DF-E463-69C4-CB92AD90EEFF}"/>
+          </ac:cxnSpMkLst>
+        </pc:cxnChg>
+        <pc:cxnChg chg="del">
+          <ac:chgData name="Francisco Valentin Ramirez Cuevas" userId="e79bf063-6348-4b44-8f45-581164b14c81" providerId="ADAL" clId="{7812F05B-5A5B-4694-857A-BFD59020F1B1}" dt="2022-08-17T20:55:37.266" v="1" actId="478"/>
+          <ac:cxnSpMkLst>
+            <pc:docMk/>
+            <pc:sldMk cId="2680790321" sldId="260"/>
+            <ac:cxnSpMk id="25" creationId="{33E27E92-7AFB-0C45-00D0-CFD626E3DAF7}"/>
+          </ac:cxnSpMkLst>
+        </pc:cxnChg>
+      </pc:sldChg>
+    </pc:docChg>
+  </pc:docChgLst>
+  <pc:docChgLst>
+    <pc:chgData name="Francisco Valentin Ramirez Cuevas" userId="e79bf063-6348-4b44-8f45-581164b14c81" providerId="ADAL" clId="{FE3D5A73-17BE-4D2C-B17E-8C7A1A502177}"/>
+    <pc:docChg chg="undo custSel addSld modSld">
+      <pc:chgData name="Francisco Valentin Ramirez Cuevas" userId="e79bf063-6348-4b44-8f45-581164b14c81" providerId="ADAL" clId="{FE3D5A73-17BE-4D2C-B17E-8C7A1A502177}" dt="2022-08-15T04:07:09.981" v="75" actId="1076"/>
+      <pc:docMkLst>
+        <pc:docMk/>
+      </pc:docMkLst>
+      <pc:sldChg chg="addSp delSp modSp add mod">
+        <pc:chgData name="Francisco Valentin Ramirez Cuevas" userId="e79bf063-6348-4b44-8f45-581164b14c81" providerId="ADAL" clId="{FE3D5A73-17BE-4D2C-B17E-8C7A1A502177}" dt="2022-08-15T04:07:09.981" v="75" actId="1076"/>
+        <pc:sldMkLst>
+          <pc:docMk/>
+          <pc:sldMk cId="3485894854" sldId="259"/>
+        </pc:sldMkLst>
+        <pc:spChg chg="del">
+          <ac:chgData name="Francisco Valentin Ramirez Cuevas" userId="e79bf063-6348-4b44-8f45-581164b14c81" providerId="ADAL" clId="{FE3D5A73-17BE-4D2C-B17E-8C7A1A502177}" dt="2022-08-15T04:04:01.397" v="1" actId="478"/>
+          <ac:spMkLst>
+            <pc:docMk/>
+            <pc:sldMk cId="3485894854" sldId="259"/>
+            <ac:spMk id="5" creationId="{6DCC9AD6-8328-FA7E-94AB-15EB9ABF67E6}"/>
+          </ac:spMkLst>
+        </pc:spChg>
+        <pc:spChg chg="add mod">
+          <ac:chgData name="Francisco Valentin Ramirez Cuevas" userId="e79bf063-6348-4b44-8f45-581164b14c81" providerId="ADAL" clId="{FE3D5A73-17BE-4D2C-B17E-8C7A1A502177}" dt="2022-08-15T04:05:07.438" v="26" actId="207"/>
+          <ac:spMkLst>
+            <pc:docMk/>
+            <pc:sldMk cId="3485894854" sldId="259"/>
+            <ac:spMk id="6" creationId="{8E6F4ABA-A6D0-7A17-EED9-8A861D257AC7}"/>
+          </ac:spMkLst>
+        </pc:spChg>
+        <pc:spChg chg="del">
+          <ac:chgData name="Francisco Valentin Ramirez Cuevas" userId="e79bf063-6348-4b44-8f45-581164b14c81" providerId="ADAL" clId="{FE3D5A73-17BE-4D2C-B17E-8C7A1A502177}" dt="2022-08-15T04:04:01.397" v="1" actId="478"/>
+          <ac:spMkLst>
+            <pc:docMk/>
+            <pc:sldMk cId="3485894854" sldId="259"/>
+            <ac:spMk id="7" creationId="{DA757123-6A4F-8721-F0FC-1000A2AD12D2}"/>
+          </ac:spMkLst>
+        </pc:spChg>
+        <pc:spChg chg="add mod">
+          <ac:chgData name="Francisco Valentin Ramirez Cuevas" userId="e79bf063-6348-4b44-8f45-581164b14c81" providerId="ADAL" clId="{FE3D5A73-17BE-4D2C-B17E-8C7A1A502177}" dt="2022-08-15T04:05:07.438" v="26" actId="207"/>
+          <ac:spMkLst>
+            <pc:docMk/>
+            <pc:sldMk cId="3485894854" sldId="259"/>
+            <ac:spMk id="8" creationId="{DA92265B-02F0-26CD-FBC9-52F0C873893E}"/>
+          </ac:spMkLst>
+        </pc:spChg>
+        <pc:spChg chg="add mod">
+          <ac:chgData name="Francisco Valentin Ramirez Cuevas" userId="e79bf063-6348-4b44-8f45-581164b14c81" providerId="ADAL" clId="{FE3D5A73-17BE-4D2C-B17E-8C7A1A502177}" dt="2022-08-15T04:05:07.438" v="26" actId="207"/>
+          <ac:spMkLst>
+            <pc:docMk/>
+            <pc:sldMk cId="3485894854" sldId="259"/>
+            <ac:spMk id="9" creationId="{77DA1C0B-1C7C-07BB-97F8-F6DA987CAFBC}"/>
+          </ac:spMkLst>
+        </pc:spChg>
+        <pc:spChg chg="add mod">
+          <ac:chgData name="Francisco Valentin Ramirez Cuevas" userId="e79bf063-6348-4b44-8f45-581164b14c81" providerId="ADAL" clId="{FE3D5A73-17BE-4D2C-B17E-8C7A1A502177}" dt="2022-08-15T04:05:23.582" v="36" actId="20577"/>
+          <ac:spMkLst>
+            <pc:docMk/>
+            <pc:sldMk cId="3485894854" sldId="259"/>
+            <ac:spMk id="10" creationId="{003B00A1-F5FE-DF07-3820-4CB28AB1AAB2}"/>
+          </ac:spMkLst>
+        </pc:spChg>
+        <pc:spChg chg="add mod">
+          <ac:chgData name="Francisco Valentin Ramirez Cuevas" userId="e79bf063-6348-4b44-8f45-581164b14c81" providerId="ADAL" clId="{FE3D5A73-17BE-4D2C-B17E-8C7A1A502177}" dt="2022-08-15T04:05:26.939" v="37" actId="20577"/>
+          <ac:spMkLst>
+            <pc:docMk/>
+            <pc:sldMk cId="3485894854" sldId="259"/>
+            <ac:spMk id="11" creationId="{A976E85D-9313-803D-0FF2-2CBB32AB0EC6}"/>
+          </ac:spMkLst>
+        </pc:spChg>
+        <pc:spChg chg="add mod">
+          <ac:chgData name="Francisco Valentin Ramirez Cuevas" userId="e79bf063-6348-4b44-8f45-581164b14c81" providerId="ADAL" clId="{FE3D5A73-17BE-4D2C-B17E-8C7A1A502177}" dt="2022-08-15T04:05:28.746" v="38" actId="20577"/>
+          <ac:spMkLst>
+            <pc:docMk/>
+            <pc:sldMk cId="3485894854" sldId="259"/>
+            <ac:spMk id="12" creationId="{F06F5A27-12F9-6E64-BD9C-161BE6BEAD3A}"/>
+          </ac:spMkLst>
+        </pc:spChg>
+        <pc:spChg chg="add mod">
+          <ac:chgData name="Francisco Valentin Ramirez Cuevas" userId="e79bf063-6348-4b44-8f45-581164b14c81" providerId="ADAL" clId="{FE3D5A73-17BE-4D2C-B17E-8C7A1A502177}" dt="2022-08-15T04:05:42.642" v="46" actId="20577"/>
+          <ac:spMkLst>
+            <pc:docMk/>
+            <pc:sldMk cId="3485894854" sldId="259"/>
+            <ac:spMk id="13" creationId="{42DAD19E-483B-5DA3-EA43-F08948BB1798}"/>
+          </ac:spMkLst>
+        </pc:spChg>
+        <pc:spChg chg="add mod">
+          <ac:chgData name="Francisco Valentin Ramirez Cuevas" userId="e79bf063-6348-4b44-8f45-581164b14c81" providerId="ADAL" clId="{FE3D5A73-17BE-4D2C-B17E-8C7A1A502177}" dt="2022-08-15T04:05:45.207" v="47" actId="20577"/>
+          <ac:spMkLst>
+            <pc:docMk/>
+            <pc:sldMk cId="3485894854" sldId="259"/>
+            <ac:spMk id="14" creationId="{601F0670-2536-A323-FA25-FDE050A695B6}"/>
+          </ac:spMkLst>
+        </pc:spChg>
+        <pc:spChg chg="add mod">
+          <ac:chgData name="Francisco Valentin Ramirez Cuevas" userId="e79bf063-6348-4b44-8f45-581164b14c81" providerId="ADAL" clId="{FE3D5A73-17BE-4D2C-B17E-8C7A1A502177}" dt="2022-08-15T04:05:46.696" v="48" actId="20577"/>
+          <ac:spMkLst>
+            <pc:docMk/>
+            <pc:sldMk cId="3485894854" sldId="259"/>
+            <ac:spMk id="15" creationId="{93ED9B95-7781-3939-194F-56F7608B9766}"/>
+          </ac:spMkLst>
+        </pc:spChg>
+        <pc:spChg chg="add mod">
+          <ac:chgData name="Francisco Valentin Ramirez Cuevas" userId="e79bf063-6348-4b44-8f45-581164b14c81" providerId="ADAL" clId="{FE3D5A73-17BE-4D2C-B17E-8C7A1A502177}" dt="2022-08-15T04:06:40.951" v="65" actId="1076"/>
+          <ac:spMkLst>
+            <pc:docMk/>
+            <pc:sldMk cId="3485894854" sldId="259"/>
+            <ac:spMk id="16" creationId="{2CEF4D75-7664-B02C-0A80-180D4994AB3E}"/>
+          </ac:spMkLst>
+        </pc:spChg>
+        <pc:spChg chg="add mod">
+          <ac:chgData name="Francisco Valentin Ramirez Cuevas" userId="e79bf063-6348-4b44-8f45-581164b14c81" providerId="ADAL" clId="{FE3D5A73-17BE-4D2C-B17E-8C7A1A502177}" dt="2022-08-15T04:06:45.758" v="67" actId="1076"/>
+          <ac:spMkLst>
+            <pc:docMk/>
+            <pc:sldMk cId="3485894854" sldId="259"/>
+            <ac:spMk id="17" creationId="{F27140E4-AA9B-6E82-4166-7054A4580760}"/>
+          </ac:spMkLst>
+        </pc:spChg>
+        <pc:spChg chg="add mod">
+          <ac:chgData name="Francisco Valentin Ramirez Cuevas" userId="e79bf063-6348-4b44-8f45-581164b14c81" providerId="ADAL" clId="{FE3D5A73-17BE-4D2C-B17E-8C7A1A502177}" dt="2022-08-15T04:06:53.599" v="69" actId="1076"/>
+          <ac:spMkLst>
+            <pc:docMk/>
+            <pc:sldMk cId="3485894854" sldId="259"/>
+            <ac:spMk id="18" creationId="{C682E232-D2FB-82DB-B847-4A9F3C61A399}"/>
+          </ac:spMkLst>
+        </pc:spChg>
+        <pc:spChg chg="add mod">
+          <ac:chgData name="Francisco Valentin Ramirez Cuevas" userId="e79bf063-6348-4b44-8f45-581164b14c81" providerId="ADAL" clId="{FE3D5A73-17BE-4D2C-B17E-8C7A1A502177}" dt="2022-08-15T04:07:03.987" v="73" actId="1036"/>
+          <ac:spMkLst>
+            <pc:docMk/>
+            <pc:sldMk cId="3485894854" sldId="259"/>
+            <ac:spMk id="19" creationId="{A61FB58D-C966-BAEB-4718-C6A1E96C5C10}"/>
+          </ac:spMkLst>
+        </pc:spChg>
+        <pc:spChg chg="add mod">
+          <ac:chgData name="Francisco Valentin Ramirez Cuevas" userId="e79bf063-6348-4b44-8f45-581164b14c81" providerId="ADAL" clId="{FE3D5A73-17BE-4D2C-B17E-8C7A1A502177}" dt="2022-08-15T04:07:03.987" v="73" actId="1036"/>
+          <ac:spMkLst>
+            <pc:docMk/>
+            <pc:sldMk cId="3485894854" sldId="259"/>
+            <ac:spMk id="20" creationId="{D3FCC4AB-300F-198A-29EE-EEB62DDD529F}"/>
+          </ac:spMkLst>
+        </pc:spChg>
+        <pc:spChg chg="add mod">
+          <ac:chgData name="Francisco Valentin Ramirez Cuevas" userId="e79bf063-6348-4b44-8f45-581164b14c81" providerId="ADAL" clId="{FE3D5A73-17BE-4D2C-B17E-8C7A1A502177}" dt="2022-08-15T04:07:03.987" v="73" actId="1036"/>
+          <ac:spMkLst>
+            <pc:docMk/>
+            <pc:sldMk cId="3485894854" sldId="259"/>
+            <ac:spMk id="21" creationId="{CBB6B6FE-1EA1-67FD-F45D-62B5005BFC93}"/>
+          </ac:spMkLst>
+        </pc:spChg>
+        <pc:spChg chg="add mod">
+          <ac:chgData name="Francisco Valentin Ramirez Cuevas" userId="e79bf063-6348-4b44-8f45-581164b14c81" providerId="ADAL" clId="{FE3D5A73-17BE-4D2C-B17E-8C7A1A502177}" dt="2022-08-15T04:07:09.981" v="75" actId="1076"/>
+          <ac:spMkLst>
+            <pc:docMk/>
+            <pc:sldMk cId="3485894854" sldId="259"/>
+            <ac:spMk id="22" creationId="{DA6178CC-B180-FBBD-FDB7-281C0FA2EA2A}"/>
+          </ac:spMkLst>
+        </pc:spChg>
+        <pc:spChg chg="add mod">
+          <ac:chgData name="Francisco Valentin Ramirez Cuevas" userId="e79bf063-6348-4b44-8f45-581164b14c81" providerId="ADAL" clId="{FE3D5A73-17BE-4D2C-B17E-8C7A1A502177}" dt="2022-08-15T04:07:09.981" v="75" actId="1076"/>
+          <ac:spMkLst>
+            <pc:docMk/>
+            <pc:sldMk cId="3485894854" sldId="259"/>
+            <ac:spMk id="23" creationId="{C688C7F6-7909-514C-FBAD-164E6DD764ED}"/>
+          </ac:spMkLst>
+        </pc:spChg>
+        <pc:spChg chg="add mod">
+          <ac:chgData name="Francisco Valentin Ramirez Cuevas" userId="e79bf063-6348-4b44-8f45-581164b14c81" providerId="ADAL" clId="{FE3D5A73-17BE-4D2C-B17E-8C7A1A502177}" dt="2022-08-15T04:07:09.981" v="75" actId="1076"/>
+          <ac:spMkLst>
+            <pc:docMk/>
+            <pc:sldMk cId="3485894854" sldId="259"/>
+            <ac:spMk id="24" creationId="{4019E980-5FFC-D0BB-D08C-D85707EC90FD}"/>
+          </ac:spMkLst>
+        </pc:spChg>
+        <pc:picChg chg="del">
+          <ac:chgData name="Francisco Valentin Ramirez Cuevas" userId="e79bf063-6348-4b44-8f45-581164b14c81" providerId="ADAL" clId="{FE3D5A73-17BE-4D2C-B17E-8C7A1A502177}" dt="2022-08-15T04:04:01.397" v="1" actId="478"/>
+          <ac:picMkLst>
+            <pc:docMk/>
+            <pc:sldMk cId="3485894854" sldId="259"/>
+            <ac:picMk id="2" creationId="{E47EB808-3F0D-2D4E-7747-F94D175CCADF}"/>
+          </ac:picMkLst>
+        </pc:picChg>
+        <pc:picChg chg="add mod">
+          <ac:chgData name="Francisco Valentin Ramirez Cuevas" userId="e79bf063-6348-4b44-8f45-581164b14c81" providerId="ADAL" clId="{FE3D5A73-17BE-4D2C-B17E-8C7A1A502177}" dt="2022-08-15T04:05:03.182" v="25" actId="1076"/>
+          <ac:picMkLst>
+            <pc:docMk/>
+            <pc:sldMk cId="3485894854" sldId="259"/>
+            <ac:picMk id="4" creationId="{7CE3C2D4-F950-039F-0B76-49C779627518}"/>
+          </ac:picMkLst>
+        </pc:picChg>
+      </pc:sldChg>
+    </pc:docChg>
+  </pc:docChgLst>
   <pc:docChgLst>
     <pc:chgData name="Francisco Valentin Ramirez Cuevas" userId="e79bf063-6348-4b44-8f45-581164b14c81" providerId="ADAL" clId="{BDFFD3DD-7B75-4519-BEDE-C27D41CF9350}"/>
     <pc:docChg chg="undo custSel modSld">
@@ -179,6 +884,219 @@
             <ac:cxnSpMk id="25" creationId="{33E27E92-7AFB-0C45-00D0-CFD626E3DAF7}"/>
           </ac:cxnSpMkLst>
         </pc:cxnChg>
+      </pc:sldChg>
+    </pc:docChg>
+  </pc:docChgLst>
+  <pc:docChgLst>
+    <pc:chgData name="Francisco Valentin Ramirez Cuevas" userId="e79bf063-6348-4b44-8f45-581164b14c81" providerId="ADAL" clId="{93947198-6EF3-4429-A1DA-73044AA7A7E2}"/>
+    <pc:docChg chg="undo custSel addSld delSld modSld">
+      <pc:chgData name="Francisco Valentin Ramirez Cuevas" userId="e79bf063-6348-4b44-8f45-581164b14c81" providerId="ADAL" clId="{93947198-6EF3-4429-A1DA-73044AA7A7E2}" dt="2022-08-19T03:05:12.400" v="70"/>
+      <pc:docMkLst>
+        <pc:docMk/>
+      </pc:docMkLst>
+      <pc:sldChg chg="addSp delSp modSp add del mod">
+        <pc:chgData name="Francisco Valentin Ramirez Cuevas" userId="e79bf063-6348-4b44-8f45-581164b14c81" providerId="ADAL" clId="{93947198-6EF3-4429-A1DA-73044AA7A7E2}" dt="2022-08-17T23:09:38.643" v="30" actId="478"/>
+        <pc:sldMkLst>
+          <pc:docMk/>
+          <pc:sldMk cId="2680790321" sldId="260"/>
+        </pc:sldMkLst>
+        <pc:picChg chg="add mod">
+          <ac:chgData name="Francisco Valentin Ramirez Cuevas" userId="e79bf063-6348-4b44-8f45-581164b14c81" providerId="ADAL" clId="{93947198-6EF3-4429-A1DA-73044AA7A7E2}" dt="2022-08-17T22:20:33.599" v="18" actId="1076"/>
+          <ac:picMkLst>
+            <pc:docMk/>
+            <pc:sldMk cId="2680790321" sldId="260"/>
+            <ac:picMk id="3" creationId="{598297FF-B6F4-70BD-D201-32277AB05A18}"/>
+          </ac:picMkLst>
+        </pc:picChg>
+        <pc:picChg chg="mod modCrop">
+          <ac:chgData name="Francisco Valentin Ramirez Cuevas" userId="e79bf063-6348-4b44-8f45-581164b14c81" providerId="ADAL" clId="{93947198-6EF3-4429-A1DA-73044AA7A7E2}" dt="2022-08-17T22:21:05.928" v="25" actId="1076"/>
+          <ac:picMkLst>
+            <pc:docMk/>
+            <pc:sldMk cId="2680790321" sldId="260"/>
+            <ac:picMk id="5" creationId="{1B708DD9-5BA0-4D3E-B595-4B94E1013BAE}"/>
+          </ac:picMkLst>
+        </pc:picChg>
+        <pc:picChg chg="add del">
+          <ac:chgData name="Francisco Valentin Ramirez Cuevas" userId="e79bf063-6348-4b44-8f45-581164b14c81" providerId="ADAL" clId="{93947198-6EF3-4429-A1DA-73044AA7A7E2}" dt="2022-08-17T23:09:38.643" v="30" actId="478"/>
+          <ac:picMkLst>
+            <pc:docMk/>
+            <pc:sldMk cId="2680790321" sldId="260"/>
+            <ac:picMk id="6" creationId="{C9DDDE37-EFFE-AFF2-5ADA-F9A3E4E7754E}"/>
+          </ac:picMkLst>
+        </pc:picChg>
+      </pc:sldChg>
+      <pc:sldChg chg="addSp delSp modSp add mod">
+        <pc:chgData name="Francisco Valentin Ramirez Cuevas" userId="e79bf063-6348-4b44-8f45-581164b14c81" providerId="ADAL" clId="{93947198-6EF3-4429-A1DA-73044AA7A7E2}" dt="2022-08-18T15:07:50.630" v="57"/>
+        <pc:sldMkLst>
+          <pc:docMk/>
+          <pc:sldMk cId="2083795751" sldId="261"/>
+        </pc:sldMkLst>
+        <pc:picChg chg="add del mod">
+          <ac:chgData name="Francisco Valentin Ramirez Cuevas" userId="e79bf063-6348-4b44-8f45-581164b14c81" providerId="ADAL" clId="{93947198-6EF3-4429-A1DA-73044AA7A7E2}" dt="2022-08-17T23:09:44.824" v="34"/>
+          <ac:picMkLst>
+            <pc:docMk/>
+            <pc:sldMk cId="2083795751" sldId="261"/>
+            <ac:picMk id="2" creationId="{030827D7-736D-E025-B7CB-F975D0EBAFF9}"/>
+          </ac:picMkLst>
+        </pc:picChg>
+        <pc:picChg chg="add del mod">
+          <ac:chgData name="Francisco Valentin Ramirez Cuevas" userId="e79bf063-6348-4b44-8f45-581164b14c81" providerId="ADAL" clId="{93947198-6EF3-4429-A1DA-73044AA7A7E2}" dt="2022-08-17T23:09:49.766" v="39" actId="478"/>
+          <ac:picMkLst>
+            <pc:docMk/>
+            <pc:sldMk cId="2083795751" sldId="261"/>
+            <ac:picMk id="3" creationId="{598297FF-B6F4-70BD-D201-32277AB05A18}"/>
+          </ac:picMkLst>
+        </pc:picChg>
+        <pc:picChg chg="add del mod">
+          <ac:chgData name="Francisco Valentin Ramirez Cuevas" userId="e79bf063-6348-4b44-8f45-581164b14c81" providerId="ADAL" clId="{93947198-6EF3-4429-A1DA-73044AA7A7E2}" dt="2022-08-17T23:09:44.824" v="34"/>
+          <ac:picMkLst>
+            <pc:docMk/>
+            <pc:sldMk cId="2083795751" sldId="261"/>
+            <ac:picMk id="4" creationId="{3FCB446D-1947-97A3-A3F9-C50059584ECC}"/>
+          </ac:picMkLst>
+        </pc:picChg>
+        <pc:picChg chg="add del">
+          <ac:chgData name="Francisco Valentin Ramirez Cuevas" userId="e79bf063-6348-4b44-8f45-581164b14c81" providerId="ADAL" clId="{93947198-6EF3-4429-A1DA-73044AA7A7E2}" dt="2022-08-17T23:09:49.766" v="39" actId="478"/>
+          <ac:picMkLst>
+            <pc:docMk/>
+            <pc:sldMk cId="2083795751" sldId="261"/>
+            <ac:picMk id="5" creationId="{1B708DD9-5BA0-4D3E-B595-4B94E1013BAE}"/>
+          </ac:picMkLst>
+        </pc:picChg>
+        <pc:picChg chg="add del">
+          <ac:chgData name="Francisco Valentin Ramirez Cuevas" userId="e79bf063-6348-4b44-8f45-581164b14c81" providerId="ADAL" clId="{93947198-6EF3-4429-A1DA-73044AA7A7E2}" dt="2022-08-17T23:09:48.113" v="37" actId="21"/>
+          <ac:picMkLst>
+            <pc:docMk/>
+            <pc:sldMk cId="2083795751" sldId="261"/>
+            <ac:picMk id="6" creationId="{C9DDDE37-EFFE-AFF2-5ADA-F9A3E4E7754E}"/>
+          </ac:picMkLst>
+        </pc:picChg>
+        <pc:picChg chg="add del mod">
+          <ac:chgData name="Francisco Valentin Ramirez Cuevas" userId="e79bf063-6348-4b44-8f45-581164b14c81" providerId="ADAL" clId="{93947198-6EF3-4429-A1DA-73044AA7A7E2}" dt="2022-08-17T23:09:50.809" v="41"/>
+          <ac:picMkLst>
+            <pc:docMk/>
+            <pc:sldMk cId="2083795751" sldId="261"/>
+            <ac:picMk id="7" creationId="{7606F5A4-1F1F-3018-5094-F61EB307ED13}"/>
+          </ac:picMkLst>
+        </pc:picChg>
+        <pc:picChg chg="add del">
+          <ac:chgData name="Francisco Valentin Ramirez Cuevas" userId="e79bf063-6348-4b44-8f45-581164b14c81" providerId="ADAL" clId="{93947198-6EF3-4429-A1DA-73044AA7A7E2}" dt="2022-08-18T15:07:47.230" v="56" actId="21"/>
+          <ac:picMkLst>
+            <pc:docMk/>
+            <pc:sldMk cId="2083795751" sldId="261"/>
+            <ac:picMk id="8" creationId="{18EEBDFA-85E2-AA70-0A2C-F46770E74C73}"/>
+          </ac:picMkLst>
+        </pc:picChg>
+        <pc:picChg chg="add del mod">
+          <ac:chgData name="Francisco Valentin Ramirez Cuevas" userId="e79bf063-6348-4b44-8f45-581164b14c81" providerId="ADAL" clId="{93947198-6EF3-4429-A1DA-73044AA7A7E2}" dt="2022-08-17T23:09:56.557" v="44" actId="478"/>
+          <ac:picMkLst>
+            <pc:docMk/>
+            <pc:sldMk cId="2083795751" sldId="261"/>
+            <ac:picMk id="9" creationId="{681F2D80-4E5A-4221-8B1C-B29857AC148A}"/>
+          </ac:picMkLst>
+        </pc:picChg>
+        <pc:picChg chg="add del">
+          <ac:chgData name="Francisco Valentin Ramirez Cuevas" userId="e79bf063-6348-4b44-8f45-581164b14c81" providerId="ADAL" clId="{93947198-6EF3-4429-A1DA-73044AA7A7E2}" dt="2022-08-18T15:07:45.733" v="55" actId="21"/>
+          <ac:picMkLst>
+            <pc:docMk/>
+            <pc:sldMk cId="2083795751" sldId="261"/>
+            <ac:picMk id="11" creationId="{4803E185-12E0-EF3C-C241-C4071E51C513}"/>
+          </ac:picMkLst>
+        </pc:picChg>
+        <pc:picChg chg="add">
+          <ac:chgData name="Francisco Valentin Ramirez Cuevas" userId="e79bf063-6348-4b44-8f45-581164b14c81" providerId="ADAL" clId="{93947198-6EF3-4429-A1DA-73044AA7A7E2}" dt="2022-08-18T15:07:50.630" v="57"/>
+          <ac:picMkLst>
+            <pc:docMk/>
+            <pc:sldMk cId="2083795751" sldId="261"/>
+            <ac:picMk id="12" creationId="{FFB332BD-EB41-17E3-3DED-AE61C3E4C97B}"/>
+          </ac:picMkLst>
+        </pc:picChg>
+      </pc:sldChg>
+      <pc:sldChg chg="addSp delSp modSp add mod">
+        <pc:chgData name="Francisco Valentin Ramirez Cuevas" userId="e79bf063-6348-4b44-8f45-581164b14c81" providerId="ADAL" clId="{93947198-6EF3-4429-A1DA-73044AA7A7E2}" dt="2022-08-19T03:05:03.924" v="65" actId="478"/>
+        <pc:sldMkLst>
+          <pc:docMk/>
+          <pc:sldMk cId="2617182040" sldId="262"/>
+        </pc:sldMkLst>
+        <pc:picChg chg="add del">
+          <ac:chgData name="Francisco Valentin Ramirez Cuevas" userId="e79bf063-6348-4b44-8f45-581164b14c81" providerId="ADAL" clId="{93947198-6EF3-4429-A1DA-73044AA7A7E2}" dt="2022-08-18T15:07:42.907" v="51"/>
+          <ac:picMkLst>
+            <pc:docMk/>
+            <pc:sldMk cId="2617182040" sldId="262"/>
+            <ac:picMk id="2" creationId="{FD1BCAD7-D59D-9B89-C357-CB31F9BF9F23}"/>
+          </ac:picMkLst>
+        </pc:picChg>
+        <pc:picChg chg="add mod">
+          <ac:chgData name="Francisco Valentin Ramirez Cuevas" userId="e79bf063-6348-4b44-8f45-581164b14c81" providerId="ADAL" clId="{93947198-6EF3-4429-A1DA-73044AA7A7E2}" dt="2022-08-18T15:08:07.257" v="62" actId="1076"/>
+          <ac:picMkLst>
+            <pc:docMk/>
+            <pc:sldMk cId="2617182040" sldId="262"/>
+            <ac:picMk id="3" creationId="{281680B0-07AB-6BE9-6661-D7464BE5B607}"/>
+          </ac:picMkLst>
+        </pc:picChg>
+        <pc:picChg chg="add del">
+          <ac:chgData name="Francisco Valentin Ramirez Cuevas" userId="e79bf063-6348-4b44-8f45-581164b14c81" providerId="ADAL" clId="{93947198-6EF3-4429-A1DA-73044AA7A7E2}" dt="2022-08-19T03:05:03.924" v="65" actId="478"/>
+          <ac:picMkLst>
+            <pc:docMk/>
+            <pc:sldMk cId="2617182040" sldId="262"/>
+            <ac:picMk id="5" creationId="{5AA94ECA-7654-DEFE-C1D6-71052313A281}"/>
+          </ac:picMkLst>
+        </pc:picChg>
+        <pc:picChg chg="add del">
+          <ac:chgData name="Francisco Valentin Ramirez Cuevas" userId="e79bf063-6348-4b44-8f45-581164b14c81" providerId="ADAL" clId="{93947198-6EF3-4429-A1DA-73044AA7A7E2}" dt="2022-08-18T15:08:01.241" v="59" actId="478"/>
+          <ac:picMkLst>
+            <pc:docMk/>
+            <pc:sldMk cId="2617182040" sldId="262"/>
+            <ac:picMk id="8" creationId="{18EEBDFA-85E2-AA70-0A2C-F46770E74C73}"/>
+          </ac:picMkLst>
+        </pc:picChg>
+        <pc:picChg chg="add del">
+          <ac:chgData name="Francisco Valentin Ramirez Cuevas" userId="e79bf063-6348-4b44-8f45-581164b14c81" providerId="ADAL" clId="{93947198-6EF3-4429-A1DA-73044AA7A7E2}" dt="2022-08-18T15:08:00.034" v="58" actId="21"/>
+          <ac:picMkLst>
+            <pc:docMk/>
+            <pc:sldMk cId="2617182040" sldId="262"/>
+            <ac:picMk id="11" creationId="{4803E185-12E0-EF3C-C241-C4071E51C513}"/>
+          </ac:picMkLst>
+        </pc:picChg>
+      </pc:sldChg>
+      <pc:sldChg chg="addSp delSp modSp add mod">
+        <pc:chgData name="Francisco Valentin Ramirez Cuevas" userId="e79bf063-6348-4b44-8f45-581164b14c81" providerId="ADAL" clId="{93947198-6EF3-4429-A1DA-73044AA7A7E2}" dt="2022-08-19T03:05:12.400" v="70"/>
+        <pc:sldMkLst>
+          <pc:docMk/>
+          <pc:sldMk cId="3746970517" sldId="263"/>
+        </pc:sldMkLst>
+        <pc:picChg chg="add del mod">
+          <ac:chgData name="Francisco Valentin Ramirez Cuevas" userId="e79bf063-6348-4b44-8f45-581164b14c81" providerId="ADAL" clId="{93947198-6EF3-4429-A1DA-73044AA7A7E2}" dt="2022-08-19T03:05:10.755" v="69" actId="21"/>
+          <ac:picMkLst>
+            <pc:docMk/>
+            <pc:sldMk cId="3746970517" sldId="263"/>
+            <ac:picMk id="2" creationId="{1BBB1B79-129F-749F-6E6B-3C91830DEBC3}"/>
+          </ac:picMkLst>
+        </pc:picChg>
+        <pc:picChg chg="del">
+          <ac:chgData name="Francisco Valentin Ramirez Cuevas" userId="e79bf063-6348-4b44-8f45-581164b14c81" providerId="ADAL" clId="{93947198-6EF3-4429-A1DA-73044AA7A7E2}" dt="2022-08-19T03:05:07.693" v="67" actId="478"/>
+          <ac:picMkLst>
+            <pc:docMk/>
+            <pc:sldMk cId="3746970517" sldId="263"/>
+            <ac:picMk id="3" creationId="{281680B0-07AB-6BE9-6661-D7464BE5B607}"/>
+          </ac:picMkLst>
+        </pc:picChg>
+        <pc:picChg chg="add">
+          <ac:chgData name="Francisco Valentin Ramirez Cuevas" userId="e79bf063-6348-4b44-8f45-581164b14c81" providerId="ADAL" clId="{93947198-6EF3-4429-A1DA-73044AA7A7E2}" dt="2022-08-19T03:05:12.400" v="70"/>
+          <ac:picMkLst>
+            <pc:docMk/>
+            <pc:sldMk cId="3746970517" sldId="263"/>
+            <ac:picMk id="4" creationId="{981F4EED-4FEF-BD1F-E967-7EB2836B4D00}"/>
+          </ac:picMkLst>
+        </pc:picChg>
+        <pc:picChg chg="del">
+          <ac:chgData name="Francisco Valentin Ramirez Cuevas" userId="e79bf063-6348-4b44-8f45-581164b14c81" providerId="ADAL" clId="{93947198-6EF3-4429-A1DA-73044AA7A7E2}" dt="2022-08-19T03:05:05.828" v="66" actId="21"/>
+          <ac:picMkLst>
+            <pc:docMk/>
+            <pc:sldMk cId="3746970517" sldId="263"/>
+            <ac:picMk id="5" creationId="{5AA94ECA-7654-DEFE-C1D6-71052313A281}"/>
+          </ac:picMkLst>
+        </pc:picChg>
       </pc:sldChg>
     </pc:docChg>
   </pc:docChgLst>
@@ -355,808 +1273,6 @@
             <ac:cxnSpMk id="44" creationId="{7AD26A38-796F-F4CA-6D78-6DAF866D975F}"/>
           </ac:cxnSpMkLst>
         </pc:cxnChg>
-      </pc:sldChg>
-      <pc:sldChg chg="addSp delSp modSp add mod">
-        <pc:chgData name="Francisco Valentin Ramirez Cuevas" userId="e79bf063-6348-4b44-8f45-581164b14c81" providerId="ADAL" clId="{46DD198B-7C17-4B5B-89DB-5F5013891DF2}" dt="2022-08-03T22:07:18.104" v="193" actId="478"/>
-        <pc:sldMkLst>
-          <pc:docMk/>
-          <pc:sldMk cId="2135001793" sldId="257"/>
-        </pc:sldMkLst>
-        <pc:spChg chg="del">
-          <ac:chgData name="Francisco Valentin Ramirez Cuevas" userId="e79bf063-6348-4b44-8f45-581164b14c81" providerId="ADAL" clId="{46DD198B-7C17-4B5B-89DB-5F5013891DF2}" dt="2022-08-03T22:06:54.891" v="186" actId="478"/>
-          <ac:spMkLst>
-            <pc:docMk/>
-            <pc:sldMk cId="2135001793" sldId="257"/>
-            <ac:spMk id="20" creationId="{4C2B6058-2AAA-355D-0D8D-D6332672C45E}"/>
-          </ac:spMkLst>
-        </pc:spChg>
-        <pc:spChg chg="del">
-          <ac:chgData name="Francisco Valentin Ramirez Cuevas" userId="e79bf063-6348-4b44-8f45-581164b14c81" providerId="ADAL" clId="{46DD198B-7C17-4B5B-89DB-5F5013891DF2}" dt="2022-08-03T22:06:54.891" v="186" actId="478"/>
-          <ac:spMkLst>
-            <pc:docMk/>
-            <pc:sldMk cId="2135001793" sldId="257"/>
-            <ac:spMk id="21" creationId="{63F9BAEE-EC4C-B81B-B602-0EC74D782AA4}"/>
-          </ac:spMkLst>
-        </pc:spChg>
-        <pc:spChg chg="del">
-          <ac:chgData name="Francisco Valentin Ramirez Cuevas" userId="e79bf063-6348-4b44-8f45-581164b14c81" providerId="ADAL" clId="{46DD198B-7C17-4B5B-89DB-5F5013891DF2}" dt="2022-08-03T22:06:54.891" v="186" actId="478"/>
-          <ac:spMkLst>
-            <pc:docMk/>
-            <pc:sldMk cId="2135001793" sldId="257"/>
-            <ac:spMk id="22" creationId="{E8A434C9-7153-8629-5A69-FAAE2A4FC163}"/>
-          </ac:spMkLst>
-        </pc:spChg>
-        <pc:spChg chg="add del mod">
-          <ac:chgData name="Francisco Valentin Ramirez Cuevas" userId="e79bf063-6348-4b44-8f45-581164b14c81" providerId="ADAL" clId="{46DD198B-7C17-4B5B-89DB-5F5013891DF2}" dt="2022-08-03T22:06:54.891" v="186" actId="478"/>
-          <ac:spMkLst>
-            <pc:docMk/>
-            <pc:sldMk cId="2135001793" sldId="257"/>
-            <ac:spMk id="23" creationId="{A0767B47-EA9F-C5CC-19A3-7B1DB4B78967}"/>
-          </ac:spMkLst>
-        </pc:spChg>
-        <pc:spChg chg="del">
-          <ac:chgData name="Francisco Valentin Ramirez Cuevas" userId="e79bf063-6348-4b44-8f45-581164b14c81" providerId="ADAL" clId="{46DD198B-7C17-4B5B-89DB-5F5013891DF2}" dt="2022-08-03T22:06:54.891" v="186" actId="478"/>
-          <ac:spMkLst>
-            <pc:docMk/>
-            <pc:sldMk cId="2135001793" sldId="257"/>
-            <ac:spMk id="24" creationId="{0D1313DA-9867-4C31-FCFC-6B8E0E8A9307}"/>
-          </ac:spMkLst>
-        </pc:spChg>
-        <pc:spChg chg="del">
-          <ac:chgData name="Francisco Valentin Ramirez Cuevas" userId="e79bf063-6348-4b44-8f45-581164b14c81" providerId="ADAL" clId="{46DD198B-7C17-4B5B-89DB-5F5013891DF2}" dt="2022-08-03T22:06:54.891" v="186" actId="478"/>
-          <ac:spMkLst>
-            <pc:docMk/>
-            <pc:sldMk cId="2135001793" sldId="257"/>
-            <ac:spMk id="25" creationId="{1035C71C-971D-D4DD-8D31-F32E3DE09D8B}"/>
-          </ac:spMkLst>
-        </pc:spChg>
-        <pc:spChg chg="del">
-          <ac:chgData name="Francisco Valentin Ramirez Cuevas" userId="e79bf063-6348-4b44-8f45-581164b14c81" providerId="ADAL" clId="{46DD198B-7C17-4B5B-89DB-5F5013891DF2}" dt="2022-08-03T22:06:54.891" v="186" actId="478"/>
-          <ac:spMkLst>
-            <pc:docMk/>
-            <pc:sldMk cId="2135001793" sldId="257"/>
-            <ac:spMk id="30" creationId="{B884CAD6-6E7A-48E8-A143-E7EE57D7DCA7}"/>
-          </ac:spMkLst>
-        </pc:spChg>
-        <pc:spChg chg="del">
-          <ac:chgData name="Francisco Valentin Ramirez Cuevas" userId="e79bf063-6348-4b44-8f45-581164b14c81" providerId="ADAL" clId="{46DD198B-7C17-4B5B-89DB-5F5013891DF2}" dt="2022-08-03T22:06:54.891" v="186" actId="478"/>
-          <ac:spMkLst>
-            <pc:docMk/>
-            <pc:sldMk cId="2135001793" sldId="257"/>
-            <ac:spMk id="31" creationId="{DFD8EEE2-1B31-9F65-89F5-C56910D0A903}"/>
-          </ac:spMkLst>
-        </pc:spChg>
-        <pc:spChg chg="del">
-          <ac:chgData name="Francisco Valentin Ramirez Cuevas" userId="e79bf063-6348-4b44-8f45-581164b14c81" providerId="ADAL" clId="{46DD198B-7C17-4B5B-89DB-5F5013891DF2}" dt="2022-08-03T22:06:54.891" v="186" actId="478"/>
-          <ac:spMkLst>
-            <pc:docMk/>
-            <pc:sldMk cId="2135001793" sldId="257"/>
-            <ac:spMk id="32" creationId="{B01A4289-C92C-6BFC-138C-FC3938A3F24A}"/>
-          </ac:spMkLst>
-        </pc:spChg>
-        <pc:spChg chg="del">
-          <ac:chgData name="Francisco Valentin Ramirez Cuevas" userId="e79bf063-6348-4b44-8f45-581164b14c81" providerId="ADAL" clId="{46DD198B-7C17-4B5B-89DB-5F5013891DF2}" dt="2022-08-03T22:06:54.891" v="186" actId="478"/>
-          <ac:spMkLst>
-            <pc:docMk/>
-            <pc:sldMk cId="2135001793" sldId="257"/>
-            <ac:spMk id="33" creationId="{A921A9FB-E1C4-2632-5D6A-7E5B3C3E6DB0}"/>
-          </ac:spMkLst>
-        </pc:spChg>
-        <pc:spChg chg="del">
-          <ac:chgData name="Francisco Valentin Ramirez Cuevas" userId="e79bf063-6348-4b44-8f45-581164b14c81" providerId="ADAL" clId="{46DD198B-7C17-4B5B-89DB-5F5013891DF2}" dt="2022-08-03T22:06:54.891" v="186" actId="478"/>
-          <ac:spMkLst>
-            <pc:docMk/>
-            <pc:sldMk cId="2135001793" sldId="257"/>
-            <ac:spMk id="34" creationId="{EC8C82A1-22EF-D212-EC2B-9BCC0BAAC1CB}"/>
-          </ac:spMkLst>
-        </pc:spChg>
-        <pc:spChg chg="del">
-          <ac:chgData name="Francisco Valentin Ramirez Cuevas" userId="e79bf063-6348-4b44-8f45-581164b14c81" providerId="ADAL" clId="{46DD198B-7C17-4B5B-89DB-5F5013891DF2}" dt="2022-08-03T22:06:54.891" v="186" actId="478"/>
-          <ac:spMkLst>
-            <pc:docMk/>
-            <pc:sldMk cId="2135001793" sldId="257"/>
-            <ac:spMk id="35" creationId="{6F1419AD-387D-464E-527E-B575BBEF04E9}"/>
-          </ac:spMkLst>
-        </pc:spChg>
-        <pc:spChg chg="del">
-          <ac:chgData name="Francisco Valentin Ramirez Cuevas" userId="e79bf063-6348-4b44-8f45-581164b14c81" providerId="ADAL" clId="{46DD198B-7C17-4B5B-89DB-5F5013891DF2}" dt="2022-08-03T22:06:54.891" v="186" actId="478"/>
-          <ac:spMkLst>
-            <pc:docMk/>
-            <pc:sldMk cId="2135001793" sldId="257"/>
-            <ac:spMk id="45" creationId="{1F047013-518D-B215-2E51-D607B3D5F3C0}"/>
-          </ac:spMkLst>
-        </pc:spChg>
-        <pc:spChg chg="del">
-          <ac:chgData name="Francisco Valentin Ramirez Cuevas" userId="e79bf063-6348-4b44-8f45-581164b14c81" providerId="ADAL" clId="{46DD198B-7C17-4B5B-89DB-5F5013891DF2}" dt="2022-08-03T22:06:54.891" v="186" actId="478"/>
-          <ac:spMkLst>
-            <pc:docMk/>
-            <pc:sldMk cId="2135001793" sldId="257"/>
-            <ac:spMk id="46" creationId="{D255646C-246E-47AD-F035-72F0FDCB32CF}"/>
-          </ac:spMkLst>
-        </pc:spChg>
-        <pc:picChg chg="add mod">
-          <ac:chgData name="Francisco Valentin Ramirez Cuevas" userId="e79bf063-6348-4b44-8f45-581164b14c81" providerId="ADAL" clId="{46DD198B-7C17-4B5B-89DB-5F5013891DF2}" dt="2022-08-03T22:07:05.231" v="189" actId="962"/>
-          <ac:picMkLst>
-            <pc:docMk/>
-            <pc:sldMk cId="2135001793" sldId="257"/>
-            <ac:picMk id="3" creationId="{2AD948B5-9582-C3C5-B2C3-C20F66DD7A9D}"/>
-          </ac:picMkLst>
-        </pc:picChg>
-        <pc:picChg chg="add del mod">
-          <ac:chgData name="Francisco Valentin Ramirez Cuevas" userId="e79bf063-6348-4b44-8f45-581164b14c81" providerId="ADAL" clId="{46DD198B-7C17-4B5B-89DB-5F5013891DF2}" dt="2022-08-03T22:07:18.104" v="193" actId="478"/>
-          <ac:picMkLst>
-            <pc:docMk/>
-            <pc:sldMk cId="2135001793" sldId="257"/>
-            <ac:picMk id="5" creationId="{B9C91D6B-7DE8-32E4-457E-E65B6500B955}"/>
-          </ac:picMkLst>
-        </pc:picChg>
-        <pc:picChg chg="del">
-          <ac:chgData name="Francisco Valentin Ramirez Cuevas" userId="e79bf063-6348-4b44-8f45-581164b14c81" providerId="ADAL" clId="{46DD198B-7C17-4B5B-89DB-5F5013891DF2}" dt="2022-08-03T22:06:54.891" v="186" actId="478"/>
-          <ac:picMkLst>
-            <pc:docMk/>
-            <pc:sldMk cId="2135001793" sldId="257"/>
-            <ac:picMk id="15" creationId="{9043968B-E8A4-965D-B8CA-92C9B0490213}"/>
-          </ac:picMkLst>
-        </pc:picChg>
-        <pc:picChg chg="del">
-          <ac:chgData name="Francisco Valentin Ramirez Cuevas" userId="e79bf063-6348-4b44-8f45-581164b14c81" providerId="ADAL" clId="{46DD198B-7C17-4B5B-89DB-5F5013891DF2}" dt="2022-08-03T22:06:54.891" v="186" actId="478"/>
-          <ac:picMkLst>
-            <pc:docMk/>
-            <pc:sldMk cId="2135001793" sldId="257"/>
-            <ac:picMk id="16" creationId="{E3CC23CF-7536-E4EB-F55A-A8F8A84BD7D9}"/>
-          </ac:picMkLst>
-        </pc:picChg>
-        <pc:cxnChg chg="del mod">
-          <ac:chgData name="Francisco Valentin Ramirez Cuevas" userId="e79bf063-6348-4b44-8f45-581164b14c81" providerId="ADAL" clId="{46DD198B-7C17-4B5B-89DB-5F5013891DF2}" dt="2022-08-03T22:06:54.891" v="186" actId="478"/>
-          <ac:cxnSpMkLst>
-            <pc:docMk/>
-            <pc:sldMk cId="2135001793" sldId="257"/>
-            <ac:cxnSpMk id="7" creationId="{A8904CAF-4D63-8695-1D89-85EA825B1608}"/>
-          </ac:cxnSpMkLst>
-        </pc:cxnChg>
-        <pc:cxnChg chg="del mod">
-          <ac:chgData name="Francisco Valentin Ramirez Cuevas" userId="e79bf063-6348-4b44-8f45-581164b14c81" providerId="ADAL" clId="{46DD198B-7C17-4B5B-89DB-5F5013891DF2}" dt="2022-08-03T22:06:54.891" v="186" actId="478"/>
-          <ac:cxnSpMkLst>
-            <pc:docMk/>
-            <pc:sldMk cId="2135001793" sldId="257"/>
-            <ac:cxnSpMk id="11" creationId="{3082CAF3-0086-DDA3-FAFA-D8A6E2336C7C}"/>
-          </ac:cxnSpMkLst>
-        </pc:cxnChg>
-        <pc:cxnChg chg="del mod">
-          <ac:chgData name="Francisco Valentin Ramirez Cuevas" userId="e79bf063-6348-4b44-8f45-581164b14c81" providerId="ADAL" clId="{46DD198B-7C17-4B5B-89DB-5F5013891DF2}" dt="2022-08-03T22:06:54.891" v="186" actId="478"/>
-          <ac:cxnSpMkLst>
-            <pc:docMk/>
-            <pc:sldMk cId="2135001793" sldId="257"/>
-            <ac:cxnSpMk id="13" creationId="{F4564006-A072-94F9-9CFA-3FE177DFAC9D}"/>
-          </ac:cxnSpMkLst>
-        </pc:cxnChg>
-        <pc:cxnChg chg="del">
-          <ac:chgData name="Francisco Valentin Ramirez Cuevas" userId="e79bf063-6348-4b44-8f45-581164b14c81" providerId="ADAL" clId="{46DD198B-7C17-4B5B-89DB-5F5013891DF2}" dt="2022-08-03T22:06:54.891" v="186" actId="478"/>
-          <ac:cxnSpMkLst>
-            <pc:docMk/>
-            <pc:sldMk cId="2135001793" sldId="257"/>
-            <ac:cxnSpMk id="36" creationId="{98F8521B-0F63-DE99-F59D-67D0BE5C983E}"/>
-          </ac:cxnSpMkLst>
-        </pc:cxnChg>
-        <pc:cxnChg chg="del">
-          <ac:chgData name="Francisco Valentin Ramirez Cuevas" userId="e79bf063-6348-4b44-8f45-581164b14c81" providerId="ADAL" clId="{46DD198B-7C17-4B5B-89DB-5F5013891DF2}" dt="2022-08-03T22:06:54.891" v="186" actId="478"/>
-          <ac:cxnSpMkLst>
-            <pc:docMk/>
-            <pc:sldMk cId="2135001793" sldId="257"/>
-            <ac:cxnSpMk id="44" creationId="{7AD26A38-796F-F4CA-6D78-6DAF866D975F}"/>
-          </ac:cxnSpMkLst>
-        </pc:cxnChg>
-      </pc:sldChg>
-      <pc:sldChg chg="addSp delSp modSp new mod">
-        <pc:chgData name="Francisco Valentin Ramirez Cuevas" userId="e79bf063-6348-4b44-8f45-581164b14c81" providerId="ADAL" clId="{46DD198B-7C17-4B5B-89DB-5F5013891DF2}" dt="2022-08-04T15:54:28.069" v="453" actId="404"/>
-        <pc:sldMkLst>
-          <pc:docMk/>
-          <pc:sldMk cId="2850460113" sldId="258"/>
-        </pc:sldMkLst>
-        <pc:spChg chg="del">
-          <ac:chgData name="Francisco Valentin Ramirez Cuevas" userId="e79bf063-6348-4b44-8f45-581164b14c81" providerId="ADAL" clId="{46DD198B-7C17-4B5B-89DB-5F5013891DF2}" dt="2022-08-04T15:44:33.593" v="195" actId="478"/>
-          <ac:spMkLst>
-            <pc:docMk/>
-            <pc:sldMk cId="2850460113" sldId="258"/>
-            <ac:spMk id="2" creationId="{0D537E2A-4464-90A2-BECD-C9506E05B94B}"/>
-          </ac:spMkLst>
-        </pc:spChg>
-        <pc:spChg chg="del">
-          <ac:chgData name="Francisco Valentin Ramirez Cuevas" userId="e79bf063-6348-4b44-8f45-581164b14c81" providerId="ADAL" clId="{46DD198B-7C17-4B5B-89DB-5F5013891DF2}" dt="2022-08-04T15:44:33.593" v="195" actId="478"/>
-          <ac:spMkLst>
-            <pc:docMk/>
-            <pc:sldMk cId="2850460113" sldId="258"/>
-            <ac:spMk id="3" creationId="{8D26F188-9A9E-C9A2-4AE5-27966B0005C7}"/>
-          </ac:spMkLst>
-        </pc:spChg>
-        <pc:spChg chg="add mod">
-          <ac:chgData name="Francisco Valentin Ramirez Cuevas" userId="e79bf063-6348-4b44-8f45-581164b14c81" providerId="ADAL" clId="{46DD198B-7C17-4B5B-89DB-5F5013891DF2}" dt="2022-08-04T15:54:28.069" v="453" actId="404"/>
-          <ac:spMkLst>
-            <pc:docMk/>
-            <pc:sldMk cId="2850460113" sldId="258"/>
-            <ac:spMk id="7" creationId="{BC2D159B-BD7F-E8C3-2266-5C37EC5814CB}"/>
-          </ac:spMkLst>
-        </pc:spChg>
-        <pc:spChg chg="add mod">
-          <ac:chgData name="Francisco Valentin Ramirez Cuevas" userId="e79bf063-6348-4b44-8f45-581164b14c81" providerId="ADAL" clId="{46DD198B-7C17-4B5B-89DB-5F5013891DF2}" dt="2022-08-04T15:54:28.069" v="453" actId="404"/>
-          <ac:spMkLst>
-            <pc:docMk/>
-            <pc:sldMk cId="2850460113" sldId="258"/>
-            <ac:spMk id="8" creationId="{8588D994-7DDD-BB89-2204-11BF27CC5342}"/>
-          </ac:spMkLst>
-        </pc:spChg>
-        <pc:spChg chg="add mod">
-          <ac:chgData name="Francisco Valentin Ramirez Cuevas" userId="e79bf063-6348-4b44-8f45-581164b14c81" providerId="ADAL" clId="{46DD198B-7C17-4B5B-89DB-5F5013891DF2}" dt="2022-08-04T15:54:28.069" v="453" actId="404"/>
-          <ac:spMkLst>
-            <pc:docMk/>
-            <pc:sldMk cId="2850460113" sldId="258"/>
-            <ac:spMk id="9" creationId="{FCF94CD6-6B37-6CBF-8649-7B66CC6BC064}"/>
-          </ac:spMkLst>
-        </pc:spChg>
-        <pc:spChg chg="add mod">
-          <ac:chgData name="Francisco Valentin Ramirez Cuevas" userId="e79bf063-6348-4b44-8f45-581164b14c81" providerId="ADAL" clId="{46DD198B-7C17-4B5B-89DB-5F5013891DF2}" dt="2022-08-04T15:54:28.069" v="453" actId="404"/>
-          <ac:spMkLst>
-            <pc:docMk/>
-            <pc:sldMk cId="2850460113" sldId="258"/>
-            <ac:spMk id="10" creationId="{1509A20E-19C9-7363-4D4F-369457D82F84}"/>
-          </ac:spMkLst>
-        </pc:spChg>
-        <pc:spChg chg="add mod">
-          <ac:chgData name="Francisco Valentin Ramirez Cuevas" userId="e79bf063-6348-4b44-8f45-581164b14c81" providerId="ADAL" clId="{46DD198B-7C17-4B5B-89DB-5F5013891DF2}" dt="2022-08-04T15:54:28.069" v="453" actId="404"/>
-          <ac:spMkLst>
-            <pc:docMk/>
-            <pc:sldMk cId="2850460113" sldId="258"/>
-            <ac:spMk id="11" creationId="{5AAA6A64-92B3-ED0E-8AE2-A532471334B8}"/>
-          </ac:spMkLst>
-        </pc:spChg>
-        <pc:spChg chg="add mod">
-          <ac:chgData name="Francisco Valentin Ramirez Cuevas" userId="e79bf063-6348-4b44-8f45-581164b14c81" providerId="ADAL" clId="{46DD198B-7C17-4B5B-89DB-5F5013891DF2}" dt="2022-08-04T15:54:28.069" v="453" actId="404"/>
-          <ac:spMkLst>
-            <pc:docMk/>
-            <pc:sldMk cId="2850460113" sldId="258"/>
-            <ac:spMk id="12" creationId="{AC617986-7464-E0DB-AC67-406636EB184E}"/>
-          </ac:spMkLst>
-        </pc:spChg>
-        <pc:spChg chg="add mod">
-          <ac:chgData name="Francisco Valentin Ramirez Cuevas" userId="e79bf063-6348-4b44-8f45-581164b14c81" providerId="ADAL" clId="{46DD198B-7C17-4B5B-89DB-5F5013891DF2}" dt="2022-08-04T15:54:28.069" v="453" actId="404"/>
-          <ac:spMkLst>
-            <pc:docMk/>
-            <pc:sldMk cId="2850460113" sldId="258"/>
-            <ac:spMk id="13" creationId="{9F1BA03A-D30A-C7BA-C16C-C2E5D41516A7}"/>
-          </ac:spMkLst>
-        </pc:spChg>
-        <pc:spChg chg="add mod">
-          <ac:chgData name="Francisco Valentin Ramirez Cuevas" userId="e79bf063-6348-4b44-8f45-581164b14c81" providerId="ADAL" clId="{46DD198B-7C17-4B5B-89DB-5F5013891DF2}" dt="2022-08-04T15:54:28.069" v="453" actId="404"/>
-          <ac:spMkLst>
-            <pc:docMk/>
-            <pc:sldMk cId="2850460113" sldId="258"/>
-            <ac:spMk id="14" creationId="{33FC521D-8515-B8F1-5491-FD655C9C91C8}"/>
-          </ac:spMkLst>
-        </pc:spChg>
-        <pc:spChg chg="add mod">
-          <ac:chgData name="Francisco Valentin Ramirez Cuevas" userId="e79bf063-6348-4b44-8f45-581164b14c81" providerId="ADAL" clId="{46DD198B-7C17-4B5B-89DB-5F5013891DF2}" dt="2022-08-04T15:54:28.069" v="453" actId="404"/>
-          <ac:spMkLst>
-            <pc:docMk/>
-            <pc:sldMk cId="2850460113" sldId="258"/>
-            <ac:spMk id="15" creationId="{52F8C7EB-4E75-50E3-BA3A-9BF6F1232D1E}"/>
-          </ac:spMkLst>
-        </pc:spChg>
-        <pc:picChg chg="add del">
-          <ac:chgData name="Francisco Valentin Ramirez Cuevas" userId="e79bf063-6348-4b44-8f45-581164b14c81" providerId="ADAL" clId="{46DD198B-7C17-4B5B-89DB-5F5013891DF2}" dt="2022-08-04T15:44:34.981" v="197" actId="21"/>
-          <ac:picMkLst>
-            <pc:docMk/>
-            <pc:sldMk cId="2850460113" sldId="258"/>
-            <ac:picMk id="5" creationId="{26575119-E2E8-A07F-6F04-36E5CED8CBFC}"/>
-          </ac:picMkLst>
-        </pc:picChg>
-        <pc:picChg chg="add mod">
-          <ac:chgData name="Francisco Valentin Ramirez Cuevas" userId="e79bf063-6348-4b44-8f45-581164b14c81" providerId="ADAL" clId="{46DD198B-7C17-4B5B-89DB-5F5013891DF2}" dt="2022-08-04T15:53:06.528" v="428" actId="404"/>
-          <ac:picMkLst>
-            <pc:docMk/>
-            <pc:sldMk cId="2850460113" sldId="258"/>
-            <ac:picMk id="6" creationId="{68D265E3-D834-297A-329E-8E42134F46B0}"/>
-          </ac:picMkLst>
-        </pc:picChg>
-      </pc:sldChg>
-    </pc:docChg>
-  </pc:docChgLst>
-  <pc:docChgLst>
-    <pc:chgData name="Francisco Valentin Ramirez Cuevas" userId="e79bf063-6348-4b44-8f45-581164b14c81" providerId="ADAL" clId="{FE3D5A73-17BE-4D2C-B17E-8C7A1A502177}"/>
-    <pc:docChg chg="undo custSel addSld modSld">
-      <pc:chgData name="Francisco Valentin Ramirez Cuevas" userId="e79bf063-6348-4b44-8f45-581164b14c81" providerId="ADAL" clId="{FE3D5A73-17BE-4D2C-B17E-8C7A1A502177}" dt="2022-08-15T04:07:09.981" v="75" actId="1076"/>
-      <pc:docMkLst>
-        <pc:docMk/>
-      </pc:docMkLst>
-      <pc:sldChg chg="addSp delSp modSp add mod">
-        <pc:chgData name="Francisco Valentin Ramirez Cuevas" userId="e79bf063-6348-4b44-8f45-581164b14c81" providerId="ADAL" clId="{FE3D5A73-17BE-4D2C-B17E-8C7A1A502177}" dt="2022-08-15T04:07:09.981" v="75" actId="1076"/>
-        <pc:sldMkLst>
-          <pc:docMk/>
-          <pc:sldMk cId="3485894854" sldId="259"/>
-        </pc:sldMkLst>
-        <pc:spChg chg="del">
-          <ac:chgData name="Francisco Valentin Ramirez Cuevas" userId="e79bf063-6348-4b44-8f45-581164b14c81" providerId="ADAL" clId="{FE3D5A73-17BE-4D2C-B17E-8C7A1A502177}" dt="2022-08-15T04:04:01.397" v="1" actId="478"/>
-          <ac:spMkLst>
-            <pc:docMk/>
-            <pc:sldMk cId="3485894854" sldId="259"/>
-            <ac:spMk id="5" creationId="{6DCC9AD6-8328-FA7E-94AB-15EB9ABF67E6}"/>
-          </ac:spMkLst>
-        </pc:spChg>
-        <pc:spChg chg="add mod">
-          <ac:chgData name="Francisco Valentin Ramirez Cuevas" userId="e79bf063-6348-4b44-8f45-581164b14c81" providerId="ADAL" clId="{FE3D5A73-17BE-4D2C-B17E-8C7A1A502177}" dt="2022-08-15T04:05:07.438" v="26" actId="207"/>
-          <ac:spMkLst>
-            <pc:docMk/>
-            <pc:sldMk cId="3485894854" sldId="259"/>
-            <ac:spMk id="6" creationId="{8E6F4ABA-A6D0-7A17-EED9-8A861D257AC7}"/>
-          </ac:spMkLst>
-        </pc:spChg>
-        <pc:spChg chg="del">
-          <ac:chgData name="Francisco Valentin Ramirez Cuevas" userId="e79bf063-6348-4b44-8f45-581164b14c81" providerId="ADAL" clId="{FE3D5A73-17BE-4D2C-B17E-8C7A1A502177}" dt="2022-08-15T04:04:01.397" v="1" actId="478"/>
-          <ac:spMkLst>
-            <pc:docMk/>
-            <pc:sldMk cId="3485894854" sldId="259"/>
-            <ac:spMk id="7" creationId="{DA757123-6A4F-8721-F0FC-1000A2AD12D2}"/>
-          </ac:spMkLst>
-        </pc:spChg>
-        <pc:spChg chg="add mod">
-          <ac:chgData name="Francisco Valentin Ramirez Cuevas" userId="e79bf063-6348-4b44-8f45-581164b14c81" providerId="ADAL" clId="{FE3D5A73-17BE-4D2C-B17E-8C7A1A502177}" dt="2022-08-15T04:05:07.438" v="26" actId="207"/>
-          <ac:spMkLst>
-            <pc:docMk/>
-            <pc:sldMk cId="3485894854" sldId="259"/>
-            <ac:spMk id="8" creationId="{DA92265B-02F0-26CD-FBC9-52F0C873893E}"/>
-          </ac:spMkLst>
-        </pc:spChg>
-        <pc:spChg chg="add mod">
-          <ac:chgData name="Francisco Valentin Ramirez Cuevas" userId="e79bf063-6348-4b44-8f45-581164b14c81" providerId="ADAL" clId="{FE3D5A73-17BE-4D2C-B17E-8C7A1A502177}" dt="2022-08-15T04:05:07.438" v="26" actId="207"/>
-          <ac:spMkLst>
-            <pc:docMk/>
-            <pc:sldMk cId="3485894854" sldId="259"/>
-            <ac:spMk id="9" creationId="{77DA1C0B-1C7C-07BB-97F8-F6DA987CAFBC}"/>
-          </ac:spMkLst>
-        </pc:spChg>
-        <pc:spChg chg="add mod">
-          <ac:chgData name="Francisco Valentin Ramirez Cuevas" userId="e79bf063-6348-4b44-8f45-581164b14c81" providerId="ADAL" clId="{FE3D5A73-17BE-4D2C-B17E-8C7A1A502177}" dt="2022-08-15T04:05:23.582" v="36" actId="20577"/>
-          <ac:spMkLst>
-            <pc:docMk/>
-            <pc:sldMk cId="3485894854" sldId="259"/>
-            <ac:spMk id="10" creationId="{003B00A1-F5FE-DF07-3820-4CB28AB1AAB2}"/>
-          </ac:spMkLst>
-        </pc:spChg>
-        <pc:spChg chg="add mod">
-          <ac:chgData name="Francisco Valentin Ramirez Cuevas" userId="e79bf063-6348-4b44-8f45-581164b14c81" providerId="ADAL" clId="{FE3D5A73-17BE-4D2C-B17E-8C7A1A502177}" dt="2022-08-15T04:05:26.939" v="37" actId="20577"/>
-          <ac:spMkLst>
-            <pc:docMk/>
-            <pc:sldMk cId="3485894854" sldId="259"/>
-            <ac:spMk id="11" creationId="{A976E85D-9313-803D-0FF2-2CBB32AB0EC6}"/>
-          </ac:spMkLst>
-        </pc:spChg>
-        <pc:spChg chg="add mod">
-          <ac:chgData name="Francisco Valentin Ramirez Cuevas" userId="e79bf063-6348-4b44-8f45-581164b14c81" providerId="ADAL" clId="{FE3D5A73-17BE-4D2C-B17E-8C7A1A502177}" dt="2022-08-15T04:05:28.746" v="38" actId="20577"/>
-          <ac:spMkLst>
-            <pc:docMk/>
-            <pc:sldMk cId="3485894854" sldId="259"/>
-            <ac:spMk id="12" creationId="{F06F5A27-12F9-6E64-BD9C-161BE6BEAD3A}"/>
-          </ac:spMkLst>
-        </pc:spChg>
-        <pc:spChg chg="add mod">
-          <ac:chgData name="Francisco Valentin Ramirez Cuevas" userId="e79bf063-6348-4b44-8f45-581164b14c81" providerId="ADAL" clId="{FE3D5A73-17BE-4D2C-B17E-8C7A1A502177}" dt="2022-08-15T04:05:42.642" v="46" actId="20577"/>
-          <ac:spMkLst>
-            <pc:docMk/>
-            <pc:sldMk cId="3485894854" sldId="259"/>
-            <ac:spMk id="13" creationId="{42DAD19E-483B-5DA3-EA43-F08948BB1798}"/>
-          </ac:spMkLst>
-        </pc:spChg>
-        <pc:spChg chg="add mod">
-          <ac:chgData name="Francisco Valentin Ramirez Cuevas" userId="e79bf063-6348-4b44-8f45-581164b14c81" providerId="ADAL" clId="{FE3D5A73-17BE-4D2C-B17E-8C7A1A502177}" dt="2022-08-15T04:05:45.207" v="47" actId="20577"/>
-          <ac:spMkLst>
-            <pc:docMk/>
-            <pc:sldMk cId="3485894854" sldId="259"/>
-            <ac:spMk id="14" creationId="{601F0670-2536-A323-FA25-FDE050A695B6}"/>
-          </ac:spMkLst>
-        </pc:spChg>
-        <pc:spChg chg="add mod">
-          <ac:chgData name="Francisco Valentin Ramirez Cuevas" userId="e79bf063-6348-4b44-8f45-581164b14c81" providerId="ADAL" clId="{FE3D5A73-17BE-4D2C-B17E-8C7A1A502177}" dt="2022-08-15T04:05:46.696" v="48" actId="20577"/>
-          <ac:spMkLst>
-            <pc:docMk/>
-            <pc:sldMk cId="3485894854" sldId="259"/>
-            <ac:spMk id="15" creationId="{93ED9B95-7781-3939-194F-56F7608B9766}"/>
-          </ac:spMkLst>
-        </pc:spChg>
-        <pc:spChg chg="add mod">
-          <ac:chgData name="Francisco Valentin Ramirez Cuevas" userId="e79bf063-6348-4b44-8f45-581164b14c81" providerId="ADAL" clId="{FE3D5A73-17BE-4D2C-B17E-8C7A1A502177}" dt="2022-08-15T04:06:40.951" v="65" actId="1076"/>
-          <ac:spMkLst>
-            <pc:docMk/>
-            <pc:sldMk cId="3485894854" sldId="259"/>
-            <ac:spMk id="16" creationId="{2CEF4D75-7664-B02C-0A80-180D4994AB3E}"/>
-          </ac:spMkLst>
-        </pc:spChg>
-        <pc:spChg chg="add mod">
-          <ac:chgData name="Francisco Valentin Ramirez Cuevas" userId="e79bf063-6348-4b44-8f45-581164b14c81" providerId="ADAL" clId="{FE3D5A73-17BE-4D2C-B17E-8C7A1A502177}" dt="2022-08-15T04:06:45.758" v="67" actId="1076"/>
-          <ac:spMkLst>
-            <pc:docMk/>
-            <pc:sldMk cId="3485894854" sldId="259"/>
-            <ac:spMk id="17" creationId="{F27140E4-AA9B-6E82-4166-7054A4580760}"/>
-          </ac:spMkLst>
-        </pc:spChg>
-        <pc:spChg chg="add mod">
-          <ac:chgData name="Francisco Valentin Ramirez Cuevas" userId="e79bf063-6348-4b44-8f45-581164b14c81" providerId="ADAL" clId="{FE3D5A73-17BE-4D2C-B17E-8C7A1A502177}" dt="2022-08-15T04:06:53.599" v="69" actId="1076"/>
-          <ac:spMkLst>
-            <pc:docMk/>
-            <pc:sldMk cId="3485894854" sldId="259"/>
-            <ac:spMk id="18" creationId="{C682E232-D2FB-82DB-B847-4A9F3C61A399}"/>
-          </ac:spMkLst>
-        </pc:spChg>
-        <pc:spChg chg="add mod">
-          <ac:chgData name="Francisco Valentin Ramirez Cuevas" userId="e79bf063-6348-4b44-8f45-581164b14c81" providerId="ADAL" clId="{FE3D5A73-17BE-4D2C-B17E-8C7A1A502177}" dt="2022-08-15T04:07:03.987" v="73" actId="1036"/>
-          <ac:spMkLst>
-            <pc:docMk/>
-            <pc:sldMk cId="3485894854" sldId="259"/>
-            <ac:spMk id="19" creationId="{A61FB58D-C966-BAEB-4718-C6A1E96C5C10}"/>
-          </ac:spMkLst>
-        </pc:spChg>
-        <pc:spChg chg="add mod">
-          <ac:chgData name="Francisco Valentin Ramirez Cuevas" userId="e79bf063-6348-4b44-8f45-581164b14c81" providerId="ADAL" clId="{FE3D5A73-17BE-4D2C-B17E-8C7A1A502177}" dt="2022-08-15T04:07:03.987" v="73" actId="1036"/>
-          <ac:spMkLst>
-            <pc:docMk/>
-            <pc:sldMk cId="3485894854" sldId="259"/>
-            <ac:spMk id="20" creationId="{D3FCC4AB-300F-198A-29EE-EEB62DDD529F}"/>
-          </ac:spMkLst>
-        </pc:spChg>
-        <pc:spChg chg="add mod">
-          <ac:chgData name="Francisco Valentin Ramirez Cuevas" userId="e79bf063-6348-4b44-8f45-581164b14c81" providerId="ADAL" clId="{FE3D5A73-17BE-4D2C-B17E-8C7A1A502177}" dt="2022-08-15T04:07:03.987" v="73" actId="1036"/>
-          <ac:spMkLst>
-            <pc:docMk/>
-            <pc:sldMk cId="3485894854" sldId="259"/>
-            <ac:spMk id="21" creationId="{CBB6B6FE-1EA1-67FD-F45D-62B5005BFC93}"/>
-          </ac:spMkLst>
-        </pc:spChg>
-        <pc:spChg chg="add mod">
-          <ac:chgData name="Francisco Valentin Ramirez Cuevas" userId="e79bf063-6348-4b44-8f45-581164b14c81" providerId="ADAL" clId="{FE3D5A73-17BE-4D2C-B17E-8C7A1A502177}" dt="2022-08-15T04:07:09.981" v="75" actId="1076"/>
-          <ac:spMkLst>
-            <pc:docMk/>
-            <pc:sldMk cId="3485894854" sldId="259"/>
-            <ac:spMk id="22" creationId="{DA6178CC-B180-FBBD-FDB7-281C0FA2EA2A}"/>
-          </ac:spMkLst>
-        </pc:spChg>
-        <pc:spChg chg="add mod">
-          <ac:chgData name="Francisco Valentin Ramirez Cuevas" userId="e79bf063-6348-4b44-8f45-581164b14c81" providerId="ADAL" clId="{FE3D5A73-17BE-4D2C-B17E-8C7A1A502177}" dt="2022-08-15T04:07:09.981" v="75" actId="1076"/>
-          <ac:spMkLst>
-            <pc:docMk/>
-            <pc:sldMk cId="3485894854" sldId="259"/>
-            <ac:spMk id="23" creationId="{C688C7F6-7909-514C-FBAD-164E6DD764ED}"/>
-          </ac:spMkLst>
-        </pc:spChg>
-        <pc:spChg chg="add mod">
-          <ac:chgData name="Francisco Valentin Ramirez Cuevas" userId="e79bf063-6348-4b44-8f45-581164b14c81" providerId="ADAL" clId="{FE3D5A73-17BE-4D2C-B17E-8C7A1A502177}" dt="2022-08-15T04:07:09.981" v="75" actId="1076"/>
-          <ac:spMkLst>
-            <pc:docMk/>
-            <pc:sldMk cId="3485894854" sldId="259"/>
-            <ac:spMk id="24" creationId="{4019E980-5FFC-D0BB-D08C-D85707EC90FD}"/>
-          </ac:spMkLst>
-        </pc:spChg>
-        <pc:picChg chg="del">
-          <ac:chgData name="Francisco Valentin Ramirez Cuevas" userId="e79bf063-6348-4b44-8f45-581164b14c81" providerId="ADAL" clId="{FE3D5A73-17BE-4D2C-B17E-8C7A1A502177}" dt="2022-08-15T04:04:01.397" v="1" actId="478"/>
-          <ac:picMkLst>
-            <pc:docMk/>
-            <pc:sldMk cId="3485894854" sldId="259"/>
-            <ac:picMk id="2" creationId="{E47EB808-3F0D-2D4E-7747-F94D175CCADF}"/>
-          </ac:picMkLst>
-        </pc:picChg>
-        <pc:picChg chg="add mod">
-          <ac:chgData name="Francisco Valentin Ramirez Cuevas" userId="e79bf063-6348-4b44-8f45-581164b14c81" providerId="ADAL" clId="{FE3D5A73-17BE-4D2C-B17E-8C7A1A502177}" dt="2022-08-15T04:05:03.182" v="25" actId="1076"/>
-          <ac:picMkLst>
-            <pc:docMk/>
-            <pc:sldMk cId="3485894854" sldId="259"/>
-            <ac:picMk id="4" creationId="{7CE3C2D4-F950-039F-0B76-49C779627518}"/>
-          </ac:picMkLst>
-        </pc:picChg>
-      </pc:sldChg>
-    </pc:docChg>
-  </pc:docChgLst>
-  <pc:docChgLst>
-    <pc:chgData name="Francisco Valentin Ramirez Cuevas" userId="e79bf063-6348-4b44-8f45-581164b14c81" providerId="ADAL" clId="{BF42B584-1F75-4952-8CDB-16FC9BE668C3}"/>
-    <pc:docChg chg="undo custSel addSld delSld modSld">
-      <pc:chgData name="Francisco Valentin Ramirez Cuevas" userId="e79bf063-6348-4b44-8f45-581164b14c81" providerId="ADAL" clId="{BF42B584-1F75-4952-8CDB-16FC9BE668C3}" dt="2022-08-08T04:50:55.823" v="65" actId="1076"/>
-      <pc:docMkLst>
-        <pc:docMk/>
-      </pc:docMkLst>
-      <pc:sldChg chg="addSp delSp modSp mod">
-        <pc:chgData name="Francisco Valentin Ramirez Cuevas" userId="e79bf063-6348-4b44-8f45-581164b14c81" providerId="ADAL" clId="{BF42B584-1F75-4952-8CDB-16FC9BE668C3}" dt="2022-08-06T13:32:05.185" v="6" actId="1076"/>
-        <pc:sldMkLst>
-          <pc:docMk/>
-          <pc:sldMk cId="2860674138" sldId="256"/>
-        </pc:sldMkLst>
-        <pc:spChg chg="del">
-          <ac:chgData name="Francisco Valentin Ramirez Cuevas" userId="e79bf063-6348-4b44-8f45-581164b14c81" providerId="ADAL" clId="{BF42B584-1F75-4952-8CDB-16FC9BE668C3}" dt="2022-08-06T13:31:57.732" v="1" actId="478"/>
-          <ac:spMkLst>
-            <pc:docMk/>
-            <pc:sldMk cId="2860674138" sldId="256"/>
-            <ac:spMk id="20" creationId="{4C2B6058-2AAA-355D-0D8D-D6332672C45E}"/>
-          </ac:spMkLst>
-        </pc:spChg>
-        <pc:spChg chg="del">
-          <ac:chgData name="Francisco Valentin Ramirez Cuevas" userId="e79bf063-6348-4b44-8f45-581164b14c81" providerId="ADAL" clId="{BF42B584-1F75-4952-8CDB-16FC9BE668C3}" dt="2022-08-06T13:31:57.732" v="1" actId="478"/>
-          <ac:spMkLst>
-            <pc:docMk/>
-            <pc:sldMk cId="2860674138" sldId="256"/>
-            <ac:spMk id="21" creationId="{63F9BAEE-EC4C-B81B-B602-0EC74D782AA4}"/>
-          </ac:spMkLst>
-        </pc:spChg>
-        <pc:spChg chg="del">
-          <ac:chgData name="Francisco Valentin Ramirez Cuevas" userId="e79bf063-6348-4b44-8f45-581164b14c81" providerId="ADAL" clId="{BF42B584-1F75-4952-8CDB-16FC9BE668C3}" dt="2022-08-06T13:31:57.732" v="1" actId="478"/>
-          <ac:spMkLst>
-            <pc:docMk/>
-            <pc:sldMk cId="2860674138" sldId="256"/>
-            <ac:spMk id="22" creationId="{E8A434C9-7153-8629-5A69-FAAE2A4FC163}"/>
-          </ac:spMkLst>
-        </pc:spChg>
-        <pc:spChg chg="del">
-          <ac:chgData name="Francisco Valentin Ramirez Cuevas" userId="e79bf063-6348-4b44-8f45-581164b14c81" providerId="ADAL" clId="{BF42B584-1F75-4952-8CDB-16FC9BE668C3}" dt="2022-08-06T13:31:57.732" v="1" actId="478"/>
-          <ac:spMkLst>
-            <pc:docMk/>
-            <pc:sldMk cId="2860674138" sldId="256"/>
-            <ac:spMk id="24" creationId="{0D1313DA-9867-4C31-FCFC-6B8E0E8A9307}"/>
-          </ac:spMkLst>
-        </pc:spChg>
-        <pc:spChg chg="del">
-          <ac:chgData name="Francisco Valentin Ramirez Cuevas" userId="e79bf063-6348-4b44-8f45-581164b14c81" providerId="ADAL" clId="{BF42B584-1F75-4952-8CDB-16FC9BE668C3}" dt="2022-08-06T13:31:57.732" v="1" actId="478"/>
-          <ac:spMkLst>
-            <pc:docMk/>
-            <pc:sldMk cId="2860674138" sldId="256"/>
-            <ac:spMk id="25" creationId="{1035C71C-971D-D4DD-8D31-F32E3DE09D8B}"/>
-          </ac:spMkLst>
-        </pc:spChg>
-        <pc:spChg chg="del">
-          <ac:chgData name="Francisco Valentin Ramirez Cuevas" userId="e79bf063-6348-4b44-8f45-581164b14c81" providerId="ADAL" clId="{BF42B584-1F75-4952-8CDB-16FC9BE668C3}" dt="2022-08-06T13:31:57.732" v="1" actId="478"/>
-          <ac:spMkLst>
-            <pc:docMk/>
-            <pc:sldMk cId="2860674138" sldId="256"/>
-            <ac:spMk id="30" creationId="{B884CAD6-6E7A-48E8-A143-E7EE57D7DCA7}"/>
-          </ac:spMkLst>
-        </pc:spChg>
-        <pc:spChg chg="del">
-          <ac:chgData name="Francisco Valentin Ramirez Cuevas" userId="e79bf063-6348-4b44-8f45-581164b14c81" providerId="ADAL" clId="{BF42B584-1F75-4952-8CDB-16FC9BE668C3}" dt="2022-08-06T13:31:57.732" v="1" actId="478"/>
-          <ac:spMkLst>
-            <pc:docMk/>
-            <pc:sldMk cId="2860674138" sldId="256"/>
-            <ac:spMk id="31" creationId="{DFD8EEE2-1B31-9F65-89F5-C56910D0A903}"/>
-          </ac:spMkLst>
-        </pc:spChg>
-        <pc:spChg chg="del">
-          <ac:chgData name="Francisco Valentin Ramirez Cuevas" userId="e79bf063-6348-4b44-8f45-581164b14c81" providerId="ADAL" clId="{BF42B584-1F75-4952-8CDB-16FC9BE668C3}" dt="2022-08-06T13:31:57.732" v="1" actId="478"/>
-          <ac:spMkLst>
-            <pc:docMk/>
-            <pc:sldMk cId="2860674138" sldId="256"/>
-            <ac:spMk id="32" creationId="{B01A4289-C92C-6BFC-138C-FC3938A3F24A}"/>
-          </ac:spMkLst>
-        </pc:spChg>
-        <pc:spChg chg="del">
-          <ac:chgData name="Francisco Valentin Ramirez Cuevas" userId="e79bf063-6348-4b44-8f45-581164b14c81" providerId="ADAL" clId="{BF42B584-1F75-4952-8CDB-16FC9BE668C3}" dt="2022-08-06T13:31:57.732" v="1" actId="478"/>
-          <ac:spMkLst>
-            <pc:docMk/>
-            <pc:sldMk cId="2860674138" sldId="256"/>
-            <ac:spMk id="33" creationId="{A921A9FB-E1C4-2632-5D6A-7E5B3C3E6DB0}"/>
-          </ac:spMkLst>
-        </pc:spChg>
-        <pc:spChg chg="del">
-          <ac:chgData name="Francisco Valentin Ramirez Cuevas" userId="e79bf063-6348-4b44-8f45-581164b14c81" providerId="ADAL" clId="{BF42B584-1F75-4952-8CDB-16FC9BE668C3}" dt="2022-08-06T13:31:57.732" v="1" actId="478"/>
-          <ac:spMkLst>
-            <pc:docMk/>
-            <pc:sldMk cId="2860674138" sldId="256"/>
-            <ac:spMk id="34" creationId="{EC8C82A1-22EF-D212-EC2B-9BCC0BAAC1CB}"/>
-          </ac:spMkLst>
-        </pc:spChg>
-        <pc:spChg chg="del">
-          <ac:chgData name="Francisco Valentin Ramirez Cuevas" userId="e79bf063-6348-4b44-8f45-581164b14c81" providerId="ADAL" clId="{BF42B584-1F75-4952-8CDB-16FC9BE668C3}" dt="2022-08-06T13:31:57.732" v="1" actId="478"/>
-          <ac:spMkLst>
-            <pc:docMk/>
-            <pc:sldMk cId="2860674138" sldId="256"/>
-            <ac:spMk id="35" creationId="{6F1419AD-387D-464E-527E-B575BBEF04E9}"/>
-          </ac:spMkLst>
-        </pc:spChg>
-        <pc:spChg chg="del">
-          <ac:chgData name="Francisco Valentin Ramirez Cuevas" userId="e79bf063-6348-4b44-8f45-581164b14c81" providerId="ADAL" clId="{BF42B584-1F75-4952-8CDB-16FC9BE668C3}" dt="2022-08-06T13:31:57.732" v="1" actId="478"/>
-          <ac:spMkLst>
-            <pc:docMk/>
-            <pc:sldMk cId="2860674138" sldId="256"/>
-            <ac:spMk id="45" creationId="{1F047013-518D-B215-2E51-D607B3D5F3C0}"/>
-          </ac:spMkLst>
-        </pc:spChg>
-        <pc:spChg chg="del">
-          <ac:chgData name="Francisco Valentin Ramirez Cuevas" userId="e79bf063-6348-4b44-8f45-581164b14c81" providerId="ADAL" clId="{BF42B584-1F75-4952-8CDB-16FC9BE668C3}" dt="2022-08-06T13:31:57.732" v="1" actId="478"/>
-          <ac:spMkLst>
-            <pc:docMk/>
-            <pc:sldMk cId="2860674138" sldId="256"/>
-            <ac:spMk id="46" creationId="{D255646C-246E-47AD-F035-72F0FDCB32CF}"/>
-          </ac:spMkLst>
-        </pc:spChg>
-        <pc:picChg chg="add del">
-          <ac:chgData name="Francisco Valentin Ramirez Cuevas" userId="e79bf063-6348-4b44-8f45-581164b14c81" providerId="ADAL" clId="{BF42B584-1F75-4952-8CDB-16FC9BE668C3}" dt="2022-08-06T13:32:00.405" v="3" actId="21"/>
-          <ac:picMkLst>
-            <pc:docMk/>
-            <pc:sldMk cId="2860674138" sldId="256"/>
-            <ac:picMk id="3" creationId="{A862D128-58A2-429C-DE36-B3F2D248359C}"/>
-          </ac:picMkLst>
-        </pc:picChg>
-        <pc:picChg chg="add mod">
-          <ac:chgData name="Francisco Valentin Ramirez Cuevas" userId="e79bf063-6348-4b44-8f45-581164b14c81" providerId="ADAL" clId="{BF42B584-1F75-4952-8CDB-16FC9BE668C3}" dt="2022-08-06T13:32:05.185" v="6" actId="1076"/>
-          <ac:picMkLst>
-            <pc:docMk/>
-            <pc:sldMk cId="2860674138" sldId="256"/>
-            <ac:picMk id="4" creationId="{F139ED17-0AB3-EDD1-C2B4-0B1996BAF329}"/>
-          </ac:picMkLst>
-        </pc:picChg>
-        <pc:picChg chg="del">
-          <ac:chgData name="Francisco Valentin Ramirez Cuevas" userId="e79bf063-6348-4b44-8f45-581164b14c81" providerId="ADAL" clId="{BF42B584-1F75-4952-8CDB-16FC9BE668C3}" dt="2022-08-06T13:31:57.732" v="1" actId="478"/>
-          <ac:picMkLst>
-            <pc:docMk/>
-            <pc:sldMk cId="2860674138" sldId="256"/>
-            <ac:picMk id="15" creationId="{9043968B-E8A4-965D-B8CA-92C9B0490213}"/>
-          </ac:picMkLst>
-        </pc:picChg>
-        <pc:picChg chg="del">
-          <ac:chgData name="Francisco Valentin Ramirez Cuevas" userId="e79bf063-6348-4b44-8f45-581164b14c81" providerId="ADAL" clId="{BF42B584-1F75-4952-8CDB-16FC9BE668C3}" dt="2022-08-06T13:31:57.732" v="1" actId="478"/>
-          <ac:picMkLst>
-            <pc:docMk/>
-            <pc:sldMk cId="2860674138" sldId="256"/>
-            <ac:picMk id="16" creationId="{E3CC23CF-7536-E4EB-F55A-A8F8A84BD7D9}"/>
-          </ac:picMkLst>
-        </pc:picChg>
-        <pc:cxnChg chg="del mod">
-          <ac:chgData name="Francisco Valentin Ramirez Cuevas" userId="e79bf063-6348-4b44-8f45-581164b14c81" providerId="ADAL" clId="{BF42B584-1F75-4952-8CDB-16FC9BE668C3}" dt="2022-08-06T13:31:57.732" v="1" actId="478"/>
-          <ac:cxnSpMkLst>
-            <pc:docMk/>
-            <pc:sldMk cId="2860674138" sldId="256"/>
-            <ac:cxnSpMk id="7" creationId="{A8904CAF-4D63-8695-1D89-85EA825B1608}"/>
-          </ac:cxnSpMkLst>
-        </pc:cxnChg>
-        <pc:cxnChg chg="del mod">
-          <ac:chgData name="Francisco Valentin Ramirez Cuevas" userId="e79bf063-6348-4b44-8f45-581164b14c81" providerId="ADAL" clId="{BF42B584-1F75-4952-8CDB-16FC9BE668C3}" dt="2022-08-06T13:31:57.732" v="1" actId="478"/>
-          <ac:cxnSpMkLst>
-            <pc:docMk/>
-            <pc:sldMk cId="2860674138" sldId="256"/>
-            <ac:cxnSpMk id="11" creationId="{3082CAF3-0086-DDA3-FAFA-D8A6E2336C7C}"/>
-          </ac:cxnSpMkLst>
-        </pc:cxnChg>
-        <pc:cxnChg chg="del mod">
-          <ac:chgData name="Francisco Valentin Ramirez Cuevas" userId="e79bf063-6348-4b44-8f45-581164b14c81" providerId="ADAL" clId="{BF42B584-1F75-4952-8CDB-16FC9BE668C3}" dt="2022-08-06T13:31:57.732" v="1" actId="478"/>
-          <ac:cxnSpMkLst>
-            <pc:docMk/>
-            <pc:sldMk cId="2860674138" sldId="256"/>
-            <ac:cxnSpMk id="13" creationId="{F4564006-A072-94F9-9CFA-3FE177DFAC9D}"/>
-          </ac:cxnSpMkLst>
-        </pc:cxnChg>
-        <pc:cxnChg chg="del">
-          <ac:chgData name="Francisco Valentin Ramirez Cuevas" userId="e79bf063-6348-4b44-8f45-581164b14c81" providerId="ADAL" clId="{BF42B584-1F75-4952-8CDB-16FC9BE668C3}" dt="2022-08-06T13:31:57.732" v="1" actId="478"/>
-          <ac:cxnSpMkLst>
-            <pc:docMk/>
-            <pc:sldMk cId="2860674138" sldId="256"/>
-            <ac:cxnSpMk id="36" creationId="{98F8521B-0F63-DE99-F59D-67D0BE5C983E}"/>
-          </ac:cxnSpMkLst>
-        </pc:cxnChg>
-        <pc:cxnChg chg="del">
-          <ac:chgData name="Francisco Valentin Ramirez Cuevas" userId="e79bf063-6348-4b44-8f45-581164b14c81" providerId="ADAL" clId="{BF42B584-1F75-4952-8CDB-16FC9BE668C3}" dt="2022-08-06T13:31:57.732" v="1" actId="478"/>
-          <ac:cxnSpMkLst>
-            <pc:docMk/>
-            <pc:sldMk cId="2860674138" sldId="256"/>
-            <ac:cxnSpMk id="44" creationId="{7AD26A38-796F-F4CA-6D78-6DAF866D975F}"/>
-          </ac:cxnSpMkLst>
-        </pc:cxnChg>
-      </pc:sldChg>
-      <pc:sldChg chg="addSp delSp modSp new mod">
-        <pc:chgData name="Francisco Valentin Ramirez Cuevas" userId="e79bf063-6348-4b44-8f45-581164b14c81" providerId="ADAL" clId="{BF42B584-1F75-4952-8CDB-16FC9BE668C3}" dt="2022-08-08T04:43:58.299" v="16" actId="478"/>
-        <pc:sldMkLst>
-          <pc:docMk/>
-          <pc:sldMk cId="438522008" sldId="257"/>
-        </pc:sldMkLst>
-        <pc:spChg chg="del">
-          <ac:chgData name="Francisco Valentin Ramirez Cuevas" userId="e79bf063-6348-4b44-8f45-581164b14c81" providerId="ADAL" clId="{BF42B584-1F75-4952-8CDB-16FC9BE668C3}" dt="2022-08-06T13:33:02.399" v="8" actId="478"/>
-          <ac:spMkLst>
-            <pc:docMk/>
-            <pc:sldMk cId="438522008" sldId="257"/>
-            <ac:spMk id="2" creationId="{BEECDB48-4DD1-94A1-B533-75A78CCEB074}"/>
-          </ac:spMkLst>
-        </pc:spChg>
-        <pc:spChg chg="del">
-          <ac:chgData name="Francisco Valentin Ramirez Cuevas" userId="e79bf063-6348-4b44-8f45-581164b14c81" providerId="ADAL" clId="{BF42B584-1F75-4952-8CDB-16FC9BE668C3}" dt="2022-08-06T13:33:02.399" v="8" actId="478"/>
-          <ac:spMkLst>
-            <pc:docMk/>
-            <pc:sldMk cId="438522008" sldId="257"/>
-            <ac:spMk id="3" creationId="{5755F6D4-D0F0-A903-D003-2C38DABC29E7}"/>
-          </ac:spMkLst>
-        </pc:spChg>
-        <pc:picChg chg="add del">
-          <ac:chgData name="Francisco Valentin Ramirez Cuevas" userId="e79bf063-6348-4b44-8f45-581164b14c81" providerId="ADAL" clId="{BF42B584-1F75-4952-8CDB-16FC9BE668C3}" dt="2022-08-08T04:43:58.299" v="16" actId="478"/>
-          <ac:picMkLst>
-            <pc:docMk/>
-            <pc:sldMk cId="438522008" sldId="257"/>
-            <ac:picMk id="3" creationId="{FCEC7515-8CBF-4972-7173-4FA30D693CF8}"/>
-          </ac:picMkLst>
-        </pc:picChg>
-        <pc:picChg chg="add del">
-          <ac:chgData name="Francisco Valentin Ramirez Cuevas" userId="e79bf063-6348-4b44-8f45-581164b14c81" providerId="ADAL" clId="{BF42B584-1F75-4952-8CDB-16FC9BE668C3}" dt="2022-08-06T13:33:03.436" v="10" actId="21"/>
-          <ac:picMkLst>
-            <pc:docMk/>
-            <pc:sldMk cId="438522008" sldId="257"/>
-            <ac:picMk id="5" creationId="{1B480274-115E-5BB1-4850-ECDA37EEB4BE}"/>
-          </ac:picMkLst>
-        </pc:picChg>
-        <pc:picChg chg="add mod">
-          <ac:chgData name="Francisco Valentin Ramirez Cuevas" userId="e79bf063-6348-4b44-8f45-581164b14c81" providerId="ADAL" clId="{BF42B584-1F75-4952-8CDB-16FC9BE668C3}" dt="2022-08-06T13:33:08.603" v="13" actId="1076"/>
-          <ac:picMkLst>
-            <pc:docMk/>
-            <pc:sldMk cId="438522008" sldId="257"/>
-            <ac:picMk id="6" creationId="{C9E67B7A-8432-3529-EFC4-CBFD3FFB622C}"/>
-          </ac:picMkLst>
-        </pc:picChg>
-      </pc:sldChg>
-      <pc:sldChg chg="del">
-        <pc:chgData name="Francisco Valentin Ramirez Cuevas" userId="e79bf063-6348-4b44-8f45-581164b14c81" providerId="ADAL" clId="{BF42B584-1F75-4952-8CDB-16FC9BE668C3}" dt="2022-08-06T13:31:06.945" v="0" actId="47"/>
-        <pc:sldMkLst>
-          <pc:docMk/>
-          <pc:sldMk cId="2135001793" sldId="257"/>
-        </pc:sldMkLst>
-      </pc:sldChg>
-      <pc:sldChg chg="del">
-        <pc:chgData name="Francisco Valentin Ramirez Cuevas" userId="e79bf063-6348-4b44-8f45-581164b14c81" providerId="ADAL" clId="{BF42B584-1F75-4952-8CDB-16FC9BE668C3}" dt="2022-08-06T13:31:06.945" v="0" actId="47"/>
-        <pc:sldMkLst>
-          <pc:docMk/>
-          <pc:sldMk cId="2850460113" sldId="258"/>
-        </pc:sldMkLst>
-      </pc:sldChg>
-      <pc:sldChg chg="addSp delSp modSp add mod">
-        <pc:chgData name="Francisco Valentin Ramirez Cuevas" userId="e79bf063-6348-4b44-8f45-581164b14c81" providerId="ADAL" clId="{BF42B584-1F75-4952-8CDB-16FC9BE668C3}" dt="2022-08-08T04:50:55.823" v="65" actId="1076"/>
-        <pc:sldMkLst>
-          <pc:docMk/>
-          <pc:sldMk cId="3517987463" sldId="258"/>
-        </pc:sldMkLst>
-        <pc:spChg chg="add mod">
-          <ac:chgData name="Francisco Valentin Ramirez Cuevas" userId="e79bf063-6348-4b44-8f45-581164b14c81" providerId="ADAL" clId="{BF42B584-1F75-4952-8CDB-16FC9BE668C3}" dt="2022-08-08T04:50:31.654" v="57" actId="1038"/>
-          <ac:spMkLst>
-            <pc:docMk/>
-            <pc:sldMk cId="3517987463" sldId="258"/>
-            <ac:spMk id="5" creationId="{6DCC9AD6-8328-FA7E-94AB-15EB9ABF67E6}"/>
-          </ac:spMkLst>
-        </pc:spChg>
-        <pc:spChg chg="add mod">
-          <ac:chgData name="Francisco Valentin Ramirez Cuevas" userId="e79bf063-6348-4b44-8f45-581164b14c81" providerId="ADAL" clId="{BF42B584-1F75-4952-8CDB-16FC9BE668C3}" dt="2022-08-08T04:50:53.021" v="63" actId="1076"/>
-          <ac:spMkLst>
-            <pc:docMk/>
-            <pc:sldMk cId="3517987463" sldId="258"/>
-            <ac:spMk id="7" creationId="{DA757123-6A4F-8721-F0FC-1000A2AD12D2}"/>
-          </ac:spMkLst>
-        </pc:spChg>
-        <pc:picChg chg="add mod">
-          <ac:chgData name="Francisco Valentin Ramirez Cuevas" userId="e79bf063-6348-4b44-8f45-581164b14c81" providerId="ADAL" clId="{BF42B584-1F75-4952-8CDB-16FC9BE668C3}" dt="2022-08-08T04:50:55.823" v="65" actId="1076"/>
-          <ac:picMkLst>
-            <pc:docMk/>
-            <pc:sldMk cId="3517987463" sldId="258"/>
-            <ac:picMk id="2" creationId="{E47EB808-3F0D-2D4E-7747-F94D175CCADF}"/>
-          </ac:picMkLst>
-        </pc:picChg>
-        <pc:picChg chg="del">
-          <ac:chgData name="Francisco Valentin Ramirez Cuevas" userId="e79bf063-6348-4b44-8f45-581164b14c81" providerId="ADAL" clId="{BF42B584-1F75-4952-8CDB-16FC9BE668C3}" dt="2022-08-08T04:44:00.634" v="17" actId="21"/>
-          <ac:picMkLst>
-            <pc:docMk/>
-            <pc:sldMk cId="3517987463" sldId="258"/>
-            <ac:picMk id="3" creationId="{FCEC7515-8CBF-4972-7173-4FA30D693CF8}"/>
-          </ac:picMkLst>
-        </pc:picChg>
-        <pc:picChg chg="add del mod">
-          <ac:chgData name="Francisco Valentin Ramirez Cuevas" userId="e79bf063-6348-4b44-8f45-581164b14c81" providerId="ADAL" clId="{BF42B584-1F75-4952-8CDB-16FC9BE668C3}" dt="2022-08-08T04:44:02.747" v="20"/>
-          <ac:picMkLst>
-            <pc:docMk/>
-            <pc:sldMk cId="3517987463" sldId="258"/>
-            <ac:picMk id="4" creationId="{9FB722B4-1542-2B4D-C224-E37D378DFF58}"/>
-          </ac:picMkLst>
-        </pc:picChg>
-        <pc:picChg chg="del">
-          <ac:chgData name="Francisco Valentin Ramirez Cuevas" userId="e79bf063-6348-4b44-8f45-581164b14c81" providerId="ADAL" clId="{BF42B584-1F75-4952-8CDB-16FC9BE668C3}" dt="2022-08-08T04:44:01.837" v="18" actId="478"/>
-          <ac:picMkLst>
-            <pc:docMk/>
-            <pc:sldMk cId="3517987463" sldId="258"/>
-            <ac:picMk id="6" creationId="{C9E67B7A-8432-3529-EFC4-CBFD3FFB622C}"/>
-          </ac:picMkLst>
-        </pc:picChg>
       </pc:sldChg>
     </pc:docChg>
   </pc:docChgLst>
@@ -1310,7 +1426,7 @@
           <a:p>
             <a:fld id="{D66EF1AE-13F2-45B2-A494-0C0C1CB88371}" type="datetimeFigureOut">
               <a:rPr lang="en-US" smtClean="0"/>
-              <a:t>8/15/2022</a:t>
+              <a:t>8/17/2022</a:t>
             </a:fld>
             <a:endParaRPr lang="en-US"/>
           </a:p>
@@ -1508,7 +1624,7 @@
           <a:p>
             <a:fld id="{D66EF1AE-13F2-45B2-A494-0C0C1CB88371}" type="datetimeFigureOut">
               <a:rPr lang="en-US" smtClean="0"/>
-              <a:t>8/15/2022</a:t>
+              <a:t>8/17/2022</a:t>
             </a:fld>
             <a:endParaRPr lang="en-US"/>
           </a:p>
@@ -1716,7 +1832,7 @@
           <a:p>
             <a:fld id="{D66EF1AE-13F2-45B2-A494-0C0C1CB88371}" type="datetimeFigureOut">
               <a:rPr lang="en-US" smtClean="0"/>
-              <a:t>8/15/2022</a:t>
+              <a:t>8/17/2022</a:t>
             </a:fld>
             <a:endParaRPr lang="en-US"/>
           </a:p>
@@ -1914,7 +2030,7 @@
           <a:p>
             <a:fld id="{D66EF1AE-13F2-45B2-A494-0C0C1CB88371}" type="datetimeFigureOut">
               <a:rPr lang="en-US" smtClean="0"/>
-              <a:t>8/15/2022</a:t>
+              <a:t>8/17/2022</a:t>
             </a:fld>
             <a:endParaRPr lang="en-US"/>
           </a:p>
@@ -2189,7 +2305,7 @@
           <a:p>
             <a:fld id="{D66EF1AE-13F2-45B2-A494-0C0C1CB88371}" type="datetimeFigureOut">
               <a:rPr lang="en-US" smtClean="0"/>
-              <a:t>8/15/2022</a:t>
+              <a:t>8/17/2022</a:t>
             </a:fld>
             <a:endParaRPr lang="en-US"/>
           </a:p>
@@ -2454,7 +2570,7 @@
           <a:p>
             <a:fld id="{D66EF1AE-13F2-45B2-A494-0C0C1CB88371}" type="datetimeFigureOut">
               <a:rPr lang="en-US" smtClean="0"/>
-              <a:t>8/15/2022</a:t>
+              <a:t>8/17/2022</a:t>
             </a:fld>
             <a:endParaRPr lang="en-US"/>
           </a:p>
@@ -2866,7 +2982,7 @@
           <a:p>
             <a:fld id="{D66EF1AE-13F2-45B2-A494-0C0C1CB88371}" type="datetimeFigureOut">
               <a:rPr lang="en-US" smtClean="0"/>
-              <a:t>8/15/2022</a:t>
+              <a:t>8/17/2022</a:t>
             </a:fld>
             <a:endParaRPr lang="en-US"/>
           </a:p>
@@ -3007,7 +3123,7 @@
           <a:p>
             <a:fld id="{D66EF1AE-13F2-45B2-A494-0C0C1CB88371}" type="datetimeFigureOut">
               <a:rPr lang="en-US" smtClean="0"/>
-              <a:t>8/15/2022</a:t>
+              <a:t>8/17/2022</a:t>
             </a:fld>
             <a:endParaRPr lang="en-US"/>
           </a:p>
@@ -3120,7 +3236,7 @@
           <a:p>
             <a:fld id="{D66EF1AE-13F2-45B2-A494-0C0C1CB88371}" type="datetimeFigureOut">
               <a:rPr lang="en-US" smtClean="0"/>
-              <a:t>8/15/2022</a:t>
+              <a:t>8/17/2022</a:t>
             </a:fld>
             <a:endParaRPr lang="en-US"/>
           </a:p>
@@ -3431,7 +3547,7 @@
           <a:p>
             <a:fld id="{D66EF1AE-13F2-45B2-A494-0C0C1CB88371}" type="datetimeFigureOut">
               <a:rPr lang="en-US" smtClean="0"/>
-              <a:t>8/15/2022</a:t>
+              <a:t>8/17/2022</a:t>
             </a:fld>
             <a:endParaRPr lang="en-US"/>
           </a:p>
@@ -3719,7 +3835,7 @@
           <a:p>
             <a:fld id="{D66EF1AE-13F2-45B2-A494-0C0C1CB88371}" type="datetimeFigureOut">
               <a:rPr lang="en-US" smtClean="0"/>
-              <a:t>8/15/2022</a:t>
+              <a:t>8/17/2022</a:t>
             </a:fld>
             <a:endParaRPr lang="en-US"/>
           </a:p>
@@ -3960,7 +4076,7 @@
           <a:p>
             <a:fld id="{D66EF1AE-13F2-45B2-A494-0C0C1CB88371}" type="datetimeFigureOut">
               <a:rPr lang="en-US" smtClean="0"/>
-              <a:t>8/15/2022</a:t>
+              <a:t>8/17/2022</a:t>
             </a:fld>
             <a:endParaRPr lang="en-US"/>
           </a:p>
@@ -6342,8 +6458,8 @@
           </a:fontRef>
         </p:style>
       </p:cxnSp>
-      <mc:AlternateContent xmlns:mc="http://schemas.openxmlformats.org/markup-compatibility/2006">
-        <mc:Choice xmlns:a14="http://schemas.microsoft.com/office/drawing/2010/main" Requires="a14">
+      <mc:AlternateContent xmlns:mc="http://schemas.openxmlformats.org/markup-compatibility/2006" xmlns:a14="http://schemas.microsoft.com/office/drawing/2010/main">
+        <mc:Choice Requires="a14">
           <p:sp>
             <p:nvSpPr>
               <p:cNvPr id="31" name="TextBox 30">
@@ -6400,7 +6516,7 @@
             </p:txBody>
           </p:sp>
         </mc:Choice>
-        <mc:Fallback>
+        <mc:Fallback xmlns="">
           <p:sp>
             <p:nvSpPr>
               <p:cNvPr id="31" name="TextBox 30">
@@ -6445,8 +6561,8 @@
           </p:sp>
         </mc:Fallback>
       </mc:AlternateContent>
-      <mc:AlternateContent xmlns:mc="http://schemas.openxmlformats.org/markup-compatibility/2006">
-        <mc:Choice xmlns:a14="http://schemas.microsoft.com/office/drawing/2010/main" Requires="a14">
+      <mc:AlternateContent xmlns:mc="http://schemas.openxmlformats.org/markup-compatibility/2006" xmlns:a14="http://schemas.microsoft.com/office/drawing/2010/main">
+        <mc:Choice Requires="a14">
           <p:sp>
             <p:nvSpPr>
               <p:cNvPr id="32" name="TextBox 31">
@@ -6503,7 +6619,7 @@
             </p:txBody>
           </p:sp>
         </mc:Choice>
-        <mc:Fallback>
+        <mc:Fallback xmlns="">
           <p:sp>
             <p:nvSpPr>
               <p:cNvPr id="32" name="TextBox 31">
@@ -6552,6 +6668,281 @@
     <p:extLst>
       <p:ext uri="{BB962C8B-B14F-4D97-AF65-F5344CB8AC3E}">
         <p14:creationId xmlns:p14="http://schemas.microsoft.com/office/powerpoint/2010/main" val="3485894854"/>
+      </p:ext>
+    </p:extLst>
+  </p:cSld>
+  <p:clrMapOvr>
+    <a:masterClrMapping/>
+  </p:clrMapOvr>
+</p:sld>
+</file>
+
+<file path=ppt/slides/slide5.xml><?xml version="1.0" encoding="utf-8"?>
+<p:sld xmlns:a="http://schemas.openxmlformats.org/drawingml/2006/main" xmlns:r="http://schemas.openxmlformats.org/officeDocument/2006/relationships" xmlns:p="http://schemas.openxmlformats.org/presentationml/2006/main">
+  <p:cSld>
+    <p:spTree>
+      <p:nvGrpSpPr>
+        <p:cNvPr id="1" name=""/>
+        <p:cNvGrpSpPr/>
+        <p:nvPr/>
+      </p:nvGrpSpPr>
+      <p:grpSpPr>
+        <a:xfrm>
+          <a:off x="0" y="0"/>
+          <a:ext cx="0" cy="0"/>
+          <a:chOff x="0" y="0"/>
+          <a:chExt cx="0" cy="0"/>
+        </a:xfrm>
+      </p:grpSpPr>
+      <p:pic>
+        <p:nvPicPr>
+          <p:cNvPr id="5" name="Picture 4">
+            <a:extLst>
+              <a:ext uri="{FF2B5EF4-FFF2-40B4-BE49-F238E27FC236}">
+                <a16:creationId xmlns:a16="http://schemas.microsoft.com/office/drawing/2014/main" id="{1B708DD9-5BA0-4D3E-B595-4B94E1013BAE}"/>
+              </a:ext>
+            </a:extLst>
+          </p:cNvPr>
+          <p:cNvPicPr>
+            <a:picLocks noChangeAspect="1"/>
+          </p:cNvPicPr>
+          <p:nvPr/>
+        </p:nvPicPr>
+        <p:blipFill rotWithShape="1">
+          <a:blip r:embed="rId2"/>
+          <a:srcRect l="2812" t="5828" r="2831" b="4786"/>
+          <a:stretch/>
+        </p:blipFill>
+        <p:spPr>
+          <a:xfrm>
+            <a:off x="5444835" y="1124295"/>
+            <a:ext cx="6660489" cy="4029595"/>
+          </a:xfrm>
+          <a:prstGeom prst="rect">
+            <a:avLst/>
+          </a:prstGeom>
+        </p:spPr>
+      </p:pic>
+      <p:pic>
+        <p:nvPicPr>
+          <p:cNvPr id="3" name="Picture 2" descr="A picture containing indoor&#10;&#10;Description automatically generated">
+            <a:extLst>
+              <a:ext uri="{FF2B5EF4-FFF2-40B4-BE49-F238E27FC236}">
+                <a16:creationId xmlns:a16="http://schemas.microsoft.com/office/drawing/2014/main" id="{598297FF-B6F4-70BD-D201-32277AB05A18}"/>
+              </a:ext>
+            </a:extLst>
+          </p:cNvPr>
+          <p:cNvPicPr>
+            <a:picLocks noChangeAspect="1"/>
+          </p:cNvPicPr>
+          <p:nvPr/>
+        </p:nvPicPr>
+        <p:blipFill>
+          <a:blip r:embed="rId3">
+            <a:extLst>
+              <a:ext uri="{28A0092B-C50C-407E-A947-70E740481C1C}">
+                <a14:useLocalDpi xmlns:a14="http://schemas.microsoft.com/office/drawing/2010/main" val="0"/>
+              </a:ext>
+            </a:extLst>
+          </a:blip>
+          <a:stretch>
+            <a:fillRect/>
+          </a:stretch>
+        </p:blipFill>
+        <p:spPr>
+          <a:xfrm>
+            <a:off x="587570" y="1124296"/>
+            <a:ext cx="4721928" cy="4029595"/>
+          </a:xfrm>
+          <a:prstGeom prst="rect">
+            <a:avLst/>
+          </a:prstGeom>
+        </p:spPr>
+      </p:pic>
+    </p:spTree>
+    <p:extLst>
+      <p:ext uri="{BB962C8B-B14F-4D97-AF65-F5344CB8AC3E}">
+        <p14:creationId xmlns:p14="http://schemas.microsoft.com/office/powerpoint/2010/main" val="2680790321"/>
+      </p:ext>
+    </p:extLst>
+  </p:cSld>
+  <p:clrMapOvr>
+    <a:masterClrMapping/>
+  </p:clrMapOvr>
+</p:sld>
+</file>
+
+<file path=ppt/slides/slide6.xml><?xml version="1.0" encoding="utf-8"?>
+<p:sld xmlns:a="http://schemas.openxmlformats.org/drawingml/2006/main" xmlns:r="http://schemas.openxmlformats.org/officeDocument/2006/relationships" xmlns:p="http://schemas.openxmlformats.org/presentationml/2006/main">
+  <p:cSld>
+    <p:spTree>
+      <p:nvGrpSpPr>
+        <p:cNvPr id="1" name=""/>
+        <p:cNvGrpSpPr/>
+        <p:nvPr/>
+      </p:nvGrpSpPr>
+      <p:grpSpPr>
+        <a:xfrm>
+          <a:off x="0" y="0"/>
+          <a:ext cx="0" cy="0"/>
+          <a:chOff x="0" y="0"/>
+          <a:chExt cx="0" cy="0"/>
+        </a:xfrm>
+      </p:grpSpPr>
+      <p:pic>
+        <p:nvPicPr>
+          <p:cNvPr id="12" name="Picture 11">
+            <a:extLst>
+              <a:ext uri="{FF2B5EF4-FFF2-40B4-BE49-F238E27FC236}">
+                <a16:creationId xmlns:a16="http://schemas.microsoft.com/office/drawing/2014/main" id="{FFB332BD-EB41-17E3-3DED-AE61C3E4C97B}"/>
+              </a:ext>
+            </a:extLst>
+          </p:cNvPr>
+          <p:cNvPicPr>
+            <a:picLocks noChangeAspect="1"/>
+          </p:cNvPicPr>
+          <p:nvPr/>
+        </p:nvPicPr>
+        <p:blipFill>
+          <a:blip r:embed="rId2"/>
+          <a:stretch>
+            <a:fillRect/>
+          </a:stretch>
+        </p:blipFill>
+        <p:spPr>
+          <a:xfrm>
+            <a:off x="1444752" y="0"/>
+            <a:ext cx="9302496" cy="6858000"/>
+          </a:xfrm>
+          <a:prstGeom prst="rect">
+            <a:avLst/>
+          </a:prstGeom>
+        </p:spPr>
+      </p:pic>
+    </p:spTree>
+    <p:extLst>
+      <p:ext uri="{BB962C8B-B14F-4D97-AF65-F5344CB8AC3E}">
+        <p14:creationId xmlns:p14="http://schemas.microsoft.com/office/powerpoint/2010/main" val="2083795751"/>
+      </p:ext>
+    </p:extLst>
+  </p:cSld>
+  <p:clrMapOvr>
+    <a:masterClrMapping/>
+  </p:clrMapOvr>
+</p:sld>
+</file>
+
+<file path=ppt/slides/slide7.xml><?xml version="1.0" encoding="utf-8"?>
+<p:sld xmlns:a="http://schemas.openxmlformats.org/drawingml/2006/main" xmlns:r="http://schemas.openxmlformats.org/officeDocument/2006/relationships" xmlns:p="http://schemas.openxmlformats.org/presentationml/2006/main">
+  <p:cSld>
+    <p:spTree>
+      <p:nvGrpSpPr>
+        <p:cNvPr id="1" name=""/>
+        <p:cNvGrpSpPr/>
+        <p:nvPr/>
+      </p:nvGrpSpPr>
+      <p:grpSpPr>
+        <a:xfrm>
+          <a:off x="0" y="0"/>
+          <a:ext cx="0" cy="0"/>
+          <a:chOff x="0" y="0"/>
+          <a:chExt cx="0" cy="0"/>
+        </a:xfrm>
+      </p:grpSpPr>
+      <p:pic>
+        <p:nvPicPr>
+          <p:cNvPr id="3" name="Picture 2">
+            <a:extLst>
+              <a:ext uri="{FF2B5EF4-FFF2-40B4-BE49-F238E27FC236}">
+                <a16:creationId xmlns:a16="http://schemas.microsoft.com/office/drawing/2014/main" id="{281680B0-07AB-6BE9-6661-D7464BE5B607}"/>
+              </a:ext>
+            </a:extLst>
+          </p:cNvPr>
+          <p:cNvPicPr>
+            <a:picLocks noChangeAspect="1"/>
+          </p:cNvPicPr>
+          <p:nvPr/>
+        </p:nvPicPr>
+        <p:blipFill>
+          <a:blip r:embed="rId2"/>
+          <a:stretch>
+            <a:fillRect/>
+          </a:stretch>
+        </p:blipFill>
+        <p:spPr>
+          <a:xfrm>
+            <a:off x="2046731" y="597477"/>
+            <a:ext cx="7631269" cy="5663045"/>
+          </a:xfrm>
+          <a:prstGeom prst="rect">
+            <a:avLst/>
+          </a:prstGeom>
+        </p:spPr>
+      </p:pic>
+    </p:spTree>
+    <p:extLst>
+      <p:ext uri="{BB962C8B-B14F-4D97-AF65-F5344CB8AC3E}">
+        <p14:creationId xmlns:p14="http://schemas.microsoft.com/office/powerpoint/2010/main" val="2617182040"/>
+      </p:ext>
+    </p:extLst>
+  </p:cSld>
+  <p:clrMapOvr>
+    <a:masterClrMapping/>
+  </p:clrMapOvr>
+</p:sld>
+</file>
+
+<file path=ppt/slides/slide8.xml><?xml version="1.0" encoding="utf-8"?>
+<p:sld xmlns:a="http://schemas.openxmlformats.org/drawingml/2006/main" xmlns:r="http://schemas.openxmlformats.org/officeDocument/2006/relationships" xmlns:p="http://schemas.openxmlformats.org/presentationml/2006/main">
+  <p:cSld>
+    <p:spTree>
+      <p:nvGrpSpPr>
+        <p:cNvPr id="1" name=""/>
+        <p:cNvGrpSpPr/>
+        <p:nvPr/>
+      </p:nvGrpSpPr>
+      <p:grpSpPr>
+        <a:xfrm>
+          <a:off x="0" y="0"/>
+          <a:ext cx="0" cy="0"/>
+          <a:chOff x="0" y="0"/>
+          <a:chExt cx="0" cy="0"/>
+        </a:xfrm>
+      </p:grpSpPr>
+      <p:pic>
+        <p:nvPicPr>
+          <p:cNvPr id="4" name="Picture 3">
+            <a:extLst>
+              <a:ext uri="{FF2B5EF4-FFF2-40B4-BE49-F238E27FC236}">
+                <a16:creationId xmlns:a16="http://schemas.microsoft.com/office/drawing/2014/main" id="{981F4EED-4FEF-BD1F-E967-7EB2836B4D00}"/>
+              </a:ext>
+            </a:extLst>
+          </p:cNvPr>
+          <p:cNvPicPr>
+            <a:picLocks noChangeAspect="1"/>
+          </p:cNvPicPr>
+          <p:nvPr/>
+        </p:nvPicPr>
+        <p:blipFill>
+          <a:blip r:embed="rId2"/>
+          <a:stretch>
+            <a:fillRect/>
+          </a:stretch>
+        </p:blipFill>
+        <p:spPr>
+          <a:xfrm>
+            <a:off x="2371343" y="0"/>
+            <a:ext cx="7449313" cy="6858000"/>
+          </a:xfrm>
+          <a:prstGeom prst="rect">
+            <a:avLst/>
+          </a:prstGeom>
+        </p:spPr>
+      </p:pic>
+    </p:spTree>
+    <p:extLst>
+      <p:ext uri="{BB962C8B-B14F-4D97-AF65-F5344CB8AC3E}">
+        <p14:creationId xmlns:p14="http://schemas.microsoft.com/office/powerpoint/2010/main" val="3746970517"/>
       </p:ext>
     </p:extLst>
   </p:cSld>

--- a/figure_edits.pptx
+++ b/figure_edits.pptx
@@ -13,6 +13,10 @@
     <p:sldId id="261" r:id="rId7"/>
     <p:sldId id="262" r:id="rId8"/>
     <p:sldId id="263" r:id="rId9"/>
+    <p:sldId id="264" r:id="rId10"/>
+    <p:sldId id="266" r:id="rId11"/>
+    <p:sldId id="267" r:id="rId12"/>
+    <p:sldId id="265" r:id="rId13"/>
   </p:sldIdLst>
   <p:sldSz cx="12192000" cy="6858000"/>
   <p:notesSz cx="6858000" cy="9144000"/>
@@ -122,7 +126,7 @@
 <file path=ppt/revisionInfo.xml><?xml version="1.0" encoding="utf-8"?>
 <p1510:revInfo xmlns:a="http://schemas.openxmlformats.org/drawingml/2006/main" xmlns:r="http://schemas.openxmlformats.org/officeDocument/2006/relationships" xmlns:p1510="http://schemas.microsoft.com/office/powerpoint/2015/10/main">
   <p1510:revLst>
-    <p1510:client id="{93947198-6EF3-4429-A1DA-73044AA7A7E2}" v="24" dt="2022-08-19T03:05:12.400"/>
+    <p1510:client id="{56672B09-2D21-4D19-8937-F225A46518E7}" v="109" dt="2022-08-28T20:16:03.119"/>
   </p1510:revLst>
 </p1510:revInfo>
 </file>
@@ -884,6 +888,481 @@
             <ac:cxnSpMk id="25" creationId="{33E27E92-7AFB-0C45-00D0-CFD626E3DAF7}"/>
           </ac:cxnSpMkLst>
         </pc:cxnChg>
+      </pc:sldChg>
+    </pc:docChg>
+  </pc:docChgLst>
+  <pc:docChgLst>
+    <pc:chgData name="Francisco Valentin Ramirez Cuevas" userId="e79bf063-6348-4b44-8f45-581164b14c81" providerId="ADAL" clId="{56672B09-2D21-4D19-8937-F225A46518E7}"/>
+    <pc:docChg chg="undo custSel addSld modSld">
+      <pc:chgData name="Francisco Valentin Ramirez Cuevas" userId="e79bf063-6348-4b44-8f45-581164b14c81" providerId="ADAL" clId="{56672B09-2D21-4D19-8937-F225A46518E7}" dt="2022-08-28T22:01:15.474" v="295" actId="22"/>
+      <pc:docMkLst>
+        <pc:docMk/>
+      </pc:docMkLst>
+      <pc:sldChg chg="modSp mod">
+        <pc:chgData name="Francisco Valentin Ramirez Cuevas" userId="e79bf063-6348-4b44-8f45-581164b14c81" providerId="ADAL" clId="{56672B09-2D21-4D19-8937-F225A46518E7}" dt="2022-08-28T20:10:54.995" v="91" actId="14100"/>
+        <pc:sldMkLst>
+          <pc:docMk/>
+          <pc:sldMk cId="3485894854" sldId="259"/>
+        </pc:sldMkLst>
+        <pc:picChg chg="mod">
+          <ac:chgData name="Francisco Valentin Ramirez Cuevas" userId="e79bf063-6348-4b44-8f45-581164b14c81" providerId="ADAL" clId="{56672B09-2D21-4D19-8937-F225A46518E7}" dt="2022-08-28T20:10:54.995" v="91" actId="14100"/>
+          <ac:picMkLst>
+            <pc:docMk/>
+            <pc:sldMk cId="3485894854" sldId="259"/>
+            <ac:picMk id="4" creationId="{7CE3C2D4-F950-039F-0B76-49C779627518}"/>
+          </ac:picMkLst>
+        </pc:picChg>
+      </pc:sldChg>
+      <pc:sldChg chg="addSp delSp mod">
+        <pc:chgData name="Francisco Valentin Ramirez Cuevas" userId="e79bf063-6348-4b44-8f45-581164b14c81" providerId="ADAL" clId="{56672B09-2D21-4D19-8937-F225A46518E7}" dt="2022-08-28T15:19:41.310" v="2" actId="478"/>
+        <pc:sldMkLst>
+          <pc:docMk/>
+          <pc:sldMk cId="3746970517" sldId="263"/>
+        </pc:sldMkLst>
+        <pc:picChg chg="add del">
+          <ac:chgData name="Francisco Valentin Ramirez Cuevas" userId="e79bf063-6348-4b44-8f45-581164b14c81" providerId="ADAL" clId="{56672B09-2D21-4D19-8937-F225A46518E7}" dt="2022-08-28T15:19:41.310" v="2" actId="478"/>
+          <ac:picMkLst>
+            <pc:docMk/>
+            <pc:sldMk cId="3746970517" sldId="263"/>
+            <ac:picMk id="3" creationId="{1EC91E28-718C-F58A-ED79-F7B8D50FFEC2}"/>
+          </ac:picMkLst>
+        </pc:picChg>
+      </pc:sldChg>
+      <pc:sldChg chg="addSp delSp modSp add mod">
+        <pc:chgData name="Francisco Valentin Ramirez Cuevas" userId="e79bf063-6348-4b44-8f45-581164b14c81" providerId="ADAL" clId="{56672B09-2D21-4D19-8937-F225A46518E7}" dt="2022-08-28T19:58:20.424" v="34" actId="478"/>
+        <pc:sldMkLst>
+          <pc:docMk/>
+          <pc:sldMk cId="3964388032" sldId="264"/>
+        </pc:sldMkLst>
+        <pc:picChg chg="add del mod">
+          <ac:chgData name="Francisco Valentin Ramirez Cuevas" userId="e79bf063-6348-4b44-8f45-581164b14c81" providerId="ADAL" clId="{56672B09-2D21-4D19-8937-F225A46518E7}" dt="2022-08-28T15:19:51.256" v="9" actId="21"/>
+          <ac:picMkLst>
+            <pc:docMk/>
+            <pc:sldMk cId="3964388032" sldId="264"/>
+            <ac:picMk id="2" creationId="{C8DAD65B-EBBE-AE75-FEAC-56BD30024C65}"/>
+          </ac:picMkLst>
+        </pc:picChg>
+        <pc:picChg chg="del">
+          <ac:chgData name="Francisco Valentin Ramirez Cuevas" userId="e79bf063-6348-4b44-8f45-581164b14c81" providerId="ADAL" clId="{56672B09-2D21-4D19-8937-F225A46518E7}" dt="2022-08-28T15:19:44.283" v="3" actId="21"/>
+          <ac:picMkLst>
+            <pc:docMk/>
+            <pc:sldMk cId="3964388032" sldId="264"/>
+            <ac:picMk id="3" creationId="{1EC91E28-718C-F58A-ED79-F7B8D50FFEC2}"/>
+          </ac:picMkLst>
+        </pc:picChg>
+        <pc:picChg chg="del">
+          <ac:chgData name="Francisco Valentin Ramirez Cuevas" userId="e79bf063-6348-4b44-8f45-581164b14c81" providerId="ADAL" clId="{56672B09-2D21-4D19-8937-F225A46518E7}" dt="2022-08-28T15:19:45.315" v="4" actId="478"/>
+          <ac:picMkLst>
+            <pc:docMk/>
+            <pc:sldMk cId="3964388032" sldId="264"/>
+            <ac:picMk id="4" creationId="{981F4EED-4FEF-BD1F-E967-7EB2836B4D00}"/>
+          </ac:picMkLst>
+        </pc:picChg>
+        <pc:picChg chg="add del">
+          <ac:chgData name="Francisco Valentin Ramirez Cuevas" userId="e79bf063-6348-4b44-8f45-581164b14c81" providerId="ADAL" clId="{56672B09-2D21-4D19-8937-F225A46518E7}" dt="2022-08-28T15:19:59.233" v="11" actId="478"/>
+          <ac:picMkLst>
+            <pc:docMk/>
+            <pc:sldMk cId="3964388032" sldId="264"/>
+            <ac:picMk id="5" creationId="{86B03097-201F-A77C-0055-E6E074D346E0}"/>
+          </ac:picMkLst>
+        </pc:picChg>
+        <pc:picChg chg="add del">
+          <ac:chgData name="Francisco Valentin Ramirez Cuevas" userId="e79bf063-6348-4b44-8f45-581164b14c81" providerId="ADAL" clId="{56672B09-2D21-4D19-8937-F225A46518E7}" dt="2022-08-28T15:20:00.705" v="13" actId="21"/>
+          <ac:picMkLst>
+            <pc:docMk/>
+            <pc:sldMk cId="3964388032" sldId="264"/>
+            <ac:picMk id="7" creationId="{BD591239-2500-2747-C279-3C8762CBDD3F}"/>
+          </ac:picMkLst>
+        </pc:picChg>
+        <pc:picChg chg="add mod">
+          <ac:chgData name="Francisco Valentin Ramirez Cuevas" userId="e79bf063-6348-4b44-8f45-581164b14c81" providerId="ADAL" clId="{56672B09-2D21-4D19-8937-F225A46518E7}" dt="2022-08-28T15:20:06.678" v="17" actId="14100"/>
+          <ac:picMkLst>
+            <pc:docMk/>
+            <pc:sldMk cId="3964388032" sldId="264"/>
+            <ac:picMk id="8" creationId="{BEF86BFC-2DD2-10E3-0AC9-F53303F3EA5D}"/>
+          </ac:picMkLst>
+        </pc:picChg>
+        <pc:picChg chg="add del">
+          <ac:chgData name="Francisco Valentin Ramirez Cuevas" userId="e79bf063-6348-4b44-8f45-581164b14c81" providerId="ADAL" clId="{56672B09-2D21-4D19-8937-F225A46518E7}" dt="2022-08-28T18:14:38.680" v="20" actId="478"/>
+          <ac:picMkLst>
+            <pc:docMk/>
+            <pc:sldMk cId="3964388032" sldId="264"/>
+            <ac:picMk id="10" creationId="{71DA1EC9-2D8C-EE5E-DA49-7EF7F8CAA30C}"/>
+          </ac:picMkLst>
+        </pc:picChg>
+        <pc:picChg chg="add del">
+          <ac:chgData name="Francisco Valentin Ramirez Cuevas" userId="e79bf063-6348-4b44-8f45-581164b14c81" providerId="ADAL" clId="{56672B09-2D21-4D19-8937-F225A46518E7}" dt="2022-08-28T19:58:20.424" v="34" actId="478"/>
+          <ac:picMkLst>
+            <pc:docMk/>
+            <pc:sldMk cId="3964388032" sldId="264"/>
+            <ac:picMk id="12" creationId="{B3C13D61-696E-A49B-7811-42B9B03E75B8}"/>
+          </ac:picMkLst>
+        </pc:picChg>
+      </pc:sldChg>
+      <pc:sldChg chg="addSp delSp modSp add mod">
+        <pc:chgData name="Francisco Valentin Ramirez Cuevas" userId="e79bf063-6348-4b44-8f45-581164b14c81" providerId="ADAL" clId="{56672B09-2D21-4D19-8937-F225A46518E7}" dt="2022-08-28T22:01:15.474" v="295" actId="22"/>
+        <pc:sldMkLst>
+          <pc:docMk/>
+          <pc:sldMk cId="63614856" sldId="265"/>
+        </pc:sldMkLst>
+        <pc:picChg chg="add mod modCrop">
+          <ac:chgData name="Francisco Valentin Ramirez Cuevas" userId="e79bf063-6348-4b44-8f45-581164b14c81" providerId="ADAL" clId="{56672B09-2D21-4D19-8937-F225A46518E7}" dt="2022-08-28T18:15:02.195" v="31" actId="732"/>
+          <ac:picMkLst>
+            <pc:docMk/>
+            <pc:sldMk cId="63614856" sldId="265"/>
+            <ac:picMk id="2" creationId="{83EDD5EE-2B62-D7F5-2F8B-167F85AA9970}"/>
+          </ac:picMkLst>
+        </pc:picChg>
+        <pc:picChg chg="add">
+          <ac:chgData name="Francisco Valentin Ramirez Cuevas" userId="e79bf063-6348-4b44-8f45-581164b14c81" providerId="ADAL" clId="{56672B09-2D21-4D19-8937-F225A46518E7}" dt="2022-08-28T22:01:15.474" v="295" actId="22"/>
+          <ac:picMkLst>
+            <pc:docMk/>
+            <pc:sldMk cId="63614856" sldId="265"/>
+            <ac:picMk id="4" creationId="{C0C971B5-A798-E7E4-E3B4-91A34A3B185A}"/>
+          </ac:picMkLst>
+        </pc:picChg>
+        <pc:picChg chg="del">
+          <ac:chgData name="Francisco Valentin Ramirez Cuevas" userId="e79bf063-6348-4b44-8f45-581164b14c81" providerId="ADAL" clId="{56672B09-2D21-4D19-8937-F225A46518E7}" dt="2022-08-28T18:14:41.452" v="21" actId="478"/>
+          <ac:picMkLst>
+            <pc:docMk/>
+            <pc:sldMk cId="63614856" sldId="265"/>
+            <ac:picMk id="8" creationId="{BEF86BFC-2DD2-10E3-0AC9-F53303F3EA5D}"/>
+          </ac:picMkLst>
+        </pc:picChg>
+        <pc:picChg chg="del">
+          <ac:chgData name="Francisco Valentin Ramirez Cuevas" userId="e79bf063-6348-4b44-8f45-581164b14c81" providerId="ADAL" clId="{56672B09-2D21-4D19-8937-F225A46518E7}" dt="2022-08-28T18:14:42.389" v="22" actId="21"/>
+          <ac:picMkLst>
+            <pc:docMk/>
+            <pc:sldMk cId="63614856" sldId="265"/>
+            <ac:picMk id="10" creationId="{71DA1EC9-2D8C-EE5E-DA49-7EF7F8CAA30C}"/>
+          </ac:picMkLst>
+        </pc:picChg>
+      </pc:sldChg>
+      <pc:sldChg chg="addSp delSp modSp add mod">
+        <pc:chgData name="Francisco Valentin Ramirez Cuevas" userId="e79bf063-6348-4b44-8f45-581164b14c81" providerId="ADAL" clId="{56672B09-2D21-4D19-8937-F225A46518E7}" dt="2022-08-28T20:07:39.719" v="42" actId="478"/>
+        <pc:sldMkLst>
+          <pc:docMk/>
+          <pc:sldMk cId="257880714" sldId="266"/>
+        </pc:sldMkLst>
+        <pc:picChg chg="add mod">
+          <ac:chgData name="Francisco Valentin Ramirez Cuevas" userId="e79bf063-6348-4b44-8f45-581164b14c81" providerId="ADAL" clId="{56672B09-2D21-4D19-8937-F225A46518E7}" dt="2022-08-28T19:58:28.041" v="39" actId="1076"/>
+          <ac:picMkLst>
+            <pc:docMk/>
+            <pc:sldMk cId="257880714" sldId="266"/>
+            <ac:picMk id="2" creationId="{2220352C-A1E5-B83B-D478-39DC2E46BC80}"/>
+          </ac:picMkLst>
+        </pc:picChg>
+        <pc:picChg chg="add del">
+          <ac:chgData name="Francisco Valentin Ramirez Cuevas" userId="e79bf063-6348-4b44-8f45-581164b14c81" providerId="ADAL" clId="{56672B09-2D21-4D19-8937-F225A46518E7}" dt="2022-08-28T20:07:39.719" v="42" actId="478"/>
+          <ac:picMkLst>
+            <pc:docMk/>
+            <pc:sldMk cId="257880714" sldId="266"/>
+            <ac:picMk id="4" creationId="{407CCDCD-6032-F914-3587-9D0C05D9F751}"/>
+          </ac:picMkLst>
+        </pc:picChg>
+        <pc:picChg chg="del">
+          <ac:chgData name="Francisco Valentin Ramirez Cuevas" userId="e79bf063-6348-4b44-8f45-581164b14c81" providerId="ADAL" clId="{56672B09-2D21-4D19-8937-F225A46518E7}" dt="2022-08-28T19:58:22.998" v="35" actId="478"/>
+          <ac:picMkLst>
+            <pc:docMk/>
+            <pc:sldMk cId="257880714" sldId="266"/>
+            <ac:picMk id="8" creationId="{BEF86BFC-2DD2-10E3-0AC9-F53303F3EA5D}"/>
+          </ac:picMkLst>
+        </pc:picChg>
+        <pc:picChg chg="del">
+          <ac:chgData name="Francisco Valentin Ramirez Cuevas" userId="e79bf063-6348-4b44-8f45-581164b14c81" providerId="ADAL" clId="{56672B09-2D21-4D19-8937-F225A46518E7}" dt="2022-08-28T19:58:24.023" v="36" actId="21"/>
+          <ac:picMkLst>
+            <pc:docMk/>
+            <pc:sldMk cId="257880714" sldId="266"/>
+            <ac:picMk id="12" creationId="{B3C13D61-696E-A49B-7811-42B9B03E75B8}"/>
+          </ac:picMkLst>
+        </pc:picChg>
+      </pc:sldChg>
+      <pc:sldChg chg="addSp delSp modSp add mod">
+        <pc:chgData name="Francisco Valentin Ramirez Cuevas" userId="e79bf063-6348-4b44-8f45-581164b14c81" providerId="ADAL" clId="{56672B09-2D21-4D19-8937-F225A46518E7}" dt="2022-08-28T20:16:44.418" v="294" actId="1035"/>
+        <pc:sldMkLst>
+          <pc:docMk/>
+          <pc:sldMk cId="4256711182" sldId="267"/>
+        </pc:sldMkLst>
+        <pc:spChg chg="add del mod">
+          <ac:chgData name="Francisco Valentin Ramirez Cuevas" userId="e79bf063-6348-4b44-8f45-581164b14c81" providerId="ADAL" clId="{56672B09-2D21-4D19-8937-F225A46518E7}" dt="2022-08-28T20:10:46.669" v="88" actId="21"/>
+          <ac:spMkLst>
+            <pc:docMk/>
+            <pc:sldMk cId="4256711182" sldId="267"/>
+            <ac:spMk id="7" creationId="{D38D368C-46AF-36E7-34C6-B2843B4C0090}"/>
+          </ac:spMkLst>
+        </pc:spChg>
+        <pc:spChg chg="add del mod">
+          <ac:chgData name="Francisco Valentin Ramirez Cuevas" userId="e79bf063-6348-4b44-8f45-581164b14c81" providerId="ADAL" clId="{56672B09-2D21-4D19-8937-F225A46518E7}" dt="2022-08-28T20:10:46.669" v="88" actId="21"/>
+          <ac:spMkLst>
+            <pc:docMk/>
+            <pc:sldMk cId="4256711182" sldId="267"/>
+            <ac:spMk id="8" creationId="{7A9A9199-2694-21A3-FF49-002A15AF4548}"/>
+          </ac:spMkLst>
+        </pc:spChg>
+        <pc:spChg chg="add del mod">
+          <ac:chgData name="Francisco Valentin Ramirez Cuevas" userId="e79bf063-6348-4b44-8f45-581164b14c81" providerId="ADAL" clId="{56672B09-2D21-4D19-8937-F225A46518E7}" dt="2022-08-28T20:10:46.669" v="88" actId="21"/>
+          <ac:spMkLst>
+            <pc:docMk/>
+            <pc:sldMk cId="4256711182" sldId="267"/>
+            <ac:spMk id="9" creationId="{C20B4A1F-8020-8087-2EEB-BA0CA4A8524F}"/>
+          </ac:spMkLst>
+        </pc:spChg>
+        <pc:spChg chg="add del mod">
+          <ac:chgData name="Francisco Valentin Ramirez Cuevas" userId="e79bf063-6348-4b44-8f45-581164b14c81" providerId="ADAL" clId="{56672B09-2D21-4D19-8937-F225A46518E7}" dt="2022-08-28T20:10:46.669" v="88" actId="21"/>
+          <ac:spMkLst>
+            <pc:docMk/>
+            <pc:sldMk cId="4256711182" sldId="267"/>
+            <ac:spMk id="10" creationId="{D40179E8-9602-5CC6-56D0-AE412B392263}"/>
+          </ac:spMkLst>
+        </pc:spChg>
+        <pc:spChg chg="add del mod">
+          <ac:chgData name="Francisco Valentin Ramirez Cuevas" userId="e79bf063-6348-4b44-8f45-581164b14c81" providerId="ADAL" clId="{56672B09-2D21-4D19-8937-F225A46518E7}" dt="2022-08-28T20:10:46.669" v="88" actId="21"/>
+          <ac:spMkLst>
+            <pc:docMk/>
+            <pc:sldMk cId="4256711182" sldId="267"/>
+            <ac:spMk id="11" creationId="{CD1AC3C0-3611-AA8D-BD4A-25344314D992}"/>
+          </ac:spMkLst>
+        </pc:spChg>
+        <pc:spChg chg="add del mod">
+          <ac:chgData name="Francisco Valentin Ramirez Cuevas" userId="e79bf063-6348-4b44-8f45-581164b14c81" providerId="ADAL" clId="{56672B09-2D21-4D19-8937-F225A46518E7}" dt="2022-08-28T20:10:46.669" v="88" actId="21"/>
+          <ac:spMkLst>
+            <pc:docMk/>
+            <pc:sldMk cId="4256711182" sldId="267"/>
+            <ac:spMk id="12" creationId="{A4E713B2-E04F-F0E2-1641-953A2345F941}"/>
+          </ac:spMkLst>
+        </pc:spChg>
+        <pc:spChg chg="add del mod">
+          <ac:chgData name="Francisco Valentin Ramirez Cuevas" userId="e79bf063-6348-4b44-8f45-581164b14c81" providerId="ADAL" clId="{56672B09-2D21-4D19-8937-F225A46518E7}" dt="2022-08-28T20:10:46.669" v="88" actId="21"/>
+          <ac:spMkLst>
+            <pc:docMk/>
+            <pc:sldMk cId="4256711182" sldId="267"/>
+            <ac:spMk id="13" creationId="{089BBC5F-4109-19DE-8BDE-AD7A3679C833}"/>
+          </ac:spMkLst>
+        </pc:spChg>
+        <pc:spChg chg="add del mod">
+          <ac:chgData name="Francisco Valentin Ramirez Cuevas" userId="e79bf063-6348-4b44-8f45-581164b14c81" providerId="ADAL" clId="{56672B09-2D21-4D19-8937-F225A46518E7}" dt="2022-08-28T20:10:46.669" v="88" actId="21"/>
+          <ac:spMkLst>
+            <pc:docMk/>
+            <pc:sldMk cId="4256711182" sldId="267"/>
+            <ac:spMk id="14" creationId="{FAB1FDD5-5E8B-34FF-BFFF-9244590FC690}"/>
+          </ac:spMkLst>
+        </pc:spChg>
+        <pc:spChg chg="add del mod">
+          <ac:chgData name="Francisco Valentin Ramirez Cuevas" userId="e79bf063-6348-4b44-8f45-581164b14c81" providerId="ADAL" clId="{56672B09-2D21-4D19-8937-F225A46518E7}" dt="2022-08-28T20:10:46.669" v="88" actId="21"/>
+          <ac:spMkLst>
+            <pc:docMk/>
+            <pc:sldMk cId="4256711182" sldId="267"/>
+            <ac:spMk id="15" creationId="{DC7D982C-7824-DAD7-2E39-E8CE30A48642}"/>
+          </ac:spMkLst>
+        </pc:spChg>
+        <pc:spChg chg="add del mod">
+          <ac:chgData name="Francisco Valentin Ramirez Cuevas" userId="e79bf063-6348-4b44-8f45-581164b14c81" providerId="ADAL" clId="{56672B09-2D21-4D19-8937-F225A46518E7}" dt="2022-08-28T20:10:46.669" v="88" actId="21"/>
+          <ac:spMkLst>
+            <pc:docMk/>
+            <pc:sldMk cId="4256711182" sldId="267"/>
+            <ac:spMk id="16" creationId="{A6A2F579-E04B-C5DB-F81C-921AAED96FE4}"/>
+          </ac:spMkLst>
+        </pc:spChg>
+        <pc:spChg chg="add del mod">
+          <ac:chgData name="Francisco Valentin Ramirez Cuevas" userId="e79bf063-6348-4b44-8f45-581164b14c81" providerId="ADAL" clId="{56672B09-2D21-4D19-8937-F225A46518E7}" dt="2022-08-28T20:10:46.669" v="88" actId="21"/>
+          <ac:spMkLst>
+            <pc:docMk/>
+            <pc:sldMk cId="4256711182" sldId="267"/>
+            <ac:spMk id="17" creationId="{3E157437-996F-56F6-EBE7-DDA8480B2918}"/>
+          </ac:spMkLst>
+        </pc:spChg>
+        <pc:spChg chg="add mod">
+          <ac:chgData name="Francisco Valentin Ramirez Cuevas" userId="e79bf063-6348-4b44-8f45-581164b14c81" providerId="ADAL" clId="{56672B09-2D21-4D19-8937-F225A46518E7}" dt="2022-08-28T20:15:56.323" v="270" actId="403"/>
+          <ac:spMkLst>
+            <pc:docMk/>
+            <pc:sldMk cId="4256711182" sldId="267"/>
+            <ac:spMk id="19" creationId="{093DCBC3-6054-0ECD-2A9C-9285DD47394C}"/>
+          </ac:spMkLst>
+        </pc:spChg>
+        <pc:spChg chg="add mod">
+          <ac:chgData name="Francisco Valentin Ramirez Cuevas" userId="e79bf063-6348-4b44-8f45-581164b14c81" providerId="ADAL" clId="{56672B09-2D21-4D19-8937-F225A46518E7}" dt="2022-08-28T20:15:56.323" v="270" actId="403"/>
+          <ac:spMkLst>
+            <pc:docMk/>
+            <pc:sldMk cId="4256711182" sldId="267"/>
+            <ac:spMk id="20" creationId="{B9C8E5ED-A6C2-8D82-F442-799090BA129D}"/>
+          </ac:spMkLst>
+        </pc:spChg>
+        <pc:spChg chg="add mod">
+          <ac:chgData name="Francisco Valentin Ramirez Cuevas" userId="e79bf063-6348-4b44-8f45-581164b14c81" providerId="ADAL" clId="{56672B09-2D21-4D19-8937-F225A46518E7}" dt="2022-08-28T20:15:56.323" v="270" actId="403"/>
+          <ac:spMkLst>
+            <pc:docMk/>
+            <pc:sldMk cId="4256711182" sldId="267"/>
+            <ac:spMk id="21" creationId="{2FFB9AF5-4920-A79E-86D3-69A39EA184C4}"/>
+          </ac:spMkLst>
+        </pc:spChg>
+        <pc:spChg chg="add mod">
+          <ac:chgData name="Francisco Valentin Ramirez Cuevas" userId="e79bf063-6348-4b44-8f45-581164b14c81" providerId="ADAL" clId="{56672B09-2D21-4D19-8937-F225A46518E7}" dt="2022-08-28T20:16:28.186" v="289" actId="1035"/>
+          <ac:spMkLst>
+            <pc:docMk/>
+            <pc:sldMk cId="4256711182" sldId="267"/>
+            <ac:spMk id="22" creationId="{8B96DDD8-B266-28FA-6CE7-1E466C7F3C44}"/>
+          </ac:spMkLst>
+        </pc:spChg>
+        <pc:spChg chg="add mod">
+          <ac:chgData name="Francisco Valentin Ramirez Cuevas" userId="e79bf063-6348-4b44-8f45-581164b14c81" providerId="ADAL" clId="{56672B09-2D21-4D19-8937-F225A46518E7}" dt="2022-08-28T20:16:28.186" v="289" actId="1035"/>
+          <ac:spMkLst>
+            <pc:docMk/>
+            <pc:sldMk cId="4256711182" sldId="267"/>
+            <ac:spMk id="23" creationId="{5DE732E4-62C8-290E-38A0-EC90DF8B25D7}"/>
+          </ac:spMkLst>
+        </pc:spChg>
+        <pc:spChg chg="add mod">
+          <ac:chgData name="Francisco Valentin Ramirez Cuevas" userId="e79bf063-6348-4b44-8f45-581164b14c81" providerId="ADAL" clId="{56672B09-2D21-4D19-8937-F225A46518E7}" dt="2022-08-28T20:16:28.186" v="289" actId="1035"/>
+          <ac:spMkLst>
+            <pc:docMk/>
+            <pc:sldMk cId="4256711182" sldId="267"/>
+            <ac:spMk id="24" creationId="{F7BD109E-C925-F8E9-2460-C6B48D92D2A9}"/>
+          </ac:spMkLst>
+        </pc:spChg>
+        <pc:spChg chg="add mod">
+          <ac:chgData name="Francisco Valentin Ramirez Cuevas" userId="e79bf063-6348-4b44-8f45-581164b14c81" providerId="ADAL" clId="{56672B09-2D21-4D19-8937-F225A46518E7}" dt="2022-08-28T20:16:28.186" v="289" actId="1035"/>
+          <ac:spMkLst>
+            <pc:docMk/>
+            <pc:sldMk cId="4256711182" sldId="267"/>
+            <ac:spMk id="25" creationId="{68A249F1-674D-78B2-D0FC-2FD372F01806}"/>
+          </ac:spMkLst>
+        </pc:spChg>
+        <pc:spChg chg="add mod">
+          <ac:chgData name="Francisco Valentin Ramirez Cuevas" userId="e79bf063-6348-4b44-8f45-581164b14c81" providerId="ADAL" clId="{56672B09-2D21-4D19-8937-F225A46518E7}" dt="2022-08-28T20:16:28.186" v="289" actId="1035"/>
+          <ac:spMkLst>
+            <pc:docMk/>
+            <pc:sldMk cId="4256711182" sldId="267"/>
+            <ac:spMk id="26" creationId="{2A02295D-8D34-3DEB-8510-2EC04CF0D31B}"/>
+          </ac:spMkLst>
+        </pc:spChg>
+        <pc:spChg chg="add mod">
+          <ac:chgData name="Francisco Valentin Ramirez Cuevas" userId="e79bf063-6348-4b44-8f45-581164b14c81" providerId="ADAL" clId="{56672B09-2D21-4D19-8937-F225A46518E7}" dt="2022-08-28T20:16:33.697" v="292" actId="1037"/>
+          <ac:spMkLst>
+            <pc:docMk/>
+            <pc:sldMk cId="4256711182" sldId="267"/>
+            <ac:spMk id="27" creationId="{B04148F4-AEEA-5537-FBB6-CE002C2AFC60}"/>
+          </ac:spMkLst>
+        </pc:spChg>
+        <pc:spChg chg="add mod">
+          <ac:chgData name="Francisco Valentin Ramirez Cuevas" userId="e79bf063-6348-4b44-8f45-581164b14c81" providerId="ADAL" clId="{56672B09-2D21-4D19-8937-F225A46518E7}" dt="2022-08-28T20:16:03.119" v="271" actId="404"/>
+          <ac:spMkLst>
+            <pc:docMk/>
+            <pc:sldMk cId="4256711182" sldId="267"/>
+            <ac:spMk id="28" creationId="{FAB3B1A3-B029-2043-5E54-D288615E8DC6}"/>
+          </ac:spMkLst>
+        </pc:spChg>
+        <pc:spChg chg="add mod">
+          <ac:chgData name="Francisco Valentin Ramirez Cuevas" userId="e79bf063-6348-4b44-8f45-581164b14c81" providerId="ADAL" clId="{56672B09-2D21-4D19-8937-F225A46518E7}" dt="2022-08-28T20:16:03.119" v="271" actId="404"/>
+          <ac:spMkLst>
+            <pc:docMk/>
+            <pc:sldMk cId="4256711182" sldId="267"/>
+            <ac:spMk id="29" creationId="{C196C8A5-0E4A-63FE-3E92-EF7A36F9BAD2}"/>
+          </ac:spMkLst>
+        </pc:spChg>
+        <pc:spChg chg="add mod">
+          <ac:chgData name="Francisco Valentin Ramirez Cuevas" userId="e79bf063-6348-4b44-8f45-581164b14c81" providerId="ADAL" clId="{56672B09-2D21-4D19-8937-F225A46518E7}" dt="2022-08-28T20:16:03.119" v="271" actId="404"/>
+          <ac:spMkLst>
+            <pc:docMk/>
+            <pc:sldMk cId="4256711182" sldId="267"/>
+            <ac:spMk id="30" creationId="{F35D1AAB-0266-CE45-FA2F-D4B3A06431E9}"/>
+          </ac:spMkLst>
+        </pc:spChg>
+        <pc:spChg chg="add mod">
+          <ac:chgData name="Francisco Valentin Ramirez Cuevas" userId="e79bf063-6348-4b44-8f45-581164b14c81" providerId="ADAL" clId="{56672B09-2D21-4D19-8937-F225A46518E7}" dt="2022-08-28T20:16:12.807" v="275" actId="1035"/>
+          <ac:spMkLst>
+            <pc:docMk/>
+            <pc:sldMk cId="4256711182" sldId="267"/>
+            <ac:spMk id="31" creationId="{93B6CED6-8070-D195-7F08-9301D3650324}"/>
+          </ac:spMkLst>
+        </pc:spChg>
+        <pc:spChg chg="add mod">
+          <ac:chgData name="Francisco Valentin Ramirez Cuevas" userId="e79bf063-6348-4b44-8f45-581164b14c81" providerId="ADAL" clId="{56672B09-2D21-4D19-8937-F225A46518E7}" dt="2022-08-28T20:16:44.418" v="294" actId="1035"/>
+          <ac:spMkLst>
+            <pc:docMk/>
+            <pc:sldMk cId="4256711182" sldId="267"/>
+            <ac:spMk id="32" creationId="{43932C20-E25A-68D7-E7ED-862AE2C813FC}"/>
+          </ac:spMkLst>
+        </pc:spChg>
+        <pc:spChg chg="add mod">
+          <ac:chgData name="Francisco Valentin Ramirez Cuevas" userId="e79bf063-6348-4b44-8f45-581164b14c81" providerId="ADAL" clId="{56672B09-2D21-4D19-8937-F225A46518E7}" dt="2022-08-28T20:16:12.807" v="275" actId="1035"/>
+          <ac:spMkLst>
+            <pc:docMk/>
+            <pc:sldMk cId="4256711182" sldId="267"/>
+            <ac:spMk id="33" creationId="{021CDFAB-3D13-D62B-8B80-3D6C11EA3DC0}"/>
+          </ac:spMkLst>
+        </pc:spChg>
+        <pc:spChg chg="add mod">
+          <ac:chgData name="Francisco Valentin Ramirez Cuevas" userId="e79bf063-6348-4b44-8f45-581164b14c81" providerId="ADAL" clId="{56672B09-2D21-4D19-8937-F225A46518E7}" dt="2022-08-28T20:16:23.214" v="284" actId="1037"/>
+          <ac:spMkLst>
+            <pc:docMk/>
+            <pc:sldMk cId="4256711182" sldId="267"/>
+            <ac:spMk id="34" creationId="{767CD0B9-DA7B-50B3-BEB3-C492ABA9E32A}"/>
+          </ac:spMkLst>
+        </pc:spChg>
+        <pc:spChg chg="add mod">
+          <ac:chgData name="Francisco Valentin Ramirez Cuevas" userId="e79bf063-6348-4b44-8f45-581164b14c81" providerId="ADAL" clId="{56672B09-2D21-4D19-8937-F225A46518E7}" dt="2022-08-28T20:16:23.214" v="284" actId="1037"/>
+          <ac:spMkLst>
+            <pc:docMk/>
+            <pc:sldMk cId="4256711182" sldId="267"/>
+            <ac:spMk id="35" creationId="{15EFE945-E6C4-452E-F2D9-9556EA462D0B}"/>
+          </ac:spMkLst>
+        </pc:spChg>
+        <pc:spChg chg="add mod">
+          <ac:chgData name="Francisco Valentin Ramirez Cuevas" userId="e79bf063-6348-4b44-8f45-581164b14c81" providerId="ADAL" clId="{56672B09-2D21-4D19-8937-F225A46518E7}" dt="2022-08-28T20:16:12.807" v="275" actId="1035"/>
+          <ac:spMkLst>
+            <pc:docMk/>
+            <pc:sldMk cId="4256711182" sldId="267"/>
+            <ac:spMk id="36" creationId="{38FEB64C-405F-07E8-EE6A-5193C413FD03}"/>
+          </ac:spMkLst>
+        </pc:spChg>
+        <pc:picChg chg="del">
+          <ac:chgData name="Francisco Valentin Ramirez Cuevas" userId="e79bf063-6348-4b44-8f45-581164b14c81" providerId="ADAL" clId="{56672B09-2D21-4D19-8937-F225A46518E7}" dt="2022-08-28T20:07:49.890" v="44" actId="478"/>
+          <ac:picMkLst>
+            <pc:docMk/>
+            <pc:sldMk cId="4256711182" sldId="267"/>
+            <ac:picMk id="2" creationId="{2220352C-A1E5-B83B-D478-39DC2E46BC80}"/>
+          </ac:picMkLst>
+        </pc:picChg>
+        <pc:picChg chg="add del mod">
+          <ac:chgData name="Francisco Valentin Ramirez Cuevas" userId="e79bf063-6348-4b44-8f45-581164b14c81" providerId="ADAL" clId="{56672B09-2D21-4D19-8937-F225A46518E7}" dt="2022-08-28T20:07:57.260" v="48" actId="21"/>
+          <ac:picMkLst>
+            <pc:docMk/>
+            <pc:sldMk cId="4256711182" sldId="267"/>
+            <ac:picMk id="3" creationId="{AF2F6655-DA67-4372-C6B2-AB72360D9FCF}"/>
+          </ac:picMkLst>
+        </pc:picChg>
+        <pc:picChg chg="del">
+          <ac:chgData name="Francisco Valentin Ramirez Cuevas" userId="e79bf063-6348-4b44-8f45-581164b14c81" providerId="ADAL" clId="{56672B09-2D21-4D19-8937-F225A46518E7}" dt="2022-08-28T20:07:48.380" v="43" actId="21"/>
+          <ac:picMkLst>
+            <pc:docMk/>
+            <pc:sldMk cId="4256711182" sldId="267"/>
+            <ac:picMk id="4" creationId="{407CCDCD-6032-F914-3587-9D0C05D9F751}"/>
+          </ac:picMkLst>
+        </pc:picChg>
+        <pc:picChg chg="add del mod">
+          <ac:chgData name="Francisco Valentin Ramirez Cuevas" userId="e79bf063-6348-4b44-8f45-581164b14c81" providerId="ADAL" clId="{56672B09-2D21-4D19-8937-F225A46518E7}" dt="2022-08-28T20:07:59.758" v="50"/>
+          <ac:picMkLst>
+            <pc:docMk/>
+            <pc:sldMk cId="4256711182" sldId="267"/>
+            <ac:picMk id="5" creationId="{4DD79E57-114B-679E-ACA0-2E367B1F3669}"/>
+          </ac:picMkLst>
+        </pc:picChg>
+        <pc:picChg chg="add del">
+          <ac:chgData name="Francisco Valentin Ramirez Cuevas" userId="e79bf063-6348-4b44-8f45-581164b14c81" providerId="ADAL" clId="{56672B09-2D21-4D19-8937-F225A46518E7}" dt="2022-08-28T20:10:46.669" v="88" actId="21"/>
+          <ac:picMkLst>
+            <pc:docMk/>
+            <pc:sldMk cId="4256711182" sldId="267"/>
+            <ac:picMk id="6" creationId="{4FE93670-5C8C-E53B-E4BC-C58088A70C58}"/>
+          </ac:picMkLst>
+        </pc:picChg>
+        <pc:picChg chg="add mod">
+          <ac:chgData name="Francisco Valentin Ramirez Cuevas" userId="e79bf063-6348-4b44-8f45-581164b14c81" providerId="ADAL" clId="{56672B09-2D21-4D19-8937-F225A46518E7}" dt="2022-08-28T20:16:03.119" v="271" actId="404"/>
+          <ac:picMkLst>
+            <pc:docMk/>
+            <pc:sldMk cId="4256711182" sldId="267"/>
+            <ac:picMk id="18" creationId="{ADDDB8BD-E4EE-E169-171E-C1385C4854F2}"/>
+          </ac:picMkLst>
+        </pc:picChg>
       </pc:sldChg>
     </pc:docChg>
   </pc:docChgLst>
@@ -1426,7 +1905,7 @@
           <a:p>
             <a:fld id="{D66EF1AE-13F2-45B2-A494-0C0C1CB88371}" type="datetimeFigureOut">
               <a:rPr lang="en-US" smtClean="0"/>
-              <a:t>8/17/2022</a:t>
+              <a:t>8/28/2022</a:t>
             </a:fld>
             <a:endParaRPr lang="en-US"/>
           </a:p>
@@ -1624,7 +2103,7 @@
           <a:p>
             <a:fld id="{D66EF1AE-13F2-45B2-A494-0C0C1CB88371}" type="datetimeFigureOut">
               <a:rPr lang="en-US" smtClean="0"/>
-              <a:t>8/17/2022</a:t>
+              <a:t>8/28/2022</a:t>
             </a:fld>
             <a:endParaRPr lang="en-US"/>
           </a:p>
@@ -1832,7 +2311,7 @@
           <a:p>
             <a:fld id="{D66EF1AE-13F2-45B2-A494-0C0C1CB88371}" type="datetimeFigureOut">
               <a:rPr lang="en-US" smtClean="0"/>
-              <a:t>8/17/2022</a:t>
+              <a:t>8/28/2022</a:t>
             </a:fld>
             <a:endParaRPr lang="en-US"/>
           </a:p>
@@ -2030,7 +2509,7 @@
           <a:p>
             <a:fld id="{D66EF1AE-13F2-45B2-A494-0C0C1CB88371}" type="datetimeFigureOut">
               <a:rPr lang="en-US" smtClean="0"/>
-              <a:t>8/17/2022</a:t>
+              <a:t>8/28/2022</a:t>
             </a:fld>
             <a:endParaRPr lang="en-US"/>
           </a:p>
@@ -2305,7 +2784,7 @@
           <a:p>
             <a:fld id="{D66EF1AE-13F2-45B2-A494-0C0C1CB88371}" type="datetimeFigureOut">
               <a:rPr lang="en-US" smtClean="0"/>
-              <a:t>8/17/2022</a:t>
+              <a:t>8/28/2022</a:t>
             </a:fld>
             <a:endParaRPr lang="en-US"/>
           </a:p>
@@ -2570,7 +3049,7 @@
           <a:p>
             <a:fld id="{D66EF1AE-13F2-45B2-A494-0C0C1CB88371}" type="datetimeFigureOut">
               <a:rPr lang="en-US" smtClean="0"/>
-              <a:t>8/17/2022</a:t>
+              <a:t>8/28/2022</a:t>
             </a:fld>
             <a:endParaRPr lang="en-US"/>
           </a:p>
@@ -2982,7 +3461,7 @@
           <a:p>
             <a:fld id="{D66EF1AE-13F2-45B2-A494-0C0C1CB88371}" type="datetimeFigureOut">
               <a:rPr lang="en-US" smtClean="0"/>
-              <a:t>8/17/2022</a:t>
+              <a:t>8/28/2022</a:t>
             </a:fld>
             <a:endParaRPr lang="en-US"/>
           </a:p>
@@ -3123,7 +3602,7 @@
           <a:p>
             <a:fld id="{D66EF1AE-13F2-45B2-A494-0C0C1CB88371}" type="datetimeFigureOut">
               <a:rPr lang="en-US" smtClean="0"/>
-              <a:t>8/17/2022</a:t>
+              <a:t>8/28/2022</a:t>
             </a:fld>
             <a:endParaRPr lang="en-US"/>
           </a:p>
@@ -3236,7 +3715,7 @@
           <a:p>
             <a:fld id="{D66EF1AE-13F2-45B2-A494-0C0C1CB88371}" type="datetimeFigureOut">
               <a:rPr lang="en-US" smtClean="0"/>
-              <a:t>8/17/2022</a:t>
+              <a:t>8/28/2022</a:t>
             </a:fld>
             <a:endParaRPr lang="en-US"/>
           </a:p>
@@ -3547,7 +4026,7 @@
           <a:p>
             <a:fld id="{D66EF1AE-13F2-45B2-A494-0C0C1CB88371}" type="datetimeFigureOut">
               <a:rPr lang="en-US" smtClean="0"/>
-              <a:t>8/17/2022</a:t>
+              <a:t>8/28/2022</a:t>
             </a:fld>
             <a:endParaRPr lang="en-US"/>
           </a:p>
@@ -3835,7 +4314,7 @@
           <a:p>
             <a:fld id="{D66EF1AE-13F2-45B2-A494-0C0C1CB88371}" type="datetimeFigureOut">
               <a:rPr lang="en-US" smtClean="0"/>
-              <a:t>8/17/2022</a:t>
+              <a:t>8/28/2022</a:t>
             </a:fld>
             <a:endParaRPr lang="en-US"/>
           </a:p>
@@ -4076,7 +4555,7 @@
           <a:p>
             <a:fld id="{D66EF1AE-13F2-45B2-A494-0C0C1CB88371}" type="datetimeFigureOut">
               <a:rPr lang="en-US" smtClean="0"/>
-              <a:t>8/17/2022</a:t>
+              <a:t>8/28/2022</a:t>
             </a:fld>
             <a:endParaRPr lang="en-US"/>
           </a:p>
@@ -4527,6 +5006,2553 @@
     <p:extLst>
       <p:ext uri="{BB962C8B-B14F-4D97-AF65-F5344CB8AC3E}">
         <p14:creationId xmlns:p14="http://schemas.microsoft.com/office/powerpoint/2010/main" val="2860674138"/>
+      </p:ext>
+    </p:extLst>
+  </p:cSld>
+  <p:clrMapOvr>
+    <a:masterClrMapping/>
+  </p:clrMapOvr>
+</p:sld>
+</file>
+
+<file path=ppt/slides/slide10.xml><?xml version="1.0" encoding="utf-8"?>
+<p:sld xmlns:a="http://schemas.openxmlformats.org/drawingml/2006/main" xmlns:r="http://schemas.openxmlformats.org/officeDocument/2006/relationships" xmlns:p="http://schemas.openxmlformats.org/presentationml/2006/main">
+  <p:cSld>
+    <p:spTree>
+      <p:nvGrpSpPr>
+        <p:cNvPr id="1" name=""/>
+        <p:cNvGrpSpPr/>
+        <p:nvPr/>
+      </p:nvGrpSpPr>
+      <p:grpSpPr>
+        <a:xfrm>
+          <a:off x="0" y="0"/>
+          <a:ext cx="0" cy="0"/>
+          <a:chOff x="0" y="0"/>
+          <a:chExt cx="0" cy="0"/>
+        </a:xfrm>
+      </p:grpSpPr>
+      <p:pic>
+        <p:nvPicPr>
+          <p:cNvPr id="2" name="Picture 1">
+            <a:extLst>
+              <a:ext uri="{FF2B5EF4-FFF2-40B4-BE49-F238E27FC236}">
+                <a16:creationId xmlns:a16="http://schemas.microsoft.com/office/drawing/2014/main" id="{2220352C-A1E5-B83B-D478-39DC2E46BC80}"/>
+              </a:ext>
+            </a:extLst>
+          </p:cNvPr>
+          <p:cNvPicPr>
+            <a:picLocks noChangeAspect="1"/>
+          </p:cNvPicPr>
+          <p:nvPr/>
+        </p:nvPicPr>
+        <p:blipFill>
+          <a:blip r:embed="rId2"/>
+          <a:stretch>
+            <a:fillRect/>
+          </a:stretch>
+        </p:blipFill>
+        <p:spPr>
+          <a:xfrm>
+            <a:off x="1236518" y="1617536"/>
+            <a:ext cx="9954491" cy="2662826"/>
+          </a:xfrm>
+          <a:prstGeom prst="rect">
+            <a:avLst/>
+          </a:prstGeom>
+        </p:spPr>
+      </p:pic>
+    </p:spTree>
+    <p:extLst>
+      <p:ext uri="{BB962C8B-B14F-4D97-AF65-F5344CB8AC3E}">
+        <p14:creationId xmlns:p14="http://schemas.microsoft.com/office/powerpoint/2010/main" val="257880714"/>
+      </p:ext>
+    </p:extLst>
+  </p:cSld>
+  <p:clrMapOvr>
+    <a:masterClrMapping/>
+  </p:clrMapOvr>
+</p:sld>
+</file>
+
+<file path=ppt/slides/slide11.xml><?xml version="1.0" encoding="utf-8"?>
+<p:sld xmlns:a="http://schemas.openxmlformats.org/drawingml/2006/main" xmlns:r="http://schemas.openxmlformats.org/officeDocument/2006/relationships" xmlns:p="http://schemas.openxmlformats.org/presentationml/2006/main">
+  <p:cSld>
+    <p:spTree>
+      <p:nvGrpSpPr>
+        <p:cNvPr id="1" name=""/>
+        <p:cNvGrpSpPr/>
+        <p:nvPr/>
+      </p:nvGrpSpPr>
+      <p:grpSpPr>
+        <a:xfrm>
+          <a:off x="0" y="0"/>
+          <a:ext cx="0" cy="0"/>
+          <a:chOff x="0" y="0"/>
+          <a:chExt cx="0" cy="0"/>
+        </a:xfrm>
+      </p:grpSpPr>
+      <p:pic>
+        <p:nvPicPr>
+          <p:cNvPr id="18" name="Picture 17">
+            <a:extLst>
+              <a:ext uri="{FF2B5EF4-FFF2-40B4-BE49-F238E27FC236}">
+                <a16:creationId xmlns:a16="http://schemas.microsoft.com/office/drawing/2014/main" id="{ADDDB8BD-E4EE-E169-171E-C1385C4854F2}"/>
+              </a:ext>
+            </a:extLst>
+          </p:cNvPr>
+          <p:cNvPicPr>
+            <a:picLocks noChangeAspect="1"/>
+          </p:cNvPicPr>
+          <p:nvPr/>
+        </p:nvPicPr>
+        <p:blipFill>
+          <a:blip r:embed="rId2"/>
+          <a:stretch>
+            <a:fillRect/>
+          </a:stretch>
+        </p:blipFill>
+        <p:spPr>
+          <a:xfrm>
+            <a:off x="1060266" y="914182"/>
+            <a:ext cx="10071465" cy="5029636"/>
+          </a:xfrm>
+          <a:prstGeom prst="rect">
+            <a:avLst/>
+          </a:prstGeom>
+        </p:spPr>
+      </p:pic>
+      <mc:AlternateContent xmlns:mc="http://schemas.openxmlformats.org/markup-compatibility/2006">
+        <mc:Choice xmlns:a14="http://schemas.microsoft.com/office/drawing/2010/main" Requires="a14">
+          <p:sp>
+            <p:nvSpPr>
+              <p:cNvPr id="19" name="TextBox 18">
+                <a:extLst>
+                  <a:ext uri="{FF2B5EF4-FFF2-40B4-BE49-F238E27FC236}">
+                    <a16:creationId xmlns:a16="http://schemas.microsoft.com/office/drawing/2014/main" id="{093DCBC3-6054-0ECD-2A9C-9285DD47394C}"/>
+                  </a:ext>
+                </a:extLst>
+              </p:cNvPr>
+              <p:cNvSpPr txBox="1"/>
+              <p:nvPr/>
+            </p:nvSpPr>
+            <p:spPr>
+              <a:xfrm>
+                <a:off x="2866846" y="1440521"/>
+                <a:ext cx="968342" cy="461665"/>
+              </a:xfrm>
+              <a:prstGeom prst="rect">
+                <a:avLst/>
+              </a:prstGeom>
+              <a:noFill/>
+            </p:spPr>
+            <p:txBody>
+              <a:bodyPr wrap="none" rtlCol="0">
+                <a:spAutoFit/>
+              </a:bodyPr>
+              <a:lstStyle/>
+              <a:p>
+                <a:pPr/>
+                <a14:m>
+                  <m:oMathPara xmlns:m="http://schemas.openxmlformats.org/officeDocument/2006/math">
+                    <m:oMathParaPr>
+                      <m:jc m:val="centerGroup"/>
+                    </m:oMathParaPr>
+                    <m:oMath xmlns:m="http://schemas.openxmlformats.org/officeDocument/2006/math">
+                      <m:sSub>
+                        <m:sSubPr>
+                          <m:ctrlPr>
+                            <a:rPr lang="es-CL" sz="2400" b="0" i="1" smtClean="0">
+                              <a:solidFill>
+                                <a:schemeClr val="tx1"/>
+                              </a:solidFill>
+                              <a:latin typeface="Cambria Math" panose="02040503050406030204" pitchFamily="18" charset="0"/>
+                            </a:rPr>
+                          </m:ctrlPr>
+                        </m:sSubPr>
+                        <m:e>
+                          <m:r>
+                            <a:rPr lang="es-CL" sz="2400" b="0" i="1" smtClean="0">
+                              <a:solidFill>
+                                <a:schemeClr val="tx1"/>
+                              </a:solidFill>
+                              <a:latin typeface="Cambria Math" panose="02040503050406030204" pitchFamily="18" charset="0"/>
+                            </a:rPr>
+                            <m:t>𝑆</m:t>
+                          </m:r>
+                        </m:e>
+                        <m:sub>
+                          <m:r>
+                            <a:rPr lang="es-CL" sz="2400" b="0" i="1" smtClean="0">
+                              <a:solidFill>
+                                <a:schemeClr val="tx1"/>
+                              </a:solidFill>
+                              <a:latin typeface="Cambria Math" panose="02040503050406030204" pitchFamily="18" charset="0"/>
+                            </a:rPr>
+                            <m:t>1</m:t>
+                          </m:r>
+                        </m:sub>
+                      </m:sSub>
+                      <m:r>
+                        <a:rPr lang="es-CL" sz="2400" b="0" i="1" smtClean="0">
+                          <a:solidFill>
+                            <a:schemeClr val="tx1"/>
+                          </a:solidFill>
+                          <a:latin typeface="Cambria Math" panose="02040503050406030204" pitchFamily="18" charset="0"/>
+                        </a:rPr>
+                        <m:t>(</m:t>
+                      </m:r>
+                      <m:r>
+                        <a:rPr lang="es-CL" sz="2400" b="0" i="1" smtClean="0">
+                          <a:solidFill>
+                            <a:schemeClr val="tx1"/>
+                          </a:solidFill>
+                          <a:latin typeface="Cambria Math" panose="02040503050406030204" pitchFamily="18" charset="0"/>
+                        </a:rPr>
+                        <m:t>𝑥</m:t>
+                      </m:r>
+                      <m:r>
+                        <a:rPr lang="es-CL" sz="2400" b="0" i="1" smtClean="0">
+                          <a:solidFill>
+                            <a:schemeClr val="tx1"/>
+                          </a:solidFill>
+                          <a:latin typeface="Cambria Math" panose="02040503050406030204" pitchFamily="18" charset="0"/>
+                        </a:rPr>
+                        <m:t>)</m:t>
+                      </m:r>
+                    </m:oMath>
+                  </m:oMathPara>
+                </a14:m>
+                <a:endParaRPr lang="en-US" sz="2400" dirty="0">
+                  <a:solidFill>
+                    <a:schemeClr val="tx1"/>
+                  </a:solidFill>
+                </a:endParaRPr>
+              </a:p>
+            </p:txBody>
+          </p:sp>
+        </mc:Choice>
+        <mc:Fallback>
+          <p:sp>
+            <p:nvSpPr>
+              <p:cNvPr id="19" name="TextBox 18">
+                <a:extLst>
+                  <a:ext uri="{FF2B5EF4-FFF2-40B4-BE49-F238E27FC236}">
+                    <a16:creationId xmlns:a16="http://schemas.microsoft.com/office/drawing/2014/main" id="{093DCBC3-6054-0ECD-2A9C-9285DD47394C}"/>
+                  </a:ext>
+                </a:extLst>
+              </p:cNvPr>
+              <p:cNvSpPr txBox="1">
+                <a:spLocks noRot="1" noChangeAspect="1" noMove="1" noResize="1" noEditPoints="1" noAdjustHandles="1" noChangeArrowheads="1" noChangeShapeType="1" noTextEdit="1"/>
+              </p:cNvSpPr>
+              <p:nvPr/>
+            </p:nvSpPr>
+            <p:spPr>
+              <a:xfrm>
+                <a:off x="2866846" y="1440521"/>
+                <a:ext cx="968342" cy="461665"/>
+              </a:xfrm>
+              <a:prstGeom prst="rect">
+                <a:avLst/>
+              </a:prstGeom>
+              <a:blipFill>
+                <a:blip r:embed="rId3"/>
+                <a:stretch>
+                  <a:fillRect r="-1887" b="-17105"/>
+                </a:stretch>
+              </a:blipFill>
+            </p:spPr>
+            <p:txBody>
+              <a:bodyPr/>
+              <a:lstStyle/>
+              <a:p>
+                <a:r>
+                  <a:rPr lang="en-US">
+                    <a:noFill/>
+                  </a:rPr>
+                  <a:t> </a:t>
+                </a:r>
+              </a:p>
+            </p:txBody>
+          </p:sp>
+        </mc:Fallback>
+      </mc:AlternateContent>
+      <mc:AlternateContent xmlns:mc="http://schemas.openxmlformats.org/markup-compatibility/2006">
+        <mc:Choice xmlns:a14="http://schemas.microsoft.com/office/drawing/2010/main" Requires="a14">
+          <p:sp>
+            <p:nvSpPr>
+              <p:cNvPr id="20" name="TextBox 19">
+                <a:extLst>
+                  <a:ext uri="{FF2B5EF4-FFF2-40B4-BE49-F238E27FC236}">
+                    <a16:creationId xmlns:a16="http://schemas.microsoft.com/office/drawing/2014/main" id="{B9C8E5ED-A6C2-8D82-F442-799090BA129D}"/>
+                  </a:ext>
+                </a:extLst>
+              </p:cNvPr>
+              <p:cNvSpPr txBox="1"/>
+              <p:nvPr/>
+            </p:nvSpPr>
+            <p:spPr>
+              <a:xfrm>
+                <a:off x="6095999" y="1440521"/>
+                <a:ext cx="931858" cy="461665"/>
+              </a:xfrm>
+              <a:prstGeom prst="rect">
+                <a:avLst/>
+              </a:prstGeom>
+              <a:noFill/>
+            </p:spPr>
+            <p:txBody>
+              <a:bodyPr wrap="none" rtlCol="0">
+                <a:spAutoFit/>
+              </a:bodyPr>
+              <a:lstStyle/>
+              <a:p>
+                <a:pPr/>
+                <a14:m>
+                  <m:oMathPara xmlns:m="http://schemas.openxmlformats.org/officeDocument/2006/math">
+                    <m:oMathParaPr>
+                      <m:jc m:val="centerGroup"/>
+                    </m:oMathParaPr>
+                    <m:oMath xmlns:m="http://schemas.openxmlformats.org/officeDocument/2006/math">
+                      <m:sSub>
+                        <m:sSubPr>
+                          <m:ctrlPr>
+                            <a:rPr lang="es-CL" sz="2400" b="0" i="1" smtClean="0">
+                              <a:solidFill>
+                                <a:schemeClr val="tx1"/>
+                              </a:solidFill>
+                              <a:latin typeface="Cambria Math" panose="02040503050406030204" pitchFamily="18" charset="0"/>
+                            </a:rPr>
+                          </m:ctrlPr>
+                        </m:sSubPr>
+                        <m:e>
+                          <m:r>
+                            <a:rPr lang="es-CL" sz="2400" b="0" i="1" smtClean="0">
+                              <a:solidFill>
+                                <a:schemeClr val="tx1"/>
+                              </a:solidFill>
+                              <a:latin typeface="Cambria Math" panose="02040503050406030204" pitchFamily="18" charset="0"/>
+                            </a:rPr>
+                            <m:t>𝑆</m:t>
+                          </m:r>
+                        </m:e>
+                        <m:sub>
+                          <m:r>
+                            <a:rPr lang="es-CL" sz="2400" b="0" i="1" smtClean="0">
+                              <a:solidFill>
+                                <a:schemeClr val="tx1"/>
+                              </a:solidFill>
+                              <a:latin typeface="Cambria Math" panose="02040503050406030204" pitchFamily="18" charset="0"/>
+                            </a:rPr>
+                            <m:t>𝑖</m:t>
+                          </m:r>
+                        </m:sub>
+                      </m:sSub>
+                      <m:r>
+                        <a:rPr lang="es-CL" sz="2400" b="0" i="1" smtClean="0">
+                          <a:solidFill>
+                            <a:schemeClr val="tx1"/>
+                          </a:solidFill>
+                          <a:latin typeface="Cambria Math" panose="02040503050406030204" pitchFamily="18" charset="0"/>
+                        </a:rPr>
+                        <m:t>(</m:t>
+                      </m:r>
+                      <m:r>
+                        <a:rPr lang="es-CL" sz="2400" b="0" i="1" smtClean="0">
+                          <a:solidFill>
+                            <a:schemeClr val="tx1"/>
+                          </a:solidFill>
+                          <a:latin typeface="Cambria Math" panose="02040503050406030204" pitchFamily="18" charset="0"/>
+                        </a:rPr>
+                        <m:t>𝑥</m:t>
+                      </m:r>
+                      <m:r>
+                        <a:rPr lang="es-CL" sz="2400" b="0" i="1" smtClean="0">
+                          <a:solidFill>
+                            <a:schemeClr val="tx1"/>
+                          </a:solidFill>
+                          <a:latin typeface="Cambria Math" panose="02040503050406030204" pitchFamily="18" charset="0"/>
+                        </a:rPr>
+                        <m:t>)</m:t>
+                      </m:r>
+                    </m:oMath>
+                  </m:oMathPara>
+                </a14:m>
+                <a:endParaRPr lang="en-US" sz="2400" dirty="0">
+                  <a:solidFill>
+                    <a:schemeClr val="tx1"/>
+                  </a:solidFill>
+                </a:endParaRPr>
+              </a:p>
+            </p:txBody>
+          </p:sp>
+        </mc:Choice>
+        <mc:Fallback>
+          <p:sp>
+            <p:nvSpPr>
+              <p:cNvPr id="20" name="TextBox 19">
+                <a:extLst>
+                  <a:ext uri="{FF2B5EF4-FFF2-40B4-BE49-F238E27FC236}">
+                    <a16:creationId xmlns:a16="http://schemas.microsoft.com/office/drawing/2014/main" id="{B9C8E5ED-A6C2-8D82-F442-799090BA129D}"/>
+                  </a:ext>
+                </a:extLst>
+              </p:cNvPr>
+              <p:cNvSpPr txBox="1">
+                <a:spLocks noRot="1" noChangeAspect="1" noMove="1" noResize="1" noEditPoints="1" noAdjustHandles="1" noChangeArrowheads="1" noChangeShapeType="1" noTextEdit="1"/>
+              </p:cNvSpPr>
+              <p:nvPr/>
+            </p:nvSpPr>
+            <p:spPr>
+              <a:xfrm>
+                <a:off x="6095999" y="1440521"/>
+                <a:ext cx="931858" cy="461665"/>
+              </a:xfrm>
+              <a:prstGeom prst="rect">
+                <a:avLst/>
+              </a:prstGeom>
+              <a:blipFill>
+                <a:blip r:embed="rId4"/>
+                <a:stretch>
+                  <a:fillRect r="-1307" b="-17105"/>
+                </a:stretch>
+              </a:blipFill>
+            </p:spPr>
+            <p:txBody>
+              <a:bodyPr/>
+              <a:lstStyle/>
+              <a:p>
+                <a:r>
+                  <a:rPr lang="en-US">
+                    <a:noFill/>
+                  </a:rPr>
+                  <a:t> </a:t>
+                </a:r>
+              </a:p>
+            </p:txBody>
+          </p:sp>
+        </mc:Fallback>
+      </mc:AlternateContent>
+      <mc:AlternateContent xmlns:mc="http://schemas.openxmlformats.org/markup-compatibility/2006">
+        <mc:Choice xmlns:a14="http://schemas.microsoft.com/office/drawing/2010/main" Requires="a14">
+          <p:sp>
+            <p:nvSpPr>
+              <p:cNvPr id="21" name="TextBox 20">
+                <a:extLst>
+                  <a:ext uri="{FF2B5EF4-FFF2-40B4-BE49-F238E27FC236}">
+                    <a16:creationId xmlns:a16="http://schemas.microsoft.com/office/drawing/2014/main" id="{2FFB9AF5-4920-A79E-86D3-69A39EA184C4}"/>
+                  </a:ext>
+                </a:extLst>
+              </p:cNvPr>
+              <p:cNvSpPr txBox="1"/>
+              <p:nvPr/>
+            </p:nvSpPr>
+            <p:spPr>
+              <a:xfrm>
+                <a:off x="9325152" y="1440521"/>
+                <a:ext cx="995337" cy="461665"/>
+              </a:xfrm>
+              <a:prstGeom prst="rect">
+                <a:avLst/>
+              </a:prstGeom>
+              <a:noFill/>
+            </p:spPr>
+            <p:txBody>
+              <a:bodyPr wrap="none" rtlCol="0">
+                <a:spAutoFit/>
+              </a:bodyPr>
+              <a:lstStyle/>
+              <a:p>
+                <a:pPr/>
+                <a14:m>
+                  <m:oMathPara xmlns:m="http://schemas.openxmlformats.org/officeDocument/2006/math">
+                    <m:oMathParaPr>
+                      <m:jc m:val="centerGroup"/>
+                    </m:oMathParaPr>
+                    <m:oMath xmlns:m="http://schemas.openxmlformats.org/officeDocument/2006/math">
+                      <m:sSub>
+                        <m:sSubPr>
+                          <m:ctrlPr>
+                            <a:rPr lang="es-CL" sz="2400" b="0" i="1" smtClean="0">
+                              <a:solidFill>
+                                <a:schemeClr val="tx1"/>
+                              </a:solidFill>
+                              <a:latin typeface="Cambria Math" panose="02040503050406030204" pitchFamily="18" charset="0"/>
+                            </a:rPr>
+                          </m:ctrlPr>
+                        </m:sSubPr>
+                        <m:e>
+                          <m:r>
+                            <a:rPr lang="es-CL" sz="2400" b="0" i="1" smtClean="0">
+                              <a:solidFill>
+                                <a:schemeClr val="tx1"/>
+                              </a:solidFill>
+                              <a:latin typeface="Cambria Math" panose="02040503050406030204" pitchFamily="18" charset="0"/>
+                            </a:rPr>
+                            <m:t>𝑆</m:t>
+                          </m:r>
+                        </m:e>
+                        <m:sub>
+                          <m:r>
+                            <a:rPr lang="es-CL" sz="2400" b="0" i="1" smtClean="0">
+                              <a:solidFill>
+                                <a:schemeClr val="tx1"/>
+                              </a:solidFill>
+                              <a:latin typeface="Cambria Math" panose="02040503050406030204" pitchFamily="18" charset="0"/>
+                            </a:rPr>
+                            <m:t>𝑛</m:t>
+                          </m:r>
+                        </m:sub>
+                      </m:sSub>
+                      <m:r>
+                        <a:rPr lang="es-CL" sz="2400" b="0" i="1" smtClean="0">
+                          <a:solidFill>
+                            <a:schemeClr val="tx1"/>
+                          </a:solidFill>
+                          <a:latin typeface="Cambria Math" panose="02040503050406030204" pitchFamily="18" charset="0"/>
+                        </a:rPr>
+                        <m:t>(</m:t>
+                      </m:r>
+                      <m:r>
+                        <a:rPr lang="es-CL" sz="2400" b="0" i="1" smtClean="0">
+                          <a:solidFill>
+                            <a:schemeClr val="tx1"/>
+                          </a:solidFill>
+                          <a:latin typeface="Cambria Math" panose="02040503050406030204" pitchFamily="18" charset="0"/>
+                        </a:rPr>
+                        <m:t>𝑥</m:t>
+                      </m:r>
+                      <m:r>
+                        <a:rPr lang="es-CL" sz="2400" b="0" i="1" smtClean="0">
+                          <a:solidFill>
+                            <a:schemeClr val="tx1"/>
+                          </a:solidFill>
+                          <a:latin typeface="Cambria Math" panose="02040503050406030204" pitchFamily="18" charset="0"/>
+                        </a:rPr>
+                        <m:t>)</m:t>
+                      </m:r>
+                    </m:oMath>
+                  </m:oMathPara>
+                </a14:m>
+                <a:endParaRPr lang="en-US" sz="2400" dirty="0">
+                  <a:solidFill>
+                    <a:schemeClr val="tx1"/>
+                  </a:solidFill>
+                </a:endParaRPr>
+              </a:p>
+            </p:txBody>
+          </p:sp>
+        </mc:Choice>
+        <mc:Fallback>
+          <p:sp>
+            <p:nvSpPr>
+              <p:cNvPr id="21" name="TextBox 20">
+                <a:extLst>
+                  <a:ext uri="{FF2B5EF4-FFF2-40B4-BE49-F238E27FC236}">
+                    <a16:creationId xmlns:a16="http://schemas.microsoft.com/office/drawing/2014/main" id="{2FFB9AF5-4920-A79E-86D3-69A39EA184C4}"/>
+                  </a:ext>
+                </a:extLst>
+              </p:cNvPr>
+              <p:cNvSpPr txBox="1">
+                <a:spLocks noRot="1" noChangeAspect="1" noMove="1" noResize="1" noEditPoints="1" noAdjustHandles="1" noChangeArrowheads="1" noChangeShapeType="1" noTextEdit="1"/>
+              </p:cNvSpPr>
+              <p:nvPr/>
+            </p:nvSpPr>
+            <p:spPr>
+              <a:xfrm>
+                <a:off x="9325152" y="1440521"/>
+                <a:ext cx="995337" cy="461665"/>
+              </a:xfrm>
+              <a:prstGeom prst="rect">
+                <a:avLst/>
+              </a:prstGeom>
+              <a:blipFill>
+                <a:blip r:embed="rId5"/>
+                <a:stretch>
+                  <a:fillRect r="-1227" b="-17105"/>
+                </a:stretch>
+              </a:blipFill>
+            </p:spPr>
+            <p:txBody>
+              <a:bodyPr/>
+              <a:lstStyle/>
+              <a:p>
+                <a:r>
+                  <a:rPr lang="en-US">
+                    <a:noFill/>
+                  </a:rPr>
+                  <a:t> </a:t>
+                </a:r>
+              </a:p>
+            </p:txBody>
+          </p:sp>
+        </mc:Fallback>
+      </mc:AlternateContent>
+      <mc:AlternateContent xmlns:mc="http://schemas.openxmlformats.org/markup-compatibility/2006">
+        <mc:Choice xmlns:a14="http://schemas.microsoft.com/office/drawing/2010/main" Requires="a14">
+          <p:sp>
+            <p:nvSpPr>
+              <p:cNvPr id="22" name="TextBox 21">
+                <a:extLst>
+                  <a:ext uri="{FF2B5EF4-FFF2-40B4-BE49-F238E27FC236}">
+                    <a16:creationId xmlns:a16="http://schemas.microsoft.com/office/drawing/2014/main" id="{8B96DDD8-B266-28FA-6CE7-1E466C7F3C44}"/>
+                  </a:ext>
+                </a:extLst>
+              </p:cNvPr>
+              <p:cNvSpPr txBox="1"/>
+              <p:nvPr/>
+            </p:nvSpPr>
+            <p:spPr>
+              <a:xfrm>
+                <a:off x="2401549" y="5356519"/>
+                <a:ext cx="556691" cy="461665"/>
+              </a:xfrm>
+              <a:prstGeom prst="rect">
+                <a:avLst/>
+              </a:prstGeom>
+              <a:noFill/>
+            </p:spPr>
+            <p:txBody>
+              <a:bodyPr wrap="none" rtlCol="0">
+                <a:spAutoFit/>
+              </a:bodyPr>
+              <a:lstStyle/>
+              <a:p>
+                <a:pPr/>
+                <a14:m>
+                  <m:oMathPara xmlns:m="http://schemas.openxmlformats.org/officeDocument/2006/math">
+                    <m:oMathParaPr>
+                      <m:jc m:val="centerGroup"/>
+                    </m:oMathParaPr>
+                    <m:oMath xmlns:m="http://schemas.openxmlformats.org/officeDocument/2006/math">
+                      <m:sSub>
+                        <m:sSubPr>
+                          <m:ctrlPr>
+                            <a:rPr lang="es-CL" sz="2400" b="0" i="1" smtClean="0">
+                              <a:solidFill>
+                                <a:schemeClr val="tx1"/>
+                              </a:solidFill>
+                              <a:latin typeface="Cambria Math" panose="02040503050406030204" pitchFamily="18" charset="0"/>
+                            </a:rPr>
+                          </m:ctrlPr>
+                        </m:sSubPr>
+                        <m:e>
+                          <m:r>
+                            <a:rPr lang="es-CL" sz="2400" b="0" i="1" smtClean="0">
+                              <a:solidFill>
+                                <a:schemeClr val="tx1"/>
+                              </a:solidFill>
+                              <a:latin typeface="Cambria Math" panose="02040503050406030204" pitchFamily="18" charset="0"/>
+                            </a:rPr>
+                            <m:t>𝑥</m:t>
+                          </m:r>
+                        </m:e>
+                        <m:sub>
+                          <m:r>
+                            <a:rPr lang="es-CL" sz="2400" b="0" i="1" smtClean="0">
+                              <a:solidFill>
+                                <a:schemeClr val="tx1"/>
+                              </a:solidFill>
+                              <a:latin typeface="Cambria Math" panose="02040503050406030204" pitchFamily="18" charset="0"/>
+                            </a:rPr>
+                            <m:t>0</m:t>
+                          </m:r>
+                        </m:sub>
+                      </m:sSub>
+                    </m:oMath>
+                  </m:oMathPara>
+                </a14:m>
+                <a:endParaRPr lang="en-US" sz="2400" dirty="0">
+                  <a:solidFill>
+                    <a:schemeClr val="tx1"/>
+                  </a:solidFill>
+                </a:endParaRPr>
+              </a:p>
+            </p:txBody>
+          </p:sp>
+        </mc:Choice>
+        <mc:Fallback>
+          <p:sp>
+            <p:nvSpPr>
+              <p:cNvPr id="22" name="TextBox 21">
+                <a:extLst>
+                  <a:ext uri="{FF2B5EF4-FFF2-40B4-BE49-F238E27FC236}">
+                    <a16:creationId xmlns:a16="http://schemas.microsoft.com/office/drawing/2014/main" id="{8B96DDD8-B266-28FA-6CE7-1E466C7F3C44}"/>
+                  </a:ext>
+                </a:extLst>
+              </p:cNvPr>
+              <p:cNvSpPr txBox="1">
+                <a:spLocks noRot="1" noChangeAspect="1" noMove="1" noResize="1" noEditPoints="1" noAdjustHandles="1" noChangeArrowheads="1" noChangeShapeType="1" noTextEdit="1"/>
+              </p:cNvSpPr>
+              <p:nvPr/>
+            </p:nvSpPr>
+            <p:spPr>
+              <a:xfrm>
+                <a:off x="2401549" y="5356519"/>
+                <a:ext cx="556691" cy="461665"/>
+              </a:xfrm>
+              <a:prstGeom prst="rect">
+                <a:avLst/>
+              </a:prstGeom>
+              <a:blipFill>
+                <a:blip r:embed="rId6"/>
+                <a:stretch>
+                  <a:fillRect b="-1333"/>
+                </a:stretch>
+              </a:blipFill>
+            </p:spPr>
+            <p:txBody>
+              <a:bodyPr/>
+              <a:lstStyle/>
+              <a:p>
+                <a:r>
+                  <a:rPr lang="en-US">
+                    <a:noFill/>
+                  </a:rPr>
+                  <a:t> </a:t>
+                </a:r>
+              </a:p>
+            </p:txBody>
+          </p:sp>
+        </mc:Fallback>
+      </mc:AlternateContent>
+      <mc:AlternateContent xmlns:mc="http://schemas.openxmlformats.org/markup-compatibility/2006">
+        <mc:Choice xmlns:a14="http://schemas.microsoft.com/office/drawing/2010/main" Requires="a14">
+          <p:sp>
+            <p:nvSpPr>
+              <p:cNvPr id="23" name="TextBox 22">
+                <a:extLst>
+                  <a:ext uri="{FF2B5EF4-FFF2-40B4-BE49-F238E27FC236}">
+                    <a16:creationId xmlns:a16="http://schemas.microsoft.com/office/drawing/2014/main" id="{5DE732E4-62C8-290E-38A0-EC90DF8B25D7}"/>
+                  </a:ext>
+                </a:extLst>
+              </p:cNvPr>
+              <p:cNvSpPr txBox="1"/>
+              <p:nvPr/>
+            </p:nvSpPr>
+            <p:spPr>
+              <a:xfrm>
+                <a:off x="3733965" y="5356519"/>
+                <a:ext cx="549574" cy="461665"/>
+              </a:xfrm>
+              <a:prstGeom prst="rect">
+                <a:avLst/>
+              </a:prstGeom>
+              <a:noFill/>
+            </p:spPr>
+            <p:txBody>
+              <a:bodyPr wrap="none" rtlCol="0">
+                <a:spAutoFit/>
+              </a:bodyPr>
+              <a:lstStyle/>
+              <a:p>
+                <a:pPr/>
+                <a14:m>
+                  <m:oMathPara xmlns:m="http://schemas.openxmlformats.org/officeDocument/2006/math">
+                    <m:oMathParaPr>
+                      <m:jc m:val="centerGroup"/>
+                    </m:oMathParaPr>
+                    <m:oMath xmlns:m="http://schemas.openxmlformats.org/officeDocument/2006/math">
+                      <m:sSub>
+                        <m:sSubPr>
+                          <m:ctrlPr>
+                            <a:rPr lang="es-CL" sz="2400" b="0" i="1" smtClean="0">
+                              <a:solidFill>
+                                <a:schemeClr val="tx1"/>
+                              </a:solidFill>
+                              <a:latin typeface="Cambria Math" panose="02040503050406030204" pitchFamily="18" charset="0"/>
+                            </a:rPr>
+                          </m:ctrlPr>
+                        </m:sSubPr>
+                        <m:e>
+                          <m:r>
+                            <a:rPr lang="es-CL" sz="2400" b="0" i="1" smtClean="0">
+                              <a:solidFill>
+                                <a:schemeClr val="tx1"/>
+                              </a:solidFill>
+                              <a:latin typeface="Cambria Math" panose="02040503050406030204" pitchFamily="18" charset="0"/>
+                            </a:rPr>
+                            <m:t>𝑥</m:t>
+                          </m:r>
+                        </m:e>
+                        <m:sub>
+                          <m:r>
+                            <a:rPr lang="es-CL" sz="2400" b="0" i="1" smtClean="0">
+                              <a:solidFill>
+                                <a:schemeClr val="tx1"/>
+                              </a:solidFill>
+                              <a:latin typeface="Cambria Math" panose="02040503050406030204" pitchFamily="18" charset="0"/>
+                            </a:rPr>
+                            <m:t>1</m:t>
+                          </m:r>
+                        </m:sub>
+                      </m:sSub>
+                    </m:oMath>
+                  </m:oMathPara>
+                </a14:m>
+                <a:endParaRPr lang="en-US" sz="2400" dirty="0">
+                  <a:solidFill>
+                    <a:schemeClr val="tx1"/>
+                  </a:solidFill>
+                </a:endParaRPr>
+              </a:p>
+            </p:txBody>
+          </p:sp>
+        </mc:Choice>
+        <mc:Fallback>
+          <p:sp>
+            <p:nvSpPr>
+              <p:cNvPr id="23" name="TextBox 22">
+                <a:extLst>
+                  <a:ext uri="{FF2B5EF4-FFF2-40B4-BE49-F238E27FC236}">
+                    <a16:creationId xmlns:a16="http://schemas.microsoft.com/office/drawing/2014/main" id="{5DE732E4-62C8-290E-38A0-EC90DF8B25D7}"/>
+                  </a:ext>
+                </a:extLst>
+              </p:cNvPr>
+              <p:cNvSpPr txBox="1">
+                <a:spLocks noRot="1" noChangeAspect="1" noMove="1" noResize="1" noEditPoints="1" noAdjustHandles="1" noChangeArrowheads="1" noChangeShapeType="1" noTextEdit="1"/>
+              </p:cNvSpPr>
+              <p:nvPr/>
+            </p:nvSpPr>
+            <p:spPr>
+              <a:xfrm>
+                <a:off x="3733965" y="5356519"/>
+                <a:ext cx="549574" cy="461665"/>
+              </a:xfrm>
+              <a:prstGeom prst="rect">
+                <a:avLst/>
+              </a:prstGeom>
+              <a:blipFill>
+                <a:blip r:embed="rId7"/>
+                <a:stretch>
+                  <a:fillRect b="-1333"/>
+                </a:stretch>
+              </a:blipFill>
+            </p:spPr>
+            <p:txBody>
+              <a:bodyPr/>
+              <a:lstStyle/>
+              <a:p>
+                <a:r>
+                  <a:rPr lang="en-US">
+                    <a:noFill/>
+                  </a:rPr>
+                  <a:t> </a:t>
+                </a:r>
+              </a:p>
+            </p:txBody>
+          </p:sp>
+        </mc:Fallback>
+      </mc:AlternateContent>
+      <mc:AlternateContent xmlns:mc="http://schemas.openxmlformats.org/markup-compatibility/2006">
+        <mc:Choice xmlns:a14="http://schemas.microsoft.com/office/drawing/2010/main" Requires="a14">
+          <p:sp>
+            <p:nvSpPr>
+              <p:cNvPr id="24" name="TextBox 23">
+                <a:extLst>
+                  <a:ext uri="{FF2B5EF4-FFF2-40B4-BE49-F238E27FC236}">
+                    <a16:creationId xmlns:a16="http://schemas.microsoft.com/office/drawing/2014/main" id="{F7BD109E-C925-F8E9-2460-C6B48D92D2A9}"/>
+                  </a:ext>
+                </a:extLst>
+              </p:cNvPr>
+              <p:cNvSpPr txBox="1"/>
+              <p:nvPr/>
+            </p:nvSpPr>
+            <p:spPr>
+              <a:xfrm>
+                <a:off x="5522473" y="5356519"/>
+                <a:ext cx="513089" cy="461665"/>
+              </a:xfrm>
+              <a:prstGeom prst="rect">
+                <a:avLst/>
+              </a:prstGeom>
+              <a:noFill/>
+            </p:spPr>
+            <p:txBody>
+              <a:bodyPr wrap="none" rtlCol="0">
+                <a:spAutoFit/>
+              </a:bodyPr>
+              <a:lstStyle/>
+              <a:p>
+                <a:pPr/>
+                <a14:m>
+                  <m:oMathPara xmlns:m="http://schemas.openxmlformats.org/officeDocument/2006/math">
+                    <m:oMathParaPr>
+                      <m:jc m:val="centerGroup"/>
+                    </m:oMathParaPr>
+                    <m:oMath xmlns:m="http://schemas.openxmlformats.org/officeDocument/2006/math">
+                      <m:sSub>
+                        <m:sSubPr>
+                          <m:ctrlPr>
+                            <a:rPr lang="es-CL" sz="2400" b="0" i="1" smtClean="0">
+                              <a:solidFill>
+                                <a:schemeClr val="tx1"/>
+                              </a:solidFill>
+                              <a:latin typeface="Cambria Math" panose="02040503050406030204" pitchFamily="18" charset="0"/>
+                            </a:rPr>
+                          </m:ctrlPr>
+                        </m:sSubPr>
+                        <m:e>
+                          <m:r>
+                            <a:rPr lang="es-CL" sz="2400" b="0" i="1" smtClean="0">
+                              <a:solidFill>
+                                <a:schemeClr val="tx1"/>
+                              </a:solidFill>
+                              <a:latin typeface="Cambria Math" panose="02040503050406030204" pitchFamily="18" charset="0"/>
+                            </a:rPr>
+                            <m:t>𝑥</m:t>
+                          </m:r>
+                        </m:e>
+                        <m:sub>
+                          <m:r>
+                            <a:rPr lang="es-CL" sz="2400" b="0" i="1" smtClean="0">
+                              <a:solidFill>
+                                <a:schemeClr val="tx1"/>
+                              </a:solidFill>
+                              <a:latin typeface="Cambria Math" panose="02040503050406030204" pitchFamily="18" charset="0"/>
+                            </a:rPr>
+                            <m:t>𝑖</m:t>
+                          </m:r>
+                        </m:sub>
+                      </m:sSub>
+                    </m:oMath>
+                  </m:oMathPara>
+                </a14:m>
+                <a:endParaRPr lang="en-US" sz="2400" dirty="0">
+                  <a:solidFill>
+                    <a:schemeClr val="tx1"/>
+                  </a:solidFill>
+                </a:endParaRPr>
+              </a:p>
+            </p:txBody>
+          </p:sp>
+        </mc:Choice>
+        <mc:Fallback>
+          <p:sp>
+            <p:nvSpPr>
+              <p:cNvPr id="24" name="TextBox 23">
+                <a:extLst>
+                  <a:ext uri="{FF2B5EF4-FFF2-40B4-BE49-F238E27FC236}">
+                    <a16:creationId xmlns:a16="http://schemas.microsoft.com/office/drawing/2014/main" id="{F7BD109E-C925-F8E9-2460-C6B48D92D2A9}"/>
+                  </a:ext>
+                </a:extLst>
+              </p:cNvPr>
+              <p:cNvSpPr txBox="1">
+                <a:spLocks noRot="1" noChangeAspect="1" noMove="1" noResize="1" noEditPoints="1" noAdjustHandles="1" noChangeArrowheads="1" noChangeShapeType="1" noTextEdit="1"/>
+              </p:cNvSpPr>
+              <p:nvPr/>
+            </p:nvSpPr>
+            <p:spPr>
+              <a:xfrm>
+                <a:off x="5522473" y="5356519"/>
+                <a:ext cx="513089" cy="461665"/>
+              </a:xfrm>
+              <a:prstGeom prst="rect">
+                <a:avLst/>
+              </a:prstGeom>
+              <a:blipFill>
+                <a:blip r:embed="rId8"/>
+                <a:stretch>
+                  <a:fillRect b="-2667"/>
+                </a:stretch>
+              </a:blipFill>
+            </p:spPr>
+            <p:txBody>
+              <a:bodyPr/>
+              <a:lstStyle/>
+              <a:p>
+                <a:r>
+                  <a:rPr lang="en-US">
+                    <a:noFill/>
+                  </a:rPr>
+                  <a:t> </a:t>
+                </a:r>
+              </a:p>
+            </p:txBody>
+          </p:sp>
+        </mc:Fallback>
+      </mc:AlternateContent>
+      <mc:AlternateContent xmlns:mc="http://schemas.openxmlformats.org/markup-compatibility/2006">
+        <mc:Choice xmlns:a14="http://schemas.microsoft.com/office/drawing/2010/main" Requires="a14">
+          <p:sp>
+            <p:nvSpPr>
+              <p:cNvPr id="25" name="TextBox 24">
+                <a:extLst>
+                  <a:ext uri="{FF2B5EF4-FFF2-40B4-BE49-F238E27FC236}">
+                    <a16:creationId xmlns:a16="http://schemas.microsoft.com/office/drawing/2014/main" id="{68A249F1-674D-78B2-D0FC-2FD372F01806}"/>
+                  </a:ext>
+                </a:extLst>
+              </p:cNvPr>
+              <p:cNvSpPr txBox="1"/>
+              <p:nvPr/>
+            </p:nvSpPr>
+            <p:spPr>
+              <a:xfrm>
+                <a:off x="6854889" y="5356519"/>
+                <a:ext cx="806439" cy="461665"/>
+              </a:xfrm>
+              <a:prstGeom prst="rect">
+                <a:avLst/>
+              </a:prstGeom>
+              <a:noFill/>
+            </p:spPr>
+            <p:txBody>
+              <a:bodyPr wrap="none" rtlCol="0">
+                <a:spAutoFit/>
+              </a:bodyPr>
+              <a:lstStyle/>
+              <a:p>
+                <a:pPr/>
+                <a14:m>
+                  <m:oMathPara xmlns:m="http://schemas.openxmlformats.org/officeDocument/2006/math">
+                    <m:oMathParaPr>
+                      <m:jc m:val="centerGroup"/>
+                    </m:oMathParaPr>
+                    <m:oMath xmlns:m="http://schemas.openxmlformats.org/officeDocument/2006/math">
+                      <m:sSub>
+                        <m:sSubPr>
+                          <m:ctrlPr>
+                            <a:rPr lang="es-CL" sz="2400" b="0" i="1" smtClean="0">
+                              <a:solidFill>
+                                <a:schemeClr val="tx1"/>
+                              </a:solidFill>
+                              <a:latin typeface="Cambria Math" panose="02040503050406030204" pitchFamily="18" charset="0"/>
+                            </a:rPr>
+                          </m:ctrlPr>
+                        </m:sSubPr>
+                        <m:e>
+                          <m:r>
+                            <a:rPr lang="es-CL" sz="2400" b="0" i="1" smtClean="0">
+                              <a:solidFill>
+                                <a:schemeClr val="tx1"/>
+                              </a:solidFill>
+                              <a:latin typeface="Cambria Math" panose="02040503050406030204" pitchFamily="18" charset="0"/>
+                            </a:rPr>
+                            <m:t>𝑥</m:t>
+                          </m:r>
+                        </m:e>
+                        <m:sub>
+                          <m:r>
+                            <a:rPr lang="es-CL" sz="2400" b="0" i="1" smtClean="0">
+                              <a:solidFill>
+                                <a:schemeClr val="tx1"/>
+                              </a:solidFill>
+                              <a:latin typeface="Cambria Math" panose="02040503050406030204" pitchFamily="18" charset="0"/>
+                            </a:rPr>
+                            <m:t>𝑖</m:t>
+                          </m:r>
+                          <m:r>
+                            <a:rPr lang="es-CL" sz="2400" b="0" i="1" smtClean="0">
+                              <a:solidFill>
+                                <a:schemeClr val="tx1"/>
+                              </a:solidFill>
+                              <a:latin typeface="Cambria Math" panose="02040503050406030204" pitchFamily="18" charset="0"/>
+                            </a:rPr>
+                            <m:t>+1</m:t>
+                          </m:r>
+                        </m:sub>
+                      </m:sSub>
+                    </m:oMath>
+                  </m:oMathPara>
+                </a14:m>
+                <a:endParaRPr lang="en-US" sz="2400" dirty="0">
+                  <a:solidFill>
+                    <a:schemeClr val="tx1"/>
+                  </a:solidFill>
+                </a:endParaRPr>
+              </a:p>
+            </p:txBody>
+          </p:sp>
+        </mc:Choice>
+        <mc:Fallback>
+          <p:sp>
+            <p:nvSpPr>
+              <p:cNvPr id="25" name="TextBox 24">
+                <a:extLst>
+                  <a:ext uri="{FF2B5EF4-FFF2-40B4-BE49-F238E27FC236}">
+                    <a16:creationId xmlns:a16="http://schemas.microsoft.com/office/drawing/2014/main" id="{68A249F1-674D-78B2-D0FC-2FD372F01806}"/>
+                  </a:ext>
+                </a:extLst>
+              </p:cNvPr>
+              <p:cNvSpPr txBox="1">
+                <a:spLocks noRot="1" noChangeAspect="1" noMove="1" noResize="1" noEditPoints="1" noAdjustHandles="1" noChangeArrowheads="1" noChangeShapeType="1" noTextEdit="1"/>
+              </p:cNvSpPr>
+              <p:nvPr/>
+            </p:nvSpPr>
+            <p:spPr>
+              <a:xfrm>
+                <a:off x="6854889" y="5356519"/>
+                <a:ext cx="806439" cy="461665"/>
+              </a:xfrm>
+              <a:prstGeom prst="rect">
+                <a:avLst/>
+              </a:prstGeom>
+              <a:blipFill>
+                <a:blip r:embed="rId9"/>
+                <a:stretch>
+                  <a:fillRect b="-2667"/>
+                </a:stretch>
+              </a:blipFill>
+            </p:spPr>
+            <p:txBody>
+              <a:bodyPr/>
+              <a:lstStyle/>
+              <a:p>
+                <a:r>
+                  <a:rPr lang="en-US">
+                    <a:noFill/>
+                  </a:rPr>
+                  <a:t> </a:t>
+                </a:r>
+              </a:p>
+            </p:txBody>
+          </p:sp>
+        </mc:Fallback>
+      </mc:AlternateContent>
+      <mc:AlternateContent xmlns:mc="http://schemas.openxmlformats.org/markup-compatibility/2006">
+        <mc:Choice xmlns:a14="http://schemas.microsoft.com/office/drawing/2010/main" Requires="a14">
+          <p:sp>
+            <p:nvSpPr>
+              <p:cNvPr id="26" name="TextBox 25">
+                <a:extLst>
+                  <a:ext uri="{FF2B5EF4-FFF2-40B4-BE49-F238E27FC236}">
+                    <a16:creationId xmlns:a16="http://schemas.microsoft.com/office/drawing/2014/main" id="{2A02295D-8D34-3DEB-8510-2EC04CF0D31B}"/>
+                  </a:ext>
+                </a:extLst>
+              </p:cNvPr>
+              <p:cNvSpPr txBox="1"/>
+              <p:nvPr/>
+            </p:nvSpPr>
+            <p:spPr>
+              <a:xfrm>
+                <a:off x="8865694" y="5356519"/>
+                <a:ext cx="869918" cy="461665"/>
+              </a:xfrm>
+              <a:prstGeom prst="rect">
+                <a:avLst/>
+              </a:prstGeom>
+              <a:noFill/>
+            </p:spPr>
+            <p:txBody>
+              <a:bodyPr wrap="none" rtlCol="0">
+                <a:spAutoFit/>
+              </a:bodyPr>
+              <a:lstStyle/>
+              <a:p>
+                <a:pPr/>
+                <a14:m>
+                  <m:oMathPara xmlns:m="http://schemas.openxmlformats.org/officeDocument/2006/math">
+                    <m:oMathParaPr>
+                      <m:jc m:val="centerGroup"/>
+                    </m:oMathParaPr>
+                    <m:oMath xmlns:m="http://schemas.openxmlformats.org/officeDocument/2006/math">
+                      <m:sSub>
+                        <m:sSubPr>
+                          <m:ctrlPr>
+                            <a:rPr lang="es-CL" sz="2400" b="0" i="1" smtClean="0">
+                              <a:solidFill>
+                                <a:schemeClr val="tx1"/>
+                              </a:solidFill>
+                              <a:latin typeface="Cambria Math" panose="02040503050406030204" pitchFamily="18" charset="0"/>
+                            </a:rPr>
+                          </m:ctrlPr>
+                        </m:sSubPr>
+                        <m:e>
+                          <m:r>
+                            <a:rPr lang="es-CL" sz="2400" b="0" i="1" smtClean="0">
+                              <a:solidFill>
+                                <a:schemeClr val="tx1"/>
+                              </a:solidFill>
+                              <a:latin typeface="Cambria Math" panose="02040503050406030204" pitchFamily="18" charset="0"/>
+                            </a:rPr>
+                            <m:t>𝑥</m:t>
+                          </m:r>
+                        </m:e>
+                        <m:sub>
+                          <m:r>
+                            <a:rPr lang="es-CL" sz="2400" b="0" i="1" smtClean="0">
+                              <a:solidFill>
+                                <a:schemeClr val="tx1"/>
+                              </a:solidFill>
+                              <a:latin typeface="Cambria Math" panose="02040503050406030204" pitchFamily="18" charset="0"/>
+                            </a:rPr>
+                            <m:t>𝑛</m:t>
+                          </m:r>
+                          <m:r>
+                            <a:rPr lang="es-CL" sz="2400" b="0" i="1" smtClean="0">
+                              <a:solidFill>
+                                <a:schemeClr val="tx1"/>
+                              </a:solidFill>
+                              <a:latin typeface="Cambria Math" panose="02040503050406030204" pitchFamily="18" charset="0"/>
+                            </a:rPr>
+                            <m:t>−1</m:t>
+                          </m:r>
+                        </m:sub>
+                      </m:sSub>
+                    </m:oMath>
+                  </m:oMathPara>
+                </a14:m>
+                <a:endParaRPr lang="en-US" sz="2400" dirty="0">
+                  <a:solidFill>
+                    <a:schemeClr val="tx1"/>
+                  </a:solidFill>
+                </a:endParaRPr>
+              </a:p>
+            </p:txBody>
+          </p:sp>
+        </mc:Choice>
+        <mc:Fallback>
+          <p:sp>
+            <p:nvSpPr>
+              <p:cNvPr id="26" name="TextBox 25">
+                <a:extLst>
+                  <a:ext uri="{FF2B5EF4-FFF2-40B4-BE49-F238E27FC236}">
+                    <a16:creationId xmlns:a16="http://schemas.microsoft.com/office/drawing/2014/main" id="{2A02295D-8D34-3DEB-8510-2EC04CF0D31B}"/>
+                  </a:ext>
+                </a:extLst>
+              </p:cNvPr>
+              <p:cNvSpPr txBox="1">
+                <a:spLocks noRot="1" noChangeAspect="1" noMove="1" noResize="1" noEditPoints="1" noAdjustHandles="1" noChangeArrowheads="1" noChangeShapeType="1" noTextEdit="1"/>
+              </p:cNvSpPr>
+              <p:nvPr/>
+            </p:nvSpPr>
+            <p:spPr>
+              <a:xfrm>
+                <a:off x="8865694" y="5356519"/>
+                <a:ext cx="869918" cy="461665"/>
+              </a:xfrm>
+              <a:prstGeom prst="rect">
+                <a:avLst/>
+              </a:prstGeom>
+              <a:blipFill>
+                <a:blip r:embed="rId10"/>
+                <a:stretch>
+                  <a:fillRect b="-1333"/>
+                </a:stretch>
+              </a:blipFill>
+            </p:spPr>
+            <p:txBody>
+              <a:bodyPr/>
+              <a:lstStyle/>
+              <a:p>
+                <a:r>
+                  <a:rPr lang="en-US">
+                    <a:noFill/>
+                  </a:rPr>
+                  <a:t> </a:t>
+                </a:r>
+              </a:p>
+            </p:txBody>
+          </p:sp>
+        </mc:Fallback>
+      </mc:AlternateContent>
+      <mc:AlternateContent xmlns:mc="http://schemas.openxmlformats.org/markup-compatibility/2006">
+        <mc:Choice xmlns:a14="http://schemas.microsoft.com/office/drawing/2010/main" Requires="a14">
+          <p:sp>
+            <p:nvSpPr>
+              <p:cNvPr id="27" name="TextBox 26">
+                <a:extLst>
+                  <a:ext uri="{FF2B5EF4-FFF2-40B4-BE49-F238E27FC236}">
+                    <a16:creationId xmlns:a16="http://schemas.microsoft.com/office/drawing/2014/main" id="{B04148F4-AEEA-5537-FBB6-CE002C2AFC60}"/>
+                  </a:ext>
+                </a:extLst>
+              </p:cNvPr>
+              <p:cNvSpPr txBox="1"/>
+              <p:nvPr/>
+            </p:nvSpPr>
+            <p:spPr>
+              <a:xfrm>
+                <a:off x="10137150" y="5346359"/>
+                <a:ext cx="576568" cy="461665"/>
+              </a:xfrm>
+              <a:prstGeom prst="rect">
+                <a:avLst/>
+              </a:prstGeom>
+              <a:noFill/>
+            </p:spPr>
+            <p:txBody>
+              <a:bodyPr wrap="none" rtlCol="0">
+                <a:spAutoFit/>
+              </a:bodyPr>
+              <a:lstStyle/>
+              <a:p>
+                <a:pPr/>
+                <a14:m>
+                  <m:oMathPara xmlns:m="http://schemas.openxmlformats.org/officeDocument/2006/math">
+                    <m:oMathParaPr>
+                      <m:jc m:val="centerGroup"/>
+                    </m:oMathParaPr>
+                    <m:oMath xmlns:m="http://schemas.openxmlformats.org/officeDocument/2006/math">
+                      <m:sSub>
+                        <m:sSubPr>
+                          <m:ctrlPr>
+                            <a:rPr lang="es-CL" sz="2400" b="0" i="1" smtClean="0">
+                              <a:solidFill>
+                                <a:schemeClr val="tx1"/>
+                              </a:solidFill>
+                              <a:latin typeface="Cambria Math" panose="02040503050406030204" pitchFamily="18" charset="0"/>
+                            </a:rPr>
+                          </m:ctrlPr>
+                        </m:sSubPr>
+                        <m:e>
+                          <m:r>
+                            <a:rPr lang="es-CL" sz="2400" b="0" i="1" smtClean="0">
+                              <a:solidFill>
+                                <a:schemeClr val="tx1"/>
+                              </a:solidFill>
+                              <a:latin typeface="Cambria Math" panose="02040503050406030204" pitchFamily="18" charset="0"/>
+                            </a:rPr>
+                            <m:t>𝑥</m:t>
+                          </m:r>
+                        </m:e>
+                        <m:sub>
+                          <m:r>
+                            <a:rPr lang="es-CL" sz="2400" b="0" i="1" smtClean="0">
+                              <a:solidFill>
+                                <a:schemeClr val="tx1"/>
+                              </a:solidFill>
+                              <a:latin typeface="Cambria Math" panose="02040503050406030204" pitchFamily="18" charset="0"/>
+                            </a:rPr>
+                            <m:t>𝑛</m:t>
+                          </m:r>
+                        </m:sub>
+                      </m:sSub>
+                    </m:oMath>
+                  </m:oMathPara>
+                </a14:m>
+                <a:endParaRPr lang="en-US" sz="2400" dirty="0">
+                  <a:solidFill>
+                    <a:schemeClr val="tx1"/>
+                  </a:solidFill>
+                </a:endParaRPr>
+              </a:p>
+            </p:txBody>
+          </p:sp>
+        </mc:Choice>
+        <mc:Fallback>
+          <p:sp>
+            <p:nvSpPr>
+              <p:cNvPr id="27" name="TextBox 26">
+                <a:extLst>
+                  <a:ext uri="{FF2B5EF4-FFF2-40B4-BE49-F238E27FC236}">
+                    <a16:creationId xmlns:a16="http://schemas.microsoft.com/office/drawing/2014/main" id="{B04148F4-AEEA-5537-FBB6-CE002C2AFC60}"/>
+                  </a:ext>
+                </a:extLst>
+              </p:cNvPr>
+              <p:cNvSpPr txBox="1">
+                <a:spLocks noRot="1" noChangeAspect="1" noMove="1" noResize="1" noEditPoints="1" noAdjustHandles="1" noChangeArrowheads="1" noChangeShapeType="1" noTextEdit="1"/>
+              </p:cNvSpPr>
+              <p:nvPr/>
+            </p:nvSpPr>
+            <p:spPr>
+              <a:xfrm>
+                <a:off x="10137150" y="5346359"/>
+                <a:ext cx="576568" cy="461665"/>
+              </a:xfrm>
+              <a:prstGeom prst="rect">
+                <a:avLst/>
+              </a:prstGeom>
+              <a:blipFill>
+                <a:blip r:embed="rId11"/>
+                <a:stretch>
+                  <a:fillRect/>
+                </a:stretch>
+              </a:blipFill>
+            </p:spPr>
+            <p:txBody>
+              <a:bodyPr/>
+              <a:lstStyle/>
+              <a:p>
+                <a:r>
+                  <a:rPr lang="en-US">
+                    <a:noFill/>
+                  </a:rPr>
+                  <a:t> </a:t>
+                </a:r>
+              </a:p>
+            </p:txBody>
+          </p:sp>
+        </mc:Fallback>
+      </mc:AlternateContent>
+      <mc:AlternateContent xmlns:mc="http://schemas.openxmlformats.org/markup-compatibility/2006">
+        <mc:Choice xmlns:a14="http://schemas.microsoft.com/office/drawing/2010/main" Requires="a14">
+          <p:sp>
+            <p:nvSpPr>
+              <p:cNvPr id="28" name="TextBox 27">
+                <a:extLst>
+                  <a:ext uri="{FF2B5EF4-FFF2-40B4-BE49-F238E27FC236}">
+                    <a16:creationId xmlns:a16="http://schemas.microsoft.com/office/drawing/2014/main" id="{FAB3B1A3-B029-2043-5E54-D288615E8DC6}"/>
+                  </a:ext>
+                </a:extLst>
+              </p:cNvPr>
+              <p:cNvSpPr txBox="1"/>
+              <p:nvPr/>
+            </p:nvSpPr>
+            <p:spPr>
+              <a:xfrm>
+                <a:off x="9059398" y="4401479"/>
+                <a:ext cx="1323824" cy="400110"/>
+              </a:xfrm>
+              <a:prstGeom prst="rect">
+                <a:avLst/>
+              </a:prstGeom>
+              <a:noFill/>
+            </p:spPr>
+            <p:txBody>
+              <a:bodyPr wrap="none" rtlCol="0">
+                <a:spAutoFit/>
+              </a:bodyPr>
+              <a:lstStyle/>
+              <a:p>
+                <a:pPr/>
+                <a:r>
+                  <a:rPr lang="en-US" sz="2000" dirty="0"/>
+                  <a:t>Intervalo </a:t>
+                </a:r>
+                <a14:m>
+                  <m:oMath xmlns:m="http://schemas.openxmlformats.org/officeDocument/2006/math">
+                    <m:r>
+                      <a:rPr lang="es-CL" sz="2000" b="0" i="1" smtClean="0">
+                        <a:latin typeface="Cambria Math" panose="02040503050406030204" pitchFamily="18" charset="0"/>
+                      </a:rPr>
+                      <m:t>𝑛</m:t>
+                    </m:r>
+                  </m:oMath>
+                </a14:m>
+                <a:endParaRPr lang="en-US" sz="2000" dirty="0">
+                  <a:solidFill>
+                    <a:schemeClr val="tx1"/>
+                  </a:solidFill>
+                </a:endParaRPr>
+              </a:p>
+            </p:txBody>
+          </p:sp>
+        </mc:Choice>
+        <mc:Fallback>
+          <p:sp>
+            <p:nvSpPr>
+              <p:cNvPr id="28" name="TextBox 27">
+                <a:extLst>
+                  <a:ext uri="{FF2B5EF4-FFF2-40B4-BE49-F238E27FC236}">
+                    <a16:creationId xmlns:a16="http://schemas.microsoft.com/office/drawing/2014/main" id="{FAB3B1A3-B029-2043-5E54-D288615E8DC6}"/>
+                  </a:ext>
+                </a:extLst>
+              </p:cNvPr>
+              <p:cNvSpPr txBox="1">
+                <a:spLocks noRot="1" noChangeAspect="1" noMove="1" noResize="1" noEditPoints="1" noAdjustHandles="1" noChangeArrowheads="1" noChangeShapeType="1" noTextEdit="1"/>
+              </p:cNvSpPr>
+              <p:nvPr/>
+            </p:nvSpPr>
+            <p:spPr>
+              <a:xfrm>
+                <a:off x="9059398" y="4401479"/>
+                <a:ext cx="1323824" cy="400110"/>
+              </a:xfrm>
+              <a:prstGeom prst="rect">
+                <a:avLst/>
+              </a:prstGeom>
+              <a:blipFill>
+                <a:blip r:embed="rId12"/>
+                <a:stretch>
+                  <a:fillRect l="-4608" t="-7576" b="-25758"/>
+                </a:stretch>
+              </a:blipFill>
+            </p:spPr>
+            <p:txBody>
+              <a:bodyPr/>
+              <a:lstStyle/>
+              <a:p>
+                <a:r>
+                  <a:rPr lang="en-US">
+                    <a:noFill/>
+                  </a:rPr>
+                  <a:t> </a:t>
+                </a:r>
+              </a:p>
+            </p:txBody>
+          </p:sp>
+        </mc:Fallback>
+      </mc:AlternateContent>
+      <mc:AlternateContent xmlns:mc="http://schemas.openxmlformats.org/markup-compatibility/2006">
+        <mc:Choice xmlns:a14="http://schemas.microsoft.com/office/drawing/2010/main" Requires="a14">
+          <p:sp>
+            <p:nvSpPr>
+              <p:cNvPr id="29" name="TextBox 28">
+                <a:extLst>
+                  <a:ext uri="{FF2B5EF4-FFF2-40B4-BE49-F238E27FC236}">
+                    <a16:creationId xmlns:a16="http://schemas.microsoft.com/office/drawing/2014/main" id="{C196C8A5-0E4A-63FE-3E92-EF7A36F9BAD2}"/>
+                  </a:ext>
+                </a:extLst>
+              </p:cNvPr>
+              <p:cNvSpPr txBox="1"/>
+              <p:nvPr/>
+            </p:nvSpPr>
+            <p:spPr>
+              <a:xfrm>
+                <a:off x="5779877" y="4401479"/>
+                <a:ext cx="1261884" cy="400110"/>
+              </a:xfrm>
+              <a:prstGeom prst="rect">
+                <a:avLst/>
+              </a:prstGeom>
+              <a:noFill/>
+            </p:spPr>
+            <p:txBody>
+              <a:bodyPr wrap="none" rtlCol="0">
+                <a:spAutoFit/>
+              </a:bodyPr>
+              <a:lstStyle/>
+              <a:p>
+                <a:pPr/>
+                <a:r>
+                  <a:rPr lang="en-US" sz="2000" dirty="0" err="1"/>
+                  <a:t>Intervalo</a:t>
+                </a:r>
+                <a:r>
+                  <a:rPr lang="en-US" sz="2000" dirty="0"/>
+                  <a:t> </a:t>
+                </a:r>
+                <a14:m>
+                  <m:oMath xmlns:m="http://schemas.openxmlformats.org/officeDocument/2006/math">
+                    <m:r>
+                      <a:rPr lang="en-US" sz="2000" i="1" dirty="0" smtClean="0">
+                        <a:latin typeface="Cambria Math" panose="02040503050406030204" pitchFamily="18" charset="0"/>
+                      </a:rPr>
+                      <m:t>𝑖</m:t>
+                    </m:r>
+                  </m:oMath>
+                </a14:m>
+                <a:endParaRPr lang="en-US" sz="2000" dirty="0">
+                  <a:solidFill>
+                    <a:schemeClr val="tx1"/>
+                  </a:solidFill>
+                </a:endParaRPr>
+              </a:p>
+            </p:txBody>
+          </p:sp>
+        </mc:Choice>
+        <mc:Fallback>
+          <p:sp>
+            <p:nvSpPr>
+              <p:cNvPr id="29" name="TextBox 28">
+                <a:extLst>
+                  <a:ext uri="{FF2B5EF4-FFF2-40B4-BE49-F238E27FC236}">
+                    <a16:creationId xmlns:a16="http://schemas.microsoft.com/office/drawing/2014/main" id="{C196C8A5-0E4A-63FE-3E92-EF7A36F9BAD2}"/>
+                  </a:ext>
+                </a:extLst>
+              </p:cNvPr>
+              <p:cNvSpPr txBox="1">
+                <a:spLocks noRot="1" noChangeAspect="1" noMove="1" noResize="1" noEditPoints="1" noAdjustHandles="1" noChangeArrowheads="1" noChangeShapeType="1" noTextEdit="1"/>
+              </p:cNvSpPr>
+              <p:nvPr/>
+            </p:nvSpPr>
+            <p:spPr>
+              <a:xfrm>
+                <a:off x="5779877" y="4401479"/>
+                <a:ext cx="1261884" cy="400110"/>
+              </a:xfrm>
+              <a:prstGeom prst="rect">
+                <a:avLst/>
+              </a:prstGeom>
+              <a:blipFill>
+                <a:blip r:embed="rId13"/>
+                <a:stretch>
+                  <a:fillRect l="-4831" t="-7576" b="-25758"/>
+                </a:stretch>
+              </a:blipFill>
+            </p:spPr>
+            <p:txBody>
+              <a:bodyPr/>
+              <a:lstStyle/>
+              <a:p>
+                <a:r>
+                  <a:rPr lang="en-US">
+                    <a:noFill/>
+                  </a:rPr>
+                  <a:t> </a:t>
+                </a:r>
+              </a:p>
+            </p:txBody>
+          </p:sp>
+        </mc:Fallback>
+      </mc:AlternateContent>
+      <mc:AlternateContent xmlns:mc="http://schemas.openxmlformats.org/markup-compatibility/2006">
+        <mc:Choice xmlns:a14="http://schemas.microsoft.com/office/drawing/2010/main" Requires="a14">
+          <p:sp>
+            <p:nvSpPr>
+              <p:cNvPr id="30" name="TextBox 29">
+                <a:extLst>
+                  <a:ext uri="{FF2B5EF4-FFF2-40B4-BE49-F238E27FC236}">
+                    <a16:creationId xmlns:a16="http://schemas.microsoft.com/office/drawing/2014/main" id="{F35D1AAB-0266-CE45-FA2F-D4B3A06431E9}"/>
+                  </a:ext>
+                </a:extLst>
+              </p:cNvPr>
+              <p:cNvSpPr txBox="1"/>
+              <p:nvPr/>
+            </p:nvSpPr>
+            <p:spPr>
+              <a:xfrm>
+                <a:off x="2649437" y="4401479"/>
+                <a:ext cx="1314655" cy="400110"/>
+              </a:xfrm>
+              <a:prstGeom prst="rect">
+                <a:avLst/>
+              </a:prstGeom>
+              <a:noFill/>
+            </p:spPr>
+            <p:txBody>
+              <a:bodyPr wrap="none" rtlCol="0">
+                <a:spAutoFit/>
+              </a:bodyPr>
+              <a:lstStyle/>
+              <a:p>
+                <a:pPr/>
+                <a:r>
+                  <a:rPr lang="en-US" sz="2000" dirty="0"/>
+                  <a:t>Intervalo </a:t>
+                </a:r>
+                <a14:m>
+                  <m:oMath xmlns:m="http://schemas.openxmlformats.org/officeDocument/2006/math">
+                    <m:r>
+                      <a:rPr lang="es-CL" sz="2000" b="0" i="1" dirty="0" smtClean="0">
+                        <a:latin typeface="Cambria Math" panose="02040503050406030204" pitchFamily="18" charset="0"/>
+                      </a:rPr>
+                      <m:t>1</m:t>
+                    </m:r>
+                  </m:oMath>
+                </a14:m>
+                <a:endParaRPr lang="en-US" sz="2000" dirty="0">
+                  <a:solidFill>
+                    <a:schemeClr val="tx1"/>
+                  </a:solidFill>
+                </a:endParaRPr>
+              </a:p>
+            </p:txBody>
+          </p:sp>
+        </mc:Choice>
+        <mc:Fallback>
+          <p:sp>
+            <p:nvSpPr>
+              <p:cNvPr id="30" name="TextBox 29">
+                <a:extLst>
+                  <a:ext uri="{FF2B5EF4-FFF2-40B4-BE49-F238E27FC236}">
+                    <a16:creationId xmlns:a16="http://schemas.microsoft.com/office/drawing/2014/main" id="{F35D1AAB-0266-CE45-FA2F-D4B3A06431E9}"/>
+                  </a:ext>
+                </a:extLst>
+              </p:cNvPr>
+              <p:cNvSpPr txBox="1">
+                <a:spLocks noRot="1" noChangeAspect="1" noMove="1" noResize="1" noEditPoints="1" noAdjustHandles="1" noChangeArrowheads="1" noChangeShapeType="1" noTextEdit="1"/>
+              </p:cNvSpPr>
+              <p:nvPr/>
+            </p:nvSpPr>
+            <p:spPr>
+              <a:xfrm>
+                <a:off x="2649437" y="4401479"/>
+                <a:ext cx="1314655" cy="400110"/>
+              </a:xfrm>
+              <a:prstGeom prst="rect">
+                <a:avLst/>
+              </a:prstGeom>
+              <a:blipFill>
+                <a:blip r:embed="rId14"/>
+                <a:stretch>
+                  <a:fillRect l="-5116" t="-7576" b="-25758"/>
+                </a:stretch>
+              </a:blipFill>
+            </p:spPr>
+            <p:txBody>
+              <a:bodyPr/>
+              <a:lstStyle/>
+              <a:p>
+                <a:r>
+                  <a:rPr lang="en-US">
+                    <a:noFill/>
+                  </a:rPr>
+                  <a:t> </a:t>
+                </a:r>
+              </a:p>
+            </p:txBody>
+          </p:sp>
+        </mc:Fallback>
+      </mc:AlternateContent>
+      <mc:AlternateContent xmlns:mc="http://schemas.openxmlformats.org/markup-compatibility/2006">
+        <mc:Choice xmlns:a14="http://schemas.microsoft.com/office/drawing/2010/main" Requires="a14">
+          <p:sp>
+            <p:nvSpPr>
+              <p:cNvPr id="31" name="TextBox 30">
+                <a:extLst>
+                  <a:ext uri="{FF2B5EF4-FFF2-40B4-BE49-F238E27FC236}">
+                    <a16:creationId xmlns:a16="http://schemas.microsoft.com/office/drawing/2014/main" id="{93B6CED6-8070-D195-7F08-9301D3650324}"/>
+                  </a:ext>
+                </a:extLst>
+              </p:cNvPr>
+              <p:cNvSpPr txBox="1"/>
+              <p:nvPr/>
+            </p:nvSpPr>
+            <p:spPr>
+              <a:xfrm>
+                <a:off x="2401549" y="2649825"/>
+                <a:ext cx="518027" cy="461665"/>
+              </a:xfrm>
+              <a:prstGeom prst="rect">
+                <a:avLst/>
+              </a:prstGeom>
+              <a:noFill/>
+            </p:spPr>
+            <p:txBody>
+              <a:bodyPr wrap="none" rtlCol="0">
+                <a:spAutoFit/>
+              </a:bodyPr>
+              <a:lstStyle/>
+              <a:p>
+                <a:pPr/>
+                <a14:m>
+                  <m:oMathPara xmlns:m="http://schemas.openxmlformats.org/officeDocument/2006/math">
+                    <m:oMathParaPr>
+                      <m:jc m:val="centerGroup"/>
+                    </m:oMathParaPr>
+                    <m:oMath xmlns:m="http://schemas.openxmlformats.org/officeDocument/2006/math">
+                      <m:sSub>
+                        <m:sSubPr>
+                          <m:ctrlPr>
+                            <a:rPr lang="es-CL" sz="2400" b="0" i="1" smtClean="0">
+                              <a:solidFill>
+                                <a:schemeClr val="tx1"/>
+                              </a:solidFill>
+                              <a:latin typeface="Cambria Math" panose="02040503050406030204" pitchFamily="18" charset="0"/>
+                            </a:rPr>
+                          </m:ctrlPr>
+                        </m:sSubPr>
+                        <m:e>
+                          <m:r>
+                            <a:rPr lang="es-CL" sz="2400" b="0" i="1" smtClean="0">
+                              <a:solidFill>
+                                <a:schemeClr val="tx1"/>
+                              </a:solidFill>
+                              <a:latin typeface="Cambria Math" panose="02040503050406030204" pitchFamily="18" charset="0"/>
+                            </a:rPr>
+                            <m:t>𝑓</m:t>
+                          </m:r>
+                        </m:e>
+                        <m:sub>
+                          <m:r>
+                            <a:rPr lang="es-CL" sz="2400" b="0" i="1" smtClean="0">
+                              <a:solidFill>
+                                <a:schemeClr val="tx1"/>
+                              </a:solidFill>
+                              <a:latin typeface="Cambria Math" panose="02040503050406030204" pitchFamily="18" charset="0"/>
+                            </a:rPr>
+                            <m:t>0</m:t>
+                          </m:r>
+                        </m:sub>
+                      </m:sSub>
+                    </m:oMath>
+                  </m:oMathPara>
+                </a14:m>
+                <a:endParaRPr lang="en-US" sz="2400" dirty="0">
+                  <a:solidFill>
+                    <a:schemeClr val="tx1"/>
+                  </a:solidFill>
+                </a:endParaRPr>
+              </a:p>
+            </p:txBody>
+          </p:sp>
+        </mc:Choice>
+        <mc:Fallback>
+          <p:sp>
+            <p:nvSpPr>
+              <p:cNvPr id="31" name="TextBox 30">
+                <a:extLst>
+                  <a:ext uri="{FF2B5EF4-FFF2-40B4-BE49-F238E27FC236}">
+                    <a16:creationId xmlns:a16="http://schemas.microsoft.com/office/drawing/2014/main" id="{93B6CED6-8070-D195-7F08-9301D3650324}"/>
+                  </a:ext>
+                </a:extLst>
+              </p:cNvPr>
+              <p:cNvSpPr txBox="1">
+                <a:spLocks noRot="1" noChangeAspect="1" noMove="1" noResize="1" noEditPoints="1" noAdjustHandles="1" noChangeArrowheads="1" noChangeShapeType="1" noTextEdit="1"/>
+              </p:cNvSpPr>
+              <p:nvPr/>
+            </p:nvSpPr>
+            <p:spPr>
+              <a:xfrm>
+                <a:off x="2401549" y="2649825"/>
+                <a:ext cx="518027" cy="461665"/>
+              </a:xfrm>
+              <a:prstGeom prst="rect">
+                <a:avLst/>
+              </a:prstGeom>
+              <a:blipFill>
+                <a:blip r:embed="rId15"/>
+                <a:stretch>
+                  <a:fillRect l="-3529" b="-18667"/>
+                </a:stretch>
+              </a:blipFill>
+            </p:spPr>
+            <p:txBody>
+              <a:bodyPr/>
+              <a:lstStyle/>
+              <a:p>
+                <a:r>
+                  <a:rPr lang="en-US">
+                    <a:noFill/>
+                  </a:rPr>
+                  <a:t> </a:t>
+                </a:r>
+              </a:p>
+            </p:txBody>
+          </p:sp>
+        </mc:Fallback>
+      </mc:AlternateContent>
+      <mc:AlternateContent xmlns:mc="http://schemas.openxmlformats.org/markup-compatibility/2006">
+        <mc:Choice xmlns:a14="http://schemas.microsoft.com/office/drawing/2010/main" Requires="a14">
+          <p:sp>
+            <p:nvSpPr>
+              <p:cNvPr id="32" name="TextBox 31">
+                <a:extLst>
+                  <a:ext uri="{FF2B5EF4-FFF2-40B4-BE49-F238E27FC236}">
+                    <a16:creationId xmlns:a16="http://schemas.microsoft.com/office/drawing/2014/main" id="{43932C20-E25A-68D7-E7ED-862AE2C813FC}"/>
+                  </a:ext>
+                </a:extLst>
+              </p:cNvPr>
+              <p:cNvSpPr txBox="1"/>
+              <p:nvPr/>
+            </p:nvSpPr>
+            <p:spPr>
+              <a:xfrm>
+                <a:off x="3642525" y="2404182"/>
+                <a:ext cx="510909" cy="461665"/>
+              </a:xfrm>
+              <a:prstGeom prst="rect">
+                <a:avLst/>
+              </a:prstGeom>
+              <a:noFill/>
+            </p:spPr>
+            <p:txBody>
+              <a:bodyPr wrap="none" rtlCol="0">
+                <a:spAutoFit/>
+              </a:bodyPr>
+              <a:lstStyle/>
+              <a:p>
+                <a:pPr/>
+                <a14:m>
+                  <m:oMathPara xmlns:m="http://schemas.openxmlformats.org/officeDocument/2006/math">
+                    <m:oMathParaPr>
+                      <m:jc m:val="centerGroup"/>
+                    </m:oMathParaPr>
+                    <m:oMath xmlns:m="http://schemas.openxmlformats.org/officeDocument/2006/math">
+                      <m:sSub>
+                        <m:sSubPr>
+                          <m:ctrlPr>
+                            <a:rPr lang="es-CL" sz="2400" b="0" i="1" smtClean="0">
+                              <a:solidFill>
+                                <a:schemeClr val="tx1"/>
+                              </a:solidFill>
+                              <a:latin typeface="Cambria Math" panose="02040503050406030204" pitchFamily="18" charset="0"/>
+                            </a:rPr>
+                          </m:ctrlPr>
+                        </m:sSubPr>
+                        <m:e>
+                          <m:r>
+                            <a:rPr lang="es-CL" sz="2400" b="0" i="1" smtClean="0">
+                              <a:solidFill>
+                                <a:schemeClr val="tx1"/>
+                              </a:solidFill>
+                              <a:latin typeface="Cambria Math" panose="02040503050406030204" pitchFamily="18" charset="0"/>
+                            </a:rPr>
+                            <m:t>𝑓</m:t>
+                          </m:r>
+                        </m:e>
+                        <m:sub>
+                          <m:r>
+                            <a:rPr lang="es-CL" sz="2400" b="0" i="1" smtClean="0">
+                              <a:solidFill>
+                                <a:schemeClr val="tx1"/>
+                              </a:solidFill>
+                              <a:latin typeface="Cambria Math" panose="02040503050406030204" pitchFamily="18" charset="0"/>
+                            </a:rPr>
+                            <m:t>1</m:t>
+                          </m:r>
+                        </m:sub>
+                      </m:sSub>
+                    </m:oMath>
+                  </m:oMathPara>
+                </a14:m>
+                <a:endParaRPr lang="en-US" sz="2400" dirty="0">
+                  <a:solidFill>
+                    <a:schemeClr val="tx1"/>
+                  </a:solidFill>
+                </a:endParaRPr>
+              </a:p>
+            </p:txBody>
+          </p:sp>
+        </mc:Choice>
+        <mc:Fallback>
+          <p:sp>
+            <p:nvSpPr>
+              <p:cNvPr id="32" name="TextBox 31">
+                <a:extLst>
+                  <a:ext uri="{FF2B5EF4-FFF2-40B4-BE49-F238E27FC236}">
+                    <a16:creationId xmlns:a16="http://schemas.microsoft.com/office/drawing/2014/main" id="{43932C20-E25A-68D7-E7ED-862AE2C813FC}"/>
+                  </a:ext>
+                </a:extLst>
+              </p:cNvPr>
+              <p:cNvSpPr txBox="1">
+                <a:spLocks noRot="1" noChangeAspect="1" noMove="1" noResize="1" noEditPoints="1" noAdjustHandles="1" noChangeArrowheads="1" noChangeShapeType="1" noTextEdit="1"/>
+              </p:cNvSpPr>
+              <p:nvPr/>
+            </p:nvSpPr>
+            <p:spPr>
+              <a:xfrm>
+                <a:off x="3642525" y="2404182"/>
+                <a:ext cx="510909" cy="461665"/>
+              </a:xfrm>
+              <a:prstGeom prst="rect">
+                <a:avLst/>
+              </a:prstGeom>
+              <a:blipFill>
+                <a:blip r:embed="rId16"/>
+                <a:stretch>
+                  <a:fillRect l="-3614" b="-17105"/>
+                </a:stretch>
+              </a:blipFill>
+            </p:spPr>
+            <p:txBody>
+              <a:bodyPr/>
+              <a:lstStyle/>
+              <a:p>
+                <a:r>
+                  <a:rPr lang="en-US">
+                    <a:noFill/>
+                  </a:rPr>
+                  <a:t> </a:t>
+                </a:r>
+              </a:p>
+            </p:txBody>
+          </p:sp>
+        </mc:Fallback>
+      </mc:AlternateContent>
+      <mc:AlternateContent xmlns:mc="http://schemas.openxmlformats.org/markup-compatibility/2006">
+        <mc:Choice xmlns:a14="http://schemas.microsoft.com/office/drawing/2010/main" Requires="a14">
+          <p:sp>
+            <p:nvSpPr>
+              <p:cNvPr id="33" name="TextBox 32">
+                <a:extLst>
+                  <a:ext uri="{FF2B5EF4-FFF2-40B4-BE49-F238E27FC236}">
+                    <a16:creationId xmlns:a16="http://schemas.microsoft.com/office/drawing/2014/main" id="{021CDFAB-3D13-D62B-8B80-3D6C11EA3DC0}"/>
+                  </a:ext>
+                </a:extLst>
+              </p:cNvPr>
+              <p:cNvSpPr txBox="1"/>
+              <p:nvPr/>
+            </p:nvSpPr>
+            <p:spPr>
+              <a:xfrm>
+                <a:off x="5561586" y="2694601"/>
+                <a:ext cx="474425" cy="461665"/>
+              </a:xfrm>
+              <a:prstGeom prst="rect">
+                <a:avLst/>
+              </a:prstGeom>
+              <a:noFill/>
+            </p:spPr>
+            <p:txBody>
+              <a:bodyPr wrap="none" rtlCol="0">
+                <a:spAutoFit/>
+              </a:bodyPr>
+              <a:lstStyle/>
+              <a:p>
+                <a:pPr/>
+                <a14:m>
+                  <m:oMathPara xmlns:m="http://schemas.openxmlformats.org/officeDocument/2006/math">
+                    <m:oMathParaPr>
+                      <m:jc m:val="centerGroup"/>
+                    </m:oMathParaPr>
+                    <m:oMath xmlns:m="http://schemas.openxmlformats.org/officeDocument/2006/math">
+                      <m:sSub>
+                        <m:sSubPr>
+                          <m:ctrlPr>
+                            <a:rPr lang="es-CL" sz="2400" b="0" i="1" smtClean="0">
+                              <a:solidFill>
+                                <a:schemeClr val="tx1"/>
+                              </a:solidFill>
+                              <a:latin typeface="Cambria Math" panose="02040503050406030204" pitchFamily="18" charset="0"/>
+                            </a:rPr>
+                          </m:ctrlPr>
+                        </m:sSubPr>
+                        <m:e>
+                          <m:r>
+                            <a:rPr lang="es-CL" sz="2400" b="0" i="1" smtClean="0">
+                              <a:solidFill>
+                                <a:schemeClr val="tx1"/>
+                              </a:solidFill>
+                              <a:latin typeface="Cambria Math" panose="02040503050406030204" pitchFamily="18" charset="0"/>
+                            </a:rPr>
+                            <m:t>𝑓</m:t>
+                          </m:r>
+                        </m:e>
+                        <m:sub>
+                          <m:r>
+                            <a:rPr lang="es-CL" sz="2400" b="0" i="1" smtClean="0">
+                              <a:solidFill>
+                                <a:schemeClr val="tx1"/>
+                              </a:solidFill>
+                              <a:latin typeface="Cambria Math" panose="02040503050406030204" pitchFamily="18" charset="0"/>
+                            </a:rPr>
+                            <m:t>𝑖</m:t>
+                          </m:r>
+                        </m:sub>
+                      </m:sSub>
+                    </m:oMath>
+                  </m:oMathPara>
+                </a14:m>
+                <a:endParaRPr lang="en-US" sz="2400" dirty="0">
+                  <a:solidFill>
+                    <a:schemeClr val="tx1"/>
+                  </a:solidFill>
+                </a:endParaRPr>
+              </a:p>
+            </p:txBody>
+          </p:sp>
+        </mc:Choice>
+        <mc:Fallback>
+          <p:sp>
+            <p:nvSpPr>
+              <p:cNvPr id="33" name="TextBox 32">
+                <a:extLst>
+                  <a:ext uri="{FF2B5EF4-FFF2-40B4-BE49-F238E27FC236}">
+                    <a16:creationId xmlns:a16="http://schemas.microsoft.com/office/drawing/2014/main" id="{021CDFAB-3D13-D62B-8B80-3D6C11EA3DC0}"/>
+                  </a:ext>
+                </a:extLst>
+              </p:cNvPr>
+              <p:cNvSpPr txBox="1">
+                <a:spLocks noRot="1" noChangeAspect="1" noMove="1" noResize="1" noEditPoints="1" noAdjustHandles="1" noChangeArrowheads="1" noChangeShapeType="1" noTextEdit="1"/>
+              </p:cNvSpPr>
+              <p:nvPr/>
+            </p:nvSpPr>
+            <p:spPr>
+              <a:xfrm>
+                <a:off x="5561586" y="2694601"/>
+                <a:ext cx="474425" cy="461665"/>
+              </a:xfrm>
+              <a:prstGeom prst="rect">
+                <a:avLst/>
+              </a:prstGeom>
+              <a:blipFill>
+                <a:blip r:embed="rId17"/>
+                <a:stretch>
+                  <a:fillRect l="-2564" b="-17105"/>
+                </a:stretch>
+              </a:blipFill>
+            </p:spPr>
+            <p:txBody>
+              <a:bodyPr/>
+              <a:lstStyle/>
+              <a:p>
+                <a:r>
+                  <a:rPr lang="en-US">
+                    <a:noFill/>
+                  </a:rPr>
+                  <a:t> </a:t>
+                </a:r>
+              </a:p>
+            </p:txBody>
+          </p:sp>
+        </mc:Fallback>
+      </mc:AlternateContent>
+      <mc:AlternateContent xmlns:mc="http://schemas.openxmlformats.org/markup-compatibility/2006">
+        <mc:Choice xmlns:a14="http://schemas.microsoft.com/office/drawing/2010/main" Requires="a14">
+          <p:sp>
+            <p:nvSpPr>
+              <p:cNvPr id="34" name="TextBox 33">
+                <a:extLst>
+                  <a:ext uri="{FF2B5EF4-FFF2-40B4-BE49-F238E27FC236}">
+                    <a16:creationId xmlns:a16="http://schemas.microsoft.com/office/drawing/2014/main" id="{767CD0B9-DA7B-50B3-BEB3-C492ABA9E32A}"/>
+                  </a:ext>
+                </a:extLst>
+              </p:cNvPr>
+              <p:cNvSpPr txBox="1"/>
+              <p:nvPr/>
+            </p:nvSpPr>
+            <p:spPr>
+              <a:xfrm>
+                <a:off x="6802562" y="2643801"/>
+                <a:ext cx="767774" cy="461665"/>
+              </a:xfrm>
+              <a:prstGeom prst="rect">
+                <a:avLst/>
+              </a:prstGeom>
+              <a:noFill/>
+            </p:spPr>
+            <p:txBody>
+              <a:bodyPr wrap="none" rtlCol="0">
+                <a:spAutoFit/>
+              </a:bodyPr>
+              <a:lstStyle/>
+              <a:p>
+                <a:pPr/>
+                <a14:m>
+                  <m:oMathPara xmlns:m="http://schemas.openxmlformats.org/officeDocument/2006/math">
+                    <m:oMathParaPr>
+                      <m:jc m:val="centerGroup"/>
+                    </m:oMathParaPr>
+                    <m:oMath xmlns:m="http://schemas.openxmlformats.org/officeDocument/2006/math">
+                      <m:sSub>
+                        <m:sSubPr>
+                          <m:ctrlPr>
+                            <a:rPr lang="es-CL" sz="2400" b="0" i="1" smtClean="0">
+                              <a:solidFill>
+                                <a:schemeClr val="tx1"/>
+                              </a:solidFill>
+                              <a:latin typeface="Cambria Math" panose="02040503050406030204" pitchFamily="18" charset="0"/>
+                            </a:rPr>
+                          </m:ctrlPr>
+                        </m:sSubPr>
+                        <m:e>
+                          <m:r>
+                            <a:rPr lang="es-CL" sz="2400" b="0" i="1" smtClean="0">
+                              <a:solidFill>
+                                <a:schemeClr val="tx1"/>
+                              </a:solidFill>
+                              <a:latin typeface="Cambria Math" panose="02040503050406030204" pitchFamily="18" charset="0"/>
+                            </a:rPr>
+                            <m:t>𝑓</m:t>
+                          </m:r>
+                        </m:e>
+                        <m:sub>
+                          <m:r>
+                            <a:rPr lang="es-CL" sz="2400" b="0" i="1" smtClean="0">
+                              <a:solidFill>
+                                <a:schemeClr val="tx1"/>
+                              </a:solidFill>
+                              <a:latin typeface="Cambria Math" panose="02040503050406030204" pitchFamily="18" charset="0"/>
+                            </a:rPr>
+                            <m:t>𝑖</m:t>
+                          </m:r>
+                          <m:r>
+                            <a:rPr lang="es-CL" sz="2400" b="0" i="1" smtClean="0">
+                              <a:solidFill>
+                                <a:schemeClr val="tx1"/>
+                              </a:solidFill>
+                              <a:latin typeface="Cambria Math" panose="02040503050406030204" pitchFamily="18" charset="0"/>
+                            </a:rPr>
+                            <m:t>+1</m:t>
+                          </m:r>
+                        </m:sub>
+                      </m:sSub>
+                    </m:oMath>
+                  </m:oMathPara>
+                </a14:m>
+                <a:endParaRPr lang="en-US" sz="2400" dirty="0">
+                  <a:solidFill>
+                    <a:schemeClr val="tx1"/>
+                  </a:solidFill>
+                </a:endParaRPr>
+              </a:p>
+            </p:txBody>
+          </p:sp>
+        </mc:Choice>
+        <mc:Fallback>
+          <p:sp>
+            <p:nvSpPr>
+              <p:cNvPr id="34" name="TextBox 33">
+                <a:extLst>
+                  <a:ext uri="{FF2B5EF4-FFF2-40B4-BE49-F238E27FC236}">
+                    <a16:creationId xmlns:a16="http://schemas.microsoft.com/office/drawing/2014/main" id="{767CD0B9-DA7B-50B3-BEB3-C492ABA9E32A}"/>
+                  </a:ext>
+                </a:extLst>
+              </p:cNvPr>
+              <p:cNvSpPr txBox="1">
+                <a:spLocks noRot="1" noChangeAspect="1" noMove="1" noResize="1" noEditPoints="1" noAdjustHandles="1" noChangeArrowheads="1" noChangeShapeType="1" noTextEdit="1"/>
+              </p:cNvSpPr>
+              <p:nvPr/>
+            </p:nvSpPr>
+            <p:spPr>
+              <a:xfrm>
+                <a:off x="6802562" y="2643801"/>
+                <a:ext cx="767774" cy="461665"/>
+              </a:xfrm>
+              <a:prstGeom prst="rect">
+                <a:avLst/>
+              </a:prstGeom>
+              <a:blipFill>
+                <a:blip r:embed="rId18"/>
+                <a:stretch>
+                  <a:fillRect l="-2381" b="-18667"/>
+                </a:stretch>
+              </a:blipFill>
+            </p:spPr>
+            <p:txBody>
+              <a:bodyPr/>
+              <a:lstStyle/>
+              <a:p>
+                <a:r>
+                  <a:rPr lang="en-US">
+                    <a:noFill/>
+                  </a:rPr>
+                  <a:t> </a:t>
+                </a:r>
+              </a:p>
+            </p:txBody>
+          </p:sp>
+        </mc:Fallback>
+      </mc:AlternateContent>
+      <mc:AlternateContent xmlns:mc="http://schemas.openxmlformats.org/markup-compatibility/2006">
+        <mc:Choice xmlns:a14="http://schemas.microsoft.com/office/drawing/2010/main" Requires="a14">
+          <p:sp>
+            <p:nvSpPr>
+              <p:cNvPr id="35" name="TextBox 34">
+                <a:extLst>
+                  <a:ext uri="{FF2B5EF4-FFF2-40B4-BE49-F238E27FC236}">
+                    <a16:creationId xmlns:a16="http://schemas.microsoft.com/office/drawing/2014/main" id="{15EFE945-E6C4-452E-F2D9-9556EA462D0B}"/>
+                  </a:ext>
+                </a:extLst>
+              </p:cNvPr>
+              <p:cNvSpPr txBox="1"/>
+              <p:nvPr/>
+            </p:nvSpPr>
+            <p:spPr>
+              <a:xfrm>
+                <a:off x="8774254" y="2021840"/>
+                <a:ext cx="831253" cy="461665"/>
+              </a:xfrm>
+              <a:prstGeom prst="rect">
+                <a:avLst/>
+              </a:prstGeom>
+              <a:noFill/>
+            </p:spPr>
+            <p:txBody>
+              <a:bodyPr wrap="none" rtlCol="0">
+                <a:spAutoFit/>
+              </a:bodyPr>
+              <a:lstStyle/>
+              <a:p>
+                <a:pPr/>
+                <a14:m>
+                  <m:oMathPara xmlns:m="http://schemas.openxmlformats.org/officeDocument/2006/math">
+                    <m:oMathParaPr>
+                      <m:jc m:val="centerGroup"/>
+                    </m:oMathParaPr>
+                    <m:oMath xmlns:m="http://schemas.openxmlformats.org/officeDocument/2006/math">
+                      <m:sSub>
+                        <m:sSubPr>
+                          <m:ctrlPr>
+                            <a:rPr lang="es-CL" sz="2400" b="0" i="1" smtClean="0">
+                              <a:solidFill>
+                                <a:schemeClr val="tx1"/>
+                              </a:solidFill>
+                              <a:latin typeface="Cambria Math" panose="02040503050406030204" pitchFamily="18" charset="0"/>
+                            </a:rPr>
+                          </m:ctrlPr>
+                        </m:sSubPr>
+                        <m:e>
+                          <m:r>
+                            <a:rPr lang="es-CL" sz="2400" b="0" i="1" smtClean="0">
+                              <a:solidFill>
+                                <a:schemeClr val="tx1"/>
+                              </a:solidFill>
+                              <a:latin typeface="Cambria Math" panose="02040503050406030204" pitchFamily="18" charset="0"/>
+                            </a:rPr>
+                            <m:t>𝑓</m:t>
+                          </m:r>
+                        </m:e>
+                        <m:sub>
+                          <m:r>
+                            <a:rPr lang="es-CL" sz="2400" b="0" i="1" smtClean="0">
+                              <a:solidFill>
+                                <a:schemeClr val="tx1"/>
+                              </a:solidFill>
+                              <a:latin typeface="Cambria Math" panose="02040503050406030204" pitchFamily="18" charset="0"/>
+                            </a:rPr>
+                            <m:t>𝑛</m:t>
+                          </m:r>
+                          <m:r>
+                            <a:rPr lang="es-CL" sz="2400" b="0" i="1" smtClean="0">
+                              <a:solidFill>
+                                <a:schemeClr val="tx1"/>
+                              </a:solidFill>
+                              <a:latin typeface="Cambria Math" panose="02040503050406030204" pitchFamily="18" charset="0"/>
+                            </a:rPr>
+                            <m:t>−1</m:t>
+                          </m:r>
+                        </m:sub>
+                      </m:sSub>
+                    </m:oMath>
+                  </m:oMathPara>
+                </a14:m>
+                <a:endParaRPr lang="en-US" sz="2400" dirty="0">
+                  <a:solidFill>
+                    <a:schemeClr val="tx1"/>
+                  </a:solidFill>
+                </a:endParaRPr>
+              </a:p>
+            </p:txBody>
+          </p:sp>
+        </mc:Choice>
+        <mc:Fallback>
+          <p:sp>
+            <p:nvSpPr>
+              <p:cNvPr id="35" name="TextBox 34">
+                <a:extLst>
+                  <a:ext uri="{FF2B5EF4-FFF2-40B4-BE49-F238E27FC236}">
+                    <a16:creationId xmlns:a16="http://schemas.microsoft.com/office/drawing/2014/main" id="{15EFE945-E6C4-452E-F2D9-9556EA462D0B}"/>
+                  </a:ext>
+                </a:extLst>
+              </p:cNvPr>
+              <p:cNvSpPr txBox="1">
+                <a:spLocks noRot="1" noChangeAspect="1" noMove="1" noResize="1" noEditPoints="1" noAdjustHandles="1" noChangeArrowheads="1" noChangeShapeType="1" noTextEdit="1"/>
+              </p:cNvSpPr>
+              <p:nvPr/>
+            </p:nvSpPr>
+            <p:spPr>
+              <a:xfrm>
+                <a:off x="8774254" y="2021840"/>
+                <a:ext cx="831253" cy="461665"/>
+              </a:xfrm>
+              <a:prstGeom prst="rect">
+                <a:avLst/>
+              </a:prstGeom>
+              <a:blipFill>
+                <a:blip r:embed="rId19"/>
+                <a:stretch>
+                  <a:fillRect l="-1460" b="-18667"/>
+                </a:stretch>
+              </a:blipFill>
+            </p:spPr>
+            <p:txBody>
+              <a:bodyPr/>
+              <a:lstStyle/>
+              <a:p>
+                <a:r>
+                  <a:rPr lang="en-US">
+                    <a:noFill/>
+                  </a:rPr>
+                  <a:t> </a:t>
+                </a:r>
+              </a:p>
+            </p:txBody>
+          </p:sp>
+        </mc:Fallback>
+      </mc:AlternateContent>
+      <mc:AlternateContent xmlns:mc="http://schemas.openxmlformats.org/markup-compatibility/2006">
+        <mc:Choice xmlns:a14="http://schemas.microsoft.com/office/drawing/2010/main" Requires="a14">
+          <p:sp>
+            <p:nvSpPr>
+              <p:cNvPr id="36" name="TextBox 35">
+                <a:extLst>
+                  <a:ext uri="{FF2B5EF4-FFF2-40B4-BE49-F238E27FC236}">
+                    <a16:creationId xmlns:a16="http://schemas.microsoft.com/office/drawing/2014/main" id="{38FEB64C-405F-07E8-EE6A-5193C413FD03}"/>
+                  </a:ext>
+                </a:extLst>
+              </p:cNvPr>
+              <p:cNvSpPr txBox="1"/>
+              <p:nvPr/>
+            </p:nvSpPr>
+            <p:spPr>
+              <a:xfrm>
+                <a:off x="10167630" y="1899920"/>
+                <a:ext cx="525913" cy="461665"/>
+              </a:xfrm>
+              <a:prstGeom prst="rect">
+                <a:avLst/>
+              </a:prstGeom>
+              <a:noFill/>
+            </p:spPr>
+            <p:txBody>
+              <a:bodyPr wrap="none" rtlCol="0">
+                <a:spAutoFit/>
+              </a:bodyPr>
+              <a:lstStyle/>
+              <a:p>
+                <a:pPr/>
+                <a14:m>
+                  <m:oMathPara xmlns:m="http://schemas.openxmlformats.org/officeDocument/2006/math">
+                    <m:oMathParaPr>
+                      <m:jc m:val="centerGroup"/>
+                    </m:oMathParaPr>
+                    <m:oMath xmlns:m="http://schemas.openxmlformats.org/officeDocument/2006/math">
+                      <m:sSub>
+                        <m:sSubPr>
+                          <m:ctrlPr>
+                            <a:rPr lang="es-CL" sz="2400" b="0" i="1" smtClean="0">
+                              <a:solidFill>
+                                <a:schemeClr val="tx1"/>
+                              </a:solidFill>
+                              <a:latin typeface="Cambria Math" panose="02040503050406030204" pitchFamily="18" charset="0"/>
+                            </a:rPr>
+                          </m:ctrlPr>
+                        </m:sSubPr>
+                        <m:e>
+                          <m:r>
+                            <a:rPr lang="es-CL" sz="2400" b="0" i="1" smtClean="0">
+                              <a:solidFill>
+                                <a:schemeClr val="tx1"/>
+                              </a:solidFill>
+                              <a:latin typeface="Cambria Math" panose="02040503050406030204" pitchFamily="18" charset="0"/>
+                            </a:rPr>
+                            <m:t>𝑓</m:t>
+                          </m:r>
+                        </m:e>
+                        <m:sub>
+                          <m:r>
+                            <a:rPr lang="es-CL" sz="2400" b="0" i="1" smtClean="0">
+                              <a:solidFill>
+                                <a:schemeClr val="tx1"/>
+                              </a:solidFill>
+                              <a:latin typeface="Cambria Math" panose="02040503050406030204" pitchFamily="18" charset="0"/>
+                            </a:rPr>
+                            <m:t>𝑛</m:t>
+                          </m:r>
+                        </m:sub>
+                      </m:sSub>
+                    </m:oMath>
+                  </m:oMathPara>
+                </a14:m>
+                <a:endParaRPr lang="en-US" sz="2400" dirty="0">
+                  <a:solidFill>
+                    <a:schemeClr val="tx1"/>
+                  </a:solidFill>
+                </a:endParaRPr>
+              </a:p>
+            </p:txBody>
+          </p:sp>
+        </mc:Choice>
+        <mc:Fallback>
+          <p:sp>
+            <p:nvSpPr>
+              <p:cNvPr id="36" name="TextBox 35">
+                <a:extLst>
+                  <a:ext uri="{FF2B5EF4-FFF2-40B4-BE49-F238E27FC236}">
+                    <a16:creationId xmlns:a16="http://schemas.microsoft.com/office/drawing/2014/main" id="{38FEB64C-405F-07E8-EE6A-5193C413FD03}"/>
+                  </a:ext>
+                </a:extLst>
+              </p:cNvPr>
+              <p:cNvSpPr txBox="1">
+                <a:spLocks noRot="1" noChangeAspect="1" noMove="1" noResize="1" noEditPoints="1" noAdjustHandles="1" noChangeArrowheads="1" noChangeShapeType="1" noTextEdit="1"/>
+              </p:cNvSpPr>
+              <p:nvPr/>
+            </p:nvSpPr>
+            <p:spPr>
+              <a:xfrm>
+                <a:off x="10167630" y="1899920"/>
+                <a:ext cx="525913" cy="461665"/>
+              </a:xfrm>
+              <a:prstGeom prst="rect">
+                <a:avLst/>
+              </a:prstGeom>
+              <a:blipFill>
+                <a:blip r:embed="rId20"/>
+                <a:stretch>
+                  <a:fillRect l="-3488" b="-18667"/>
+                </a:stretch>
+              </a:blipFill>
+            </p:spPr>
+            <p:txBody>
+              <a:bodyPr/>
+              <a:lstStyle/>
+              <a:p>
+                <a:r>
+                  <a:rPr lang="en-US">
+                    <a:noFill/>
+                  </a:rPr>
+                  <a:t> </a:t>
+                </a:r>
+              </a:p>
+            </p:txBody>
+          </p:sp>
+        </mc:Fallback>
+      </mc:AlternateContent>
+    </p:spTree>
+    <p:extLst>
+      <p:ext uri="{BB962C8B-B14F-4D97-AF65-F5344CB8AC3E}">
+        <p14:creationId xmlns:p14="http://schemas.microsoft.com/office/powerpoint/2010/main" val="4256711182"/>
+      </p:ext>
+    </p:extLst>
+  </p:cSld>
+  <p:clrMapOvr>
+    <a:masterClrMapping/>
+  </p:clrMapOvr>
+</p:sld>
+</file>
+
+<file path=ppt/slides/slide12.xml><?xml version="1.0" encoding="utf-8"?>
+<p:sld xmlns:a="http://schemas.openxmlformats.org/drawingml/2006/main" xmlns:r="http://schemas.openxmlformats.org/officeDocument/2006/relationships" xmlns:p="http://schemas.openxmlformats.org/presentationml/2006/main">
+  <p:cSld>
+    <p:spTree>
+      <p:nvGrpSpPr>
+        <p:cNvPr id="1" name=""/>
+        <p:cNvGrpSpPr/>
+        <p:nvPr/>
+      </p:nvGrpSpPr>
+      <p:grpSpPr>
+        <a:xfrm>
+          <a:off x="0" y="0"/>
+          <a:ext cx="0" cy="0"/>
+          <a:chOff x="0" y="0"/>
+          <a:chExt cx="0" cy="0"/>
+        </a:xfrm>
+      </p:grpSpPr>
+      <p:pic>
+        <p:nvPicPr>
+          <p:cNvPr id="2" name="Picture 1">
+            <a:extLst>
+              <a:ext uri="{FF2B5EF4-FFF2-40B4-BE49-F238E27FC236}">
+                <a16:creationId xmlns:a16="http://schemas.microsoft.com/office/drawing/2014/main" id="{83EDD5EE-2B62-D7F5-2F8B-167F85AA9970}"/>
+              </a:ext>
+            </a:extLst>
+          </p:cNvPr>
+          <p:cNvPicPr>
+            <a:picLocks noChangeAspect="1"/>
+          </p:cNvPicPr>
+          <p:nvPr/>
+        </p:nvPicPr>
+        <p:blipFill rotWithShape="1">
+          <a:blip r:embed="rId2"/>
+          <a:srcRect l="1695" t="2518" r="2246" b="3432"/>
+          <a:stretch/>
+        </p:blipFill>
+        <p:spPr>
+          <a:xfrm>
+            <a:off x="2130137" y="945573"/>
+            <a:ext cx="5715000" cy="4270664"/>
+          </a:xfrm>
+          <a:prstGeom prst="rect">
+            <a:avLst/>
+          </a:prstGeom>
+        </p:spPr>
+      </p:pic>
+      <p:pic>
+        <p:nvPicPr>
+          <p:cNvPr id="4" name="Picture 3">
+            <a:extLst>
+              <a:ext uri="{FF2B5EF4-FFF2-40B4-BE49-F238E27FC236}">
+                <a16:creationId xmlns:a16="http://schemas.microsoft.com/office/drawing/2014/main" id="{C0C971B5-A798-E7E4-E3B4-91A34A3B185A}"/>
+              </a:ext>
+            </a:extLst>
+          </p:cNvPr>
+          <p:cNvPicPr>
+            <a:picLocks noChangeAspect="1"/>
+          </p:cNvPicPr>
+          <p:nvPr/>
+        </p:nvPicPr>
+        <p:blipFill>
+          <a:blip r:embed="rId3"/>
+          <a:stretch>
+            <a:fillRect/>
+          </a:stretch>
+        </p:blipFill>
+        <p:spPr>
+          <a:xfrm>
+            <a:off x="2876281" y="286966"/>
+            <a:ext cx="6439437" cy="6284068"/>
+          </a:xfrm>
+          <a:prstGeom prst="rect">
+            <a:avLst/>
+          </a:prstGeom>
+        </p:spPr>
+      </p:pic>
+    </p:spTree>
+    <p:extLst>
+      <p:ext uri="{BB962C8B-B14F-4D97-AF65-F5344CB8AC3E}">
+        <p14:creationId xmlns:p14="http://schemas.microsoft.com/office/powerpoint/2010/main" val="63614856"/>
       </p:ext>
     </p:extLst>
   </p:cSld>
@@ -6952,6 +9978,66 @@
 </p:sld>
 </file>
 
+<file path=ppt/slides/slide9.xml><?xml version="1.0" encoding="utf-8"?>
+<p:sld xmlns:a="http://schemas.openxmlformats.org/drawingml/2006/main" xmlns:r="http://schemas.openxmlformats.org/officeDocument/2006/relationships" xmlns:p="http://schemas.openxmlformats.org/presentationml/2006/main">
+  <p:cSld>
+    <p:spTree>
+      <p:nvGrpSpPr>
+        <p:cNvPr id="1" name=""/>
+        <p:cNvGrpSpPr/>
+        <p:nvPr/>
+      </p:nvGrpSpPr>
+      <p:grpSpPr>
+        <a:xfrm>
+          <a:off x="0" y="0"/>
+          <a:ext cx="0" cy="0"/>
+          <a:chOff x="0" y="0"/>
+          <a:chExt cx="0" cy="0"/>
+        </a:xfrm>
+      </p:grpSpPr>
+      <p:pic>
+        <p:nvPicPr>
+          <p:cNvPr id="8" name="Picture 7">
+            <a:extLst>
+              <a:ext uri="{FF2B5EF4-FFF2-40B4-BE49-F238E27FC236}">
+                <a16:creationId xmlns:a16="http://schemas.microsoft.com/office/drawing/2014/main" id="{BEF86BFC-2DD2-10E3-0AC9-F53303F3EA5D}"/>
+              </a:ext>
+            </a:extLst>
+          </p:cNvPr>
+          <p:cNvPicPr>
+            <a:picLocks noChangeAspect="1"/>
+          </p:cNvPicPr>
+          <p:nvPr/>
+        </p:nvPicPr>
+        <p:blipFill>
+          <a:blip r:embed="rId2"/>
+          <a:stretch>
+            <a:fillRect/>
+          </a:stretch>
+        </p:blipFill>
+        <p:spPr>
+          <a:xfrm>
+            <a:off x="841664" y="1293775"/>
+            <a:ext cx="9414163" cy="3817443"/>
+          </a:xfrm>
+          <a:prstGeom prst="rect">
+            <a:avLst/>
+          </a:prstGeom>
+        </p:spPr>
+      </p:pic>
+    </p:spTree>
+    <p:extLst>
+      <p:ext uri="{BB962C8B-B14F-4D97-AF65-F5344CB8AC3E}">
+        <p14:creationId xmlns:p14="http://schemas.microsoft.com/office/powerpoint/2010/main" val="3964388032"/>
+      </p:ext>
+    </p:extLst>
+  </p:cSld>
+  <p:clrMapOvr>
+    <a:masterClrMapping/>
+  </p:clrMapOvr>
+</p:sld>
+</file>
+
 <file path=ppt/theme/theme1.xml><?xml version="1.0" encoding="utf-8"?>
 <a:theme xmlns:a="http://schemas.openxmlformats.org/drawingml/2006/main" name="Office Theme">
   <a:themeElements>

--- a/figure_edits.pptx
+++ b/figure_edits.pptx
@@ -17,6 +17,7 @@
     <p:sldId id="266" r:id="rId11"/>
     <p:sldId id="267" r:id="rId12"/>
     <p:sldId id="265" r:id="rId13"/>
+    <p:sldId id="268" r:id="rId14"/>
   </p:sldIdLst>
   <p:sldSz cx="12192000" cy="6858000"/>
   <p:notesSz cx="6858000" cy="9144000"/>
@@ -126,7 +127,7 @@
 <file path=ppt/revisionInfo.xml><?xml version="1.0" encoding="utf-8"?>
 <p1510:revInfo xmlns:a="http://schemas.openxmlformats.org/drawingml/2006/main" xmlns:r="http://schemas.openxmlformats.org/officeDocument/2006/relationships" xmlns:p1510="http://schemas.microsoft.com/office/powerpoint/2015/10/main">
   <p1510:revLst>
-    <p1510:client id="{56672B09-2D21-4D19-8937-F225A46518E7}" v="109" dt="2022-08-28T20:16:03.119"/>
+    <p1510:client id="{1E2FEA87-2DEA-469F-9430-B0F2C003583F}" v="81" dt="2022-08-30T17:58:29.446"/>
   </p1510:revLst>
 </p1510:revInfo>
 </file>
@@ -429,8 +430,8 @@
   </pc:docChgLst>
   <pc:docChgLst>
     <pc:chgData name="Francisco Valentin Ramirez Cuevas" userId="e79bf063-6348-4b44-8f45-581164b14c81" providerId="ADAL" clId="{7812F05B-5A5B-4694-857A-BFD59020F1B1}"/>
-    <pc:docChg chg="custSel addSld modSld">
-      <pc:chgData name="Francisco Valentin Ramirez Cuevas" userId="e79bf063-6348-4b44-8f45-581164b14c81" providerId="ADAL" clId="{7812F05B-5A5B-4694-857A-BFD59020F1B1}" dt="2022-08-17T20:55:55.583" v="4"/>
+    <pc:docChg chg="undo redo custSel addSld delSld modSld">
+      <pc:chgData name="Francisco Valentin Ramirez Cuevas" userId="e79bf063-6348-4b44-8f45-581164b14c81" providerId="ADAL" clId="{7812F05B-5A5B-4694-857A-BFD59020F1B1}" dt="2022-08-29T19:38:15.404" v="331" actId="2062"/>
       <pc:docMkLst>
         <pc:docMk/>
       </pc:docMkLst>
@@ -640,6 +641,52 @@
             <ac:cxnSpMk id="25" creationId="{33E27E92-7AFB-0C45-00D0-CFD626E3DAF7}"/>
           </ac:cxnSpMkLst>
         </pc:cxnChg>
+      </pc:sldChg>
+      <pc:sldChg chg="addSp delSp">
+        <pc:chgData name="Francisco Valentin Ramirez Cuevas" userId="e79bf063-6348-4b44-8f45-581164b14c81" providerId="ADAL" clId="{7812F05B-5A5B-4694-857A-BFD59020F1B1}" dt="2022-08-29T17:58:01.213" v="33" actId="478"/>
+        <pc:sldMkLst>
+          <pc:docMk/>
+          <pc:sldMk cId="63614856" sldId="265"/>
+        </pc:sldMkLst>
+        <pc:picChg chg="add del">
+          <ac:chgData name="Francisco Valentin Ramirez Cuevas" userId="e79bf063-6348-4b44-8f45-581164b14c81" providerId="ADAL" clId="{7812F05B-5A5B-4694-857A-BFD59020F1B1}" dt="2022-08-29T17:58:01.213" v="33" actId="478"/>
+          <ac:picMkLst>
+            <pc:docMk/>
+            <pc:sldMk cId="63614856" sldId="265"/>
+            <ac:picMk id="4" creationId="{C0C971B5-A798-E7E4-E3B4-91A34A3B185A}"/>
+          </ac:picMkLst>
+        </pc:picChg>
+      </pc:sldChg>
+      <pc:sldChg chg="addSp delSp modSp add del">
+        <pc:chgData name="Francisco Valentin Ramirez Cuevas" userId="e79bf063-6348-4b44-8f45-581164b14c81" providerId="ADAL" clId="{7812F05B-5A5B-4694-857A-BFD59020F1B1}" dt="2022-08-29T19:38:15.404" v="331" actId="2062"/>
+        <pc:sldMkLst>
+          <pc:docMk/>
+          <pc:sldMk cId="2448255599" sldId="268"/>
+        </pc:sldMkLst>
+        <pc:graphicFrameChg chg="add del mod modGraphic">
+          <ac:chgData name="Francisco Valentin Ramirez Cuevas" userId="e79bf063-6348-4b44-8f45-581164b14c81" providerId="ADAL" clId="{7812F05B-5A5B-4694-857A-BFD59020F1B1}" dt="2022-08-29T18:10:03.694" v="215" actId="14100"/>
+          <ac:graphicFrameMkLst>
+            <pc:docMk/>
+            <pc:sldMk cId="2448255599" sldId="268"/>
+            <ac:graphicFrameMk id="3" creationId="{2205A12D-890F-42B5-B64F-433E025FE509}"/>
+          </ac:graphicFrameMkLst>
+        </pc:graphicFrameChg>
+        <pc:graphicFrameChg chg="add mod modGraphic">
+          <ac:chgData name="Francisco Valentin Ramirez Cuevas" userId="e79bf063-6348-4b44-8f45-581164b14c81" providerId="ADAL" clId="{7812F05B-5A5B-4694-857A-BFD59020F1B1}" dt="2022-08-29T19:38:15.404" v="331" actId="2062"/>
+          <ac:graphicFrameMkLst>
+            <pc:docMk/>
+            <pc:sldMk cId="2448255599" sldId="268"/>
+            <ac:graphicFrameMk id="4" creationId="{FE8B98F9-8483-4AC1-80EE-782A6B36CEF9}"/>
+          </ac:graphicFrameMkLst>
+        </pc:graphicFrameChg>
+        <pc:picChg chg="add del">
+          <ac:chgData name="Francisco Valentin Ramirez Cuevas" userId="e79bf063-6348-4b44-8f45-581164b14c81" providerId="ADAL" clId="{7812F05B-5A5B-4694-857A-BFD59020F1B1}" dt="2022-08-29T17:58:01.543" v="35" actId="478"/>
+          <ac:picMkLst>
+            <pc:docMk/>
+            <pc:sldMk cId="2448255599" sldId="268"/>
+            <ac:picMk id="2" creationId="{83EDD5EE-2B62-D7F5-2F8B-167F85AA9970}"/>
+          </ac:picMkLst>
+        </pc:picChg>
       </pc:sldChg>
     </pc:docChg>
   </pc:docChgLst>
@@ -1574,6 +1621,206 @@
             <pc:docMk/>
             <pc:sldMk cId="3746970517" sldId="263"/>
             <ac:picMk id="5" creationId="{5AA94ECA-7654-DEFE-C1D6-71052313A281}"/>
+          </ac:picMkLst>
+        </pc:picChg>
+      </pc:sldChg>
+    </pc:docChg>
+  </pc:docChgLst>
+  <pc:docChgLst>
+    <pc:chgData name="Francisco Valentin Ramirez Cuevas" userId="e79bf063-6348-4b44-8f45-581164b14c81" providerId="ADAL" clId="{1E2FEA87-2DEA-469F-9430-B0F2C003583F}"/>
+    <pc:docChg chg="undo custSel modSld">
+      <pc:chgData name="Francisco Valentin Ramirez Cuevas" userId="e79bf063-6348-4b44-8f45-581164b14c81" providerId="ADAL" clId="{1E2FEA87-2DEA-469F-9430-B0F2C003583F}" dt="2022-08-30T18:01:49.854" v="191" actId="1037"/>
+      <pc:docMkLst>
+        <pc:docMk/>
+      </pc:docMkLst>
+      <pc:sldChg chg="addSp delSp modSp mod">
+        <pc:chgData name="Francisco Valentin Ramirez Cuevas" userId="e79bf063-6348-4b44-8f45-581164b14c81" providerId="ADAL" clId="{1E2FEA87-2DEA-469F-9430-B0F2C003583F}" dt="2022-08-30T18:01:49.854" v="191" actId="1037"/>
+        <pc:sldMkLst>
+          <pc:docMk/>
+          <pc:sldMk cId="257880714" sldId="266"/>
+        </pc:sldMkLst>
+        <pc:spChg chg="add mod">
+          <ac:chgData name="Francisco Valentin Ramirez Cuevas" userId="e79bf063-6348-4b44-8f45-581164b14c81" providerId="ADAL" clId="{1E2FEA87-2DEA-469F-9430-B0F2C003583F}" dt="2022-08-30T18:01:49.854" v="191" actId="1037"/>
+          <ac:spMkLst>
+            <pc:docMk/>
+            <pc:sldMk cId="257880714" sldId="266"/>
+            <ac:spMk id="3" creationId="{6C9C0988-02C9-6EE0-2DA8-EC6887860B37}"/>
+          </ac:spMkLst>
+        </pc:spChg>
+        <pc:spChg chg="add del mod">
+          <ac:chgData name="Francisco Valentin Ramirez Cuevas" userId="e79bf063-6348-4b44-8f45-581164b14c81" providerId="ADAL" clId="{1E2FEA87-2DEA-469F-9430-B0F2C003583F}" dt="2022-08-30T17:54:08.201" v="37" actId="21"/>
+          <ac:spMkLst>
+            <pc:docMk/>
+            <pc:sldMk cId="257880714" sldId="266"/>
+            <ac:spMk id="4" creationId="{FB8E6EAE-997C-58F9-E5CA-26D54E2003FF}"/>
+          </ac:spMkLst>
+        </pc:spChg>
+        <pc:spChg chg="add del mod">
+          <ac:chgData name="Francisco Valentin Ramirez Cuevas" userId="e79bf063-6348-4b44-8f45-581164b14c81" providerId="ADAL" clId="{1E2FEA87-2DEA-469F-9430-B0F2C003583F}" dt="2022-08-30T17:54:08.201" v="37" actId="21"/>
+          <ac:spMkLst>
+            <pc:docMk/>
+            <pc:sldMk cId="257880714" sldId="266"/>
+            <ac:spMk id="5" creationId="{FC9633E1-3362-D7DB-557B-6B9ED831C676}"/>
+          </ac:spMkLst>
+        </pc:spChg>
+        <pc:spChg chg="add del mod">
+          <ac:chgData name="Francisco Valentin Ramirez Cuevas" userId="e79bf063-6348-4b44-8f45-581164b14c81" providerId="ADAL" clId="{1E2FEA87-2DEA-469F-9430-B0F2C003583F}" dt="2022-08-30T17:54:08.201" v="37" actId="21"/>
+          <ac:spMkLst>
+            <pc:docMk/>
+            <pc:sldMk cId="257880714" sldId="266"/>
+            <ac:spMk id="6" creationId="{031FCC16-2715-80C7-46F1-88C2D0898E29}"/>
+          </ac:spMkLst>
+        </pc:spChg>
+        <pc:spChg chg="add del mod">
+          <ac:chgData name="Francisco Valentin Ramirez Cuevas" userId="e79bf063-6348-4b44-8f45-581164b14c81" providerId="ADAL" clId="{1E2FEA87-2DEA-469F-9430-B0F2C003583F}" dt="2022-08-30T17:54:08.201" v="37" actId="21"/>
+          <ac:spMkLst>
+            <pc:docMk/>
+            <pc:sldMk cId="257880714" sldId="266"/>
+            <ac:spMk id="7" creationId="{0D9E2DB1-86E1-0ADB-A204-46645EEF64CD}"/>
+          </ac:spMkLst>
+        </pc:spChg>
+        <pc:spChg chg="add del mod">
+          <ac:chgData name="Francisco Valentin Ramirez Cuevas" userId="e79bf063-6348-4b44-8f45-581164b14c81" providerId="ADAL" clId="{1E2FEA87-2DEA-469F-9430-B0F2C003583F}" dt="2022-08-30T17:54:08.201" v="37" actId="21"/>
+          <ac:spMkLst>
+            <pc:docMk/>
+            <pc:sldMk cId="257880714" sldId="266"/>
+            <ac:spMk id="8" creationId="{A13DC7E7-28B4-5FF4-25F4-0B8D855DAD81}"/>
+          </ac:spMkLst>
+        </pc:spChg>
+        <pc:spChg chg="add mod ord">
+          <ac:chgData name="Francisco Valentin Ramirez Cuevas" userId="e79bf063-6348-4b44-8f45-581164b14c81" providerId="ADAL" clId="{1E2FEA87-2DEA-469F-9430-B0F2C003583F}" dt="2022-08-30T18:01:49.854" v="191" actId="1037"/>
+          <ac:spMkLst>
+            <pc:docMk/>
+            <pc:sldMk cId="257880714" sldId="266"/>
+            <ac:spMk id="10" creationId="{2B2BDA66-4E3E-9D5B-4355-223E24F21FE2}"/>
+          </ac:spMkLst>
+        </pc:spChg>
+        <pc:spChg chg="add mod">
+          <ac:chgData name="Francisco Valentin Ramirez Cuevas" userId="e79bf063-6348-4b44-8f45-581164b14c81" providerId="ADAL" clId="{1E2FEA87-2DEA-469F-9430-B0F2C003583F}" dt="2022-08-30T18:01:49.854" v="191" actId="1037"/>
+          <ac:spMkLst>
+            <pc:docMk/>
+            <pc:sldMk cId="257880714" sldId="266"/>
+            <ac:spMk id="11" creationId="{393B7EC2-8E53-F6F4-5B80-3506403387DF}"/>
+          </ac:spMkLst>
+        </pc:spChg>
+        <pc:spChg chg="add mod">
+          <ac:chgData name="Francisco Valentin Ramirez Cuevas" userId="e79bf063-6348-4b44-8f45-581164b14c81" providerId="ADAL" clId="{1E2FEA87-2DEA-469F-9430-B0F2C003583F}" dt="2022-08-30T18:01:49.854" v="191" actId="1037"/>
+          <ac:spMkLst>
+            <pc:docMk/>
+            <pc:sldMk cId="257880714" sldId="266"/>
+            <ac:spMk id="12" creationId="{FC8C1AAB-EDEE-6397-3D8F-98FB6FFEBE41}"/>
+          </ac:spMkLst>
+        </pc:spChg>
+        <pc:spChg chg="add mod">
+          <ac:chgData name="Francisco Valentin Ramirez Cuevas" userId="e79bf063-6348-4b44-8f45-581164b14c81" providerId="ADAL" clId="{1E2FEA87-2DEA-469F-9430-B0F2C003583F}" dt="2022-08-30T18:01:20.319" v="171" actId="1035"/>
+          <ac:spMkLst>
+            <pc:docMk/>
+            <pc:sldMk cId="257880714" sldId="266"/>
+            <ac:spMk id="13" creationId="{0FAECA9B-6C70-1B6E-7B68-FD586883C514}"/>
+          </ac:spMkLst>
+        </pc:spChg>
+        <pc:spChg chg="add mod ord">
+          <ac:chgData name="Francisco Valentin Ramirez Cuevas" userId="e79bf063-6348-4b44-8f45-581164b14c81" providerId="ADAL" clId="{1E2FEA87-2DEA-469F-9430-B0F2C003583F}" dt="2022-08-30T18:01:28.488" v="177" actId="1036"/>
+          <ac:spMkLst>
+            <pc:docMk/>
+            <pc:sldMk cId="257880714" sldId="266"/>
+            <ac:spMk id="14" creationId="{B6552CDF-06AF-3371-1FE9-3F90F296C477}"/>
+          </ac:spMkLst>
+        </pc:spChg>
+        <pc:spChg chg="add mod">
+          <ac:chgData name="Francisco Valentin Ramirez Cuevas" userId="e79bf063-6348-4b44-8f45-581164b14c81" providerId="ADAL" clId="{1E2FEA87-2DEA-469F-9430-B0F2C003583F}" dt="2022-08-30T18:01:39.346" v="178" actId="1036"/>
+          <ac:spMkLst>
+            <pc:docMk/>
+            <pc:sldMk cId="257880714" sldId="266"/>
+            <ac:spMk id="15" creationId="{4BF2D250-DC94-2296-FB31-5E0CC50C16C5}"/>
+          </ac:spMkLst>
+        </pc:spChg>
+        <pc:spChg chg="add mod">
+          <ac:chgData name="Francisco Valentin Ramirez Cuevas" userId="e79bf063-6348-4b44-8f45-581164b14c81" providerId="ADAL" clId="{1E2FEA87-2DEA-469F-9430-B0F2C003583F}" dt="2022-08-30T18:01:14.840" v="167" actId="12789"/>
+          <ac:spMkLst>
+            <pc:docMk/>
+            <pc:sldMk cId="257880714" sldId="266"/>
+            <ac:spMk id="16" creationId="{E0326E85-CAEB-42B2-70F0-A83B623FC971}"/>
+          </ac:spMkLst>
+        </pc:spChg>
+        <pc:spChg chg="add mod">
+          <ac:chgData name="Francisco Valentin Ramirez Cuevas" userId="e79bf063-6348-4b44-8f45-581164b14c81" providerId="ADAL" clId="{1E2FEA87-2DEA-469F-9430-B0F2C003583F}" dt="2022-08-30T18:01:20.319" v="171" actId="1035"/>
+          <ac:spMkLst>
+            <pc:docMk/>
+            <pc:sldMk cId="257880714" sldId="266"/>
+            <ac:spMk id="17" creationId="{038EDD40-EDC6-CD6D-9A5C-B5333C56E276}"/>
+          </ac:spMkLst>
+        </pc:spChg>
+        <pc:spChg chg="add mod ord">
+          <ac:chgData name="Francisco Valentin Ramirez Cuevas" userId="e79bf063-6348-4b44-8f45-581164b14c81" providerId="ADAL" clId="{1E2FEA87-2DEA-469F-9430-B0F2C003583F}" dt="2022-08-30T18:01:28.488" v="177" actId="1036"/>
+          <ac:spMkLst>
+            <pc:docMk/>
+            <pc:sldMk cId="257880714" sldId="266"/>
+            <ac:spMk id="18" creationId="{972FC666-809D-A660-41DF-16BDF2E5D7FF}"/>
+          </ac:spMkLst>
+        </pc:spChg>
+        <pc:spChg chg="add mod">
+          <ac:chgData name="Francisco Valentin Ramirez Cuevas" userId="e79bf063-6348-4b44-8f45-581164b14c81" providerId="ADAL" clId="{1E2FEA87-2DEA-469F-9430-B0F2C003583F}" dt="2022-08-30T18:01:39.346" v="178" actId="1036"/>
+          <ac:spMkLst>
+            <pc:docMk/>
+            <pc:sldMk cId="257880714" sldId="266"/>
+            <ac:spMk id="19" creationId="{37AE1870-CEEF-55C8-F2A6-244EE17F0291}"/>
+          </ac:spMkLst>
+        </pc:spChg>
+        <pc:spChg chg="add mod">
+          <ac:chgData name="Francisco Valentin Ramirez Cuevas" userId="e79bf063-6348-4b44-8f45-581164b14c81" providerId="ADAL" clId="{1E2FEA87-2DEA-469F-9430-B0F2C003583F}" dt="2022-08-30T18:01:20.319" v="171" actId="1035"/>
+          <ac:spMkLst>
+            <pc:docMk/>
+            <pc:sldMk cId="257880714" sldId="266"/>
+            <ac:spMk id="20" creationId="{8A09ED61-CAD8-965D-24C0-8B9DF3EB94AB}"/>
+          </ac:spMkLst>
+        </pc:spChg>
+        <pc:spChg chg="add del mod">
+          <ac:chgData name="Francisco Valentin Ramirez Cuevas" userId="e79bf063-6348-4b44-8f45-581164b14c81" providerId="ADAL" clId="{1E2FEA87-2DEA-469F-9430-B0F2C003583F}" dt="2022-08-30T17:57:50.943" v="128" actId="478"/>
+          <ac:spMkLst>
+            <pc:docMk/>
+            <pc:sldMk cId="257880714" sldId="266"/>
+            <ac:spMk id="21" creationId="{ECC98494-E735-30CA-1F9F-4E89D328D778}"/>
+          </ac:spMkLst>
+        </pc:spChg>
+        <pc:spChg chg="add del mod">
+          <ac:chgData name="Francisco Valentin Ramirez Cuevas" userId="e79bf063-6348-4b44-8f45-581164b14c81" providerId="ADAL" clId="{1E2FEA87-2DEA-469F-9430-B0F2C003583F}" dt="2022-08-30T17:57:52.389" v="129" actId="478"/>
+          <ac:spMkLst>
+            <pc:docMk/>
+            <pc:sldMk cId="257880714" sldId="266"/>
+            <ac:spMk id="22" creationId="{955AE940-BD22-C5B0-5F6D-E3A64C6DC94D}"/>
+          </ac:spMkLst>
+        </pc:spChg>
+        <pc:spChg chg="add mod ord">
+          <ac:chgData name="Francisco Valentin Ramirez Cuevas" userId="e79bf063-6348-4b44-8f45-581164b14c81" providerId="ADAL" clId="{1E2FEA87-2DEA-469F-9430-B0F2C003583F}" dt="2022-08-30T18:01:28.488" v="177" actId="1036"/>
+          <ac:spMkLst>
+            <pc:docMk/>
+            <pc:sldMk cId="257880714" sldId="266"/>
+            <ac:spMk id="23" creationId="{69559462-6201-F684-9429-5025D5109259}"/>
+          </ac:spMkLst>
+        </pc:spChg>
+        <pc:spChg chg="add mod">
+          <ac:chgData name="Francisco Valentin Ramirez Cuevas" userId="e79bf063-6348-4b44-8f45-581164b14c81" providerId="ADAL" clId="{1E2FEA87-2DEA-469F-9430-B0F2C003583F}" dt="2022-08-30T18:01:20.319" v="171" actId="1035"/>
+          <ac:spMkLst>
+            <pc:docMk/>
+            <pc:sldMk cId="257880714" sldId="266"/>
+            <ac:spMk id="24" creationId="{C2B749DC-EED1-F982-889F-105B32256F7F}"/>
+          </ac:spMkLst>
+        </pc:spChg>
+        <pc:picChg chg="del mod modCrop">
+          <ac:chgData name="Francisco Valentin Ramirez Cuevas" userId="e79bf063-6348-4b44-8f45-581164b14c81" providerId="ADAL" clId="{1E2FEA87-2DEA-469F-9430-B0F2C003583F}" dt="2022-08-30T17:54:08.201" v="37" actId="21"/>
+          <ac:picMkLst>
+            <pc:docMk/>
+            <pc:sldMk cId="257880714" sldId="266"/>
+            <ac:picMk id="2" creationId="{2220352C-A1E5-B83B-D478-39DC2E46BC80}"/>
+          </ac:picMkLst>
+        </pc:picChg>
+        <pc:picChg chg="add mod ord modCrop">
+          <ac:chgData name="Francisco Valentin Ramirez Cuevas" userId="e79bf063-6348-4b44-8f45-581164b14c81" providerId="ADAL" clId="{1E2FEA87-2DEA-469F-9430-B0F2C003583F}" dt="2022-08-30T18:00:04.886" v="162" actId="732"/>
+          <ac:picMkLst>
+            <pc:docMk/>
+            <pc:sldMk cId="257880714" sldId="266"/>
+            <ac:picMk id="9" creationId="{DFB51821-C07A-4E54-C5AC-34E46EE12156}"/>
           </ac:picMkLst>
         </pc:picChg>
       </pc:sldChg>
@@ -1905,7 +2152,7 @@
           <a:p>
             <a:fld id="{D66EF1AE-13F2-45B2-A494-0C0C1CB88371}" type="datetimeFigureOut">
               <a:rPr lang="en-US" smtClean="0"/>
-              <a:t>8/28/2022</a:t>
+              <a:t>8/30/2022</a:t>
             </a:fld>
             <a:endParaRPr lang="en-US"/>
           </a:p>
@@ -2103,7 +2350,7 @@
           <a:p>
             <a:fld id="{D66EF1AE-13F2-45B2-A494-0C0C1CB88371}" type="datetimeFigureOut">
               <a:rPr lang="en-US" smtClean="0"/>
-              <a:t>8/28/2022</a:t>
+              <a:t>8/30/2022</a:t>
             </a:fld>
             <a:endParaRPr lang="en-US"/>
           </a:p>
@@ -2311,7 +2558,7 @@
           <a:p>
             <a:fld id="{D66EF1AE-13F2-45B2-A494-0C0C1CB88371}" type="datetimeFigureOut">
               <a:rPr lang="en-US" smtClean="0"/>
-              <a:t>8/28/2022</a:t>
+              <a:t>8/30/2022</a:t>
             </a:fld>
             <a:endParaRPr lang="en-US"/>
           </a:p>
@@ -2509,7 +2756,7 @@
           <a:p>
             <a:fld id="{D66EF1AE-13F2-45B2-A494-0C0C1CB88371}" type="datetimeFigureOut">
               <a:rPr lang="en-US" smtClean="0"/>
-              <a:t>8/28/2022</a:t>
+              <a:t>8/30/2022</a:t>
             </a:fld>
             <a:endParaRPr lang="en-US"/>
           </a:p>
@@ -2784,7 +3031,7 @@
           <a:p>
             <a:fld id="{D66EF1AE-13F2-45B2-A494-0C0C1CB88371}" type="datetimeFigureOut">
               <a:rPr lang="en-US" smtClean="0"/>
-              <a:t>8/28/2022</a:t>
+              <a:t>8/30/2022</a:t>
             </a:fld>
             <a:endParaRPr lang="en-US"/>
           </a:p>
@@ -3049,7 +3296,7 @@
           <a:p>
             <a:fld id="{D66EF1AE-13F2-45B2-A494-0C0C1CB88371}" type="datetimeFigureOut">
               <a:rPr lang="en-US" smtClean="0"/>
-              <a:t>8/28/2022</a:t>
+              <a:t>8/30/2022</a:t>
             </a:fld>
             <a:endParaRPr lang="en-US"/>
           </a:p>
@@ -3461,7 +3708,7 @@
           <a:p>
             <a:fld id="{D66EF1AE-13F2-45B2-A494-0C0C1CB88371}" type="datetimeFigureOut">
               <a:rPr lang="en-US" smtClean="0"/>
-              <a:t>8/28/2022</a:t>
+              <a:t>8/30/2022</a:t>
             </a:fld>
             <a:endParaRPr lang="en-US"/>
           </a:p>
@@ -3602,7 +3849,7 @@
           <a:p>
             <a:fld id="{D66EF1AE-13F2-45B2-A494-0C0C1CB88371}" type="datetimeFigureOut">
               <a:rPr lang="en-US" smtClean="0"/>
-              <a:t>8/28/2022</a:t>
+              <a:t>8/30/2022</a:t>
             </a:fld>
             <a:endParaRPr lang="en-US"/>
           </a:p>
@@ -3715,7 +3962,7 @@
           <a:p>
             <a:fld id="{D66EF1AE-13F2-45B2-A494-0C0C1CB88371}" type="datetimeFigureOut">
               <a:rPr lang="en-US" smtClean="0"/>
-              <a:t>8/28/2022</a:t>
+              <a:t>8/30/2022</a:t>
             </a:fld>
             <a:endParaRPr lang="en-US"/>
           </a:p>
@@ -4026,7 +4273,7 @@
           <a:p>
             <a:fld id="{D66EF1AE-13F2-45B2-A494-0C0C1CB88371}" type="datetimeFigureOut">
               <a:rPr lang="en-US" smtClean="0"/>
-              <a:t>8/28/2022</a:t>
+              <a:t>8/30/2022</a:t>
             </a:fld>
             <a:endParaRPr lang="en-US"/>
           </a:p>
@@ -4314,7 +4561,7 @@
           <a:p>
             <a:fld id="{D66EF1AE-13F2-45B2-A494-0C0C1CB88371}" type="datetimeFigureOut">
               <a:rPr lang="en-US" smtClean="0"/>
-              <a:t>8/28/2022</a:t>
+              <a:t>8/30/2022</a:t>
             </a:fld>
             <a:endParaRPr lang="en-US"/>
           </a:p>
@@ -4555,7 +4802,7 @@
           <a:p>
             <a:fld id="{D66EF1AE-13F2-45B2-A494-0C0C1CB88371}" type="datetimeFigureOut">
               <a:rPr lang="en-US" smtClean="0"/>
-              <a:t>8/28/2022</a:t>
+              <a:t>8/30/2022</a:t>
             </a:fld>
             <a:endParaRPr lang="en-US"/>
           </a:p>
@@ -5034,10 +5281,10 @@
       </p:grpSpPr>
       <p:pic>
         <p:nvPicPr>
-          <p:cNvPr id="2" name="Picture 1">
+          <p:cNvPr id="9" name="Picture 8">
             <a:extLst>
               <a:ext uri="{FF2B5EF4-FFF2-40B4-BE49-F238E27FC236}">
-                <a16:creationId xmlns:a16="http://schemas.microsoft.com/office/drawing/2014/main" id="{2220352C-A1E5-B83B-D478-39DC2E46BC80}"/>
+                <a16:creationId xmlns:a16="http://schemas.microsoft.com/office/drawing/2014/main" id="{DFB51821-C07A-4E54-C5AC-34E46EE12156}"/>
               </a:ext>
             </a:extLst>
           </p:cNvPr>
@@ -5046,22 +5293,2531 @@
           </p:cNvPicPr>
           <p:nvPr/>
         </p:nvPicPr>
-        <p:blipFill>
+        <p:blipFill rotWithShape="1">
           <a:blip r:embed="rId2"/>
-          <a:stretch>
-            <a:fillRect/>
-          </a:stretch>
+          <a:srcRect l="782" t="4830" r="909" b="3894"/>
+          <a:stretch/>
         </p:blipFill>
         <p:spPr>
           <a:xfrm>
-            <a:off x="1236518" y="1617536"/>
-            <a:ext cx="9954491" cy="2662826"/>
+            <a:off x="111760" y="1465581"/>
+            <a:ext cx="11953240" cy="2192020"/>
           </a:xfrm>
           <a:prstGeom prst="rect">
             <a:avLst/>
           </a:prstGeom>
         </p:spPr>
       </p:pic>
+      <mc:AlternateContent xmlns:mc="http://schemas.openxmlformats.org/markup-compatibility/2006">
+        <mc:Choice xmlns:a14="http://schemas.microsoft.com/office/drawing/2010/main" Requires="a14">
+          <p:sp>
+            <p:nvSpPr>
+              <p:cNvPr id="3" name="TextBox 2">
+                <a:extLst>
+                  <a:ext uri="{FF2B5EF4-FFF2-40B4-BE49-F238E27FC236}">
+                    <a16:creationId xmlns:a16="http://schemas.microsoft.com/office/drawing/2014/main" id="{6C9C0988-02C9-6EE0-2DA8-EC6887860B37}"/>
+                  </a:ext>
+                </a:extLst>
+              </p:cNvPr>
+              <p:cNvSpPr txBox="1"/>
+              <p:nvPr/>
+            </p:nvSpPr>
+            <p:spPr>
+              <a:xfrm>
+                <a:off x="1588956" y="1585063"/>
+                <a:ext cx="498534" cy="400110"/>
+              </a:xfrm>
+              <a:prstGeom prst="rect">
+                <a:avLst/>
+              </a:prstGeom>
+              <a:noFill/>
+            </p:spPr>
+            <p:txBody>
+              <a:bodyPr wrap="none" rtlCol="0">
+                <a:spAutoFit/>
+              </a:bodyPr>
+              <a:lstStyle/>
+              <a:p>
+                <a:pPr/>
+                <a14:m>
+                  <m:oMathPara xmlns:m="http://schemas.openxmlformats.org/officeDocument/2006/math">
+                    <m:oMathParaPr>
+                      <m:jc m:val="centerGroup"/>
+                    </m:oMathParaPr>
+                    <m:oMath xmlns:m="http://schemas.openxmlformats.org/officeDocument/2006/math">
+                      <m:sSub>
+                        <m:sSubPr>
+                          <m:ctrlPr>
+                            <a:rPr lang="es-CL" sz="2000" b="0" i="1" smtClean="0">
+                              <a:solidFill>
+                                <a:schemeClr val="tx1"/>
+                              </a:solidFill>
+                              <a:latin typeface="Cambria Math" panose="02040503050406030204" pitchFamily="18" charset="0"/>
+                            </a:rPr>
+                          </m:ctrlPr>
+                        </m:sSubPr>
+                        <m:e>
+                          <m:r>
+                            <a:rPr lang="es-CL" sz="2000" b="0" i="1" smtClean="0">
+                              <a:solidFill>
+                                <a:schemeClr val="tx1"/>
+                              </a:solidFill>
+                              <a:latin typeface="Cambria Math" panose="02040503050406030204" pitchFamily="18" charset="0"/>
+                            </a:rPr>
+                            <m:t>𝑦</m:t>
+                          </m:r>
+                        </m:e>
+                        <m:sub>
+                          <m:r>
+                            <a:rPr lang="es-CL" sz="2000" b="0" i="1" smtClean="0">
+                              <a:solidFill>
+                                <a:schemeClr val="tx1"/>
+                              </a:solidFill>
+                              <a:latin typeface="Cambria Math" panose="02040503050406030204" pitchFamily="18" charset="0"/>
+                            </a:rPr>
+                            <m:t>0</m:t>
+                          </m:r>
+                        </m:sub>
+                      </m:sSub>
+                    </m:oMath>
+                  </m:oMathPara>
+                </a14:m>
+                <a:endParaRPr lang="en-US" sz="2000" dirty="0">
+                  <a:solidFill>
+                    <a:schemeClr val="tx1"/>
+                  </a:solidFill>
+                </a:endParaRPr>
+              </a:p>
+            </p:txBody>
+          </p:sp>
+        </mc:Choice>
+        <mc:Fallback>
+          <p:sp>
+            <p:nvSpPr>
+              <p:cNvPr id="3" name="TextBox 2">
+                <a:extLst>
+                  <a:ext uri="{FF2B5EF4-FFF2-40B4-BE49-F238E27FC236}">
+                    <a16:creationId xmlns:a16="http://schemas.microsoft.com/office/drawing/2014/main" id="{6C9C0988-02C9-6EE0-2DA8-EC6887860B37}"/>
+                  </a:ext>
+                </a:extLst>
+              </p:cNvPr>
+              <p:cNvSpPr txBox="1">
+                <a:spLocks noRot="1" noChangeAspect="1" noMove="1" noResize="1" noEditPoints="1" noAdjustHandles="1" noChangeArrowheads="1" noChangeShapeType="1" noTextEdit="1"/>
+              </p:cNvSpPr>
+              <p:nvPr/>
+            </p:nvSpPr>
+            <p:spPr>
+              <a:xfrm>
+                <a:off x="1588956" y="1585063"/>
+                <a:ext cx="498534" cy="400110"/>
+              </a:xfrm>
+              <a:prstGeom prst="rect">
+                <a:avLst/>
+              </a:prstGeom>
+              <a:blipFill>
+                <a:blip r:embed="rId3"/>
+                <a:stretch>
+                  <a:fillRect b="-7576"/>
+                </a:stretch>
+              </a:blipFill>
+            </p:spPr>
+            <p:txBody>
+              <a:bodyPr/>
+              <a:lstStyle/>
+              <a:p>
+                <a:r>
+                  <a:rPr lang="en-US">
+                    <a:noFill/>
+                  </a:rPr>
+                  <a:t> </a:t>
+                </a:r>
+              </a:p>
+            </p:txBody>
+          </p:sp>
+        </mc:Fallback>
+      </mc:AlternateContent>
+      <mc:AlternateContent xmlns:mc="http://schemas.openxmlformats.org/markup-compatibility/2006">
+        <mc:Choice xmlns:a14="http://schemas.microsoft.com/office/drawing/2010/main" Requires="a14">
+          <p:sp>
+            <p:nvSpPr>
+              <p:cNvPr id="11" name="TextBox 10">
+                <a:extLst>
+                  <a:ext uri="{FF2B5EF4-FFF2-40B4-BE49-F238E27FC236}">
+                    <a16:creationId xmlns:a16="http://schemas.microsoft.com/office/drawing/2014/main" id="{393B7EC2-8E53-F6F4-5B80-3506403387DF}"/>
+                  </a:ext>
+                </a:extLst>
+              </p:cNvPr>
+              <p:cNvSpPr txBox="1"/>
+              <p:nvPr/>
+            </p:nvSpPr>
+            <p:spPr>
+              <a:xfrm>
+                <a:off x="1588956" y="2606145"/>
+                <a:ext cx="498534" cy="400110"/>
+              </a:xfrm>
+              <a:prstGeom prst="rect">
+                <a:avLst/>
+              </a:prstGeom>
+              <a:noFill/>
+            </p:spPr>
+            <p:txBody>
+              <a:bodyPr wrap="none" rtlCol="0">
+                <a:spAutoFit/>
+              </a:bodyPr>
+              <a:lstStyle/>
+              <a:p>
+                <a:pPr/>
+                <a14:m>
+                  <m:oMathPara xmlns:m="http://schemas.openxmlformats.org/officeDocument/2006/math">
+                    <m:oMathParaPr>
+                      <m:jc m:val="centerGroup"/>
+                    </m:oMathParaPr>
+                    <m:oMath xmlns:m="http://schemas.openxmlformats.org/officeDocument/2006/math">
+                      <m:sSub>
+                        <m:sSubPr>
+                          <m:ctrlPr>
+                            <a:rPr lang="es-CL" sz="2000" b="0" i="1" smtClean="0">
+                              <a:solidFill>
+                                <a:schemeClr val="tx1"/>
+                              </a:solidFill>
+                              <a:latin typeface="Cambria Math" panose="02040503050406030204" pitchFamily="18" charset="0"/>
+                            </a:rPr>
+                          </m:ctrlPr>
+                        </m:sSubPr>
+                        <m:e>
+                          <m:r>
+                            <a:rPr lang="es-CL" sz="2000" b="0" i="1" smtClean="0">
+                              <a:solidFill>
+                                <a:schemeClr val="tx1"/>
+                              </a:solidFill>
+                              <a:latin typeface="Cambria Math" panose="02040503050406030204" pitchFamily="18" charset="0"/>
+                            </a:rPr>
+                            <m:t>𝑦</m:t>
+                          </m:r>
+                        </m:e>
+                        <m:sub>
+                          <m:r>
+                            <a:rPr lang="es-CL" sz="2000" b="0" i="1" smtClean="0">
+                              <a:solidFill>
+                                <a:schemeClr val="tx1"/>
+                              </a:solidFill>
+                              <a:latin typeface="Cambria Math" panose="02040503050406030204" pitchFamily="18" charset="0"/>
+                            </a:rPr>
+                            <m:t>2</m:t>
+                          </m:r>
+                        </m:sub>
+                      </m:sSub>
+                    </m:oMath>
+                  </m:oMathPara>
+                </a14:m>
+                <a:endParaRPr lang="en-US" sz="2000" dirty="0">
+                  <a:solidFill>
+                    <a:schemeClr val="tx1"/>
+                  </a:solidFill>
+                </a:endParaRPr>
+              </a:p>
+            </p:txBody>
+          </p:sp>
+        </mc:Choice>
+        <mc:Fallback>
+          <p:sp>
+            <p:nvSpPr>
+              <p:cNvPr id="11" name="TextBox 10">
+                <a:extLst>
+                  <a:ext uri="{FF2B5EF4-FFF2-40B4-BE49-F238E27FC236}">
+                    <a16:creationId xmlns:a16="http://schemas.microsoft.com/office/drawing/2014/main" id="{393B7EC2-8E53-F6F4-5B80-3506403387DF}"/>
+                  </a:ext>
+                </a:extLst>
+              </p:cNvPr>
+              <p:cNvSpPr txBox="1">
+                <a:spLocks noRot="1" noChangeAspect="1" noMove="1" noResize="1" noEditPoints="1" noAdjustHandles="1" noChangeArrowheads="1" noChangeShapeType="1" noTextEdit="1"/>
+              </p:cNvSpPr>
+              <p:nvPr/>
+            </p:nvSpPr>
+            <p:spPr>
+              <a:xfrm>
+                <a:off x="1588956" y="2606145"/>
+                <a:ext cx="498534" cy="400110"/>
+              </a:xfrm>
+              <a:prstGeom prst="rect">
+                <a:avLst/>
+              </a:prstGeom>
+              <a:blipFill>
+                <a:blip r:embed="rId4"/>
+                <a:stretch>
+                  <a:fillRect b="-7692"/>
+                </a:stretch>
+              </a:blipFill>
+            </p:spPr>
+            <p:txBody>
+              <a:bodyPr/>
+              <a:lstStyle/>
+              <a:p>
+                <a:r>
+                  <a:rPr lang="en-US">
+                    <a:noFill/>
+                  </a:rPr>
+                  <a:t> </a:t>
+                </a:r>
+              </a:p>
+            </p:txBody>
+          </p:sp>
+        </mc:Fallback>
+      </mc:AlternateContent>
+      <mc:AlternateContent xmlns:mc="http://schemas.openxmlformats.org/markup-compatibility/2006">
+        <mc:Choice xmlns:a14="http://schemas.microsoft.com/office/drawing/2010/main" Requires="a14">
+          <p:sp>
+            <p:nvSpPr>
+              <p:cNvPr id="10" name="TextBox 9">
+                <a:extLst>
+                  <a:ext uri="{FF2B5EF4-FFF2-40B4-BE49-F238E27FC236}">
+                    <a16:creationId xmlns:a16="http://schemas.microsoft.com/office/drawing/2014/main" id="{2B2BDA66-4E3E-9D5B-4355-223E24F21FE2}"/>
+                  </a:ext>
+                </a:extLst>
+              </p:cNvPr>
+              <p:cNvSpPr txBox="1"/>
+              <p:nvPr/>
+            </p:nvSpPr>
+            <p:spPr>
+              <a:xfrm>
+                <a:off x="1588956" y="2094734"/>
+                <a:ext cx="492571" cy="400110"/>
+              </a:xfrm>
+              <a:prstGeom prst="rect">
+                <a:avLst/>
+              </a:prstGeom>
+              <a:noFill/>
+            </p:spPr>
+            <p:txBody>
+              <a:bodyPr wrap="none" rtlCol="0">
+                <a:spAutoFit/>
+              </a:bodyPr>
+              <a:lstStyle/>
+              <a:p>
+                <a:pPr/>
+                <a14:m>
+                  <m:oMathPara xmlns:m="http://schemas.openxmlformats.org/officeDocument/2006/math">
+                    <m:oMathParaPr>
+                      <m:jc m:val="centerGroup"/>
+                    </m:oMathParaPr>
+                    <m:oMath xmlns:m="http://schemas.openxmlformats.org/officeDocument/2006/math">
+                      <m:sSub>
+                        <m:sSubPr>
+                          <m:ctrlPr>
+                            <a:rPr lang="es-CL" sz="2000" b="0" i="1" smtClean="0">
+                              <a:solidFill>
+                                <a:schemeClr val="tx1"/>
+                              </a:solidFill>
+                              <a:latin typeface="Cambria Math" panose="02040503050406030204" pitchFamily="18" charset="0"/>
+                            </a:rPr>
+                          </m:ctrlPr>
+                        </m:sSubPr>
+                        <m:e>
+                          <m:r>
+                            <a:rPr lang="es-CL" sz="2000" b="0" i="1" smtClean="0">
+                              <a:solidFill>
+                                <a:schemeClr val="tx1"/>
+                              </a:solidFill>
+                              <a:latin typeface="Cambria Math" panose="02040503050406030204" pitchFamily="18" charset="0"/>
+                            </a:rPr>
+                            <m:t>𝑦</m:t>
+                          </m:r>
+                        </m:e>
+                        <m:sub>
+                          <m:r>
+                            <a:rPr lang="es-CL" sz="2000" b="0" i="1" smtClean="0">
+                              <a:solidFill>
+                                <a:schemeClr val="tx1"/>
+                              </a:solidFill>
+                              <a:latin typeface="Cambria Math" panose="02040503050406030204" pitchFamily="18" charset="0"/>
+                            </a:rPr>
+                            <m:t>1</m:t>
+                          </m:r>
+                        </m:sub>
+                      </m:sSub>
+                    </m:oMath>
+                  </m:oMathPara>
+                </a14:m>
+                <a:endParaRPr lang="en-US" sz="2000" dirty="0">
+                  <a:solidFill>
+                    <a:schemeClr val="tx1"/>
+                  </a:solidFill>
+                </a:endParaRPr>
+              </a:p>
+            </p:txBody>
+          </p:sp>
+        </mc:Choice>
+        <mc:Fallback>
+          <p:sp>
+            <p:nvSpPr>
+              <p:cNvPr id="10" name="TextBox 9">
+                <a:extLst>
+                  <a:ext uri="{FF2B5EF4-FFF2-40B4-BE49-F238E27FC236}">
+                    <a16:creationId xmlns:a16="http://schemas.microsoft.com/office/drawing/2014/main" id="{2B2BDA66-4E3E-9D5B-4355-223E24F21FE2}"/>
+                  </a:ext>
+                </a:extLst>
+              </p:cNvPr>
+              <p:cNvSpPr txBox="1">
+                <a:spLocks noRot="1" noChangeAspect="1" noMove="1" noResize="1" noEditPoints="1" noAdjustHandles="1" noChangeArrowheads="1" noChangeShapeType="1" noTextEdit="1"/>
+              </p:cNvSpPr>
+              <p:nvPr/>
+            </p:nvSpPr>
+            <p:spPr>
+              <a:xfrm>
+                <a:off x="1588956" y="2094734"/>
+                <a:ext cx="492571" cy="400110"/>
+              </a:xfrm>
+              <a:prstGeom prst="rect">
+                <a:avLst/>
+              </a:prstGeom>
+              <a:blipFill>
+                <a:blip r:embed="rId5"/>
+                <a:stretch>
+                  <a:fillRect b="-7692"/>
+                </a:stretch>
+              </a:blipFill>
+            </p:spPr>
+            <p:txBody>
+              <a:bodyPr/>
+              <a:lstStyle/>
+              <a:p>
+                <a:r>
+                  <a:rPr lang="en-US">
+                    <a:noFill/>
+                  </a:rPr>
+                  <a:t> </a:t>
+                </a:r>
+              </a:p>
+            </p:txBody>
+          </p:sp>
+        </mc:Fallback>
+      </mc:AlternateContent>
+      <mc:AlternateContent xmlns:mc="http://schemas.openxmlformats.org/markup-compatibility/2006">
+        <mc:Choice xmlns:a14="http://schemas.microsoft.com/office/drawing/2010/main" Requires="a14">
+          <p:sp>
+            <p:nvSpPr>
+              <p:cNvPr id="12" name="TextBox 11">
+                <a:extLst>
+                  <a:ext uri="{FF2B5EF4-FFF2-40B4-BE49-F238E27FC236}">
+                    <a16:creationId xmlns:a16="http://schemas.microsoft.com/office/drawing/2014/main" id="{FC8C1AAB-EDEE-6397-3D8F-98FB6FFEBE41}"/>
+                  </a:ext>
+                </a:extLst>
+              </p:cNvPr>
+              <p:cNvSpPr txBox="1"/>
+              <p:nvPr/>
+            </p:nvSpPr>
+            <p:spPr>
+              <a:xfrm>
+                <a:off x="1588955" y="3085534"/>
+                <a:ext cx="498534" cy="400110"/>
+              </a:xfrm>
+              <a:prstGeom prst="rect">
+                <a:avLst/>
+              </a:prstGeom>
+              <a:noFill/>
+            </p:spPr>
+            <p:txBody>
+              <a:bodyPr wrap="none" rtlCol="0">
+                <a:spAutoFit/>
+              </a:bodyPr>
+              <a:lstStyle/>
+              <a:p>
+                <a:pPr/>
+                <a14:m>
+                  <m:oMathPara xmlns:m="http://schemas.openxmlformats.org/officeDocument/2006/math">
+                    <m:oMathParaPr>
+                      <m:jc m:val="centerGroup"/>
+                    </m:oMathParaPr>
+                    <m:oMath xmlns:m="http://schemas.openxmlformats.org/officeDocument/2006/math">
+                      <m:sSub>
+                        <m:sSubPr>
+                          <m:ctrlPr>
+                            <a:rPr lang="es-CL" sz="2000" b="0" i="1" smtClean="0">
+                              <a:solidFill>
+                                <a:schemeClr val="tx1"/>
+                              </a:solidFill>
+                              <a:latin typeface="Cambria Math" panose="02040503050406030204" pitchFamily="18" charset="0"/>
+                            </a:rPr>
+                          </m:ctrlPr>
+                        </m:sSubPr>
+                        <m:e>
+                          <m:r>
+                            <a:rPr lang="es-CL" sz="2000" b="0" i="1" smtClean="0">
+                              <a:solidFill>
+                                <a:schemeClr val="tx1"/>
+                              </a:solidFill>
+                              <a:latin typeface="Cambria Math" panose="02040503050406030204" pitchFamily="18" charset="0"/>
+                            </a:rPr>
+                            <m:t>𝑦</m:t>
+                          </m:r>
+                        </m:e>
+                        <m:sub>
+                          <m:r>
+                            <a:rPr lang="es-CL" sz="2000" b="0" i="1" smtClean="0">
+                              <a:solidFill>
+                                <a:schemeClr val="tx1"/>
+                              </a:solidFill>
+                              <a:latin typeface="Cambria Math" panose="02040503050406030204" pitchFamily="18" charset="0"/>
+                            </a:rPr>
+                            <m:t>3</m:t>
+                          </m:r>
+                        </m:sub>
+                      </m:sSub>
+                    </m:oMath>
+                  </m:oMathPara>
+                </a14:m>
+                <a:endParaRPr lang="en-US" sz="2000" dirty="0">
+                  <a:solidFill>
+                    <a:schemeClr val="tx1"/>
+                  </a:solidFill>
+                </a:endParaRPr>
+              </a:p>
+            </p:txBody>
+          </p:sp>
+        </mc:Choice>
+        <mc:Fallback>
+          <p:sp>
+            <p:nvSpPr>
+              <p:cNvPr id="12" name="TextBox 11">
+                <a:extLst>
+                  <a:ext uri="{FF2B5EF4-FFF2-40B4-BE49-F238E27FC236}">
+                    <a16:creationId xmlns:a16="http://schemas.microsoft.com/office/drawing/2014/main" id="{FC8C1AAB-EDEE-6397-3D8F-98FB6FFEBE41}"/>
+                  </a:ext>
+                </a:extLst>
+              </p:cNvPr>
+              <p:cNvSpPr txBox="1">
+                <a:spLocks noRot="1" noChangeAspect="1" noMove="1" noResize="1" noEditPoints="1" noAdjustHandles="1" noChangeArrowheads="1" noChangeShapeType="1" noTextEdit="1"/>
+              </p:cNvSpPr>
+              <p:nvPr/>
+            </p:nvSpPr>
+            <p:spPr>
+              <a:xfrm>
+                <a:off x="1588955" y="3085534"/>
+                <a:ext cx="498534" cy="400110"/>
+              </a:xfrm>
+              <a:prstGeom prst="rect">
+                <a:avLst/>
+              </a:prstGeom>
+              <a:blipFill>
+                <a:blip r:embed="rId6"/>
+                <a:stretch>
+                  <a:fillRect b="-7576"/>
+                </a:stretch>
+              </a:blipFill>
+            </p:spPr>
+            <p:txBody>
+              <a:bodyPr/>
+              <a:lstStyle/>
+              <a:p>
+                <a:r>
+                  <a:rPr lang="en-US">
+                    <a:noFill/>
+                  </a:rPr>
+                  <a:t> </a:t>
+                </a:r>
+              </a:p>
+            </p:txBody>
+          </p:sp>
+        </mc:Fallback>
+      </mc:AlternateContent>
+      <mc:AlternateContent xmlns:mc="http://schemas.openxmlformats.org/markup-compatibility/2006">
+        <mc:Choice xmlns:a14="http://schemas.microsoft.com/office/drawing/2010/main" Requires="a14">
+          <p:sp>
+            <p:nvSpPr>
+              <p:cNvPr id="13" name="TextBox 12">
+                <a:extLst>
+                  <a:ext uri="{FF2B5EF4-FFF2-40B4-BE49-F238E27FC236}">
+                    <a16:creationId xmlns:a16="http://schemas.microsoft.com/office/drawing/2014/main" id="{0FAECA9B-6C70-1B6E-7B68-FD586883C514}"/>
+                  </a:ext>
+                </a:extLst>
+              </p:cNvPr>
+              <p:cNvSpPr txBox="1"/>
+              <p:nvPr/>
+            </p:nvSpPr>
+            <p:spPr>
+              <a:xfrm>
+                <a:off x="444659" y="1585063"/>
+                <a:ext cx="495777" cy="400110"/>
+              </a:xfrm>
+              <a:prstGeom prst="rect">
+                <a:avLst/>
+              </a:prstGeom>
+              <a:noFill/>
+            </p:spPr>
+            <p:txBody>
+              <a:bodyPr wrap="none" rtlCol="0">
+                <a:spAutoFit/>
+              </a:bodyPr>
+              <a:lstStyle/>
+              <a:p>
+                <a:pPr/>
+                <a14:m>
+                  <m:oMathPara xmlns:m="http://schemas.openxmlformats.org/officeDocument/2006/math">
+                    <m:oMathParaPr>
+                      <m:jc m:val="centerGroup"/>
+                    </m:oMathParaPr>
+                    <m:oMath xmlns:m="http://schemas.openxmlformats.org/officeDocument/2006/math">
+                      <m:sSub>
+                        <m:sSubPr>
+                          <m:ctrlPr>
+                            <a:rPr lang="es-CL" sz="2000" b="0" i="1" smtClean="0">
+                              <a:solidFill>
+                                <a:schemeClr val="tx1"/>
+                              </a:solidFill>
+                              <a:latin typeface="Cambria Math" panose="02040503050406030204" pitchFamily="18" charset="0"/>
+                            </a:rPr>
+                          </m:ctrlPr>
+                        </m:sSubPr>
+                        <m:e>
+                          <m:r>
+                            <a:rPr lang="es-CL" sz="2000" b="0" i="1" smtClean="0">
+                              <a:solidFill>
+                                <a:schemeClr val="tx1"/>
+                              </a:solidFill>
+                              <a:latin typeface="Cambria Math" panose="02040503050406030204" pitchFamily="18" charset="0"/>
+                            </a:rPr>
+                            <m:t>𝑥</m:t>
+                          </m:r>
+                        </m:e>
+                        <m:sub>
+                          <m:r>
+                            <a:rPr lang="es-CL" sz="2000" b="0" i="1" smtClean="0">
+                              <a:solidFill>
+                                <a:schemeClr val="tx1"/>
+                              </a:solidFill>
+                              <a:latin typeface="Cambria Math" panose="02040503050406030204" pitchFamily="18" charset="0"/>
+                            </a:rPr>
+                            <m:t>0</m:t>
+                          </m:r>
+                        </m:sub>
+                      </m:sSub>
+                    </m:oMath>
+                  </m:oMathPara>
+                </a14:m>
+                <a:endParaRPr lang="en-US" sz="2000" dirty="0">
+                  <a:solidFill>
+                    <a:schemeClr val="tx1"/>
+                  </a:solidFill>
+                </a:endParaRPr>
+              </a:p>
+            </p:txBody>
+          </p:sp>
+        </mc:Choice>
+        <mc:Fallback>
+          <p:sp>
+            <p:nvSpPr>
+              <p:cNvPr id="13" name="TextBox 12">
+                <a:extLst>
+                  <a:ext uri="{FF2B5EF4-FFF2-40B4-BE49-F238E27FC236}">
+                    <a16:creationId xmlns:a16="http://schemas.microsoft.com/office/drawing/2014/main" id="{0FAECA9B-6C70-1B6E-7B68-FD586883C514}"/>
+                  </a:ext>
+                </a:extLst>
+              </p:cNvPr>
+              <p:cNvSpPr txBox="1">
+                <a:spLocks noRot="1" noChangeAspect="1" noMove="1" noResize="1" noEditPoints="1" noAdjustHandles="1" noChangeArrowheads="1" noChangeShapeType="1" noTextEdit="1"/>
+              </p:cNvSpPr>
+              <p:nvPr/>
+            </p:nvSpPr>
+            <p:spPr>
+              <a:xfrm>
+                <a:off x="444659" y="1585063"/>
+                <a:ext cx="495777" cy="400110"/>
+              </a:xfrm>
+              <a:prstGeom prst="rect">
+                <a:avLst/>
+              </a:prstGeom>
+              <a:blipFill>
+                <a:blip r:embed="rId7"/>
+                <a:stretch>
+                  <a:fillRect/>
+                </a:stretch>
+              </a:blipFill>
+            </p:spPr>
+            <p:txBody>
+              <a:bodyPr/>
+              <a:lstStyle/>
+              <a:p>
+                <a:r>
+                  <a:rPr lang="en-US">
+                    <a:noFill/>
+                  </a:rPr>
+                  <a:t> </a:t>
+                </a:r>
+              </a:p>
+            </p:txBody>
+          </p:sp>
+        </mc:Fallback>
+      </mc:AlternateContent>
+      <mc:AlternateContent xmlns:mc="http://schemas.openxmlformats.org/markup-compatibility/2006">
+        <mc:Choice xmlns:a14="http://schemas.microsoft.com/office/drawing/2010/main" Requires="a14">
+          <p:sp>
+            <p:nvSpPr>
+              <p:cNvPr id="15" name="TextBox 14">
+                <a:extLst>
+                  <a:ext uri="{FF2B5EF4-FFF2-40B4-BE49-F238E27FC236}">
+                    <a16:creationId xmlns:a16="http://schemas.microsoft.com/office/drawing/2014/main" id="{4BF2D250-DC94-2296-FB31-5E0CC50C16C5}"/>
+                  </a:ext>
+                </a:extLst>
+              </p:cNvPr>
+              <p:cNvSpPr txBox="1"/>
+              <p:nvPr/>
+            </p:nvSpPr>
+            <p:spPr>
+              <a:xfrm>
+                <a:off x="444659" y="2606145"/>
+                <a:ext cx="495777" cy="400110"/>
+              </a:xfrm>
+              <a:prstGeom prst="rect">
+                <a:avLst/>
+              </a:prstGeom>
+              <a:noFill/>
+            </p:spPr>
+            <p:txBody>
+              <a:bodyPr wrap="none" rtlCol="0">
+                <a:spAutoFit/>
+              </a:bodyPr>
+              <a:lstStyle/>
+              <a:p>
+                <a:pPr/>
+                <a14:m>
+                  <m:oMathPara xmlns:m="http://schemas.openxmlformats.org/officeDocument/2006/math">
+                    <m:oMathParaPr>
+                      <m:jc m:val="centerGroup"/>
+                    </m:oMathParaPr>
+                    <m:oMath xmlns:m="http://schemas.openxmlformats.org/officeDocument/2006/math">
+                      <m:sSub>
+                        <m:sSubPr>
+                          <m:ctrlPr>
+                            <a:rPr lang="es-CL" sz="2000" b="0" i="1" smtClean="0">
+                              <a:solidFill>
+                                <a:schemeClr val="tx1"/>
+                              </a:solidFill>
+                              <a:latin typeface="Cambria Math" panose="02040503050406030204" pitchFamily="18" charset="0"/>
+                            </a:rPr>
+                          </m:ctrlPr>
+                        </m:sSubPr>
+                        <m:e>
+                          <m:r>
+                            <a:rPr lang="es-CL" sz="2000" b="0" i="1" smtClean="0">
+                              <a:solidFill>
+                                <a:schemeClr val="tx1"/>
+                              </a:solidFill>
+                              <a:latin typeface="Cambria Math" panose="02040503050406030204" pitchFamily="18" charset="0"/>
+                            </a:rPr>
+                            <m:t>𝑥</m:t>
+                          </m:r>
+                        </m:e>
+                        <m:sub>
+                          <m:r>
+                            <a:rPr lang="es-CL" sz="2000" b="0" i="1" smtClean="0">
+                              <a:solidFill>
+                                <a:schemeClr val="tx1"/>
+                              </a:solidFill>
+                              <a:latin typeface="Cambria Math" panose="02040503050406030204" pitchFamily="18" charset="0"/>
+                            </a:rPr>
+                            <m:t>2</m:t>
+                          </m:r>
+                        </m:sub>
+                      </m:sSub>
+                    </m:oMath>
+                  </m:oMathPara>
+                </a14:m>
+                <a:endParaRPr lang="en-US" sz="2000" dirty="0">
+                  <a:solidFill>
+                    <a:schemeClr val="tx1"/>
+                  </a:solidFill>
+                </a:endParaRPr>
+              </a:p>
+            </p:txBody>
+          </p:sp>
+        </mc:Choice>
+        <mc:Fallback>
+          <p:sp>
+            <p:nvSpPr>
+              <p:cNvPr id="15" name="TextBox 14">
+                <a:extLst>
+                  <a:ext uri="{FF2B5EF4-FFF2-40B4-BE49-F238E27FC236}">
+                    <a16:creationId xmlns:a16="http://schemas.microsoft.com/office/drawing/2014/main" id="{4BF2D250-DC94-2296-FB31-5E0CC50C16C5}"/>
+                  </a:ext>
+                </a:extLst>
+              </p:cNvPr>
+              <p:cNvSpPr txBox="1">
+                <a:spLocks noRot="1" noChangeAspect="1" noMove="1" noResize="1" noEditPoints="1" noAdjustHandles="1" noChangeArrowheads="1" noChangeShapeType="1" noTextEdit="1"/>
+              </p:cNvSpPr>
+              <p:nvPr/>
+            </p:nvSpPr>
+            <p:spPr>
+              <a:xfrm>
+                <a:off x="444659" y="2606145"/>
+                <a:ext cx="495777" cy="400110"/>
+              </a:xfrm>
+              <a:prstGeom prst="rect">
+                <a:avLst/>
+              </a:prstGeom>
+              <a:blipFill>
+                <a:blip r:embed="rId8"/>
+                <a:stretch>
+                  <a:fillRect b="-1538"/>
+                </a:stretch>
+              </a:blipFill>
+            </p:spPr>
+            <p:txBody>
+              <a:bodyPr/>
+              <a:lstStyle/>
+              <a:p>
+                <a:r>
+                  <a:rPr lang="en-US">
+                    <a:noFill/>
+                  </a:rPr>
+                  <a:t> </a:t>
+                </a:r>
+              </a:p>
+            </p:txBody>
+          </p:sp>
+        </mc:Fallback>
+      </mc:AlternateContent>
+      <mc:AlternateContent xmlns:mc="http://schemas.openxmlformats.org/markup-compatibility/2006">
+        <mc:Choice xmlns:a14="http://schemas.microsoft.com/office/drawing/2010/main" Requires="a14">
+          <p:sp>
+            <p:nvSpPr>
+              <p:cNvPr id="14" name="TextBox 13">
+                <a:extLst>
+                  <a:ext uri="{FF2B5EF4-FFF2-40B4-BE49-F238E27FC236}">
+                    <a16:creationId xmlns:a16="http://schemas.microsoft.com/office/drawing/2014/main" id="{B6552CDF-06AF-3371-1FE9-3F90F296C477}"/>
+                  </a:ext>
+                </a:extLst>
+              </p:cNvPr>
+              <p:cNvSpPr txBox="1"/>
+              <p:nvPr/>
+            </p:nvSpPr>
+            <p:spPr>
+              <a:xfrm>
+                <a:off x="444659" y="2094734"/>
+                <a:ext cx="489814" cy="400110"/>
+              </a:xfrm>
+              <a:prstGeom prst="rect">
+                <a:avLst/>
+              </a:prstGeom>
+              <a:noFill/>
+            </p:spPr>
+            <p:txBody>
+              <a:bodyPr wrap="none" rtlCol="0">
+                <a:spAutoFit/>
+              </a:bodyPr>
+              <a:lstStyle/>
+              <a:p>
+                <a:pPr/>
+                <a14:m>
+                  <m:oMathPara xmlns:m="http://schemas.openxmlformats.org/officeDocument/2006/math">
+                    <m:oMathParaPr>
+                      <m:jc m:val="centerGroup"/>
+                    </m:oMathParaPr>
+                    <m:oMath xmlns:m="http://schemas.openxmlformats.org/officeDocument/2006/math">
+                      <m:sSub>
+                        <m:sSubPr>
+                          <m:ctrlPr>
+                            <a:rPr lang="es-CL" sz="2000" b="0" i="1" smtClean="0">
+                              <a:solidFill>
+                                <a:schemeClr val="tx1"/>
+                              </a:solidFill>
+                              <a:latin typeface="Cambria Math" panose="02040503050406030204" pitchFamily="18" charset="0"/>
+                            </a:rPr>
+                          </m:ctrlPr>
+                        </m:sSubPr>
+                        <m:e>
+                          <m:r>
+                            <a:rPr lang="es-CL" sz="2000" b="0" i="1" smtClean="0">
+                              <a:solidFill>
+                                <a:schemeClr val="tx1"/>
+                              </a:solidFill>
+                              <a:latin typeface="Cambria Math" panose="02040503050406030204" pitchFamily="18" charset="0"/>
+                            </a:rPr>
+                            <m:t>𝑥</m:t>
+                          </m:r>
+                        </m:e>
+                        <m:sub>
+                          <m:r>
+                            <a:rPr lang="es-CL" sz="2000" b="0" i="1" smtClean="0">
+                              <a:solidFill>
+                                <a:schemeClr val="tx1"/>
+                              </a:solidFill>
+                              <a:latin typeface="Cambria Math" panose="02040503050406030204" pitchFamily="18" charset="0"/>
+                            </a:rPr>
+                            <m:t>1</m:t>
+                          </m:r>
+                        </m:sub>
+                      </m:sSub>
+                    </m:oMath>
+                  </m:oMathPara>
+                </a14:m>
+                <a:endParaRPr lang="en-US" sz="2000" dirty="0">
+                  <a:solidFill>
+                    <a:schemeClr val="tx1"/>
+                  </a:solidFill>
+                </a:endParaRPr>
+              </a:p>
+            </p:txBody>
+          </p:sp>
+        </mc:Choice>
+        <mc:Fallback>
+          <p:sp>
+            <p:nvSpPr>
+              <p:cNvPr id="14" name="TextBox 13">
+                <a:extLst>
+                  <a:ext uri="{FF2B5EF4-FFF2-40B4-BE49-F238E27FC236}">
+                    <a16:creationId xmlns:a16="http://schemas.microsoft.com/office/drawing/2014/main" id="{B6552CDF-06AF-3371-1FE9-3F90F296C477}"/>
+                  </a:ext>
+                </a:extLst>
+              </p:cNvPr>
+              <p:cNvSpPr txBox="1">
+                <a:spLocks noRot="1" noChangeAspect="1" noMove="1" noResize="1" noEditPoints="1" noAdjustHandles="1" noChangeArrowheads="1" noChangeShapeType="1" noTextEdit="1"/>
+              </p:cNvSpPr>
+              <p:nvPr/>
+            </p:nvSpPr>
+            <p:spPr>
+              <a:xfrm>
+                <a:off x="444659" y="2094734"/>
+                <a:ext cx="489814" cy="400110"/>
+              </a:xfrm>
+              <a:prstGeom prst="rect">
+                <a:avLst/>
+              </a:prstGeom>
+              <a:blipFill>
+                <a:blip r:embed="rId9"/>
+                <a:stretch>
+                  <a:fillRect/>
+                </a:stretch>
+              </a:blipFill>
+            </p:spPr>
+            <p:txBody>
+              <a:bodyPr/>
+              <a:lstStyle/>
+              <a:p>
+                <a:r>
+                  <a:rPr lang="en-US">
+                    <a:noFill/>
+                  </a:rPr>
+                  <a:t> </a:t>
+                </a:r>
+              </a:p>
+            </p:txBody>
+          </p:sp>
+        </mc:Fallback>
+      </mc:AlternateContent>
+      <mc:AlternateContent xmlns:mc="http://schemas.openxmlformats.org/markup-compatibility/2006">
+        <mc:Choice xmlns:a14="http://schemas.microsoft.com/office/drawing/2010/main" Requires="a14">
+          <p:sp>
+            <p:nvSpPr>
+              <p:cNvPr id="16" name="TextBox 15">
+                <a:extLst>
+                  <a:ext uri="{FF2B5EF4-FFF2-40B4-BE49-F238E27FC236}">
+                    <a16:creationId xmlns:a16="http://schemas.microsoft.com/office/drawing/2014/main" id="{E0326E85-CAEB-42B2-70F0-A83B623FC971}"/>
+                  </a:ext>
+                </a:extLst>
+              </p:cNvPr>
+              <p:cNvSpPr txBox="1"/>
+              <p:nvPr/>
+            </p:nvSpPr>
+            <p:spPr>
+              <a:xfrm>
+                <a:off x="444658" y="3085534"/>
+                <a:ext cx="495777" cy="400110"/>
+              </a:xfrm>
+              <a:prstGeom prst="rect">
+                <a:avLst/>
+              </a:prstGeom>
+              <a:noFill/>
+            </p:spPr>
+            <p:txBody>
+              <a:bodyPr wrap="none" rtlCol="0">
+                <a:spAutoFit/>
+              </a:bodyPr>
+              <a:lstStyle/>
+              <a:p>
+                <a:pPr/>
+                <a14:m>
+                  <m:oMathPara xmlns:m="http://schemas.openxmlformats.org/officeDocument/2006/math">
+                    <m:oMathParaPr>
+                      <m:jc m:val="centerGroup"/>
+                    </m:oMathParaPr>
+                    <m:oMath xmlns:m="http://schemas.openxmlformats.org/officeDocument/2006/math">
+                      <m:sSub>
+                        <m:sSubPr>
+                          <m:ctrlPr>
+                            <a:rPr lang="es-CL" sz="2000" b="0" i="1" smtClean="0">
+                              <a:solidFill>
+                                <a:schemeClr val="tx1"/>
+                              </a:solidFill>
+                              <a:latin typeface="Cambria Math" panose="02040503050406030204" pitchFamily="18" charset="0"/>
+                            </a:rPr>
+                          </m:ctrlPr>
+                        </m:sSubPr>
+                        <m:e>
+                          <m:r>
+                            <a:rPr lang="es-CL" sz="2000" b="0" i="1" smtClean="0">
+                              <a:solidFill>
+                                <a:schemeClr val="tx1"/>
+                              </a:solidFill>
+                              <a:latin typeface="Cambria Math" panose="02040503050406030204" pitchFamily="18" charset="0"/>
+                            </a:rPr>
+                            <m:t>𝑥</m:t>
+                          </m:r>
+                        </m:e>
+                        <m:sub>
+                          <m:r>
+                            <a:rPr lang="es-CL" sz="2000" b="0" i="1" smtClean="0">
+                              <a:solidFill>
+                                <a:schemeClr val="tx1"/>
+                              </a:solidFill>
+                              <a:latin typeface="Cambria Math" panose="02040503050406030204" pitchFamily="18" charset="0"/>
+                            </a:rPr>
+                            <m:t>3</m:t>
+                          </m:r>
+                        </m:sub>
+                      </m:sSub>
+                    </m:oMath>
+                  </m:oMathPara>
+                </a14:m>
+                <a:endParaRPr lang="en-US" sz="2000" dirty="0">
+                  <a:solidFill>
+                    <a:schemeClr val="tx1"/>
+                  </a:solidFill>
+                </a:endParaRPr>
+              </a:p>
+            </p:txBody>
+          </p:sp>
+        </mc:Choice>
+        <mc:Fallback>
+          <p:sp>
+            <p:nvSpPr>
+              <p:cNvPr id="16" name="TextBox 15">
+                <a:extLst>
+                  <a:ext uri="{FF2B5EF4-FFF2-40B4-BE49-F238E27FC236}">
+                    <a16:creationId xmlns:a16="http://schemas.microsoft.com/office/drawing/2014/main" id="{E0326E85-CAEB-42B2-70F0-A83B623FC971}"/>
+                  </a:ext>
+                </a:extLst>
+              </p:cNvPr>
+              <p:cNvSpPr txBox="1">
+                <a:spLocks noRot="1" noChangeAspect="1" noMove="1" noResize="1" noEditPoints="1" noAdjustHandles="1" noChangeArrowheads="1" noChangeShapeType="1" noTextEdit="1"/>
+              </p:cNvSpPr>
+              <p:nvPr/>
+            </p:nvSpPr>
+            <p:spPr>
+              <a:xfrm>
+                <a:off x="444658" y="3085534"/>
+                <a:ext cx="495777" cy="400110"/>
+              </a:xfrm>
+              <a:prstGeom prst="rect">
+                <a:avLst/>
+              </a:prstGeom>
+              <a:blipFill>
+                <a:blip r:embed="rId10"/>
+                <a:stretch>
+                  <a:fillRect/>
+                </a:stretch>
+              </a:blipFill>
+            </p:spPr>
+            <p:txBody>
+              <a:bodyPr/>
+              <a:lstStyle/>
+              <a:p>
+                <a:r>
+                  <a:rPr lang="en-US">
+                    <a:noFill/>
+                  </a:rPr>
+                  <a:t> </a:t>
+                </a:r>
+              </a:p>
+            </p:txBody>
+          </p:sp>
+        </mc:Fallback>
+      </mc:AlternateContent>
+      <mc:AlternateContent xmlns:mc="http://schemas.openxmlformats.org/markup-compatibility/2006">
+        <mc:Choice xmlns:a14="http://schemas.microsoft.com/office/drawing/2010/main" Requires="a14">
+          <p:sp>
+            <p:nvSpPr>
+              <p:cNvPr id="17" name="TextBox 16">
+                <a:extLst>
+                  <a:ext uri="{FF2B5EF4-FFF2-40B4-BE49-F238E27FC236}">
+                    <a16:creationId xmlns:a16="http://schemas.microsoft.com/office/drawing/2014/main" id="{038EDD40-EDC6-CD6D-9A5C-B5333C56E276}"/>
+                  </a:ext>
+                </a:extLst>
+              </p:cNvPr>
+              <p:cNvSpPr txBox="1"/>
+              <p:nvPr/>
+            </p:nvSpPr>
+            <p:spPr>
+              <a:xfrm>
+                <a:off x="3927206" y="1585063"/>
+                <a:ext cx="1166986" cy="400110"/>
+              </a:xfrm>
+              <a:prstGeom prst="rect">
+                <a:avLst/>
+              </a:prstGeom>
+              <a:noFill/>
+            </p:spPr>
+            <p:txBody>
+              <a:bodyPr wrap="none" rtlCol="0">
+                <a:spAutoFit/>
+              </a:bodyPr>
+              <a:lstStyle/>
+              <a:p>
+                <a:pPr/>
+                <a14:m>
+                  <m:oMathPara xmlns:m="http://schemas.openxmlformats.org/officeDocument/2006/math">
+                    <m:oMathParaPr>
+                      <m:jc m:val="centerGroup"/>
+                    </m:oMathParaPr>
+                    <m:oMath xmlns:m="http://schemas.openxmlformats.org/officeDocument/2006/math">
+                      <m:sSub>
+                        <m:sSubPr>
+                          <m:ctrlPr>
+                            <a:rPr lang="es-CL" sz="2000" b="0" i="1" smtClean="0">
+                              <a:solidFill>
+                                <a:schemeClr val="tx1"/>
+                              </a:solidFill>
+                              <a:latin typeface="Cambria Math" panose="02040503050406030204" pitchFamily="18" charset="0"/>
+                            </a:rPr>
+                          </m:ctrlPr>
+                        </m:sSubPr>
+                        <m:e>
+                          <m:r>
+                            <a:rPr lang="es-CL" sz="2000" b="0" i="1" smtClean="0">
+                              <a:solidFill>
+                                <a:schemeClr val="tx1"/>
+                              </a:solidFill>
+                              <a:latin typeface="Cambria Math" panose="02040503050406030204" pitchFamily="18" charset="0"/>
+                            </a:rPr>
+                            <m:t>𝑓</m:t>
+                          </m:r>
+                        </m:e>
+                        <m:sub>
+                          <m:r>
+                            <a:rPr lang="es-CL" sz="2000" b="0" i="1" smtClean="0">
+                              <a:solidFill>
+                                <a:schemeClr val="tx1"/>
+                              </a:solidFill>
+                              <a:latin typeface="Cambria Math" panose="02040503050406030204" pitchFamily="18" charset="0"/>
+                            </a:rPr>
+                            <m:t> </m:t>
+                          </m:r>
+                        </m:sub>
+                      </m:sSub>
+                      <m:d>
+                        <m:dPr>
+                          <m:begChr m:val="["/>
+                          <m:endChr m:val="]"/>
+                          <m:ctrlPr>
+                            <a:rPr lang="es-CL" sz="2000" b="0" i="1" smtClean="0">
+                              <a:solidFill>
+                                <a:schemeClr val="tx1"/>
+                              </a:solidFill>
+                              <a:latin typeface="Cambria Math" panose="02040503050406030204" pitchFamily="18" charset="0"/>
+                            </a:rPr>
+                          </m:ctrlPr>
+                        </m:dPr>
+                        <m:e>
+                          <m:sSub>
+                            <m:sSubPr>
+                              <m:ctrlPr>
+                                <a:rPr lang="es-CL" sz="2000" b="0" i="1" smtClean="0">
+                                  <a:solidFill>
+                                    <a:schemeClr val="tx1"/>
+                                  </a:solidFill>
+                                  <a:latin typeface="Cambria Math" panose="02040503050406030204" pitchFamily="18" charset="0"/>
+                                </a:rPr>
+                              </m:ctrlPr>
+                            </m:sSubPr>
+                            <m:e>
+                              <m:r>
+                                <a:rPr lang="es-CL" sz="2000" b="0" i="1" smtClean="0">
+                                  <a:solidFill>
+                                    <a:schemeClr val="tx1"/>
+                                  </a:solidFill>
+                                  <a:latin typeface="Cambria Math" panose="02040503050406030204" pitchFamily="18" charset="0"/>
+                                </a:rPr>
+                                <m:t>𝑥</m:t>
+                              </m:r>
+                            </m:e>
+                            <m:sub>
+                              <m:r>
+                                <a:rPr lang="es-CL" sz="2000" b="0" i="1" smtClean="0">
+                                  <a:solidFill>
+                                    <a:schemeClr val="tx1"/>
+                                  </a:solidFill>
+                                  <a:latin typeface="Cambria Math" panose="02040503050406030204" pitchFamily="18" charset="0"/>
+                                </a:rPr>
+                                <m:t>1</m:t>
+                              </m:r>
+                            </m:sub>
+                          </m:sSub>
+                          <m:r>
+                            <a:rPr lang="es-CL" sz="2000" b="0" i="1" smtClean="0">
+                              <a:solidFill>
+                                <a:schemeClr val="tx1"/>
+                              </a:solidFill>
+                              <a:latin typeface="Cambria Math" panose="02040503050406030204" pitchFamily="18" charset="0"/>
+                            </a:rPr>
+                            <m:t>,</m:t>
+                          </m:r>
+                          <m:sSub>
+                            <m:sSubPr>
+                              <m:ctrlPr>
+                                <a:rPr lang="es-CL" sz="2000" b="0" i="1" smtClean="0">
+                                  <a:solidFill>
+                                    <a:schemeClr val="tx1"/>
+                                  </a:solidFill>
+                                  <a:latin typeface="Cambria Math" panose="02040503050406030204" pitchFamily="18" charset="0"/>
+                                </a:rPr>
+                              </m:ctrlPr>
+                            </m:sSubPr>
+                            <m:e>
+                              <m:r>
+                                <a:rPr lang="es-CL" sz="2000" b="0" i="1" smtClean="0">
+                                  <a:solidFill>
+                                    <a:schemeClr val="tx1"/>
+                                  </a:solidFill>
+                                  <a:latin typeface="Cambria Math" panose="02040503050406030204" pitchFamily="18" charset="0"/>
+                                </a:rPr>
+                                <m:t>𝑥</m:t>
+                              </m:r>
+                            </m:e>
+                            <m:sub>
+                              <m:r>
+                                <a:rPr lang="es-CL" sz="2000" b="0" i="1" smtClean="0">
+                                  <a:solidFill>
+                                    <a:schemeClr val="tx1"/>
+                                  </a:solidFill>
+                                  <a:latin typeface="Cambria Math" panose="02040503050406030204" pitchFamily="18" charset="0"/>
+                                </a:rPr>
+                                <m:t>0</m:t>
+                              </m:r>
+                            </m:sub>
+                          </m:sSub>
+                        </m:e>
+                      </m:d>
+                    </m:oMath>
+                  </m:oMathPara>
+                </a14:m>
+                <a:endParaRPr lang="en-US" sz="2000" dirty="0">
+                  <a:solidFill>
+                    <a:schemeClr val="tx1"/>
+                  </a:solidFill>
+                </a:endParaRPr>
+              </a:p>
+            </p:txBody>
+          </p:sp>
+        </mc:Choice>
+        <mc:Fallback>
+          <p:sp>
+            <p:nvSpPr>
+              <p:cNvPr id="17" name="TextBox 16">
+                <a:extLst>
+                  <a:ext uri="{FF2B5EF4-FFF2-40B4-BE49-F238E27FC236}">
+                    <a16:creationId xmlns:a16="http://schemas.microsoft.com/office/drawing/2014/main" id="{038EDD40-EDC6-CD6D-9A5C-B5333C56E276}"/>
+                  </a:ext>
+                </a:extLst>
+              </p:cNvPr>
+              <p:cNvSpPr txBox="1">
+                <a:spLocks noRot="1" noChangeAspect="1" noMove="1" noResize="1" noEditPoints="1" noAdjustHandles="1" noChangeArrowheads="1" noChangeShapeType="1" noTextEdit="1"/>
+              </p:cNvSpPr>
+              <p:nvPr/>
+            </p:nvSpPr>
+            <p:spPr>
+              <a:xfrm>
+                <a:off x="3927206" y="1585063"/>
+                <a:ext cx="1166986" cy="400110"/>
+              </a:xfrm>
+              <a:prstGeom prst="rect">
+                <a:avLst/>
+              </a:prstGeom>
+              <a:blipFill>
+                <a:blip r:embed="rId11"/>
+                <a:stretch>
+                  <a:fillRect b="-13636"/>
+                </a:stretch>
+              </a:blipFill>
+            </p:spPr>
+            <p:txBody>
+              <a:bodyPr/>
+              <a:lstStyle/>
+              <a:p>
+                <a:r>
+                  <a:rPr lang="en-US">
+                    <a:noFill/>
+                  </a:rPr>
+                  <a:t> </a:t>
+                </a:r>
+              </a:p>
+            </p:txBody>
+          </p:sp>
+        </mc:Fallback>
+      </mc:AlternateContent>
+      <mc:AlternateContent xmlns:mc="http://schemas.openxmlformats.org/markup-compatibility/2006">
+        <mc:Choice xmlns:a14="http://schemas.microsoft.com/office/drawing/2010/main" Requires="a14">
+          <p:sp>
+            <p:nvSpPr>
+              <p:cNvPr id="19" name="TextBox 18">
+                <a:extLst>
+                  <a:ext uri="{FF2B5EF4-FFF2-40B4-BE49-F238E27FC236}">
+                    <a16:creationId xmlns:a16="http://schemas.microsoft.com/office/drawing/2014/main" id="{37AE1870-CEEF-55C8-F2A6-244EE17F0291}"/>
+                  </a:ext>
+                </a:extLst>
+              </p:cNvPr>
+              <p:cNvSpPr txBox="1"/>
+              <p:nvPr/>
+            </p:nvSpPr>
+            <p:spPr>
+              <a:xfrm>
+                <a:off x="3927206" y="2606145"/>
+                <a:ext cx="1166986" cy="400110"/>
+              </a:xfrm>
+              <a:prstGeom prst="rect">
+                <a:avLst/>
+              </a:prstGeom>
+              <a:noFill/>
+            </p:spPr>
+            <p:txBody>
+              <a:bodyPr wrap="none" rtlCol="0">
+                <a:spAutoFit/>
+              </a:bodyPr>
+              <a:lstStyle/>
+              <a:p>
+                <a:pPr/>
+                <a14:m>
+                  <m:oMathPara xmlns:m="http://schemas.openxmlformats.org/officeDocument/2006/math">
+                    <m:oMathParaPr>
+                      <m:jc m:val="centerGroup"/>
+                    </m:oMathParaPr>
+                    <m:oMath xmlns:m="http://schemas.openxmlformats.org/officeDocument/2006/math">
+                      <m:sSub>
+                        <m:sSubPr>
+                          <m:ctrlPr>
+                            <a:rPr lang="es-CL" sz="2000" b="0" i="1" smtClean="0">
+                              <a:solidFill>
+                                <a:schemeClr val="tx1"/>
+                              </a:solidFill>
+                              <a:latin typeface="Cambria Math" panose="02040503050406030204" pitchFamily="18" charset="0"/>
+                            </a:rPr>
+                          </m:ctrlPr>
+                        </m:sSubPr>
+                        <m:e>
+                          <m:r>
+                            <a:rPr lang="es-CL" sz="2000" b="0" i="1" smtClean="0">
+                              <a:solidFill>
+                                <a:schemeClr val="tx1"/>
+                              </a:solidFill>
+                              <a:latin typeface="Cambria Math" panose="02040503050406030204" pitchFamily="18" charset="0"/>
+                            </a:rPr>
+                            <m:t>𝑓</m:t>
+                          </m:r>
+                        </m:e>
+                        <m:sub>
+                          <m:r>
+                            <a:rPr lang="es-CL" sz="2000" b="0" i="1" smtClean="0">
+                              <a:solidFill>
+                                <a:schemeClr val="tx1"/>
+                              </a:solidFill>
+                              <a:latin typeface="Cambria Math" panose="02040503050406030204" pitchFamily="18" charset="0"/>
+                            </a:rPr>
+                            <m:t> </m:t>
+                          </m:r>
+                        </m:sub>
+                      </m:sSub>
+                      <m:d>
+                        <m:dPr>
+                          <m:begChr m:val="["/>
+                          <m:endChr m:val="]"/>
+                          <m:ctrlPr>
+                            <a:rPr lang="es-CL" sz="2000" b="0" i="1" smtClean="0">
+                              <a:solidFill>
+                                <a:schemeClr val="tx1"/>
+                              </a:solidFill>
+                              <a:latin typeface="Cambria Math" panose="02040503050406030204" pitchFamily="18" charset="0"/>
+                            </a:rPr>
+                          </m:ctrlPr>
+                        </m:dPr>
+                        <m:e>
+                          <m:sSub>
+                            <m:sSubPr>
+                              <m:ctrlPr>
+                                <a:rPr lang="es-CL" sz="2000" b="0" i="1" smtClean="0">
+                                  <a:solidFill>
+                                    <a:schemeClr val="tx1"/>
+                                  </a:solidFill>
+                                  <a:latin typeface="Cambria Math" panose="02040503050406030204" pitchFamily="18" charset="0"/>
+                                </a:rPr>
+                              </m:ctrlPr>
+                            </m:sSubPr>
+                            <m:e>
+                              <m:r>
+                                <a:rPr lang="es-CL" sz="2000" b="0" i="1" smtClean="0">
+                                  <a:solidFill>
+                                    <a:schemeClr val="tx1"/>
+                                  </a:solidFill>
+                                  <a:latin typeface="Cambria Math" panose="02040503050406030204" pitchFamily="18" charset="0"/>
+                                </a:rPr>
+                                <m:t>𝑥</m:t>
+                              </m:r>
+                            </m:e>
+                            <m:sub>
+                              <m:r>
+                                <a:rPr lang="es-CL" sz="2000" b="0" i="1" smtClean="0">
+                                  <a:solidFill>
+                                    <a:schemeClr val="tx1"/>
+                                  </a:solidFill>
+                                  <a:latin typeface="Cambria Math" panose="02040503050406030204" pitchFamily="18" charset="0"/>
+                                </a:rPr>
+                                <m:t>3</m:t>
+                              </m:r>
+                            </m:sub>
+                          </m:sSub>
+                          <m:r>
+                            <a:rPr lang="es-CL" sz="2000" b="0" i="1" smtClean="0">
+                              <a:solidFill>
+                                <a:schemeClr val="tx1"/>
+                              </a:solidFill>
+                              <a:latin typeface="Cambria Math" panose="02040503050406030204" pitchFamily="18" charset="0"/>
+                            </a:rPr>
+                            <m:t>,</m:t>
+                          </m:r>
+                          <m:sSub>
+                            <m:sSubPr>
+                              <m:ctrlPr>
+                                <a:rPr lang="es-CL" sz="2000" b="0" i="1" smtClean="0">
+                                  <a:solidFill>
+                                    <a:schemeClr val="tx1"/>
+                                  </a:solidFill>
+                                  <a:latin typeface="Cambria Math" panose="02040503050406030204" pitchFamily="18" charset="0"/>
+                                </a:rPr>
+                              </m:ctrlPr>
+                            </m:sSubPr>
+                            <m:e>
+                              <m:r>
+                                <a:rPr lang="es-CL" sz="2000" b="0" i="1" smtClean="0">
+                                  <a:solidFill>
+                                    <a:schemeClr val="tx1"/>
+                                  </a:solidFill>
+                                  <a:latin typeface="Cambria Math" panose="02040503050406030204" pitchFamily="18" charset="0"/>
+                                </a:rPr>
+                                <m:t>𝑥</m:t>
+                              </m:r>
+                            </m:e>
+                            <m:sub>
+                              <m:r>
+                                <a:rPr lang="es-CL" sz="2000" b="0" i="1" smtClean="0">
+                                  <a:solidFill>
+                                    <a:schemeClr val="tx1"/>
+                                  </a:solidFill>
+                                  <a:latin typeface="Cambria Math" panose="02040503050406030204" pitchFamily="18" charset="0"/>
+                                </a:rPr>
+                                <m:t>2</m:t>
+                              </m:r>
+                            </m:sub>
+                          </m:sSub>
+                        </m:e>
+                      </m:d>
+                    </m:oMath>
+                  </m:oMathPara>
+                </a14:m>
+                <a:endParaRPr lang="en-US" sz="2000" dirty="0">
+                  <a:solidFill>
+                    <a:schemeClr val="tx1"/>
+                  </a:solidFill>
+                </a:endParaRPr>
+              </a:p>
+            </p:txBody>
+          </p:sp>
+        </mc:Choice>
+        <mc:Fallback>
+          <p:sp>
+            <p:nvSpPr>
+              <p:cNvPr id="19" name="TextBox 18">
+                <a:extLst>
+                  <a:ext uri="{FF2B5EF4-FFF2-40B4-BE49-F238E27FC236}">
+                    <a16:creationId xmlns:a16="http://schemas.microsoft.com/office/drawing/2014/main" id="{37AE1870-CEEF-55C8-F2A6-244EE17F0291}"/>
+                  </a:ext>
+                </a:extLst>
+              </p:cNvPr>
+              <p:cNvSpPr txBox="1">
+                <a:spLocks noRot="1" noChangeAspect="1" noMove="1" noResize="1" noEditPoints="1" noAdjustHandles="1" noChangeArrowheads="1" noChangeShapeType="1" noTextEdit="1"/>
+              </p:cNvSpPr>
+              <p:nvPr/>
+            </p:nvSpPr>
+            <p:spPr>
+              <a:xfrm>
+                <a:off x="3927206" y="2606145"/>
+                <a:ext cx="1166986" cy="400110"/>
+              </a:xfrm>
+              <a:prstGeom prst="rect">
+                <a:avLst/>
+              </a:prstGeom>
+              <a:blipFill>
+                <a:blip r:embed="rId12"/>
+                <a:stretch>
+                  <a:fillRect b="-15385"/>
+                </a:stretch>
+              </a:blipFill>
+            </p:spPr>
+            <p:txBody>
+              <a:bodyPr/>
+              <a:lstStyle/>
+              <a:p>
+                <a:r>
+                  <a:rPr lang="en-US">
+                    <a:noFill/>
+                  </a:rPr>
+                  <a:t> </a:t>
+                </a:r>
+              </a:p>
+            </p:txBody>
+          </p:sp>
+        </mc:Fallback>
+      </mc:AlternateContent>
+      <mc:AlternateContent xmlns:mc="http://schemas.openxmlformats.org/markup-compatibility/2006">
+        <mc:Choice xmlns:a14="http://schemas.microsoft.com/office/drawing/2010/main" Requires="a14">
+          <p:sp>
+            <p:nvSpPr>
+              <p:cNvPr id="18" name="TextBox 17">
+                <a:extLst>
+                  <a:ext uri="{FF2B5EF4-FFF2-40B4-BE49-F238E27FC236}">
+                    <a16:creationId xmlns:a16="http://schemas.microsoft.com/office/drawing/2014/main" id="{972FC666-809D-A660-41DF-16BDF2E5D7FF}"/>
+                  </a:ext>
+                </a:extLst>
+              </p:cNvPr>
+              <p:cNvSpPr txBox="1"/>
+              <p:nvPr/>
+            </p:nvSpPr>
+            <p:spPr>
+              <a:xfrm>
+                <a:off x="3927206" y="2094734"/>
+                <a:ext cx="1166986" cy="400110"/>
+              </a:xfrm>
+              <a:prstGeom prst="rect">
+                <a:avLst/>
+              </a:prstGeom>
+              <a:noFill/>
+            </p:spPr>
+            <p:txBody>
+              <a:bodyPr wrap="none" rtlCol="0">
+                <a:spAutoFit/>
+              </a:bodyPr>
+              <a:lstStyle/>
+              <a:p>
+                <a:pPr/>
+                <a14:m>
+                  <m:oMathPara xmlns:m="http://schemas.openxmlformats.org/officeDocument/2006/math">
+                    <m:oMathParaPr>
+                      <m:jc m:val="centerGroup"/>
+                    </m:oMathParaPr>
+                    <m:oMath xmlns:m="http://schemas.openxmlformats.org/officeDocument/2006/math">
+                      <m:sSub>
+                        <m:sSubPr>
+                          <m:ctrlPr>
+                            <a:rPr lang="es-CL" sz="2000" b="0" i="1" smtClean="0">
+                              <a:solidFill>
+                                <a:schemeClr val="tx1"/>
+                              </a:solidFill>
+                              <a:latin typeface="Cambria Math" panose="02040503050406030204" pitchFamily="18" charset="0"/>
+                            </a:rPr>
+                          </m:ctrlPr>
+                        </m:sSubPr>
+                        <m:e>
+                          <m:r>
+                            <a:rPr lang="es-CL" sz="2000" b="0" i="1" smtClean="0">
+                              <a:solidFill>
+                                <a:schemeClr val="tx1"/>
+                              </a:solidFill>
+                              <a:latin typeface="Cambria Math" panose="02040503050406030204" pitchFamily="18" charset="0"/>
+                            </a:rPr>
+                            <m:t>𝑓</m:t>
+                          </m:r>
+                        </m:e>
+                        <m:sub>
+                          <m:r>
+                            <a:rPr lang="es-CL" sz="2000" b="0" i="1" smtClean="0">
+                              <a:solidFill>
+                                <a:schemeClr val="tx1"/>
+                              </a:solidFill>
+                              <a:latin typeface="Cambria Math" panose="02040503050406030204" pitchFamily="18" charset="0"/>
+                            </a:rPr>
+                            <m:t> </m:t>
+                          </m:r>
+                        </m:sub>
+                      </m:sSub>
+                      <m:d>
+                        <m:dPr>
+                          <m:begChr m:val="["/>
+                          <m:endChr m:val="]"/>
+                          <m:ctrlPr>
+                            <a:rPr lang="es-CL" sz="2000" b="0" i="1" smtClean="0">
+                              <a:solidFill>
+                                <a:schemeClr val="tx1"/>
+                              </a:solidFill>
+                              <a:latin typeface="Cambria Math" panose="02040503050406030204" pitchFamily="18" charset="0"/>
+                            </a:rPr>
+                          </m:ctrlPr>
+                        </m:dPr>
+                        <m:e>
+                          <m:sSub>
+                            <m:sSubPr>
+                              <m:ctrlPr>
+                                <a:rPr lang="es-CL" sz="2000" b="0" i="1" smtClean="0">
+                                  <a:solidFill>
+                                    <a:schemeClr val="tx1"/>
+                                  </a:solidFill>
+                                  <a:latin typeface="Cambria Math" panose="02040503050406030204" pitchFamily="18" charset="0"/>
+                                </a:rPr>
+                              </m:ctrlPr>
+                            </m:sSubPr>
+                            <m:e>
+                              <m:r>
+                                <a:rPr lang="es-CL" sz="2000" b="0" i="1" smtClean="0">
+                                  <a:solidFill>
+                                    <a:schemeClr val="tx1"/>
+                                  </a:solidFill>
+                                  <a:latin typeface="Cambria Math" panose="02040503050406030204" pitchFamily="18" charset="0"/>
+                                </a:rPr>
+                                <m:t>𝑥</m:t>
+                              </m:r>
+                            </m:e>
+                            <m:sub>
+                              <m:r>
+                                <a:rPr lang="es-CL" sz="2000" b="0" i="1" smtClean="0">
+                                  <a:solidFill>
+                                    <a:schemeClr val="tx1"/>
+                                  </a:solidFill>
+                                  <a:latin typeface="Cambria Math" panose="02040503050406030204" pitchFamily="18" charset="0"/>
+                                </a:rPr>
+                                <m:t>2</m:t>
+                              </m:r>
+                            </m:sub>
+                          </m:sSub>
+                          <m:r>
+                            <a:rPr lang="es-CL" sz="2000" b="0" i="1" smtClean="0">
+                              <a:solidFill>
+                                <a:schemeClr val="tx1"/>
+                              </a:solidFill>
+                              <a:latin typeface="Cambria Math" panose="02040503050406030204" pitchFamily="18" charset="0"/>
+                            </a:rPr>
+                            <m:t>,</m:t>
+                          </m:r>
+                          <m:sSub>
+                            <m:sSubPr>
+                              <m:ctrlPr>
+                                <a:rPr lang="es-CL" sz="2000" b="0" i="1" smtClean="0">
+                                  <a:solidFill>
+                                    <a:schemeClr val="tx1"/>
+                                  </a:solidFill>
+                                  <a:latin typeface="Cambria Math" panose="02040503050406030204" pitchFamily="18" charset="0"/>
+                                </a:rPr>
+                              </m:ctrlPr>
+                            </m:sSubPr>
+                            <m:e>
+                              <m:r>
+                                <a:rPr lang="es-CL" sz="2000" b="0" i="1" smtClean="0">
+                                  <a:solidFill>
+                                    <a:schemeClr val="tx1"/>
+                                  </a:solidFill>
+                                  <a:latin typeface="Cambria Math" panose="02040503050406030204" pitchFamily="18" charset="0"/>
+                                </a:rPr>
+                                <m:t>𝑥</m:t>
+                              </m:r>
+                            </m:e>
+                            <m:sub>
+                              <m:r>
+                                <a:rPr lang="es-CL" sz="2000" b="0" i="1" smtClean="0">
+                                  <a:solidFill>
+                                    <a:schemeClr val="tx1"/>
+                                  </a:solidFill>
+                                  <a:latin typeface="Cambria Math" panose="02040503050406030204" pitchFamily="18" charset="0"/>
+                                </a:rPr>
+                                <m:t>1</m:t>
+                              </m:r>
+                            </m:sub>
+                          </m:sSub>
+                        </m:e>
+                      </m:d>
+                    </m:oMath>
+                  </m:oMathPara>
+                </a14:m>
+                <a:endParaRPr lang="en-US" sz="2000" dirty="0">
+                  <a:solidFill>
+                    <a:schemeClr val="tx1"/>
+                  </a:solidFill>
+                </a:endParaRPr>
+              </a:p>
+            </p:txBody>
+          </p:sp>
+        </mc:Choice>
+        <mc:Fallback>
+          <p:sp>
+            <p:nvSpPr>
+              <p:cNvPr id="18" name="TextBox 17">
+                <a:extLst>
+                  <a:ext uri="{FF2B5EF4-FFF2-40B4-BE49-F238E27FC236}">
+                    <a16:creationId xmlns:a16="http://schemas.microsoft.com/office/drawing/2014/main" id="{972FC666-809D-A660-41DF-16BDF2E5D7FF}"/>
+                  </a:ext>
+                </a:extLst>
+              </p:cNvPr>
+              <p:cNvSpPr txBox="1">
+                <a:spLocks noRot="1" noChangeAspect="1" noMove="1" noResize="1" noEditPoints="1" noAdjustHandles="1" noChangeArrowheads="1" noChangeShapeType="1" noTextEdit="1"/>
+              </p:cNvSpPr>
+              <p:nvPr/>
+            </p:nvSpPr>
+            <p:spPr>
+              <a:xfrm>
+                <a:off x="3927206" y="2094734"/>
+                <a:ext cx="1166986" cy="400110"/>
+              </a:xfrm>
+              <a:prstGeom prst="rect">
+                <a:avLst/>
+              </a:prstGeom>
+              <a:blipFill>
+                <a:blip r:embed="rId13"/>
+                <a:stretch>
+                  <a:fillRect b="-15385"/>
+                </a:stretch>
+              </a:blipFill>
+            </p:spPr>
+            <p:txBody>
+              <a:bodyPr/>
+              <a:lstStyle/>
+              <a:p>
+                <a:r>
+                  <a:rPr lang="en-US">
+                    <a:noFill/>
+                  </a:rPr>
+                  <a:t> </a:t>
+                </a:r>
+              </a:p>
+            </p:txBody>
+          </p:sp>
+        </mc:Fallback>
+      </mc:AlternateContent>
+      <mc:AlternateContent xmlns:mc="http://schemas.openxmlformats.org/markup-compatibility/2006">
+        <mc:Choice xmlns:a14="http://schemas.microsoft.com/office/drawing/2010/main" Requires="a14">
+          <p:sp>
+            <p:nvSpPr>
+              <p:cNvPr id="20" name="TextBox 19">
+                <a:extLst>
+                  <a:ext uri="{FF2B5EF4-FFF2-40B4-BE49-F238E27FC236}">
+                    <a16:creationId xmlns:a16="http://schemas.microsoft.com/office/drawing/2014/main" id="{8A09ED61-CAD8-965D-24C0-8B9DF3EB94AB}"/>
+                  </a:ext>
+                </a:extLst>
+              </p:cNvPr>
+              <p:cNvSpPr txBox="1"/>
+              <p:nvPr/>
+            </p:nvSpPr>
+            <p:spPr>
+              <a:xfrm>
+                <a:off x="6812186" y="1585063"/>
+                <a:ext cx="1516056" cy="400110"/>
+              </a:xfrm>
+              <a:prstGeom prst="rect">
+                <a:avLst/>
+              </a:prstGeom>
+              <a:noFill/>
+            </p:spPr>
+            <p:txBody>
+              <a:bodyPr wrap="none" rtlCol="0">
+                <a:spAutoFit/>
+              </a:bodyPr>
+              <a:lstStyle/>
+              <a:p>
+                <a:pPr/>
+                <a14:m>
+                  <m:oMathPara xmlns:m="http://schemas.openxmlformats.org/officeDocument/2006/math">
+                    <m:oMathParaPr>
+                      <m:jc m:val="centerGroup"/>
+                    </m:oMathParaPr>
+                    <m:oMath xmlns:m="http://schemas.openxmlformats.org/officeDocument/2006/math">
+                      <m:sSub>
+                        <m:sSubPr>
+                          <m:ctrlPr>
+                            <a:rPr lang="es-CL" sz="2000" b="0" i="1" smtClean="0">
+                              <a:solidFill>
+                                <a:schemeClr val="tx1"/>
+                              </a:solidFill>
+                              <a:latin typeface="Cambria Math" panose="02040503050406030204" pitchFamily="18" charset="0"/>
+                            </a:rPr>
+                          </m:ctrlPr>
+                        </m:sSubPr>
+                        <m:e>
+                          <m:r>
+                            <a:rPr lang="es-CL" sz="2000" b="0" i="1" smtClean="0">
+                              <a:solidFill>
+                                <a:schemeClr val="tx1"/>
+                              </a:solidFill>
+                              <a:latin typeface="Cambria Math" panose="02040503050406030204" pitchFamily="18" charset="0"/>
+                            </a:rPr>
+                            <m:t>𝑓</m:t>
+                          </m:r>
+                        </m:e>
+                        <m:sub>
+                          <m:r>
+                            <a:rPr lang="es-CL" sz="2000" b="0" i="1" smtClean="0">
+                              <a:solidFill>
+                                <a:schemeClr val="tx1"/>
+                              </a:solidFill>
+                              <a:latin typeface="Cambria Math" panose="02040503050406030204" pitchFamily="18" charset="0"/>
+                            </a:rPr>
+                            <m:t> </m:t>
+                          </m:r>
+                        </m:sub>
+                      </m:sSub>
+                      <m:d>
+                        <m:dPr>
+                          <m:begChr m:val="["/>
+                          <m:endChr m:val="]"/>
+                          <m:ctrlPr>
+                            <a:rPr lang="es-CL" sz="2000" b="0" i="1" smtClean="0">
+                              <a:solidFill>
+                                <a:schemeClr val="tx1"/>
+                              </a:solidFill>
+                              <a:latin typeface="Cambria Math" panose="02040503050406030204" pitchFamily="18" charset="0"/>
+                            </a:rPr>
+                          </m:ctrlPr>
+                        </m:dPr>
+                        <m:e>
+                          <m:sSub>
+                            <m:sSubPr>
+                              <m:ctrlPr>
+                                <a:rPr lang="es-CL" sz="2000" b="0" i="1" smtClean="0">
+                                  <a:solidFill>
+                                    <a:schemeClr val="tx1"/>
+                                  </a:solidFill>
+                                  <a:latin typeface="Cambria Math" panose="02040503050406030204" pitchFamily="18" charset="0"/>
+                                </a:rPr>
+                              </m:ctrlPr>
+                            </m:sSubPr>
+                            <m:e>
+                              <m:r>
+                                <a:rPr lang="es-CL" sz="2000" b="0" i="1" smtClean="0">
+                                  <a:solidFill>
+                                    <a:schemeClr val="tx1"/>
+                                  </a:solidFill>
+                                  <a:latin typeface="Cambria Math" panose="02040503050406030204" pitchFamily="18" charset="0"/>
+                                </a:rPr>
+                                <m:t>𝑥</m:t>
+                              </m:r>
+                            </m:e>
+                            <m:sub>
+                              <m:r>
+                                <a:rPr lang="es-CL" sz="2000" b="0" i="1" smtClean="0">
+                                  <a:solidFill>
+                                    <a:schemeClr val="tx1"/>
+                                  </a:solidFill>
+                                  <a:latin typeface="Cambria Math" panose="02040503050406030204" pitchFamily="18" charset="0"/>
+                                </a:rPr>
+                                <m:t>2</m:t>
+                              </m:r>
+                            </m:sub>
+                          </m:sSub>
+                          <m:r>
+                            <a:rPr lang="es-CL" sz="2000" b="0" i="1" smtClean="0">
+                              <a:solidFill>
+                                <a:schemeClr val="tx1"/>
+                              </a:solidFill>
+                              <a:latin typeface="Cambria Math" panose="02040503050406030204" pitchFamily="18" charset="0"/>
+                            </a:rPr>
+                            <m:t>,</m:t>
+                          </m:r>
+                          <m:sSub>
+                            <m:sSubPr>
+                              <m:ctrlPr>
+                                <a:rPr lang="es-CL" sz="2000" b="0" i="1" smtClean="0">
+                                  <a:solidFill>
+                                    <a:schemeClr val="tx1"/>
+                                  </a:solidFill>
+                                  <a:latin typeface="Cambria Math" panose="02040503050406030204" pitchFamily="18" charset="0"/>
+                                </a:rPr>
+                              </m:ctrlPr>
+                            </m:sSubPr>
+                            <m:e>
+                              <m:r>
+                                <a:rPr lang="es-CL" sz="2000" b="0" i="1" smtClean="0">
+                                  <a:solidFill>
+                                    <a:schemeClr val="tx1"/>
+                                  </a:solidFill>
+                                  <a:latin typeface="Cambria Math" panose="02040503050406030204" pitchFamily="18" charset="0"/>
+                                </a:rPr>
+                                <m:t>𝑥</m:t>
+                              </m:r>
+                            </m:e>
+                            <m:sub>
+                              <m:r>
+                                <a:rPr lang="es-CL" sz="2000" b="0" i="1" smtClean="0">
+                                  <a:solidFill>
+                                    <a:schemeClr val="tx1"/>
+                                  </a:solidFill>
+                                  <a:latin typeface="Cambria Math" panose="02040503050406030204" pitchFamily="18" charset="0"/>
+                                </a:rPr>
+                                <m:t>1</m:t>
+                              </m:r>
+                            </m:sub>
+                          </m:sSub>
+                          <m:r>
+                            <a:rPr lang="es-CL" sz="2000" b="0" i="1" smtClean="0">
+                              <a:solidFill>
+                                <a:schemeClr val="tx1"/>
+                              </a:solidFill>
+                              <a:latin typeface="Cambria Math" panose="02040503050406030204" pitchFamily="18" charset="0"/>
+                            </a:rPr>
+                            <m:t>,</m:t>
+                          </m:r>
+                          <m:sSub>
+                            <m:sSubPr>
+                              <m:ctrlPr>
+                                <a:rPr lang="es-CL" sz="2000" b="0" i="1" smtClean="0">
+                                  <a:solidFill>
+                                    <a:schemeClr val="tx1"/>
+                                  </a:solidFill>
+                                  <a:latin typeface="Cambria Math" panose="02040503050406030204" pitchFamily="18" charset="0"/>
+                                </a:rPr>
+                              </m:ctrlPr>
+                            </m:sSubPr>
+                            <m:e>
+                              <m:r>
+                                <a:rPr lang="es-CL" sz="2000" b="0" i="1" smtClean="0">
+                                  <a:solidFill>
+                                    <a:schemeClr val="tx1"/>
+                                  </a:solidFill>
+                                  <a:latin typeface="Cambria Math" panose="02040503050406030204" pitchFamily="18" charset="0"/>
+                                </a:rPr>
+                                <m:t>𝑥</m:t>
+                              </m:r>
+                            </m:e>
+                            <m:sub>
+                              <m:r>
+                                <a:rPr lang="es-CL" sz="2000" b="0" i="1" smtClean="0">
+                                  <a:solidFill>
+                                    <a:schemeClr val="tx1"/>
+                                  </a:solidFill>
+                                  <a:latin typeface="Cambria Math" panose="02040503050406030204" pitchFamily="18" charset="0"/>
+                                </a:rPr>
+                                <m:t>0</m:t>
+                              </m:r>
+                            </m:sub>
+                          </m:sSub>
+                        </m:e>
+                      </m:d>
+                    </m:oMath>
+                  </m:oMathPara>
+                </a14:m>
+                <a:endParaRPr lang="en-US" sz="2000" dirty="0">
+                  <a:solidFill>
+                    <a:schemeClr val="tx1"/>
+                  </a:solidFill>
+                </a:endParaRPr>
+              </a:p>
+            </p:txBody>
+          </p:sp>
+        </mc:Choice>
+        <mc:Fallback>
+          <p:sp>
+            <p:nvSpPr>
+              <p:cNvPr id="20" name="TextBox 19">
+                <a:extLst>
+                  <a:ext uri="{FF2B5EF4-FFF2-40B4-BE49-F238E27FC236}">
+                    <a16:creationId xmlns:a16="http://schemas.microsoft.com/office/drawing/2014/main" id="{8A09ED61-CAD8-965D-24C0-8B9DF3EB94AB}"/>
+                  </a:ext>
+                </a:extLst>
+              </p:cNvPr>
+              <p:cNvSpPr txBox="1">
+                <a:spLocks noRot="1" noChangeAspect="1" noMove="1" noResize="1" noEditPoints="1" noAdjustHandles="1" noChangeArrowheads="1" noChangeShapeType="1" noTextEdit="1"/>
+              </p:cNvSpPr>
+              <p:nvPr/>
+            </p:nvSpPr>
+            <p:spPr>
+              <a:xfrm>
+                <a:off x="6812186" y="1585063"/>
+                <a:ext cx="1516056" cy="400110"/>
+              </a:xfrm>
+              <a:prstGeom prst="rect">
+                <a:avLst/>
+              </a:prstGeom>
+              <a:blipFill>
+                <a:blip r:embed="rId14"/>
+                <a:stretch>
+                  <a:fillRect b="-13636"/>
+                </a:stretch>
+              </a:blipFill>
+            </p:spPr>
+            <p:txBody>
+              <a:bodyPr/>
+              <a:lstStyle/>
+              <a:p>
+                <a:r>
+                  <a:rPr lang="en-US">
+                    <a:noFill/>
+                  </a:rPr>
+                  <a:t> </a:t>
+                </a:r>
+              </a:p>
+            </p:txBody>
+          </p:sp>
+        </mc:Fallback>
+      </mc:AlternateContent>
+      <mc:AlternateContent xmlns:mc="http://schemas.openxmlformats.org/markup-compatibility/2006">
+        <mc:Choice xmlns:a14="http://schemas.microsoft.com/office/drawing/2010/main" Requires="a14">
+          <p:sp>
+            <p:nvSpPr>
+              <p:cNvPr id="24" name="TextBox 23">
+                <a:extLst>
+                  <a:ext uri="{FF2B5EF4-FFF2-40B4-BE49-F238E27FC236}">
+                    <a16:creationId xmlns:a16="http://schemas.microsoft.com/office/drawing/2014/main" id="{C2B749DC-EED1-F982-889F-105B32256F7F}"/>
+                  </a:ext>
+                </a:extLst>
+              </p:cNvPr>
+              <p:cNvSpPr txBox="1"/>
+              <p:nvPr/>
+            </p:nvSpPr>
+            <p:spPr>
+              <a:xfrm>
+                <a:off x="10136751" y="1585063"/>
+                <a:ext cx="1865126" cy="400110"/>
+              </a:xfrm>
+              <a:prstGeom prst="rect">
+                <a:avLst/>
+              </a:prstGeom>
+              <a:noFill/>
+            </p:spPr>
+            <p:txBody>
+              <a:bodyPr wrap="none" rtlCol="0">
+                <a:spAutoFit/>
+              </a:bodyPr>
+              <a:lstStyle/>
+              <a:p>
+                <a:pPr/>
+                <a14:m>
+                  <m:oMathPara xmlns:m="http://schemas.openxmlformats.org/officeDocument/2006/math">
+                    <m:oMathParaPr>
+                      <m:jc m:val="centerGroup"/>
+                    </m:oMathParaPr>
+                    <m:oMath xmlns:m="http://schemas.openxmlformats.org/officeDocument/2006/math">
+                      <m:sSub>
+                        <m:sSubPr>
+                          <m:ctrlPr>
+                            <a:rPr lang="es-CL" sz="2000" b="0" i="1" smtClean="0">
+                              <a:solidFill>
+                                <a:schemeClr val="tx1"/>
+                              </a:solidFill>
+                              <a:latin typeface="Cambria Math" panose="02040503050406030204" pitchFamily="18" charset="0"/>
+                            </a:rPr>
+                          </m:ctrlPr>
+                        </m:sSubPr>
+                        <m:e>
+                          <m:r>
+                            <a:rPr lang="es-CL" sz="2000" b="0" i="1" smtClean="0">
+                              <a:solidFill>
+                                <a:schemeClr val="tx1"/>
+                              </a:solidFill>
+                              <a:latin typeface="Cambria Math" panose="02040503050406030204" pitchFamily="18" charset="0"/>
+                            </a:rPr>
+                            <m:t>𝑓</m:t>
+                          </m:r>
+                        </m:e>
+                        <m:sub>
+                          <m:r>
+                            <a:rPr lang="es-CL" sz="2000" b="0" i="1" smtClean="0">
+                              <a:solidFill>
+                                <a:schemeClr val="tx1"/>
+                              </a:solidFill>
+                              <a:latin typeface="Cambria Math" panose="02040503050406030204" pitchFamily="18" charset="0"/>
+                            </a:rPr>
+                            <m:t> </m:t>
+                          </m:r>
+                        </m:sub>
+                      </m:sSub>
+                      <m:d>
+                        <m:dPr>
+                          <m:begChr m:val="["/>
+                          <m:endChr m:val="]"/>
+                          <m:ctrlPr>
+                            <a:rPr lang="es-CL" sz="2000" b="0" i="1" smtClean="0">
+                              <a:solidFill>
+                                <a:schemeClr val="tx1"/>
+                              </a:solidFill>
+                              <a:latin typeface="Cambria Math" panose="02040503050406030204" pitchFamily="18" charset="0"/>
+                            </a:rPr>
+                          </m:ctrlPr>
+                        </m:dPr>
+                        <m:e>
+                          <m:sSub>
+                            <m:sSubPr>
+                              <m:ctrlPr>
+                                <a:rPr lang="es-CL" sz="2000" i="1">
+                                  <a:latin typeface="Cambria Math" panose="02040503050406030204" pitchFamily="18" charset="0"/>
+                                </a:rPr>
+                              </m:ctrlPr>
+                            </m:sSubPr>
+                            <m:e>
+                              <m:r>
+                                <a:rPr lang="es-CL" sz="2000" i="1">
+                                  <a:latin typeface="Cambria Math" panose="02040503050406030204" pitchFamily="18" charset="0"/>
+                                </a:rPr>
+                                <m:t>𝑥</m:t>
+                              </m:r>
+                            </m:e>
+                            <m:sub>
+                              <m:r>
+                                <a:rPr lang="es-CL" sz="2000" b="0" i="1" smtClean="0">
+                                  <a:latin typeface="Cambria Math" panose="02040503050406030204" pitchFamily="18" charset="0"/>
+                                </a:rPr>
+                                <m:t>4</m:t>
+                              </m:r>
+                            </m:sub>
+                          </m:sSub>
+                          <m:r>
+                            <a:rPr lang="es-CL" sz="2000" b="0" i="1" smtClean="0">
+                              <a:latin typeface="Cambria Math" panose="02040503050406030204" pitchFamily="18" charset="0"/>
+                            </a:rPr>
+                            <m:t>,</m:t>
+                          </m:r>
+                          <m:sSub>
+                            <m:sSubPr>
+                              <m:ctrlPr>
+                                <a:rPr lang="es-CL" sz="2000" b="0" i="1" smtClean="0">
+                                  <a:solidFill>
+                                    <a:schemeClr val="tx1"/>
+                                  </a:solidFill>
+                                  <a:latin typeface="Cambria Math" panose="02040503050406030204" pitchFamily="18" charset="0"/>
+                                </a:rPr>
+                              </m:ctrlPr>
+                            </m:sSubPr>
+                            <m:e>
+                              <m:r>
+                                <a:rPr lang="es-CL" sz="2000" b="0" i="1" smtClean="0">
+                                  <a:solidFill>
+                                    <a:schemeClr val="tx1"/>
+                                  </a:solidFill>
+                                  <a:latin typeface="Cambria Math" panose="02040503050406030204" pitchFamily="18" charset="0"/>
+                                </a:rPr>
+                                <m:t>𝑥</m:t>
+                              </m:r>
+                            </m:e>
+                            <m:sub>
+                              <m:r>
+                                <a:rPr lang="es-CL" sz="2000" b="0" i="1" smtClean="0">
+                                  <a:solidFill>
+                                    <a:schemeClr val="tx1"/>
+                                  </a:solidFill>
+                                  <a:latin typeface="Cambria Math" panose="02040503050406030204" pitchFamily="18" charset="0"/>
+                                </a:rPr>
+                                <m:t>3</m:t>
+                              </m:r>
+                            </m:sub>
+                          </m:sSub>
+                          <m:r>
+                            <a:rPr lang="es-CL" sz="2000" b="0" i="1" smtClean="0">
+                              <a:solidFill>
+                                <a:schemeClr val="tx1"/>
+                              </a:solidFill>
+                              <a:latin typeface="Cambria Math" panose="02040503050406030204" pitchFamily="18" charset="0"/>
+                            </a:rPr>
+                            <m:t>,</m:t>
+                          </m:r>
+                          <m:sSub>
+                            <m:sSubPr>
+                              <m:ctrlPr>
+                                <a:rPr lang="es-CL" sz="2000" b="0" i="1" smtClean="0">
+                                  <a:solidFill>
+                                    <a:schemeClr val="tx1"/>
+                                  </a:solidFill>
+                                  <a:latin typeface="Cambria Math" panose="02040503050406030204" pitchFamily="18" charset="0"/>
+                                </a:rPr>
+                              </m:ctrlPr>
+                            </m:sSubPr>
+                            <m:e>
+                              <m:r>
+                                <a:rPr lang="es-CL" sz="2000" b="0" i="1" smtClean="0">
+                                  <a:solidFill>
+                                    <a:schemeClr val="tx1"/>
+                                  </a:solidFill>
+                                  <a:latin typeface="Cambria Math" panose="02040503050406030204" pitchFamily="18" charset="0"/>
+                                </a:rPr>
+                                <m:t>𝑥</m:t>
+                              </m:r>
+                            </m:e>
+                            <m:sub>
+                              <m:r>
+                                <a:rPr lang="es-CL" sz="2000" b="0" i="1" smtClean="0">
+                                  <a:solidFill>
+                                    <a:schemeClr val="tx1"/>
+                                  </a:solidFill>
+                                  <a:latin typeface="Cambria Math" panose="02040503050406030204" pitchFamily="18" charset="0"/>
+                                </a:rPr>
+                                <m:t>2</m:t>
+                              </m:r>
+                            </m:sub>
+                          </m:sSub>
+                          <m:r>
+                            <a:rPr lang="es-CL" sz="2000" b="0" i="1" smtClean="0">
+                              <a:solidFill>
+                                <a:schemeClr val="tx1"/>
+                              </a:solidFill>
+                              <a:latin typeface="Cambria Math" panose="02040503050406030204" pitchFamily="18" charset="0"/>
+                            </a:rPr>
+                            <m:t>,</m:t>
+                          </m:r>
+                          <m:sSub>
+                            <m:sSubPr>
+                              <m:ctrlPr>
+                                <a:rPr lang="es-CL" sz="2000" b="0" i="1" smtClean="0">
+                                  <a:solidFill>
+                                    <a:schemeClr val="tx1"/>
+                                  </a:solidFill>
+                                  <a:latin typeface="Cambria Math" panose="02040503050406030204" pitchFamily="18" charset="0"/>
+                                </a:rPr>
+                              </m:ctrlPr>
+                            </m:sSubPr>
+                            <m:e>
+                              <m:r>
+                                <a:rPr lang="es-CL" sz="2000" b="0" i="1" smtClean="0">
+                                  <a:solidFill>
+                                    <a:schemeClr val="tx1"/>
+                                  </a:solidFill>
+                                  <a:latin typeface="Cambria Math" panose="02040503050406030204" pitchFamily="18" charset="0"/>
+                                </a:rPr>
+                                <m:t>𝑥</m:t>
+                              </m:r>
+                            </m:e>
+                            <m:sub>
+                              <m:r>
+                                <a:rPr lang="es-CL" sz="2000" b="0" i="1" smtClean="0">
+                                  <a:solidFill>
+                                    <a:schemeClr val="tx1"/>
+                                  </a:solidFill>
+                                  <a:latin typeface="Cambria Math" panose="02040503050406030204" pitchFamily="18" charset="0"/>
+                                </a:rPr>
+                                <m:t>1</m:t>
+                              </m:r>
+                            </m:sub>
+                          </m:sSub>
+                        </m:e>
+                      </m:d>
+                    </m:oMath>
+                  </m:oMathPara>
+                </a14:m>
+                <a:endParaRPr lang="en-US" sz="2000" dirty="0">
+                  <a:solidFill>
+                    <a:schemeClr val="tx1"/>
+                  </a:solidFill>
+                </a:endParaRPr>
+              </a:p>
+            </p:txBody>
+          </p:sp>
+        </mc:Choice>
+        <mc:Fallback>
+          <p:sp>
+            <p:nvSpPr>
+              <p:cNvPr id="24" name="TextBox 23">
+                <a:extLst>
+                  <a:ext uri="{FF2B5EF4-FFF2-40B4-BE49-F238E27FC236}">
+                    <a16:creationId xmlns:a16="http://schemas.microsoft.com/office/drawing/2014/main" id="{C2B749DC-EED1-F982-889F-105B32256F7F}"/>
+                  </a:ext>
+                </a:extLst>
+              </p:cNvPr>
+              <p:cNvSpPr txBox="1">
+                <a:spLocks noRot="1" noChangeAspect="1" noMove="1" noResize="1" noEditPoints="1" noAdjustHandles="1" noChangeArrowheads="1" noChangeShapeType="1" noTextEdit="1"/>
+              </p:cNvSpPr>
+              <p:nvPr/>
+            </p:nvSpPr>
+            <p:spPr>
+              <a:xfrm>
+                <a:off x="10136751" y="1585063"/>
+                <a:ext cx="1865126" cy="400110"/>
+              </a:xfrm>
+              <a:prstGeom prst="rect">
+                <a:avLst/>
+              </a:prstGeom>
+              <a:blipFill>
+                <a:blip r:embed="rId15"/>
+                <a:stretch>
+                  <a:fillRect b="-13636"/>
+                </a:stretch>
+              </a:blipFill>
+            </p:spPr>
+            <p:txBody>
+              <a:bodyPr/>
+              <a:lstStyle/>
+              <a:p>
+                <a:r>
+                  <a:rPr lang="en-US">
+                    <a:noFill/>
+                  </a:rPr>
+                  <a:t> </a:t>
+                </a:r>
+              </a:p>
+            </p:txBody>
+          </p:sp>
+        </mc:Fallback>
+      </mc:AlternateContent>
+      <mc:AlternateContent xmlns:mc="http://schemas.openxmlformats.org/markup-compatibility/2006">
+        <mc:Choice xmlns:a14="http://schemas.microsoft.com/office/drawing/2010/main" Requires="a14">
+          <p:sp>
+            <p:nvSpPr>
+              <p:cNvPr id="23" name="TextBox 22">
+                <a:extLst>
+                  <a:ext uri="{FF2B5EF4-FFF2-40B4-BE49-F238E27FC236}">
+                    <a16:creationId xmlns:a16="http://schemas.microsoft.com/office/drawing/2014/main" id="{69559462-6201-F684-9429-5025D5109259}"/>
+                  </a:ext>
+                </a:extLst>
+              </p:cNvPr>
+              <p:cNvSpPr txBox="1"/>
+              <p:nvPr/>
+            </p:nvSpPr>
+            <p:spPr>
+              <a:xfrm>
+                <a:off x="6812186" y="2094734"/>
+                <a:ext cx="1516056" cy="400110"/>
+              </a:xfrm>
+              <a:prstGeom prst="rect">
+                <a:avLst/>
+              </a:prstGeom>
+              <a:noFill/>
+            </p:spPr>
+            <p:txBody>
+              <a:bodyPr wrap="none" rtlCol="0">
+                <a:spAutoFit/>
+              </a:bodyPr>
+              <a:lstStyle/>
+              <a:p>
+                <a:pPr/>
+                <a14:m>
+                  <m:oMathPara xmlns:m="http://schemas.openxmlformats.org/officeDocument/2006/math">
+                    <m:oMathParaPr>
+                      <m:jc m:val="centerGroup"/>
+                    </m:oMathParaPr>
+                    <m:oMath xmlns:m="http://schemas.openxmlformats.org/officeDocument/2006/math">
+                      <m:sSub>
+                        <m:sSubPr>
+                          <m:ctrlPr>
+                            <a:rPr lang="es-CL" sz="2000" b="0" i="1" smtClean="0">
+                              <a:solidFill>
+                                <a:schemeClr val="tx1"/>
+                              </a:solidFill>
+                              <a:latin typeface="Cambria Math" panose="02040503050406030204" pitchFamily="18" charset="0"/>
+                            </a:rPr>
+                          </m:ctrlPr>
+                        </m:sSubPr>
+                        <m:e>
+                          <m:r>
+                            <a:rPr lang="es-CL" sz="2000" b="0" i="1" smtClean="0">
+                              <a:solidFill>
+                                <a:schemeClr val="tx1"/>
+                              </a:solidFill>
+                              <a:latin typeface="Cambria Math" panose="02040503050406030204" pitchFamily="18" charset="0"/>
+                            </a:rPr>
+                            <m:t>𝑓</m:t>
+                          </m:r>
+                        </m:e>
+                        <m:sub>
+                          <m:r>
+                            <a:rPr lang="es-CL" sz="2000" b="0" i="1" smtClean="0">
+                              <a:solidFill>
+                                <a:schemeClr val="tx1"/>
+                              </a:solidFill>
+                              <a:latin typeface="Cambria Math" panose="02040503050406030204" pitchFamily="18" charset="0"/>
+                            </a:rPr>
+                            <m:t> </m:t>
+                          </m:r>
+                        </m:sub>
+                      </m:sSub>
+                      <m:d>
+                        <m:dPr>
+                          <m:begChr m:val="["/>
+                          <m:endChr m:val="]"/>
+                          <m:ctrlPr>
+                            <a:rPr lang="es-CL" sz="2000" b="0" i="1" smtClean="0">
+                              <a:solidFill>
+                                <a:schemeClr val="tx1"/>
+                              </a:solidFill>
+                              <a:latin typeface="Cambria Math" panose="02040503050406030204" pitchFamily="18" charset="0"/>
+                            </a:rPr>
+                          </m:ctrlPr>
+                        </m:dPr>
+                        <m:e>
+                          <m:sSub>
+                            <m:sSubPr>
+                              <m:ctrlPr>
+                                <a:rPr lang="es-CL" sz="2000" b="0" i="1" smtClean="0">
+                                  <a:solidFill>
+                                    <a:schemeClr val="tx1"/>
+                                  </a:solidFill>
+                                  <a:latin typeface="Cambria Math" panose="02040503050406030204" pitchFamily="18" charset="0"/>
+                                </a:rPr>
+                              </m:ctrlPr>
+                            </m:sSubPr>
+                            <m:e>
+                              <m:r>
+                                <a:rPr lang="es-CL" sz="2000" b="0" i="1" smtClean="0">
+                                  <a:solidFill>
+                                    <a:schemeClr val="tx1"/>
+                                  </a:solidFill>
+                                  <a:latin typeface="Cambria Math" panose="02040503050406030204" pitchFamily="18" charset="0"/>
+                                </a:rPr>
+                                <m:t>𝑥</m:t>
+                              </m:r>
+                            </m:e>
+                            <m:sub>
+                              <m:r>
+                                <a:rPr lang="es-CL" sz="2000" b="0" i="1" smtClean="0">
+                                  <a:solidFill>
+                                    <a:schemeClr val="tx1"/>
+                                  </a:solidFill>
+                                  <a:latin typeface="Cambria Math" panose="02040503050406030204" pitchFamily="18" charset="0"/>
+                                </a:rPr>
+                                <m:t>3</m:t>
+                              </m:r>
+                            </m:sub>
+                          </m:sSub>
+                          <m:r>
+                            <a:rPr lang="es-CL" sz="2000" b="0" i="1" smtClean="0">
+                              <a:solidFill>
+                                <a:schemeClr val="tx1"/>
+                              </a:solidFill>
+                              <a:latin typeface="Cambria Math" panose="02040503050406030204" pitchFamily="18" charset="0"/>
+                            </a:rPr>
+                            <m:t>,</m:t>
+                          </m:r>
+                          <m:sSub>
+                            <m:sSubPr>
+                              <m:ctrlPr>
+                                <a:rPr lang="es-CL" sz="2000" b="0" i="1" smtClean="0">
+                                  <a:solidFill>
+                                    <a:schemeClr val="tx1"/>
+                                  </a:solidFill>
+                                  <a:latin typeface="Cambria Math" panose="02040503050406030204" pitchFamily="18" charset="0"/>
+                                </a:rPr>
+                              </m:ctrlPr>
+                            </m:sSubPr>
+                            <m:e>
+                              <m:r>
+                                <a:rPr lang="es-CL" sz="2000" b="0" i="1" smtClean="0">
+                                  <a:solidFill>
+                                    <a:schemeClr val="tx1"/>
+                                  </a:solidFill>
+                                  <a:latin typeface="Cambria Math" panose="02040503050406030204" pitchFamily="18" charset="0"/>
+                                </a:rPr>
+                                <m:t>𝑥</m:t>
+                              </m:r>
+                            </m:e>
+                            <m:sub>
+                              <m:r>
+                                <a:rPr lang="es-CL" sz="2000" b="0" i="1" smtClean="0">
+                                  <a:solidFill>
+                                    <a:schemeClr val="tx1"/>
+                                  </a:solidFill>
+                                  <a:latin typeface="Cambria Math" panose="02040503050406030204" pitchFamily="18" charset="0"/>
+                                </a:rPr>
+                                <m:t>2</m:t>
+                              </m:r>
+                            </m:sub>
+                          </m:sSub>
+                          <m:r>
+                            <a:rPr lang="es-CL" sz="2000" b="0" i="1" smtClean="0">
+                              <a:solidFill>
+                                <a:schemeClr val="tx1"/>
+                              </a:solidFill>
+                              <a:latin typeface="Cambria Math" panose="02040503050406030204" pitchFamily="18" charset="0"/>
+                            </a:rPr>
+                            <m:t>,</m:t>
+                          </m:r>
+                          <m:sSub>
+                            <m:sSubPr>
+                              <m:ctrlPr>
+                                <a:rPr lang="es-CL" sz="2000" b="0" i="1" smtClean="0">
+                                  <a:solidFill>
+                                    <a:schemeClr val="tx1"/>
+                                  </a:solidFill>
+                                  <a:latin typeface="Cambria Math" panose="02040503050406030204" pitchFamily="18" charset="0"/>
+                                </a:rPr>
+                              </m:ctrlPr>
+                            </m:sSubPr>
+                            <m:e>
+                              <m:r>
+                                <a:rPr lang="es-CL" sz="2000" b="0" i="1" smtClean="0">
+                                  <a:solidFill>
+                                    <a:schemeClr val="tx1"/>
+                                  </a:solidFill>
+                                  <a:latin typeface="Cambria Math" panose="02040503050406030204" pitchFamily="18" charset="0"/>
+                                </a:rPr>
+                                <m:t>𝑥</m:t>
+                              </m:r>
+                            </m:e>
+                            <m:sub>
+                              <m:r>
+                                <a:rPr lang="es-CL" sz="2000" b="0" i="1" smtClean="0">
+                                  <a:solidFill>
+                                    <a:schemeClr val="tx1"/>
+                                  </a:solidFill>
+                                  <a:latin typeface="Cambria Math" panose="02040503050406030204" pitchFamily="18" charset="0"/>
+                                </a:rPr>
+                                <m:t>1</m:t>
+                              </m:r>
+                            </m:sub>
+                          </m:sSub>
+                        </m:e>
+                      </m:d>
+                    </m:oMath>
+                  </m:oMathPara>
+                </a14:m>
+                <a:endParaRPr lang="en-US" sz="2000" dirty="0">
+                  <a:solidFill>
+                    <a:schemeClr val="tx1"/>
+                  </a:solidFill>
+                </a:endParaRPr>
+              </a:p>
+            </p:txBody>
+          </p:sp>
+        </mc:Choice>
+        <mc:Fallback>
+          <p:sp>
+            <p:nvSpPr>
+              <p:cNvPr id="23" name="TextBox 22">
+                <a:extLst>
+                  <a:ext uri="{FF2B5EF4-FFF2-40B4-BE49-F238E27FC236}">
+                    <a16:creationId xmlns:a16="http://schemas.microsoft.com/office/drawing/2014/main" id="{69559462-6201-F684-9429-5025D5109259}"/>
+                  </a:ext>
+                </a:extLst>
+              </p:cNvPr>
+              <p:cNvSpPr txBox="1">
+                <a:spLocks noRot="1" noChangeAspect="1" noMove="1" noResize="1" noEditPoints="1" noAdjustHandles="1" noChangeArrowheads="1" noChangeShapeType="1" noTextEdit="1"/>
+              </p:cNvSpPr>
+              <p:nvPr/>
+            </p:nvSpPr>
+            <p:spPr>
+              <a:xfrm>
+                <a:off x="6812186" y="2094734"/>
+                <a:ext cx="1516056" cy="400110"/>
+              </a:xfrm>
+              <a:prstGeom prst="rect">
+                <a:avLst/>
+              </a:prstGeom>
+              <a:blipFill>
+                <a:blip r:embed="rId16"/>
+                <a:stretch>
+                  <a:fillRect b="-15385"/>
+                </a:stretch>
+              </a:blipFill>
+            </p:spPr>
+            <p:txBody>
+              <a:bodyPr/>
+              <a:lstStyle/>
+              <a:p>
+                <a:r>
+                  <a:rPr lang="en-US">
+                    <a:noFill/>
+                  </a:rPr>
+                  <a:t> </a:t>
+                </a:r>
+              </a:p>
+            </p:txBody>
+          </p:sp>
+        </mc:Fallback>
+      </mc:AlternateContent>
     </p:spTree>
     <p:extLst>
       <p:ext uri="{BB962C8B-B14F-4D97-AF65-F5344CB8AC3E}">
@@ -5122,8 +7878,8 @@
           </a:prstGeom>
         </p:spPr>
       </p:pic>
-      <mc:AlternateContent xmlns:mc="http://schemas.openxmlformats.org/markup-compatibility/2006">
-        <mc:Choice xmlns:a14="http://schemas.microsoft.com/office/drawing/2010/main" Requires="a14">
+      <mc:AlternateContent xmlns:mc="http://schemas.openxmlformats.org/markup-compatibility/2006" xmlns:a14="http://schemas.microsoft.com/office/drawing/2010/main">
+        <mc:Choice Requires="a14">
           <p:sp>
             <p:nvSpPr>
               <p:cNvPr id="19" name="TextBox 18">
@@ -5232,7 +7988,7 @@
             </p:txBody>
           </p:sp>
         </mc:Choice>
-        <mc:Fallback>
+        <mc:Fallback xmlns="">
           <p:sp>
             <p:nvSpPr>
               <p:cNvPr id="19" name="TextBox 18">
@@ -5277,8 +8033,8 @@
           </p:sp>
         </mc:Fallback>
       </mc:AlternateContent>
-      <mc:AlternateContent xmlns:mc="http://schemas.openxmlformats.org/markup-compatibility/2006">
-        <mc:Choice xmlns:a14="http://schemas.microsoft.com/office/drawing/2010/main" Requires="a14">
+      <mc:AlternateContent xmlns:mc="http://schemas.openxmlformats.org/markup-compatibility/2006" xmlns:a14="http://schemas.microsoft.com/office/drawing/2010/main">
+        <mc:Choice Requires="a14">
           <p:sp>
             <p:nvSpPr>
               <p:cNvPr id="20" name="TextBox 19">
@@ -5387,7 +8143,7 @@
             </p:txBody>
           </p:sp>
         </mc:Choice>
-        <mc:Fallback>
+        <mc:Fallback xmlns="">
           <p:sp>
             <p:nvSpPr>
               <p:cNvPr id="20" name="TextBox 19">
@@ -5432,8 +8188,8 @@
           </p:sp>
         </mc:Fallback>
       </mc:AlternateContent>
-      <mc:AlternateContent xmlns:mc="http://schemas.openxmlformats.org/markup-compatibility/2006">
-        <mc:Choice xmlns:a14="http://schemas.microsoft.com/office/drawing/2010/main" Requires="a14">
+      <mc:AlternateContent xmlns:mc="http://schemas.openxmlformats.org/markup-compatibility/2006" xmlns:a14="http://schemas.microsoft.com/office/drawing/2010/main">
+        <mc:Choice Requires="a14">
           <p:sp>
             <p:nvSpPr>
               <p:cNvPr id="21" name="TextBox 20">
@@ -5542,7 +8298,7 @@
             </p:txBody>
           </p:sp>
         </mc:Choice>
-        <mc:Fallback>
+        <mc:Fallback xmlns="">
           <p:sp>
             <p:nvSpPr>
               <p:cNvPr id="21" name="TextBox 20">
@@ -5587,8 +8343,8 @@
           </p:sp>
         </mc:Fallback>
       </mc:AlternateContent>
-      <mc:AlternateContent xmlns:mc="http://schemas.openxmlformats.org/markup-compatibility/2006">
-        <mc:Choice xmlns:a14="http://schemas.microsoft.com/office/drawing/2010/main" Requires="a14">
+      <mc:AlternateContent xmlns:mc="http://schemas.openxmlformats.org/markup-compatibility/2006" xmlns:a14="http://schemas.microsoft.com/office/drawing/2010/main">
+        <mc:Choice Requires="a14">
           <p:sp>
             <p:nvSpPr>
               <p:cNvPr id="22" name="TextBox 21">
@@ -5670,7 +8426,7 @@
             </p:txBody>
           </p:sp>
         </mc:Choice>
-        <mc:Fallback>
+        <mc:Fallback xmlns="">
           <p:sp>
             <p:nvSpPr>
               <p:cNvPr id="22" name="TextBox 21">
@@ -5715,8 +8471,8 @@
           </p:sp>
         </mc:Fallback>
       </mc:AlternateContent>
-      <mc:AlternateContent xmlns:mc="http://schemas.openxmlformats.org/markup-compatibility/2006">
-        <mc:Choice xmlns:a14="http://schemas.microsoft.com/office/drawing/2010/main" Requires="a14">
+      <mc:AlternateContent xmlns:mc="http://schemas.openxmlformats.org/markup-compatibility/2006" xmlns:a14="http://schemas.microsoft.com/office/drawing/2010/main">
+        <mc:Choice Requires="a14">
           <p:sp>
             <p:nvSpPr>
               <p:cNvPr id="23" name="TextBox 22">
@@ -5798,7 +8554,7 @@
             </p:txBody>
           </p:sp>
         </mc:Choice>
-        <mc:Fallback>
+        <mc:Fallback xmlns="">
           <p:sp>
             <p:nvSpPr>
               <p:cNvPr id="23" name="TextBox 22">
@@ -5843,8 +8599,8 @@
           </p:sp>
         </mc:Fallback>
       </mc:AlternateContent>
-      <mc:AlternateContent xmlns:mc="http://schemas.openxmlformats.org/markup-compatibility/2006">
-        <mc:Choice xmlns:a14="http://schemas.microsoft.com/office/drawing/2010/main" Requires="a14">
+      <mc:AlternateContent xmlns:mc="http://schemas.openxmlformats.org/markup-compatibility/2006" xmlns:a14="http://schemas.microsoft.com/office/drawing/2010/main">
+        <mc:Choice Requires="a14">
           <p:sp>
             <p:nvSpPr>
               <p:cNvPr id="24" name="TextBox 23">
@@ -5926,7 +8682,7 @@
             </p:txBody>
           </p:sp>
         </mc:Choice>
-        <mc:Fallback>
+        <mc:Fallback xmlns="">
           <p:sp>
             <p:nvSpPr>
               <p:cNvPr id="24" name="TextBox 23">
@@ -5971,8 +8727,8 @@
           </p:sp>
         </mc:Fallback>
       </mc:AlternateContent>
-      <mc:AlternateContent xmlns:mc="http://schemas.openxmlformats.org/markup-compatibility/2006">
-        <mc:Choice xmlns:a14="http://schemas.microsoft.com/office/drawing/2010/main" Requires="a14">
+      <mc:AlternateContent xmlns:mc="http://schemas.openxmlformats.org/markup-compatibility/2006" xmlns:a14="http://schemas.microsoft.com/office/drawing/2010/main">
+        <mc:Choice Requires="a14">
           <p:sp>
             <p:nvSpPr>
               <p:cNvPr id="25" name="TextBox 24">
@@ -6063,7 +8819,7 @@
             </p:txBody>
           </p:sp>
         </mc:Choice>
-        <mc:Fallback>
+        <mc:Fallback xmlns="">
           <p:sp>
             <p:nvSpPr>
               <p:cNvPr id="25" name="TextBox 24">
@@ -6108,8 +8864,8 @@
           </p:sp>
         </mc:Fallback>
       </mc:AlternateContent>
-      <mc:AlternateContent xmlns:mc="http://schemas.openxmlformats.org/markup-compatibility/2006">
-        <mc:Choice xmlns:a14="http://schemas.microsoft.com/office/drawing/2010/main" Requires="a14">
+      <mc:AlternateContent xmlns:mc="http://schemas.openxmlformats.org/markup-compatibility/2006" xmlns:a14="http://schemas.microsoft.com/office/drawing/2010/main">
+        <mc:Choice Requires="a14">
           <p:sp>
             <p:nvSpPr>
               <p:cNvPr id="26" name="TextBox 25">
@@ -6200,7 +8956,7 @@
             </p:txBody>
           </p:sp>
         </mc:Choice>
-        <mc:Fallback>
+        <mc:Fallback xmlns="">
           <p:sp>
             <p:nvSpPr>
               <p:cNvPr id="26" name="TextBox 25">
@@ -6245,8 +9001,8 @@
           </p:sp>
         </mc:Fallback>
       </mc:AlternateContent>
-      <mc:AlternateContent xmlns:mc="http://schemas.openxmlformats.org/markup-compatibility/2006">
-        <mc:Choice xmlns:a14="http://schemas.microsoft.com/office/drawing/2010/main" Requires="a14">
+      <mc:AlternateContent xmlns:mc="http://schemas.openxmlformats.org/markup-compatibility/2006" xmlns:a14="http://schemas.microsoft.com/office/drawing/2010/main">
+        <mc:Choice Requires="a14">
           <p:sp>
             <p:nvSpPr>
               <p:cNvPr id="27" name="TextBox 26">
@@ -6328,7 +9084,7 @@
             </p:txBody>
           </p:sp>
         </mc:Choice>
-        <mc:Fallback>
+        <mc:Fallback xmlns="">
           <p:sp>
             <p:nvSpPr>
               <p:cNvPr id="27" name="TextBox 26">
@@ -6373,8 +9129,8 @@
           </p:sp>
         </mc:Fallback>
       </mc:AlternateContent>
-      <mc:AlternateContent xmlns:mc="http://schemas.openxmlformats.org/markup-compatibility/2006">
-        <mc:Choice xmlns:a14="http://schemas.microsoft.com/office/drawing/2010/main" Requires="a14">
+      <mc:AlternateContent xmlns:mc="http://schemas.openxmlformats.org/markup-compatibility/2006" xmlns:a14="http://schemas.microsoft.com/office/drawing/2010/main">
+        <mc:Choice Requires="a14">
           <p:sp>
             <p:nvSpPr>
               <p:cNvPr id="28" name="TextBox 27">
@@ -6403,7 +9159,6 @@
               </a:bodyPr>
               <a:lstStyle/>
               <a:p>
-                <a:pPr/>
                 <a:r>
                   <a:rPr lang="en-US" sz="2000" dirty="0"/>
                   <a:t>Intervalo </a:t>
@@ -6427,7 +9182,7 @@
             </p:txBody>
           </p:sp>
         </mc:Choice>
-        <mc:Fallback>
+        <mc:Fallback xmlns="">
           <p:sp>
             <p:nvSpPr>
               <p:cNvPr id="28" name="TextBox 27">
@@ -6472,8 +9227,8 @@
           </p:sp>
         </mc:Fallback>
       </mc:AlternateContent>
-      <mc:AlternateContent xmlns:mc="http://schemas.openxmlformats.org/markup-compatibility/2006">
-        <mc:Choice xmlns:a14="http://schemas.microsoft.com/office/drawing/2010/main" Requires="a14">
+      <mc:AlternateContent xmlns:mc="http://schemas.openxmlformats.org/markup-compatibility/2006" xmlns:a14="http://schemas.microsoft.com/office/drawing/2010/main">
+        <mc:Choice Requires="a14">
           <p:sp>
             <p:nvSpPr>
               <p:cNvPr id="29" name="TextBox 28">
@@ -6502,7 +9257,6 @@
               </a:bodyPr>
               <a:lstStyle/>
               <a:p>
-                <a:pPr/>
                 <a:r>
                   <a:rPr lang="en-US" sz="2000" dirty="0" err="1"/>
                   <a:t>Intervalo</a:t>
@@ -6530,7 +9284,7 @@
             </p:txBody>
           </p:sp>
         </mc:Choice>
-        <mc:Fallback>
+        <mc:Fallback xmlns="">
           <p:sp>
             <p:nvSpPr>
               <p:cNvPr id="29" name="TextBox 28">
@@ -6575,8 +9329,8 @@
           </p:sp>
         </mc:Fallback>
       </mc:AlternateContent>
-      <mc:AlternateContent xmlns:mc="http://schemas.openxmlformats.org/markup-compatibility/2006">
-        <mc:Choice xmlns:a14="http://schemas.microsoft.com/office/drawing/2010/main" Requires="a14">
+      <mc:AlternateContent xmlns:mc="http://schemas.openxmlformats.org/markup-compatibility/2006" xmlns:a14="http://schemas.microsoft.com/office/drawing/2010/main">
+        <mc:Choice Requires="a14">
           <p:sp>
             <p:nvSpPr>
               <p:cNvPr id="30" name="TextBox 29">
@@ -6605,7 +9359,6 @@
               </a:bodyPr>
               <a:lstStyle/>
               <a:p>
-                <a:pPr/>
                 <a:r>
                   <a:rPr lang="en-US" sz="2000" dirty="0"/>
                   <a:t>Intervalo </a:t>
@@ -6629,7 +9382,7 @@
             </p:txBody>
           </p:sp>
         </mc:Choice>
-        <mc:Fallback>
+        <mc:Fallback xmlns="">
           <p:sp>
             <p:nvSpPr>
               <p:cNvPr id="30" name="TextBox 29">
@@ -6674,8 +9427,8 @@
           </p:sp>
         </mc:Fallback>
       </mc:AlternateContent>
-      <mc:AlternateContent xmlns:mc="http://schemas.openxmlformats.org/markup-compatibility/2006">
-        <mc:Choice xmlns:a14="http://schemas.microsoft.com/office/drawing/2010/main" Requires="a14">
+      <mc:AlternateContent xmlns:mc="http://schemas.openxmlformats.org/markup-compatibility/2006" xmlns:a14="http://schemas.microsoft.com/office/drawing/2010/main">
+        <mc:Choice Requires="a14">
           <p:sp>
             <p:nvSpPr>
               <p:cNvPr id="31" name="TextBox 30">
@@ -6757,7 +9510,7 @@
             </p:txBody>
           </p:sp>
         </mc:Choice>
-        <mc:Fallback>
+        <mc:Fallback xmlns="">
           <p:sp>
             <p:nvSpPr>
               <p:cNvPr id="31" name="TextBox 30">
@@ -6802,8 +9555,8 @@
           </p:sp>
         </mc:Fallback>
       </mc:AlternateContent>
-      <mc:AlternateContent xmlns:mc="http://schemas.openxmlformats.org/markup-compatibility/2006">
-        <mc:Choice xmlns:a14="http://schemas.microsoft.com/office/drawing/2010/main" Requires="a14">
+      <mc:AlternateContent xmlns:mc="http://schemas.openxmlformats.org/markup-compatibility/2006" xmlns:a14="http://schemas.microsoft.com/office/drawing/2010/main">
+        <mc:Choice Requires="a14">
           <p:sp>
             <p:nvSpPr>
               <p:cNvPr id="32" name="TextBox 31">
@@ -6885,7 +9638,7 @@
             </p:txBody>
           </p:sp>
         </mc:Choice>
-        <mc:Fallback>
+        <mc:Fallback xmlns="">
           <p:sp>
             <p:nvSpPr>
               <p:cNvPr id="32" name="TextBox 31">
@@ -6930,8 +9683,8 @@
           </p:sp>
         </mc:Fallback>
       </mc:AlternateContent>
-      <mc:AlternateContent xmlns:mc="http://schemas.openxmlformats.org/markup-compatibility/2006">
-        <mc:Choice xmlns:a14="http://schemas.microsoft.com/office/drawing/2010/main" Requires="a14">
+      <mc:AlternateContent xmlns:mc="http://schemas.openxmlformats.org/markup-compatibility/2006" xmlns:a14="http://schemas.microsoft.com/office/drawing/2010/main">
+        <mc:Choice Requires="a14">
           <p:sp>
             <p:nvSpPr>
               <p:cNvPr id="33" name="TextBox 32">
@@ -7013,7 +9766,7 @@
             </p:txBody>
           </p:sp>
         </mc:Choice>
-        <mc:Fallback>
+        <mc:Fallback xmlns="">
           <p:sp>
             <p:nvSpPr>
               <p:cNvPr id="33" name="TextBox 32">
@@ -7058,8 +9811,8 @@
           </p:sp>
         </mc:Fallback>
       </mc:AlternateContent>
-      <mc:AlternateContent xmlns:mc="http://schemas.openxmlformats.org/markup-compatibility/2006">
-        <mc:Choice xmlns:a14="http://schemas.microsoft.com/office/drawing/2010/main" Requires="a14">
+      <mc:AlternateContent xmlns:mc="http://schemas.openxmlformats.org/markup-compatibility/2006" xmlns:a14="http://schemas.microsoft.com/office/drawing/2010/main">
+        <mc:Choice Requires="a14">
           <p:sp>
             <p:nvSpPr>
               <p:cNvPr id="34" name="TextBox 33">
@@ -7150,7 +9903,7 @@
             </p:txBody>
           </p:sp>
         </mc:Choice>
-        <mc:Fallback>
+        <mc:Fallback xmlns="">
           <p:sp>
             <p:nvSpPr>
               <p:cNvPr id="34" name="TextBox 33">
@@ -7195,8 +9948,8 @@
           </p:sp>
         </mc:Fallback>
       </mc:AlternateContent>
-      <mc:AlternateContent xmlns:mc="http://schemas.openxmlformats.org/markup-compatibility/2006">
-        <mc:Choice xmlns:a14="http://schemas.microsoft.com/office/drawing/2010/main" Requires="a14">
+      <mc:AlternateContent xmlns:mc="http://schemas.openxmlformats.org/markup-compatibility/2006" xmlns:a14="http://schemas.microsoft.com/office/drawing/2010/main">
+        <mc:Choice Requires="a14">
           <p:sp>
             <p:nvSpPr>
               <p:cNvPr id="35" name="TextBox 34">
@@ -7287,7 +10040,7 @@
             </p:txBody>
           </p:sp>
         </mc:Choice>
-        <mc:Fallback>
+        <mc:Fallback xmlns="">
           <p:sp>
             <p:nvSpPr>
               <p:cNvPr id="35" name="TextBox 34">
@@ -7332,8 +10085,8 @@
           </p:sp>
         </mc:Fallback>
       </mc:AlternateContent>
-      <mc:AlternateContent xmlns:mc="http://schemas.openxmlformats.org/markup-compatibility/2006">
-        <mc:Choice xmlns:a14="http://schemas.microsoft.com/office/drawing/2010/main" Requires="a14">
+      <mc:AlternateContent xmlns:mc="http://schemas.openxmlformats.org/markup-compatibility/2006" xmlns:a14="http://schemas.microsoft.com/office/drawing/2010/main">
+        <mc:Choice Requires="a14">
           <p:sp>
             <p:nvSpPr>
               <p:cNvPr id="36" name="TextBox 35">
@@ -7415,7 +10168,7 @@
             </p:txBody>
           </p:sp>
         </mc:Choice>
-        <mc:Fallback>
+        <mc:Fallback xmlns="">
           <p:sp>
             <p:nvSpPr>
               <p:cNvPr id="36" name="TextBox 35">
@@ -7519,40 +10272,3468 @@
           </a:prstGeom>
         </p:spPr>
       </p:pic>
-      <p:pic>
-        <p:nvPicPr>
-          <p:cNvPr id="4" name="Picture 3">
-            <a:extLst>
-              <a:ext uri="{FF2B5EF4-FFF2-40B4-BE49-F238E27FC236}">
-                <a16:creationId xmlns:a16="http://schemas.microsoft.com/office/drawing/2014/main" id="{C0C971B5-A798-E7E4-E3B4-91A34A3B185A}"/>
-              </a:ext>
-            </a:extLst>
-          </p:cNvPr>
-          <p:cNvPicPr>
-            <a:picLocks noChangeAspect="1"/>
-          </p:cNvPicPr>
-          <p:nvPr/>
-        </p:nvPicPr>
-        <p:blipFill>
-          <a:blip r:embed="rId3"/>
-          <a:stretch>
-            <a:fillRect/>
-          </a:stretch>
-        </p:blipFill>
-        <p:spPr>
-          <a:xfrm>
-            <a:off x="2876281" y="286966"/>
-            <a:ext cx="6439437" cy="6284068"/>
-          </a:xfrm>
-          <a:prstGeom prst="rect">
-            <a:avLst/>
-          </a:prstGeom>
-        </p:spPr>
-      </p:pic>
     </p:spTree>
     <p:extLst>
       <p:ext uri="{BB962C8B-B14F-4D97-AF65-F5344CB8AC3E}">
         <p14:creationId xmlns:p14="http://schemas.microsoft.com/office/powerpoint/2010/main" val="63614856"/>
+      </p:ext>
+    </p:extLst>
+  </p:cSld>
+  <p:clrMapOvr>
+    <a:masterClrMapping/>
+  </p:clrMapOvr>
+</p:sld>
+</file>
+
+<file path=ppt/slides/slide13.xml><?xml version="1.0" encoding="utf-8"?>
+<p:sld xmlns:a="http://schemas.openxmlformats.org/drawingml/2006/main" xmlns:r="http://schemas.openxmlformats.org/officeDocument/2006/relationships" xmlns:p="http://schemas.openxmlformats.org/presentationml/2006/main">
+  <p:cSld>
+    <p:spTree>
+      <p:nvGrpSpPr>
+        <p:cNvPr id="1" name=""/>
+        <p:cNvGrpSpPr/>
+        <p:nvPr/>
+      </p:nvGrpSpPr>
+      <p:grpSpPr>
+        <a:xfrm>
+          <a:off x="0" y="0"/>
+          <a:ext cx="0" cy="0"/>
+          <a:chOff x="0" y="0"/>
+          <a:chExt cx="0" cy="0"/>
+        </a:xfrm>
+      </p:grpSpPr>
+      <mc:AlternateContent xmlns:mc="http://schemas.openxmlformats.org/markup-compatibility/2006" xmlns:a14="http://schemas.microsoft.com/office/drawing/2010/main">
+        <mc:Choice Requires="a14">
+          <p:graphicFrame>
+            <p:nvGraphicFramePr>
+              <p:cNvPr id="3" name="Table 2">
+                <a:extLst>
+                  <a:ext uri="{FF2B5EF4-FFF2-40B4-BE49-F238E27FC236}">
+                    <a16:creationId xmlns:a16="http://schemas.microsoft.com/office/drawing/2014/main" id="{2205A12D-890F-42B5-B64F-433E025FE509}"/>
+                  </a:ext>
+                </a:extLst>
+              </p:cNvPr>
+              <p:cNvGraphicFramePr>
+                <a:graphicFrameLocks noGrp="1"/>
+              </p:cNvGraphicFramePr>
+              <p:nvPr>
+                <p:extLst>
+                  <p:ext uri="{D42A27DB-BD31-4B8C-83A1-F6EECF244321}">
+                    <p14:modId xmlns:p14="http://schemas.microsoft.com/office/powerpoint/2010/main" val="2420990212"/>
+                  </p:ext>
+                </p:extLst>
+              </p:nvPr>
+            </p:nvGraphicFramePr>
+            <p:xfrm>
+              <a:off x="2032000" y="742244"/>
+              <a:ext cx="3127022" cy="3457220"/>
+            </p:xfrm>
+            <a:graphic>
+              <a:graphicData uri="http://schemas.openxmlformats.org/drawingml/2006/table">
+                <a:tbl>
+                  <a:tblPr firstRow="1" bandRow="1">
+                    <a:tableStyleId>{2D5ABB26-0587-4C30-8999-92F81FD0307C}</a:tableStyleId>
+                  </a:tblPr>
+                  <a:tblGrid>
+                    <a:gridCol w="1008147">
+                      <a:extLst>
+                        <a:ext uri="{9D8B030D-6E8A-4147-A177-3AD203B41FA5}">
+                          <a16:colId xmlns:a16="http://schemas.microsoft.com/office/drawing/2014/main" val="4274936354"/>
+                        </a:ext>
+                      </a:extLst>
+                    </a:gridCol>
+                    <a:gridCol w="2118875">
+                      <a:extLst>
+                        <a:ext uri="{9D8B030D-6E8A-4147-A177-3AD203B41FA5}">
+                          <a16:colId xmlns:a16="http://schemas.microsoft.com/office/drawing/2014/main" val="3275328565"/>
+                        </a:ext>
+                      </a:extLst>
+                    </a:gridCol>
+                  </a:tblGrid>
+                  <a:tr h="345722">
+                    <a:tc>
+                      <a:txBody>
+                        <a:bodyPr/>
+                        <a:lstStyle/>
+                        <a:p>
+                          <a:pPr algn="ctr"/>
+                          <a14:m>
+                            <m:oMath xmlns:m="http://schemas.openxmlformats.org/officeDocument/2006/math">
+                              <m:r>
+                                <a:rPr lang="en-US" sz="1600" smtClean="0">
+                                  <a:latin typeface="Cambria Math" panose="02040503050406030204" pitchFamily="18" charset="0"/>
+                                </a:rPr>
+                                <m:t>𝑺</m:t>
+                              </m:r>
+                            </m:oMath>
+                          </a14:m>
+                          <a:r>
+                            <a:rPr lang="en-US" sz="1600" dirty="0"/>
+                            <a:t> (M)</a:t>
+                          </a:r>
+                        </a:p>
+                      </a:txBody>
+                      <a:tcPr>
+                        <a:lnT w="38100" cap="flat" cmpd="sng" algn="ctr">
+                          <a:solidFill>
+                            <a:srgbClr val="00B0F0"/>
+                          </a:solidFill>
+                          <a:prstDash val="solid"/>
+                          <a:round/>
+                          <a:headEnd type="none" w="med" len="med"/>
+                          <a:tailEnd type="none" w="med" len="med"/>
+                        </a:lnT>
+                        <a:lnB w="12700" cap="flat" cmpd="sng" algn="ctr">
+                          <a:solidFill>
+                            <a:schemeClr val="tx1"/>
+                          </a:solidFill>
+                          <a:prstDash val="solid"/>
+                          <a:round/>
+                          <a:headEnd type="none" w="med" len="med"/>
+                          <a:tailEnd type="none" w="med" len="med"/>
+                        </a:lnB>
+                      </a:tcPr>
+                    </a:tc>
+                    <a:tc>
+                      <a:txBody>
+                        <a:bodyPr/>
+                        <a:lstStyle/>
+                        <a:p>
+                          <a:pPr algn="ctr"/>
+                          <a14:m>
+                            <m:oMath xmlns:m="http://schemas.openxmlformats.org/officeDocument/2006/math">
+                              <m:r>
+                                <a:rPr lang="en-US" sz="1600" smtClean="0">
+                                  <a:latin typeface="Cambria Math" panose="02040503050406030204" pitchFamily="18" charset="0"/>
+                                </a:rPr>
+                                <m:t>𝒗</m:t>
+                              </m:r>
+                            </m:oMath>
+                          </a14:m>
+                          <a:r>
+                            <a:rPr lang="en-US" sz="1600" dirty="0"/>
+                            <a:t> (M/s)</a:t>
+                          </a:r>
+                        </a:p>
+                      </a:txBody>
+                      <a:tcPr>
+                        <a:lnT w="38100" cap="flat" cmpd="sng" algn="ctr">
+                          <a:solidFill>
+                            <a:srgbClr val="00B0F0"/>
+                          </a:solidFill>
+                          <a:prstDash val="solid"/>
+                          <a:round/>
+                          <a:headEnd type="none" w="med" len="med"/>
+                          <a:tailEnd type="none" w="med" len="med"/>
+                        </a:lnT>
+                        <a:lnB w="12700" cap="flat" cmpd="sng" algn="ctr">
+                          <a:solidFill>
+                            <a:schemeClr val="tx1"/>
+                          </a:solidFill>
+                          <a:prstDash val="solid"/>
+                          <a:round/>
+                          <a:headEnd type="none" w="med" len="med"/>
+                          <a:tailEnd type="none" w="med" len="med"/>
+                        </a:lnB>
+                      </a:tcPr>
+                    </a:tc>
+                    <a:extLst>
+                      <a:ext uri="{0D108BD9-81ED-4DB2-BD59-A6C34878D82A}">
+                        <a16:rowId xmlns:a16="http://schemas.microsoft.com/office/drawing/2014/main" val="3784570365"/>
+                      </a:ext>
+                    </a:extLst>
+                  </a:tr>
+                  <a:tr h="345722">
+                    <a:tc>
+                      <a:txBody>
+                        <a:bodyPr/>
+                        <a:lstStyle/>
+                        <a:p>
+                          <a:pPr algn="ctr"/>
+                          <a:r>
+                            <a:rPr lang="en-US" sz="1600" dirty="0"/>
+                            <a:t>0.01</a:t>
+                          </a:r>
+                        </a:p>
+                      </a:txBody>
+                      <a:tcPr>
+                        <a:lnT w="12700" cap="flat" cmpd="sng" algn="ctr">
+                          <a:solidFill>
+                            <a:schemeClr val="tx1"/>
+                          </a:solidFill>
+                          <a:prstDash val="solid"/>
+                          <a:round/>
+                          <a:headEnd type="none" w="med" len="med"/>
+                          <a:tailEnd type="none" w="med" len="med"/>
+                        </a:lnT>
+                      </a:tcPr>
+                    </a:tc>
+                    <a:tc>
+                      <a:txBody>
+                        <a:bodyPr/>
+                        <a:lstStyle/>
+                        <a:p>
+                          <a:pPr algn="ctr"/>
+                          <a14:m>
+                            <m:oMathPara xmlns:m="http://schemas.openxmlformats.org/officeDocument/2006/math">
+                              <m:oMathParaPr>
+                                <m:jc m:val="centerGroup"/>
+                              </m:oMathParaPr>
+                              <m:oMath xmlns:m="http://schemas.openxmlformats.org/officeDocument/2006/math">
+                                <m:r>
+                                  <m:rPr>
+                                    <m:nor/>
+                                  </m:rPr>
+                                  <a:rPr lang="en-US" sz="1600" dirty="0" smtClean="0"/>
+                                  <m:t>6.079</m:t>
+                                </m:r>
+                                <m:r>
+                                  <a:rPr lang="en-US" sz="1600" smtClean="0">
+                                    <a:latin typeface="Cambria Math" panose="02040503050406030204" pitchFamily="18" charset="0"/>
+                                  </a:rPr>
+                                  <m:t>×</m:t>
+                                </m:r>
+                                <m:sSup>
+                                  <m:sSupPr>
+                                    <m:ctrlPr>
+                                      <a:rPr lang="en-US" sz="1600" i="1" smtClean="0">
+                                        <a:latin typeface="Cambria Math" panose="02040503050406030204" pitchFamily="18" charset="0"/>
+                                      </a:rPr>
+                                    </m:ctrlPr>
+                                  </m:sSupPr>
+                                  <m:e>
+                                    <m:r>
+                                      <a:rPr lang="en-US" sz="1600" smtClean="0">
+                                        <a:latin typeface="Cambria Math" panose="02040503050406030204" pitchFamily="18" charset="0"/>
+                                      </a:rPr>
+                                      <m:t>10</m:t>
+                                    </m:r>
+                                  </m:e>
+                                  <m:sup>
+                                    <m:r>
+                                      <a:rPr lang="en-US" sz="1600" smtClean="0">
+                                        <a:latin typeface="Cambria Math" panose="02040503050406030204" pitchFamily="18" charset="0"/>
+                                      </a:rPr>
+                                      <m:t>−11</m:t>
+                                    </m:r>
+                                  </m:sup>
+                                </m:sSup>
+                              </m:oMath>
+                            </m:oMathPara>
+                          </a14:m>
+                          <a:endParaRPr lang="en-US" sz="1600" dirty="0"/>
+                        </a:p>
+                      </a:txBody>
+                      <a:tcPr>
+                        <a:lnT w="12700" cap="flat" cmpd="sng" algn="ctr">
+                          <a:solidFill>
+                            <a:schemeClr val="tx1"/>
+                          </a:solidFill>
+                          <a:prstDash val="solid"/>
+                          <a:round/>
+                          <a:headEnd type="none" w="med" len="med"/>
+                          <a:tailEnd type="none" w="med" len="med"/>
+                        </a:lnT>
+                      </a:tcPr>
+                    </a:tc>
+                    <a:extLst>
+                      <a:ext uri="{0D108BD9-81ED-4DB2-BD59-A6C34878D82A}">
+                        <a16:rowId xmlns:a16="http://schemas.microsoft.com/office/drawing/2014/main" val="4169272442"/>
+                      </a:ext>
+                    </a:extLst>
+                  </a:tr>
+                  <a:tr h="345722">
+                    <a:tc>
+                      <a:txBody>
+                        <a:bodyPr/>
+                        <a:lstStyle/>
+                        <a:p>
+                          <a:pPr algn="ctr"/>
+                          <a:r>
+                            <a:rPr lang="en-US" sz="1600" dirty="0"/>
+                            <a:t>0.05</a:t>
+                          </a:r>
+                        </a:p>
+                      </a:txBody>
+                      <a:tcPr/>
+                    </a:tc>
+                    <a:tc>
+                      <a:txBody>
+                        <a:bodyPr/>
+                        <a:lstStyle/>
+                        <a:p>
+                          <a:pPr algn="ctr"/>
+                          <a14:m>
+                            <m:oMathPara xmlns:m="http://schemas.openxmlformats.org/officeDocument/2006/math">
+                              <m:oMathParaPr>
+                                <m:jc m:val="centerGroup"/>
+                              </m:oMathParaPr>
+                              <m:oMath xmlns:m="http://schemas.openxmlformats.org/officeDocument/2006/math">
+                                <m:r>
+                                  <m:rPr>
+                                    <m:nor/>
+                                  </m:rPr>
+                                  <a:rPr lang="en-US" sz="1600" dirty="0" smtClean="0"/>
+                                  <m:t>7.</m:t>
+                                </m:r>
+                                <m:r>
+                                  <a:rPr lang="en-US" sz="1600" dirty="0" smtClean="0">
+                                    <a:latin typeface="Cambria Math" panose="02040503050406030204" pitchFamily="18" charset="0"/>
+                                  </a:rPr>
+                                  <m:t>591</m:t>
+                                </m:r>
+                                <m:r>
+                                  <a:rPr lang="en-US" sz="1600" smtClean="0">
+                                    <a:latin typeface="Cambria Math" panose="02040503050406030204" pitchFamily="18" charset="0"/>
+                                  </a:rPr>
+                                  <m:t>×</m:t>
+                                </m:r>
+                                <m:sSup>
+                                  <m:sSupPr>
+                                    <m:ctrlPr>
+                                      <a:rPr lang="en-US" sz="1600" i="1" smtClean="0">
+                                        <a:latin typeface="Cambria Math" panose="02040503050406030204" pitchFamily="18" charset="0"/>
+                                      </a:rPr>
+                                    </m:ctrlPr>
+                                  </m:sSupPr>
+                                  <m:e>
+                                    <m:r>
+                                      <a:rPr lang="en-US" sz="1600" smtClean="0">
+                                        <a:latin typeface="Cambria Math" panose="02040503050406030204" pitchFamily="18" charset="0"/>
+                                      </a:rPr>
+                                      <m:t>10</m:t>
+                                    </m:r>
+                                  </m:e>
+                                  <m:sup>
+                                    <m:r>
+                                      <a:rPr lang="en-US" sz="1600" smtClean="0">
+                                        <a:latin typeface="Cambria Math" panose="02040503050406030204" pitchFamily="18" charset="0"/>
+                                      </a:rPr>
+                                      <m:t>−9</m:t>
+                                    </m:r>
+                                  </m:sup>
+                                </m:sSup>
+                              </m:oMath>
+                            </m:oMathPara>
+                          </a14:m>
+                          <a:endParaRPr lang="en-US" sz="1600" dirty="0"/>
+                        </a:p>
+                      </a:txBody>
+                      <a:tcPr/>
+                    </a:tc>
+                    <a:extLst>
+                      <a:ext uri="{0D108BD9-81ED-4DB2-BD59-A6C34878D82A}">
+                        <a16:rowId xmlns:a16="http://schemas.microsoft.com/office/drawing/2014/main" val="1380140036"/>
+                      </a:ext>
+                    </a:extLst>
+                  </a:tr>
+                  <a:tr h="345722">
+                    <a:tc>
+                      <a:txBody>
+                        <a:bodyPr/>
+                        <a:lstStyle/>
+                        <a:p>
+                          <a:pPr algn="ctr"/>
+                          <a:r>
+                            <a:rPr lang="en-US" sz="1600" dirty="0"/>
+                            <a:t>0.1</a:t>
+                          </a:r>
+                        </a:p>
+                      </a:txBody>
+                      <a:tcPr/>
+                    </a:tc>
+                    <a:tc>
+                      <a:txBody>
+                        <a:bodyPr/>
+                        <a:lstStyle/>
+                        <a:p>
+                          <a:pPr marL="0" marR="0" lvl="0" indent="0" algn="ctr" defTabSz="914400" rtl="0" eaLnBrk="1" fontAlgn="auto" latinLnBrk="0" hangingPunct="1">
+                            <a:lnSpc>
+                              <a:spcPct val="100000"/>
+                            </a:lnSpc>
+                            <a:spcBef>
+                              <a:spcPts val="0"/>
+                            </a:spcBef>
+                            <a:spcAft>
+                              <a:spcPts val="0"/>
+                            </a:spcAft>
+                            <a:buClrTx/>
+                            <a:buSzTx/>
+                            <a:buFontTx/>
+                            <a:buNone/>
+                            <a:tabLst/>
+                            <a:defRPr/>
+                          </a:pPr>
+                          <a14:m>
+                            <m:oMathPara xmlns:m="http://schemas.openxmlformats.org/officeDocument/2006/math">
+                              <m:oMathParaPr>
+                                <m:jc m:val="centerGroup"/>
+                              </m:oMathParaPr>
+                              <m:oMath xmlns:m="http://schemas.openxmlformats.org/officeDocument/2006/math">
+                                <m:r>
+                                  <a:rPr lang="en-US" sz="1600" dirty="0" smtClean="0">
+                                    <a:latin typeface="Cambria Math" panose="02040503050406030204" pitchFamily="18" charset="0"/>
+                                  </a:rPr>
+                                  <m:t>6.062</m:t>
+                                </m:r>
+                                <m:r>
+                                  <a:rPr lang="en-US" sz="1600" smtClean="0">
+                                    <a:latin typeface="Cambria Math" panose="02040503050406030204" pitchFamily="18" charset="0"/>
+                                  </a:rPr>
+                                  <m:t>×</m:t>
+                                </m:r>
+                                <m:sSup>
+                                  <m:sSupPr>
+                                    <m:ctrlPr>
+                                      <a:rPr lang="en-US" sz="1600" i="1" smtClean="0">
+                                        <a:latin typeface="Cambria Math" panose="02040503050406030204" pitchFamily="18" charset="0"/>
+                                      </a:rPr>
+                                    </m:ctrlPr>
+                                  </m:sSupPr>
+                                  <m:e>
+                                    <m:r>
+                                      <a:rPr lang="en-US" sz="1600" smtClean="0">
+                                        <a:latin typeface="Cambria Math" panose="02040503050406030204" pitchFamily="18" charset="0"/>
+                                      </a:rPr>
+                                      <m:t>10</m:t>
+                                    </m:r>
+                                  </m:e>
+                                  <m:sup>
+                                    <m:r>
+                                      <a:rPr lang="en-US" sz="1600" smtClean="0">
+                                        <a:latin typeface="Cambria Math" panose="02040503050406030204" pitchFamily="18" charset="0"/>
+                                      </a:rPr>
+                                      <m:t>−8</m:t>
+                                    </m:r>
+                                  </m:sup>
+                                </m:sSup>
+                              </m:oMath>
+                            </m:oMathPara>
+                          </a14:m>
+                          <a:endParaRPr lang="en-US" sz="1600" dirty="0"/>
+                        </a:p>
+                      </a:txBody>
+                      <a:tcPr/>
+                    </a:tc>
+                    <a:extLst>
+                      <a:ext uri="{0D108BD9-81ED-4DB2-BD59-A6C34878D82A}">
+                        <a16:rowId xmlns:a16="http://schemas.microsoft.com/office/drawing/2014/main" val="204232336"/>
+                      </a:ext>
+                    </a:extLst>
+                  </a:tr>
+                  <a:tr h="345722">
+                    <a:tc>
+                      <a:txBody>
+                        <a:bodyPr/>
+                        <a:lstStyle/>
+                        <a:p>
+                          <a:pPr algn="ctr"/>
+                          <a:r>
+                            <a:rPr lang="en-US" sz="1600" dirty="0"/>
+                            <a:t>0.5</a:t>
+                          </a:r>
+                        </a:p>
+                      </a:txBody>
+                      <a:tcPr/>
+                    </a:tc>
+                    <a:tc>
+                      <a:txBody>
+                        <a:bodyPr/>
+                        <a:lstStyle/>
+                        <a:p>
+                          <a:pPr algn="ctr"/>
+                          <a14:m>
+                            <m:oMathPara xmlns:m="http://schemas.openxmlformats.org/officeDocument/2006/math">
+                              <m:oMathParaPr>
+                                <m:jc m:val="centerGroup"/>
+                              </m:oMathParaPr>
+                              <m:oMath xmlns:m="http://schemas.openxmlformats.org/officeDocument/2006/math">
+                                <m:r>
+                                  <a:rPr lang="en-US" sz="1600" dirty="0" smtClean="0">
+                                    <a:latin typeface="Cambria Math" panose="02040503050406030204" pitchFamily="18" charset="0"/>
+                                  </a:rPr>
+                                  <m:t>5.785</m:t>
+                                </m:r>
+                                <m:r>
+                                  <a:rPr lang="en-US" sz="1600" smtClean="0">
+                                    <a:latin typeface="Cambria Math" panose="02040503050406030204" pitchFamily="18" charset="0"/>
+                                  </a:rPr>
+                                  <m:t>×</m:t>
+                                </m:r>
+                                <m:sSup>
+                                  <m:sSupPr>
+                                    <m:ctrlPr>
+                                      <a:rPr lang="en-US" sz="1600" i="1" smtClean="0">
+                                        <a:latin typeface="Cambria Math" panose="02040503050406030204" pitchFamily="18" charset="0"/>
+                                      </a:rPr>
+                                    </m:ctrlPr>
+                                  </m:sSupPr>
+                                  <m:e>
+                                    <m:r>
+                                      <a:rPr lang="en-US" sz="1600" smtClean="0">
+                                        <a:latin typeface="Cambria Math" panose="02040503050406030204" pitchFamily="18" charset="0"/>
+                                      </a:rPr>
+                                      <m:t>10</m:t>
+                                    </m:r>
+                                  </m:e>
+                                  <m:sup>
+                                    <m:r>
+                                      <a:rPr lang="en-US" sz="1600" smtClean="0">
+                                        <a:latin typeface="Cambria Math" panose="02040503050406030204" pitchFamily="18" charset="0"/>
+                                      </a:rPr>
+                                      <m:t>−6</m:t>
+                                    </m:r>
+                                  </m:sup>
+                                </m:sSup>
+                              </m:oMath>
+                            </m:oMathPara>
+                          </a14:m>
+                          <a:endParaRPr lang="en-US" sz="1600" dirty="0"/>
+                        </a:p>
+                      </a:txBody>
+                      <a:tcPr/>
+                    </a:tc>
+                    <a:extLst>
+                      <a:ext uri="{0D108BD9-81ED-4DB2-BD59-A6C34878D82A}">
+                        <a16:rowId xmlns:a16="http://schemas.microsoft.com/office/drawing/2014/main" val="3882208117"/>
+                      </a:ext>
+                    </a:extLst>
+                  </a:tr>
+                  <a:tr h="345722">
+                    <a:tc>
+                      <a:txBody>
+                        <a:bodyPr/>
+                        <a:lstStyle/>
+                        <a:p>
+                          <a:pPr algn="ctr"/>
+                          <a:r>
+                            <a:rPr lang="en-US" sz="1600" dirty="0"/>
+                            <a:t>1</a:t>
+                          </a:r>
+                        </a:p>
+                      </a:txBody>
+                      <a:tcPr/>
+                    </a:tc>
+                    <a:tc>
+                      <a:txBody>
+                        <a:bodyPr/>
+                        <a:lstStyle/>
+                        <a:p>
+                          <a:pPr algn="ctr"/>
+                          <a14:m>
+                            <m:oMathPara xmlns:m="http://schemas.openxmlformats.org/officeDocument/2006/math">
+                              <m:oMathParaPr>
+                                <m:jc m:val="centerGroup"/>
+                              </m:oMathParaPr>
+                              <m:oMath xmlns:m="http://schemas.openxmlformats.org/officeDocument/2006/math">
+                                <m:r>
+                                  <a:rPr lang="en-US" sz="1600" dirty="0" smtClean="0">
+                                    <a:latin typeface="Cambria Math" panose="02040503050406030204" pitchFamily="18" charset="0"/>
+                                  </a:rPr>
+                                  <m:t>1.736</m:t>
+                                </m:r>
+                                <m:r>
+                                  <a:rPr lang="en-US" sz="1600" smtClean="0">
+                                    <a:latin typeface="Cambria Math" panose="02040503050406030204" pitchFamily="18" charset="0"/>
+                                  </a:rPr>
+                                  <m:t>×</m:t>
+                                </m:r>
+                                <m:sSup>
+                                  <m:sSupPr>
+                                    <m:ctrlPr>
+                                      <a:rPr lang="en-US" sz="1600" i="1" smtClean="0">
+                                        <a:latin typeface="Cambria Math" panose="02040503050406030204" pitchFamily="18" charset="0"/>
+                                      </a:rPr>
+                                    </m:ctrlPr>
+                                  </m:sSupPr>
+                                  <m:e>
+                                    <m:r>
+                                      <a:rPr lang="en-US" sz="1600" smtClean="0">
+                                        <a:latin typeface="Cambria Math" panose="02040503050406030204" pitchFamily="18" charset="0"/>
+                                      </a:rPr>
+                                      <m:t>10</m:t>
+                                    </m:r>
+                                  </m:e>
+                                  <m:sup>
+                                    <m:r>
+                                      <a:rPr lang="en-US" sz="1600" smtClean="0">
+                                        <a:latin typeface="Cambria Math" panose="02040503050406030204" pitchFamily="18" charset="0"/>
+                                      </a:rPr>
+                                      <m:t>−5</m:t>
+                                    </m:r>
+                                  </m:sup>
+                                </m:sSup>
+                              </m:oMath>
+                            </m:oMathPara>
+                          </a14:m>
+                          <a:endParaRPr lang="en-US" sz="1600" dirty="0"/>
+                        </a:p>
+                      </a:txBody>
+                      <a:tcPr/>
+                    </a:tc>
+                    <a:extLst>
+                      <a:ext uri="{0D108BD9-81ED-4DB2-BD59-A6C34878D82A}">
+                        <a16:rowId xmlns:a16="http://schemas.microsoft.com/office/drawing/2014/main" val="3757313124"/>
+                      </a:ext>
+                    </a:extLst>
+                  </a:tr>
+                  <a:tr h="345722">
+                    <a:tc>
+                      <a:txBody>
+                        <a:bodyPr/>
+                        <a:lstStyle/>
+                        <a:p>
+                          <a:pPr algn="ctr"/>
+                          <a:r>
+                            <a:rPr lang="en-US" sz="1600" dirty="0"/>
+                            <a:t>5</a:t>
+                          </a:r>
+                        </a:p>
+                      </a:txBody>
+                      <a:tcPr/>
+                    </a:tc>
+                    <a:tc>
+                      <a:txBody>
+                        <a:bodyPr/>
+                        <a:lstStyle/>
+                        <a:p>
+                          <a:pPr algn="ctr"/>
+                          <a14:m>
+                            <m:oMathPara xmlns:m="http://schemas.openxmlformats.org/officeDocument/2006/math">
+                              <m:oMathParaPr>
+                                <m:jc m:val="centerGroup"/>
+                              </m:oMathParaPr>
+                              <m:oMath xmlns:m="http://schemas.openxmlformats.org/officeDocument/2006/math">
+                                <m:r>
+                                  <a:rPr lang="en-US" sz="1600" dirty="0" smtClean="0">
+                                    <a:latin typeface="Cambria Math" panose="02040503050406030204" pitchFamily="18" charset="0"/>
+                                  </a:rPr>
+                                  <m:t>2.423</m:t>
+                                </m:r>
+                                <m:r>
+                                  <a:rPr lang="en-US" sz="1600" smtClean="0">
+                                    <a:latin typeface="Cambria Math" panose="02040503050406030204" pitchFamily="18" charset="0"/>
+                                  </a:rPr>
+                                  <m:t>×</m:t>
+                                </m:r>
+                                <m:sSup>
+                                  <m:sSupPr>
+                                    <m:ctrlPr>
+                                      <a:rPr lang="en-US" sz="1600" i="1" smtClean="0">
+                                        <a:latin typeface="Cambria Math" panose="02040503050406030204" pitchFamily="18" charset="0"/>
+                                      </a:rPr>
+                                    </m:ctrlPr>
+                                  </m:sSupPr>
+                                  <m:e>
+                                    <m:r>
+                                      <a:rPr lang="en-US" sz="1600" smtClean="0">
+                                        <a:latin typeface="Cambria Math" panose="02040503050406030204" pitchFamily="18" charset="0"/>
+                                      </a:rPr>
+                                      <m:t>10</m:t>
+                                    </m:r>
+                                  </m:e>
+                                  <m:sup>
+                                    <m:r>
+                                      <a:rPr lang="en-US" sz="1600" smtClean="0">
+                                        <a:latin typeface="Cambria Math" panose="02040503050406030204" pitchFamily="18" charset="0"/>
+                                      </a:rPr>
+                                      <m:t>−5</m:t>
+                                    </m:r>
+                                  </m:sup>
+                                </m:sSup>
+                              </m:oMath>
+                            </m:oMathPara>
+                          </a14:m>
+                          <a:endParaRPr lang="en-US" sz="1600" dirty="0"/>
+                        </a:p>
+                      </a:txBody>
+                      <a:tcPr/>
+                    </a:tc>
+                    <a:extLst>
+                      <a:ext uri="{0D108BD9-81ED-4DB2-BD59-A6C34878D82A}">
+                        <a16:rowId xmlns:a16="http://schemas.microsoft.com/office/drawing/2014/main" val="3899994597"/>
+                      </a:ext>
+                    </a:extLst>
+                  </a:tr>
+                  <a:tr h="345722">
+                    <a:tc>
+                      <a:txBody>
+                        <a:bodyPr/>
+                        <a:lstStyle/>
+                        <a:p>
+                          <a:pPr algn="ctr"/>
+                          <a:r>
+                            <a:rPr lang="en-US" sz="1600" dirty="0"/>
+                            <a:t>10</a:t>
+                          </a:r>
+                        </a:p>
+                      </a:txBody>
+                      <a:tcPr/>
+                    </a:tc>
+                    <a:tc>
+                      <a:txBody>
+                        <a:bodyPr/>
+                        <a:lstStyle/>
+                        <a:p>
+                          <a:pPr algn="ctr"/>
+                          <a14:m>
+                            <m:oMathPara xmlns:m="http://schemas.openxmlformats.org/officeDocument/2006/math">
+                              <m:oMathParaPr>
+                                <m:jc m:val="centerGroup"/>
+                              </m:oMathParaPr>
+                              <m:oMath xmlns:m="http://schemas.openxmlformats.org/officeDocument/2006/math">
+                                <m:r>
+                                  <a:rPr lang="en-US" sz="1600" dirty="0" smtClean="0">
+                                    <a:latin typeface="Cambria Math" panose="02040503050406030204" pitchFamily="18" charset="0"/>
+                                  </a:rPr>
+                                  <m:t>2.428</m:t>
+                                </m:r>
+                                <m:r>
+                                  <a:rPr lang="en-US" sz="1600" smtClean="0">
+                                    <a:latin typeface="Cambria Math" panose="02040503050406030204" pitchFamily="18" charset="0"/>
+                                  </a:rPr>
+                                  <m:t>×</m:t>
+                                </m:r>
+                                <m:sSup>
+                                  <m:sSupPr>
+                                    <m:ctrlPr>
+                                      <a:rPr lang="en-US" sz="1600" i="1" smtClean="0">
+                                        <a:latin typeface="Cambria Math" panose="02040503050406030204" pitchFamily="18" charset="0"/>
+                                      </a:rPr>
+                                    </m:ctrlPr>
+                                  </m:sSupPr>
+                                  <m:e>
+                                    <m:r>
+                                      <a:rPr lang="en-US" sz="1600" smtClean="0">
+                                        <a:latin typeface="Cambria Math" panose="02040503050406030204" pitchFamily="18" charset="0"/>
+                                      </a:rPr>
+                                      <m:t>10</m:t>
+                                    </m:r>
+                                  </m:e>
+                                  <m:sup>
+                                    <m:r>
+                                      <a:rPr lang="en-US" sz="1600" smtClean="0">
+                                        <a:latin typeface="Cambria Math" panose="02040503050406030204" pitchFamily="18" charset="0"/>
+                                      </a:rPr>
+                                      <m:t>−5</m:t>
+                                    </m:r>
+                                  </m:sup>
+                                </m:sSup>
+                              </m:oMath>
+                            </m:oMathPara>
+                          </a14:m>
+                          <a:endParaRPr lang="en-US" sz="1600" dirty="0"/>
+                        </a:p>
+                      </a:txBody>
+                      <a:tcPr/>
+                    </a:tc>
+                    <a:extLst>
+                      <a:ext uri="{0D108BD9-81ED-4DB2-BD59-A6C34878D82A}">
+                        <a16:rowId xmlns:a16="http://schemas.microsoft.com/office/drawing/2014/main" val="351865586"/>
+                      </a:ext>
+                    </a:extLst>
+                  </a:tr>
+                  <a:tr h="345722">
+                    <a:tc>
+                      <a:txBody>
+                        <a:bodyPr/>
+                        <a:lstStyle/>
+                        <a:p>
+                          <a:pPr algn="ctr"/>
+                          <a:r>
+                            <a:rPr lang="en-US" sz="1600" dirty="0"/>
+                            <a:t>50</a:t>
+                          </a:r>
+                        </a:p>
+                      </a:txBody>
+                      <a:tcPr/>
+                    </a:tc>
+                    <a:tc>
+                      <a:txBody>
+                        <a:bodyPr/>
+                        <a:lstStyle/>
+                        <a:p>
+                          <a:pPr algn="ctr"/>
+                          <a14:m>
+                            <m:oMathPara xmlns:m="http://schemas.openxmlformats.org/officeDocument/2006/math">
+                              <m:oMathParaPr>
+                                <m:jc m:val="centerGroup"/>
+                              </m:oMathParaPr>
+                              <m:oMath xmlns:m="http://schemas.openxmlformats.org/officeDocument/2006/math">
+                                <m:r>
+                                  <a:rPr lang="en-US" sz="1600" dirty="0" smtClean="0">
+                                    <a:latin typeface="Cambria Math" panose="02040503050406030204" pitchFamily="18" charset="0"/>
+                                  </a:rPr>
+                                  <m:t>2.430</m:t>
+                                </m:r>
+                                <m:r>
+                                  <a:rPr lang="en-US" sz="1600" smtClean="0">
+                                    <a:latin typeface="Cambria Math" panose="02040503050406030204" pitchFamily="18" charset="0"/>
+                                  </a:rPr>
+                                  <m:t>×</m:t>
+                                </m:r>
+                                <m:sSup>
+                                  <m:sSupPr>
+                                    <m:ctrlPr>
+                                      <a:rPr lang="en-US" sz="1600" i="1" smtClean="0">
+                                        <a:latin typeface="Cambria Math" panose="02040503050406030204" pitchFamily="18" charset="0"/>
+                                      </a:rPr>
+                                    </m:ctrlPr>
+                                  </m:sSupPr>
+                                  <m:e>
+                                    <m:r>
+                                      <a:rPr lang="en-US" sz="1600" smtClean="0">
+                                        <a:latin typeface="Cambria Math" panose="02040503050406030204" pitchFamily="18" charset="0"/>
+                                      </a:rPr>
+                                      <m:t>10</m:t>
+                                    </m:r>
+                                  </m:e>
+                                  <m:sup>
+                                    <m:r>
+                                      <a:rPr lang="en-US" sz="1600" smtClean="0">
+                                        <a:latin typeface="Cambria Math" panose="02040503050406030204" pitchFamily="18" charset="0"/>
+                                      </a:rPr>
+                                      <m:t>−5</m:t>
+                                    </m:r>
+                                  </m:sup>
+                                </m:sSup>
+                              </m:oMath>
+                            </m:oMathPara>
+                          </a14:m>
+                          <a:endParaRPr lang="en-US" sz="1600" dirty="0"/>
+                        </a:p>
+                      </a:txBody>
+                      <a:tcPr/>
+                    </a:tc>
+                    <a:extLst>
+                      <a:ext uri="{0D108BD9-81ED-4DB2-BD59-A6C34878D82A}">
+                        <a16:rowId xmlns:a16="http://schemas.microsoft.com/office/drawing/2014/main" val="2053567180"/>
+                      </a:ext>
+                    </a:extLst>
+                  </a:tr>
+                  <a:tr h="345722">
+                    <a:tc>
+                      <a:txBody>
+                        <a:bodyPr/>
+                        <a:lstStyle/>
+                        <a:p>
+                          <a:pPr algn="ctr"/>
+                          <a:r>
+                            <a:rPr lang="en-US" sz="1600" dirty="0"/>
+                            <a:t>100</a:t>
+                          </a:r>
+                        </a:p>
+                      </a:txBody>
+                      <a:tcPr>
+                        <a:lnB w="38100" cap="flat" cmpd="sng" algn="ctr">
+                          <a:solidFill>
+                            <a:srgbClr val="00B0F0"/>
+                          </a:solidFill>
+                          <a:prstDash val="solid"/>
+                          <a:round/>
+                          <a:headEnd type="none" w="med" len="med"/>
+                          <a:tailEnd type="none" w="med" len="med"/>
+                        </a:lnB>
+                      </a:tcPr>
+                    </a:tc>
+                    <a:tc>
+                      <a:txBody>
+                        <a:bodyPr/>
+                        <a:lstStyle/>
+                        <a:p>
+                          <a:pPr algn="ctr"/>
+                          <a14:m>
+                            <m:oMathPara xmlns:m="http://schemas.openxmlformats.org/officeDocument/2006/math">
+                              <m:oMathParaPr>
+                                <m:jc m:val="centerGroup"/>
+                              </m:oMathParaPr>
+                              <m:oMath xmlns:m="http://schemas.openxmlformats.org/officeDocument/2006/math">
+                                <m:r>
+                                  <a:rPr lang="en-US" sz="1600" dirty="0" smtClean="0">
+                                    <a:latin typeface="Cambria Math" panose="02040503050406030204" pitchFamily="18" charset="0"/>
+                                  </a:rPr>
+                                  <m:t>2.433</m:t>
+                                </m:r>
+                                <m:r>
+                                  <a:rPr lang="en-US" sz="1600" smtClean="0">
+                                    <a:latin typeface="Cambria Math" panose="02040503050406030204" pitchFamily="18" charset="0"/>
+                                  </a:rPr>
+                                  <m:t>×</m:t>
+                                </m:r>
+                                <m:sSup>
+                                  <m:sSupPr>
+                                    <m:ctrlPr>
+                                      <a:rPr lang="en-US" sz="1600" i="1" smtClean="0">
+                                        <a:latin typeface="Cambria Math" panose="02040503050406030204" pitchFamily="18" charset="0"/>
+                                      </a:rPr>
+                                    </m:ctrlPr>
+                                  </m:sSupPr>
+                                  <m:e>
+                                    <m:r>
+                                      <a:rPr lang="en-US" sz="1600" smtClean="0">
+                                        <a:latin typeface="Cambria Math" panose="02040503050406030204" pitchFamily="18" charset="0"/>
+                                      </a:rPr>
+                                      <m:t>10</m:t>
+                                    </m:r>
+                                  </m:e>
+                                  <m:sup>
+                                    <m:r>
+                                      <a:rPr lang="en-US" sz="1600" smtClean="0">
+                                        <a:latin typeface="Cambria Math" panose="02040503050406030204" pitchFamily="18" charset="0"/>
+                                      </a:rPr>
+                                      <m:t>−5</m:t>
+                                    </m:r>
+                                  </m:sup>
+                                </m:sSup>
+                              </m:oMath>
+                            </m:oMathPara>
+                          </a14:m>
+                          <a:endParaRPr lang="en-US" sz="1600" dirty="0"/>
+                        </a:p>
+                      </a:txBody>
+                      <a:tcPr>
+                        <a:lnB w="38100" cap="flat" cmpd="sng" algn="ctr">
+                          <a:solidFill>
+                            <a:srgbClr val="00B0F0"/>
+                          </a:solidFill>
+                          <a:prstDash val="solid"/>
+                          <a:round/>
+                          <a:headEnd type="none" w="med" len="med"/>
+                          <a:tailEnd type="none" w="med" len="med"/>
+                        </a:lnB>
+                      </a:tcPr>
+                    </a:tc>
+                    <a:extLst>
+                      <a:ext uri="{0D108BD9-81ED-4DB2-BD59-A6C34878D82A}">
+                        <a16:rowId xmlns:a16="http://schemas.microsoft.com/office/drawing/2014/main" val="3211987433"/>
+                      </a:ext>
+                    </a:extLst>
+                  </a:tr>
+                </a:tbl>
+              </a:graphicData>
+            </a:graphic>
+          </p:graphicFrame>
+        </mc:Choice>
+        <mc:Fallback xmlns="">
+          <p:graphicFrame>
+            <p:nvGraphicFramePr>
+              <p:cNvPr id="3" name="Table 2">
+                <a:extLst>
+                  <a:ext uri="{FF2B5EF4-FFF2-40B4-BE49-F238E27FC236}">
+                    <a16:creationId xmlns:a16="http://schemas.microsoft.com/office/drawing/2014/main" id="{2205A12D-890F-42B5-B64F-433E025FE509}"/>
+                  </a:ext>
+                </a:extLst>
+              </p:cNvPr>
+              <p:cNvGraphicFramePr>
+                <a:graphicFrameLocks noGrp="1"/>
+              </p:cNvGraphicFramePr>
+              <p:nvPr>
+                <p:extLst>
+                  <p:ext uri="{D42A27DB-BD31-4B8C-83A1-F6EECF244321}">
+                    <p14:modId xmlns:p14="http://schemas.microsoft.com/office/powerpoint/2010/main" val="2420990212"/>
+                  </p:ext>
+                </p:extLst>
+              </p:nvPr>
+            </p:nvGraphicFramePr>
+            <p:xfrm>
+              <a:off x="2032000" y="742244"/>
+              <a:ext cx="3127022" cy="3457220"/>
+            </p:xfrm>
+            <a:graphic>
+              <a:graphicData uri="http://schemas.openxmlformats.org/drawingml/2006/table">
+                <a:tbl>
+                  <a:tblPr firstRow="1" bandRow="1">
+                    <a:tableStyleId>{2D5ABB26-0587-4C30-8999-92F81FD0307C}</a:tableStyleId>
+                  </a:tblPr>
+                  <a:tblGrid>
+                    <a:gridCol w="1008147">
+                      <a:extLst>
+                        <a:ext uri="{9D8B030D-6E8A-4147-A177-3AD203B41FA5}">
+                          <a16:colId xmlns:a16="http://schemas.microsoft.com/office/drawing/2014/main" val="4274936354"/>
+                        </a:ext>
+                      </a:extLst>
+                    </a:gridCol>
+                    <a:gridCol w="2118875">
+                      <a:extLst>
+                        <a:ext uri="{9D8B030D-6E8A-4147-A177-3AD203B41FA5}">
+                          <a16:colId xmlns:a16="http://schemas.microsoft.com/office/drawing/2014/main" val="3275328565"/>
+                        </a:ext>
+                      </a:extLst>
+                    </a:gridCol>
+                  </a:tblGrid>
+                  <a:tr h="345722">
+                    <a:tc>
+                      <a:txBody>
+                        <a:bodyPr/>
+                        <a:lstStyle/>
+                        <a:p>
+                          <a:endParaRPr lang="en-US"/>
+                        </a:p>
+                      </a:txBody>
+                      <a:tcPr>
+                        <a:lnT w="38100" cap="flat" cmpd="sng" algn="ctr">
+                          <a:solidFill>
+                            <a:srgbClr val="00B0F0"/>
+                          </a:solidFill>
+                          <a:prstDash val="solid"/>
+                          <a:round/>
+                          <a:headEnd type="none" w="med" len="med"/>
+                          <a:tailEnd type="none" w="med" len="med"/>
+                        </a:lnT>
+                        <a:lnB w="12700" cap="flat" cmpd="sng" algn="ctr">
+                          <a:solidFill>
+                            <a:schemeClr val="tx1"/>
+                          </a:solidFill>
+                          <a:prstDash val="solid"/>
+                          <a:round/>
+                          <a:headEnd type="none" w="med" len="med"/>
+                          <a:tailEnd type="none" w="med" len="med"/>
+                        </a:lnB>
+                        <a:blipFill>
+                          <a:blip r:embed="rId2"/>
+                          <a:stretch>
+                            <a:fillRect t="-5263" r="-211446" b="-915789"/>
+                          </a:stretch>
+                        </a:blipFill>
+                      </a:tcPr>
+                    </a:tc>
+                    <a:tc>
+                      <a:txBody>
+                        <a:bodyPr/>
+                        <a:lstStyle/>
+                        <a:p>
+                          <a:endParaRPr lang="en-US"/>
+                        </a:p>
+                      </a:txBody>
+                      <a:tcPr>
+                        <a:lnT w="38100" cap="flat" cmpd="sng" algn="ctr">
+                          <a:solidFill>
+                            <a:srgbClr val="00B0F0"/>
+                          </a:solidFill>
+                          <a:prstDash val="solid"/>
+                          <a:round/>
+                          <a:headEnd type="none" w="med" len="med"/>
+                          <a:tailEnd type="none" w="med" len="med"/>
+                        </a:lnT>
+                        <a:lnB w="12700" cap="flat" cmpd="sng" algn="ctr">
+                          <a:solidFill>
+                            <a:schemeClr val="tx1"/>
+                          </a:solidFill>
+                          <a:prstDash val="solid"/>
+                          <a:round/>
+                          <a:headEnd type="none" w="med" len="med"/>
+                          <a:tailEnd type="none" w="med" len="med"/>
+                        </a:lnB>
+                        <a:blipFill>
+                          <a:blip r:embed="rId2"/>
+                          <a:stretch>
+                            <a:fillRect l="-47701" t="-5263" r="-862" b="-915789"/>
+                          </a:stretch>
+                        </a:blipFill>
+                      </a:tcPr>
+                    </a:tc>
+                    <a:extLst>
+                      <a:ext uri="{0D108BD9-81ED-4DB2-BD59-A6C34878D82A}">
+                        <a16:rowId xmlns:a16="http://schemas.microsoft.com/office/drawing/2014/main" val="3784570365"/>
+                      </a:ext>
+                    </a:extLst>
+                  </a:tr>
+                  <a:tr h="345722">
+                    <a:tc>
+                      <a:txBody>
+                        <a:bodyPr/>
+                        <a:lstStyle/>
+                        <a:p>
+                          <a:pPr algn="ctr"/>
+                          <a:r>
+                            <a:rPr lang="en-US" sz="1600" dirty="0"/>
+                            <a:t>0.01</a:t>
+                          </a:r>
+                        </a:p>
+                      </a:txBody>
+                      <a:tcPr>
+                        <a:lnT w="12700" cap="flat" cmpd="sng" algn="ctr">
+                          <a:solidFill>
+                            <a:schemeClr val="tx1"/>
+                          </a:solidFill>
+                          <a:prstDash val="solid"/>
+                          <a:round/>
+                          <a:headEnd type="none" w="med" len="med"/>
+                          <a:tailEnd type="none" w="med" len="med"/>
+                        </a:lnT>
+                      </a:tcPr>
+                    </a:tc>
+                    <a:tc>
+                      <a:txBody>
+                        <a:bodyPr/>
+                        <a:lstStyle/>
+                        <a:p>
+                          <a:endParaRPr lang="en-US"/>
+                        </a:p>
+                      </a:txBody>
+                      <a:tcPr>
+                        <a:lnT w="12700" cap="flat" cmpd="sng" algn="ctr">
+                          <a:solidFill>
+                            <a:schemeClr val="tx1"/>
+                          </a:solidFill>
+                          <a:prstDash val="solid"/>
+                          <a:round/>
+                          <a:headEnd type="none" w="med" len="med"/>
+                          <a:tailEnd type="none" w="med" len="med"/>
+                        </a:lnT>
+                        <a:blipFill>
+                          <a:blip r:embed="rId2"/>
+                          <a:stretch>
+                            <a:fillRect l="-47701" t="-105263" r="-862" b="-815789"/>
+                          </a:stretch>
+                        </a:blipFill>
+                      </a:tcPr>
+                    </a:tc>
+                    <a:extLst>
+                      <a:ext uri="{0D108BD9-81ED-4DB2-BD59-A6C34878D82A}">
+                        <a16:rowId xmlns:a16="http://schemas.microsoft.com/office/drawing/2014/main" val="4169272442"/>
+                      </a:ext>
+                    </a:extLst>
+                  </a:tr>
+                  <a:tr h="345722">
+                    <a:tc>
+                      <a:txBody>
+                        <a:bodyPr/>
+                        <a:lstStyle/>
+                        <a:p>
+                          <a:pPr algn="ctr"/>
+                          <a:r>
+                            <a:rPr lang="en-US" sz="1600" dirty="0"/>
+                            <a:t>0.05</a:t>
+                          </a:r>
+                        </a:p>
+                      </a:txBody>
+                      <a:tcPr/>
+                    </a:tc>
+                    <a:tc>
+                      <a:txBody>
+                        <a:bodyPr/>
+                        <a:lstStyle/>
+                        <a:p>
+                          <a:endParaRPr lang="en-US"/>
+                        </a:p>
+                      </a:txBody>
+                      <a:tcPr>
+                        <a:blipFill>
+                          <a:blip r:embed="rId2"/>
+                          <a:stretch>
+                            <a:fillRect l="-47701" t="-208929" r="-862" b="-730357"/>
+                          </a:stretch>
+                        </a:blipFill>
+                      </a:tcPr>
+                    </a:tc>
+                    <a:extLst>
+                      <a:ext uri="{0D108BD9-81ED-4DB2-BD59-A6C34878D82A}">
+                        <a16:rowId xmlns:a16="http://schemas.microsoft.com/office/drawing/2014/main" val="1380140036"/>
+                      </a:ext>
+                    </a:extLst>
+                  </a:tr>
+                  <a:tr h="345722">
+                    <a:tc>
+                      <a:txBody>
+                        <a:bodyPr/>
+                        <a:lstStyle/>
+                        <a:p>
+                          <a:pPr algn="ctr"/>
+                          <a:r>
+                            <a:rPr lang="en-US" sz="1600" dirty="0"/>
+                            <a:t>0.1</a:t>
+                          </a:r>
+                        </a:p>
+                      </a:txBody>
+                      <a:tcPr/>
+                    </a:tc>
+                    <a:tc>
+                      <a:txBody>
+                        <a:bodyPr/>
+                        <a:lstStyle/>
+                        <a:p>
+                          <a:endParaRPr lang="en-US"/>
+                        </a:p>
+                      </a:txBody>
+                      <a:tcPr>
+                        <a:blipFill>
+                          <a:blip r:embed="rId2"/>
+                          <a:stretch>
+                            <a:fillRect l="-47701" t="-303509" r="-862" b="-617544"/>
+                          </a:stretch>
+                        </a:blipFill>
+                      </a:tcPr>
+                    </a:tc>
+                    <a:extLst>
+                      <a:ext uri="{0D108BD9-81ED-4DB2-BD59-A6C34878D82A}">
+                        <a16:rowId xmlns:a16="http://schemas.microsoft.com/office/drawing/2014/main" val="204232336"/>
+                      </a:ext>
+                    </a:extLst>
+                  </a:tr>
+                  <a:tr h="345722">
+                    <a:tc>
+                      <a:txBody>
+                        <a:bodyPr/>
+                        <a:lstStyle/>
+                        <a:p>
+                          <a:pPr algn="ctr"/>
+                          <a:r>
+                            <a:rPr lang="en-US" sz="1600" dirty="0"/>
+                            <a:t>0.5</a:t>
+                          </a:r>
+                        </a:p>
+                      </a:txBody>
+                      <a:tcPr/>
+                    </a:tc>
+                    <a:tc>
+                      <a:txBody>
+                        <a:bodyPr/>
+                        <a:lstStyle/>
+                        <a:p>
+                          <a:endParaRPr lang="en-US"/>
+                        </a:p>
+                      </a:txBody>
+                      <a:tcPr>
+                        <a:blipFill>
+                          <a:blip r:embed="rId2"/>
+                          <a:stretch>
+                            <a:fillRect l="-47701" t="-403509" r="-862" b="-517544"/>
+                          </a:stretch>
+                        </a:blipFill>
+                      </a:tcPr>
+                    </a:tc>
+                    <a:extLst>
+                      <a:ext uri="{0D108BD9-81ED-4DB2-BD59-A6C34878D82A}">
+                        <a16:rowId xmlns:a16="http://schemas.microsoft.com/office/drawing/2014/main" val="3882208117"/>
+                      </a:ext>
+                    </a:extLst>
+                  </a:tr>
+                  <a:tr h="345722">
+                    <a:tc>
+                      <a:txBody>
+                        <a:bodyPr/>
+                        <a:lstStyle/>
+                        <a:p>
+                          <a:pPr algn="ctr"/>
+                          <a:r>
+                            <a:rPr lang="en-US" sz="1600" dirty="0"/>
+                            <a:t>1</a:t>
+                          </a:r>
+                        </a:p>
+                      </a:txBody>
+                      <a:tcPr/>
+                    </a:tc>
+                    <a:tc>
+                      <a:txBody>
+                        <a:bodyPr/>
+                        <a:lstStyle/>
+                        <a:p>
+                          <a:endParaRPr lang="en-US"/>
+                        </a:p>
+                      </a:txBody>
+                      <a:tcPr>
+                        <a:blipFill>
+                          <a:blip r:embed="rId2"/>
+                          <a:stretch>
+                            <a:fillRect l="-47701" t="-503509" r="-862" b="-417544"/>
+                          </a:stretch>
+                        </a:blipFill>
+                      </a:tcPr>
+                    </a:tc>
+                    <a:extLst>
+                      <a:ext uri="{0D108BD9-81ED-4DB2-BD59-A6C34878D82A}">
+                        <a16:rowId xmlns:a16="http://schemas.microsoft.com/office/drawing/2014/main" val="3757313124"/>
+                      </a:ext>
+                    </a:extLst>
+                  </a:tr>
+                  <a:tr h="345722">
+                    <a:tc>
+                      <a:txBody>
+                        <a:bodyPr/>
+                        <a:lstStyle/>
+                        <a:p>
+                          <a:pPr algn="ctr"/>
+                          <a:r>
+                            <a:rPr lang="en-US" sz="1600" dirty="0"/>
+                            <a:t>5</a:t>
+                          </a:r>
+                        </a:p>
+                      </a:txBody>
+                      <a:tcPr/>
+                    </a:tc>
+                    <a:tc>
+                      <a:txBody>
+                        <a:bodyPr/>
+                        <a:lstStyle/>
+                        <a:p>
+                          <a:endParaRPr lang="en-US"/>
+                        </a:p>
+                      </a:txBody>
+                      <a:tcPr>
+                        <a:blipFill>
+                          <a:blip r:embed="rId2"/>
+                          <a:stretch>
+                            <a:fillRect l="-47701" t="-603509" r="-862" b="-317544"/>
+                          </a:stretch>
+                        </a:blipFill>
+                      </a:tcPr>
+                    </a:tc>
+                    <a:extLst>
+                      <a:ext uri="{0D108BD9-81ED-4DB2-BD59-A6C34878D82A}">
+                        <a16:rowId xmlns:a16="http://schemas.microsoft.com/office/drawing/2014/main" val="3899994597"/>
+                      </a:ext>
+                    </a:extLst>
+                  </a:tr>
+                  <a:tr h="345722">
+                    <a:tc>
+                      <a:txBody>
+                        <a:bodyPr/>
+                        <a:lstStyle/>
+                        <a:p>
+                          <a:pPr algn="ctr"/>
+                          <a:r>
+                            <a:rPr lang="en-US" sz="1600" dirty="0"/>
+                            <a:t>10</a:t>
+                          </a:r>
+                        </a:p>
+                      </a:txBody>
+                      <a:tcPr/>
+                    </a:tc>
+                    <a:tc>
+                      <a:txBody>
+                        <a:bodyPr/>
+                        <a:lstStyle/>
+                        <a:p>
+                          <a:endParaRPr lang="en-US"/>
+                        </a:p>
+                      </a:txBody>
+                      <a:tcPr>
+                        <a:blipFill>
+                          <a:blip r:embed="rId2"/>
+                          <a:stretch>
+                            <a:fillRect l="-47701" t="-716071" r="-862" b="-223214"/>
+                          </a:stretch>
+                        </a:blipFill>
+                      </a:tcPr>
+                    </a:tc>
+                    <a:extLst>
+                      <a:ext uri="{0D108BD9-81ED-4DB2-BD59-A6C34878D82A}">
+                        <a16:rowId xmlns:a16="http://schemas.microsoft.com/office/drawing/2014/main" val="351865586"/>
+                      </a:ext>
+                    </a:extLst>
+                  </a:tr>
+                  <a:tr h="345722">
+                    <a:tc>
+                      <a:txBody>
+                        <a:bodyPr/>
+                        <a:lstStyle/>
+                        <a:p>
+                          <a:pPr algn="ctr"/>
+                          <a:r>
+                            <a:rPr lang="en-US" sz="1600" dirty="0"/>
+                            <a:t>50</a:t>
+                          </a:r>
+                        </a:p>
+                      </a:txBody>
+                      <a:tcPr/>
+                    </a:tc>
+                    <a:tc>
+                      <a:txBody>
+                        <a:bodyPr/>
+                        <a:lstStyle/>
+                        <a:p>
+                          <a:endParaRPr lang="en-US"/>
+                        </a:p>
+                      </a:txBody>
+                      <a:tcPr>
+                        <a:blipFill>
+                          <a:blip r:embed="rId2"/>
+                          <a:stretch>
+                            <a:fillRect l="-47701" t="-801754" r="-862" b="-119298"/>
+                          </a:stretch>
+                        </a:blipFill>
+                      </a:tcPr>
+                    </a:tc>
+                    <a:extLst>
+                      <a:ext uri="{0D108BD9-81ED-4DB2-BD59-A6C34878D82A}">
+                        <a16:rowId xmlns:a16="http://schemas.microsoft.com/office/drawing/2014/main" val="2053567180"/>
+                      </a:ext>
+                    </a:extLst>
+                  </a:tr>
+                  <a:tr h="345722">
+                    <a:tc>
+                      <a:txBody>
+                        <a:bodyPr/>
+                        <a:lstStyle/>
+                        <a:p>
+                          <a:pPr algn="ctr"/>
+                          <a:r>
+                            <a:rPr lang="en-US" sz="1600" dirty="0"/>
+                            <a:t>100</a:t>
+                          </a:r>
+                        </a:p>
+                      </a:txBody>
+                      <a:tcPr>
+                        <a:lnB w="38100" cap="flat" cmpd="sng" algn="ctr">
+                          <a:solidFill>
+                            <a:srgbClr val="00B0F0"/>
+                          </a:solidFill>
+                          <a:prstDash val="solid"/>
+                          <a:round/>
+                          <a:headEnd type="none" w="med" len="med"/>
+                          <a:tailEnd type="none" w="med" len="med"/>
+                        </a:lnB>
+                      </a:tcPr>
+                    </a:tc>
+                    <a:tc>
+                      <a:txBody>
+                        <a:bodyPr/>
+                        <a:lstStyle/>
+                        <a:p>
+                          <a:endParaRPr lang="en-US"/>
+                        </a:p>
+                      </a:txBody>
+                      <a:tcPr>
+                        <a:lnB w="38100" cap="flat" cmpd="sng" algn="ctr">
+                          <a:solidFill>
+                            <a:srgbClr val="00B0F0"/>
+                          </a:solidFill>
+                          <a:prstDash val="solid"/>
+                          <a:round/>
+                          <a:headEnd type="none" w="med" len="med"/>
+                          <a:tailEnd type="none" w="med" len="med"/>
+                        </a:lnB>
+                        <a:blipFill>
+                          <a:blip r:embed="rId2"/>
+                          <a:stretch>
+                            <a:fillRect l="-47701" t="-901754" r="-862" b="-19298"/>
+                          </a:stretch>
+                        </a:blipFill>
+                      </a:tcPr>
+                    </a:tc>
+                    <a:extLst>
+                      <a:ext uri="{0D108BD9-81ED-4DB2-BD59-A6C34878D82A}">
+                        <a16:rowId xmlns:a16="http://schemas.microsoft.com/office/drawing/2014/main" val="3211987433"/>
+                      </a:ext>
+                    </a:extLst>
+                  </a:tr>
+                </a:tbl>
+              </a:graphicData>
+            </a:graphic>
+          </p:graphicFrame>
+        </mc:Fallback>
+      </mc:AlternateContent>
+      <mc:AlternateContent xmlns:mc="http://schemas.openxmlformats.org/markup-compatibility/2006" xmlns:a14="http://schemas.microsoft.com/office/drawing/2010/main">
+        <mc:Choice Requires="a14">
+          <p:graphicFrame>
+            <p:nvGraphicFramePr>
+              <p:cNvPr id="4" name="Table 3">
+                <a:extLst>
+                  <a:ext uri="{FF2B5EF4-FFF2-40B4-BE49-F238E27FC236}">
+                    <a16:creationId xmlns:a16="http://schemas.microsoft.com/office/drawing/2014/main" id="{FE8B98F9-8483-4AC1-80EE-782A6B36CEF9}"/>
+                  </a:ext>
+                </a:extLst>
+              </p:cNvPr>
+              <p:cNvGraphicFramePr>
+                <a:graphicFrameLocks noGrp="1"/>
+              </p:cNvGraphicFramePr>
+              <p:nvPr>
+                <p:extLst>
+                  <p:ext uri="{D42A27DB-BD31-4B8C-83A1-F6EECF244321}">
+                    <p14:modId xmlns:p14="http://schemas.microsoft.com/office/powerpoint/2010/main" val="3467467529"/>
+                  </p:ext>
+                </p:extLst>
+              </p:nvPr>
+            </p:nvGraphicFramePr>
+            <p:xfrm>
+              <a:off x="776629" y="4970784"/>
+              <a:ext cx="10972800" cy="792480"/>
+            </p:xfrm>
+            <a:graphic>
+              <a:graphicData uri="http://schemas.openxmlformats.org/drawingml/2006/table">
+                <a:tbl>
+                  <a:tblPr firstRow="1" bandRow="1">
+                    <a:tableStyleId>{2D5ABB26-0587-4C30-8999-92F81FD0307C}</a:tableStyleId>
+                  </a:tblPr>
+                  <a:tblGrid>
+                    <a:gridCol w="914400">
+                      <a:extLst>
+                        <a:ext uri="{9D8B030D-6E8A-4147-A177-3AD203B41FA5}">
+                          <a16:colId xmlns:a16="http://schemas.microsoft.com/office/drawing/2014/main" val="4274936354"/>
+                        </a:ext>
+                      </a:extLst>
+                    </a:gridCol>
+                    <a:gridCol w="914400">
+                      <a:extLst>
+                        <a:ext uri="{9D8B030D-6E8A-4147-A177-3AD203B41FA5}">
+                          <a16:colId xmlns:a16="http://schemas.microsoft.com/office/drawing/2014/main" val="3275328565"/>
+                        </a:ext>
+                      </a:extLst>
+                    </a:gridCol>
+                    <a:gridCol w="914400">
+                      <a:extLst>
+                        <a:ext uri="{9D8B030D-6E8A-4147-A177-3AD203B41FA5}">
+                          <a16:colId xmlns:a16="http://schemas.microsoft.com/office/drawing/2014/main" val="1447943430"/>
+                        </a:ext>
+                      </a:extLst>
+                    </a:gridCol>
+                    <a:gridCol w="914400">
+                      <a:extLst>
+                        <a:ext uri="{9D8B030D-6E8A-4147-A177-3AD203B41FA5}">
+                          <a16:colId xmlns:a16="http://schemas.microsoft.com/office/drawing/2014/main" val="1524723949"/>
+                        </a:ext>
+                      </a:extLst>
+                    </a:gridCol>
+                    <a:gridCol w="914400">
+                      <a:extLst>
+                        <a:ext uri="{9D8B030D-6E8A-4147-A177-3AD203B41FA5}">
+                          <a16:colId xmlns:a16="http://schemas.microsoft.com/office/drawing/2014/main" val="2363969519"/>
+                        </a:ext>
+                      </a:extLst>
+                    </a:gridCol>
+                    <a:gridCol w="914400">
+                      <a:extLst>
+                        <a:ext uri="{9D8B030D-6E8A-4147-A177-3AD203B41FA5}">
+                          <a16:colId xmlns:a16="http://schemas.microsoft.com/office/drawing/2014/main" val="3649652580"/>
+                        </a:ext>
+                      </a:extLst>
+                    </a:gridCol>
+                    <a:gridCol w="914400">
+                      <a:extLst>
+                        <a:ext uri="{9D8B030D-6E8A-4147-A177-3AD203B41FA5}">
+                          <a16:colId xmlns:a16="http://schemas.microsoft.com/office/drawing/2014/main" val="2095854489"/>
+                        </a:ext>
+                      </a:extLst>
+                    </a:gridCol>
+                    <a:gridCol w="914400">
+                      <a:extLst>
+                        <a:ext uri="{9D8B030D-6E8A-4147-A177-3AD203B41FA5}">
+                          <a16:colId xmlns:a16="http://schemas.microsoft.com/office/drawing/2014/main" val="3585495825"/>
+                        </a:ext>
+                      </a:extLst>
+                    </a:gridCol>
+                    <a:gridCol w="914400">
+                      <a:extLst>
+                        <a:ext uri="{9D8B030D-6E8A-4147-A177-3AD203B41FA5}">
+                          <a16:colId xmlns:a16="http://schemas.microsoft.com/office/drawing/2014/main" val="728560571"/>
+                        </a:ext>
+                      </a:extLst>
+                    </a:gridCol>
+                    <a:gridCol w="914400">
+                      <a:extLst>
+                        <a:ext uri="{9D8B030D-6E8A-4147-A177-3AD203B41FA5}">
+                          <a16:colId xmlns:a16="http://schemas.microsoft.com/office/drawing/2014/main" val="3072099860"/>
+                        </a:ext>
+                      </a:extLst>
+                    </a:gridCol>
+                    <a:gridCol w="914400">
+                      <a:extLst>
+                        <a:ext uri="{9D8B030D-6E8A-4147-A177-3AD203B41FA5}">
+                          <a16:colId xmlns:a16="http://schemas.microsoft.com/office/drawing/2014/main" val="2472504372"/>
+                        </a:ext>
+                      </a:extLst>
+                    </a:gridCol>
+                    <a:gridCol w="914400">
+                      <a:extLst>
+                        <a:ext uri="{9D8B030D-6E8A-4147-A177-3AD203B41FA5}">
+                          <a16:colId xmlns:a16="http://schemas.microsoft.com/office/drawing/2014/main" val="1322926016"/>
+                        </a:ext>
+                      </a:extLst>
+                    </a:gridCol>
+                  </a:tblGrid>
+                  <a:tr h="345722">
+                    <a:tc>
+                      <a:txBody>
+                        <a:bodyPr/>
+                        <a:lstStyle/>
+                        <a:p>
+                          <a:pPr algn="ctr"/>
+                          <a14:m>
+                            <m:oMathPara xmlns:m="http://schemas.openxmlformats.org/officeDocument/2006/math">
+                              <m:oMathParaPr>
+                                <m:jc m:val="centerGroup"/>
+                              </m:oMathParaPr>
+                              <m:oMath xmlns:m="http://schemas.openxmlformats.org/officeDocument/2006/math">
+                                <m:r>
+                                  <a:rPr lang="es-CL" sz="2000" b="0" i="1" smtClean="0">
+                                    <a:latin typeface="Cambria Math" panose="02040503050406030204" pitchFamily="18" charset="0"/>
+                                  </a:rPr>
+                                  <m:t>𝑥</m:t>
+                                </m:r>
+                              </m:oMath>
+                            </m:oMathPara>
+                          </a14:m>
+                          <a:endParaRPr lang="en-US" sz="2000" dirty="0">
+                            <a:latin typeface="+mj-lt"/>
+                          </a:endParaRPr>
+                        </a:p>
+                      </a:txBody>
+                      <a:tcPr marL="45720" marR="0" anchor="ctr">
+                        <a:lnR w="38100" cap="flat" cmpd="sng" algn="ctr">
+                          <a:solidFill>
+                            <a:srgbClr val="00B0F0"/>
+                          </a:solidFill>
+                          <a:prstDash val="solid"/>
+                          <a:round/>
+                          <a:headEnd type="none" w="med" len="med"/>
+                          <a:tailEnd type="none" w="med" len="med"/>
+                        </a:lnR>
+                        <a:lnT w="38100" cap="flat" cmpd="sng" algn="ctr">
+                          <a:noFill/>
+                          <a:prstDash val="solid"/>
+                          <a:round/>
+                          <a:headEnd type="none" w="med" len="med"/>
+                          <a:tailEnd type="none" w="med" len="med"/>
+                        </a:lnT>
+                        <a:lnB w="12700" cap="flat" cmpd="sng" algn="ctr">
+                          <a:solidFill>
+                            <a:schemeClr val="tx1"/>
+                          </a:solidFill>
+                          <a:prstDash val="solid"/>
+                          <a:round/>
+                          <a:headEnd type="none" w="med" len="med"/>
+                          <a:tailEnd type="none" w="med" len="med"/>
+                        </a:lnB>
+                      </a:tcPr>
+                    </a:tc>
+                    <a:tc>
+                      <a:txBody>
+                        <a:bodyPr/>
+                        <a:lstStyle/>
+                        <a:p>
+                          <a:pPr algn="ctr" fontAlgn="b"/>
+                          <a:r>
+                            <a:rPr lang="en-US" sz="2000" b="0" i="0" u="none" strike="noStrike" dirty="0">
+                              <a:solidFill>
+                                <a:srgbClr val="000000"/>
+                              </a:solidFill>
+                              <a:effectLst/>
+                              <a:latin typeface="+mj-lt"/>
+                            </a:rPr>
+                            <a:t>−0.04</a:t>
+                          </a:r>
+                        </a:p>
+                      </a:txBody>
+                      <a:tcPr marL="45720" marR="0" anchor="ctr">
+                        <a:lnL w="38100" cap="flat" cmpd="sng" algn="ctr">
+                          <a:solidFill>
+                            <a:srgbClr val="00B0F0"/>
+                          </a:solidFill>
+                          <a:prstDash val="solid"/>
+                          <a:round/>
+                          <a:headEnd type="none" w="med" len="med"/>
+                          <a:tailEnd type="none" w="med" len="med"/>
+                        </a:lnL>
+                        <a:lnT w="38100" cap="flat" cmpd="sng" algn="ctr">
+                          <a:noFill/>
+                          <a:prstDash val="solid"/>
+                          <a:round/>
+                          <a:headEnd type="none" w="med" len="med"/>
+                          <a:tailEnd type="none" w="med" len="med"/>
+                        </a:lnT>
+                        <a:lnB w="12700" cap="flat" cmpd="sng" algn="ctr">
+                          <a:solidFill>
+                            <a:schemeClr val="tx1"/>
+                          </a:solidFill>
+                          <a:prstDash val="solid"/>
+                          <a:round/>
+                          <a:headEnd type="none" w="med" len="med"/>
+                          <a:tailEnd type="none" w="med" len="med"/>
+                        </a:lnB>
+                      </a:tcPr>
+                    </a:tc>
+                    <a:tc>
+                      <a:txBody>
+                        <a:bodyPr/>
+                        <a:lstStyle/>
+                        <a:p>
+                          <a:pPr algn="ctr" fontAlgn="b"/>
+                          <a:r>
+                            <a:rPr lang="en-US" sz="2000" b="0" i="0" u="none" strike="noStrike" dirty="0">
+                              <a:solidFill>
+                                <a:srgbClr val="000000"/>
+                              </a:solidFill>
+                              <a:effectLst/>
+                              <a:latin typeface="+mj-lt"/>
+                            </a:rPr>
+                            <a:t>0.93</a:t>
+                          </a:r>
+                        </a:p>
+                      </a:txBody>
+                      <a:tcPr marL="45720" marR="0" anchor="ctr">
+                        <a:lnT w="38100" cap="flat" cmpd="sng" algn="ctr">
+                          <a:noFill/>
+                          <a:prstDash val="solid"/>
+                          <a:round/>
+                          <a:headEnd type="none" w="med" len="med"/>
+                          <a:tailEnd type="none" w="med" len="med"/>
+                        </a:lnT>
+                        <a:lnB w="12700" cap="flat" cmpd="sng" algn="ctr">
+                          <a:solidFill>
+                            <a:schemeClr val="tx1"/>
+                          </a:solidFill>
+                          <a:prstDash val="solid"/>
+                          <a:round/>
+                          <a:headEnd type="none" w="med" len="med"/>
+                          <a:tailEnd type="none" w="med" len="med"/>
+                        </a:lnB>
+                      </a:tcPr>
+                    </a:tc>
+                    <a:tc>
+                      <a:txBody>
+                        <a:bodyPr/>
+                        <a:lstStyle/>
+                        <a:p>
+                          <a:pPr algn="ctr" fontAlgn="b"/>
+                          <a:r>
+                            <a:rPr lang="en-US" sz="2000" b="0" i="0" u="none" strike="noStrike" dirty="0">
+                              <a:solidFill>
+                                <a:srgbClr val="000000"/>
+                              </a:solidFill>
+                              <a:effectLst/>
+                              <a:latin typeface="+mj-lt"/>
+                            </a:rPr>
+                            <a:t>1.95</a:t>
+                          </a:r>
+                        </a:p>
+                      </a:txBody>
+                      <a:tcPr marL="45720" marR="0" anchor="ctr">
+                        <a:lnT w="38100" cap="flat" cmpd="sng" algn="ctr">
+                          <a:noFill/>
+                          <a:prstDash val="solid"/>
+                          <a:round/>
+                          <a:headEnd type="none" w="med" len="med"/>
+                          <a:tailEnd type="none" w="med" len="med"/>
+                        </a:lnT>
+                        <a:lnB w="12700" cap="flat" cmpd="sng" algn="ctr">
+                          <a:solidFill>
+                            <a:schemeClr val="tx1"/>
+                          </a:solidFill>
+                          <a:prstDash val="solid"/>
+                          <a:round/>
+                          <a:headEnd type="none" w="med" len="med"/>
+                          <a:tailEnd type="none" w="med" len="med"/>
+                        </a:lnB>
+                      </a:tcPr>
+                    </a:tc>
+                    <a:tc>
+                      <a:txBody>
+                        <a:bodyPr/>
+                        <a:lstStyle/>
+                        <a:p>
+                          <a:pPr algn="ctr" fontAlgn="b"/>
+                          <a:r>
+                            <a:rPr lang="en-US" sz="2000" b="0" i="0" u="none" strike="noStrike" dirty="0">
+                              <a:solidFill>
+                                <a:srgbClr val="000000"/>
+                              </a:solidFill>
+                              <a:effectLst/>
+                              <a:latin typeface="+mj-lt"/>
+                            </a:rPr>
+                            <a:t>2.90</a:t>
+                          </a:r>
+                        </a:p>
+                      </a:txBody>
+                      <a:tcPr marL="45720" marR="0" anchor="ctr">
+                        <a:lnT w="38100" cap="flat" cmpd="sng" algn="ctr">
+                          <a:noFill/>
+                          <a:prstDash val="solid"/>
+                          <a:round/>
+                          <a:headEnd type="none" w="med" len="med"/>
+                          <a:tailEnd type="none" w="med" len="med"/>
+                        </a:lnT>
+                        <a:lnB w="12700" cap="flat" cmpd="sng" algn="ctr">
+                          <a:solidFill>
+                            <a:schemeClr val="tx1"/>
+                          </a:solidFill>
+                          <a:prstDash val="solid"/>
+                          <a:round/>
+                          <a:headEnd type="none" w="med" len="med"/>
+                          <a:tailEnd type="none" w="med" len="med"/>
+                        </a:lnB>
+                      </a:tcPr>
+                    </a:tc>
+                    <a:tc>
+                      <a:txBody>
+                        <a:bodyPr/>
+                        <a:lstStyle/>
+                        <a:p>
+                          <a:pPr algn="ctr" fontAlgn="b"/>
+                          <a:r>
+                            <a:rPr lang="en-US" sz="2000" b="0" i="0" u="none" strike="noStrike" dirty="0">
+                              <a:solidFill>
+                                <a:srgbClr val="000000"/>
+                              </a:solidFill>
+                              <a:effectLst/>
+                              <a:latin typeface="+mj-lt"/>
+                            </a:rPr>
+                            <a:t>3.83</a:t>
+                          </a:r>
+                        </a:p>
+                      </a:txBody>
+                      <a:tcPr marL="45720" marR="0" anchor="ctr">
+                        <a:lnT w="38100" cap="flat" cmpd="sng" algn="ctr">
+                          <a:noFill/>
+                          <a:prstDash val="solid"/>
+                          <a:round/>
+                          <a:headEnd type="none" w="med" len="med"/>
+                          <a:tailEnd type="none" w="med" len="med"/>
+                        </a:lnT>
+                        <a:lnB w="12700" cap="flat" cmpd="sng" algn="ctr">
+                          <a:solidFill>
+                            <a:schemeClr val="tx1"/>
+                          </a:solidFill>
+                          <a:prstDash val="solid"/>
+                          <a:round/>
+                          <a:headEnd type="none" w="med" len="med"/>
+                          <a:tailEnd type="none" w="med" len="med"/>
+                        </a:lnB>
+                      </a:tcPr>
+                    </a:tc>
+                    <a:tc>
+                      <a:txBody>
+                        <a:bodyPr/>
+                        <a:lstStyle/>
+                        <a:p>
+                          <a:pPr algn="ctr" fontAlgn="b"/>
+                          <a:r>
+                            <a:rPr lang="en-US" sz="2000" b="0" i="0" u="none" strike="noStrike" dirty="0">
+                              <a:solidFill>
+                                <a:srgbClr val="000000"/>
+                              </a:solidFill>
+                              <a:effectLst/>
+                              <a:latin typeface="+mj-lt"/>
+                            </a:rPr>
+                            <a:t>5.00</a:t>
+                          </a:r>
+                        </a:p>
+                      </a:txBody>
+                      <a:tcPr marL="45720" marR="0" anchor="ctr">
+                        <a:lnT w="38100" cap="flat" cmpd="sng" algn="ctr">
+                          <a:noFill/>
+                          <a:prstDash val="solid"/>
+                          <a:round/>
+                          <a:headEnd type="none" w="med" len="med"/>
+                          <a:tailEnd type="none" w="med" len="med"/>
+                        </a:lnT>
+                        <a:lnB w="12700" cap="flat" cmpd="sng" algn="ctr">
+                          <a:solidFill>
+                            <a:schemeClr val="tx1"/>
+                          </a:solidFill>
+                          <a:prstDash val="solid"/>
+                          <a:round/>
+                          <a:headEnd type="none" w="med" len="med"/>
+                          <a:tailEnd type="none" w="med" len="med"/>
+                        </a:lnB>
+                      </a:tcPr>
+                    </a:tc>
+                    <a:tc>
+                      <a:txBody>
+                        <a:bodyPr/>
+                        <a:lstStyle/>
+                        <a:p>
+                          <a:pPr algn="ctr" fontAlgn="b"/>
+                          <a:r>
+                            <a:rPr lang="en-US" sz="2000" b="0" i="0" u="none" strike="noStrike" dirty="0">
+                              <a:solidFill>
+                                <a:srgbClr val="000000"/>
+                              </a:solidFill>
+                              <a:effectLst/>
+                              <a:latin typeface="+mj-lt"/>
+                            </a:rPr>
+                            <a:t>5.98</a:t>
+                          </a:r>
+                        </a:p>
+                      </a:txBody>
+                      <a:tcPr marL="45720" marR="0" anchor="ctr">
+                        <a:lnT w="38100" cap="flat" cmpd="sng" algn="ctr">
+                          <a:noFill/>
+                          <a:prstDash val="solid"/>
+                          <a:round/>
+                          <a:headEnd type="none" w="med" len="med"/>
+                          <a:tailEnd type="none" w="med" len="med"/>
+                        </a:lnT>
+                        <a:lnB w="12700" cap="flat" cmpd="sng" algn="ctr">
+                          <a:solidFill>
+                            <a:schemeClr val="tx1"/>
+                          </a:solidFill>
+                          <a:prstDash val="solid"/>
+                          <a:round/>
+                          <a:headEnd type="none" w="med" len="med"/>
+                          <a:tailEnd type="none" w="med" len="med"/>
+                        </a:lnB>
+                      </a:tcPr>
+                    </a:tc>
+                    <a:tc>
+                      <a:txBody>
+                        <a:bodyPr/>
+                        <a:lstStyle/>
+                        <a:p>
+                          <a:pPr algn="ctr" fontAlgn="b"/>
+                          <a:r>
+                            <a:rPr lang="en-US" sz="2000" b="0" i="0" u="none" strike="noStrike" dirty="0">
+                              <a:solidFill>
+                                <a:srgbClr val="000000"/>
+                              </a:solidFill>
+                              <a:effectLst/>
+                              <a:latin typeface="+mj-lt"/>
+                            </a:rPr>
+                            <a:t>7.05</a:t>
+                          </a:r>
+                        </a:p>
+                      </a:txBody>
+                      <a:tcPr marL="45720" marR="0" anchor="ctr">
+                        <a:lnT w="38100" cap="flat" cmpd="sng" algn="ctr">
+                          <a:noFill/>
+                          <a:prstDash val="solid"/>
+                          <a:round/>
+                          <a:headEnd type="none" w="med" len="med"/>
+                          <a:tailEnd type="none" w="med" len="med"/>
+                        </a:lnT>
+                        <a:lnB w="12700" cap="flat" cmpd="sng" algn="ctr">
+                          <a:solidFill>
+                            <a:schemeClr val="tx1"/>
+                          </a:solidFill>
+                          <a:prstDash val="solid"/>
+                          <a:round/>
+                          <a:headEnd type="none" w="med" len="med"/>
+                          <a:tailEnd type="none" w="med" len="med"/>
+                        </a:lnB>
+                      </a:tcPr>
+                    </a:tc>
+                    <a:tc>
+                      <a:txBody>
+                        <a:bodyPr/>
+                        <a:lstStyle/>
+                        <a:p>
+                          <a:pPr algn="ctr" fontAlgn="b"/>
+                          <a:r>
+                            <a:rPr lang="en-US" sz="2000" b="0" i="0" u="none" strike="noStrike" dirty="0">
+                              <a:solidFill>
+                                <a:srgbClr val="000000"/>
+                              </a:solidFill>
+                              <a:effectLst/>
+                              <a:latin typeface="+mj-lt"/>
+                            </a:rPr>
+                            <a:t>8.21</a:t>
+                          </a:r>
+                        </a:p>
+                      </a:txBody>
+                      <a:tcPr marL="45720" marR="0" anchor="ctr">
+                        <a:lnT w="38100" cap="flat" cmpd="sng" algn="ctr">
+                          <a:noFill/>
+                          <a:prstDash val="solid"/>
+                          <a:round/>
+                          <a:headEnd type="none" w="med" len="med"/>
+                          <a:tailEnd type="none" w="med" len="med"/>
+                        </a:lnT>
+                        <a:lnB w="12700" cap="flat" cmpd="sng" algn="ctr">
+                          <a:solidFill>
+                            <a:schemeClr val="tx1"/>
+                          </a:solidFill>
+                          <a:prstDash val="solid"/>
+                          <a:round/>
+                          <a:headEnd type="none" w="med" len="med"/>
+                          <a:tailEnd type="none" w="med" len="med"/>
+                        </a:lnB>
+                      </a:tcPr>
+                    </a:tc>
+                    <a:tc>
+                      <a:txBody>
+                        <a:bodyPr/>
+                        <a:lstStyle/>
+                        <a:p>
+                          <a:pPr algn="ctr" fontAlgn="b"/>
+                          <a:r>
+                            <a:rPr lang="en-US" sz="2000" b="0" i="0" u="none" strike="noStrike" dirty="0">
+                              <a:solidFill>
+                                <a:srgbClr val="000000"/>
+                              </a:solidFill>
+                              <a:effectLst/>
+                              <a:latin typeface="+mj-lt"/>
+                            </a:rPr>
+                            <a:t>9.08</a:t>
+                          </a:r>
+                        </a:p>
+                      </a:txBody>
+                      <a:tcPr marL="45720" marR="0" anchor="ctr">
+                        <a:lnT w="38100" cap="flat" cmpd="sng" algn="ctr">
+                          <a:noFill/>
+                          <a:prstDash val="solid"/>
+                          <a:round/>
+                          <a:headEnd type="none" w="med" len="med"/>
+                          <a:tailEnd type="none" w="med" len="med"/>
+                        </a:lnT>
+                        <a:lnB w="12700" cap="flat" cmpd="sng" algn="ctr">
+                          <a:solidFill>
+                            <a:schemeClr val="tx1"/>
+                          </a:solidFill>
+                          <a:prstDash val="solid"/>
+                          <a:round/>
+                          <a:headEnd type="none" w="med" len="med"/>
+                          <a:tailEnd type="none" w="med" len="med"/>
+                        </a:lnB>
+                      </a:tcPr>
+                    </a:tc>
+                    <a:tc>
+                      <a:txBody>
+                        <a:bodyPr/>
+                        <a:lstStyle/>
+                        <a:p>
+                          <a:pPr algn="ctr" fontAlgn="b"/>
+                          <a:r>
+                            <a:rPr lang="en-US" sz="2000" b="0" i="0" u="none" strike="noStrike" dirty="0">
+                              <a:solidFill>
+                                <a:srgbClr val="000000"/>
+                              </a:solidFill>
+                              <a:effectLst/>
+                              <a:latin typeface="+mj-lt"/>
+                            </a:rPr>
+                            <a:t>10.09</a:t>
+                          </a:r>
+                        </a:p>
+                      </a:txBody>
+                      <a:tcPr marL="45720" marR="0" anchor="ctr">
+                        <a:lnT w="38100" cap="flat" cmpd="sng" algn="ctr">
+                          <a:noFill/>
+                          <a:prstDash val="solid"/>
+                          <a:round/>
+                          <a:headEnd type="none" w="med" len="med"/>
+                          <a:tailEnd type="none" w="med" len="med"/>
+                        </a:lnT>
+                        <a:lnB w="12700" cap="flat" cmpd="sng" algn="ctr">
+                          <a:solidFill>
+                            <a:schemeClr val="tx1"/>
+                          </a:solidFill>
+                          <a:prstDash val="solid"/>
+                          <a:round/>
+                          <a:headEnd type="none" w="med" len="med"/>
+                          <a:tailEnd type="none" w="med" len="med"/>
+                        </a:lnB>
+                      </a:tcPr>
+                    </a:tc>
+                    <a:extLst>
+                      <a:ext uri="{0D108BD9-81ED-4DB2-BD59-A6C34878D82A}">
+                        <a16:rowId xmlns:a16="http://schemas.microsoft.com/office/drawing/2014/main" val="3784570365"/>
+                      </a:ext>
+                    </a:extLst>
+                  </a:tr>
+                  <a:tr h="345722">
+                    <a:tc>
+                      <a:txBody>
+                        <a:bodyPr/>
+                        <a:lstStyle/>
+                        <a:p>
+                          <a:pPr algn="ctr"/>
+                          <a14:m>
+                            <m:oMathPara xmlns:m="http://schemas.openxmlformats.org/officeDocument/2006/math">
+                              <m:oMathParaPr>
+                                <m:jc m:val="centerGroup"/>
+                              </m:oMathParaPr>
+                              <m:oMath xmlns:m="http://schemas.openxmlformats.org/officeDocument/2006/math">
+                                <m:r>
+                                  <a:rPr lang="es-CL" sz="2000" b="0" i="1" smtClean="0">
+                                    <a:latin typeface="Cambria Math" panose="02040503050406030204" pitchFamily="18" charset="0"/>
+                                  </a:rPr>
+                                  <m:t>𝑦</m:t>
+                                </m:r>
+                              </m:oMath>
+                            </m:oMathPara>
+                          </a14:m>
+                          <a:endParaRPr lang="en-US" sz="2000" dirty="0">
+                            <a:latin typeface="+mj-lt"/>
+                          </a:endParaRPr>
+                        </a:p>
+                      </a:txBody>
+                      <a:tcPr marL="45720" marR="0" anchor="ctr">
+                        <a:lnR w="38100" cap="flat" cmpd="sng" algn="ctr">
+                          <a:solidFill>
+                            <a:srgbClr val="00B0F0"/>
+                          </a:solidFill>
+                          <a:prstDash val="solid"/>
+                          <a:round/>
+                          <a:headEnd type="none" w="med" len="med"/>
+                          <a:tailEnd type="none" w="med" len="med"/>
+                        </a:lnR>
+                        <a:lnT w="12700" cap="flat" cmpd="sng" algn="ctr">
+                          <a:solidFill>
+                            <a:schemeClr val="tx1"/>
+                          </a:solidFill>
+                          <a:prstDash val="solid"/>
+                          <a:round/>
+                          <a:headEnd type="none" w="med" len="med"/>
+                          <a:tailEnd type="none" w="med" len="med"/>
+                        </a:lnT>
+                      </a:tcPr>
+                    </a:tc>
+                    <a:tc>
+                      <a:txBody>
+                        <a:bodyPr/>
+                        <a:lstStyle/>
+                        <a:p>
+                          <a:pPr marL="0" algn="ctr" defTabSz="914400" rtl="0" eaLnBrk="1" fontAlgn="b" latinLnBrk="0" hangingPunct="1"/>
+                          <a:r>
+                            <a:rPr lang="en-US" sz="2000" b="0" i="0" u="none" strike="noStrike" kern="1200" dirty="0">
+                              <a:solidFill>
+                                <a:srgbClr val="000000"/>
+                              </a:solidFill>
+                              <a:effectLst/>
+                              <a:latin typeface="+mj-lt"/>
+                              <a:ea typeface="+mn-ea"/>
+                              <a:cs typeface="+mn-cs"/>
+                            </a:rPr>
+                            <a:t>3.28</a:t>
+                          </a:r>
+                        </a:p>
+                      </a:txBody>
+                      <a:tcPr marL="9525" marR="9525" marT="9525" marB="0" anchor="ctr">
+                        <a:lnL w="38100" cap="flat" cmpd="sng" algn="ctr">
+                          <a:solidFill>
+                            <a:srgbClr val="00B0F0"/>
+                          </a:solidFill>
+                          <a:prstDash val="solid"/>
+                          <a:round/>
+                          <a:headEnd type="none" w="med" len="med"/>
+                          <a:tailEnd type="none" w="med" len="med"/>
+                        </a:lnL>
+                        <a:lnT w="12700" cap="flat" cmpd="sng" algn="ctr">
+                          <a:solidFill>
+                            <a:schemeClr val="tx1"/>
+                          </a:solidFill>
+                          <a:prstDash val="solid"/>
+                          <a:round/>
+                          <a:headEnd type="none" w="med" len="med"/>
+                          <a:tailEnd type="none" w="med" len="med"/>
+                        </a:lnT>
+                      </a:tcPr>
+                    </a:tc>
+                    <a:tc>
+                      <a:txBody>
+                        <a:bodyPr/>
+                        <a:lstStyle/>
+                        <a:p>
+                          <a:pPr marL="0" algn="ctr" defTabSz="914400" rtl="0" eaLnBrk="1" fontAlgn="b" latinLnBrk="0" hangingPunct="1"/>
+                          <a:r>
+                            <a:rPr lang="en-US" sz="2000" b="0" i="0" u="none" strike="noStrike" kern="1200" dirty="0">
+                              <a:solidFill>
+                                <a:srgbClr val="000000"/>
+                              </a:solidFill>
+                              <a:effectLst/>
+                              <a:latin typeface="+mj-lt"/>
+                              <a:ea typeface="+mn-ea"/>
+                              <a:cs typeface="+mn-cs"/>
+                            </a:rPr>
+                            <a:t>10.52</a:t>
+                          </a:r>
+                        </a:p>
+                      </a:txBody>
+                      <a:tcPr marL="9525" marR="9525" marT="9525" marB="0" anchor="ctr">
+                        <a:lnT w="12700" cap="flat" cmpd="sng" algn="ctr">
+                          <a:solidFill>
+                            <a:schemeClr val="tx1"/>
+                          </a:solidFill>
+                          <a:prstDash val="solid"/>
+                          <a:round/>
+                          <a:headEnd type="none" w="med" len="med"/>
+                          <a:tailEnd type="none" w="med" len="med"/>
+                        </a:lnT>
+                      </a:tcPr>
+                    </a:tc>
+                    <a:tc>
+                      <a:txBody>
+                        <a:bodyPr/>
+                        <a:lstStyle/>
+                        <a:p>
+                          <a:pPr marL="0" algn="ctr" defTabSz="914400" rtl="0" eaLnBrk="1" fontAlgn="b" latinLnBrk="0" hangingPunct="1"/>
+                          <a:r>
+                            <a:rPr lang="en-US" sz="2000" b="0" i="0" u="none" strike="noStrike" kern="1200" dirty="0">
+                              <a:solidFill>
+                                <a:srgbClr val="000000"/>
+                              </a:solidFill>
+                              <a:effectLst/>
+                              <a:latin typeface="+mj-lt"/>
+                              <a:ea typeface="+mn-ea"/>
+                              <a:cs typeface="+mn-cs"/>
+                            </a:rPr>
+                            <a:t>34.21</a:t>
+                          </a:r>
+                        </a:p>
+                      </a:txBody>
+                      <a:tcPr marL="9525" marR="9525" marT="9525" marB="0" anchor="ctr">
+                        <a:lnT w="12700" cap="flat" cmpd="sng" algn="ctr">
+                          <a:solidFill>
+                            <a:schemeClr val="tx1"/>
+                          </a:solidFill>
+                          <a:prstDash val="solid"/>
+                          <a:round/>
+                          <a:headEnd type="none" w="med" len="med"/>
+                          <a:tailEnd type="none" w="med" len="med"/>
+                        </a:lnT>
+                      </a:tcPr>
+                    </a:tc>
+                    <a:tc>
+                      <a:txBody>
+                        <a:bodyPr/>
+                        <a:lstStyle/>
+                        <a:p>
+                          <a:pPr marL="0" algn="ctr" defTabSz="914400" rtl="0" eaLnBrk="1" fontAlgn="b" latinLnBrk="0" hangingPunct="1"/>
+                          <a:r>
+                            <a:rPr lang="en-US" sz="2000" b="0" i="0" u="none" strike="noStrike" kern="1200" dirty="0">
+                              <a:solidFill>
+                                <a:srgbClr val="000000"/>
+                              </a:solidFill>
+                              <a:effectLst/>
+                              <a:latin typeface="+mj-lt"/>
+                              <a:ea typeface="+mn-ea"/>
+                              <a:cs typeface="+mn-cs"/>
+                            </a:rPr>
+                            <a:t>76.58</a:t>
+                          </a:r>
+                        </a:p>
+                      </a:txBody>
+                      <a:tcPr marL="9525" marR="9525" marT="9525" marB="0" anchor="ctr">
+                        <a:lnT w="12700" cap="flat" cmpd="sng" algn="ctr">
+                          <a:solidFill>
+                            <a:schemeClr val="tx1"/>
+                          </a:solidFill>
+                          <a:prstDash val="solid"/>
+                          <a:round/>
+                          <a:headEnd type="none" w="med" len="med"/>
+                          <a:tailEnd type="none" w="med" len="med"/>
+                        </a:lnT>
+                      </a:tcPr>
+                    </a:tc>
+                    <a:tc>
+                      <a:txBody>
+                        <a:bodyPr/>
+                        <a:lstStyle/>
+                        <a:p>
+                          <a:pPr marL="0" algn="ctr" defTabSz="914400" rtl="0" eaLnBrk="1" fontAlgn="b" latinLnBrk="0" hangingPunct="1"/>
+                          <a:r>
+                            <a:rPr lang="en-US" sz="2000" b="0" i="0" u="none" strike="noStrike" kern="1200" dirty="0">
+                              <a:solidFill>
+                                <a:srgbClr val="000000"/>
+                              </a:solidFill>
+                              <a:effectLst/>
+                              <a:latin typeface="+mj-lt"/>
+                              <a:ea typeface="+mn-ea"/>
+                              <a:cs typeface="+mn-cs"/>
+                            </a:rPr>
+                            <a:t>122.38</a:t>
+                          </a:r>
+                        </a:p>
+                      </a:txBody>
+                      <a:tcPr marL="9525" marR="9525" marT="9525" marB="0" anchor="ctr">
+                        <a:lnT w="12700" cap="flat" cmpd="sng" algn="ctr">
+                          <a:solidFill>
+                            <a:schemeClr val="tx1"/>
+                          </a:solidFill>
+                          <a:prstDash val="solid"/>
+                          <a:round/>
+                          <a:headEnd type="none" w="med" len="med"/>
+                          <a:tailEnd type="none" w="med" len="med"/>
+                        </a:lnT>
+                      </a:tcPr>
+                    </a:tc>
+                    <a:tc>
+                      <a:txBody>
+                        <a:bodyPr/>
+                        <a:lstStyle/>
+                        <a:p>
+                          <a:pPr marL="0" algn="ctr" defTabSz="914400" rtl="0" eaLnBrk="1" fontAlgn="b" latinLnBrk="0" hangingPunct="1"/>
+                          <a:r>
+                            <a:rPr lang="en-US" sz="2000" b="0" i="0" u="none" strike="noStrike" kern="1200" dirty="0">
+                              <a:solidFill>
+                                <a:srgbClr val="000000"/>
+                              </a:solidFill>
+                              <a:effectLst/>
+                              <a:latin typeface="+mj-lt"/>
+                              <a:ea typeface="+mn-ea"/>
+                              <a:cs typeface="+mn-cs"/>
+                            </a:rPr>
+                            <a:t>207.02</a:t>
+                          </a:r>
+                        </a:p>
+                      </a:txBody>
+                      <a:tcPr marL="9525" marR="9525" marT="9525" marB="0" anchor="ctr">
+                        <a:lnT w="12700" cap="flat" cmpd="sng" algn="ctr">
+                          <a:solidFill>
+                            <a:schemeClr val="tx1"/>
+                          </a:solidFill>
+                          <a:prstDash val="solid"/>
+                          <a:round/>
+                          <a:headEnd type="none" w="med" len="med"/>
+                          <a:tailEnd type="none" w="med" len="med"/>
+                        </a:lnT>
+                      </a:tcPr>
+                    </a:tc>
+                    <a:tc>
+                      <a:txBody>
+                        <a:bodyPr/>
+                        <a:lstStyle/>
+                        <a:p>
+                          <a:pPr marL="0" algn="ctr" defTabSz="914400" rtl="0" eaLnBrk="1" fontAlgn="b" latinLnBrk="0" hangingPunct="1"/>
+                          <a:r>
+                            <a:rPr lang="en-US" sz="2000" b="0" i="0" u="none" strike="noStrike" kern="1200" dirty="0">
+                              <a:solidFill>
+                                <a:srgbClr val="000000"/>
+                              </a:solidFill>
+                              <a:effectLst/>
+                              <a:latin typeface="+mj-lt"/>
+                              <a:ea typeface="+mn-ea"/>
+                              <a:cs typeface="+mn-cs"/>
+                            </a:rPr>
+                            <a:t>303.77</a:t>
+                          </a:r>
+                        </a:p>
+                      </a:txBody>
+                      <a:tcPr marL="9525" marR="9525" marT="9525" marB="0" anchor="ctr">
+                        <a:lnT w="12700" cap="flat" cmpd="sng" algn="ctr">
+                          <a:solidFill>
+                            <a:schemeClr val="tx1"/>
+                          </a:solidFill>
+                          <a:prstDash val="solid"/>
+                          <a:round/>
+                          <a:headEnd type="none" w="med" len="med"/>
+                          <a:tailEnd type="none" w="med" len="med"/>
+                        </a:lnT>
+                      </a:tcPr>
+                    </a:tc>
+                    <a:tc>
+                      <a:txBody>
+                        <a:bodyPr/>
+                        <a:lstStyle/>
+                        <a:p>
+                          <a:pPr marL="0" algn="ctr" defTabSz="914400" rtl="0" eaLnBrk="1" fontAlgn="b" latinLnBrk="0" hangingPunct="1"/>
+                          <a:r>
+                            <a:rPr lang="en-US" sz="2000" b="0" i="0" u="none" strike="noStrike" kern="1200" dirty="0">
+                              <a:solidFill>
+                                <a:srgbClr val="000000"/>
+                              </a:solidFill>
+                              <a:effectLst/>
+                              <a:latin typeface="+mj-lt"/>
+                              <a:ea typeface="+mn-ea"/>
+                              <a:cs typeface="+mn-cs"/>
+                            </a:rPr>
+                            <a:t>412.30</a:t>
+                          </a:r>
+                        </a:p>
+                      </a:txBody>
+                      <a:tcPr marL="9525" marR="9525" marT="9525" marB="0" anchor="ctr">
+                        <a:lnT w="12700" cap="flat" cmpd="sng" algn="ctr">
+                          <a:solidFill>
+                            <a:schemeClr val="tx1"/>
+                          </a:solidFill>
+                          <a:prstDash val="solid"/>
+                          <a:round/>
+                          <a:headEnd type="none" w="med" len="med"/>
+                          <a:tailEnd type="none" w="med" len="med"/>
+                        </a:lnT>
+                      </a:tcPr>
+                    </a:tc>
+                    <a:tc>
+                      <a:txBody>
+                        <a:bodyPr/>
+                        <a:lstStyle/>
+                        <a:p>
+                          <a:pPr marL="0" algn="ctr" defTabSz="914400" rtl="0" eaLnBrk="1" fontAlgn="b" latinLnBrk="0" hangingPunct="1"/>
+                          <a:r>
+                            <a:rPr lang="en-US" sz="2000" b="0" i="0" u="none" strike="noStrike" kern="1200" dirty="0">
+                              <a:solidFill>
+                                <a:srgbClr val="000000"/>
+                              </a:solidFill>
+                              <a:effectLst/>
+                              <a:latin typeface="+mj-lt"/>
+                              <a:ea typeface="+mn-ea"/>
+                              <a:cs typeface="+mn-cs"/>
+                            </a:rPr>
+                            <a:t>566.72</a:t>
+                          </a:r>
+                        </a:p>
+                      </a:txBody>
+                      <a:tcPr marL="9525" marR="9525" marT="9525" marB="0" anchor="ctr">
+                        <a:lnT w="12700" cap="flat" cmpd="sng" algn="ctr">
+                          <a:solidFill>
+                            <a:schemeClr val="tx1"/>
+                          </a:solidFill>
+                          <a:prstDash val="solid"/>
+                          <a:round/>
+                          <a:headEnd type="none" w="med" len="med"/>
+                          <a:tailEnd type="none" w="med" len="med"/>
+                        </a:lnT>
+                      </a:tcPr>
+                    </a:tc>
+                    <a:tc>
+                      <a:txBody>
+                        <a:bodyPr/>
+                        <a:lstStyle/>
+                        <a:p>
+                          <a:pPr marL="0" algn="ctr" defTabSz="914400" rtl="0" eaLnBrk="1" fontAlgn="b" latinLnBrk="0" hangingPunct="1"/>
+                          <a:r>
+                            <a:rPr lang="en-US" sz="2000" b="0" i="0" u="none" strike="noStrike" kern="1200" dirty="0">
+                              <a:solidFill>
+                                <a:srgbClr val="000000"/>
+                              </a:solidFill>
+                              <a:effectLst/>
+                              <a:latin typeface="+mj-lt"/>
+                              <a:ea typeface="+mn-ea"/>
+                              <a:cs typeface="+mn-cs"/>
+                            </a:rPr>
+                            <a:t>695.33</a:t>
+                          </a:r>
+                        </a:p>
+                      </a:txBody>
+                      <a:tcPr marL="9525" marR="9525" marT="9525" marB="0" anchor="ctr">
+                        <a:lnT w="12700" cap="flat" cmpd="sng" algn="ctr">
+                          <a:solidFill>
+                            <a:schemeClr val="tx1"/>
+                          </a:solidFill>
+                          <a:prstDash val="solid"/>
+                          <a:round/>
+                          <a:headEnd type="none" w="med" len="med"/>
+                          <a:tailEnd type="none" w="med" len="med"/>
+                        </a:lnT>
+                      </a:tcPr>
+                    </a:tc>
+                    <a:tc>
+                      <a:txBody>
+                        <a:bodyPr/>
+                        <a:lstStyle/>
+                        <a:p>
+                          <a:pPr marL="0" algn="ctr" defTabSz="914400" rtl="0" eaLnBrk="1" fontAlgn="b" latinLnBrk="0" hangingPunct="1"/>
+                          <a:r>
+                            <a:rPr lang="en-US" sz="2000" b="0" i="0" u="none" strike="noStrike" kern="1200" dirty="0">
+                              <a:solidFill>
+                                <a:srgbClr val="000000"/>
+                              </a:solidFill>
+                              <a:effectLst/>
+                              <a:latin typeface="+mj-lt"/>
+                              <a:ea typeface="+mn-ea"/>
+                              <a:cs typeface="+mn-cs"/>
+                            </a:rPr>
+                            <a:t>889.31</a:t>
+                          </a:r>
+                        </a:p>
+                      </a:txBody>
+                      <a:tcPr marL="9525" marR="9525" marT="9525" marB="0" anchor="ctr">
+                        <a:lnT w="12700" cap="flat" cmpd="sng" algn="ctr">
+                          <a:solidFill>
+                            <a:schemeClr val="tx1"/>
+                          </a:solidFill>
+                          <a:prstDash val="solid"/>
+                          <a:round/>
+                          <a:headEnd type="none" w="med" len="med"/>
+                          <a:tailEnd type="none" w="med" len="med"/>
+                        </a:lnT>
+                      </a:tcPr>
+                    </a:tc>
+                    <a:extLst>
+                      <a:ext uri="{0D108BD9-81ED-4DB2-BD59-A6C34878D82A}">
+                        <a16:rowId xmlns:a16="http://schemas.microsoft.com/office/drawing/2014/main" val="4169272442"/>
+                      </a:ext>
+                    </a:extLst>
+                  </a:tr>
+                </a:tbl>
+              </a:graphicData>
+            </a:graphic>
+          </p:graphicFrame>
+        </mc:Choice>
+        <mc:Fallback xmlns="">
+          <p:graphicFrame>
+            <p:nvGraphicFramePr>
+              <p:cNvPr id="4" name="Table 3">
+                <a:extLst>
+                  <a:ext uri="{FF2B5EF4-FFF2-40B4-BE49-F238E27FC236}">
+                    <a16:creationId xmlns:a16="http://schemas.microsoft.com/office/drawing/2014/main" id="{FE8B98F9-8483-4AC1-80EE-782A6B36CEF9}"/>
+                  </a:ext>
+                </a:extLst>
+              </p:cNvPr>
+              <p:cNvGraphicFramePr>
+                <a:graphicFrameLocks noGrp="1"/>
+              </p:cNvGraphicFramePr>
+              <p:nvPr>
+                <p:extLst>
+                  <p:ext uri="{D42A27DB-BD31-4B8C-83A1-F6EECF244321}">
+                    <p14:modId xmlns:p14="http://schemas.microsoft.com/office/powerpoint/2010/main" val="3467467529"/>
+                  </p:ext>
+                </p:extLst>
+              </p:nvPr>
+            </p:nvGraphicFramePr>
+            <p:xfrm>
+              <a:off x="776629" y="4970784"/>
+              <a:ext cx="10972800" cy="792480"/>
+            </p:xfrm>
+            <a:graphic>
+              <a:graphicData uri="http://schemas.openxmlformats.org/drawingml/2006/table">
+                <a:tbl>
+                  <a:tblPr firstRow="1" bandRow="1">
+                    <a:tableStyleId>{2D5ABB26-0587-4C30-8999-92F81FD0307C}</a:tableStyleId>
+                  </a:tblPr>
+                  <a:tblGrid>
+                    <a:gridCol w="914400">
+                      <a:extLst>
+                        <a:ext uri="{9D8B030D-6E8A-4147-A177-3AD203B41FA5}">
+                          <a16:colId xmlns:a16="http://schemas.microsoft.com/office/drawing/2014/main" val="4274936354"/>
+                        </a:ext>
+                      </a:extLst>
+                    </a:gridCol>
+                    <a:gridCol w="914400">
+                      <a:extLst>
+                        <a:ext uri="{9D8B030D-6E8A-4147-A177-3AD203B41FA5}">
+                          <a16:colId xmlns:a16="http://schemas.microsoft.com/office/drawing/2014/main" val="3275328565"/>
+                        </a:ext>
+                      </a:extLst>
+                    </a:gridCol>
+                    <a:gridCol w="914400">
+                      <a:extLst>
+                        <a:ext uri="{9D8B030D-6E8A-4147-A177-3AD203B41FA5}">
+                          <a16:colId xmlns:a16="http://schemas.microsoft.com/office/drawing/2014/main" val="1447943430"/>
+                        </a:ext>
+                      </a:extLst>
+                    </a:gridCol>
+                    <a:gridCol w="914400">
+                      <a:extLst>
+                        <a:ext uri="{9D8B030D-6E8A-4147-A177-3AD203B41FA5}">
+                          <a16:colId xmlns:a16="http://schemas.microsoft.com/office/drawing/2014/main" val="1524723949"/>
+                        </a:ext>
+                      </a:extLst>
+                    </a:gridCol>
+                    <a:gridCol w="914400">
+                      <a:extLst>
+                        <a:ext uri="{9D8B030D-6E8A-4147-A177-3AD203B41FA5}">
+                          <a16:colId xmlns:a16="http://schemas.microsoft.com/office/drawing/2014/main" val="2363969519"/>
+                        </a:ext>
+                      </a:extLst>
+                    </a:gridCol>
+                    <a:gridCol w="914400">
+                      <a:extLst>
+                        <a:ext uri="{9D8B030D-6E8A-4147-A177-3AD203B41FA5}">
+                          <a16:colId xmlns:a16="http://schemas.microsoft.com/office/drawing/2014/main" val="3649652580"/>
+                        </a:ext>
+                      </a:extLst>
+                    </a:gridCol>
+                    <a:gridCol w="914400">
+                      <a:extLst>
+                        <a:ext uri="{9D8B030D-6E8A-4147-A177-3AD203B41FA5}">
+                          <a16:colId xmlns:a16="http://schemas.microsoft.com/office/drawing/2014/main" val="2095854489"/>
+                        </a:ext>
+                      </a:extLst>
+                    </a:gridCol>
+                    <a:gridCol w="914400">
+                      <a:extLst>
+                        <a:ext uri="{9D8B030D-6E8A-4147-A177-3AD203B41FA5}">
+                          <a16:colId xmlns:a16="http://schemas.microsoft.com/office/drawing/2014/main" val="3585495825"/>
+                        </a:ext>
+                      </a:extLst>
+                    </a:gridCol>
+                    <a:gridCol w="914400">
+                      <a:extLst>
+                        <a:ext uri="{9D8B030D-6E8A-4147-A177-3AD203B41FA5}">
+                          <a16:colId xmlns:a16="http://schemas.microsoft.com/office/drawing/2014/main" val="728560571"/>
+                        </a:ext>
+                      </a:extLst>
+                    </a:gridCol>
+                    <a:gridCol w="914400">
+                      <a:extLst>
+                        <a:ext uri="{9D8B030D-6E8A-4147-A177-3AD203B41FA5}">
+                          <a16:colId xmlns:a16="http://schemas.microsoft.com/office/drawing/2014/main" val="3072099860"/>
+                        </a:ext>
+                      </a:extLst>
+                    </a:gridCol>
+                    <a:gridCol w="914400">
+                      <a:extLst>
+                        <a:ext uri="{9D8B030D-6E8A-4147-A177-3AD203B41FA5}">
+                          <a16:colId xmlns:a16="http://schemas.microsoft.com/office/drawing/2014/main" val="2472504372"/>
+                        </a:ext>
+                      </a:extLst>
+                    </a:gridCol>
+                    <a:gridCol w="914400">
+                      <a:extLst>
+                        <a:ext uri="{9D8B030D-6E8A-4147-A177-3AD203B41FA5}">
+                          <a16:colId xmlns:a16="http://schemas.microsoft.com/office/drawing/2014/main" val="1322926016"/>
+                        </a:ext>
+                      </a:extLst>
+                    </a:gridCol>
+                  </a:tblGrid>
+                  <a:tr h="396240">
+                    <a:tc>
+                      <a:txBody>
+                        <a:bodyPr/>
+                        <a:lstStyle/>
+                        <a:p>
+                          <a:endParaRPr lang="en-US"/>
+                        </a:p>
+                      </a:txBody>
+                      <a:tcPr marL="45720" marR="0" anchor="ctr">
+                        <a:lnR w="38100" cap="flat" cmpd="sng" algn="ctr">
+                          <a:solidFill>
+                            <a:srgbClr val="00B0F0"/>
+                          </a:solidFill>
+                          <a:prstDash val="solid"/>
+                          <a:round/>
+                          <a:headEnd type="none" w="med" len="med"/>
+                          <a:tailEnd type="none" w="med" len="med"/>
+                        </a:lnR>
+                        <a:lnT w="38100" cap="flat" cmpd="sng" algn="ctr">
+                          <a:noFill/>
+                          <a:prstDash val="solid"/>
+                          <a:round/>
+                          <a:headEnd type="none" w="med" len="med"/>
+                          <a:tailEnd type="none" w="med" len="med"/>
+                        </a:lnT>
+                        <a:lnB w="12700" cap="flat" cmpd="sng" algn="ctr">
+                          <a:solidFill>
+                            <a:schemeClr val="tx1"/>
+                          </a:solidFill>
+                          <a:prstDash val="solid"/>
+                          <a:round/>
+                          <a:headEnd type="none" w="med" len="med"/>
+                          <a:tailEnd type="none" w="med" len="med"/>
+                        </a:lnB>
+                        <a:blipFill>
+                          <a:blip r:embed="rId3"/>
+                          <a:stretch>
+                            <a:fillRect t="-7576" r="-1101333" b="-125758"/>
+                          </a:stretch>
+                        </a:blipFill>
+                      </a:tcPr>
+                    </a:tc>
+                    <a:tc>
+                      <a:txBody>
+                        <a:bodyPr/>
+                        <a:lstStyle/>
+                        <a:p>
+                          <a:pPr algn="ctr" fontAlgn="b"/>
+                          <a:r>
+                            <a:rPr lang="en-US" sz="2000" b="0" i="0" u="none" strike="noStrike" dirty="0">
+                              <a:solidFill>
+                                <a:srgbClr val="000000"/>
+                              </a:solidFill>
+                              <a:effectLst/>
+                              <a:latin typeface="+mj-lt"/>
+                            </a:rPr>
+                            <a:t>−0.04</a:t>
+                          </a:r>
+                        </a:p>
+                      </a:txBody>
+                      <a:tcPr marL="45720" marR="0" anchor="ctr">
+                        <a:lnL w="38100" cap="flat" cmpd="sng" algn="ctr">
+                          <a:solidFill>
+                            <a:srgbClr val="00B0F0"/>
+                          </a:solidFill>
+                          <a:prstDash val="solid"/>
+                          <a:round/>
+                          <a:headEnd type="none" w="med" len="med"/>
+                          <a:tailEnd type="none" w="med" len="med"/>
+                        </a:lnL>
+                        <a:lnT w="38100" cap="flat" cmpd="sng" algn="ctr">
+                          <a:noFill/>
+                          <a:prstDash val="solid"/>
+                          <a:round/>
+                          <a:headEnd type="none" w="med" len="med"/>
+                          <a:tailEnd type="none" w="med" len="med"/>
+                        </a:lnT>
+                        <a:lnB w="12700" cap="flat" cmpd="sng" algn="ctr">
+                          <a:solidFill>
+                            <a:schemeClr val="tx1"/>
+                          </a:solidFill>
+                          <a:prstDash val="solid"/>
+                          <a:round/>
+                          <a:headEnd type="none" w="med" len="med"/>
+                          <a:tailEnd type="none" w="med" len="med"/>
+                        </a:lnB>
+                      </a:tcPr>
+                    </a:tc>
+                    <a:tc>
+                      <a:txBody>
+                        <a:bodyPr/>
+                        <a:lstStyle/>
+                        <a:p>
+                          <a:pPr algn="ctr" fontAlgn="b"/>
+                          <a:r>
+                            <a:rPr lang="en-US" sz="2000" b="0" i="0" u="none" strike="noStrike" dirty="0">
+                              <a:solidFill>
+                                <a:srgbClr val="000000"/>
+                              </a:solidFill>
+                              <a:effectLst/>
+                              <a:latin typeface="+mj-lt"/>
+                            </a:rPr>
+                            <a:t>0.93</a:t>
+                          </a:r>
+                        </a:p>
+                      </a:txBody>
+                      <a:tcPr marL="45720" marR="0" anchor="ctr">
+                        <a:lnT w="38100" cap="flat" cmpd="sng" algn="ctr">
+                          <a:noFill/>
+                          <a:prstDash val="solid"/>
+                          <a:round/>
+                          <a:headEnd type="none" w="med" len="med"/>
+                          <a:tailEnd type="none" w="med" len="med"/>
+                        </a:lnT>
+                        <a:lnB w="12700" cap="flat" cmpd="sng" algn="ctr">
+                          <a:solidFill>
+                            <a:schemeClr val="tx1"/>
+                          </a:solidFill>
+                          <a:prstDash val="solid"/>
+                          <a:round/>
+                          <a:headEnd type="none" w="med" len="med"/>
+                          <a:tailEnd type="none" w="med" len="med"/>
+                        </a:lnB>
+                      </a:tcPr>
+                    </a:tc>
+                    <a:tc>
+                      <a:txBody>
+                        <a:bodyPr/>
+                        <a:lstStyle/>
+                        <a:p>
+                          <a:pPr algn="ctr" fontAlgn="b"/>
+                          <a:r>
+                            <a:rPr lang="en-US" sz="2000" b="0" i="0" u="none" strike="noStrike" dirty="0">
+                              <a:solidFill>
+                                <a:srgbClr val="000000"/>
+                              </a:solidFill>
+                              <a:effectLst/>
+                              <a:latin typeface="+mj-lt"/>
+                            </a:rPr>
+                            <a:t>1.95</a:t>
+                          </a:r>
+                        </a:p>
+                      </a:txBody>
+                      <a:tcPr marL="45720" marR="0" anchor="ctr">
+                        <a:lnT w="38100" cap="flat" cmpd="sng" algn="ctr">
+                          <a:noFill/>
+                          <a:prstDash val="solid"/>
+                          <a:round/>
+                          <a:headEnd type="none" w="med" len="med"/>
+                          <a:tailEnd type="none" w="med" len="med"/>
+                        </a:lnT>
+                        <a:lnB w="12700" cap="flat" cmpd="sng" algn="ctr">
+                          <a:solidFill>
+                            <a:schemeClr val="tx1"/>
+                          </a:solidFill>
+                          <a:prstDash val="solid"/>
+                          <a:round/>
+                          <a:headEnd type="none" w="med" len="med"/>
+                          <a:tailEnd type="none" w="med" len="med"/>
+                        </a:lnB>
+                      </a:tcPr>
+                    </a:tc>
+                    <a:tc>
+                      <a:txBody>
+                        <a:bodyPr/>
+                        <a:lstStyle/>
+                        <a:p>
+                          <a:pPr algn="ctr" fontAlgn="b"/>
+                          <a:r>
+                            <a:rPr lang="en-US" sz="2000" b="0" i="0" u="none" strike="noStrike" dirty="0">
+                              <a:solidFill>
+                                <a:srgbClr val="000000"/>
+                              </a:solidFill>
+                              <a:effectLst/>
+                              <a:latin typeface="+mj-lt"/>
+                            </a:rPr>
+                            <a:t>2.90</a:t>
+                          </a:r>
+                        </a:p>
+                      </a:txBody>
+                      <a:tcPr marL="45720" marR="0" anchor="ctr">
+                        <a:lnT w="38100" cap="flat" cmpd="sng" algn="ctr">
+                          <a:noFill/>
+                          <a:prstDash val="solid"/>
+                          <a:round/>
+                          <a:headEnd type="none" w="med" len="med"/>
+                          <a:tailEnd type="none" w="med" len="med"/>
+                        </a:lnT>
+                        <a:lnB w="12700" cap="flat" cmpd="sng" algn="ctr">
+                          <a:solidFill>
+                            <a:schemeClr val="tx1"/>
+                          </a:solidFill>
+                          <a:prstDash val="solid"/>
+                          <a:round/>
+                          <a:headEnd type="none" w="med" len="med"/>
+                          <a:tailEnd type="none" w="med" len="med"/>
+                        </a:lnB>
+                      </a:tcPr>
+                    </a:tc>
+                    <a:tc>
+                      <a:txBody>
+                        <a:bodyPr/>
+                        <a:lstStyle/>
+                        <a:p>
+                          <a:pPr algn="ctr" fontAlgn="b"/>
+                          <a:r>
+                            <a:rPr lang="en-US" sz="2000" b="0" i="0" u="none" strike="noStrike" dirty="0">
+                              <a:solidFill>
+                                <a:srgbClr val="000000"/>
+                              </a:solidFill>
+                              <a:effectLst/>
+                              <a:latin typeface="+mj-lt"/>
+                            </a:rPr>
+                            <a:t>3.83</a:t>
+                          </a:r>
+                        </a:p>
+                      </a:txBody>
+                      <a:tcPr marL="45720" marR="0" anchor="ctr">
+                        <a:lnT w="38100" cap="flat" cmpd="sng" algn="ctr">
+                          <a:noFill/>
+                          <a:prstDash val="solid"/>
+                          <a:round/>
+                          <a:headEnd type="none" w="med" len="med"/>
+                          <a:tailEnd type="none" w="med" len="med"/>
+                        </a:lnT>
+                        <a:lnB w="12700" cap="flat" cmpd="sng" algn="ctr">
+                          <a:solidFill>
+                            <a:schemeClr val="tx1"/>
+                          </a:solidFill>
+                          <a:prstDash val="solid"/>
+                          <a:round/>
+                          <a:headEnd type="none" w="med" len="med"/>
+                          <a:tailEnd type="none" w="med" len="med"/>
+                        </a:lnB>
+                      </a:tcPr>
+                    </a:tc>
+                    <a:tc>
+                      <a:txBody>
+                        <a:bodyPr/>
+                        <a:lstStyle/>
+                        <a:p>
+                          <a:pPr algn="ctr" fontAlgn="b"/>
+                          <a:r>
+                            <a:rPr lang="en-US" sz="2000" b="0" i="0" u="none" strike="noStrike" dirty="0">
+                              <a:solidFill>
+                                <a:srgbClr val="000000"/>
+                              </a:solidFill>
+                              <a:effectLst/>
+                              <a:latin typeface="+mj-lt"/>
+                            </a:rPr>
+                            <a:t>5.00</a:t>
+                          </a:r>
+                        </a:p>
+                      </a:txBody>
+                      <a:tcPr marL="45720" marR="0" anchor="ctr">
+                        <a:lnT w="38100" cap="flat" cmpd="sng" algn="ctr">
+                          <a:noFill/>
+                          <a:prstDash val="solid"/>
+                          <a:round/>
+                          <a:headEnd type="none" w="med" len="med"/>
+                          <a:tailEnd type="none" w="med" len="med"/>
+                        </a:lnT>
+                        <a:lnB w="12700" cap="flat" cmpd="sng" algn="ctr">
+                          <a:solidFill>
+                            <a:schemeClr val="tx1"/>
+                          </a:solidFill>
+                          <a:prstDash val="solid"/>
+                          <a:round/>
+                          <a:headEnd type="none" w="med" len="med"/>
+                          <a:tailEnd type="none" w="med" len="med"/>
+                        </a:lnB>
+                      </a:tcPr>
+                    </a:tc>
+                    <a:tc>
+                      <a:txBody>
+                        <a:bodyPr/>
+                        <a:lstStyle/>
+                        <a:p>
+                          <a:pPr algn="ctr" fontAlgn="b"/>
+                          <a:r>
+                            <a:rPr lang="en-US" sz="2000" b="0" i="0" u="none" strike="noStrike" dirty="0">
+                              <a:solidFill>
+                                <a:srgbClr val="000000"/>
+                              </a:solidFill>
+                              <a:effectLst/>
+                              <a:latin typeface="+mj-lt"/>
+                            </a:rPr>
+                            <a:t>5.98</a:t>
+                          </a:r>
+                        </a:p>
+                      </a:txBody>
+                      <a:tcPr marL="45720" marR="0" anchor="ctr">
+                        <a:lnT w="38100" cap="flat" cmpd="sng" algn="ctr">
+                          <a:noFill/>
+                          <a:prstDash val="solid"/>
+                          <a:round/>
+                          <a:headEnd type="none" w="med" len="med"/>
+                          <a:tailEnd type="none" w="med" len="med"/>
+                        </a:lnT>
+                        <a:lnB w="12700" cap="flat" cmpd="sng" algn="ctr">
+                          <a:solidFill>
+                            <a:schemeClr val="tx1"/>
+                          </a:solidFill>
+                          <a:prstDash val="solid"/>
+                          <a:round/>
+                          <a:headEnd type="none" w="med" len="med"/>
+                          <a:tailEnd type="none" w="med" len="med"/>
+                        </a:lnB>
+                      </a:tcPr>
+                    </a:tc>
+                    <a:tc>
+                      <a:txBody>
+                        <a:bodyPr/>
+                        <a:lstStyle/>
+                        <a:p>
+                          <a:pPr algn="ctr" fontAlgn="b"/>
+                          <a:r>
+                            <a:rPr lang="en-US" sz="2000" b="0" i="0" u="none" strike="noStrike" dirty="0">
+                              <a:solidFill>
+                                <a:srgbClr val="000000"/>
+                              </a:solidFill>
+                              <a:effectLst/>
+                              <a:latin typeface="+mj-lt"/>
+                            </a:rPr>
+                            <a:t>7.05</a:t>
+                          </a:r>
+                        </a:p>
+                      </a:txBody>
+                      <a:tcPr marL="45720" marR="0" anchor="ctr">
+                        <a:lnT w="38100" cap="flat" cmpd="sng" algn="ctr">
+                          <a:noFill/>
+                          <a:prstDash val="solid"/>
+                          <a:round/>
+                          <a:headEnd type="none" w="med" len="med"/>
+                          <a:tailEnd type="none" w="med" len="med"/>
+                        </a:lnT>
+                        <a:lnB w="12700" cap="flat" cmpd="sng" algn="ctr">
+                          <a:solidFill>
+                            <a:schemeClr val="tx1"/>
+                          </a:solidFill>
+                          <a:prstDash val="solid"/>
+                          <a:round/>
+                          <a:headEnd type="none" w="med" len="med"/>
+                          <a:tailEnd type="none" w="med" len="med"/>
+                        </a:lnB>
+                      </a:tcPr>
+                    </a:tc>
+                    <a:tc>
+                      <a:txBody>
+                        <a:bodyPr/>
+                        <a:lstStyle/>
+                        <a:p>
+                          <a:pPr algn="ctr" fontAlgn="b"/>
+                          <a:r>
+                            <a:rPr lang="en-US" sz="2000" b="0" i="0" u="none" strike="noStrike" dirty="0">
+                              <a:solidFill>
+                                <a:srgbClr val="000000"/>
+                              </a:solidFill>
+                              <a:effectLst/>
+                              <a:latin typeface="+mj-lt"/>
+                            </a:rPr>
+                            <a:t>8.21</a:t>
+                          </a:r>
+                        </a:p>
+                      </a:txBody>
+                      <a:tcPr marL="45720" marR="0" anchor="ctr">
+                        <a:lnT w="38100" cap="flat" cmpd="sng" algn="ctr">
+                          <a:noFill/>
+                          <a:prstDash val="solid"/>
+                          <a:round/>
+                          <a:headEnd type="none" w="med" len="med"/>
+                          <a:tailEnd type="none" w="med" len="med"/>
+                        </a:lnT>
+                        <a:lnB w="12700" cap="flat" cmpd="sng" algn="ctr">
+                          <a:solidFill>
+                            <a:schemeClr val="tx1"/>
+                          </a:solidFill>
+                          <a:prstDash val="solid"/>
+                          <a:round/>
+                          <a:headEnd type="none" w="med" len="med"/>
+                          <a:tailEnd type="none" w="med" len="med"/>
+                        </a:lnB>
+                      </a:tcPr>
+                    </a:tc>
+                    <a:tc>
+                      <a:txBody>
+                        <a:bodyPr/>
+                        <a:lstStyle/>
+                        <a:p>
+                          <a:pPr algn="ctr" fontAlgn="b"/>
+                          <a:r>
+                            <a:rPr lang="en-US" sz="2000" b="0" i="0" u="none" strike="noStrike" dirty="0">
+                              <a:solidFill>
+                                <a:srgbClr val="000000"/>
+                              </a:solidFill>
+                              <a:effectLst/>
+                              <a:latin typeface="+mj-lt"/>
+                            </a:rPr>
+                            <a:t>9.08</a:t>
+                          </a:r>
+                        </a:p>
+                      </a:txBody>
+                      <a:tcPr marL="45720" marR="0" anchor="ctr">
+                        <a:lnT w="38100" cap="flat" cmpd="sng" algn="ctr">
+                          <a:noFill/>
+                          <a:prstDash val="solid"/>
+                          <a:round/>
+                          <a:headEnd type="none" w="med" len="med"/>
+                          <a:tailEnd type="none" w="med" len="med"/>
+                        </a:lnT>
+                        <a:lnB w="12700" cap="flat" cmpd="sng" algn="ctr">
+                          <a:solidFill>
+                            <a:schemeClr val="tx1"/>
+                          </a:solidFill>
+                          <a:prstDash val="solid"/>
+                          <a:round/>
+                          <a:headEnd type="none" w="med" len="med"/>
+                          <a:tailEnd type="none" w="med" len="med"/>
+                        </a:lnB>
+                      </a:tcPr>
+                    </a:tc>
+                    <a:tc>
+                      <a:txBody>
+                        <a:bodyPr/>
+                        <a:lstStyle/>
+                        <a:p>
+                          <a:pPr algn="ctr" fontAlgn="b"/>
+                          <a:r>
+                            <a:rPr lang="en-US" sz="2000" b="0" i="0" u="none" strike="noStrike" dirty="0">
+                              <a:solidFill>
+                                <a:srgbClr val="000000"/>
+                              </a:solidFill>
+                              <a:effectLst/>
+                              <a:latin typeface="+mj-lt"/>
+                            </a:rPr>
+                            <a:t>10.09</a:t>
+                          </a:r>
+                        </a:p>
+                      </a:txBody>
+                      <a:tcPr marL="45720" marR="0" anchor="ctr">
+                        <a:lnT w="38100" cap="flat" cmpd="sng" algn="ctr">
+                          <a:noFill/>
+                          <a:prstDash val="solid"/>
+                          <a:round/>
+                          <a:headEnd type="none" w="med" len="med"/>
+                          <a:tailEnd type="none" w="med" len="med"/>
+                        </a:lnT>
+                        <a:lnB w="12700" cap="flat" cmpd="sng" algn="ctr">
+                          <a:solidFill>
+                            <a:schemeClr val="tx1"/>
+                          </a:solidFill>
+                          <a:prstDash val="solid"/>
+                          <a:round/>
+                          <a:headEnd type="none" w="med" len="med"/>
+                          <a:tailEnd type="none" w="med" len="med"/>
+                        </a:lnB>
+                      </a:tcPr>
+                    </a:tc>
+                    <a:extLst>
+                      <a:ext uri="{0D108BD9-81ED-4DB2-BD59-A6C34878D82A}">
+                        <a16:rowId xmlns:a16="http://schemas.microsoft.com/office/drawing/2014/main" val="3784570365"/>
+                      </a:ext>
+                    </a:extLst>
+                  </a:tr>
+                  <a:tr h="396240">
+                    <a:tc>
+                      <a:txBody>
+                        <a:bodyPr/>
+                        <a:lstStyle/>
+                        <a:p>
+                          <a:endParaRPr lang="en-US"/>
+                        </a:p>
+                      </a:txBody>
+                      <a:tcPr marL="45720" marR="0" anchor="ctr">
+                        <a:lnR w="38100" cap="flat" cmpd="sng" algn="ctr">
+                          <a:solidFill>
+                            <a:srgbClr val="00B0F0"/>
+                          </a:solidFill>
+                          <a:prstDash val="solid"/>
+                          <a:round/>
+                          <a:headEnd type="none" w="med" len="med"/>
+                          <a:tailEnd type="none" w="med" len="med"/>
+                        </a:lnR>
+                        <a:lnT w="12700" cap="flat" cmpd="sng" algn="ctr">
+                          <a:solidFill>
+                            <a:schemeClr val="tx1"/>
+                          </a:solidFill>
+                          <a:prstDash val="solid"/>
+                          <a:round/>
+                          <a:headEnd type="none" w="med" len="med"/>
+                          <a:tailEnd type="none" w="med" len="med"/>
+                        </a:lnT>
+                        <a:blipFill>
+                          <a:blip r:embed="rId3"/>
+                          <a:stretch>
+                            <a:fillRect t="-109231" r="-1101333" b="-27692"/>
+                          </a:stretch>
+                        </a:blipFill>
+                      </a:tcPr>
+                    </a:tc>
+                    <a:tc>
+                      <a:txBody>
+                        <a:bodyPr/>
+                        <a:lstStyle/>
+                        <a:p>
+                          <a:pPr marL="0" algn="ctr" defTabSz="914400" rtl="0" eaLnBrk="1" fontAlgn="b" latinLnBrk="0" hangingPunct="1"/>
+                          <a:r>
+                            <a:rPr lang="en-US" sz="2000" b="0" i="0" u="none" strike="noStrike" kern="1200" dirty="0">
+                              <a:solidFill>
+                                <a:srgbClr val="000000"/>
+                              </a:solidFill>
+                              <a:effectLst/>
+                              <a:latin typeface="+mj-lt"/>
+                              <a:ea typeface="+mn-ea"/>
+                              <a:cs typeface="+mn-cs"/>
+                            </a:rPr>
+                            <a:t>3.28</a:t>
+                          </a:r>
+                        </a:p>
+                      </a:txBody>
+                      <a:tcPr marL="9525" marR="9525" marT="9525" marB="0" anchor="ctr">
+                        <a:lnL w="38100" cap="flat" cmpd="sng" algn="ctr">
+                          <a:solidFill>
+                            <a:srgbClr val="00B0F0"/>
+                          </a:solidFill>
+                          <a:prstDash val="solid"/>
+                          <a:round/>
+                          <a:headEnd type="none" w="med" len="med"/>
+                          <a:tailEnd type="none" w="med" len="med"/>
+                        </a:lnL>
+                        <a:lnT w="12700" cap="flat" cmpd="sng" algn="ctr">
+                          <a:solidFill>
+                            <a:schemeClr val="tx1"/>
+                          </a:solidFill>
+                          <a:prstDash val="solid"/>
+                          <a:round/>
+                          <a:headEnd type="none" w="med" len="med"/>
+                          <a:tailEnd type="none" w="med" len="med"/>
+                        </a:lnT>
+                      </a:tcPr>
+                    </a:tc>
+                    <a:tc>
+                      <a:txBody>
+                        <a:bodyPr/>
+                        <a:lstStyle/>
+                        <a:p>
+                          <a:pPr marL="0" algn="ctr" defTabSz="914400" rtl="0" eaLnBrk="1" fontAlgn="b" latinLnBrk="0" hangingPunct="1"/>
+                          <a:r>
+                            <a:rPr lang="en-US" sz="2000" b="0" i="0" u="none" strike="noStrike" kern="1200" dirty="0">
+                              <a:solidFill>
+                                <a:srgbClr val="000000"/>
+                              </a:solidFill>
+                              <a:effectLst/>
+                              <a:latin typeface="+mj-lt"/>
+                              <a:ea typeface="+mn-ea"/>
+                              <a:cs typeface="+mn-cs"/>
+                            </a:rPr>
+                            <a:t>10.52</a:t>
+                          </a:r>
+                        </a:p>
+                      </a:txBody>
+                      <a:tcPr marL="9525" marR="9525" marT="9525" marB="0" anchor="ctr">
+                        <a:lnT w="12700" cap="flat" cmpd="sng" algn="ctr">
+                          <a:solidFill>
+                            <a:schemeClr val="tx1"/>
+                          </a:solidFill>
+                          <a:prstDash val="solid"/>
+                          <a:round/>
+                          <a:headEnd type="none" w="med" len="med"/>
+                          <a:tailEnd type="none" w="med" len="med"/>
+                        </a:lnT>
+                      </a:tcPr>
+                    </a:tc>
+                    <a:tc>
+                      <a:txBody>
+                        <a:bodyPr/>
+                        <a:lstStyle/>
+                        <a:p>
+                          <a:pPr marL="0" algn="ctr" defTabSz="914400" rtl="0" eaLnBrk="1" fontAlgn="b" latinLnBrk="0" hangingPunct="1"/>
+                          <a:r>
+                            <a:rPr lang="en-US" sz="2000" b="0" i="0" u="none" strike="noStrike" kern="1200" dirty="0">
+                              <a:solidFill>
+                                <a:srgbClr val="000000"/>
+                              </a:solidFill>
+                              <a:effectLst/>
+                              <a:latin typeface="+mj-lt"/>
+                              <a:ea typeface="+mn-ea"/>
+                              <a:cs typeface="+mn-cs"/>
+                            </a:rPr>
+                            <a:t>34.21</a:t>
+                          </a:r>
+                        </a:p>
+                      </a:txBody>
+                      <a:tcPr marL="9525" marR="9525" marT="9525" marB="0" anchor="ctr">
+                        <a:lnT w="12700" cap="flat" cmpd="sng" algn="ctr">
+                          <a:solidFill>
+                            <a:schemeClr val="tx1"/>
+                          </a:solidFill>
+                          <a:prstDash val="solid"/>
+                          <a:round/>
+                          <a:headEnd type="none" w="med" len="med"/>
+                          <a:tailEnd type="none" w="med" len="med"/>
+                        </a:lnT>
+                      </a:tcPr>
+                    </a:tc>
+                    <a:tc>
+                      <a:txBody>
+                        <a:bodyPr/>
+                        <a:lstStyle/>
+                        <a:p>
+                          <a:pPr marL="0" algn="ctr" defTabSz="914400" rtl="0" eaLnBrk="1" fontAlgn="b" latinLnBrk="0" hangingPunct="1"/>
+                          <a:r>
+                            <a:rPr lang="en-US" sz="2000" b="0" i="0" u="none" strike="noStrike" kern="1200" dirty="0">
+                              <a:solidFill>
+                                <a:srgbClr val="000000"/>
+                              </a:solidFill>
+                              <a:effectLst/>
+                              <a:latin typeface="+mj-lt"/>
+                              <a:ea typeface="+mn-ea"/>
+                              <a:cs typeface="+mn-cs"/>
+                            </a:rPr>
+                            <a:t>76.58</a:t>
+                          </a:r>
+                        </a:p>
+                      </a:txBody>
+                      <a:tcPr marL="9525" marR="9525" marT="9525" marB="0" anchor="ctr">
+                        <a:lnT w="12700" cap="flat" cmpd="sng" algn="ctr">
+                          <a:solidFill>
+                            <a:schemeClr val="tx1"/>
+                          </a:solidFill>
+                          <a:prstDash val="solid"/>
+                          <a:round/>
+                          <a:headEnd type="none" w="med" len="med"/>
+                          <a:tailEnd type="none" w="med" len="med"/>
+                        </a:lnT>
+                      </a:tcPr>
+                    </a:tc>
+                    <a:tc>
+                      <a:txBody>
+                        <a:bodyPr/>
+                        <a:lstStyle/>
+                        <a:p>
+                          <a:pPr marL="0" algn="ctr" defTabSz="914400" rtl="0" eaLnBrk="1" fontAlgn="b" latinLnBrk="0" hangingPunct="1"/>
+                          <a:r>
+                            <a:rPr lang="en-US" sz="2000" b="0" i="0" u="none" strike="noStrike" kern="1200" dirty="0">
+                              <a:solidFill>
+                                <a:srgbClr val="000000"/>
+                              </a:solidFill>
+                              <a:effectLst/>
+                              <a:latin typeface="+mj-lt"/>
+                              <a:ea typeface="+mn-ea"/>
+                              <a:cs typeface="+mn-cs"/>
+                            </a:rPr>
+                            <a:t>122.38</a:t>
+                          </a:r>
+                        </a:p>
+                      </a:txBody>
+                      <a:tcPr marL="9525" marR="9525" marT="9525" marB="0" anchor="ctr">
+                        <a:lnT w="12700" cap="flat" cmpd="sng" algn="ctr">
+                          <a:solidFill>
+                            <a:schemeClr val="tx1"/>
+                          </a:solidFill>
+                          <a:prstDash val="solid"/>
+                          <a:round/>
+                          <a:headEnd type="none" w="med" len="med"/>
+                          <a:tailEnd type="none" w="med" len="med"/>
+                        </a:lnT>
+                      </a:tcPr>
+                    </a:tc>
+                    <a:tc>
+                      <a:txBody>
+                        <a:bodyPr/>
+                        <a:lstStyle/>
+                        <a:p>
+                          <a:pPr marL="0" algn="ctr" defTabSz="914400" rtl="0" eaLnBrk="1" fontAlgn="b" latinLnBrk="0" hangingPunct="1"/>
+                          <a:r>
+                            <a:rPr lang="en-US" sz="2000" b="0" i="0" u="none" strike="noStrike" kern="1200" dirty="0">
+                              <a:solidFill>
+                                <a:srgbClr val="000000"/>
+                              </a:solidFill>
+                              <a:effectLst/>
+                              <a:latin typeface="+mj-lt"/>
+                              <a:ea typeface="+mn-ea"/>
+                              <a:cs typeface="+mn-cs"/>
+                            </a:rPr>
+                            <a:t>207.02</a:t>
+                          </a:r>
+                        </a:p>
+                      </a:txBody>
+                      <a:tcPr marL="9525" marR="9525" marT="9525" marB="0" anchor="ctr">
+                        <a:lnT w="12700" cap="flat" cmpd="sng" algn="ctr">
+                          <a:solidFill>
+                            <a:schemeClr val="tx1"/>
+                          </a:solidFill>
+                          <a:prstDash val="solid"/>
+                          <a:round/>
+                          <a:headEnd type="none" w="med" len="med"/>
+                          <a:tailEnd type="none" w="med" len="med"/>
+                        </a:lnT>
+                      </a:tcPr>
+                    </a:tc>
+                    <a:tc>
+                      <a:txBody>
+                        <a:bodyPr/>
+                        <a:lstStyle/>
+                        <a:p>
+                          <a:pPr marL="0" algn="ctr" defTabSz="914400" rtl="0" eaLnBrk="1" fontAlgn="b" latinLnBrk="0" hangingPunct="1"/>
+                          <a:r>
+                            <a:rPr lang="en-US" sz="2000" b="0" i="0" u="none" strike="noStrike" kern="1200" dirty="0">
+                              <a:solidFill>
+                                <a:srgbClr val="000000"/>
+                              </a:solidFill>
+                              <a:effectLst/>
+                              <a:latin typeface="+mj-lt"/>
+                              <a:ea typeface="+mn-ea"/>
+                              <a:cs typeface="+mn-cs"/>
+                            </a:rPr>
+                            <a:t>303.77</a:t>
+                          </a:r>
+                        </a:p>
+                      </a:txBody>
+                      <a:tcPr marL="9525" marR="9525" marT="9525" marB="0" anchor="ctr">
+                        <a:lnT w="12700" cap="flat" cmpd="sng" algn="ctr">
+                          <a:solidFill>
+                            <a:schemeClr val="tx1"/>
+                          </a:solidFill>
+                          <a:prstDash val="solid"/>
+                          <a:round/>
+                          <a:headEnd type="none" w="med" len="med"/>
+                          <a:tailEnd type="none" w="med" len="med"/>
+                        </a:lnT>
+                      </a:tcPr>
+                    </a:tc>
+                    <a:tc>
+                      <a:txBody>
+                        <a:bodyPr/>
+                        <a:lstStyle/>
+                        <a:p>
+                          <a:pPr marL="0" algn="ctr" defTabSz="914400" rtl="0" eaLnBrk="1" fontAlgn="b" latinLnBrk="0" hangingPunct="1"/>
+                          <a:r>
+                            <a:rPr lang="en-US" sz="2000" b="0" i="0" u="none" strike="noStrike" kern="1200" dirty="0">
+                              <a:solidFill>
+                                <a:srgbClr val="000000"/>
+                              </a:solidFill>
+                              <a:effectLst/>
+                              <a:latin typeface="+mj-lt"/>
+                              <a:ea typeface="+mn-ea"/>
+                              <a:cs typeface="+mn-cs"/>
+                            </a:rPr>
+                            <a:t>412.30</a:t>
+                          </a:r>
+                        </a:p>
+                      </a:txBody>
+                      <a:tcPr marL="9525" marR="9525" marT="9525" marB="0" anchor="ctr">
+                        <a:lnT w="12700" cap="flat" cmpd="sng" algn="ctr">
+                          <a:solidFill>
+                            <a:schemeClr val="tx1"/>
+                          </a:solidFill>
+                          <a:prstDash val="solid"/>
+                          <a:round/>
+                          <a:headEnd type="none" w="med" len="med"/>
+                          <a:tailEnd type="none" w="med" len="med"/>
+                        </a:lnT>
+                      </a:tcPr>
+                    </a:tc>
+                    <a:tc>
+                      <a:txBody>
+                        <a:bodyPr/>
+                        <a:lstStyle/>
+                        <a:p>
+                          <a:pPr marL="0" algn="ctr" defTabSz="914400" rtl="0" eaLnBrk="1" fontAlgn="b" latinLnBrk="0" hangingPunct="1"/>
+                          <a:r>
+                            <a:rPr lang="en-US" sz="2000" b="0" i="0" u="none" strike="noStrike" kern="1200" dirty="0">
+                              <a:solidFill>
+                                <a:srgbClr val="000000"/>
+                              </a:solidFill>
+                              <a:effectLst/>
+                              <a:latin typeface="+mj-lt"/>
+                              <a:ea typeface="+mn-ea"/>
+                              <a:cs typeface="+mn-cs"/>
+                            </a:rPr>
+                            <a:t>566.72</a:t>
+                          </a:r>
+                        </a:p>
+                      </a:txBody>
+                      <a:tcPr marL="9525" marR="9525" marT="9525" marB="0" anchor="ctr">
+                        <a:lnT w="12700" cap="flat" cmpd="sng" algn="ctr">
+                          <a:solidFill>
+                            <a:schemeClr val="tx1"/>
+                          </a:solidFill>
+                          <a:prstDash val="solid"/>
+                          <a:round/>
+                          <a:headEnd type="none" w="med" len="med"/>
+                          <a:tailEnd type="none" w="med" len="med"/>
+                        </a:lnT>
+                      </a:tcPr>
+                    </a:tc>
+                    <a:tc>
+                      <a:txBody>
+                        <a:bodyPr/>
+                        <a:lstStyle/>
+                        <a:p>
+                          <a:pPr marL="0" algn="ctr" defTabSz="914400" rtl="0" eaLnBrk="1" fontAlgn="b" latinLnBrk="0" hangingPunct="1"/>
+                          <a:r>
+                            <a:rPr lang="en-US" sz="2000" b="0" i="0" u="none" strike="noStrike" kern="1200" dirty="0">
+                              <a:solidFill>
+                                <a:srgbClr val="000000"/>
+                              </a:solidFill>
+                              <a:effectLst/>
+                              <a:latin typeface="+mj-lt"/>
+                              <a:ea typeface="+mn-ea"/>
+                              <a:cs typeface="+mn-cs"/>
+                            </a:rPr>
+                            <a:t>695.33</a:t>
+                          </a:r>
+                        </a:p>
+                      </a:txBody>
+                      <a:tcPr marL="9525" marR="9525" marT="9525" marB="0" anchor="ctr">
+                        <a:lnT w="12700" cap="flat" cmpd="sng" algn="ctr">
+                          <a:solidFill>
+                            <a:schemeClr val="tx1"/>
+                          </a:solidFill>
+                          <a:prstDash val="solid"/>
+                          <a:round/>
+                          <a:headEnd type="none" w="med" len="med"/>
+                          <a:tailEnd type="none" w="med" len="med"/>
+                        </a:lnT>
+                      </a:tcPr>
+                    </a:tc>
+                    <a:tc>
+                      <a:txBody>
+                        <a:bodyPr/>
+                        <a:lstStyle/>
+                        <a:p>
+                          <a:pPr marL="0" algn="ctr" defTabSz="914400" rtl="0" eaLnBrk="1" fontAlgn="b" latinLnBrk="0" hangingPunct="1"/>
+                          <a:r>
+                            <a:rPr lang="en-US" sz="2000" b="0" i="0" u="none" strike="noStrike" kern="1200" dirty="0">
+                              <a:solidFill>
+                                <a:srgbClr val="000000"/>
+                              </a:solidFill>
+                              <a:effectLst/>
+                              <a:latin typeface="+mj-lt"/>
+                              <a:ea typeface="+mn-ea"/>
+                              <a:cs typeface="+mn-cs"/>
+                            </a:rPr>
+                            <a:t>889.31</a:t>
+                          </a:r>
+                        </a:p>
+                      </a:txBody>
+                      <a:tcPr marL="9525" marR="9525" marT="9525" marB="0" anchor="ctr">
+                        <a:lnT w="12700" cap="flat" cmpd="sng" algn="ctr">
+                          <a:solidFill>
+                            <a:schemeClr val="tx1"/>
+                          </a:solidFill>
+                          <a:prstDash val="solid"/>
+                          <a:round/>
+                          <a:headEnd type="none" w="med" len="med"/>
+                          <a:tailEnd type="none" w="med" len="med"/>
+                        </a:lnT>
+                      </a:tcPr>
+                    </a:tc>
+                    <a:extLst>
+                      <a:ext uri="{0D108BD9-81ED-4DB2-BD59-A6C34878D82A}">
+                        <a16:rowId xmlns:a16="http://schemas.microsoft.com/office/drawing/2014/main" val="4169272442"/>
+                      </a:ext>
+                    </a:extLst>
+                  </a:tr>
+                </a:tbl>
+              </a:graphicData>
+            </a:graphic>
+          </p:graphicFrame>
+        </mc:Fallback>
+      </mc:AlternateContent>
+    </p:spTree>
+    <p:extLst>
+      <p:ext uri="{BB962C8B-B14F-4D97-AF65-F5344CB8AC3E}">
+        <p14:creationId xmlns:p14="http://schemas.microsoft.com/office/powerpoint/2010/main" val="2448255599"/>
       </p:ext>
     </p:extLst>
   </p:cSld>

--- a/figure_edits.pptx
+++ b/figure_edits.pptx
@@ -18,6 +18,10 @@
     <p:sldId id="267" r:id="rId12"/>
     <p:sldId id="265" r:id="rId13"/>
     <p:sldId id="268" r:id="rId14"/>
+    <p:sldId id="270" r:id="rId15"/>
+    <p:sldId id="269" r:id="rId16"/>
+    <p:sldId id="271" r:id="rId17"/>
+    <p:sldId id="272" r:id="rId18"/>
   </p:sldIdLst>
   <p:sldSz cx="12192000" cy="6858000"/>
   <p:notesSz cx="6858000" cy="9144000"/>
@@ -127,7 +131,8 @@
 <file path=ppt/revisionInfo.xml><?xml version="1.0" encoding="utf-8"?>
 <p1510:revInfo xmlns:a="http://schemas.openxmlformats.org/drawingml/2006/main" xmlns:r="http://schemas.openxmlformats.org/officeDocument/2006/relationships" xmlns:p1510="http://schemas.microsoft.com/office/powerpoint/2015/10/main">
   <p1510:revLst>
-    <p1510:client id="{1E2FEA87-2DEA-469F-9430-B0F2C003583F}" v="81" dt="2022-08-30T17:58:29.446"/>
+    <p1510:client id="{15FC233E-EFF0-47DF-AF7A-53242A4A1FE3}" v="46" dt="2022-09-02T04:29:57.440"/>
+    <p1510:client id="{9642B51E-46F6-4B6D-ACEE-2D7D1AF0C4B4}" v="110" dt="2022-09-01T21:37:47.142"/>
   </p1510:revLst>
 </p1510:revInfo>
 </file>
@@ -877,6 +882,1115 @@
             <pc:docMk/>
             <pc:sldMk cId="3485894854" sldId="259"/>
             <ac:picMk id="4" creationId="{7CE3C2D4-F950-039F-0B76-49C779627518}"/>
+          </ac:picMkLst>
+        </pc:picChg>
+      </pc:sldChg>
+    </pc:docChg>
+  </pc:docChgLst>
+  <pc:docChgLst>
+    <pc:chgData name="Francisco Valentin Ramirez Cuevas" userId="e79bf063-6348-4b44-8f45-581164b14c81" providerId="ADAL" clId="{9642B51E-46F6-4B6D-ACEE-2D7D1AF0C4B4}"/>
+    <pc:docChg chg="undo redo custSel addSld modSld sldOrd">
+      <pc:chgData name="Francisco Valentin Ramirez Cuevas" userId="e79bf063-6348-4b44-8f45-581164b14c81" providerId="ADAL" clId="{9642B51E-46F6-4B6D-ACEE-2D7D1AF0C4B4}" dt="2022-09-01T21:37:47.142" v="638"/>
+      <pc:docMkLst>
+        <pc:docMk/>
+      </pc:docMkLst>
+      <pc:sldChg chg="addSp delSp modSp add mod ord">
+        <pc:chgData name="Francisco Valentin Ramirez Cuevas" userId="e79bf063-6348-4b44-8f45-581164b14c81" providerId="ADAL" clId="{9642B51E-46F6-4B6D-ACEE-2D7D1AF0C4B4}" dt="2022-09-01T20:20:11.124" v="400" actId="478"/>
+        <pc:sldMkLst>
+          <pc:docMk/>
+          <pc:sldMk cId="2734041452" sldId="269"/>
+        </pc:sldMkLst>
+        <pc:spChg chg="add del mod topLvl">
+          <ac:chgData name="Francisco Valentin Ramirez Cuevas" userId="e79bf063-6348-4b44-8f45-581164b14c81" providerId="ADAL" clId="{9642B51E-46F6-4B6D-ACEE-2D7D1AF0C4B4}" dt="2022-09-01T19:56:32.551" v="252" actId="478"/>
+          <ac:spMkLst>
+            <pc:docMk/>
+            <pc:sldMk cId="2734041452" sldId="269"/>
+            <ac:spMk id="2" creationId="{743C9EFD-3902-6F09-699B-8E2C7E2A9045}"/>
+          </ac:spMkLst>
+        </pc:spChg>
+        <pc:spChg chg="add del mod topLvl">
+          <ac:chgData name="Francisco Valentin Ramirez Cuevas" userId="e79bf063-6348-4b44-8f45-581164b14c81" providerId="ADAL" clId="{9642B51E-46F6-4B6D-ACEE-2D7D1AF0C4B4}" dt="2022-09-01T19:56:32.551" v="252" actId="478"/>
+          <ac:spMkLst>
+            <pc:docMk/>
+            <pc:sldMk cId="2734041452" sldId="269"/>
+            <ac:spMk id="5" creationId="{879B565C-8A90-8828-4DE7-36488FFE920A}"/>
+          </ac:spMkLst>
+        </pc:spChg>
+        <pc:spChg chg="add del mod topLvl">
+          <ac:chgData name="Francisco Valentin Ramirez Cuevas" userId="e79bf063-6348-4b44-8f45-581164b14c81" providerId="ADAL" clId="{9642B51E-46F6-4B6D-ACEE-2D7D1AF0C4B4}" dt="2022-09-01T19:56:32.551" v="252" actId="478"/>
+          <ac:spMkLst>
+            <pc:docMk/>
+            <pc:sldMk cId="2734041452" sldId="269"/>
+            <ac:spMk id="8" creationId="{D9DC2669-D1A4-533C-9BB1-790397E45D2B}"/>
+          </ac:spMkLst>
+        </pc:spChg>
+        <pc:spChg chg="add del mod topLvl">
+          <ac:chgData name="Francisco Valentin Ramirez Cuevas" userId="e79bf063-6348-4b44-8f45-581164b14c81" providerId="ADAL" clId="{9642B51E-46F6-4B6D-ACEE-2D7D1AF0C4B4}" dt="2022-09-01T19:56:32.551" v="252" actId="478"/>
+          <ac:spMkLst>
+            <pc:docMk/>
+            <pc:sldMk cId="2734041452" sldId="269"/>
+            <ac:spMk id="10" creationId="{2FEABF57-4CA9-2108-3C23-BBE4C9FE5E31}"/>
+          </ac:spMkLst>
+        </pc:spChg>
+        <pc:spChg chg="add del mod">
+          <ac:chgData name="Francisco Valentin Ramirez Cuevas" userId="e79bf063-6348-4b44-8f45-581164b14c81" providerId="ADAL" clId="{9642B51E-46F6-4B6D-ACEE-2D7D1AF0C4B4}" dt="2022-09-01T19:56:32.551" v="252" actId="478"/>
+          <ac:spMkLst>
+            <pc:docMk/>
+            <pc:sldMk cId="2734041452" sldId="269"/>
+            <ac:spMk id="11" creationId="{75FD8CB5-0E4F-3D03-D12A-7519BB0AD93D}"/>
+          </ac:spMkLst>
+        </pc:spChg>
+        <pc:spChg chg="add del mod">
+          <ac:chgData name="Francisco Valentin Ramirez Cuevas" userId="e79bf063-6348-4b44-8f45-581164b14c81" providerId="ADAL" clId="{9642B51E-46F6-4B6D-ACEE-2D7D1AF0C4B4}" dt="2022-09-01T16:18:31.924" v="209" actId="478"/>
+          <ac:spMkLst>
+            <pc:docMk/>
+            <pc:sldMk cId="2734041452" sldId="269"/>
+            <ac:spMk id="15" creationId="{CF450C62-218C-3F9A-0D8B-C6DC38AB7947}"/>
+          </ac:spMkLst>
+        </pc:spChg>
+        <pc:spChg chg="add del mod">
+          <ac:chgData name="Francisco Valentin Ramirez Cuevas" userId="e79bf063-6348-4b44-8f45-581164b14c81" providerId="ADAL" clId="{9642B51E-46F6-4B6D-ACEE-2D7D1AF0C4B4}" dt="2022-09-01T16:18:24.845" v="207" actId="478"/>
+          <ac:spMkLst>
+            <pc:docMk/>
+            <pc:sldMk cId="2734041452" sldId="269"/>
+            <ac:spMk id="16" creationId="{1A73DDE9-F8EE-26A1-00CA-D1D5AD3BFA4C}"/>
+          </ac:spMkLst>
+        </pc:spChg>
+        <pc:spChg chg="add del mod ord">
+          <ac:chgData name="Francisco Valentin Ramirez Cuevas" userId="e79bf063-6348-4b44-8f45-581164b14c81" providerId="ADAL" clId="{9642B51E-46F6-4B6D-ACEE-2D7D1AF0C4B4}" dt="2022-09-01T19:56:32.551" v="252" actId="478"/>
+          <ac:spMkLst>
+            <pc:docMk/>
+            <pc:sldMk cId="2734041452" sldId="269"/>
+            <ac:spMk id="17" creationId="{F55E9B2A-9C0D-39FC-604B-CCBCD8EBCB20}"/>
+          </ac:spMkLst>
+        </pc:spChg>
+        <pc:spChg chg="add del mod">
+          <ac:chgData name="Francisco Valentin Ramirez Cuevas" userId="e79bf063-6348-4b44-8f45-581164b14c81" providerId="ADAL" clId="{9642B51E-46F6-4B6D-ACEE-2D7D1AF0C4B4}" dt="2022-09-01T19:56:32.551" v="252" actId="478"/>
+          <ac:spMkLst>
+            <pc:docMk/>
+            <pc:sldMk cId="2734041452" sldId="269"/>
+            <ac:spMk id="18" creationId="{93F41D82-77C8-E76E-1A80-2BAA5C940B44}"/>
+          </ac:spMkLst>
+        </pc:spChg>
+        <pc:spChg chg="add del mod">
+          <ac:chgData name="Francisco Valentin Ramirez Cuevas" userId="e79bf063-6348-4b44-8f45-581164b14c81" providerId="ADAL" clId="{9642B51E-46F6-4B6D-ACEE-2D7D1AF0C4B4}" dt="2022-09-01T19:56:32.551" v="252" actId="478"/>
+          <ac:spMkLst>
+            <pc:docMk/>
+            <pc:sldMk cId="2734041452" sldId="269"/>
+            <ac:spMk id="20" creationId="{6A3E3727-DECF-981E-D541-2727E39A40BF}"/>
+          </ac:spMkLst>
+        </pc:spChg>
+        <pc:spChg chg="add del mod">
+          <ac:chgData name="Francisco Valentin Ramirez Cuevas" userId="e79bf063-6348-4b44-8f45-581164b14c81" providerId="ADAL" clId="{9642B51E-46F6-4B6D-ACEE-2D7D1AF0C4B4}" dt="2022-09-01T19:56:32.551" v="252" actId="478"/>
+          <ac:spMkLst>
+            <pc:docMk/>
+            <pc:sldMk cId="2734041452" sldId="269"/>
+            <ac:spMk id="26" creationId="{C2287558-1934-453E-E182-E52B8B5A2A3B}"/>
+          </ac:spMkLst>
+        </pc:spChg>
+        <pc:spChg chg="add del mod">
+          <ac:chgData name="Francisco Valentin Ramirez Cuevas" userId="e79bf063-6348-4b44-8f45-581164b14c81" providerId="ADAL" clId="{9642B51E-46F6-4B6D-ACEE-2D7D1AF0C4B4}" dt="2022-09-01T19:56:32.551" v="252" actId="478"/>
+          <ac:spMkLst>
+            <pc:docMk/>
+            <pc:sldMk cId="2734041452" sldId="269"/>
+            <ac:spMk id="28" creationId="{CB769649-B3E9-0F73-CACB-9C38D7D28A09}"/>
+          </ac:spMkLst>
+        </pc:spChg>
+        <pc:spChg chg="add del mod">
+          <ac:chgData name="Francisco Valentin Ramirez Cuevas" userId="e79bf063-6348-4b44-8f45-581164b14c81" providerId="ADAL" clId="{9642B51E-46F6-4B6D-ACEE-2D7D1AF0C4B4}" dt="2022-09-01T19:56:32.551" v="252" actId="478"/>
+          <ac:spMkLst>
+            <pc:docMk/>
+            <pc:sldMk cId="2734041452" sldId="269"/>
+            <ac:spMk id="30" creationId="{9D902A81-8D33-6BFD-51DA-BADE862F028A}"/>
+          </ac:spMkLst>
+        </pc:spChg>
+        <pc:spChg chg="add del mod">
+          <ac:chgData name="Francisco Valentin Ramirez Cuevas" userId="e79bf063-6348-4b44-8f45-581164b14c81" providerId="ADAL" clId="{9642B51E-46F6-4B6D-ACEE-2D7D1AF0C4B4}" dt="2022-09-01T19:56:32.551" v="252" actId="478"/>
+          <ac:spMkLst>
+            <pc:docMk/>
+            <pc:sldMk cId="2734041452" sldId="269"/>
+            <ac:spMk id="32" creationId="{5EF847CF-B164-25FE-7C35-12631CAB3FE9}"/>
+          </ac:spMkLst>
+        </pc:spChg>
+        <pc:spChg chg="add del mod">
+          <ac:chgData name="Francisco Valentin Ramirez Cuevas" userId="e79bf063-6348-4b44-8f45-581164b14c81" providerId="ADAL" clId="{9642B51E-46F6-4B6D-ACEE-2D7D1AF0C4B4}" dt="2022-09-01T19:56:32.551" v="252" actId="478"/>
+          <ac:spMkLst>
+            <pc:docMk/>
+            <pc:sldMk cId="2734041452" sldId="269"/>
+            <ac:spMk id="33" creationId="{735AEC01-798C-AB97-DDBD-76FBAE17EA47}"/>
+          </ac:spMkLst>
+        </pc:spChg>
+        <pc:spChg chg="add del mod">
+          <ac:chgData name="Francisco Valentin Ramirez Cuevas" userId="e79bf063-6348-4b44-8f45-581164b14c81" providerId="ADAL" clId="{9642B51E-46F6-4B6D-ACEE-2D7D1AF0C4B4}" dt="2022-09-01T19:56:32.551" v="252" actId="478"/>
+          <ac:spMkLst>
+            <pc:docMk/>
+            <pc:sldMk cId="2734041452" sldId="269"/>
+            <ac:spMk id="39" creationId="{47857785-CF25-B709-B613-B64F883960E6}"/>
+          </ac:spMkLst>
+        </pc:spChg>
+        <pc:spChg chg="add del mod">
+          <ac:chgData name="Francisco Valentin Ramirez Cuevas" userId="e79bf063-6348-4b44-8f45-581164b14c81" providerId="ADAL" clId="{9642B51E-46F6-4B6D-ACEE-2D7D1AF0C4B4}" dt="2022-09-01T19:58:08.690" v="289" actId="21"/>
+          <ac:spMkLst>
+            <pc:docMk/>
+            <pc:sldMk cId="2734041452" sldId="269"/>
+            <ac:spMk id="64" creationId="{8E4B5259-6AEA-AA12-D633-AF30F7A4134A}"/>
+          </ac:spMkLst>
+        </pc:spChg>
+        <pc:spChg chg="add del mod">
+          <ac:chgData name="Francisco Valentin Ramirez Cuevas" userId="e79bf063-6348-4b44-8f45-581164b14c81" providerId="ADAL" clId="{9642B51E-46F6-4B6D-ACEE-2D7D1AF0C4B4}" dt="2022-09-01T19:58:08.690" v="289" actId="21"/>
+          <ac:spMkLst>
+            <pc:docMk/>
+            <pc:sldMk cId="2734041452" sldId="269"/>
+            <ac:spMk id="66" creationId="{2FF4E77E-6BD0-0BCE-4837-DBDD4327B031}"/>
+          </ac:spMkLst>
+        </pc:spChg>
+        <pc:spChg chg="add del mod">
+          <ac:chgData name="Francisco Valentin Ramirez Cuevas" userId="e79bf063-6348-4b44-8f45-581164b14c81" providerId="ADAL" clId="{9642B51E-46F6-4B6D-ACEE-2D7D1AF0C4B4}" dt="2022-09-01T19:58:08.690" v="289" actId="21"/>
+          <ac:spMkLst>
+            <pc:docMk/>
+            <pc:sldMk cId="2734041452" sldId="269"/>
+            <ac:spMk id="68" creationId="{2608AA72-B3AC-88E5-3AB1-241D31485236}"/>
+          </ac:spMkLst>
+        </pc:spChg>
+        <pc:spChg chg="add del mod">
+          <ac:chgData name="Francisco Valentin Ramirez Cuevas" userId="e79bf063-6348-4b44-8f45-581164b14c81" providerId="ADAL" clId="{9642B51E-46F6-4B6D-ACEE-2D7D1AF0C4B4}" dt="2022-09-01T19:58:08.690" v="289" actId="21"/>
+          <ac:spMkLst>
+            <pc:docMk/>
+            <pc:sldMk cId="2734041452" sldId="269"/>
+            <ac:spMk id="70" creationId="{19FB0CF3-988B-D63C-E052-439B9D4C4E44}"/>
+          </ac:spMkLst>
+        </pc:spChg>
+        <pc:spChg chg="add del mod">
+          <ac:chgData name="Francisco Valentin Ramirez Cuevas" userId="e79bf063-6348-4b44-8f45-581164b14c81" providerId="ADAL" clId="{9642B51E-46F6-4B6D-ACEE-2D7D1AF0C4B4}" dt="2022-09-01T20:00:19.129" v="359" actId="478"/>
+          <ac:spMkLst>
+            <pc:docMk/>
+            <pc:sldMk cId="2734041452" sldId="269"/>
+            <ac:spMk id="74" creationId="{C427F61A-FFB9-0313-4D0B-395EDEF6AC73}"/>
+          </ac:spMkLst>
+        </pc:spChg>
+        <pc:spChg chg="add mod">
+          <ac:chgData name="Francisco Valentin Ramirez Cuevas" userId="e79bf063-6348-4b44-8f45-581164b14c81" providerId="ADAL" clId="{9642B51E-46F6-4B6D-ACEE-2D7D1AF0C4B4}" dt="2022-09-01T20:01:20.399" v="383" actId="1037"/>
+          <ac:spMkLst>
+            <pc:docMk/>
+            <pc:sldMk cId="2734041452" sldId="269"/>
+            <ac:spMk id="76" creationId="{7D6F9242-890F-FD64-C48A-3A7CE4E6F109}"/>
+          </ac:spMkLst>
+        </pc:spChg>
+        <pc:spChg chg="add mod">
+          <ac:chgData name="Francisco Valentin Ramirez Cuevas" userId="e79bf063-6348-4b44-8f45-581164b14c81" providerId="ADAL" clId="{9642B51E-46F6-4B6D-ACEE-2D7D1AF0C4B4}" dt="2022-09-01T20:01:20.399" v="383" actId="1037"/>
+          <ac:spMkLst>
+            <pc:docMk/>
+            <pc:sldMk cId="2734041452" sldId="269"/>
+            <ac:spMk id="85" creationId="{900F384F-8B0A-DD83-C34D-8C4685C79A15}"/>
+          </ac:spMkLst>
+        </pc:spChg>
+        <pc:spChg chg="add mod">
+          <ac:chgData name="Francisco Valentin Ramirez Cuevas" userId="e79bf063-6348-4b44-8f45-581164b14c81" providerId="ADAL" clId="{9642B51E-46F6-4B6D-ACEE-2D7D1AF0C4B4}" dt="2022-09-01T20:01:26.793" v="389" actId="1035"/>
+          <ac:spMkLst>
+            <pc:docMk/>
+            <pc:sldMk cId="2734041452" sldId="269"/>
+            <ac:spMk id="87" creationId="{9C06D777-7EAF-60EF-1B20-8B81B896B1D0}"/>
+          </ac:spMkLst>
+        </pc:spChg>
+        <pc:spChg chg="add mod">
+          <ac:chgData name="Francisco Valentin Ramirez Cuevas" userId="e79bf063-6348-4b44-8f45-581164b14c81" providerId="ADAL" clId="{9642B51E-46F6-4B6D-ACEE-2D7D1AF0C4B4}" dt="2022-09-01T20:01:34.813" v="394" actId="20577"/>
+          <ac:spMkLst>
+            <pc:docMk/>
+            <pc:sldMk cId="2734041452" sldId="269"/>
+            <ac:spMk id="89" creationId="{B5628CE1-19DA-72CD-06B7-59CA89C69C83}"/>
+          </ac:spMkLst>
+        </pc:spChg>
+        <pc:spChg chg="add mod">
+          <ac:chgData name="Francisco Valentin Ramirez Cuevas" userId="e79bf063-6348-4b44-8f45-581164b14c81" providerId="ADAL" clId="{9642B51E-46F6-4B6D-ACEE-2D7D1AF0C4B4}" dt="2022-09-01T20:01:45.327" v="397" actId="20577"/>
+          <ac:spMkLst>
+            <pc:docMk/>
+            <pc:sldMk cId="2734041452" sldId="269"/>
+            <ac:spMk id="91" creationId="{A83CC077-66E3-BEC4-3C09-E14B657AA27F}"/>
+          </ac:spMkLst>
+        </pc:spChg>
+        <pc:grpChg chg="add mod">
+          <ac:chgData name="Francisco Valentin Ramirez Cuevas" userId="e79bf063-6348-4b44-8f45-581164b14c81" providerId="ADAL" clId="{9642B51E-46F6-4B6D-ACEE-2D7D1AF0C4B4}" dt="2022-09-01T16:08:18.612" v="11" actId="164"/>
+          <ac:grpSpMkLst>
+            <pc:docMk/>
+            <pc:sldMk cId="2734041452" sldId="269"/>
+            <ac:grpSpMk id="21" creationId="{A843E852-F6E8-1823-6DDC-F7FD4E218E03}"/>
+          </ac:grpSpMkLst>
+        </pc:grpChg>
+        <pc:grpChg chg="add mod ord">
+          <ac:chgData name="Francisco Valentin Ramirez Cuevas" userId="e79bf063-6348-4b44-8f45-581164b14c81" providerId="ADAL" clId="{9642B51E-46F6-4B6D-ACEE-2D7D1AF0C4B4}" dt="2022-09-01T16:08:43.145" v="17" actId="164"/>
+          <ac:grpSpMkLst>
+            <pc:docMk/>
+            <pc:sldMk cId="2734041452" sldId="269"/>
+            <ac:grpSpMk id="22" creationId="{DB01A606-A959-C88A-DBBD-9874E9DCFDF8}"/>
+          </ac:grpSpMkLst>
+        </pc:grpChg>
+        <pc:grpChg chg="add mod">
+          <ac:chgData name="Francisco Valentin Ramirez Cuevas" userId="e79bf063-6348-4b44-8f45-581164b14c81" providerId="ADAL" clId="{9642B51E-46F6-4B6D-ACEE-2D7D1AF0C4B4}" dt="2022-09-01T16:09:26.409" v="23" actId="164"/>
+          <ac:grpSpMkLst>
+            <pc:docMk/>
+            <pc:sldMk cId="2734041452" sldId="269"/>
+            <ac:grpSpMk id="23" creationId="{C845D275-28D6-8316-2465-3432B2D10DAB}"/>
+          </ac:grpSpMkLst>
+        </pc:grpChg>
+        <pc:grpChg chg="add del mod ord">
+          <ac:chgData name="Francisco Valentin Ramirez Cuevas" userId="e79bf063-6348-4b44-8f45-581164b14c81" providerId="ADAL" clId="{9642B51E-46F6-4B6D-ACEE-2D7D1AF0C4B4}" dt="2022-09-01T16:12:43.110" v="86" actId="165"/>
+          <ac:grpSpMkLst>
+            <pc:docMk/>
+            <pc:sldMk cId="2734041452" sldId="269"/>
+            <ac:grpSpMk id="24" creationId="{E1E619FF-841F-2BA1-3664-A6A63CF7B468}"/>
+          </ac:grpSpMkLst>
+        </pc:grpChg>
+        <pc:graphicFrameChg chg="del">
+          <ac:chgData name="Francisco Valentin Ramirez Cuevas" userId="e79bf063-6348-4b44-8f45-581164b14c81" providerId="ADAL" clId="{9642B51E-46F6-4B6D-ACEE-2D7D1AF0C4B4}" dt="2022-09-01T16:07:34.265" v="1" actId="478"/>
+          <ac:graphicFrameMkLst>
+            <pc:docMk/>
+            <pc:sldMk cId="2734041452" sldId="269"/>
+            <ac:graphicFrameMk id="3" creationId="{2205A12D-890F-42B5-B64F-433E025FE509}"/>
+          </ac:graphicFrameMkLst>
+        </pc:graphicFrameChg>
+        <pc:graphicFrameChg chg="del">
+          <ac:chgData name="Francisco Valentin Ramirez Cuevas" userId="e79bf063-6348-4b44-8f45-581164b14c81" providerId="ADAL" clId="{9642B51E-46F6-4B6D-ACEE-2D7D1AF0C4B4}" dt="2022-09-01T16:07:34.265" v="1" actId="478"/>
+          <ac:graphicFrameMkLst>
+            <pc:docMk/>
+            <pc:sldMk cId="2734041452" sldId="269"/>
+            <ac:graphicFrameMk id="4" creationId="{FE8B98F9-8483-4AC1-80EE-782A6B36CEF9}"/>
+          </ac:graphicFrameMkLst>
+        </pc:graphicFrameChg>
+        <pc:picChg chg="add del">
+          <ac:chgData name="Francisco Valentin Ramirez Cuevas" userId="e79bf063-6348-4b44-8f45-581164b14c81" providerId="ADAL" clId="{9642B51E-46F6-4B6D-ACEE-2D7D1AF0C4B4}" dt="2022-09-01T19:56:29.008" v="251" actId="21"/>
+          <ac:picMkLst>
+            <pc:docMk/>
+            <pc:sldMk cId="2734041452" sldId="269"/>
+            <ac:picMk id="59" creationId="{88024054-7536-F925-335A-AAC1B189706B}"/>
+          </ac:picMkLst>
+        </pc:picChg>
+        <pc:picChg chg="add del">
+          <ac:chgData name="Francisco Valentin Ramirez Cuevas" userId="e79bf063-6348-4b44-8f45-581164b14c81" providerId="ADAL" clId="{9642B51E-46F6-4B6D-ACEE-2D7D1AF0C4B4}" dt="2022-09-01T19:56:35.625" v="254" actId="21"/>
+          <ac:picMkLst>
+            <pc:docMk/>
+            <pc:sldMk cId="2734041452" sldId="269"/>
+            <ac:picMk id="61" creationId="{54EE595F-3BC9-AC48-3212-1ABD0087A407}"/>
+          </ac:picMkLst>
+        </pc:picChg>
+        <pc:picChg chg="add del mod">
+          <ac:chgData name="Francisco Valentin Ramirez Cuevas" userId="e79bf063-6348-4b44-8f45-581164b14c81" providerId="ADAL" clId="{9642B51E-46F6-4B6D-ACEE-2D7D1AF0C4B4}" dt="2022-09-01T19:58:08.690" v="289" actId="21"/>
+          <ac:picMkLst>
+            <pc:docMk/>
+            <pc:sldMk cId="2734041452" sldId="269"/>
+            <ac:picMk id="63" creationId="{05D01F1D-8705-D261-356F-1A5273FF6C94}"/>
+          </ac:picMkLst>
+        </pc:picChg>
+        <pc:picChg chg="add mod ord modCrop">
+          <ac:chgData name="Francisco Valentin Ramirez Cuevas" userId="e79bf063-6348-4b44-8f45-581164b14c81" providerId="ADAL" clId="{9642B51E-46F6-4B6D-ACEE-2D7D1AF0C4B4}" dt="2022-09-01T20:01:29.974" v="392" actId="1076"/>
+          <ac:picMkLst>
+            <pc:docMk/>
+            <pc:sldMk cId="2734041452" sldId="269"/>
+            <ac:picMk id="72" creationId="{20A04A45-713D-9EF0-D520-8E430F666487}"/>
+          </ac:picMkLst>
+        </pc:picChg>
+        <pc:picChg chg="add del">
+          <ac:chgData name="Francisco Valentin Ramirez Cuevas" userId="e79bf063-6348-4b44-8f45-581164b14c81" providerId="ADAL" clId="{9642B51E-46F6-4B6D-ACEE-2D7D1AF0C4B4}" dt="2022-09-01T20:20:11.124" v="400" actId="478"/>
+          <ac:picMkLst>
+            <pc:docMk/>
+            <pc:sldMk cId="2734041452" sldId="269"/>
+            <ac:picMk id="93" creationId="{98B123B4-2FCA-AC00-C015-2C9513132D65}"/>
+          </ac:picMkLst>
+        </pc:picChg>
+        <pc:cxnChg chg="add del mod ord topLvl">
+          <ac:chgData name="Francisco Valentin Ramirez Cuevas" userId="e79bf063-6348-4b44-8f45-581164b14c81" providerId="ADAL" clId="{9642B51E-46F6-4B6D-ACEE-2D7D1AF0C4B4}" dt="2022-09-01T19:56:32.551" v="252" actId="478"/>
+          <ac:cxnSpMkLst>
+            <pc:docMk/>
+            <pc:sldMk cId="2734041452" sldId="269"/>
+            <ac:cxnSpMk id="6" creationId="{99E3488E-E3D8-00E3-7151-1046A97DFE20}"/>
+          </ac:cxnSpMkLst>
+        </pc:cxnChg>
+        <pc:cxnChg chg="add del mod ord topLvl">
+          <ac:chgData name="Francisco Valentin Ramirez Cuevas" userId="e79bf063-6348-4b44-8f45-581164b14c81" providerId="ADAL" clId="{9642B51E-46F6-4B6D-ACEE-2D7D1AF0C4B4}" dt="2022-09-01T19:56:32.551" v="252" actId="478"/>
+          <ac:cxnSpMkLst>
+            <pc:docMk/>
+            <pc:sldMk cId="2734041452" sldId="269"/>
+            <ac:cxnSpMk id="7" creationId="{1D154C1E-6C98-5B4C-879A-AFFE21A72E4A}"/>
+          </ac:cxnSpMkLst>
+        </pc:cxnChg>
+        <pc:cxnChg chg="add del mod topLvl">
+          <ac:chgData name="Francisco Valentin Ramirez Cuevas" userId="e79bf063-6348-4b44-8f45-581164b14c81" providerId="ADAL" clId="{9642B51E-46F6-4B6D-ACEE-2D7D1AF0C4B4}" dt="2022-09-01T19:56:32.551" v="252" actId="478"/>
+          <ac:cxnSpMkLst>
+            <pc:docMk/>
+            <pc:sldMk cId="2734041452" sldId="269"/>
+            <ac:cxnSpMk id="9" creationId="{748A4D22-08D3-E3E1-9F1E-181D5C685CE6}"/>
+          </ac:cxnSpMkLst>
+        </pc:cxnChg>
+        <pc:cxnChg chg="add del mod topLvl">
+          <ac:chgData name="Francisco Valentin Ramirez Cuevas" userId="e79bf063-6348-4b44-8f45-581164b14c81" providerId="ADAL" clId="{9642B51E-46F6-4B6D-ACEE-2D7D1AF0C4B4}" dt="2022-09-01T19:56:32.551" v="252" actId="478"/>
+          <ac:cxnSpMkLst>
+            <pc:docMk/>
+            <pc:sldMk cId="2734041452" sldId="269"/>
+            <ac:cxnSpMk id="12" creationId="{83A9345B-6824-5465-91A1-1B2D1EBE6BB7}"/>
+          </ac:cxnSpMkLst>
+        </pc:cxnChg>
+        <pc:cxnChg chg="add del mod topLvl">
+          <ac:chgData name="Francisco Valentin Ramirez Cuevas" userId="e79bf063-6348-4b44-8f45-581164b14c81" providerId="ADAL" clId="{9642B51E-46F6-4B6D-ACEE-2D7D1AF0C4B4}" dt="2022-09-01T16:18:26.116" v="208" actId="478"/>
+          <ac:cxnSpMkLst>
+            <pc:docMk/>
+            <pc:sldMk cId="2734041452" sldId="269"/>
+            <ac:cxnSpMk id="13" creationId="{EA8436F4-0946-4C59-B59D-5EB1E659ED28}"/>
+          </ac:cxnSpMkLst>
+        </pc:cxnChg>
+        <pc:cxnChg chg="add del mod topLvl">
+          <ac:chgData name="Francisco Valentin Ramirez Cuevas" userId="e79bf063-6348-4b44-8f45-581164b14c81" providerId="ADAL" clId="{9642B51E-46F6-4B6D-ACEE-2D7D1AF0C4B4}" dt="2022-09-01T16:18:23.259" v="206" actId="478"/>
+          <ac:cxnSpMkLst>
+            <pc:docMk/>
+            <pc:sldMk cId="2734041452" sldId="269"/>
+            <ac:cxnSpMk id="14" creationId="{349C8E6A-204D-3A87-F707-CDC9B33BF04C}"/>
+          </ac:cxnSpMkLst>
+        </pc:cxnChg>
+        <pc:cxnChg chg="add del mod topLvl">
+          <ac:chgData name="Francisco Valentin Ramirez Cuevas" userId="e79bf063-6348-4b44-8f45-581164b14c81" providerId="ADAL" clId="{9642B51E-46F6-4B6D-ACEE-2D7D1AF0C4B4}" dt="2022-09-01T19:56:32.551" v="252" actId="478"/>
+          <ac:cxnSpMkLst>
+            <pc:docMk/>
+            <pc:sldMk cId="2734041452" sldId="269"/>
+            <ac:cxnSpMk id="19" creationId="{5FEB550A-4FE0-1A89-E52D-C8A33C746871}"/>
+          </ac:cxnSpMkLst>
+        </pc:cxnChg>
+        <pc:cxnChg chg="add del mod">
+          <ac:chgData name="Francisco Valentin Ramirez Cuevas" userId="e79bf063-6348-4b44-8f45-581164b14c81" providerId="ADAL" clId="{9642B51E-46F6-4B6D-ACEE-2D7D1AF0C4B4}" dt="2022-09-01T19:56:32.551" v="252" actId="478"/>
+          <ac:cxnSpMkLst>
+            <pc:docMk/>
+            <pc:sldMk cId="2734041452" sldId="269"/>
+            <ac:cxnSpMk id="35" creationId="{04493BA4-354B-06FD-49C2-F82A5A13C003}"/>
+          </ac:cxnSpMkLst>
+        </pc:cxnChg>
+        <pc:cxnChg chg="add del mod">
+          <ac:chgData name="Francisco Valentin Ramirez Cuevas" userId="e79bf063-6348-4b44-8f45-581164b14c81" providerId="ADAL" clId="{9642B51E-46F6-4B6D-ACEE-2D7D1AF0C4B4}" dt="2022-09-01T19:56:32.551" v="252" actId="478"/>
+          <ac:cxnSpMkLst>
+            <pc:docMk/>
+            <pc:sldMk cId="2734041452" sldId="269"/>
+            <ac:cxnSpMk id="40" creationId="{5C8C0928-0A02-FDC2-EABC-6DC733C23305}"/>
+          </ac:cxnSpMkLst>
+        </pc:cxnChg>
+        <pc:cxnChg chg="add del mod">
+          <ac:chgData name="Francisco Valentin Ramirez Cuevas" userId="e79bf063-6348-4b44-8f45-581164b14c81" providerId="ADAL" clId="{9642B51E-46F6-4B6D-ACEE-2D7D1AF0C4B4}" dt="2022-09-01T19:56:32.551" v="252" actId="478"/>
+          <ac:cxnSpMkLst>
+            <pc:docMk/>
+            <pc:sldMk cId="2734041452" sldId="269"/>
+            <ac:cxnSpMk id="41" creationId="{642B9E1C-F505-7F2E-2F45-962CF731AA2B}"/>
+          </ac:cxnSpMkLst>
+        </pc:cxnChg>
+        <pc:cxnChg chg="add del mod">
+          <ac:chgData name="Francisco Valentin Ramirez Cuevas" userId="e79bf063-6348-4b44-8f45-581164b14c81" providerId="ADAL" clId="{9642B51E-46F6-4B6D-ACEE-2D7D1AF0C4B4}" dt="2022-09-01T19:56:32.551" v="252" actId="478"/>
+          <ac:cxnSpMkLst>
+            <pc:docMk/>
+            <pc:sldMk cId="2734041452" sldId="269"/>
+            <ac:cxnSpMk id="45" creationId="{5AAB1704-F60E-EE05-F724-B10A5AC53DD6}"/>
+          </ac:cxnSpMkLst>
+        </pc:cxnChg>
+        <pc:cxnChg chg="add mod ord">
+          <ac:chgData name="Francisco Valentin Ramirez Cuevas" userId="e79bf063-6348-4b44-8f45-581164b14c81" providerId="ADAL" clId="{9642B51E-46F6-4B6D-ACEE-2D7D1AF0C4B4}" dt="2022-09-01T19:59:26.143" v="345" actId="167"/>
+          <ac:cxnSpMkLst>
+            <pc:docMk/>
+            <pc:sldMk cId="2734041452" sldId="269"/>
+            <ac:cxnSpMk id="78" creationId="{22BE9A39-8BFA-D17D-BF56-EC366398C677}"/>
+          </ac:cxnSpMkLst>
+        </pc:cxnChg>
+        <pc:cxnChg chg="add mod ord">
+          <ac:chgData name="Francisco Valentin Ramirez Cuevas" userId="e79bf063-6348-4b44-8f45-581164b14c81" providerId="ADAL" clId="{9642B51E-46F6-4B6D-ACEE-2D7D1AF0C4B4}" dt="2022-09-01T20:01:23.344" v="385" actId="1037"/>
+          <ac:cxnSpMkLst>
+            <pc:docMk/>
+            <pc:sldMk cId="2734041452" sldId="269"/>
+            <ac:cxnSpMk id="82" creationId="{5CA8EAB7-E37D-18D2-32F1-2259102B079E}"/>
+          </ac:cxnSpMkLst>
+        </pc:cxnChg>
+      </pc:sldChg>
+      <pc:sldChg chg="addSp delSp add mod">
+        <pc:chgData name="Francisco Valentin Ramirez Cuevas" userId="e79bf063-6348-4b44-8f45-581164b14c81" providerId="ADAL" clId="{9642B51E-46F6-4B6D-ACEE-2D7D1AF0C4B4}" dt="2022-09-01T19:58:22.871" v="294" actId="21"/>
+        <pc:sldMkLst>
+          <pc:docMk/>
+          <pc:sldMk cId="622894183" sldId="270"/>
+        </pc:sldMkLst>
+        <pc:spChg chg="add del">
+          <ac:chgData name="Francisco Valentin Ramirez Cuevas" userId="e79bf063-6348-4b44-8f45-581164b14c81" providerId="ADAL" clId="{9642B51E-46F6-4B6D-ACEE-2D7D1AF0C4B4}" dt="2022-09-01T19:58:22.871" v="294" actId="21"/>
+          <ac:spMkLst>
+            <pc:docMk/>
+            <pc:sldMk cId="622894183" sldId="270"/>
+            <ac:spMk id="20" creationId="{6A3E3727-DECF-981E-D541-2727E39A40BF}"/>
+          </ac:spMkLst>
+        </pc:spChg>
+        <pc:picChg chg="del">
+          <ac:chgData name="Francisco Valentin Ramirez Cuevas" userId="e79bf063-6348-4b44-8f45-581164b14c81" providerId="ADAL" clId="{9642B51E-46F6-4B6D-ACEE-2D7D1AF0C4B4}" dt="2022-09-01T19:56:24.944" v="248" actId="478"/>
+          <ac:picMkLst>
+            <pc:docMk/>
+            <pc:sldMk cId="622894183" sldId="270"/>
+            <ac:picMk id="59" creationId="{88024054-7536-F925-335A-AAC1B189706B}"/>
+          </ac:picMkLst>
+        </pc:picChg>
+      </pc:sldChg>
+      <pc:sldChg chg="addSp delSp modSp add mod">
+        <pc:chgData name="Francisco Valentin Ramirez Cuevas" userId="e79bf063-6348-4b44-8f45-581164b14c81" providerId="ADAL" clId="{9642B51E-46F6-4B6D-ACEE-2D7D1AF0C4B4}" dt="2022-09-01T21:37:47.142" v="638"/>
+        <pc:sldMkLst>
+          <pc:docMk/>
+          <pc:sldMk cId="2911767711" sldId="271"/>
+        </pc:sldMkLst>
+        <pc:spChg chg="add del mod">
+          <ac:chgData name="Francisco Valentin Ramirez Cuevas" userId="e79bf063-6348-4b44-8f45-581164b14c81" providerId="ADAL" clId="{9642B51E-46F6-4B6D-ACEE-2D7D1AF0C4B4}" dt="2022-09-01T21:28:37.577" v="475" actId="21"/>
+          <ac:spMkLst>
+            <pc:docMk/>
+            <pc:sldMk cId="2911767711" sldId="271"/>
+            <ac:spMk id="6" creationId="{0BA4590C-33FC-4875-979B-4E952C169B2C}"/>
+          </ac:spMkLst>
+        </pc:spChg>
+        <pc:spChg chg="add del mod">
+          <ac:chgData name="Francisco Valentin Ramirez Cuevas" userId="e79bf063-6348-4b44-8f45-581164b14c81" providerId="ADAL" clId="{9642B51E-46F6-4B6D-ACEE-2D7D1AF0C4B4}" dt="2022-09-01T21:28:37.577" v="475" actId="21"/>
+          <ac:spMkLst>
+            <pc:docMk/>
+            <pc:sldMk cId="2911767711" sldId="271"/>
+            <ac:spMk id="8" creationId="{C8E97069-A779-7C8A-73EE-CF6E325A2EEC}"/>
+          </ac:spMkLst>
+        </pc:spChg>
+        <pc:spChg chg="add del mod">
+          <ac:chgData name="Francisco Valentin Ramirez Cuevas" userId="e79bf063-6348-4b44-8f45-581164b14c81" providerId="ADAL" clId="{9642B51E-46F6-4B6D-ACEE-2D7D1AF0C4B4}" dt="2022-09-01T21:28:37.577" v="475" actId="21"/>
+          <ac:spMkLst>
+            <pc:docMk/>
+            <pc:sldMk cId="2911767711" sldId="271"/>
+            <ac:spMk id="10" creationId="{A436F1AF-C107-7318-759B-E30FF012207E}"/>
+          </ac:spMkLst>
+        </pc:spChg>
+        <pc:spChg chg="add del mod">
+          <ac:chgData name="Francisco Valentin Ramirez Cuevas" userId="e79bf063-6348-4b44-8f45-581164b14c81" providerId="ADAL" clId="{9642B51E-46F6-4B6D-ACEE-2D7D1AF0C4B4}" dt="2022-09-01T21:28:37.577" v="475" actId="21"/>
+          <ac:spMkLst>
+            <pc:docMk/>
+            <pc:sldMk cId="2911767711" sldId="271"/>
+            <ac:spMk id="12" creationId="{96114215-45A2-4F57-708D-B6E7E858F9C0}"/>
+          </ac:spMkLst>
+        </pc:spChg>
+        <pc:spChg chg="add del mod">
+          <ac:chgData name="Francisco Valentin Ramirez Cuevas" userId="e79bf063-6348-4b44-8f45-581164b14c81" providerId="ADAL" clId="{9642B51E-46F6-4B6D-ACEE-2D7D1AF0C4B4}" dt="2022-09-01T21:28:37.577" v="475" actId="21"/>
+          <ac:spMkLst>
+            <pc:docMk/>
+            <pc:sldMk cId="2911767711" sldId="271"/>
+            <ac:spMk id="14" creationId="{F49449DD-00A6-C267-694E-30FDBA09A866}"/>
+          </ac:spMkLst>
+        </pc:spChg>
+        <pc:spChg chg="add del mod">
+          <ac:chgData name="Francisco Valentin Ramirez Cuevas" userId="e79bf063-6348-4b44-8f45-581164b14c81" providerId="ADAL" clId="{9642B51E-46F6-4B6D-ACEE-2D7D1AF0C4B4}" dt="2022-09-01T21:28:37.577" v="475" actId="21"/>
+          <ac:spMkLst>
+            <pc:docMk/>
+            <pc:sldMk cId="2911767711" sldId="271"/>
+            <ac:spMk id="16" creationId="{72494DAA-D114-03E2-AE3D-9E7220844CC2}"/>
+          </ac:spMkLst>
+        </pc:spChg>
+        <pc:spChg chg="add del mod">
+          <ac:chgData name="Francisco Valentin Ramirez Cuevas" userId="e79bf063-6348-4b44-8f45-581164b14c81" providerId="ADAL" clId="{9642B51E-46F6-4B6D-ACEE-2D7D1AF0C4B4}" dt="2022-09-01T21:28:37.577" v="475" actId="21"/>
+          <ac:spMkLst>
+            <pc:docMk/>
+            <pc:sldMk cId="2911767711" sldId="271"/>
+            <ac:spMk id="18" creationId="{8EB34C69-2E5A-47EB-63F0-90F01DE12139}"/>
+          </ac:spMkLst>
+        </pc:spChg>
+        <pc:spChg chg="add del mod">
+          <ac:chgData name="Francisco Valentin Ramirez Cuevas" userId="e79bf063-6348-4b44-8f45-581164b14c81" providerId="ADAL" clId="{9642B51E-46F6-4B6D-ACEE-2D7D1AF0C4B4}" dt="2022-09-01T21:28:37.577" v="475" actId="21"/>
+          <ac:spMkLst>
+            <pc:docMk/>
+            <pc:sldMk cId="2911767711" sldId="271"/>
+            <ac:spMk id="20" creationId="{90DEF820-6853-A3B1-B3D1-CE84FBAA76E5}"/>
+          </ac:spMkLst>
+        </pc:spChg>
+        <pc:spChg chg="add del mod">
+          <ac:chgData name="Francisco Valentin Ramirez Cuevas" userId="e79bf063-6348-4b44-8f45-581164b14c81" providerId="ADAL" clId="{9642B51E-46F6-4B6D-ACEE-2D7D1AF0C4B4}" dt="2022-09-01T21:28:37.577" v="475" actId="21"/>
+          <ac:spMkLst>
+            <pc:docMk/>
+            <pc:sldMk cId="2911767711" sldId="271"/>
+            <ac:spMk id="22" creationId="{D78ACFF2-F219-4116-3E66-7AAB34BD187E}"/>
+          </ac:spMkLst>
+        </pc:spChg>
+        <pc:spChg chg="add del mod">
+          <ac:chgData name="Francisco Valentin Ramirez Cuevas" userId="e79bf063-6348-4b44-8f45-581164b14c81" providerId="ADAL" clId="{9642B51E-46F6-4B6D-ACEE-2D7D1AF0C4B4}" dt="2022-09-01T21:28:37.577" v="475" actId="21"/>
+          <ac:spMkLst>
+            <pc:docMk/>
+            <pc:sldMk cId="2911767711" sldId="271"/>
+            <ac:spMk id="24" creationId="{F5D2EFAD-330B-9F2C-C8B3-227C692A9D6D}"/>
+          </ac:spMkLst>
+        </pc:spChg>
+        <pc:spChg chg="add del mod">
+          <ac:chgData name="Francisco Valentin Ramirez Cuevas" userId="e79bf063-6348-4b44-8f45-581164b14c81" providerId="ADAL" clId="{9642B51E-46F6-4B6D-ACEE-2D7D1AF0C4B4}" dt="2022-09-01T21:28:37.577" v="475" actId="21"/>
+          <ac:spMkLst>
+            <pc:docMk/>
+            <pc:sldMk cId="2911767711" sldId="271"/>
+            <ac:spMk id="26" creationId="{F70FF2C3-6918-C95B-981F-B1E1D1E0E785}"/>
+          </ac:spMkLst>
+        </pc:spChg>
+        <pc:spChg chg="add del mod">
+          <ac:chgData name="Francisco Valentin Ramirez Cuevas" userId="e79bf063-6348-4b44-8f45-581164b14c81" providerId="ADAL" clId="{9642B51E-46F6-4B6D-ACEE-2D7D1AF0C4B4}" dt="2022-09-01T21:28:37.577" v="475" actId="21"/>
+          <ac:spMkLst>
+            <pc:docMk/>
+            <pc:sldMk cId="2911767711" sldId="271"/>
+            <ac:spMk id="28" creationId="{C88B2205-551A-B658-AB86-3969F5E67089}"/>
+          </ac:spMkLst>
+        </pc:spChg>
+        <pc:spChg chg="add del mod">
+          <ac:chgData name="Francisco Valentin Ramirez Cuevas" userId="e79bf063-6348-4b44-8f45-581164b14c81" providerId="ADAL" clId="{9642B51E-46F6-4B6D-ACEE-2D7D1AF0C4B4}" dt="2022-09-01T21:28:37.577" v="475" actId="21"/>
+          <ac:spMkLst>
+            <pc:docMk/>
+            <pc:sldMk cId="2911767711" sldId="271"/>
+            <ac:spMk id="30" creationId="{6C6A9444-980E-04CF-9158-15DE1C8B4826}"/>
+          </ac:spMkLst>
+        </pc:spChg>
+        <pc:spChg chg="add mod">
+          <ac:chgData name="Francisco Valentin Ramirez Cuevas" userId="e79bf063-6348-4b44-8f45-581164b14c81" providerId="ADAL" clId="{9642B51E-46F6-4B6D-ACEE-2D7D1AF0C4B4}" dt="2022-09-01T21:29:02.907" v="481" actId="1076"/>
+          <ac:spMkLst>
+            <pc:docMk/>
+            <pc:sldMk cId="2911767711" sldId="271"/>
+            <ac:spMk id="36" creationId="{6D504BD6-5149-0A79-B8CF-3838D4F36BCF}"/>
+          </ac:spMkLst>
+        </pc:spChg>
+        <pc:spChg chg="add mod">
+          <ac:chgData name="Francisco Valentin Ramirez Cuevas" userId="e79bf063-6348-4b44-8f45-581164b14c81" providerId="ADAL" clId="{9642B51E-46F6-4B6D-ACEE-2D7D1AF0C4B4}" dt="2022-09-01T21:29:52.761" v="525" actId="1036"/>
+          <ac:spMkLst>
+            <pc:docMk/>
+            <pc:sldMk cId="2911767711" sldId="271"/>
+            <ac:spMk id="38" creationId="{BB51EB2A-A777-CC13-859F-4A989FE63F91}"/>
+          </ac:spMkLst>
+        </pc:spChg>
+        <pc:spChg chg="add mod">
+          <ac:chgData name="Francisco Valentin Ramirez Cuevas" userId="e79bf063-6348-4b44-8f45-581164b14c81" providerId="ADAL" clId="{9642B51E-46F6-4B6D-ACEE-2D7D1AF0C4B4}" dt="2022-09-01T21:30:16.037" v="537" actId="1035"/>
+          <ac:spMkLst>
+            <pc:docMk/>
+            <pc:sldMk cId="2911767711" sldId="271"/>
+            <ac:spMk id="40" creationId="{466107EB-8A4C-F908-2414-CCF321AA9DCD}"/>
+          </ac:spMkLst>
+        </pc:spChg>
+        <pc:spChg chg="add mod">
+          <ac:chgData name="Francisco Valentin Ramirez Cuevas" userId="e79bf063-6348-4b44-8f45-581164b14c81" providerId="ADAL" clId="{9642B51E-46F6-4B6D-ACEE-2D7D1AF0C4B4}" dt="2022-09-01T21:30:19.746" v="539" actId="1036"/>
+          <ac:spMkLst>
+            <pc:docMk/>
+            <pc:sldMk cId="2911767711" sldId="271"/>
+            <ac:spMk id="42" creationId="{E05F5710-890E-9E99-DC34-17007AD861DA}"/>
+          </ac:spMkLst>
+        </pc:spChg>
+        <pc:spChg chg="add mod">
+          <ac:chgData name="Francisco Valentin Ramirez Cuevas" userId="e79bf063-6348-4b44-8f45-581164b14c81" providerId="ADAL" clId="{9642B51E-46F6-4B6D-ACEE-2D7D1AF0C4B4}" dt="2022-09-01T21:30:26.108" v="542" actId="1036"/>
+          <ac:spMkLst>
+            <pc:docMk/>
+            <pc:sldMk cId="2911767711" sldId="271"/>
+            <ac:spMk id="44" creationId="{A29B7EE1-4269-2D33-EF6C-ADC10431AD45}"/>
+          </ac:spMkLst>
+        </pc:spChg>
+        <pc:spChg chg="add mod">
+          <ac:chgData name="Francisco Valentin Ramirez Cuevas" userId="e79bf063-6348-4b44-8f45-581164b14c81" providerId="ADAL" clId="{9642B51E-46F6-4B6D-ACEE-2D7D1AF0C4B4}" dt="2022-09-01T21:34:02.137" v="609" actId="12789"/>
+          <ac:spMkLst>
+            <pc:docMk/>
+            <pc:sldMk cId="2911767711" sldId="271"/>
+            <ac:spMk id="46" creationId="{AE8B54A8-A38E-A3DF-768A-0D6221F8C887}"/>
+          </ac:spMkLst>
+        </pc:spChg>
+        <pc:spChg chg="add mod">
+          <ac:chgData name="Francisco Valentin Ramirez Cuevas" userId="e79bf063-6348-4b44-8f45-581164b14c81" providerId="ADAL" clId="{9642B51E-46F6-4B6D-ACEE-2D7D1AF0C4B4}" dt="2022-09-01T21:34:02.137" v="609" actId="12789"/>
+          <ac:spMkLst>
+            <pc:docMk/>
+            <pc:sldMk cId="2911767711" sldId="271"/>
+            <ac:spMk id="48" creationId="{F802BFE2-5B3F-5886-B565-50B753CAE4C3}"/>
+          </ac:spMkLst>
+        </pc:spChg>
+        <pc:spChg chg="add del mod">
+          <ac:chgData name="Francisco Valentin Ramirez Cuevas" userId="e79bf063-6348-4b44-8f45-581164b14c81" providerId="ADAL" clId="{9642B51E-46F6-4B6D-ACEE-2D7D1AF0C4B4}" dt="2022-09-01T21:34:02.137" v="609" actId="12789"/>
+          <ac:spMkLst>
+            <pc:docMk/>
+            <pc:sldMk cId="2911767711" sldId="271"/>
+            <ac:spMk id="50" creationId="{5D5A1FB9-6F4C-EA00-C62F-BE947B2EC480}"/>
+          </ac:spMkLst>
+        </pc:spChg>
+        <pc:spChg chg="add mod">
+          <ac:chgData name="Francisco Valentin Ramirez Cuevas" userId="e79bf063-6348-4b44-8f45-581164b14c81" providerId="ADAL" clId="{9642B51E-46F6-4B6D-ACEE-2D7D1AF0C4B4}" dt="2022-09-01T21:33:56.873" v="608" actId="12789"/>
+          <ac:spMkLst>
+            <pc:docMk/>
+            <pc:sldMk cId="2911767711" sldId="271"/>
+            <ac:spMk id="52" creationId="{8D2EC6B5-A4CB-427F-A8AD-EFE5EE46181D}"/>
+          </ac:spMkLst>
+        </pc:spChg>
+        <pc:spChg chg="add mod">
+          <ac:chgData name="Francisco Valentin Ramirez Cuevas" userId="e79bf063-6348-4b44-8f45-581164b14c81" providerId="ADAL" clId="{9642B51E-46F6-4B6D-ACEE-2D7D1AF0C4B4}" dt="2022-09-01T21:33:56.873" v="608" actId="12789"/>
+          <ac:spMkLst>
+            <pc:docMk/>
+            <pc:sldMk cId="2911767711" sldId="271"/>
+            <ac:spMk id="54" creationId="{AD4D2B08-C36C-B746-E390-83C96C4E51B4}"/>
+          </ac:spMkLst>
+        </pc:spChg>
+        <pc:spChg chg="add del mod">
+          <ac:chgData name="Francisco Valentin Ramirez Cuevas" userId="e79bf063-6348-4b44-8f45-581164b14c81" providerId="ADAL" clId="{9642B51E-46F6-4B6D-ACEE-2D7D1AF0C4B4}" dt="2022-09-01T21:34:07.174" v="610" actId="12788"/>
+          <ac:spMkLst>
+            <pc:docMk/>
+            <pc:sldMk cId="2911767711" sldId="271"/>
+            <ac:spMk id="56" creationId="{1603D83E-EB8B-A0A9-DDD4-34C4A8001FE8}"/>
+          </ac:spMkLst>
+        </pc:spChg>
+        <pc:spChg chg="add mod">
+          <ac:chgData name="Francisco Valentin Ramirez Cuevas" userId="e79bf063-6348-4b44-8f45-581164b14c81" providerId="ADAL" clId="{9642B51E-46F6-4B6D-ACEE-2D7D1AF0C4B4}" dt="2022-09-01T21:34:07.174" v="610" actId="12788"/>
+          <ac:spMkLst>
+            <pc:docMk/>
+            <pc:sldMk cId="2911767711" sldId="271"/>
+            <ac:spMk id="58" creationId="{3CA7C214-1836-DEB9-C974-B0277F3EA0F8}"/>
+          </ac:spMkLst>
+        </pc:spChg>
+        <pc:spChg chg="add mod">
+          <ac:chgData name="Francisco Valentin Ramirez Cuevas" userId="e79bf063-6348-4b44-8f45-581164b14c81" providerId="ADAL" clId="{9642B51E-46F6-4B6D-ACEE-2D7D1AF0C4B4}" dt="2022-09-01T21:33:52.359" v="607" actId="12789"/>
+          <ac:spMkLst>
+            <pc:docMk/>
+            <pc:sldMk cId="2911767711" sldId="271"/>
+            <ac:spMk id="60" creationId="{C63D93E3-4894-2C20-88BF-8B6DE14CCD25}"/>
+          </ac:spMkLst>
+        </pc:spChg>
+        <pc:spChg chg="add mod">
+          <ac:chgData name="Francisco Valentin Ramirez Cuevas" userId="e79bf063-6348-4b44-8f45-581164b14c81" providerId="ADAL" clId="{9642B51E-46F6-4B6D-ACEE-2D7D1AF0C4B4}" dt="2022-09-01T21:34:07.174" v="610" actId="12788"/>
+          <ac:spMkLst>
+            <pc:docMk/>
+            <pc:sldMk cId="2911767711" sldId="271"/>
+            <ac:spMk id="62" creationId="{56FB5BC9-A81F-3E9C-207F-FDED394AB6FE}"/>
+          </ac:spMkLst>
+        </pc:spChg>
+        <pc:spChg chg="add mod">
+          <ac:chgData name="Francisco Valentin Ramirez Cuevas" userId="e79bf063-6348-4b44-8f45-581164b14c81" providerId="ADAL" clId="{9642B51E-46F6-4B6D-ACEE-2D7D1AF0C4B4}" dt="2022-09-01T21:34:13.872" v="611" actId="12788"/>
+          <ac:spMkLst>
+            <pc:docMk/>
+            <pc:sldMk cId="2911767711" sldId="271"/>
+            <ac:spMk id="64" creationId="{424850D1-A26B-69A1-0FFE-01A7CD0CAB08}"/>
+          </ac:spMkLst>
+        </pc:spChg>
+        <pc:spChg chg="add mod">
+          <ac:chgData name="Francisco Valentin Ramirez Cuevas" userId="e79bf063-6348-4b44-8f45-581164b14c81" providerId="ADAL" clId="{9642B51E-46F6-4B6D-ACEE-2D7D1AF0C4B4}" dt="2022-09-01T21:34:13.872" v="611" actId="12788"/>
+          <ac:spMkLst>
+            <pc:docMk/>
+            <pc:sldMk cId="2911767711" sldId="271"/>
+            <ac:spMk id="66" creationId="{277E0CD3-C652-9DB6-797F-09CC01E5CEA3}"/>
+          </ac:spMkLst>
+        </pc:spChg>
+        <pc:spChg chg="add mod">
+          <ac:chgData name="Francisco Valentin Ramirez Cuevas" userId="e79bf063-6348-4b44-8f45-581164b14c81" providerId="ADAL" clId="{9642B51E-46F6-4B6D-ACEE-2D7D1AF0C4B4}" dt="2022-09-01T21:35:21.570" v="631" actId="1076"/>
+          <ac:spMkLst>
+            <pc:docMk/>
+            <pc:sldMk cId="2911767711" sldId="271"/>
+            <ac:spMk id="73" creationId="{E925A516-5090-6336-0FFE-99CF1BA72B29}"/>
+          </ac:spMkLst>
+        </pc:spChg>
+        <pc:spChg chg="add mod">
+          <ac:chgData name="Francisco Valentin Ramirez Cuevas" userId="e79bf063-6348-4b44-8f45-581164b14c81" providerId="ADAL" clId="{9642B51E-46F6-4B6D-ACEE-2D7D1AF0C4B4}" dt="2022-09-01T21:35:41.336" v="637" actId="1076"/>
+          <ac:spMkLst>
+            <pc:docMk/>
+            <pc:sldMk cId="2911767711" sldId="271"/>
+            <ac:spMk id="75" creationId="{83C6BD86-BF77-990D-B0A8-718521C050A2}"/>
+          </ac:spMkLst>
+        </pc:spChg>
+        <pc:spChg chg="del">
+          <ac:chgData name="Francisco Valentin Ramirez Cuevas" userId="e79bf063-6348-4b44-8f45-581164b14c81" providerId="ADAL" clId="{9642B51E-46F6-4B6D-ACEE-2D7D1AF0C4B4}" dt="2022-09-01T20:20:15.710" v="403" actId="478"/>
+          <ac:spMkLst>
+            <pc:docMk/>
+            <pc:sldMk cId="2911767711" sldId="271"/>
+            <ac:spMk id="76" creationId="{7D6F9242-890F-FD64-C48A-3A7CE4E6F109}"/>
+          </ac:spMkLst>
+        </pc:spChg>
+        <pc:spChg chg="del">
+          <ac:chgData name="Francisco Valentin Ramirez Cuevas" userId="e79bf063-6348-4b44-8f45-581164b14c81" providerId="ADAL" clId="{9642B51E-46F6-4B6D-ACEE-2D7D1AF0C4B4}" dt="2022-09-01T20:20:15.710" v="403" actId="478"/>
+          <ac:spMkLst>
+            <pc:docMk/>
+            <pc:sldMk cId="2911767711" sldId="271"/>
+            <ac:spMk id="85" creationId="{900F384F-8B0A-DD83-C34D-8C4685C79A15}"/>
+          </ac:spMkLst>
+        </pc:spChg>
+        <pc:spChg chg="del">
+          <ac:chgData name="Francisco Valentin Ramirez Cuevas" userId="e79bf063-6348-4b44-8f45-581164b14c81" providerId="ADAL" clId="{9642B51E-46F6-4B6D-ACEE-2D7D1AF0C4B4}" dt="2022-09-01T20:20:15.710" v="403" actId="478"/>
+          <ac:spMkLst>
+            <pc:docMk/>
+            <pc:sldMk cId="2911767711" sldId="271"/>
+            <ac:spMk id="87" creationId="{9C06D777-7EAF-60EF-1B20-8B81B896B1D0}"/>
+          </ac:spMkLst>
+        </pc:spChg>
+        <pc:spChg chg="del">
+          <ac:chgData name="Francisco Valentin Ramirez Cuevas" userId="e79bf063-6348-4b44-8f45-581164b14c81" providerId="ADAL" clId="{9642B51E-46F6-4B6D-ACEE-2D7D1AF0C4B4}" dt="2022-09-01T20:20:15.710" v="403" actId="478"/>
+          <ac:spMkLst>
+            <pc:docMk/>
+            <pc:sldMk cId="2911767711" sldId="271"/>
+            <ac:spMk id="89" creationId="{B5628CE1-19DA-72CD-06B7-59CA89C69C83}"/>
+          </ac:spMkLst>
+        </pc:spChg>
+        <pc:spChg chg="del">
+          <ac:chgData name="Francisco Valentin Ramirez Cuevas" userId="e79bf063-6348-4b44-8f45-581164b14c81" providerId="ADAL" clId="{9642B51E-46F6-4B6D-ACEE-2D7D1AF0C4B4}" dt="2022-09-01T20:20:15.710" v="403" actId="478"/>
+          <ac:spMkLst>
+            <pc:docMk/>
+            <pc:sldMk cId="2911767711" sldId="271"/>
+            <ac:spMk id="91" creationId="{A83CC077-66E3-BEC4-3C09-E14B657AA27F}"/>
+          </ac:spMkLst>
+        </pc:spChg>
+        <pc:picChg chg="add del mod">
+          <ac:chgData name="Francisco Valentin Ramirez Cuevas" userId="e79bf063-6348-4b44-8f45-581164b14c81" providerId="ADAL" clId="{9642B51E-46F6-4B6D-ACEE-2D7D1AF0C4B4}" dt="2022-09-01T20:20:18.536" v="406" actId="21"/>
+          <ac:picMkLst>
+            <pc:docMk/>
+            <pc:sldMk cId="2911767711" sldId="271"/>
+            <ac:picMk id="3" creationId="{4F78B5C0-0444-E816-3A01-741C14621A17}"/>
+          </ac:picMkLst>
+        </pc:picChg>
+        <pc:picChg chg="add del mod modCrop">
+          <ac:chgData name="Francisco Valentin Ramirez Cuevas" userId="e79bf063-6348-4b44-8f45-581164b14c81" providerId="ADAL" clId="{9642B51E-46F6-4B6D-ACEE-2D7D1AF0C4B4}" dt="2022-09-01T21:28:37.577" v="475" actId="21"/>
+          <ac:picMkLst>
+            <pc:docMk/>
+            <pc:sldMk cId="2911767711" sldId="271"/>
+            <ac:picMk id="5" creationId="{2DC3C1A9-74D5-E9E4-E341-44B41833AD94}"/>
+          </ac:picMkLst>
+        </pc:picChg>
+        <pc:picChg chg="add del mod">
+          <ac:chgData name="Francisco Valentin Ramirez Cuevas" userId="e79bf063-6348-4b44-8f45-581164b14c81" providerId="ADAL" clId="{9642B51E-46F6-4B6D-ACEE-2D7D1AF0C4B4}" dt="2022-09-01T21:28:32.713" v="473" actId="22"/>
+          <ac:picMkLst>
+            <pc:docMk/>
+            <pc:sldMk cId="2911767711" sldId="271"/>
+            <ac:picMk id="32" creationId="{0F2698D9-48BF-F75F-6946-E12B392D74E9}"/>
+          </ac:picMkLst>
+        </pc:picChg>
+        <pc:picChg chg="add mod">
+          <ac:chgData name="Francisco Valentin Ramirez Cuevas" userId="e79bf063-6348-4b44-8f45-581164b14c81" providerId="ADAL" clId="{9642B51E-46F6-4B6D-ACEE-2D7D1AF0C4B4}" dt="2022-09-01T21:37:47.142" v="638"/>
+          <ac:picMkLst>
+            <pc:docMk/>
+            <pc:sldMk cId="2911767711" sldId="271"/>
+            <ac:picMk id="34" creationId="{E85F6628-DA4B-E0FA-0B37-31BE51DD48B7}"/>
+          </ac:picMkLst>
+        </pc:picChg>
+        <pc:picChg chg="del">
+          <ac:chgData name="Francisco Valentin Ramirez Cuevas" userId="e79bf063-6348-4b44-8f45-581164b14c81" providerId="ADAL" clId="{9642B51E-46F6-4B6D-ACEE-2D7D1AF0C4B4}" dt="2022-09-01T20:20:15.710" v="403" actId="478"/>
+          <ac:picMkLst>
+            <pc:docMk/>
+            <pc:sldMk cId="2911767711" sldId="271"/>
+            <ac:picMk id="72" creationId="{20A04A45-713D-9EF0-D520-8E430F666487}"/>
+          </ac:picMkLst>
+        </pc:picChg>
+        <pc:picChg chg="del mod">
+          <ac:chgData name="Francisco Valentin Ramirez Cuevas" userId="e79bf063-6348-4b44-8f45-581164b14c81" providerId="ADAL" clId="{9642B51E-46F6-4B6D-ACEE-2D7D1AF0C4B4}" dt="2022-09-01T20:20:13.430" v="402" actId="21"/>
+          <ac:picMkLst>
+            <pc:docMk/>
+            <pc:sldMk cId="2911767711" sldId="271"/>
+            <ac:picMk id="93" creationId="{98B123B4-2FCA-AC00-C015-2C9513132D65}"/>
+          </ac:picMkLst>
+        </pc:picChg>
+        <pc:cxnChg chg="add del mod">
+          <ac:chgData name="Francisco Valentin Ramirez Cuevas" userId="e79bf063-6348-4b44-8f45-581164b14c81" providerId="ADAL" clId="{9642B51E-46F6-4B6D-ACEE-2D7D1AF0C4B4}" dt="2022-09-01T21:35:08.817" v="624" actId="478"/>
+          <ac:cxnSpMkLst>
+            <pc:docMk/>
+            <pc:sldMk cId="2911767711" sldId="271"/>
+            <ac:cxnSpMk id="68" creationId="{30875642-BE38-8A99-F988-4E270D50AC6F}"/>
+          </ac:cxnSpMkLst>
+        </pc:cxnChg>
+        <pc:cxnChg chg="del">
+          <ac:chgData name="Francisco Valentin Ramirez Cuevas" userId="e79bf063-6348-4b44-8f45-581164b14c81" providerId="ADAL" clId="{9642B51E-46F6-4B6D-ACEE-2D7D1AF0C4B4}" dt="2022-09-01T20:20:15.710" v="403" actId="478"/>
+          <ac:cxnSpMkLst>
+            <pc:docMk/>
+            <pc:sldMk cId="2911767711" sldId="271"/>
+            <ac:cxnSpMk id="78" creationId="{22BE9A39-8BFA-D17D-BF56-EC366398C677}"/>
+          </ac:cxnSpMkLst>
+        </pc:cxnChg>
+        <pc:cxnChg chg="del">
+          <ac:chgData name="Francisco Valentin Ramirez Cuevas" userId="e79bf063-6348-4b44-8f45-581164b14c81" providerId="ADAL" clId="{9642B51E-46F6-4B6D-ACEE-2D7D1AF0C4B4}" dt="2022-09-01T20:20:15.710" v="403" actId="478"/>
+          <ac:cxnSpMkLst>
+            <pc:docMk/>
+            <pc:sldMk cId="2911767711" sldId="271"/>
+            <ac:cxnSpMk id="82" creationId="{5CA8EAB7-E37D-18D2-32F1-2259102B079E}"/>
+          </ac:cxnSpMkLst>
+        </pc:cxnChg>
+      </pc:sldChg>
+    </pc:docChg>
+  </pc:docChgLst>
+  <pc:docChgLst>
+    <pc:chgData name="Francisco Valentin Ramirez Cuevas" userId="e79bf063-6348-4b44-8f45-581164b14c81" providerId="ADAL" clId="{15FC233E-EFF0-47DF-AF7A-53242A4A1FE3}"/>
+    <pc:docChg chg="undo custSel addSld modSld">
+      <pc:chgData name="Francisco Valentin Ramirez Cuevas" userId="e79bf063-6348-4b44-8f45-581164b14c81" providerId="ADAL" clId="{15FC233E-EFF0-47DF-AF7A-53242A4A1FE3}" dt="2022-09-02T04:30:05.369" v="138" actId="478"/>
+      <pc:docMkLst>
+        <pc:docMk/>
+      </pc:docMkLst>
+      <pc:sldChg chg="addSp delSp mod">
+        <pc:chgData name="Francisco Valentin Ramirez Cuevas" userId="e79bf063-6348-4b44-8f45-581164b14c81" providerId="ADAL" clId="{15FC233E-EFF0-47DF-AF7A-53242A4A1FE3}" dt="2022-09-02T04:20:32.833" v="4" actId="21"/>
+        <pc:sldMkLst>
+          <pc:docMk/>
+          <pc:sldMk cId="2911767711" sldId="271"/>
+        </pc:sldMkLst>
+        <pc:picChg chg="add del">
+          <ac:chgData name="Francisco Valentin Ramirez Cuevas" userId="e79bf063-6348-4b44-8f45-581164b14c81" providerId="ADAL" clId="{15FC233E-EFF0-47DF-AF7A-53242A4A1FE3}" dt="2022-09-02T04:20:32.833" v="4" actId="21"/>
+          <ac:picMkLst>
+            <pc:docMk/>
+            <pc:sldMk cId="2911767711" sldId="271"/>
+            <ac:picMk id="3" creationId="{3C615365-CD31-85FA-7271-66EE272EDA1E}"/>
+          </ac:picMkLst>
+        </pc:picChg>
+      </pc:sldChg>
+      <pc:sldChg chg="addSp delSp modSp add mod">
+        <pc:chgData name="Francisco Valentin Ramirez Cuevas" userId="e79bf063-6348-4b44-8f45-581164b14c81" providerId="ADAL" clId="{15FC233E-EFF0-47DF-AF7A-53242A4A1FE3}" dt="2022-09-02T04:30:05.369" v="138" actId="478"/>
+        <pc:sldMkLst>
+          <pc:docMk/>
+          <pc:sldMk cId="1598234582" sldId="272"/>
+        </pc:sldMkLst>
+        <pc:spChg chg="add del mod">
+          <ac:chgData name="Francisco Valentin Ramirez Cuevas" userId="e79bf063-6348-4b44-8f45-581164b14c81" providerId="ADAL" clId="{15FC233E-EFF0-47DF-AF7A-53242A4A1FE3}" dt="2022-09-02T04:22:54.788" v="58" actId="21"/>
+          <ac:spMkLst>
+            <pc:docMk/>
+            <pc:sldMk cId="1598234582" sldId="272"/>
+            <ac:spMk id="7" creationId="{AF40BA02-F575-8D70-F0F8-188886F267D6}"/>
+          </ac:spMkLst>
+        </pc:spChg>
+        <pc:spChg chg="add del mod">
+          <ac:chgData name="Francisco Valentin Ramirez Cuevas" userId="e79bf063-6348-4b44-8f45-581164b14c81" providerId="ADAL" clId="{15FC233E-EFF0-47DF-AF7A-53242A4A1FE3}" dt="2022-09-02T04:22:54.788" v="58" actId="21"/>
+          <ac:spMkLst>
+            <pc:docMk/>
+            <pc:sldMk cId="1598234582" sldId="272"/>
+            <ac:spMk id="9" creationId="{48387AC9-BDD0-0F84-D777-6AE0F4AE3F1A}"/>
+          </ac:spMkLst>
+        </pc:spChg>
+        <pc:spChg chg="add del mod">
+          <ac:chgData name="Francisco Valentin Ramirez Cuevas" userId="e79bf063-6348-4b44-8f45-581164b14c81" providerId="ADAL" clId="{15FC233E-EFF0-47DF-AF7A-53242A4A1FE3}" dt="2022-09-02T04:22:54.788" v="58" actId="21"/>
+          <ac:spMkLst>
+            <pc:docMk/>
+            <pc:sldMk cId="1598234582" sldId="272"/>
+            <ac:spMk id="11" creationId="{809A8097-FB0A-800D-8A82-19E51D04E383}"/>
+          </ac:spMkLst>
+        </pc:spChg>
+        <pc:spChg chg="add del mod">
+          <ac:chgData name="Francisco Valentin Ramirez Cuevas" userId="e79bf063-6348-4b44-8f45-581164b14c81" providerId="ADAL" clId="{15FC233E-EFF0-47DF-AF7A-53242A4A1FE3}" dt="2022-09-02T04:22:54.788" v="58" actId="21"/>
+          <ac:spMkLst>
+            <pc:docMk/>
+            <pc:sldMk cId="1598234582" sldId="272"/>
+            <ac:spMk id="13" creationId="{7CF82FD3-963A-3242-0D47-4F79291DD088}"/>
+          </ac:spMkLst>
+        </pc:spChg>
+        <pc:spChg chg="add del mod">
+          <ac:chgData name="Francisco Valentin Ramirez Cuevas" userId="e79bf063-6348-4b44-8f45-581164b14c81" providerId="ADAL" clId="{15FC233E-EFF0-47DF-AF7A-53242A4A1FE3}" dt="2022-09-02T04:22:54.788" v="58" actId="21"/>
+          <ac:spMkLst>
+            <pc:docMk/>
+            <pc:sldMk cId="1598234582" sldId="272"/>
+            <ac:spMk id="15" creationId="{E6E5B85F-CFBF-1023-FB20-D4A909A4D947}"/>
+          </ac:spMkLst>
+        </pc:spChg>
+        <pc:spChg chg="add mod">
+          <ac:chgData name="Francisco Valentin Ramirez Cuevas" userId="e79bf063-6348-4b44-8f45-581164b14c81" providerId="ADAL" clId="{15FC233E-EFF0-47DF-AF7A-53242A4A1FE3}" dt="2022-09-02T04:28:14.387" v="87" actId="20577"/>
+          <ac:spMkLst>
+            <pc:docMk/>
+            <pc:sldMk cId="1598234582" sldId="272"/>
+            <ac:spMk id="21" creationId="{D228B601-4C42-94D1-5A92-E366BF0470E5}"/>
+          </ac:spMkLst>
+        </pc:spChg>
+        <pc:spChg chg="add mod">
+          <ac:chgData name="Francisco Valentin Ramirez Cuevas" userId="e79bf063-6348-4b44-8f45-581164b14c81" providerId="ADAL" clId="{15FC233E-EFF0-47DF-AF7A-53242A4A1FE3}" dt="2022-09-02T04:28:32.624" v="93" actId="1076"/>
+          <ac:spMkLst>
+            <pc:docMk/>
+            <pc:sldMk cId="1598234582" sldId="272"/>
+            <ac:spMk id="23" creationId="{5784953E-70EA-8294-FED8-B80A9EB76E1C}"/>
+          </ac:spMkLst>
+        </pc:spChg>
+        <pc:spChg chg="add">
+          <ac:chgData name="Francisco Valentin Ramirez Cuevas" userId="e79bf063-6348-4b44-8f45-581164b14c81" providerId="ADAL" clId="{15FC233E-EFF0-47DF-AF7A-53242A4A1FE3}" dt="2022-09-02T04:28:35.858" v="94" actId="22"/>
+          <ac:spMkLst>
+            <pc:docMk/>
+            <pc:sldMk cId="1598234582" sldId="272"/>
+            <ac:spMk id="25" creationId="{DB372F26-449D-8CC5-3827-797AF7C1E0A3}"/>
+          </ac:spMkLst>
+        </pc:spChg>
+        <pc:spChg chg="add mod">
+          <ac:chgData name="Francisco Valentin Ramirez Cuevas" userId="e79bf063-6348-4b44-8f45-581164b14c81" providerId="ADAL" clId="{15FC233E-EFF0-47DF-AF7A-53242A4A1FE3}" dt="2022-09-02T04:29:51.762" v="132" actId="1076"/>
+          <ac:spMkLst>
+            <pc:docMk/>
+            <pc:sldMk cId="1598234582" sldId="272"/>
+            <ac:spMk id="27" creationId="{845142C5-0B5E-BD81-4C8C-0C639D2C6727}"/>
+          </ac:spMkLst>
+        </pc:spChg>
+        <pc:spChg chg="add mod">
+          <ac:chgData name="Francisco Valentin Ramirez Cuevas" userId="e79bf063-6348-4b44-8f45-581164b14c81" providerId="ADAL" clId="{15FC233E-EFF0-47DF-AF7A-53242A4A1FE3}" dt="2022-09-02T04:30:01.334" v="136" actId="1076"/>
+          <ac:spMkLst>
+            <pc:docMk/>
+            <pc:sldMk cId="1598234582" sldId="272"/>
+            <ac:spMk id="29" creationId="{79956686-B60F-1C5A-D811-BBB9FEAFC247}"/>
+          </ac:spMkLst>
+        </pc:spChg>
+        <pc:spChg chg="del mod">
+          <ac:chgData name="Francisco Valentin Ramirez Cuevas" userId="e79bf063-6348-4b44-8f45-581164b14c81" providerId="ADAL" clId="{15FC233E-EFF0-47DF-AF7A-53242A4A1FE3}" dt="2022-09-02T04:29:37.574" v="127" actId="478"/>
+          <ac:spMkLst>
+            <pc:docMk/>
+            <pc:sldMk cId="1598234582" sldId="272"/>
+            <ac:spMk id="36" creationId="{6D504BD6-5149-0A79-B8CF-3838D4F36BCF}"/>
+          </ac:spMkLst>
+        </pc:spChg>
+        <pc:spChg chg="del mod">
+          <ac:chgData name="Francisco Valentin Ramirez Cuevas" userId="e79bf063-6348-4b44-8f45-581164b14c81" providerId="ADAL" clId="{15FC233E-EFF0-47DF-AF7A-53242A4A1FE3}" dt="2022-09-02T04:30:03.437" v="137" actId="478"/>
+          <ac:spMkLst>
+            <pc:docMk/>
+            <pc:sldMk cId="1598234582" sldId="272"/>
+            <ac:spMk id="38" creationId="{BB51EB2A-A777-CC13-859F-4A989FE63F91}"/>
+          </ac:spMkLst>
+        </pc:spChg>
+        <pc:spChg chg="del mod">
+          <ac:chgData name="Francisco Valentin Ramirez Cuevas" userId="e79bf063-6348-4b44-8f45-581164b14c81" providerId="ADAL" clId="{15FC233E-EFF0-47DF-AF7A-53242A4A1FE3}" dt="2022-09-02T04:30:03.437" v="137" actId="478"/>
+          <ac:spMkLst>
+            <pc:docMk/>
+            <pc:sldMk cId="1598234582" sldId="272"/>
+            <ac:spMk id="40" creationId="{466107EB-8A4C-F908-2414-CCF321AA9DCD}"/>
+          </ac:spMkLst>
+        </pc:spChg>
+        <pc:spChg chg="del mod">
+          <ac:chgData name="Francisco Valentin Ramirez Cuevas" userId="e79bf063-6348-4b44-8f45-581164b14c81" providerId="ADAL" clId="{15FC233E-EFF0-47DF-AF7A-53242A4A1FE3}" dt="2022-09-02T04:30:03.437" v="137" actId="478"/>
+          <ac:spMkLst>
+            <pc:docMk/>
+            <pc:sldMk cId="1598234582" sldId="272"/>
+            <ac:spMk id="42" creationId="{E05F5710-890E-9E99-DC34-17007AD861DA}"/>
+          </ac:spMkLst>
+        </pc:spChg>
+        <pc:spChg chg="del mod">
+          <ac:chgData name="Francisco Valentin Ramirez Cuevas" userId="e79bf063-6348-4b44-8f45-581164b14c81" providerId="ADAL" clId="{15FC233E-EFF0-47DF-AF7A-53242A4A1FE3}" dt="2022-09-02T04:30:03.437" v="137" actId="478"/>
+          <ac:spMkLst>
+            <pc:docMk/>
+            <pc:sldMk cId="1598234582" sldId="272"/>
+            <ac:spMk id="44" creationId="{A29B7EE1-4269-2D33-EF6C-ADC10431AD45}"/>
+          </ac:spMkLst>
+        </pc:spChg>
+        <pc:spChg chg="del mod">
+          <ac:chgData name="Francisco Valentin Ramirez Cuevas" userId="e79bf063-6348-4b44-8f45-581164b14c81" providerId="ADAL" clId="{15FC233E-EFF0-47DF-AF7A-53242A4A1FE3}" dt="2022-09-02T04:30:03.437" v="137" actId="478"/>
+          <ac:spMkLst>
+            <pc:docMk/>
+            <pc:sldMk cId="1598234582" sldId="272"/>
+            <ac:spMk id="46" creationId="{AE8B54A8-A38E-A3DF-768A-0D6221F8C887}"/>
+          </ac:spMkLst>
+        </pc:spChg>
+        <pc:spChg chg="del mod">
+          <ac:chgData name="Francisco Valentin Ramirez Cuevas" userId="e79bf063-6348-4b44-8f45-581164b14c81" providerId="ADAL" clId="{15FC233E-EFF0-47DF-AF7A-53242A4A1FE3}" dt="2022-09-02T04:30:03.437" v="137" actId="478"/>
+          <ac:spMkLst>
+            <pc:docMk/>
+            <pc:sldMk cId="1598234582" sldId="272"/>
+            <ac:spMk id="48" creationId="{F802BFE2-5B3F-5886-B565-50B753CAE4C3}"/>
+          </ac:spMkLst>
+        </pc:spChg>
+        <pc:spChg chg="del mod">
+          <ac:chgData name="Francisco Valentin Ramirez Cuevas" userId="e79bf063-6348-4b44-8f45-581164b14c81" providerId="ADAL" clId="{15FC233E-EFF0-47DF-AF7A-53242A4A1FE3}" dt="2022-09-02T04:30:03.437" v="137" actId="478"/>
+          <ac:spMkLst>
+            <pc:docMk/>
+            <pc:sldMk cId="1598234582" sldId="272"/>
+            <ac:spMk id="50" creationId="{5D5A1FB9-6F4C-EA00-C62F-BE947B2EC480}"/>
+          </ac:spMkLst>
+        </pc:spChg>
+        <pc:spChg chg="del mod">
+          <ac:chgData name="Francisco Valentin Ramirez Cuevas" userId="e79bf063-6348-4b44-8f45-581164b14c81" providerId="ADAL" clId="{15FC233E-EFF0-47DF-AF7A-53242A4A1FE3}" dt="2022-09-02T04:30:03.437" v="137" actId="478"/>
+          <ac:spMkLst>
+            <pc:docMk/>
+            <pc:sldMk cId="1598234582" sldId="272"/>
+            <ac:spMk id="52" creationId="{8D2EC6B5-A4CB-427F-A8AD-EFE5EE46181D}"/>
+          </ac:spMkLst>
+        </pc:spChg>
+        <pc:spChg chg="del mod">
+          <ac:chgData name="Francisco Valentin Ramirez Cuevas" userId="e79bf063-6348-4b44-8f45-581164b14c81" providerId="ADAL" clId="{15FC233E-EFF0-47DF-AF7A-53242A4A1FE3}" dt="2022-09-02T04:30:03.437" v="137" actId="478"/>
+          <ac:spMkLst>
+            <pc:docMk/>
+            <pc:sldMk cId="1598234582" sldId="272"/>
+            <ac:spMk id="54" creationId="{AD4D2B08-C36C-B746-E390-83C96C4E51B4}"/>
+          </ac:spMkLst>
+        </pc:spChg>
+        <pc:spChg chg="del mod">
+          <ac:chgData name="Francisco Valentin Ramirez Cuevas" userId="e79bf063-6348-4b44-8f45-581164b14c81" providerId="ADAL" clId="{15FC233E-EFF0-47DF-AF7A-53242A4A1FE3}" dt="2022-09-02T04:30:03.437" v="137" actId="478"/>
+          <ac:spMkLst>
+            <pc:docMk/>
+            <pc:sldMk cId="1598234582" sldId="272"/>
+            <ac:spMk id="56" creationId="{1603D83E-EB8B-A0A9-DDD4-34C4A8001FE8}"/>
+          </ac:spMkLst>
+        </pc:spChg>
+        <pc:spChg chg="del mod">
+          <ac:chgData name="Francisco Valentin Ramirez Cuevas" userId="e79bf063-6348-4b44-8f45-581164b14c81" providerId="ADAL" clId="{15FC233E-EFF0-47DF-AF7A-53242A4A1FE3}" dt="2022-09-02T04:30:03.437" v="137" actId="478"/>
+          <ac:spMkLst>
+            <pc:docMk/>
+            <pc:sldMk cId="1598234582" sldId="272"/>
+            <ac:spMk id="58" creationId="{3CA7C214-1836-DEB9-C974-B0277F3EA0F8}"/>
+          </ac:spMkLst>
+        </pc:spChg>
+        <pc:spChg chg="del mod">
+          <ac:chgData name="Francisco Valentin Ramirez Cuevas" userId="e79bf063-6348-4b44-8f45-581164b14c81" providerId="ADAL" clId="{15FC233E-EFF0-47DF-AF7A-53242A4A1FE3}" dt="2022-09-02T04:30:03.437" v="137" actId="478"/>
+          <ac:spMkLst>
+            <pc:docMk/>
+            <pc:sldMk cId="1598234582" sldId="272"/>
+            <ac:spMk id="60" creationId="{C63D93E3-4894-2C20-88BF-8B6DE14CCD25}"/>
+          </ac:spMkLst>
+        </pc:spChg>
+        <pc:spChg chg="del mod">
+          <ac:chgData name="Francisco Valentin Ramirez Cuevas" userId="e79bf063-6348-4b44-8f45-581164b14c81" providerId="ADAL" clId="{15FC233E-EFF0-47DF-AF7A-53242A4A1FE3}" dt="2022-09-02T04:30:03.437" v="137" actId="478"/>
+          <ac:spMkLst>
+            <pc:docMk/>
+            <pc:sldMk cId="1598234582" sldId="272"/>
+            <ac:spMk id="62" creationId="{56FB5BC9-A81F-3E9C-207F-FDED394AB6FE}"/>
+          </ac:spMkLst>
+        </pc:spChg>
+        <pc:spChg chg="del mod">
+          <ac:chgData name="Francisco Valentin Ramirez Cuevas" userId="e79bf063-6348-4b44-8f45-581164b14c81" providerId="ADAL" clId="{15FC233E-EFF0-47DF-AF7A-53242A4A1FE3}" dt="2022-09-02T04:30:03.437" v="137" actId="478"/>
+          <ac:spMkLst>
+            <pc:docMk/>
+            <pc:sldMk cId="1598234582" sldId="272"/>
+            <ac:spMk id="64" creationId="{424850D1-A26B-69A1-0FFE-01A7CD0CAB08}"/>
+          </ac:spMkLst>
+        </pc:spChg>
+        <pc:spChg chg="del mod">
+          <ac:chgData name="Francisco Valentin Ramirez Cuevas" userId="e79bf063-6348-4b44-8f45-581164b14c81" providerId="ADAL" clId="{15FC233E-EFF0-47DF-AF7A-53242A4A1FE3}" dt="2022-09-02T04:30:03.437" v="137" actId="478"/>
+          <ac:spMkLst>
+            <pc:docMk/>
+            <pc:sldMk cId="1598234582" sldId="272"/>
+            <ac:spMk id="66" creationId="{277E0CD3-C652-9DB6-797F-09CC01E5CEA3}"/>
+          </ac:spMkLst>
+        </pc:spChg>
+        <pc:spChg chg="mod ord">
+          <ac:chgData name="Francisco Valentin Ramirez Cuevas" userId="e79bf063-6348-4b44-8f45-581164b14c81" providerId="ADAL" clId="{15FC233E-EFF0-47DF-AF7A-53242A4A1FE3}" dt="2022-09-02T04:28:02.975" v="83" actId="20577"/>
+          <ac:spMkLst>
+            <pc:docMk/>
+            <pc:sldMk cId="1598234582" sldId="272"/>
+            <ac:spMk id="73" creationId="{E925A516-5090-6336-0FFE-99CF1BA72B29}"/>
+          </ac:spMkLst>
+        </pc:spChg>
+        <pc:spChg chg="del mod">
+          <ac:chgData name="Francisco Valentin Ramirez Cuevas" userId="e79bf063-6348-4b44-8f45-581164b14c81" providerId="ADAL" clId="{15FC233E-EFF0-47DF-AF7A-53242A4A1FE3}" dt="2022-09-02T04:30:05.369" v="138" actId="478"/>
+          <ac:spMkLst>
+            <pc:docMk/>
+            <pc:sldMk cId="1598234582" sldId="272"/>
+            <ac:spMk id="75" creationId="{83C6BD86-BF77-990D-B0A8-718521C050A2}"/>
+          </ac:spMkLst>
+        </pc:spChg>
+        <pc:picChg chg="add del">
+          <ac:chgData name="Francisco Valentin Ramirez Cuevas" userId="e79bf063-6348-4b44-8f45-581164b14c81" providerId="ADAL" clId="{15FC233E-EFF0-47DF-AF7A-53242A4A1FE3}" dt="2022-09-02T04:20:34.371" v="5" actId="21"/>
+          <ac:picMkLst>
+            <pc:docMk/>
+            <pc:sldMk cId="1598234582" sldId="272"/>
+            <ac:picMk id="3" creationId="{3C615365-CD31-85FA-7271-66EE272EDA1E}"/>
+          </ac:picMkLst>
+        </pc:picChg>
+        <pc:picChg chg="add del mod">
+          <ac:chgData name="Francisco Valentin Ramirez Cuevas" userId="e79bf063-6348-4b44-8f45-581164b14c81" providerId="ADAL" clId="{15FC233E-EFF0-47DF-AF7A-53242A4A1FE3}" dt="2022-09-02T04:20:48.509" v="11" actId="21"/>
+          <ac:picMkLst>
+            <pc:docMk/>
+            <pc:sldMk cId="1598234582" sldId="272"/>
+            <ac:picMk id="4" creationId="{7C8382EE-425A-CE40-4219-662BEF12AA5B}"/>
+          </ac:picMkLst>
+        </pc:picChg>
+        <pc:picChg chg="add del mod">
+          <ac:chgData name="Francisco Valentin Ramirez Cuevas" userId="e79bf063-6348-4b44-8f45-581164b14c81" providerId="ADAL" clId="{15FC233E-EFF0-47DF-AF7A-53242A4A1FE3}" dt="2022-09-02T04:22:54.788" v="58" actId="21"/>
+          <ac:picMkLst>
+            <pc:docMk/>
+            <pc:sldMk cId="1598234582" sldId="272"/>
+            <ac:picMk id="6" creationId="{B2106C73-CCB3-8CA3-84CE-8E5868A5869A}"/>
+          </ac:picMkLst>
+        </pc:picChg>
+        <pc:picChg chg="add del mod">
+          <ac:chgData name="Francisco Valentin Ramirez Cuevas" userId="e79bf063-6348-4b44-8f45-581164b14c81" providerId="ADAL" clId="{15FC233E-EFF0-47DF-AF7A-53242A4A1FE3}" dt="2022-09-02T04:22:52.360" v="56" actId="22"/>
+          <ac:picMkLst>
+            <pc:docMk/>
+            <pc:sldMk cId="1598234582" sldId="272"/>
+            <ac:picMk id="17" creationId="{42752A01-5D3A-9552-5BE1-68E80646C03E}"/>
+          </ac:picMkLst>
+        </pc:picChg>
+        <pc:picChg chg="add mod ord">
+          <ac:chgData name="Francisco Valentin Ramirez Cuevas" userId="e79bf063-6348-4b44-8f45-581164b14c81" providerId="ADAL" clId="{15FC233E-EFF0-47DF-AF7A-53242A4A1FE3}" dt="2022-09-02T04:23:29.938" v="74" actId="167"/>
+          <ac:picMkLst>
+            <pc:docMk/>
+            <pc:sldMk cId="1598234582" sldId="272"/>
+            <ac:picMk id="19" creationId="{A22448F2-07AB-7430-8501-C566BD61C528}"/>
+          </ac:picMkLst>
+        </pc:picChg>
+        <pc:picChg chg="del">
+          <ac:chgData name="Francisco Valentin Ramirez Cuevas" userId="e79bf063-6348-4b44-8f45-581164b14c81" providerId="ADAL" clId="{15FC233E-EFF0-47DF-AF7A-53242A4A1FE3}" dt="2022-09-02T04:20:38.721" v="6" actId="478"/>
+          <ac:picMkLst>
+            <pc:docMk/>
+            <pc:sldMk cId="1598234582" sldId="272"/>
+            <ac:picMk id="34" creationId="{E85F6628-DA4B-E0FA-0B37-31BE51DD48B7}"/>
           </ac:picMkLst>
         </pc:picChg>
       </pc:sldChg>
@@ -2152,7 +3266,7 @@
           <a:p>
             <a:fld id="{D66EF1AE-13F2-45B2-A494-0C0C1CB88371}" type="datetimeFigureOut">
               <a:rPr lang="en-US" smtClean="0"/>
-              <a:t>8/30/2022</a:t>
+              <a:t>9/2/2022</a:t>
             </a:fld>
             <a:endParaRPr lang="en-US"/>
           </a:p>
@@ -2350,7 +3464,7 @@
           <a:p>
             <a:fld id="{D66EF1AE-13F2-45B2-A494-0C0C1CB88371}" type="datetimeFigureOut">
               <a:rPr lang="en-US" smtClean="0"/>
-              <a:t>8/30/2022</a:t>
+              <a:t>9/2/2022</a:t>
             </a:fld>
             <a:endParaRPr lang="en-US"/>
           </a:p>
@@ -2558,7 +3672,7 @@
           <a:p>
             <a:fld id="{D66EF1AE-13F2-45B2-A494-0C0C1CB88371}" type="datetimeFigureOut">
               <a:rPr lang="en-US" smtClean="0"/>
-              <a:t>8/30/2022</a:t>
+              <a:t>9/2/2022</a:t>
             </a:fld>
             <a:endParaRPr lang="en-US"/>
           </a:p>
@@ -2756,7 +3870,7 @@
           <a:p>
             <a:fld id="{D66EF1AE-13F2-45B2-A494-0C0C1CB88371}" type="datetimeFigureOut">
               <a:rPr lang="en-US" smtClean="0"/>
-              <a:t>8/30/2022</a:t>
+              <a:t>9/2/2022</a:t>
             </a:fld>
             <a:endParaRPr lang="en-US"/>
           </a:p>
@@ -3031,7 +4145,7 @@
           <a:p>
             <a:fld id="{D66EF1AE-13F2-45B2-A494-0C0C1CB88371}" type="datetimeFigureOut">
               <a:rPr lang="en-US" smtClean="0"/>
-              <a:t>8/30/2022</a:t>
+              <a:t>9/2/2022</a:t>
             </a:fld>
             <a:endParaRPr lang="en-US"/>
           </a:p>
@@ -3296,7 +4410,7 @@
           <a:p>
             <a:fld id="{D66EF1AE-13F2-45B2-A494-0C0C1CB88371}" type="datetimeFigureOut">
               <a:rPr lang="en-US" smtClean="0"/>
-              <a:t>8/30/2022</a:t>
+              <a:t>9/2/2022</a:t>
             </a:fld>
             <a:endParaRPr lang="en-US"/>
           </a:p>
@@ -3708,7 +4822,7 @@
           <a:p>
             <a:fld id="{D66EF1AE-13F2-45B2-A494-0C0C1CB88371}" type="datetimeFigureOut">
               <a:rPr lang="en-US" smtClean="0"/>
-              <a:t>8/30/2022</a:t>
+              <a:t>9/2/2022</a:t>
             </a:fld>
             <a:endParaRPr lang="en-US"/>
           </a:p>
@@ -3849,7 +4963,7 @@
           <a:p>
             <a:fld id="{D66EF1AE-13F2-45B2-A494-0C0C1CB88371}" type="datetimeFigureOut">
               <a:rPr lang="en-US" smtClean="0"/>
-              <a:t>8/30/2022</a:t>
+              <a:t>9/2/2022</a:t>
             </a:fld>
             <a:endParaRPr lang="en-US"/>
           </a:p>
@@ -3962,7 +5076,7 @@
           <a:p>
             <a:fld id="{D66EF1AE-13F2-45B2-A494-0C0C1CB88371}" type="datetimeFigureOut">
               <a:rPr lang="en-US" smtClean="0"/>
-              <a:t>8/30/2022</a:t>
+              <a:t>9/2/2022</a:t>
             </a:fld>
             <a:endParaRPr lang="en-US"/>
           </a:p>
@@ -4273,7 +5387,7 @@
           <a:p>
             <a:fld id="{D66EF1AE-13F2-45B2-A494-0C0C1CB88371}" type="datetimeFigureOut">
               <a:rPr lang="en-US" smtClean="0"/>
-              <a:t>8/30/2022</a:t>
+              <a:t>9/2/2022</a:t>
             </a:fld>
             <a:endParaRPr lang="en-US"/>
           </a:p>
@@ -4561,7 +5675,7 @@
           <a:p>
             <a:fld id="{D66EF1AE-13F2-45B2-A494-0C0C1CB88371}" type="datetimeFigureOut">
               <a:rPr lang="en-US" smtClean="0"/>
-              <a:t>8/30/2022</a:t>
+              <a:t>9/2/2022</a:t>
             </a:fld>
             <a:endParaRPr lang="en-US"/>
           </a:p>
@@ -4802,7 +5916,7 @@
           <a:p>
             <a:fld id="{D66EF1AE-13F2-45B2-A494-0C0C1CB88371}" type="datetimeFigureOut">
               <a:rPr lang="en-US" smtClean="0"/>
-              <a:t>8/30/2022</a:t>
+              <a:t>9/2/2022</a:t>
             </a:fld>
             <a:endParaRPr lang="en-US"/>
           </a:p>
@@ -5308,8 +6422,8 @@
           </a:prstGeom>
         </p:spPr>
       </p:pic>
-      <mc:AlternateContent xmlns:mc="http://schemas.openxmlformats.org/markup-compatibility/2006">
-        <mc:Choice xmlns:a14="http://schemas.microsoft.com/office/drawing/2010/main" Requires="a14">
+      <mc:AlternateContent xmlns:mc="http://schemas.openxmlformats.org/markup-compatibility/2006" xmlns:a14="http://schemas.microsoft.com/office/drawing/2010/main">
+        <mc:Choice Requires="a14">
           <p:sp>
             <p:nvSpPr>
               <p:cNvPr id="3" name="TextBox 2">
@@ -5391,7 +6505,7 @@
             </p:txBody>
           </p:sp>
         </mc:Choice>
-        <mc:Fallback>
+        <mc:Fallback xmlns="">
           <p:sp>
             <p:nvSpPr>
               <p:cNvPr id="3" name="TextBox 2">
@@ -5436,8 +6550,8 @@
           </p:sp>
         </mc:Fallback>
       </mc:AlternateContent>
-      <mc:AlternateContent xmlns:mc="http://schemas.openxmlformats.org/markup-compatibility/2006">
-        <mc:Choice xmlns:a14="http://schemas.microsoft.com/office/drawing/2010/main" Requires="a14">
+      <mc:AlternateContent xmlns:mc="http://schemas.openxmlformats.org/markup-compatibility/2006" xmlns:a14="http://schemas.microsoft.com/office/drawing/2010/main">
+        <mc:Choice Requires="a14">
           <p:sp>
             <p:nvSpPr>
               <p:cNvPr id="11" name="TextBox 10">
@@ -5519,7 +6633,7 @@
             </p:txBody>
           </p:sp>
         </mc:Choice>
-        <mc:Fallback>
+        <mc:Fallback xmlns="">
           <p:sp>
             <p:nvSpPr>
               <p:cNvPr id="11" name="TextBox 10">
@@ -5564,8 +6678,8 @@
           </p:sp>
         </mc:Fallback>
       </mc:AlternateContent>
-      <mc:AlternateContent xmlns:mc="http://schemas.openxmlformats.org/markup-compatibility/2006">
-        <mc:Choice xmlns:a14="http://schemas.microsoft.com/office/drawing/2010/main" Requires="a14">
+      <mc:AlternateContent xmlns:mc="http://schemas.openxmlformats.org/markup-compatibility/2006" xmlns:a14="http://schemas.microsoft.com/office/drawing/2010/main">
+        <mc:Choice Requires="a14">
           <p:sp>
             <p:nvSpPr>
               <p:cNvPr id="10" name="TextBox 9">
@@ -5647,7 +6761,7 @@
             </p:txBody>
           </p:sp>
         </mc:Choice>
-        <mc:Fallback>
+        <mc:Fallback xmlns="">
           <p:sp>
             <p:nvSpPr>
               <p:cNvPr id="10" name="TextBox 9">
@@ -5692,8 +6806,8 @@
           </p:sp>
         </mc:Fallback>
       </mc:AlternateContent>
-      <mc:AlternateContent xmlns:mc="http://schemas.openxmlformats.org/markup-compatibility/2006">
-        <mc:Choice xmlns:a14="http://schemas.microsoft.com/office/drawing/2010/main" Requires="a14">
+      <mc:AlternateContent xmlns:mc="http://schemas.openxmlformats.org/markup-compatibility/2006" xmlns:a14="http://schemas.microsoft.com/office/drawing/2010/main">
+        <mc:Choice Requires="a14">
           <p:sp>
             <p:nvSpPr>
               <p:cNvPr id="12" name="TextBox 11">
@@ -5775,7 +6889,7 @@
             </p:txBody>
           </p:sp>
         </mc:Choice>
-        <mc:Fallback>
+        <mc:Fallback xmlns="">
           <p:sp>
             <p:nvSpPr>
               <p:cNvPr id="12" name="TextBox 11">
@@ -5820,8 +6934,8 @@
           </p:sp>
         </mc:Fallback>
       </mc:AlternateContent>
-      <mc:AlternateContent xmlns:mc="http://schemas.openxmlformats.org/markup-compatibility/2006">
-        <mc:Choice xmlns:a14="http://schemas.microsoft.com/office/drawing/2010/main" Requires="a14">
+      <mc:AlternateContent xmlns:mc="http://schemas.openxmlformats.org/markup-compatibility/2006" xmlns:a14="http://schemas.microsoft.com/office/drawing/2010/main">
+        <mc:Choice Requires="a14">
           <p:sp>
             <p:nvSpPr>
               <p:cNvPr id="13" name="TextBox 12">
@@ -5903,7 +7017,7 @@
             </p:txBody>
           </p:sp>
         </mc:Choice>
-        <mc:Fallback>
+        <mc:Fallback xmlns="">
           <p:sp>
             <p:nvSpPr>
               <p:cNvPr id="13" name="TextBox 12">
@@ -5948,8 +7062,8 @@
           </p:sp>
         </mc:Fallback>
       </mc:AlternateContent>
-      <mc:AlternateContent xmlns:mc="http://schemas.openxmlformats.org/markup-compatibility/2006">
-        <mc:Choice xmlns:a14="http://schemas.microsoft.com/office/drawing/2010/main" Requires="a14">
+      <mc:AlternateContent xmlns:mc="http://schemas.openxmlformats.org/markup-compatibility/2006" xmlns:a14="http://schemas.microsoft.com/office/drawing/2010/main">
+        <mc:Choice Requires="a14">
           <p:sp>
             <p:nvSpPr>
               <p:cNvPr id="15" name="TextBox 14">
@@ -6031,7 +7145,7 @@
             </p:txBody>
           </p:sp>
         </mc:Choice>
-        <mc:Fallback>
+        <mc:Fallback xmlns="">
           <p:sp>
             <p:nvSpPr>
               <p:cNvPr id="15" name="TextBox 14">
@@ -6076,8 +7190,8 @@
           </p:sp>
         </mc:Fallback>
       </mc:AlternateContent>
-      <mc:AlternateContent xmlns:mc="http://schemas.openxmlformats.org/markup-compatibility/2006">
-        <mc:Choice xmlns:a14="http://schemas.microsoft.com/office/drawing/2010/main" Requires="a14">
+      <mc:AlternateContent xmlns:mc="http://schemas.openxmlformats.org/markup-compatibility/2006" xmlns:a14="http://schemas.microsoft.com/office/drawing/2010/main">
+        <mc:Choice Requires="a14">
           <p:sp>
             <p:nvSpPr>
               <p:cNvPr id="14" name="TextBox 13">
@@ -6159,7 +7273,7 @@
             </p:txBody>
           </p:sp>
         </mc:Choice>
-        <mc:Fallback>
+        <mc:Fallback xmlns="">
           <p:sp>
             <p:nvSpPr>
               <p:cNvPr id="14" name="TextBox 13">
@@ -6204,8 +7318,8 @@
           </p:sp>
         </mc:Fallback>
       </mc:AlternateContent>
-      <mc:AlternateContent xmlns:mc="http://schemas.openxmlformats.org/markup-compatibility/2006">
-        <mc:Choice xmlns:a14="http://schemas.microsoft.com/office/drawing/2010/main" Requires="a14">
+      <mc:AlternateContent xmlns:mc="http://schemas.openxmlformats.org/markup-compatibility/2006" xmlns:a14="http://schemas.microsoft.com/office/drawing/2010/main">
+        <mc:Choice Requires="a14">
           <p:sp>
             <p:nvSpPr>
               <p:cNvPr id="16" name="TextBox 15">
@@ -6287,7 +7401,7 @@
             </p:txBody>
           </p:sp>
         </mc:Choice>
-        <mc:Fallback>
+        <mc:Fallback xmlns="">
           <p:sp>
             <p:nvSpPr>
               <p:cNvPr id="16" name="TextBox 15">
@@ -6332,8 +7446,8 @@
           </p:sp>
         </mc:Fallback>
       </mc:AlternateContent>
-      <mc:AlternateContent xmlns:mc="http://schemas.openxmlformats.org/markup-compatibility/2006">
-        <mc:Choice xmlns:a14="http://schemas.microsoft.com/office/drawing/2010/main" Requires="a14">
+      <mc:AlternateContent xmlns:mc="http://schemas.openxmlformats.org/markup-compatibility/2006" xmlns:a14="http://schemas.microsoft.com/office/drawing/2010/main">
+        <mc:Choice Requires="a14">
           <p:sp>
             <p:nvSpPr>
               <p:cNvPr id="17" name="TextBox 16">
@@ -6508,7 +7622,7 @@
             </p:txBody>
           </p:sp>
         </mc:Choice>
-        <mc:Fallback>
+        <mc:Fallback xmlns="">
           <p:sp>
             <p:nvSpPr>
               <p:cNvPr id="17" name="TextBox 16">
@@ -6553,8 +7667,8 @@
           </p:sp>
         </mc:Fallback>
       </mc:AlternateContent>
-      <mc:AlternateContent xmlns:mc="http://schemas.openxmlformats.org/markup-compatibility/2006">
-        <mc:Choice xmlns:a14="http://schemas.microsoft.com/office/drawing/2010/main" Requires="a14">
+      <mc:AlternateContent xmlns:mc="http://schemas.openxmlformats.org/markup-compatibility/2006" xmlns:a14="http://schemas.microsoft.com/office/drawing/2010/main">
+        <mc:Choice Requires="a14">
           <p:sp>
             <p:nvSpPr>
               <p:cNvPr id="19" name="TextBox 18">
@@ -6729,7 +7843,7 @@
             </p:txBody>
           </p:sp>
         </mc:Choice>
-        <mc:Fallback>
+        <mc:Fallback xmlns="">
           <p:sp>
             <p:nvSpPr>
               <p:cNvPr id="19" name="TextBox 18">
@@ -6774,8 +7888,8 @@
           </p:sp>
         </mc:Fallback>
       </mc:AlternateContent>
-      <mc:AlternateContent xmlns:mc="http://schemas.openxmlformats.org/markup-compatibility/2006">
-        <mc:Choice xmlns:a14="http://schemas.microsoft.com/office/drawing/2010/main" Requires="a14">
+      <mc:AlternateContent xmlns:mc="http://schemas.openxmlformats.org/markup-compatibility/2006" xmlns:a14="http://schemas.microsoft.com/office/drawing/2010/main">
+        <mc:Choice Requires="a14">
           <p:sp>
             <p:nvSpPr>
               <p:cNvPr id="18" name="TextBox 17">
@@ -6950,7 +8064,7 @@
             </p:txBody>
           </p:sp>
         </mc:Choice>
-        <mc:Fallback>
+        <mc:Fallback xmlns="">
           <p:sp>
             <p:nvSpPr>
               <p:cNvPr id="18" name="TextBox 17">
@@ -6995,8 +8109,8 @@
           </p:sp>
         </mc:Fallback>
       </mc:AlternateContent>
-      <mc:AlternateContent xmlns:mc="http://schemas.openxmlformats.org/markup-compatibility/2006">
-        <mc:Choice xmlns:a14="http://schemas.microsoft.com/office/drawing/2010/main" Requires="a14">
+      <mc:AlternateContent xmlns:mc="http://schemas.openxmlformats.org/markup-compatibility/2006" xmlns:a14="http://schemas.microsoft.com/office/drawing/2010/main">
+        <mc:Choice Requires="a14">
           <p:sp>
             <p:nvSpPr>
               <p:cNvPr id="20" name="TextBox 19">
@@ -7214,7 +8328,7 @@
             </p:txBody>
           </p:sp>
         </mc:Choice>
-        <mc:Fallback>
+        <mc:Fallback xmlns="">
           <p:sp>
             <p:nvSpPr>
               <p:cNvPr id="20" name="TextBox 19">
@@ -7259,8 +8373,8 @@
           </p:sp>
         </mc:Fallback>
       </mc:AlternateContent>
-      <mc:AlternateContent xmlns:mc="http://schemas.openxmlformats.org/markup-compatibility/2006">
-        <mc:Choice xmlns:a14="http://schemas.microsoft.com/office/drawing/2010/main" Requires="a14">
+      <mc:AlternateContent xmlns:mc="http://schemas.openxmlformats.org/markup-compatibility/2006" xmlns:a14="http://schemas.microsoft.com/office/drawing/2010/main">
+        <mc:Choice Requires="a14">
           <p:sp>
             <p:nvSpPr>
               <p:cNvPr id="24" name="TextBox 23">
@@ -7509,7 +8623,7 @@
             </p:txBody>
           </p:sp>
         </mc:Choice>
-        <mc:Fallback>
+        <mc:Fallback xmlns="">
           <p:sp>
             <p:nvSpPr>
               <p:cNvPr id="24" name="TextBox 23">
@@ -7554,8 +8668,8 @@
           </p:sp>
         </mc:Fallback>
       </mc:AlternateContent>
-      <mc:AlternateContent xmlns:mc="http://schemas.openxmlformats.org/markup-compatibility/2006">
-        <mc:Choice xmlns:a14="http://schemas.microsoft.com/office/drawing/2010/main" Requires="a14">
+      <mc:AlternateContent xmlns:mc="http://schemas.openxmlformats.org/markup-compatibility/2006" xmlns:a14="http://schemas.microsoft.com/office/drawing/2010/main">
+        <mc:Choice Requires="a14">
           <p:sp>
             <p:nvSpPr>
               <p:cNvPr id="23" name="TextBox 22">
@@ -7773,7 +8887,7 @@
             </p:txBody>
           </p:sp>
         </mc:Choice>
-        <mc:Fallback>
+        <mc:Fallback xmlns="">
           <p:sp>
             <p:nvSpPr>
               <p:cNvPr id="23" name="TextBox 22">
@@ -13743,6 +14857,5083 @@
 </p:sld>
 </file>
 
+<file path=ppt/slides/slide14.xml><?xml version="1.0" encoding="utf-8"?>
+<p:sld xmlns:a="http://schemas.openxmlformats.org/drawingml/2006/main" xmlns:r="http://schemas.openxmlformats.org/officeDocument/2006/relationships" xmlns:p="http://schemas.openxmlformats.org/presentationml/2006/main">
+  <p:cSld>
+    <p:spTree>
+      <p:nvGrpSpPr>
+        <p:cNvPr id="1" name=""/>
+        <p:cNvGrpSpPr/>
+        <p:nvPr/>
+      </p:nvGrpSpPr>
+      <p:grpSpPr>
+        <a:xfrm>
+          <a:off x="0" y="0"/>
+          <a:ext cx="0" cy="0"/>
+          <a:chOff x="0" y="0"/>
+          <a:chExt cx="0" cy="0"/>
+        </a:xfrm>
+      </p:grpSpPr>
+      <p:sp>
+        <p:nvSpPr>
+          <p:cNvPr id="2" name="Rectangle 1">
+            <a:extLst>
+              <a:ext uri="{FF2B5EF4-FFF2-40B4-BE49-F238E27FC236}">
+                <a16:creationId xmlns:a16="http://schemas.microsoft.com/office/drawing/2014/main" id="{743C9EFD-3902-6F09-699B-8E2C7E2A9045}"/>
+              </a:ext>
+            </a:extLst>
+          </p:cNvPr>
+          <p:cNvSpPr/>
+          <p:nvPr/>
+        </p:nvSpPr>
+        <p:spPr>
+          <a:xfrm>
+            <a:off x="3774174" y="3109680"/>
+            <a:ext cx="3400601" cy="84717"/>
+          </a:xfrm>
+          <a:prstGeom prst="rect">
+            <a:avLst/>
+          </a:prstGeom>
+          <a:pattFill prst="wdUpDiag">
+            <a:fgClr>
+              <a:schemeClr val="tx1"/>
+            </a:fgClr>
+            <a:bgClr>
+              <a:schemeClr val="bg1"/>
+            </a:bgClr>
+          </a:pattFill>
+          <a:ln>
+            <a:solidFill>
+              <a:schemeClr val="tx1"/>
+            </a:solidFill>
+          </a:ln>
+        </p:spPr>
+        <p:style>
+          <a:lnRef idx="2">
+            <a:schemeClr val="accent1">
+              <a:shade val="50000"/>
+            </a:schemeClr>
+          </a:lnRef>
+          <a:fillRef idx="1">
+            <a:schemeClr val="accent1"/>
+          </a:fillRef>
+          <a:effectRef idx="0">
+            <a:schemeClr val="accent1"/>
+          </a:effectRef>
+          <a:fontRef idx="minor">
+            <a:schemeClr val="lt1"/>
+          </a:fontRef>
+        </p:style>
+        <p:txBody>
+          <a:bodyPr rtlCol="0" anchor="ctr"/>
+          <a:lstStyle/>
+          <a:p>
+            <a:pPr algn="ctr"/>
+            <a:endParaRPr lang="en-US" dirty="0"/>
+          </a:p>
+        </p:txBody>
+      </p:sp>
+      <p:sp>
+        <p:nvSpPr>
+          <p:cNvPr id="5" name="Rectangle 4">
+            <a:extLst>
+              <a:ext uri="{FF2B5EF4-FFF2-40B4-BE49-F238E27FC236}">
+                <a16:creationId xmlns:a16="http://schemas.microsoft.com/office/drawing/2014/main" id="{879B565C-8A90-8828-4DE7-36488FFE920A}"/>
+              </a:ext>
+            </a:extLst>
+          </p:cNvPr>
+          <p:cNvSpPr/>
+          <p:nvPr/>
+        </p:nvSpPr>
+        <p:spPr>
+          <a:xfrm>
+            <a:off x="3770780" y="2218088"/>
+            <a:ext cx="3403996" cy="889632"/>
+          </a:xfrm>
+          <a:prstGeom prst="rect">
+            <a:avLst/>
+          </a:prstGeom>
+          <a:gradFill flip="none" rotWithShape="1">
+            <a:gsLst>
+              <a:gs pos="75000">
+                <a:srgbClr val="E5E5E5"/>
+              </a:gs>
+              <a:gs pos="25000">
+                <a:srgbClr val="ECECEC"/>
+              </a:gs>
+              <a:gs pos="0">
+                <a:schemeClr val="accent3"/>
+              </a:gs>
+              <a:gs pos="50000">
+                <a:srgbClr val="5DCEAF">
+                  <a:lumMod val="0"/>
+                  <a:lumOff val="100000"/>
+                </a:srgbClr>
+              </a:gs>
+              <a:gs pos="100000">
+                <a:schemeClr val="accent3"/>
+              </a:gs>
+            </a:gsLst>
+            <a:lin ang="5400000" scaled="1"/>
+            <a:tileRect/>
+          </a:gradFill>
+          <a:ln>
+            <a:noFill/>
+          </a:ln>
+        </p:spPr>
+        <p:style>
+          <a:lnRef idx="2">
+            <a:schemeClr val="accent1">
+              <a:shade val="50000"/>
+            </a:schemeClr>
+          </a:lnRef>
+          <a:fillRef idx="1">
+            <a:schemeClr val="accent1"/>
+          </a:fillRef>
+          <a:effectRef idx="0">
+            <a:schemeClr val="accent1"/>
+          </a:effectRef>
+          <a:fontRef idx="minor">
+            <a:schemeClr val="lt1"/>
+          </a:fontRef>
+        </p:style>
+        <p:txBody>
+          <a:bodyPr rtlCol="0" anchor="ctr"/>
+          <a:lstStyle/>
+          <a:p>
+            <a:pPr algn="ctr"/>
+            <a:endParaRPr lang="en-US" dirty="0"/>
+          </a:p>
+        </p:txBody>
+      </p:sp>
+      <p:sp>
+        <p:nvSpPr>
+          <p:cNvPr id="8" name="Rectangle 7">
+            <a:extLst>
+              <a:ext uri="{FF2B5EF4-FFF2-40B4-BE49-F238E27FC236}">
+                <a16:creationId xmlns:a16="http://schemas.microsoft.com/office/drawing/2014/main" id="{D9DC2669-D1A4-533C-9BB1-790397E45D2B}"/>
+              </a:ext>
+            </a:extLst>
+          </p:cNvPr>
+          <p:cNvSpPr/>
+          <p:nvPr/>
+        </p:nvSpPr>
+        <p:spPr>
+          <a:xfrm>
+            <a:off x="3774173" y="2135077"/>
+            <a:ext cx="3400601" cy="83015"/>
+          </a:xfrm>
+          <a:prstGeom prst="rect">
+            <a:avLst/>
+          </a:prstGeom>
+          <a:pattFill prst="wdUpDiag">
+            <a:fgClr>
+              <a:schemeClr val="tx1"/>
+            </a:fgClr>
+            <a:bgClr>
+              <a:schemeClr val="bg1"/>
+            </a:bgClr>
+          </a:pattFill>
+          <a:ln>
+            <a:solidFill>
+              <a:schemeClr val="tx1"/>
+            </a:solidFill>
+          </a:ln>
+        </p:spPr>
+        <p:style>
+          <a:lnRef idx="2">
+            <a:schemeClr val="accent1">
+              <a:shade val="50000"/>
+            </a:schemeClr>
+          </a:lnRef>
+          <a:fillRef idx="1">
+            <a:schemeClr val="accent1"/>
+          </a:fillRef>
+          <a:effectRef idx="0">
+            <a:schemeClr val="accent1"/>
+          </a:effectRef>
+          <a:fontRef idx="minor">
+            <a:schemeClr val="lt1"/>
+          </a:fontRef>
+        </p:style>
+        <p:txBody>
+          <a:bodyPr rtlCol="0" anchor="ctr"/>
+          <a:lstStyle/>
+          <a:p>
+            <a:pPr algn="ctr"/>
+            <a:endParaRPr lang="en-US" dirty="0"/>
+          </a:p>
+        </p:txBody>
+      </p:sp>
+      <p:cxnSp>
+        <p:nvCxnSpPr>
+          <p:cNvPr id="9" name="Straight Arrow Connector 8">
+            <a:extLst>
+              <a:ext uri="{FF2B5EF4-FFF2-40B4-BE49-F238E27FC236}">
+                <a16:creationId xmlns:a16="http://schemas.microsoft.com/office/drawing/2014/main" id="{748A4D22-08D3-E3E1-9F1E-181D5C685CE6}"/>
+              </a:ext>
+            </a:extLst>
+          </p:cNvPr>
+          <p:cNvCxnSpPr>
+            <a:cxnSpLocks/>
+          </p:cNvCxnSpPr>
+          <p:nvPr/>
+        </p:nvCxnSpPr>
+        <p:spPr>
+          <a:xfrm flipH="1">
+            <a:off x="3545572" y="2678511"/>
+            <a:ext cx="3774677" cy="0"/>
+          </a:xfrm>
+          <a:prstGeom prst="straightConnector1">
+            <a:avLst/>
+          </a:prstGeom>
+          <a:ln>
+            <a:solidFill>
+              <a:schemeClr val="tx1"/>
+            </a:solidFill>
+            <a:prstDash val="lgDashDot"/>
+            <a:headEnd type="none"/>
+            <a:tailEnd type="none" w="med" len="med"/>
+          </a:ln>
+        </p:spPr>
+        <p:style>
+          <a:lnRef idx="1">
+            <a:schemeClr val="accent1"/>
+          </a:lnRef>
+          <a:fillRef idx="0">
+            <a:schemeClr val="accent1"/>
+          </a:fillRef>
+          <a:effectRef idx="0">
+            <a:schemeClr val="accent1"/>
+          </a:effectRef>
+          <a:fontRef idx="minor">
+            <a:schemeClr val="tx1"/>
+          </a:fontRef>
+        </p:style>
+      </p:cxnSp>
+      <p:sp>
+        <p:nvSpPr>
+          <p:cNvPr id="10" name="Rectangle 9">
+            <a:extLst>
+              <a:ext uri="{FF2B5EF4-FFF2-40B4-BE49-F238E27FC236}">
+                <a16:creationId xmlns:a16="http://schemas.microsoft.com/office/drawing/2014/main" id="{2FEABF57-4CA9-2108-3C23-BBE4C9FE5E31}"/>
+              </a:ext>
+            </a:extLst>
+          </p:cNvPr>
+          <p:cNvSpPr/>
+          <p:nvPr/>
+        </p:nvSpPr>
+        <p:spPr>
+          <a:xfrm>
+            <a:off x="3774174" y="2223534"/>
+            <a:ext cx="3403996" cy="889632"/>
+          </a:xfrm>
+          <a:prstGeom prst="rect">
+            <a:avLst/>
+          </a:prstGeom>
+          <a:solidFill>
+            <a:srgbClr val="0070C0">
+              <a:alpha val="15000"/>
+            </a:srgbClr>
+          </a:solidFill>
+          <a:ln>
+            <a:noFill/>
+          </a:ln>
+        </p:spPr>
+        <p:style>
+          <a:lnRef idx="2">
+            <a:schemeClr val="accent1">
+              <a:shade val="50000"/>
+            </a:schemeClr>
+          </a:lnRef>
+          <a:fillRef idx="1">
+            <a:schemeClr val="accent1"/>
+          </a:fillRef>
+          <a:effectRef idx="0">
+            <a:schemeClr val="accent1"/>
+          </a:effectRef>
+          <a:fontRef idx="minor">
+            <a:schemeClr val="lt1"/>
+          </a:fontRef>
+        </p:style>
+        <p:txBody>
+          <a:bodyPr rtlCol="0" anchor="ctr"/>
+          <a:lstStyle/>
+          <a:p>
+            <a:pPr algn="ctr"/>
+            <a:endParaRPr lang="en-US" dirty="0"/>
+          </a:p>
+        </p:txBody>
+      </p:sp>
+      <p:cxnSp>
+        <p:nvCxnSpPr>
+          <p:cNvPr id="12" name="Straight Arrow Connector 11">
+            <a:extLst>
+              <a:ext uri="{FF2B5EF4-FFF2-40B4-BE49-F238E27FC236}">
+                <a16:creationId xmlns:a16="http://schemas.microsoft.com/office/drawing/2014/main" id="{83A9345B-6824-5465-91A1-1B2D1EBE6BB7}"/>
+              </a:ext>
+            </a:extLst>
+          </p:cNvPr>
+          <p:cNvCxnSpPr>
+            <a:cxnSpLocks/>
+            <a:stCxn id="5" idx="0"/>
+            <a:endCxn id="2" idx="0"/>
+          </p:cNvCxnSpPr>
+          <p:nvPr/>
+        </p:nvCxnSpPr>
+        <p:spPr>
+          <a:xfrm>
+            <a:off x="5472778" y="2218088"/>
+            <a:ext cx="1697" cy="891593"/>
+          </a:xfrm>
+          <a:prstGeom prst="straightConnector1">
+            <a:avLst/>
+          </a:prstGeom>
+          <a:ln>
+            <a:solidFill>
+              <a:srgbClr val="FF0000"/>
+            </a:solidFill>
+            <a:headEnd type="triangle"/>
+            <a:tailEnd type="triangle" w="med" len="med"/>
+          </a:ln>
+        </p:spPr>
+        <p:style>
+          <a:lnRef idx="1">
+            <a:schemeClr val="accent1"/>
+          </a:lnRef>
+          <a:fillRef idx="0">
+            <a:schemeClr val="accent1"/>
+          </a:fillRef>
+          <a:effectRef idx="0">
+            <a:schemeClr val="accent1"/>
+          </a:effectRef>
+          <a:fontRef idx="minor">
+            <a:schemeClr val="tx1"/>
+          </a:fontRef>
+        </p:style>
+      </p:cxnSp>
+      <p:cxnSp>
+        <p:nvCxnSpPr>
+          <p:cNvPr id="19" name="Straight Arrow Connector 18">
+            <a:extLst>
+              <a:ext uri="{FF2B5EF4-FFF2-40B4-BE49-F238E27FC236}">
+                <a16:creationId xmlns:a16="http://schemas.microsoft.com/office/drawing/2014/main" id="{5FEB550A-4FE0-1A89-E52D-C8A33C746871}"/>
+              </a:ext>
+            </a:extLst>
+          </p:cNvPr>
+          <p:cNvCxnSpPr>
+            <a:cxnSpLocks/>
+          </p:cNvCxnSpPr>
+          <p:nvPr/>
+        </p:nvCxnSpPr>
+        <p:spPr>
+          <a:xfrm flipH="1">
+            <a:off x="3774174" y="3325631"/>
+            <a:ext cx="3403996" cy="0"/>
+          </a:xfrm>
+          <a:prstGeom prst="straightConnector1">
+            <a:avLst/>
+          </a:prstGeom>
+          <a:ln>
+            <a:solidFill>
+              <a:srgbClr val="FF0000"/>
+            </a:solidFill>
+            <a:headEnd type="triangle"/>
+            <a:tailEnd type="triangle" w="med" len="med"/>
+          </a:ln>
+        </p:spPr>
+        <p:style>
+          <a:lnRef idx="1">
+            <a:schemeClr val="accent1"/>
+          </a:lnRef>
+          <a:fillRef idx="0">
+            <a:schemeClr val="accent1"/>
+          </a:fillRef>
+          <a:effectRef idx="0">
+            <a:schemeClr val="accent1"/>
+          </a:effectRef>
+          <a:fontRef idx="minor">
+            <a:schemeClr val="tx1"/>
+          </a:fontRef>
+        </p:style>
+      </p:cxnSp>
+      <mc:AlternateContent xmlns:mc="http://schemas.openxmlformats.org/markup-compatibility/2006" xmlns:a14="http://schemas.microsoft.com/office/drawing/2010/main">
+        <mc:Choice Requires="a14">
+          <p:sp>
+            <p:nvSpPr>
+              <p:cNvPr id="11" name="TextBox 10">
+                <a:extLst>
+                  <a:ext uri="{FF2B5EF4-FFF2-40B4-BE49-F238E27FC236}">
+                    <a16:creationId xmlns:a16="http://schemas.microsoft.com/office/drawing/2014/main" id="{75FD8CB5-0E4F-3D03-D12A-7519BB0AD93D}"/>
+                  </a:ext>
+                </a:extLst>
+              </p:cNvPr>
+              <p:cNvSpPr txBox="1"/>
+              <p:nvPr/>
+            </p:nvSpPr>
+            <p:spPr>
+              <a:xfrm>
+                <a:off x="5404054" y="2478238"/>
+                <a:ext cx="449406" cy="400110"/>
+              </a:xfrm>
+              <a:prstGeom prst="rect">
+                <a:avLst/>
+              </a:prstGeom>
+              <a:noFill/>
+            </p:spPr>
+            <p:txBody>
+              <a:bodyPr wrap="square">
+                <a:spAutoFit/>
+              </a:bodyPr>
+              <a:lstStyle/>
+              <a:p>
+                <a:pPr/>
+                <a14:m>
+                  <m:oMathPara xmlns:m="http://schemas.openxmlformats.org/officeDocument/2006/math">
+                    <m:oMathParaPr>
+                      <m:jc m:val="centerGroup"/>
+                    </m:oMathParaPr>
+                    <m:oMath xmlns:m="http://schemas.openxmlformats.org/officeDocument/2006/math">
+                      <m:r>
+                        <a:rPr lang="es-CL" sz="2000" b="0" i="1" smtClean="0">
+                          <a:solidFill>
+                            <a:srgbClr val="FF0000"/>
+                          </a:solidFill>
+                          <a:latin typeface="Cambria Math" panose="02040503050406030204" pitchFamily="18" charset="0"/>
+                        </a:rPr>
+                        <m:t>𝐷</m:t>
+                      </m:r>
+                    </m:oMath>
+                  </m:oMathPara>
+                </a14:m>
+                <a:endParaRPr lang="en-US" sz="2000" dirty="0">
+                  <a:solidFill>
+                    <a:srgbClr val="FF0000"/>
+                  </a:solidFill>
+                </a:endParaRPr>
+              </a:p>
+            </p:txBody>
+          </p:sp>
+        </mc:Choice>
+        <mc:Fallback xmlns="">
+          <p:sp>
+            <p:nvSpPr>
+              <p:cNvPr id="11" name="TextBox 10">
+                <a:extLst>
+                  <a:ext uri="{FF2B5EF4-FFF2-40B4-BE49-F238E27FC236}">
+                    <a16:creationId xmlns:a16="http://schemas.microsoft.com/office/drawing/2014/main" id="{75FD8CB5-0E4F-3D03-D12A-7519BB0AD93D}"/>
+                  </a:ext>
+                </a:extLst>
+              </p:cNvPr>
+              <p:cNvSpPr txBox="1">
+                <a:spLocks noRot="1" noChangeAspect="1" noMove="1" noResize="1" noEditPoints="1" noAdjustHandles="1" noChangeArrowheads="1" noChangeShapeType="1" noTextEdit="1"/>
+              </p:cNvSpPr>
+              <p:nvPr/>
+            </p:nvSpPr>
+            <p:spPr>
+              <a:xfrm>
+                <a:off x="5404054" y="2478238"/>
+                <a:ext cx="449406" cy="400110"/>
+              </a:xfrm>
+              <a:prstGeom prst="rect">
+                <a:avLst/>
+              </a:prstGeom>
+              <a:blipFill>
+                <a:blip r:embed="rId2"/>
+                <a:stretch>
+                  <a:fillRect/>
+                </a:stretch>
+              </a:blipFill>
+            </p:spPr>
+            <p:txBody>
+              <a:bodyPr/>
+              <a:lstStyle/>
+              <a:p>
+                <a:r>
+                  <a:rPr lang="en-US">
+                    <a:noFill/>
+                  </a:rPr>
+                  <a:t> </a:t>
+                </a:r>
+              </a:p>
+            </p:txBody>
+          </p:sp>
+        </mc:Fallback>
+      </mc:AlternateContent>
+      <mc:AlternateContent xmlns:mc="http://schemas.openxmlformats.org/markup-compatibility/2006" xmlns:a14="http://schemas.microsoft.com/office/drawing/2010/main">
+        <mc:Choice Requires="a14">
+          <p:sp>
+            <p:nvSpPr>
+              <p:cNvPr id="18" name="TextBox 17">
+                <a:extLst>
+                  <a:ext uri="{FF2B5EF4-FFF2-40B4-BE49-F238E27FC236}">
+                    <a16:creationId xmlns:a16="http://schemas.microsoft.com/office/drawing/2014/main" id="{93F41D82-77C8-E76E-1A80-2BAA5C940B44}"/>
+                  </a:ext>
+                </a:extLst>
+              </p:cNvPr>
+              <p:cNvSpPr txBox="1"/>
+              <p:nvPr/>
+            </p:nvSpPr>
+            <p:spPr>
+              <a:xfrm>
+                <a:off x="3770778" y="1784844"/>
+                <a:ext cx="3400601" cy="338554"/>
+              </a:xfrm>
+              <a:prstGeom prst="rect">
+                <a:avLst/>
+              </a:prstGeom>
+              <a:noFill/>
+            </p:spPr>
+            <p:txBody>
+              <a:bodyPr wrap="square">
+                <a:spAutoFit/>
+              </a:bodyPr>
+              <a:lstStyle/>
+              <a:p>
+                <a:pPr/>
+                <a14:m>
+                  <m:oMathPara xmlns:m="http://schemas.openxmlformats.org/officeDocument/2006/math">
+                    <m:oMathParaPr>
+                      <m:jc m:val="centerGroup"/>
+                    </m:oMathParaPr>
+                    <m:oMath xmlns:m="http://schemas.openxmlformats.org/officeDocument/2006/math">
+                      <m:r>
+                        <m:rPr>
+                          <m:sty m:val="p"/>
+                        </m:rPr>
+                        <a:rPr lang="en-US" sz="1600" b="0" i="0" smtClean="0">
+                          <a:solidFill>
+                            <a:schemeClr val="tx1"/>
+                          </a:solidFill>
+                          <a:latin typeface="Cambria Math" panose="02040503050406030204" pitchFamily="18" charset="0"/>
+                        </a:rPr>
+                        <m:t>Δ</m:t>
+                      </m:r>
+                      <m:r>
+                        <a:rPr lang="es-CL" sz="1600" b="0" i="1" smtClean="0">
+                          <a:solidFill>
+                            <a:schemeClr val="tx1"/>
+                          </a:solidFill>
+                          <a:latin typeface="Cambria Math" panose="02040503050406030204" pitchFamily="18" charset="0"/>
+                        </a:rPr>
+                        <m:t>𝑃</m:t>
+                      </m:r>
+                      <m:r>
+                        <a:rPr lang="es-CL" sz="1600" b="0" i="1" smtClean="0">
+                          <a:solidFill>
+                            <a:schemeClr val="tx1"/>
+                          </a:solidFill>
+                          <a:latin typeface="Cambria Math" panose="02040503050406030204" pitchFamily="18" charset="0"/>
+                        </a:rPr>
+                        <m:t>=</m:t>
+                      </m:r>
+                      <m:sSub>
+                        <m:sSubPr>
+                          <m:ctrlPr>
+                            <a:rPr lang="es-CL" sz="1600" b="0" i="1" smtClean="0">
+                              <a:solidFill>
+                                <a:schemeClr val="tx1"/>
+                              </a:solidFill>
+                              <a:latin typeface="Cambria Math" panose="02040503050406030204" pitchFamily="18" charset="0"/>
+                            </a:rPr>
+                          </m:ctrlPr>
+                        </m:sSubPr>
+                        <m:e>
+                          <m:r>
+                            <a:rPr lang="es-CL" sz="1600" b="0" i="1" smtClean="0">
+                              <a:solidFill>
+                                <a:schemeClr val="tx1"/>
+                              </a:solidFill>
+                              <a:latin typeface="Cambria Math" panose="02040503050406030204" pitchFamily="18" charset="0"/>
+                            </a:rPr>
+                            <m:t>𝑃</m:t>
+                          </m:r>
+                        </m:e>
+                        <m:sub>
+                          <m:r>
+                            <a:rPr lang="es-CL" sz="1600" b="0" i="1" smtClean="0">
+                              <a:solidFill>
+                                <a:schemeClr val="tx1"/>
+                              </a:solidFill>
+                              <a:latin typeface="Cambria Math" panose="02040503050406030204" pitchFamily="18" charset="0"/>
+                            </a:rPr>
+                            <m:t>2</m:t>
+                          </m:r>
+                        </m:sub>
+                      </m:sSub>
+                      <m:r>
+                        <a:rPr lang="es-CL" sz="1600" b="0" i="1" smtClean="0">
+                          <a:solidFill>
+                            <a:schemeClr val="tx1"/>
+                          </a:solidFill>
+                          <a:latin typeface="Cambria Math" panose="02040503050406030204" pitchFamily="18" charset="0"/>
+                        </a:rPr>
+                        <m:t>−</m:t>
+                      </m:r>
+                      <m:sSub>
+                        <m:sSubPr>
+                          <m:ctrlPr>
+                            <a:rPr lang="es-CL" sz="1600" b="0" i="1" smtClean="0">
+                              <a:solidFill>
+                                <a:schemeClr val="tx1"/>
+                              </a:solidFill>
+                              <a:latin typeface="Cambria Math" panose="02040503050406030204" pitchFamily="18" charset="0"/>
+                            </a:rPr>
+                          </m:ctrlPr>
+                        </m:sSubPr>
+                        <m:e>
+                          <m:r>
+                            <a:rPr lang="es-CL" sz="1600" b="0" i="1" smtClean="0">
+                              <a:solidFill>
+                                <a:schemeClr val="tx1"/>
+                              </a:solidFill>
+                              <a:latin typeface="Cambria Math" panose="02040503050406030204" pitchFamily="18" charset="0"/>
+                            </a:rPr>
+                            <m:t>𝑃</m:t>
+                          </m:r>
+                        </m:e>
+                        <m:sub>
+                          <m:r>
+                            <a:rPr lang="es-CL" sz="1600" b="0" i="1" smtClean="0">
+                              <a:solidFill>
+                                <a:schemeClr val="tx1"/>
+                              </a:solidFill>
+                              <a:latin typeface="Cambria Math" panose="02040503050406030204" pitchFamily="18" charset="0"/>
+                            </a:rPr>
+                            <m:t>1</m:t>
+                          </m:r>
+                        </m:sub>
+                      </m:sSub>
+                      <m:r>
+                        <a:rPr lang="en-US" sz="1600" b="0" i="1" smtClean="0">
+                          <a:solidFill>
+                            <a:schemeClr val="tx1"/>
+                          </a:solidFill>
+                          <a:latin typeface="Cambria Math" panose="02040503050406030204" pitchFamily="18" charset="0"/>
+                        </a:rPr>
+                        <m:t>&lt;0</m:t>
+                      </m:r>
+                    </m:oMath>
+                  </m:oMathPara>
+                </a14:m>
+                <a:endParaRPr lang="en-US" sz="1600" dirty="0">
+                  <a:solidFill>
+                    <a:schemeClr val="tx1"/>
+                  </a:solidFill>
+                </a:endParaRPr>
+              </a:p>
+            </p:txBody>
+          </p:sp>
+        </mc:Choice>
+        <mc:Fallback xmlns="">
+          <p:sp>
+            <p:nvSpPr>
+              <p:cNvPr id="18" name="TextBox 17">
+                <a:extLst>
+                  <a:ext uri="{FF2B5EF4-FFF2-40B4-BE49-F238E27FC236}">
+                    <a16:creationId xmlns:a16="http://schemas.microsoft.com/office/drawing/2014/main" id="{93F41D82-77C8-E76E-1A80-2BAA5C940B44}"/>
+                  </a:ext>
+                </a:extLst>
+              </p:cNvPr>
+              <p:cNvSpPr txBox="1">
+                <a:spLocks noRot="1" noChangeAspect="1" noMove="1" noResize="1" noEditPoints="1" noAdjustHandles="1" noChangeArrowheads="1" noChangeShapeType="1" noTextEdit="1"/>
+              </p:cNvSpPr>
+              <p:nvPr/>
+            </p:nvSpPr>
+            <p:spPr>
+              <a:xfrm>
+                <a:off x="3770778" y="1784844"/>
+                <a:ext cx="3400601" cy="338554"/>
+              </a:xfrm>
+              <a:prstGeom prst="rect">
+                <a:avLst/>
+              </a:prstGeom>
+              <a:blipFill>
+                <a:blip r:embed="rId3"/>
+                <a:stretch>
+                  <a:fillRect/>
+                </a:stretch>
+              </a:blipFill>
+            </p:spPr>
+            <p:txBody>
+              <a:bodyPr/>
+              <a:lstStyle/>
+              <a:p>
+                <a:r>
+                  <a:rPr lang="en-US">
+                    <a:noFill/>
+                  </a:rPr>
+                  <a:t> </a:t>
+                </a:r>
+              </a:p>
+            </p:txBody>
+          </p:sp>
+        </mc:Fallback>
+      </mc:AlternateContent>
+      <mc:AlternateContent xmlns:mc="http://schemas.openxmlformats.org/markup-compatibility/2006" xmlns:a14="http://schemas.microsoft.com/office/drawing/2010/main">
+        <mc:Choice Requires="a14">
+          <p:sp>
+            <p:nvSpPr>
+              <p:cNvPr id="20" name="TextBox 19">
+                <a:extLst>
+                  <a:ext uri="{FF2B5EF4-FFF2-40B4-BE49-F238E27FC236}">
+                    <a16:creationId xmlns:a16="http://schemas.microsoft.com/office/drawing/2014/main" id="{6A3E3727-DECF-981E-D541-2727E39A40BF}"/>
+                  </a:ext>
+                </a:extLst>
+              </p:cNvPr>
+              <p:cNvSpPr txBox="1"/>
+              <p:nvPr/>
+            </p:nvSpPr>
+            <p:spPr>
+              <a:xfrm>
+                <a:off x="5246375" y="3264244"/>
+                <a:ext cx="449406" cy="400110"/>
+              </a:xfrm>
+              <a:prstGeom prst="rect">
+                <a:avLst/>
+              </a:prstGeom>
+              <a:noFill/>
+            </p:spPr>
+            <p:txBody>
+              <a:bodyPr wrap="square">
+                <a:spAutoFit/>
+              </a:bodyPr>
+              <a:lstStyle/>
+              <a:p>
+                <a:pPr/>
+                <a14:m>
+                  <m:oMathPara xmlns:m="http://schemas.openxmlformats.org/officeDocument/2006/math">
+                    <m:oMathParaPr>
+                      <m:jc m:val="centerGroup"/>
+                    </m:oMathParaPr>
+                    <m:oMath xmlns:m="http://schemas.openxmlformats.org/officeDocument/2006/math">
+                      <m:r>
+                        <a:rPr lang="en-US" sz="2000" b="0" i="1" smtClean="0">
+                          <a:solidFill>
+                            <a:srgbClr val="FF0000"/>
+                          </a:solidFill>
+                          <a:latin typeface="Cambria Math" panose="02040503050406030204" pitchFamily="18" charset="0"/>
+                        </a:rPr>
+                        <m:t>𝐿</m:t>
+                      </m:r>
+                    </m:oMath>
+                  </m:oMathPara>
+                </a14:m>
+                <a:endParaRPr lang="en-US" sz="2000" dirty="0">
+                  <a:solidFill>
+                    <a:srgbClr val="FF0000"/>
+                  </a:solidFill>
+                </a:endParaRPr>
+              </a:p>
+            </p:txBody>
+          </p:sp>
+        </mc:Choice>
+        <mc:Fallback xmlns="">
+          <p:sp>
+            <p:nvSpPr>
+              <p:cNvPr id="20" name="TextBox 19">
+                <a:extLst>
+                  <a:ext uri="{FF2B5EF4-FFF2-40B4-BE49-F238E27FC236}">
+                    <a16:creationId xmlns:a16="http://schemas.microsoft.com/office/drawing/2014/main" id="{6A3E3727-DECF-981E-D541-2727E39A40BF}"/>
+                  </a:ext>
+                </a:extLst>
+              </p:cNvPr>
+              <p:cNvSpPr txBox="1">
+                <a:spLocks noRot="1" noChangeAspect="1" noMove="1" noResize="1" noEditPoints="1" noAdjustHandles="1" noChangeArrowheads="1" noChangeShapeType="1" noTextEdit="1"/>
+              </p:cNvSpPr>
+              <p:nvPr/>
+            </p:nvSpPr>
+            <p:spPr>
+              <a:xfrm>
+                <a:off x="5246375" y="3264244"/>
+                <a:ext cx="449406" cy="400110"/>
+              </a:xfrm>
+              <a:prstGeom prst="rect">
+                <a:avLst/>
+              </a:prstGeom>
+              <a:blipFill>
+                <a:blip r:embed="rId4"/>
+                <a:stretch>
+                  <a:fillRect/>
+                </a:stretch>
+              </a:blipFill>
+            </p:spPr>
+            <p:txBody>
+              <a:bodyPr/>
+              <a:lstStyle/>
+              <a:p>
+                <a:r>
+                  <a:rPr lang="en-US">
+                    <a:noFill/>
+                  </a:rPr>
+                  <a:t> </a:t>
+                </a:r>
+              </a:p>
+            </p:txBody>
+          </p:sp>
+        </mc:Fallback>
+      </mc:AlternateContent>
+      <mc:AlternateContent xmlns:mc="http://schemas.openxmlformats.org/markup-compatibility/2006" xmlns:a14="http://schemas.microsoft.com/office/drawing/2010/main">
+        <mc:Choice Requires="a14">
+          <p:sp>
+            <p:nvSpPr>
+              <p:cNvPr id="26" name="TextBox 25">
+                <a:extLst>
+                  <a:ext uri="{FF2B5EF4-FFF2-40B4-BE49-F238E27FC236}">
+                    <a16:creationId xmlns:a16="http://schemas.microsoft.com/office/drawing/2014/main" id="{C2287558-1934-453E-E182-E52B8B5A2A3B}"/>
+                  </a:ext>
+                </a:extLst>
+              </p:cNvPr>
+              <p:cNvSpPr txBox="1"/>
+              <p:nvPr/>
+            </p:nvSpPr>
+            <p:spPr>
+              <a:xfrm>
+                <a:off x="3631525" y="1426042"/>
+                <a:ext cx="384048" cy="369332"/>
+              </a:xfrm>
+              <a:prstGeom prst="rect">
+                <a:avLst/>
+              </a:prstGeom>
+              <a:noFill/>
+            </p:spPr>
+            <p:txBody>
+              <a:bodyPr wrap="square">
+                <a:spAutoFit/>
+              </a:bodyPr>
+              <a:lstStyle/>
+              <a:p>
+                <a:pPr/>
+                <a14:m>
+                  <m:oMathPara xmlns:m="http://schemas.openxmlformats.org/officeDocument/2006/math">
+                    <m:oMathParaPr>
+                      <m:jc m:val="centerGroup"/>
+                    </m:oMathParaPr>
+                    <m:oMath xmlns:m="http://schemas.openxmlformats.org/officeDocument/2006/math">
+                      <m:sSub>
+                        <m:sSubPr>
+                          <m:ctrlPr>
+                            <a:rPr lang="es-CL" sz="1800" b="0" i="1" smtClean="0">
+                              <a:solidFill>
+                                <a:schemeClr val="tx1"/>
+                              </a:solidFill>
+                              <a:latin typeface="Cambria Math" panose="02040503050406030204" pitchFamily="18" charset="0"/>
+                            </a:rPr>
+                          </m:ctrlPr>
+                        </m:sSubPr>
+                        <m:e>
+                          <m:r>
+                            <a:rPr lang="es-CL" sz="1800" b="0" i="1" smtClean="0">
+                              <a:solidFill>
+                                <a:schemeClr val="tx1"/>
+                              </a:solidFill>
+                              <a:latin typeface="Cambria Math" panose="02040503050406030204" pitchFamily="18" charset="0"/>
+                            </a:rPr>
+                            <m:t>𝑃</m:t>
+                          </m:r>
+                        </m:e>
+                        <m:sub>
+                          <m:r>
+                            <a:rPr lang="es-CL" sz="1800" b="0" i="1" smtClean="0">
+                              <a:solidFill>
+                                <a:schemeClr val="tx1"/>
+                              </a:solidFill>
+                              <a:latin typeface="Cambria Math" panose="02040503050406030204" pitchFamily="18" charset="0"/>
+                            </a:rPr>
+                            <m:t>1</m:t>
+                          </m:r>
+                        </m:sub>
+                      </m:sSub>
+                    </m:oMath>
+                  </m:oMathPara>
+                </a14:m>
+                <a:endParaRPr lang="en-US" dirty="0"/>
+              </a:p>
+            </p:txBody>
+          </p:sp>
+        </mc:Choice>
+        <mc:Fallback xmlns="">
+          <p:sp>
+            <p:nvSpPr>
+              <p:cNvPr id="26" name="TextBox 25">
+                <a:extLst>
+                  <a:ext uri="{FF2B5EF4-FFF2-40B4-BE49-F238E27FC236}">
+                    <a16:creationId xmlns:a16="http://schemas.microsoft.com/office/drawing/2014/main" id="{C2287558-1934-453E-E182-E52B8B5A2A3B}"/>
+                  </a:ext>
+                </a:extLst>
+              </p:cNvPr>
+              <p:cNvSpPr txBox="1">
+                <a:spLocks noRot="1" noChangeAspect="1" noMove="1" noResize="1" noEditPoints="1" noAdjustHandles="1" noChangeArrowheads="1" noChangeShapeType="1" noTextEdit="1"/>
+              </p:cNvSpPr>
+              <p:nvPr/>
+            </p:nvSpPr>
+            <p:spPr>
+              <a:xfrm>
+                <a:off x="3631525" y="1426042"/>
+                <a:ext cx="384048" cy="369332"/>
+              </a:xfrm>
+              <a:prstGeom prst="rect">
+                <a:avLst/>
+              </a:prstGeom>
+              <a:blipFill>
+                <a:blip r:embed="rId5"/>
+                <a:stretch>
+                  <a:fillRect/>
+                </a:stretch>
+              </a:blipFill>
+            </p:spPr>
+            <p:txBody>
+              <a:bodyPr/>
+              <a:lstStyle/>
+              <a:p>
+                <a:r>
+                  <a:rPr lang="en-US">
+                    <a:noFill/>
+                  </a:rPr>
+                  <a:t> </a:t>
+                </a:r>
+              </a:p>
+            </p:txBody>
+          </p:sp>
+        </mc:Fallback>
+      </mc:AlternateContent>
+      <mc:AlternateContent xmlns:mc="http://schemas.openxmlformats.org/markup-compatibility/2006" xmlns:a14="http://schemas.microsoft.com/office/drawing/2010/main">
+        <mc:Choice Requires="a14">
+          <p:sp>
+            <p:nvSpPr>
+              <p:cNvPr id="28" name="TextBox 27">
+                <a:extLst>
+                  <a:ext uri="{FF2B5EF4-FFF2-40B4-BE49-F238E27FC236}">
+                    <a16:creationId xmlns:a16="http://schemas.microsoft.com/office/drawing/2014/main" id="{CB769649-B3E9-0F73-CACB-9C38D7D28A09}"/>
+                  </a:ext>
+                </a:extLst>
+              </p:cNvPr>
+              <p:cNvSpPr txBox="1"/>
+              <p:nvPr/>
+            </p:nvSpPr>
+            <p:spPr>
+              <a:xfrm>
+                <a:off x="6952840" y="1421152"/>
+                <a:ext cx="384048" cy="369332"/>
+              </a:xfrm>
+              <a:prstGeom prst="rect">
+                <a:avLst/>
+              </a:prstGeom>
+              <a:noFill/>
+            </p:spPr>
+            <p:txBody>
+              <a:bodyPr wrap="square">
+                <a:spAutoFit/>
+              </a:bodyPr>
+              <a:lstStyle/>
+              <a:p>
+                <a:pPr/>
+                <a14:m>
+                  <m:oMathPara xmlns:m="http://schemas.openxmlformats.org/officeDocument/2006/math">
+                    <m:oMathParaPr>
+                      <m:jc m:val="centerGroup"/>
+                    </m:oMathParaPr>
+                    <m:oMath xmlns:m="http://schemas.openxmlformats.org/officeDocument/2006/math">
+                      <m:sSub>
+                        <m:sSubPr>
+                          <m:ctrlPr>
+                            <a:rPr lang="es-CL" sz="1800" b="0" i="1" smtClean="0">
+                              <a:solidFill>
+                                <a:schemeClr val="tx1"/>
+                              </a:solidFill>
+                              <a:latin typeface="Cambria Math" panose="02040503050406030204" pitchFamily="18" charset="0"/>
+                            </a:rPr>
+                          </m:ctrlPr>
+                        </m:sSubPr>
+                        <m:e>
+                          <m:r>
+                            <a:rPr lang="es-CL" sz="1800" b="0" i="1" smtClean="0">
+                              <a:solidFill>
+                                <a:schemeClr val="tx1"/>
+                              </a:solidFill>
+                              <a:latin typeface="Cambria Math" panose="02040503050406030204" pitchFamily="18" charset="0"/>
+                            </a:rPr>
+                            <m:t>𝑃</m:t>
+                          </m:r>
+                        </m:e>
+                        <m:sub>
+                          <m:r>
+                            <a:rPr lang="es-CL" sz="1800" b="0" i="1" smtClean="0">
+                              <a:solidFill>
+                                <a:schemeClr val="tx1"/>
+                              </a:solidFill>
+                              <a:latin typeface="Cambria Math" panose="02040503050406030204" pitchFamily="18" charset="0"/>
+                            </a:rPr>
+                            <m:t>2</m:t>
+                          </m:r>
+                        </m:sub>
+                      </m:sSub>
+                    </m:oMath>
+                  </m:oMathPara>
+                </a14:m>
+                <a:endParaRPr lang="en-US" dirty="0"/>
+              </a:p>
+            </p:txBody>
+          </p:sp>
+        </mc:Choice>
+        <mc:Fallback xmlns="">
+          <p:sp>
+            <p:nvSpPr>
+              <p:cNvPr id="28" name="TextBox 27">
+                <a:extLst>
+                  <a:ext uri="{FF2B5EF4-FFF2-40B4-BE49-F238E27FC236}">
+                    <a16:creationId xmlns:a16="http://schemas.microsoft.com/office/drawing/2014/main" id="{CB769649-B3E9-0F73-CACB-9C38D7D28A09}"/>
+                  </a:ext>
+                </a:extLst>
+              </p:cNvPr>
+              <p:cNvSpPr txBox="1">
+                <a:spLocks noRot="1" noChangeAspect="1" noMove="1" noResize="1" noEditPoints="1" noAdjustHandles="1" noChangeArrowheads="1" noChangeShapeType="1" noTextEdit="1"/>
+              </p:cNvSpPr>
+              <p:nvPr/>
+            </p:nvSpPr>
+            <p:spPr>
+              <a:xfrm>
+                <a:off x="6952840" y="1421152"/>
+                <a:ext cx="384048" cy="369332"/>
+              </a:xfrm>
+              <a:prstGeom prst="rect">
+                <a:avLst/>
+              </a:prstGeom>
+              <a:blipFill>
+                <a:blip r:embed="rId6"/>
+                <a:stretch>
+                  <a:fillRect/>
+                </a:stretch>
+              </a:blipFill>
+            </p:spPr>
+            <p:txBody>
+              <a:bodyPr/>
+              <a:lstStyle/>
+              <a:p>
+                <a:r>
+                  <a:rPr lang="en-US">
+                    <a:noFill/>
+                  </a:rPr>
+                  <a:t> </a:t>
+                </a:r>
+              </a:p>
+            </p:txBody>
+          </p:sp>
+        </mc:Fallback>
+      </mc:AlternateContent>
+      <p:sp>
+        <p:nvSpPr>
+          <p:cNvPr id="30" name="Rectangle 29">
+            <a:extLst>
+              <a:ext uri="{FF2B5EF4-FFF2-40B4-BE49-F238E27FC236}">
+                <a16:creationId xmlns:a16="http://schemas.microsoft.com/office/drawing/2014/main" id="{9D902A81-8D33-6BFD-51DA-BADE862F028A}"/>
+              </a:ext>
+            </a:extLst>
+          </p:cNvPr>
+          <p:cNvSpPr/>
+          <p:nvPr/>
+        </p:nvSpPr>
+        <p:spPr>
+          <a:xfrm>
+            <a:off x="3630603" y="2120271"/>
+            <a:ext cx="152107" cy="1095022"/>
+          </a:xfrm>
+          <a:prstGeom prst="rect">
+            <a:avLst/>
+          </a:prstGeom>
+          <a:solidFill>
+            <a:schemeClr val="bg1"/>
+          </a:solidFill>
+          <a:ln>
+            <a:noFill/>
+          </a:ln>
+        </p:spPr>
+        <p:style>
+          <a:lnRef idx="2">
+            <a:schemeClr val="accent1">
+              <a:shade val="50000"/>
+            </a:schemeClr>
+          </a:lnRef>
+          <a:fillRef idx="1">
+            <a:schemeClr val="accent1"/>
+          </a:fillRef>
+          <a:effectRef idx="0">
+            <a:schemeClr val="accent1"/>
+          </a:effectRef>
+          <a:fontRef idx="minor">
+            <a:schemeClr val="lt1"/>
+          </a:fontRef>
+        </p:style>
+        <p:txBody>
+          <a:bodyPr rtlCol="0" anchor="ctr"/>
+          <a:lstStyle/>
+          <a:p>
+            <a:pPr algn="ctr"/>
+            <a:endParaRPr lang="en-US" dirty="0"/>
+          </a:p>
+        </p:txBody>
+      </p:sp>
+      <p:cxnSp>
+        <p:nvCxnSpPr>
+          <p:cNvPr id="6" name="Straight Arrow Connector 5">
+            <a:extLst>
+              <a:ext uri="{FF2B5EF4-FFF2-40B4-BE49-F238E27FC236}">
+                <a16:creationId xmlns:a16="http://schemas.microsoft.com/office/drawing/2014/main" id="{99E3488E-E3D8-00E3-7151-1046A97DFE20}"/>
+              </a:ext>
+            </a:extLst>
+          </p:cNvPr>
+          <p:cNvCxnSpPr>
+            <a:cxnSpLocks/>
+          </p:cNvCxnSpPr>
+          <p:nvPr/>
+        </p:nvCxnSpPr>
+        <p:spPr>
+          <a:xfrm flipH="1">
+            <a:off x="3405890" y="2678511"/>
+            <a:ext cx="649682" cy="0"/>
+          </a:xfrm>
+          <a:prstGeom prst="straightConnector1">
+            <a:avLst/>
+          </a:prstGeom>
+          <a:ln w="31750">
+            <a:headEnd type="triangle"/>
+            <a:tailEnd type="none"/>
+          </a:ln>
+        </p:spPr>
+        <p:style>
+          <a:lnRef idx="1">
+            <a:schemeClr val="accent1"/>
+          </a:lnRef>
+          <a:fillRef idx="0">
+            <a:schemeClr val="accent1"/>
+          </a:fillRef>
+          <a:effectRef idx="0">
+            <a:schemeClr val="accent1"/>
+          </a:effectRef>
+          <a:fontRef idx="minor">
+            <a:schemeClr val="tx1"/>
+          </a:fontRef>
+        </p:style>
+      </p:cxnSp>
+      <mc:AlternateContent xmlns:mc="http://schemas.openxmlformats.org/markup-compatibility/2006" xmlns:a14="http://schemas.microsoft.com/office/drawing/2010/main">
+        <mc:Choice Requires="a14">
+          <p:sp>
+            <p:nvSpPr>
+              <p:cNvPr id="17" name="TextBox 16">
+                <a:extLst>
+                  <a:ext uri="{FF2B5EF4-FFF2-40B4-BE49-F238E27FC236}">
+                    <a16:creationId xmlns:a16="http://schemas.microsoft.com/office/drawing/2014/main" id="{F55E9B2A-9C0D-39FC-604B-CCBCD8EBCB20}"/>
+                  </a:ext>
+                </a:extLst>
+              </p:cNvPr>
+              <p:cNvSpPr txBox="1"/>
+              <p:nvPr/>
+            </p:nvSpPr>
+            <p:spPr>
+              <a:xfrm>
+                <a:off x="3350780" y="2296833"/>
+                <a:ext cx="449406" cy="400110"/>
+              </a:xfrm>
+              <a:prstGeom prst="rect">
+                <a:avLst/>
+              </a:prstGeom>
+              <a:noFill/>
+            </p:spPr>
+            <p:txBody>
+              <a:bodyPr wrap="square">
+                <a:spAutoFit/>
+              </a:bodyPr>
+              <a:lstStyle/>
+              <a:p>
+                <a:pPr/>
+                <a14:m>
+                  <m:oMathPara xmlns:m="http://schemas.openxmlformats.org/officeDocument/2006/math">
+                    <m:oMathParaPr>
+                      <m:jc m:val="centerGroup"/>
+                    </m:oMathParaPr>
+                    <m:oMath xmlns:m="http://schemas.openxmlformats.org/officeDocument/2006/math">
+                      <m:r>
+                        <a:rPr lang="es-CL" sz="2000" b="0" i="1" smtClean="0">
+                          <a:solidFill>
+                            <a:srgbClr val="0070C0"/>
+                          </a:solidFill>
+                          <a:latin typeface="Cambria Math" panose="02040503050406030204" pitchFamily="18" charset="0"/>
+                        </a:rPr>
+                        <m:t>𝑉</m:t>
+                      </m:r>
+                    </m:oMath>
+                  </m:oMathPara>
+                </a14:m>
+                <a:endParaRPr lang="en-US" sz="2000" dirty="0">
+                  <a:solidFill>
+                    <a:srgbClr val="FF0000"/>
+                  </a:solidFill>
+                </a:endParaRPr>
+              </a:p>
+            </p:txBody>
+          </p:sp>
+        </mc:Choice>
+        <mc:Fallback xmlns="">
+          <p:sp>
+            <p:nvSpPr>
+              <p:cNvPr id="17" name="TextBox 16">
+                <a:extLst>
+                  <a:ext uri="{FF2B5EF4-FFF2-40B4-BE49-F238E27FC236}">
+                    <a16:creationId xmlns:a16="http://schemas.microsoft.com/office/drawing/2014/main" id="{F55E9B2A-9C0D-39FC-604B-CCBCD8EBCB20}"/>
+                  </a:ext>
+                </a:extLst>
+              </p:cNvPr>
+              <p:cNvSpPr txBox="1">
+                <a:spLocks noRot="1" noChangeAspect="1" noMove="1" noResize="1" noEditPoints="1" noAdjustHandles="1" noChangeArrowheads="1" noChangeShapeType="1" noTextEdit="1"/>
+              </p:cNvSpPr>
+              <p:nvPr/>
+            </p:nvSpPr>
+            <p:spPr>
+              <a:xfrm>
+                <a:off x="3350780" y="2296833"/>
+                <a:ext cx="449406" cy="400110"/>
+              </a:xfrm>
+              <a:prstGeom prst="rect">
+                <a:avLst/>
+              </a:prstGeom>
+              <a:blipFill>
+                <a:blip r:embed="rId7"/>
+                <a:stretch>
+                  <a:fillRect/>
+                </a:stretch>
+              </a:blipFill>
+            </p:spPr>
+            <p:txBody>
+              <a:bodyPr/>
+              <a:lstStyle/>
+              <a:p>
+                <a:r>
+                  <a:rPr lang="en-US">
+                    <a:noFill/>
+                  </a:rPr>
+                  <a:t> </a:t>
+                </a:r>
+              </a:p>
+            </p:txBody>
+          </p:sp>
+        </mc:Fallback>
+      </mc:AlternateContent>
+      <p:sp>
+        <p:nvSpPr>
+          <p:cNvPr id="32" name="Rectangle 31">
+            <a:extLst>
+              <a:ext uri="{FF2B5EF4-FFF2-40B4-BE49-F238E27FC236}">
+                <a16:creationId xmlns:a16="http://schemas.microsoft.com/office/drawing/2014/main" id="{5EF847CF-B164-25FE-7C35-12631CAB3FE9}"/>
+              </a:ext>
+            </a:extLst>
+          </p:cNvPr>
+          <p:cNvSpPr/>
+          <p:nvPr/>
+        </p:nvSpPr>
+        <p:spPr>
+          <a:xfrm>
+            <a:off x="7166237" y="2115393"/>
+            <a:ext cx="152107" cy="1095022"/>
+          </a:xfrm>
+          <a:prstGeom prst="rect">
+            <a:avLst/>
+          </a:prstGeom>
+          <a:solidFill>
+            <a:schemeClr val="bg1"/>
+          </a:solidFill>
+          <a:ln>
+            <a:noFill/>
+          </a:ln>
+        </p:spPr>
+        <p:style>
+          <a:lnRef idx="2">
+            <a:schemeClr val="accent1">
+              <a:shade val="50000"/>
+            </a:schemeClr>
+          </a:lnRef>
+          <a:fillRef idx="1">
+            <a:schemeClr val="accent1"/>
+          </a:fillRef>
+          <a:effectRef idx="0">
+            <a:schemeClr val="accent1"/>
+          </a:effectRef>
+          <a:fontRef idx="minor">
+            <a:schemeClr val="lt1"/>
+          </a:fontRef>
+        </p:style>
+        <p:txBody>
+          <a:bodyPr rtlCol="0" anchor="ctr"/>
+          <a:lstStyle/>
+          <a:p>
+            <a:pPr algn="ctr"/>
+            <a:endParaRPr lang="en-US" dirty="0"/>
+          </a:p>
+        </p:txBody>
+      </p:sp>
+      <p:cxnSp>
+        <p:nvCxnSpPr>
+          <p:cNvPr id="7" name="Straight Arrow Connector 6">
+            <a:extLst>
+              <a:ext uri="{FF2B5EF4-FFF2-40B4-BE49-F238E27FC236}">
+                <a16:creationId xmlns:a16="http://schemas.microsoft.com/office/drawing/2014/main" id="{1D154C1E-6C98-5B4C-879A-AFFE21A72E4A}"/>
+              </a:ext>
+            </a:extLst>
+          </p:cNvPr>
+          <p:cNvCxnSpPr>
+            <a:cxnSpLocks/>
+          </p:cNvCxnSpPr>
+          <p:nvPr/>
+        </p:nvCxnSpPr>
+        <p:spPr>
+          <a:xfrm flipH="1">
+            <a:off x="6842470" y="2683452"/>
+            <a:ext cx="649682" cy="0"/>
+          </a:xfrm>
+          <a:prstGeom prst="straightConnector1">
+            <a:avLst/>
+          </a:prstGeom>
+          <a:ln w="31750">
+            <a:headEnd type="triangle"/>
+            <a:tailEnd type="none"/>
+          </a:ln>
+        </p:spPr>
+        <p:style>
+          <a:lnRef idx="1">
+            <a:schemeClr val="accent1"/>
+          </a:lnRef>
+          <a:fillRef idx="0">
+            <a:schemeClr val="accent1"/>
+          </a:fillRef>
+          <a:effectRef idx="0">
+            <a:schemeClr val="accent1"/>
+          </a:effectRef>
+          <a:fontRef idx="minor">
+            <a:schemeClr val="tx1"/>
+          </a:fontRef>
+        </p:style>
+      </p:cxnSp>
+      <p:sp>
+        <p:nvSpPr>
+          <p:cNvPr id="33" name="Oval 32">
+            <a:extLst>
+              <a:ext uri="{FF2B5EF4-FFF2-40B4-BE49-F238E27FC236}">
+                <a16:creationId xmlns:a16="http://schemas.microsoft.com/office/drawing/2014/main" id="{735AEC01-798C-AB97-DDBD-76FBAE17EA47}"/>
+              </a:ext>
+            </a:extLst>
+          </p:cNvPr>
+          <p:cNvSpPr>
+            <a:spLocks noChangeAspect="1"/>
+          </p:cNvSpPr>
+          <p:nvPr/>
+        </p:nvSpPr>
+        <p:spPr>
+          <a:xfrm>
+            <a:off x="3683051" y="1792366"/>
+            <a:ext cx="243440" cy="243440"/>
+          </a:xfrm>
+          <a:prstGeom prst="ellipse">
+            <a:avLst/>
+          </a:prstGeom>
+          <a:solidFill>
+            <a:schemeClr val="bg1"/>
+          </a:solidFill>
+          <a:ln w="34925">
+            <a:solidFill>
+              <a:schemeClr val="tx1"/>
+            </a:solidFill>
+          </a:ln>
+        </p:spPr>
+        <p:style>
+          <a:lnRef idx="2">
+            <a:schemeClr val="accent1">
+              <a:shade val="50000"/>
+            </a:schemeClr>
+          </a:lnRef>
+          <a:fillRef idx="1">
+            <a:schemeClr val="accent1"/>
+          </a:fillRef>
+          <a:effectRef idx="0">
+            <a:schemeClr val="accent1"/>
+          </a:effectRef>
+          <a:fontRef idx="minor">
+            <a:schemeClr val="lt1"/>
+          </a:fontRef>
+        </p:style>
+        <p:txBody>
+          <a:bodyPr rtlCol="0" anchor="ctr"/>
+          <a:lstStyle/>
+          <a:p>
+            <a:pPr algn="ctr"/>
+            <a:endParaRPr lang="en-US"/>
+          </a:p>
+        </p:txBody>
+      </p:sp>
+      <p:cxnSp>
+        <p:nvCxnSpPr>
+          <p:cNvPr id="35" name="Straight Connector 34">
+            <a:extLst>
+              <a:ext uri="{FF2B5EF4-FFF2-40B4-BE49-F238E27FC236}">
+                <a16:creationId xmlns:a16="http://schemas.microsoft.com/office/drawing/2014/main" id="{04493BA4-354B-06FD-49C2-F82A5A13C003}"/>
+              </a:ext>
+            </a:extLst>
+          </p:cNvPr>
+          <p:cNvCxnSpPr>
+            <a:cxnSpLocks/>
+            <a:stCxn id="33" idx="4"/>
+          </p:cNvCxnSpPr>
+          <p:nvPr/>
+        </p:nvCxnSpPr>
+        <p:spPr>
+          <a:xfrm>
+            <a:off x="3804771" y="2035806"/>
+            <a:ext cx="772" cy="99271"/>
+          </a:xfrm>
+          <a:prstGeom prst="line">
+            <a:avLst/>
+          </a:prstGeom>
+          <a:ln w="47625">
+            <a:solidFill>
+              <a:schemeClr val="tx1"/>
+            </a:solidFill>
+          </a:ln>
+        </p:spPr>
+        <p:style>
+          <a:lnRef idx="1">
+            <a:schemeClr val="accent1"/>
+          </a:lnRef>
+          <a:fillRef idx="0">
+            <a:schemeClr val="accent1"/>
+          </a:fillRef>
+          <a:effectRef idx="0">
+            <a:schemeClr val="accent1"/>
+          </a:effectRef>
+          <a:fontRef idx="minor">
+            <a:schemeClr val="tx1"/>
+          </a:fontRef>
+        </p:style>
+      </p:cxnSp>
+      <p:sp>
+        <p:nvSpPr>
+          <p:cNvPr id="39" name="Oval 38">
+            <a:extLst>
+              <a:ext uri="{FF2B5EF4-FFF2-40B4-BE49-F238E27FC236}">
+                <a16:creationId xmlns:a16="http://schemas.microsoft.com/office/drawing/2014/main" id="{47857785-CF25-B709-B613-B64F883960E6}"/>
+              </a:ext>
+            </a:extLst>
+          </p:cNvPr>
+          <p:cNvSpPr>
+            <a:spLocks noChangeAspect="1"/>
+          </p:cNvSpPr>
+          <p:nvPr/>
+        </p:nvSpPr>
+        <p:spPr>
+          <a:xfrm>
+            <a:off x="7022787" y="1786645"/>
+            <a:ext cx="243440" cy="243440"/>
+          </a:xfrm>
+          <a:prstGeom prst="ellipse">
+            <a:avLst/>
+          </a:prstGeom>
+          <a:solidFill>
+            <a:schemeClr val="bg1"/>
+          </a:solidFill>
+          <a:ln w="34925">
+            <a:solidFill>
+              <a:schemeClr val="tx1"/>
+            </a:solidFill>
+          </a:ln>
+        </p:spPr>
+        <p:style>
+          <a:lnRef idx="2">
+            <a:schemeClr val="accent1">
+              <a:shade val="50000"/>
+            </a:schemeClr>
+          </a:lnRef>
+          <a:fillRef idx="1">
+            <a:schemeClr val="accent1"/>
+          </a:fillRef>
+          <a:effectRef idx="0">
+            <a:schemeClr val="accent1"/>
+          </a:effectRef>
+          <a:fontRef idx="minor">
+            <a:schemeClr val="lt1"/>
+          </a:fontRef>
+        </p:style>
+        <p:txBody>
+          <a:bodyPr rtlCol="0" anchor="ctr"/>
+          <a:lstStyle/>
+          <a:p>
+            <a:pPr algn="ctr"/>
+            <a:endParaRPr lang="en-US"/>
+          </a:p>
+        </p:txBody>
+      </p:sp>
+      <p:cxnSp>
+        <p:nvCxnSpPr>
+          <p:cNvPr id="40" name="Straight Connector 39">
+            <a:extLst>
+              <a:ext uri="{FF2B5EF4-FFF2-40B4-BE49-F238E27FC236}">
+                <a16:creationId xmlns:a16="http://schemas.microsoft.com/office/drawing/2014/main" id="{5C8C0928-0A02-FDC2-EABC-6DC733C23305}"/>
+              </a:ext>
+            </a:extLst>
+          </p:cNvPr>
+          <p:cNvCxnSpPr>
+            <a:cxnSpLocks/>
+            <a:stCxn id="39" idx="4"/>
+          </p:cNvCxnSpPr>
+          <p:nvPr/>
+        </p:nvCxnSpPr>
+        <p:spPr>
+          <a:xfrm>
+            <a:off x="7144507" y="2030085"/>
+            <a:ext cx="772" cy="99271"/>
+          </a:xfrm>
+          <a:prstGeom prst="line">
+            <a:avLst/>
+          </a:prstGeom>
+          <a:ln w="47625">
+            <a:solidFill>
+              <a:schemeClr val="tx1"/>
+            </a:solidFill>
+          </a:ln>
+        </p:spPr>
+        <p:style>
+          <a:lnRef idx="1">
+            <a:schemeClr val="accent1"/>
+          </a:lnRef>
+          <a:fillRef idx="0">
+            <a:schemeClr val="accent1"/>
+          </a:fillRef>
+          <a:effectRef idx="0">
+            <a:schemeClr val="accent1"/>
+          </a:effectRef>
+          <a:fontRef idx="minor">
+            <a:schemeClr val="tx1"/>
+          </a:fontRef>
+        </p:style>
+      </p:cxnSp>
+      <p:cxnSp>
+        <p:nvCxnSpPr>
+          <p:cNvPr id="41" name="Straight Arrow Connector 40">
+            <a:extLst>
+              <a:ext uri="{FF2B5EF4-FFF2-40B4-BE49-F238E27FC236}">
+                <a16:creationId xmlns:a16="http://schemas.microsoft.com/office/drawing/2014/main" id="{642B9E1C-F505-7F2E-2F45-962CF731AA2B}"/>
+              </a:ext>
+            </a:extLst>
+          </p:cNvPr>
+          <p:cNvCxnSpPr>
+            <a:cxnSpLocks/>
+            <a:endCxn id="39" idx="5"/>
+          </p:cNvCxnSpPr>
+          <p:nvPr/>
+        </p:nvCxnSpPr>
+        <p:spPr>
+          <a:xfrm>
+            <a:off x="6971641" y="1735499"/>
+            <a:ext cx="258935" cy="258935"/>
+          </a:xfrm>
+          <a:prstGeom prst="straightConnector1">
+            <a:avLst/>
+          </a:prstGeom>
+          <a:ln>
+            <a:solidFill>
+              <a:schemeClr val="tx1"/>
+            </a:solidFill>
+            <a:headEnd type="triangle"/>
+            <a:tailEnd type="none" w="med" len="med"/>
+          </a:ln>
+        </p:spPr>
+        <p:style>
+          <a:lnRef idx="1">
+            <a:schemeClr val="accent1"/>
+          </a:lnRef>
+          <a:fillRef idx="0">
+            <a:schemeClr val="accent1"/>
+          </a:fillRef>
+          <a:effectRef idx="0">
+            <a:schemeClr val="accent1"/>
+          </a:effectRef>
+          <a:fontRef idx="minor">
+            <a:schemeClr val="tx1"/>
+          </a:fontRef>
+        </p:style>
+      </p:cxnSp>
+      <p:cxnSp>
+        <p:nvCxnSpPr>
+          <p:cNvPr id="45" name="Straight Arrow Connector 44">
+            <a:extLst>
+              <a:ext uri="{FF2B5EF4-FFF2-40B4-BE49-F238E27FC236}">
+                <a16:creationId xmlns:a16="http://schemas.microsoft.com/office/drawing/2014/main" id="{5AAB1704-F60E-EE05-F724-B10A5AC53DD6}"/>
+              </a:ext>
+            </a:extLst>
+          </p:cNvPr>
+          <p:cNvCxnSpPr>
+            <a:cxnSpLocks/>
+            <a:endCxn id="33" idx="3"/>
+          </p:cNvCxnSpPr>
+          <p:nvPr/>
+        </p:nvCxnSpPr>
+        <p:spPr>
+          <a:xfrm flipH="1">
+            <a:off x="3718702" y="1744323"/>
+            <a:ext cx="255832" cy="255832"/>
+          </a:xfrm>
+          <a:prstGeom prst="straightConnector1">
+            <a:avLst/>
+          </a:prstGeom>
+          <a:ln>
+            <a:solidFill>
+              <a:schemeClr val="tx1"/>
+            </a:solidFill>
+            <a:headEnd type="triangle"/>
+            <a:tailEnd type="none" w="med" len="med"/>
+          </a:ln>
+        </p:spPr>
+        <p:style>
+          <a:lnRef idx="1">
+            <a:schemeClr val="accent1"/>
+          </a:lnRef>
+          <a:fillRef idx="0">
+            <a:schemeClr val="accent1"/>
+          </a:fillRef>
+          <a:effectRef idx="0">
+            <a:schemeClr val="accent1"/>
+          </a:effectRef>
+          <a:fontRef idx="minor">
+            <a:schemeClr val="tx1"/>
+          </a:fontRef>
+        </p:style>
+      </p:cxnSp>
+    </p:spTree>
+    <p:extLst>
+      <p:ext uri="{BB962C8B-B14F-4D97-AF65-F5344CB8AC3E}">
+        <p14:creationId xmlns:p14="http://schemas.microsoft.com/office/powerpoint/2010/main" val="622894183"/>
+      </p:ext>
+    </p:extLst>
+  </p:cSld>
+  <p:clrMapOvr>
+    <a:masterClrMapping/>
+  </p:clrMapOvr>
+</p:sld>
+</file>
+
+<file path=ppt/slides/slide15.xml><?xml version="1.0" encoding="utf-8"?>
+<p:sld xmlns:a="http://schemas.openxmlformats.org/drawingml/2006/main" xmlns:r="http://schemas.openxmlformats.org/officeDocument/2006/relationships" xmlns:p="http://schemas.openxmlformats.org/presentationml/2006/main">
+  <p:cSld>
+    <p:spTree>
+      <p:nvGrpSpPr>
+        <p:cNvPr id="1" name=""/>
+        <p:cNvGrpSpPr/>
+        <p:nvPr/>
+      </p:nvGrpSpPr>
+      <p:grpSpPr>
+        <a:xfrm>
+          <a:off x="0" y="0"/>
+          <a:ext cx="0" cy="0"/>
+          <a:chOff x="0" y="0"/>
+          <a:chExt cx="0" cy="0"/>
+        </a:xfrm>
+      </p:grpSpPr>
+      <p:cxnSp>
+        <p:nvCxnSpPr>
+          <p:cNvPr id="82" name="Straight Connector 81">
+            <a:extLst>
+              <a:ext uri="{FF2B5EF4-FFF2-40B4-BE49-F238E27FC236}">
+                <a16:creationId xmlns:a16="http://schemas.microsoft.com/office/drawing/2014/main" id="{5CA8EAB7-E37D-18D2-32F1-2259102B079E}"/>
+              </a:ext>
+            </a:extLst>
+          </p:cNvPr>
+          <p:cNvCxnSpPr>
+            <a:cxnSpLocks/>
+          </p:cNvCxnSpPr>
+          <p:nvPr/>
+        </p:nvCxnSpPr>
+        <p:spPr>
+          <a:xfrm>
+            <a:off x="3923976" y="4480125"/>
+            <a:ext cx="834968" cy="0"/>
+          </a:xfrm>
+          <a:prstGeom prst="line">
+            <a:avLst/>
+          </a:prstGeom>
+          <a:ln w="15875">
+            <a:solidFill>
+              <a:schemeClr val="tx1"/>
+            </a:solidFill>
+            <a:prstDash val="lgDash"/>
+          </a:ln>
+        </p:spPr>
+        <p:style>
+          <a:lnRef idx="1">
+            <a:schemeClr val="accent1"/>
+          </a:lnRef>
+          <a:fillRef idx="0">
+            <a:schemeClr val="accent1"/>
+          </a:fillRef>
+          <a:effectRef idx="0">
+            <a:schemeClr val="accent1"/>
+          </a:effectRef>
+          <a:fontRef idx="minor">
+            <a:schemeClr val="tx1"/>
+          </a:fontRef>
+        </p:style>
+      </p:cxnSp>
+      <p:cxnSp>
+        <p:nvCxnSpPr>
+          <p:cNvPr id="78" name="Straight Connector 77">
+            <a:extLst>
+              <a:ext uri="{FF2B5EF4-FFF2-40B4-BE49-F238E27FC236}">
+                <a16:creationId xmlns:a16="http://schemas.microsoft.com/office/drawing/2014/main" id="{22BE9A39-8BFA-D17D-BF56-EC366398C677}"/>
+              </a:ext>
+            </a:extLst>
+          </p:cNvPr>
+          <p:cNvCxnSpPr>
+            <a:cxnSpLocks/>
+          </p:cNvCxnSpPr>
+          <p:nvPr/>
+        </p:nvCxnSpPr>
+        <p:spPr>
+          <a:xfrm>
+            <a:off x="3980872" y="2980509"/>
+            <a:ext cx="2554040" cy="8730"/>
+          </a:xfrm>
+          <a:prstGeom prst="line">
+            <a:avLst/>
+          </a:prstGeom>
+          <a:ln w="15875">
+            <a:solidFill>
+              <a:schemeClr val="tx1"/>
+            </a:solidFill>
+            <a:prstDash val="lgDash"/>
+          </a:ln>
+        </p:spPr>
+        <p:style>
+          <a:lnRef idx="1">
+            <a:schemeClr val="accent1"/>
+          </a:lnRef>
+          <a:fillRef idx="0">
+            <a:schemeClr val="accent1"/>
+          </a:fillRef>
+          <a:effectRef idx="0">
+            <a:schemeClr val="accent1"/>
+          </a:effectRef>
+          <a:fontRef idx="minor">
+            <a:schemeClr val="tx1"/>
+          </a:fontRef>
+        </p:style>
+      </p:cxnSp>
+      <p:pic>
+        <p:nvPicPr>
+          <p:cNvPr id="72" name="Picture 71">
+            <a:extLst>
+              <a:ext uri="{FF2B5EF4-FFF2-40B4-BE49-F238E27FC236}">
+                <a16:creationId xmlns:a16="http://schemas.microsoft.com/office/drawing/2014/main" id="{20A04A45-713D-9EF0-D520-8E430F666487}"/>
+              </a:ext>
+            </a:extLst>
+          </p:cNvPr>
+          <p:cNvPicPr>
+            <a:picLocks noChangeAspect="1"/>
+          </p:cNvPicPr>
+          <p:nvPr/>
+        </p:nvPicPr>
+        <p:blipFill rotWithShape="1">
+          <a:blip r:embed="rId2">
+            <a:clrChange>
+              <a:clrFrom>
+                <a:srgbClr val="FFFFFF"/>
+              </a:clrFrom>
+              <a:clrTo>
+                <a:srgbClr val="FFFFFF">
+                  <a:alpha val="0"/>
+                </a:srgbClr>
+              </a:clrTo>
+            </a:clrChange>
+          </a:blip>
+          <a:srcRect t="7558" r="3464"/>
+          <a:stretch/>
+        </p:blipFill>
+        <p:spPr>
+          <a:xfrm>
+            <a:off x="3192814" y="1452880"/>
+            <a:ext cx="4102066" cy="3685786"/>
+          </a:xfrm>
+          <a:prstGeom prst="rect">
+            <a:avLst/>
+          </a:prstGeom>
+        </p:spPr>
+      </p:pic>
+      <mc:AlternateContent xmlns:mc="http://schemas.openxmlformats.org/markup-compatibility/2006" xmlns:a14="http://schemas.microsoft.com/office/drawing/2010/main">
+        <mc:Choice Requires="a14">
+          <p:sp>
+            <p:nvSpPr>
+              <p:cNvPr id="76" name="TextBox 75">
+                <a:extLst>
+                  <a:ext uri="{FF2B5EF4-FFF2-40B4-BE49-F238E27FC236}">
+                    <a16:creationId xmlns:a16="http://schemas.microsoft.com/office/drawing/2014/main" id="{7D6F9242-890F-FD64-C48A-3A7CE4E6F109}"/>
+                  </a:ext>
+                </a:extLst>
+              </p:cNvPr>
+              <p:cNvSpPr txBox="1"/>
+              <p:nvPr/>
+            </p:nvSpPr>
+            <p:spPr>
+              <a:xfrm>
+                <a:off x="3184870" y="2724671"/>
+                <a:ext cx="580426" cy="461665"/>
+              </a:xfrm>
+              <a:prstGeom prst="rect">
+                <a:avLst/>
+              </a:prstGeom>
+              <a:noFill/>
+            </p:spPr>
+            <p:txBody>
+              <a:bodyPr wrap="square">
+                <a:spAutoFit/>
+              </a:bodyPr>
+              <a:lstStyle/>
+              <a:p>
+                <a:pPr/>
+                <a14:m>
+                  <m:oMathPara xmlns:m="http://schemas.openxmlformats.org/officeDocument/2006/math">
+                    <m:oMathParaPr>
+                      <m:jc m:val="centerGroup"/>
+                    </m:oMathParaPr>
+                    <m:oMath xmlns:m="http://schemas.openxmlformats.org/officeDocument/2006/math">
+                      <m:r>
+                        <a:rPr lang="en-US" sz="2400" b="0" i="1" smtClean="0">
+                          <a:solidFill>
+                            <a:schemeClr val="tx1"/>
+                          </a:solidFill>
+                          <a:latin typeface="Cambria Math" panose="02040503050406030204" pitchFamily="18" charset="0"/>
+                        </a:rPr>
+                        <m:t>𝑓</m:t>
+                      </m:r>
+                      <m:r>
+                        <a:rPr lang="en-US" sz="2400" b="0" i="1" smtClean="0">
+                          <a:solidFill>
+                            <a:schemeClr val="tx1"/>
+                          </a:solidFill>
+                          <a:latin typeface="Cambria Math" panose="02040503050406030204" pitchFamily="18" charset="0"/>
+                        </a:rPr>
+                        <m:t>(</m:t>
+                      </m:r>
+                      <m:r>
+                        <a:rPr lang="en-US" sz="2400" b="0" i="1" smtClean="0">
+                          <a:solidFill>
+                            <a:schemeClr val="tx1"/>
+                          </a:solidFill>
+                          <a:latin typeface="Cambria Math" panose="02040503050406030204" pitchFamily="18" charset="0"/>
+                        </a:rPr>
+                        <m:t>𝑏</m:t>
+                      </m:r>
+                      <m:r>
+                        <a:rPr lang="en-US" sz="2400" b="0" i="1" smtClean="0">
+                          <a:solidFill>
+                            <a:schemeClr val="tx1"/>
+                          </a:solidFill>
+                          <a:latin typeface="Cambria Math" panose="02040503050406030204" pitchFamily="18" charset="0"/>
+                        </a:rPr>
+                        <m:t>)</m:t>
+                      </m:r>
+                    </m:oMath>
+                  </m:oMathPara>
+                </a14:m>
+                <a:endParaRPr lang="en-US" sz="2400" dirty="0"/>
+              </a:p>
+            </p:txBody>
+          </p:sp>
+        </mc:Choice>
+        <mc:Fallback xmlns="">
+          <p:sp>
+            <p:nvSpPr>
+              <p:cNvPr id="76" name="TextBox 75">
+                <a:extLst>
+                  <a:ext uri="{FF2B5EF4-FFF2-40B4-BE49-F238E27FC236}">
+                    <a16:creationId xmlns:a16="http://schemas.microsoft.com/office/drawing/2014/main" id="{7D6F9242-890F-FD64-C48A-3A7CE4E6F109}"/>
+                  </a:ext>
+                </a:extLst>
+              </p:cNvPr>
+              <p:cNvSpPr txBox="1">
+                <a:spLocks noRot="1" noChangeAspect="1" noMove="1" noResize="1" noEditPoints="1" noAdjustHandles="1" noChangeArrowheads="1" noChangeShapeType="1" noTextEdit="1"/>
+              </p:cNvSpPr>
+              <p:nvPr/>
+            </p:nvSpPr>
+            <p:spPr>
+              <a:xfrm>
+                <a:off x="3184870" y="2724671"/>
+                <a:ext cx="580426" cy="461665"/>
+              </a:xfrm>
+              <a:prstGeom prst="rect">
+                <a:avLst/>
+              </a:prstGeom>
+              <a:blipFill>
+                <a:blip r:embed="rId3"/>
+                <a:stretch>
+                  <a:fillRect l="-8333" r="-43750" b="-17105"/>
+                </a:stretch>
+              </a:blipFill>
+            </p:spPr>
+            <p:txBody>
+              <a:bodyPr/>
+              <a:lstStyle/>
+              <a:p>
+                <a:r>
+                  <a:rPr lang="en-US">
+                    <a:noFill/>
+                  </a:rPr>
+                  <a:t> </a:t>
+                </a:r>
+              </a:p>
+            </p:txBody>
+          </p:sp>
+        </mc:Fallback>
+      </mc:AlternateContent>
+      <mc:AlternateContent xmlns:mc="http://schemas.openxmlformats.org/markup-compatibility/2006" xmlns:a14="http://schemas.microsoft.com/office/drawing/2010/main">
+        <mc:Choice Requires="a14">
+          <p:sp>
+            <p:nvSpPr>
+              <p:cNvPr id="85" name="TextBox 84">
+                <a:extLst>
+                  <a:ext uri="{FF2B5EF4-FFF2-40B4-BE49-F238E27FC236}">
+                    <a16:creationId xmlns:a16="http://schemas.microsoft.com/office/drawing/2014/main" id="{900F384F-8B0A-DD83-C34D-8C4685C79A15}"/>
+                  </a:ext>
+                </a:extLst>
+              </p:cNvPr>
+              <p:cNvSpPr txBox="1"/>
+              <p:nvPr/>
+            </p:nvSpPr>
+            <p:spPr>
+              <a:xfrm>
+                <a:off x="3184870" y="4259750"/>
+                <a:ext cx="580426" cy="461665"/>
+              </a:xfrm>
+              <a:prstGeom prst="rect">
+                <a:avLst/>
+              </a:prstGeom>
+              <a:noFill/>
+            </p:spPr>
+            <p:txBody>
+              <a:bodyPr wrap="square">
+                <a:spAutoFit/>
+              </a:bodyPr>
+              <a:lstStyle/>
+              <a:p>
+                <a:pPr/>
+                <a14:m>
+                  <m:oMathPara xmlns:m="http://schemas.openxmlformats.org/officeDocument/2006/math">
+                    <m:oMathParaPr>
+                      <m:jc m:val="centerGroup"/>
+                    </m:oMathParaPr>
+                    <m:oMath xmlns:m="http://schemas.openxmlformats.org/officeDocument/2006/math">
+                      <m:r>
+                        <a:rPr lang="en-US" sz="2400" b="0" i="1" smtClean="0">
+                          <a:solidFill>
+                            <a:schemeClr val="tx1"/>
+                          </a:solidFill>
+                          <a:latin typeface="Cambria Math" panose="02040503050406030204" pitchFamily="18" charset="0"/>
+                        </a:rPr>
+                        <m:t>𝑓</m:t>
+                      </m:r>
+                      <m:r>
+                        <a:rPr lang="en-US" sz="2400" b="0" i="1" smtClean="0">
+                          <a:solidFill>
+                            <a:schemeClr val="tx1"/>
+                          </a:solidFill>
+                          <a:latin typeface="Cambria Math" panose="02040503050406030204" pitchFamily="18" charset="0"/>
+                        </a:rPr>
+                        <m:t>(</m:t>
+                      </m:r>
+                      <m:r>
+                        <a:rPr lang="en-US" sz="2400" b="0" i="1" smtClean="0">
+                          <a:solidFill>
+                            <a:schemeClr val="tx1"/>
+                          </a:solidFill>
+                          <a:latin typeface="Cambria Math" panose="02040503050406030204" pitchFamily="18" charset="0"/>
+                        </a:rPr>
+                        <m:t>𝑎</m:t>
+                      </m:r>
+                      <m:r>
+                        <a:rPr lang="en-US" sz="2400" b="0" i="1" smtClean="0">
+                          <a:solidFill>
+                            <a:schemeClr val="tx1"/>
+                          </a:solidFill>
+                          <a:latin typeface="Cambria Math" panose="02040503050406030204" pitchFamily="18" charset="0"/>
+                        </a:rPr>
+                        <m:t>)</m:t>
+                      </m:r>
+                    </m:oMath>
+                  </m:oMathPara>
+                </a14:m>
+                <a:endParaRPr lang="en-US" sz="2400" dirty="0"/>
+              </a:p>
+            </p:txBody>
+          </p:sp>
+        </mc:Choice>
+        <mc:Fallback xmlns="">
+          <p:sp>
+            <p:nvSpPr>
+              <p:cNvPr id="85" name="TextBox 84">
+                <a:extLst>
+                  <a:ext uri="{FF2B5EF4-FFF2-40B4-BE49-F238E27FC236}">
+                    <a16:creationId xmlns:a16="http://schemas.microsoft.com/office/drawing/2014/main" id="{900F384F-8B0A-DD83-C34D-8C4685C79A15}"/>
+                  </a:ext>
+                </a:extLst>
+              </p:cNvPr>
+              <p:cNvSpPr txBox="1">
+                <a:spLocks noRot="1" noChangeAspect="1" noMove="1" noResize="1" noEditPoints="1" noAdjustHandles="1" noChangeArrowheads="1" noChangeShapeType="1" noTextEdit="1"/>
+              </p:cNvSpPr>
+              <p:nvPr/>
+            </p:nvSpPr>
+            <p:spPr>
+              <a:xfrm>
+                <a:off x="3184870" y="4259750"/>
+                <a:ext cx="580426" cy="461665"/>
+              </a:xfrm>
+              <a:prstGeom prst="rect">
+                <a:avLst/>
+              </a:prstGeom>
+              <a:blipFill>
+                <a:blip r:embed="rId4"/>
+                <a:stretch>
+                  <a:fillRect l="-8333" r="-44792" b="-17105"/>
+                </a:stretch>
+              </a:blipFill>
+            </p:spPr>
+            <p:txBody>
+              <a:bodyPr/>
+              <a:lstStyle/>
+              <a:p>
+                <a:r>
+                  <a:rPr lang="en-US">
+                    <a:noFill/>
+                  </a:rPr>
+                  <a:t> </a:t>
+                </a:r>
+              </a:p>
+            </p:txBody>
+          </p:sp>
+        </mc:Fallback>
+      </mc:AlternateContent>
+      <mc:AlternateContent xmlns:mc="http://schemas.openxmlformats.org/markup-compatibility/2006" xmlns:a14="http://schemas.microsoft.com/office/drawing/2010/main">
+        <mc:Choice Requires="a14">
+          <p:sp>
+            <p:nvSpPr>
+              <p:cNvPr id="87" name="TextBox 86">
+                <a:extLst>
+                  <a:ext uri="{FF2B5EF4-FFF2-40B4-BE49-F238E27FC236}">
+                    <a16:creationId xmlns:a16="http://schemas.microsoft.com/office/drawing/2014/main" id="{9C06D777-7EAF-60EF-1B20-8B81B896B1D0}"/>
+                  </a:ext>
+                </a:extLst>
+              </p:cNvPr>
+              <p:cNvSpPr txBox="1"/>
+              <p:nvPr/>
+            </p:nvSpPr>
+            <p:spPr>
+              <a:xfrm>
+                <a:off x="4468731" y="3613042"/>
+                <a:ext cx="580426" cy="461665"/>
+              </a:xfrm>
+              <a:prstGeom prst="rect">
+                <a:avLst/>
+              </a:prstGeom>
+              <a:noFill/>
+            </p:spPr>
+            <p:txBody>
+              <a:bodyPr wrap="square">
+                <a:spAutoFit/>
+              </a:bodyPr>
+              <a:lstStyle/>
+              <a:p>
+                <a:pPr/>
+                <a14:m>
+                  <m:oMathPara xmlns:m="http://schemas.openxmlformats.org/officeDocument/2006/math">
+                    <m:oMathParaPr>
+                      <m:jc m:val="centerGroup"/>
+                    </m:oMathParaPr>
+                    <m:oMath xmlns:m="http://schemas.openxmlformats.org/officeDocument/2006/math">
+                      <m:r>
+                        <a:rPr lang="en-US" sz="2400" b="0" i="1" smtClean="0">
+                          <a:solidFill>
+                            <a:schemeClr val="tx1"/>
+                          </a:solidFill>
+                          <a:latin typeface="Cambria Math" panose="02040503050406030204" pitchFamily="18" charset="0"/>
+                        </a:rPr>
+                        <m:t>𝑎</m:t>
+                      </m:r>
+                    </m:oMath>
+                  </m:oMathPara>
+                </a14:m>
+                <a:endParaRPr lang="en-US" sz="2400" dirty="0"/>
+              </a:p>
+            </p:txBody>
+          </p:sp>
+        </mc:Choice>
+        <mc:Fallback xmlns="">
+          <p:sp>
+            <p:nvSpPr>
+              <p:cNvPr id="87" name="TextBox 86">
+                <a:extLst>
+                  <a:ext uri="{FF2B5EF4-FFF2-40B4-BE49-F238E27FC236}">
+                    <a16:creationId xmlns:a16="http://schemas.microsoft.com/office/drawing/2014/main" id="{9C06D777-7EAF-60EF-1B20-8B81B896B1D0}"/>
+                  </a:ext>
+                </a:extLst>
+              </p:cNvPr>
+              <p:cNvSpPr txBox="1">
+                <a:spLocks noRot="1" noChangeAspect="1" noMove="1" noResize="1" noEditPoints="1" noAdjustHandles="1" noChangeArrowheads="1" noChangeShapeType="1" noTextEdit="1"/>
+              </p:cNvSpPr>
+              <p:nvPr/>
+            </p:nvSpPr>
+            <p:spPr>
+              <a:xfrm>
+                <a:off x="4468731" y="3613042"/>
+                <a:ext cx="580426" cy="461665"/>
+              </a:xfrm>
+              <a:prstGeom prst="rect">
+                <a:avLst/>
+              </a:prstGeom>
+              <a:blipFill>
+                <a:blip r:embed="rId5"/>
+                <a:stretch>
+                  <a:fillRect/>
+                </a:stretch>
+              </a:blipFill>
+            </p:spPr>
+            <p:txBody>
+              <a:bodyPr/>
+              <a:lstStyle/>
+              <a:p>
+                <a:r>
+                  <a:rPr lang="en-US">
+                    <a:noFill/>
+                  </a:rPr>
+                  <a:t> </a:t>
+                </a:r>
+              </a:p>
+            </p:txBody>
+          </p:sp>
+        </mc:Fallback>
+      </mc:AlternateContent>
+      <mc:AlternateContent xmlns:mc="http://schemas.openxmlformats.org/markup-compatibility/2006" xmlns:a14="http://schemas.microsoft.com/office/drawing/2010/main">
+        <mc:Choice Requires="a14">
+          <p:sp>
+            <p:nvSpPr>
+              <p:cNvPr id="89" name="TextBox 88">
+                <a:extLst>
+                  <a:ext uri="{FF2B5EF4-FFF2-40B4-BE49-F238E27FC236}">
+                    <a16:creationId xmlns:a16="http://schemas.microsoft.com/office/drawing/2014/main" id="{B5628CE1-19DA-72CD-06B7-59CA89C69C83}"/>
+                  </a:ext>
+                </a:extLst>
+              </p:cNvPr>
+              <p:cNvSpPr txBox="1"/>
+              <p:nvPr/>
+            </p:nvSpPr>
+            <p:spPr>
+              <a:xfrm>
+                <a:off x="6244699" y="4018460"/>
+                <a:ext cx="580426" cy="461665"/>
+              </a:xfrm>
+              <a:prstGeom prst="rect">
+                <a:avLst/>
+              </a:prstGeom>
+              <a:noFill/>
+            </p:spPr>
+            <p:txBody>
+              <a:bodyPr wrap="square">
+                <a:spAutoFit/>
+              </a:bodyPr>
+              <a:lstStyle/>
+              <a:p>
+                <a:pPr/>
+                <a14:m>
+                  <m:oMathPara xmlns:m="http://schemas.openxmlformats.org/officeDocument/2006/math">
+                    <m:oMathParaPr>
+                      <m:jc m:val="centerGroup"/>
+                    </m:oMathParaPr>
+                    <m:oMath xmlns:m="http://schemas.openxmlformats.org/officeDocument/2006/math">
+                      <m:r>
+                        <a:rPr lang="en-US" sz="2400" b="0" i="1" smtClean="0">
+                          <a:solidFill>
+                            <a:schemeClr val="tx1"/>
+                          </a:solidFill>
+                          <a:latin typeface="Cambria Math" panose="02040503050406030204" pitchFamily="18" charset="0"/>
+                        </a:rPr>
+                        <m:t>𝑏</m:t>
+                      </m:r>
+                    </m:oMath>
+                  </m:oMathPara>
+                </a14:m>
+                <a:endParaRPr lang="en-US" sz="2400" dirty="0"/>
+              </a:p>
+            </p:txBody>
+          </p:sp>
+        </mc:Choice>
+        <mc:Fallback xmlns="">
+          <p:sp>
+            <p:nvSpPr>
+              <p:cNvPr id="89" name="TextBox 88">
+                <a:extLst>
+                  <a:ext uri="{FF2B5EF4-FFF2-40B4-BE49-F238E27FC236}">
+                    <a16:creationId xmlns:a16="http://schemas.microsoft.com/office/drawing/2014/main" id="{B5628CE1-19DA-72CD-06B7-59CA89C69C83}"/>
+                  </a:ext>
+                </a:extLst>
+              </p:cNvPr>
+              <p:cNvSpPr txBox="1">
+                <a:spLocks noRot="1" noChangeAspect="1" noMove="1" noResize="1" noEditPoints="1" noAdjustHandles="1" noChangeArrowheads="1" noChangeShapeType="1" noTextEdit="1"/>
+              </p:cNvSpPr>
+              <p:nvPr/>
+            </p:nvSpPr>
+            <p:spPr>
+              <a:xfrm>
+                <a:off x="6244699" y="4018460"/>
+                <a:ext cx="580426" cy="461665"/>
+              </a:xfrm>
+              <a:prstGeom prst="rect">
+                <a:avLst/>
+              </a:prstGeom>
+              <a:blipFill>
+                <a:blip r:embed="rId6"/>
+                <a:stretch>
+                  <a:fillRect/>
+                </a:stretch>
+              </a:blipFill>
+            </p:spPr>
+            <p:txBody>
+              <a:bodyPr/>
+              <a:lstStyle/>
+              <a:p>
+                <a:r>
+                  <a:rPr lang="en-US">
+                    <a:noFill/>
+                  </a:rPr>
+                  <a:t> </a:t>
+                </a:r>
+              </a:p>
+            </p:txBody>
+          </p:sp>
+        </mc:Fallback>
+      </mc:AlternateContent>
+      <mc:AlternateContent xmlns:mc="http://schemas.openxmlformats.org/markup-compatibility/2006" xmlns:a14="http://schemas.microsoft.com/office/drawing/2010/main">
+        <mc:Choice Requires="a14">
+          <p:sp>
+            <p:nvSpPr>
+              <p:cNvPr id="91" name="TextBox 90">
+                <a:extLst>
+                  <a:ext uri="{FF2B5EF4-FFF2-40B4-BE49-F238E27FC236}">
+                    <a16:creationId xmlns:a16="http://schemas.microsoft.com/office/drawing/2014/main" id="{A83CC077-66E3-BEC4-3C09-E14B657AA27F}"/>
+                  </a:ext>
+                </a:extLst>
+              </p:cNvPr>
+              <p:cNvSpPr txBox="1"/>
+              <p:nvPr/>
+            </p:nvSpPr>
+            <p:spPr>
+              <a:xfrm>
+                <a:off x="5066502" y="3475232"/>
+                <a:ext cx="580426" cy="461665"/>
+              </a:xfrm>
+              <a:prstGeom prst="rect">
+                <a:avLst/>
+              </a:prstGeom>
+              <a:noFill/>
+            </p:spPr>
+            <p:txBody>
+              <a:bodyPr wrap="square">
+                <a:spAutoFit/>
+              </a:bodyPr>
+              <a:lstStyle/>
+              <a:p>
+                <a:pPr/>
+                <a14:m>
+                  <m:oMathPara xmlns:m="http://schemas.openxmlformats.org/officeDocument/2006/math">
+                    <m:oMathParaPr>
+                      <m:jc m:val="centerGroup"/>
+                    </m:oMathParaPr>
+                    <m:oMath xmlns:m="http://schemas.openxmlformats.org/officeDocument/2006/math">
+                      <m:r>
+                        <a:rPr lang="en-US" sz="2400" b="0" i="1" smtClean="0">
+                          <a:solidFill>
+                            <a:schemeClr val="tx1"/>
+                          </a:solidFill>
+                          <a:latin typeface="Cambria Math" panose="02040503050406030204" pitchFamily="18" charset="0"/>
+                        </a:rPr>
+                        <m:t>𝑐</m:t>
+                      </m:r>
+                    </m:oMath>
+                  </m:oMathPara>
+                </a14:m>
+                <a:endParaRPr lang="en-US" sz="2400" dirty="0"/>
+              </a:p>
+            </p:txBody>
+          </p:sp>
+        </mc:Choice>
+        <mc:Fallback xmlns="">
+          <p:sp>
+            <p:nvSpPr>
+              <p:cNvPr id="91" name="TextBox 90">
+                <a:extLst>
+                  <a:ext uri="{FF2B5EF4-FFF2-40B4-BE49-F238E27FC236}">
+                    <a16:creationId xmlns:a16="http://schemas.microsoft.com/office/drawing/2014/main" id="{A83CC077-66E3-BEC4-3C09-E14B657AA27F}"/>
+                  </a:ext>
+                </a:extLst>
+              </p:cNvPr>
+              <p:cNvSpPr txBox="1">
+                <a:spLocks noRot="1" noChangeAspect="1" noMove="1" noResize="1" noEditPoints="1" noAdjustHandles="1" noChangeArrowheads="1" noChangeShapeType="1" noTextEdit="1"/>
+              </p:cNvSpPr>
+              <p:nvPr/>
+            </p:nvSpPr>
+            <p:spPr>
+              <a:xfrm>
+                <a:off x="5066502" y="3475232"/>
+                <a:ext cx="580426" cy="461665"/>
+              </a:xfrm>
+              <a:prstGeom prst="rect">
+                <a:avLst/>
+              </a:prstGeom>
+              <a:blipFill>
+                <a:blip r:embed="rId7"/>
+                <a:stretch>
+                  <a:fillRect/>
+                </a:stretch>
+              </a:blipFill>
+            </p:spPr>
+            <p:txBody>
+              <a:bodyPr/>
+              <a:lstStyle/>
+              <a:p>
+                <a:r>
+                  <a:rPr lang="en-US">
+                    <a:noFill/>
+                  </a:rPr>
+                  <a:t> </a:t>
+                </a:r>
+              </a:p>
+            </p:txBody>
+          </p:sp>
+        </mc:Fallback>
+      </mc:AlternateContent>
+    </p:spTree>
+    <p:extLst>
+      <p:ext uri="{BB962C8B-B14F-4D97-AF65-F5344CB8AC3E}">
+        <p14:creationId xmlns:p14="http://schemas.microsoft.com/office/powerpoint/2010/main" val="2734041452"/>
+      </p:ext>
+    </p:extLst>
+  </p:cSld>
+  <p:clrMapOvr>
+    <a:masterClrMapping/>
+  </p:clrMapOvr>
+</p:sld>
+</file>
+
+<file path=ppt/slides/slide16.xml><?xml version="1.0" encoding="utf-8"?>
+<p:sld xmlns:a="http://schemas.openxmlformats.org/drawingml/2006/main" xmlns:r="http://schemas.openxmlformats.org/officeDocument/2006/relationships" xmlns:p="http://schemas.openxmlformats.org/presentationml/2006/main">
+  <p:cSld>
+    <p:spTree>
+      <p:nvGrpSpPr>
+        <p:cNvPr id="1" name=""/>
+        <p:cNvGrpSpPr/>
+        <p:nvPr/>
+      </p:nvGrpSpPr>
+      <p:grpSpPr>
+        <a:xfrm>
+          <a:off x="0" y="0"/>
+          <a:ext cx="0" cy="0"/>
+          <a:chOff x="0" y="0"/>
+          <a:chExt cx="0" cy="0"/>
+        </a:xfrm>
+      </p:grpSpPr>
+      <p:pic>
+        <p:nvPicPr>
+          <p:cNvPr id="34" name="Picture 33">
+            <a:extLst>
+              <a:ext uri="{FF2B5EF4-FFF2-40B4-BE49-F238E27FC236}">
+                <a16:creationId xmlns:a16="http://schemas.microsoft.com/office/drawing/2014/main" id="{E85F6628-DA4B-E0FA-0B37-31BE51DD48B7}"/>
+              </a:ext>
+            </a:extLst>
+          </p:cNvPr>
+          <p:cNvPicPr>
+            <a:picLocks noChangeAspect="1"/>
+          </p:cNvPicPr>
+          <p:nvPr/>
+        </p:nvPicPr>
+        <p:blipFill>
+          <a:blip r:embed="rId2">
+            <a:clrChange>
+              <a:clrFrom>
+                <a:srgbClr val="FFFFFF"/>
+              </a:clrFrom>
+              <a:clrTo>
+                <a:srgbClr val="FFFFFF">
+                  <a:alpha val="0"/>
+                </a:srgbClr>
+              </a:clrTo>
+            </a:clrChange>
+          </a:blip>
+          <a:stretch>
+            <a:fillRect/>
+          </a:stretch>
+        </p:blipFill>
+        <p:spPr>
+          <a:xfrm>
+            <a:off x="2343587" y="389880"/>
+            <a:ext cx="7504826" cy="6078239"/>
+          </a:xfrm>
+          <a:prstGeom prst="rect">
+            <a:avLst/>
+          </a:prstGeom>
+        </p:spPr>
+      </p:pic>
+      <mc:AlternateContent xmlns:mc="http://schemas.openxmlformats.org/markup-compatibility/2006" xmlns:a14="http://schemas.microsoft.com/office/drawing/2010/main">
+        <mc:Choice Requires="a14">
+          <p:sp>
+            <p:nvSpPr>
+              <p:cNvPr id="36" name="TextBox 35">
+                <a:extLst>
+                  <a:ext uri="{FF2B5EF4-FFF2-40B4-BE49-F238E27FC236}">
+                    <a16:creationId xmlns:a16="http://schemas.microsoft.com/office/drawing/2014/main" id="{6D504BD6-5149-0A79-B8CF-3838D4F36BCF}"/>
+                  </a:ext>
+                </a:extLst>
+              </p:cNvPr>
+              <p:cNvSpPr txBox="1"/>
+              <p:nvPr/>
+            </p:nvSpPr>
+            <p:spPr>
+              <a:xfrm>
+                <a:off x="2343587" y="389880"/>
+                <a:ext cx="580426" cy="461665"/>
+              </a:xfrm>
+              <a:prstGeom prst="rect">
+                <a:avLst/>
+              </a:prstGeom>
+              <a:noFill/>
+            </p:spPr>
+            <p:txBody>
+              <a:bodyPr wrap="square">
+                <a:spAutoFit/>
+              </a:bodyPr>
+              <a:lstStyle/>
+              <a:p>
+                <a:pPr/>
+                <a14:m>
+                  <m:oMathPara xmlns:m="http://schemas.openxmlformats.org/officeDocument/2006/math">
+                    <m:oMathParaPr>
+                      <m:jc m:val="centerGroup"/>
+                    </m:oMathParaPr>
+                    <m:oMath xmlns:m="http://schemas.openxmlformats.org/officeDocument/2006/math">
+                      <m:r>
+                        <a:rPr lang="en-US" sz="2400" b="0" i="1" smtClean="0">
+                          <a:solidFill>
+                            <a:schemeClr val="tx1"/>
+                          </a:solidFill>
+                          <a:latin typeface="Cambria Math" panose="02040503050406030204" pitchFamily="18" charset="0"/>
+                        </a:rPr>
+                        <m:t>𝑓</m:t>
+                      </m:r>
+                      <m:r>
+                        <a:rPr lang="en-US" sz="2400" b="0" i="1" smtClean="0">
+                          <a:solidFill>
+                            <a:schemeClr val="tx1"/>
+                          </a:solidFill>
+                          <a:latin typeface="Cambria Math" panose="02040503050406030204" pitchFamily="18" charset="0"/>
+                        </a:rPr>
+                        <m:t>(</m:t>
+                      </m:r>
+                      <m:r>
+                        <a:rPr lang="es-CL" sz="2400" b="0" i="1" smtClean="0">
+                          <a:solidFill>
+                            <a:schemeClr val="tx1"/>
+                          </a:solidFill>
+                          <a:latin typeface="Cambria Math" panose="02040503050406030204" pitchFamily="18" charset="0"/>
+                        </a:rPr>
+                        <m:t>𝑥</m:t>
+                      </m:r>
+                      <m:r>
+                        <a:rPr lang="en-US" sz="2400" b="0" i="1" smtClean="0">
+                          <a:solidFill>
+                            <a:schemeClr val="tx1"/>
+                          </a:solidFill>
+                          <a:latin typeface="Cambria Math" panose="02040503050406030204" pitchFamily="18" charset="0"/>
+                        </a:rPr>
+                        <m:t>)</m:t>
+                      </m:r>
+                    </m:oMath>
+                  </m:oMathPara>
+                </a14:m>
+                <a:endParaRPr lang="en-US" sz="2400" dirty="0"/>
+              </a:p>
+            </p:txBody>
+          </p:sp>
+        </mc:Choice>
+        <mc:Fallback xmlns="">
+          <p:sp>
+            <p:nvSpPr>
+              <p:cNvPr id="36" name="TextBox 35">
+                <a:extLst>
+                  <a:ext uri="{FF2B5EF4-FFF2-40B4-BE49-F238E27FC236}">
+                    <a16:creationId xmlns:a16="http://schemas.microsoft.com/office/drawing/2014/main" id="{6D504BD6-5149-0A79-B8CF-3838D4F36BCF}"/>
+                  </a:ext>
+                </a:extLst>
+              </p:cNvPr>
+              <p:cNvSpPr txBox="1">
+                <a:spLocks noRot="1" noChangeAspect="1" noMove="1" noResize="1" noEditPoints="1" noAdjustHandles="1" noChangeArrowheads="1" noChangeShapeType="1" noTextEdit="1"/>
+              </p:cNvSpPr>
+              <p:nvPr/>
+            </p:nvSpPr>
+            <p:spPr>
+              <a:xfrm>
+                <a:off x="2343587" y="389880"/>
+                <a:ext cx="580426" cy="461665"/>
+              </a:xfrm>
+              <a:prstGeom prst="rect">
+                <a:avLst/>
+              </a:prstGeom>
+              <a:blipFill>
+                <a:blip r:embed="rId3"/>
+                <a:stretch>
+                  <a:fillRect l="-8333" r="-43750" b="-17105"/>
+                </a:stretch>
+              </a:blipFill>
+            </p:spPr>
+            <p:txBody>
+              <a:bodyPr/>
+              <a:lstStyle/>
+              <a:p>
+                <a:r>
+                  <a:rPr lang="en-US">
+                    <a:noFill/>
+                  </a:rPr>
+                  <a:t> </a:t>
+                </a:r>
+              </a:p>
+            </p:txBody>
+          </p:sp>
+        </mc:Fallback>
+      </mc:AlternateContent>
+      <p:sp>
+        <p:nvSpPr>
+          <p:cNvPr id="38" name="TextBox 37">
+            <a:extLst>
+              <a:ext uri="{FF2B5EF4-FFF2-40B4-BE49-F238E27FC236}">
+                <a16:creationId xmlns:a16="http://schemas.microsoft.com/office/drawing/2014/main" id="{BB51EB2A-A777-CC13-859F-4A989FE63F91}"/>
+              </a:ext>
+            </a:extLst>
+          </p:cNvPr>
+          <p:cNvSpPr txBox="1"/>
+          <p:nvPr/>
+        </p:nvSpPr>
+        <p:spPr>
+          <a:xfrm>
+            <a:off x="2633800" y="3794768"/>
+            <a:ext cx="1713053" cy="400110"/>
+          </a:xfrm>
+          <a:prstGeom prst="rect">
+            <a:avLst/>
+          </a:prstGeom>
+          <a:noFill/>
+        </p:spPr>
+        <p:txBody>
+          <a:bodyPr wrap="square">
+            <a:spAutoFit/>
+          </a:bodyPr>
+          <a:lstStyle/>
+          <a:p>
+            <a:pPr algn="ctr"/>
+            <a:r>
+              <a:rPr lang="es-CL" sz="2000" dirty="0"/>
+              <a:t>1era iteración</a:t>
+            </a:r>
+            <a:endParaRPr lang="en-US" sz="2000" dirty="0"/>
+          </a:p>
+        </p:txBody>
+      </p:sp>
+      <p:sp>
+        <p:nvSpPr>
+          <p:cNvPr id="40" name="TextBox 39">
+            <a:extLst>
+              <a:ext uri="{FF2B5EF4-FFF2-40B4-BE49-F238E27FC236}">
+                <a16:creationId xmlns:a16="http://schemas.microsoft.com/office/drawing/2014/main" id="{466107EB-8A4C-F908-2414-CCF321AA9DCD}"/>
+              </a:ext>
+            </a:extLst>
+          </p:cNvPr>
+          <p:cNvSpPr txBox="1"/>
+          <p:nvPr/>
+        </p:nvSpPr>
+        <p:spPr>
+          <a:xfrm>
+            <a:off x="2633800" y="4491177"/>
+            <a:ext cx="1713053" cy="400110"/>
+          </a:xfrm>
+          <a:prstGeom prst="rect">
+            <a:avLst/>
+          </a:prstGeom>
+          <a:noFill/>
+        </p:spPr>
+        <p:txBody>
+          <a:bodyPr wrap="square">
+            <a:spAutoFit/>
+          </a:bodyPr>
+          <a:lstStyle/>
+          <a:p>
+            <a:pPr algn="ctr"/>
+            <a:r>
+              <a:rPr lang="es-CL" sz="2000" dirty="0"/>
+              <a:t>2da iteración</a:t>
+            </a:r>
+            <a:endParaRPr lang="en-US" sz="2000" dirty="0"/>
+          </a:p>
+        </p:txBody>
+      </p:sp>
+      <p:sp>
+        <p:nvSpPr>
+          <p:cNvPr id="42" name="TextBox 41">
+            <a:extLst>
+              <a:ext uri="{FF2B5EF4-FFF2-40B4-BE49-F238E27FC236}">
+                <a16:creationId xmlns:a16="http://schemas.microsoft.com/office/drawing/2014/main" id="{E05F5710-890E-9E99-DC34-17007AD861DA}"/>
+              </a:ext>
+            </a:extLst>
+          </p:cNvPr>
+          <p:cNvSpPr txBox="1"/>
+          <p:nvPr/>
+        </p:nvSpPr>
+        <p:spPr>
+          <a:xfrm>
+            <a:off x="2633800" y="5233886"/>
+            <a:ext cx="1713053" cy="400110"/>
+          </a:xfrm>
+          <a:prstGeom prst="rect">
+            <a:avLst/>
+          </a:prstGeom>
+          <a:noFill/>
+        </p:spPr>
+        <p:txBody>
+          <a:bodyPr wrap="square">
+            <a:spAutoFit/>
+          </a:bodyPr>
+          <a:lstStyle/>
+          <a:p>
+            <a:pPr algn="ctr"/>
+            <a:r>
+              <a:rPr lang="es-CL" sz="2000" dirty="0"/>
+              <a:t>3ra iteración</a:t>
+            </a:r>
+            <a:endParaRPr lang="en-US" sz="2000" dirty="0"/>
+          </a:p>
+        </p:txBody>
+      </p:sp>
+      <p:sp>
+        <p:nvSpPr>
+          <p:cNvPr id="44" name="TextBox 43">
+            <a:extLst>
+              <a:ext uri="{FF2B5EF4-FFF2-40B4-BE49-F238E27FC236}">
+                <a16:creationId xmlns:a16="http://schemas.microsoft.com/office/drawing/2014/main" id="{A29B7EE1-4269-2D33-EF6C-ADC10431AD45}"/>
+              </a:ext>
+            </a:extLst>
+          </p:cNvPr>
+          <p:cNvSpPr txBox="1"/>
+          <p:nvPr/>
+        </p:nvSpPr>
+        <p:spPr>
+          <a:xfrm>
+            <a:off x="2633799" y="5965020"/>
+            <a:ext cx="1713053" cy="400110"/>
+          </a:xfrm>
+          <a:prstGeom prst="rect">
+            <a:avLst/>
+          </a:prstGeom>
+          <a:noFill/>
+        </p:spPr>
+        <p:txBody>
+          <a:bodyPr wrap="square">
+            <a:spAutoFit/>
+          </a:bodyPr>
+          <a:lstStyle/>
+          <a:p>
+            <a:pPr algn="ctr"/>
+            <a:r>
+              <a:rPr lang="es-CL" sz="2000" dirty="0"/>
+              <a:t>4ta iteración</a:t>
+            </a:r>
+            <a:endParaRPr lang="en-US" sz="2000" dirty="0"/>
+          </a:p>
+        </p:txBody>
+      </p:sp>
+      <mc:AlternateContent xmlns:mc="http://schemas.openxmlformats.org/markup-compatibility/2006" xmlns:a14="http://schemas.microsoft.com/office/drawing/2010/main">
+        <mc:Choice Requires="a14">
+          <p:sp>
+            <p:nvSpPr>
+              <p:cNvPr id="46" name="TextBox 45">
+                <a:extLst>
+                  <a:ext uri="{FF2B5EF4-FFF2-40B4-BE49-F238E27FC236}">
+                    <a16:creationId xmlns:a16="http://schemas.microsoft.com/office/drawing/2014/main" id="{AE8B54A8-A38E-A3DF-768A-0D6221F8C887}"/>
+                  </a:ext>
+                </a:extLst>
+              </p:cNvPr>
+              <p:cNvSpPr txBox="1"/>
+              <p:nvPr/>
+            </p:nvSpPr>
+            <p:spPr>
+              <a:xfrm>
+                <a:off x="4365619" y="3437197"/>
+                <a:ext cx="580426" cy="461665"/>
+              </a:xfrm>
+              <a:prstGeom prst="rect">
+                <a:avLst/>
+              </a:prstGeom>
+              <a:noFill/>
+            </p:spPr>
+            <p:txBody>
+              <a:bodyPr wrap="square">
+                <a:spAutoFit/>
+              </a:bodyPr>
+              <a:lstStyle/>
+              <a:p>
+                <a:pPr/>
+                <a14:m>
+                  <m:oMathPara xmlns:m="http://schemas.openxmlformats.org/officeDocument/2006/math">
+                    <m:oMathParaPr>
+                      <m:jc m:val="centerGroup"/>
+                    </m:oMathParaPr>
+                    <m:oMath xmlns:m="http://schemas.openxmlformats.org/officeDocument/2006/math">
+                      <m:r>
+                        <a:rPr lang="es-CL" sz="2400" b="0" i="1" smtClean="0">
+                          <a:solidFill>
+                            <a:schemeClr val="tx1"/>
+                          </a:solidFill>
+                          <a:latin typeface="Cambria Math" panose="02040503050406030204" pitchFamily="18" charset="0"/>
+                        </a:rPr>
+                        <m:t>𝑎</m:t>
+                      </m:r>
+                    </m:oMath>
+                  </m:oMathPara>
+                </a14:m>
+                <a:endParaRPr lang="en-US" sz="2400" dirty="0"/>
+              </a:p>
+            </p:txBody>
+          </p:sp>
+        </mc:Choice>
+        <mc:Fallback xmlns="">
+          <p:sp>
+            <p:nvSpPr>
+              <p:cNvPr id="46" name="TextBox 45">
+                <a:extLst>
+                  <a:ext uri="{FF2B5EF4-FFF2-40B4-BE49-F238E27FC236}">
+                    <a16:creationId xmlns:a16="http://schemas.microsoft.com/office/drawing/2014/main" id="{AE8B54A8-A38E-A3DF-768A-0D6221F8C887}"/>
+                  </a:ext>
+                </a:extLst>
+              </p:cNvPr>
+              <p:cNvSpPr txBox="1">
+                <a:spLocks noRot="1" noChangeAspect="1" noMove="1" noResize="1" noEditPoints="1" noAdjustHandles="1" noChangeArrowheads="1" noChangeShapeType="1" noTextEdit="1"/>
+              </p:cNvSpPr>
+              <p:nvPr/>
+            </p:nvSpPr>
+            <p:spPr>
+              <a:xfrm>
+                <a:off x="4365619" y="3437197"/>
+                <a:ext cx="580426" cy="461665"/>
+              </a:xfrm>
+              <a:prstGeom prst="rect">
+                <a:avLst/>
+              </a:prstGeom>
+              <a:blipFill>
+                <a:blip r:embed="rId4"/>
+                <a:stretch>
+                  <a:fillRect/>
+                </a:stretch>
+              </a:blipFill>
+            </p:spPr>
+            <p:txBody>
+              <a:bodyPr/>
+              <a:lstStyle/>
+              <a:p>
+                <a:r>
+                  <a:rPr lang="en-US">
+                    <a:noFill/>
+                  </a:rPr>
+                  <a:t> </a:t>
+                </a:r>
+              </a:p>
+            </p:txBody>
+          </p:sp>
+        </mc:Fallback>
+      </mc:AlternateContent>
+      <mc:AlternateContent xmlns:mc="http://schemas.openxmlformats.org/markup-compatibility/2006" xmlns:a14="http://schemas.microsoft.com/office/drawing/2010/main">
+        <mc:Choice Requires="a14">
+          <p:sp>
+            <p:nvSpPr>
+              <p:cNvPr id="48" name="TextBox 47">
+                <a:extLst>
+                  <a:ext uri="{FF2B5EF4-FFF2-40B4-BE49-F238E27FC236}">
+                    <a16:creationId xmlns:a16="http://schemas.microsoft.com/office/drawing/2014/main" id="{F802BFE2-5B3F-5886-B565-50B753CAE4C3}"/>
+                  </a:ext>
+                </a:extLst>
+              </p:cNvPr>
+              <p:cNvSpPr txBox="1"/>
+              <p:nvPr/>
+            </p:nvSpPr>
+            <p:spPr>
+              <a:xfrm>
+                <a:off x="6677864" y="3437197"/>
+                <a:ext cx="580426" cy="461665"/>
+              </a:xfrm>
+              <a:prstGeom prst="rect">
+                <a:avLst/>
+              </a:prstGeom>
+              <a:noFill/>
+            </p:spPr>
+            <p:txBody>
+              <a:bodyPr wrap="square">
+                <a:spAutoFit/>
+              </a:bodyPr>
+              <a:lstStyle/>
+              <a:p>
+                <a:pPr/>
+                <a14:m>
+                  <m:oMathPara xmlns:m="http://schemas.openxmlformats.org/officeDocument/2006/math">
+                    <m:oMathParaPr>
+                      <m:jc m:val="centerGroup"/>
+                    </m:oMathParaPr>
+                    <m:oMath xmlns:m="http://schemas.openxmlformats.org/officeDocument/2006/math">
+                      <m:sSub>
+                        <m:sSubPr>
+                          <m:ctrlPr>
+                            <a:rPr lang="es-CL" sz="2400" b="0" i="1" smtClean="0">
+                              <a:solidFill>
+                                <a:schemeClr val="tx1"/>
+                              </a:solidFill>
+                              <a:latin typeface="Cambria Math" panose="02040503050406030204" pitchFamily="18" charset="0"/>
+                            </a:rPr>
+                          </m:ctrlPr>
+                        </m:sSubPr>
+                        <m:e>
+                          <m:r>
+                            <a:rPr lang="es-CL" sz="2400" b="0" i="1" smtClean="0">
+                              <a:solidFill>
+                                <a:schemeClr val="tx1"/>
+                              </a:solidFill>
+                              <a:latin typeface="Cambria Math" panose="02040503050406030204" pitchFamily="18" charset="0"/>
+                            </a:rPr>
+                            <m:t>𝑚</m:t>
+                          </m:r>
+                        </m:e>
+                        <m:sub>
+                          <m:r>
+                            <a:rPr lang="es-CL" sz="2400" b="0" i="1" smtClean="0">
+                              <a:solidFill>
+                                <a:schemeClr val="tx1"/>
+                              </a:solidFill>
+                              <a:latin typeface="Cambria Math" panose="02040503050406030204" pitchFamily="18" charset="0"/>
+                            </a:rPr>
+                            <m:t>1</m:t>
+                          </m:r>
+                        </m:sub>
+                      </m:sSub>
+                    </m:oMath>
+                  </m:oMathPara>
+                </a14:m>
+                <a:endParaRPr lang="en-US" sz="2400" dirty="0"/>
+              </a:p>
+            </p:txBody>
+          </p:sp>
+        </mc:Choice>
+        <mc:Fallback xmlns="">
+          <p:sp>
+            <p:nvSpPr>
+              <p:cNvPr id="48" name="TextBox 47">
+                <a:extLst>
+                  <a:ext uri="{FF2B5EF4-FFF2-40B4-BE49-F238E27FC236}">
+                    <a16:creationId xmlns:a16="http://schemas.microsoft.com/office/drawing/2014/main" id="{F802BFE2-5B3F-5886-B565-50B753CAE4C3}"/>
+                  </a:ext>
+                </a:extLst>
+              </p:cNvPr>
+              <p:cNvSpPr txBox="1">
+                <a:spLocks noRot="1" noChangeAspect="1" noMove="1" noResize="1" noEditPoints="1" noAdjustHandles="1" noChangeArrowheads="1" noChangeShapeType="1" noTextEdit="1"/>
+              </p:cNvSpPr>
+              <p:nvPr/>
+            </p:nvSpPr>
+            <p:spPr>
+              <a:xfrm>
+                <a:off x="6677864" y="3437197"/>
+                <a:ext cx="580426" cy="461665"/>
+              </a:xfrm>
+              <a:prstGeom prst="rect">
+                <a:avLst/>
+              </a:prstGeom>
+              <a:blipFill>
+                <a:blip r:embed="rId5"/>
+                <a:stretch>
+                  <a:fillRect/>
+                </a:stretch>
+              </a:blipFill>
+            </p:spPr>
+            <p:txBody>
+              <a:bodyPr/>
+              <a:lstStyle/>
+              <a:p>
+                <a:r>
+                  <a:rPr lang="en-US">
+                    <a:noFill/>
+                  </a:rPr>
+                  <a:t> </a:t>
+                </a:r>
+              </a:p>
+            </p:txBody>
+          </p:sp>
+        </mc:Fallback>
+      </mc:AlternateContent>
+      <mc:AlternateContent xmlns:mc="http://schemas.openxmlformats.org/markup-compatibility/2006" xmlns:a14="http://schemas.microsoft.com/office/drawing/2010/main">
+        <mc:Choice Requires="a14">
+          <p:sp>
+            <p:nvSpPr>
+              <p:cNvPr id="50" name="TextBox 49">
+                <a:extLst>
+                  <a:ext uri="{FF2B5EF4-FFF2-40B4-BE49-F238E27FC236}">
+                    <a16:creationId xmlns:a16="http://schemas.microsoft.com/office/drawing/2014/main" id="{5D5A1FB9-6F4C-EA00-C62F-BE947B2EC480}"/>
+                  </a:ext>
+                </a:extLst>
+              </p:cNvPr>
+              <p:cNvSpPr txBox="1"/>
+              <p:nvPr/>
+            </p:nvSpPr>
+            <p:spPr>
+              <a:xfrm>
+                <a:off x="9001684" y="3437197"/>
+                <a:ext cx="580426" cy="461665"/>
+              </a:xfrm>
+              <a:prstGeom prst="rect">
+                <a:avLst/>
+              </a:prstGeom>
+              <a:noFill/>
+            </p:spPr>
+            <p:txBody>
+              <a:bodyPr wrap="square">
+                <a:spAutoFit/>
+              </a:bodyPr>
+              <a:lstStyle/>
+              <a:p>
+                <a:pPr/>
+                <a14:m>
+                  <m:oMathPara xmlns:m="http://schemas.openxmlformats.org/officeDocument/2006/math">
+                    <m:oMathParaPr>
+                      <m:jc m:val="centerGroup"/>
+                    </m:oMathParaPr>
+                    <m:oMath xmlns:m="http://schemas.openxmlformats.org/officeDocument/2006/math">
+                      <m:r>
+                        <a:rPr lang="es-CL" sz="2400" b="0" i="1" smtClean="0">
+                          <a:solidFill>
+                            <a:schemeClr val="tx1"/>
+                          </a:solidFill>
+                          <a:latin typeface="Cambria Math" panose="02040503050406030204" pitchFamily="18" charset="0"/>
+                        </a:rPr>
+                        <m:t>𝑏</m:t>
+                      </m:r>
+                    </m:oMath>
+                  </m:oMathPara>
+                </a14:m>
+                <a:endParaRPr lang="en-US" sz="2400" dirty="0"/>
+              </a:p>
+            </p:txBody>
+          </p:sp>
+        </mc:Choice>
+        <mc:Fallback xmlns="">
+          <p:sp>
+            <p:nvSpPr>
+              <p:cNvPr id="50" name="TextBox 49">
+                <a:extLst>
+                  <a:ext uri="{FF2B5EF4-FFF2-40B4-BE49-F238E27FC236}">
+                    <a16:creationId xmlns:a16="http://schemas.microsoft.com/office/drawing/2014/main" id="{5D5A1FB9-6F4C-EA00-C62F-BE947B2EC480}"/>
+                  </a:ext>
+                </a:extLst>
+              </p:cNvPr>
+              <p:cNvSpPr txBox="1">
+                <a:spLocks noRot="1" noChangeAspect="1" noMove="1" noResize="1" noEditPoints="1" noAdjustHandles="1" noChangeArrowheads="1" noChangeShapeType="1" noTextEdit="1"/>
+              </p:cNvSpPr>
+              <p:nvPr/>
+            </p:nvSpPr>
+            <p:spPr>
+              <a:xfrm>
+                <a:off x="9001684" y="3437197"/>
+                <a:ext cx="580426" cy="461665"/>
+              </a:xfrm>
+              <a:prstGeom prst="rect">
+                <a:avLst/>
+              </a:prstGeom>
+              <a:blipFill>
+                <a:blip r:embed="rId6"/>
+                <a:stretch>
+                  <a:fillRect/>
+                </a:stretch>
+              </a:blipFill>
+            </p:spPr>
+            <p:txBody>
+              <a:bodyPr/>
+              <a:lstStyle/>
+              <a:p>
+                <a:r>
+                  <a:rPr lang="en-US">
+                    <a:noFill/>
+                  </a:rPr>
+                  <a:t> </a:t>
+                </a:r>
+              </a:p>
+            </p:txBody>
+          </p:sp>
+        </mc:Fallback>
+      </mc:AlternateContent>
+      <mc:AlternateContent xmlns:mc="http://schemas.openxmlformats.org/markup-compatibility/2006" xmlns:a14="http://schemas.microsoft.com/office/drawing/2010/main">
+        <mc:Choice Requires="a14">
+          <p:sp>
+            <p:nvSpPr>
+              <p:cNvPr id="52" name="TextBox 51">
+                <a:extLst>
+                  <a:ext uri="{FF2B5EF4-FFF2-40B4-BE49-F238E27FC236}">
+                    <a16:creationId xmlns:a16="http://schemas.microsoft.com/office/drawing/2014/main" id="{8D2EC6B5-A4CB-427F-A8AD-EFE5EE46181D}"/>
+                  </a:ext>
+                </a:extLst>
+              </p:cNvPr>
+              <p:cNvSpPr txBox="1"/>
+              <p:nvPr/>
+            </p:nvSpPr>
+            <p:spPr>
+              <a:xfrm>
+                <a:off x="6677864" y="4183314"/>
+                <a:ext cx="580426" cy="461665"/>
+              </a:xfrm>
+              <a:prstGeom prst="rect">
+                <a:avLst/>
+              </a:prstGeom>
+              <a:noFill/>
+            </p:spPr>
+            <p:txBody>
+              <a:bodyPr wrap="square">
+                <a:spAutoFit/>
+              </a:bodyPr>
+              <a:lstStyle/>
+              <a:p>
+                <a:pPr/>
+                <a14:m>
+                  <m:oMathPara xmlns:m="http://schemas.openxmlformats.org/officeDocument/2006/math">
+                    <m:oMathParaPr>
+                      <m:jc m:val="centerGroup"/>
+                    </m:oMathParaPr>
+                    <m:oMath xmlns:m="http://schemas.openxmlformats.org/officeDocument/2006/math">
+                      <m:sSub>
+                        <m:sSubPr>
+                          <m:ctrlPr>
+                            <a:rPr lang="es-CL" sz="2400" b="0" i="1" smtClean="0">
+                              <a:solidFill>
+                                <a:schemeClr val="tx1"/>
+                              </a:solidFill>
+                              <a:latin typeface="Cambria Math" panose="02040503050406030204" pitchFamily="18" charset="0"/>
+                            </a:rPr>
+                          </m:ctrlPr>
+                        </m:sSubPr>
+                        <m:e>
+                          <m:r>
+                            <a:rPr lang="es-CL" sz="2400" b="0" i="1" smtClean="0">
+                              <a:solidFill>
+                                <a:schemeClr val="tx1"/>
+                              </a:solidFill>
+                              <a:latin typeface="Cambria Math" panose="02040503050406030204" pitchFamily="18" charset="0"/>
+                            </a:rPr>
+                            <m:t>𝑚</m:t>
+                          </m:r>
+                        </m:e>
+                        <m:sub>
+                          <m:r>
+                            <a:rPr lang="es-CL" sz="2400" b="0" i="1" smtClean="0">
+                              <a:solidFill>
+                                <a:schemeClr val="tx1"/>
+                              </a:solidFill>
+                              <a:latin typeface="Cambria Math" panose="02040503050406030204" pitchFamily="18" charset="0"/>
+                            </a:rPr>
+                            <m:t>1</m:t>
+                          </m:r>
+                        </m:sub>
+                      </m:sSub>
+                    </m:oMath>
+                  </m:oMathPara>
+                </a14:m>
+                <a:endParaRPr lang="en-US" sz="2400" dirty="0"/>
+              </a:p>
+            </p:txBody>
+          </p:sp>
+        </mc:Choice>
+        <mc:Fallback xmlns="">
+          <p:sp>
+            <p:nvSpPr>
+              <p:cNvPr id="52" name="TextBox 51">
+                <a:extLst>
+                  <a:ext uri="{FF2B5EF4-FFF2-40B4-BE49-F238E27FC236}">
+                    <a16:creationId xmlns:a16="http://schemas.microsoft.com/office/drawing/2014/main" id="{8D2EC6B5-A4CB-427F-A8AD-EFE5EE46181D}"/>
+                  </a:ext>
+                </a:extLst>
+              </p:cNvPr>
+              <p:cNvSpPr txBox="1">
+                <a:spLocks noRot="1" noChangeAspect="1" noMove="1" noResize="1" noEditPoints="1" noAdjustHandles="1" noChangeArrowheads="1" noChangeShapeType="1" noTextEdit="1"/>
+              </p:cNvSpPr>
+              <p:nvPr/>
+            </p:nvSpPr>
+            <p:spPr>
+              <a:xfrm>
+                <a:off x="6677864" y="4183314"/>
+                <a:ext cx="580426" cy="461665"/>
+              </a:xfrm>
+              <a:prstGeom prst="rect">
+                <a:avLst/>
+              </a:prstGeom>
+              <a:blipFill>
+                <a:blip r:embed="rId7"/>
+                <a:stretch>
+                  <a:fillRect b="-1316"/>
+                </a:stretch>
+              </a:blipFill>
+            </p:spPr>
+            <p:txBody>
+              <a:bodyPr/>
+              <a:lstStyle/>
+              <a:p>
+                <a:r>
+                  <a:rPr lang="en-US">
+                    <a:noFill/>
+                  </a:rPr>
+                  <a:t> </a:t>
+                </a:r>
+              </a:p>
+            </p:txBody>
+          </p:sp>
+        </mc:Fallback>
+      </mc:AlternateContent>
+      <mc:AlternateContent xmlns:mc="http://schemas.openxmlformats.org/markup-compatibility/2006" xmlns:a14="http://schemas.microsoft.com/office/drawing/2010/main">
+        <mc:Choice Requires="a14">
+          <p:sp>
+            <p:nvSpPr>
+              <p:cNvPr id="54" name="TextBox 53">
+                <a:extLst>
+                  <a:ext uri="{FF2B5EF4-FFF2-40B4-BE49-F238E27FC236}">
+                    <a16:creationId xmlns:a16="http://schemas.microsoft.com/office/drawing/2014/main" id="{AD4D2B08-C36C-B746-E390-83C96C4E51B4}"/>
+                  </a:ext>
+                </a:extLst>
+              </p:cNvPr>
+              <p:cNvSpPr txBox="1"/>
+              <p:nvPr/>
+            </p:nvSpPr>
+            <p:spPr>
+              <a:xfrm>
+                <a:off x="9001684" y="4183314"/>
+                <a:ext cx="580426" cy="461665"/>
+              </a:xfrm>
+              <a:prstGeom prst="rect">
+                <a:avLst/>
+              </a:prstGeom>
+              <a:noFill/>
+            </p:spPr>
+            <p:txBody>
+              <a:bodyPr wrap="square">
+                <a:spAutoFit/>
+              </a:bodyPr>
+              <a:lstStyle/>
+              <a:p>
+                <a:pPr/>
+                <a14:m>
+                  <m:oMathPara xmlns:m="http://schemas.openxmlformats.org/officeDocument/2006/math">
+                    <m:oMathParaPr>
+                      <m:jc m:val="centerGroup"/>
+                    </m:oMathParaPr>
+                    <m:oMath xmlns:m="http://schemas.openxmlformats.org/officeDocument/2006/math">
+                      <m:r>
+                        <a:rPr lang="es-CL" sz="2400" b="0" i="1" smtClean="0">
+                          <a:solidFill>
+                            <a:schemeClr val="tx1"/>
+                          </a:solidFill>
+                          <a:latin typeface="Cambria Math" panose="02040503050406030204" pitchFamily="18" charset="0"/>
+                        </a:rPr>
+                        <m:t>𝑏</m:t>
+                      </m:r>
+                    </m:oMath>
+                  </m:oMathPara>
+                </a14:m>
+                <a:endParaRPr lang="en-US" sz="2400" dirty="0"/>
+              </a:p>
+            </p:txBody>
+          </p:sp>
+        </mc:Choice>
+        <mc:Fallback xmlns="">
+          <p:sp>
+            <p:nvSpPr>
+              <p:cNvPr id="54" name="TextBox 53">
+                <a:extLst>
+                  <a:ext uri="{FF2B5EF4-FFF2-40B4-BE49-F238E27FC236}">
+                    <a16:creationId xmlns:a16="http://schemas.microsoft.com/office/drawing/2014/main" id="{AD4D2B08-C36C-B746-E390-83C96C4E51B4}"/>
+                  </a:ext>
+                </a:extLst>
+              </p:cNvPr>
+              <p:cNvSpPr txBox="1">
+                <a:spLocks noRot="1" noChangeAspect="1" noMove="1" noResize="1" noEditPoints="1" noAdjustHandles="1" noChangeArrowheads="1" noChangeShapeType="1" noTextEdit="1"/>
+              </p:cNvSpPr>
+              <p:nvPr/>
+            </p:nvSpPr>
+            <p:spPr>
+              <a:xfrm>
+                <a:off x="9001684" y="4183314"/>
+                <a:ext cx="580426" cy="461665"/>
+              </a:xfrm>
+              <a:prstGeom prst="rect">
+                <a:avLst/>
+              </a:prstGeom>
+              <a:blipFill>
+                <a:blip r:embed="rId8"/>
+                <a:stretch>
+                  <a:fillRect/>
+                </a:stretch>
+              </a:blipFill>
+            </p:spPr>
+            <p:txBody>
+              <a:bodyPr/>
+              <a:lstStyle/>
+              <a:p>
+                <a:r>
+                  <a:rPr lang="en-US">
+                    <a:noFill/>
+                  </a:rPr>
+                  <a:t> </a:t>
+                </a:r>
+              </a:p>
+            </p:txBody>
+          </p:sp>
+        </mc:Fallback>
+      </mc:AlternateContent>
+      <mc:AlternateContent xmlns:mc="http://schemas.openxmlformats.org/markup-compatibility/2006" xmlns:a14="http://schemas.microsoft.com/office/drawing/2010/main">
+        <mc:Choice Requires="a14">
+          <p:sp>
+            <p:nvSpPr>
+              <p:cNvPr id="56" name="TextBox 55">
+                <a:extLst>
+                  <a:ext uri="{FF2B5EF4-FFF2-40B4-BE49-F238E27FC236}">
+                    <a16:creationId xmlns:a16="http://schemas.microsoft.com/office/drawing/2014/main" id="{1603D83E-EB8B-A0A9-DDD4-34C4A8001FE8}"/>
+                  </a:ext>
+                </a:extLst>
+              </p:cNvPr>
+              <p:cNvSpPr txBox="1"/>
+              <p:nvPr/>
+            </p:nvSpPr>
+            <p:spPr>
+              <a:xfrm>
+                <a:off x="7868711" y="4183314"/>
+                <a:ext cx="580426" cy="461665"/>
+              </a:xfrm>
+              <a:prstGeom prst="rect">
+                <a:avLst/>
+              </a:prstGeom>
+              <a:noFill/>
+            </p:spPr>
+            <p:txBody>
+              <a:bodyPr wrap="square">
+                <a:spAutoFit/>
+              </a:bodyPr>
+              <a:lstStyle/>
+              <a:p>
+                <a:pPr/>
+                <a14:m>
+                  <m:oMathPara xmlns:m="http://schemas.openxmlformats.org/officeDocument/2006/math">
+                    <m:oMathParaPr>
+                      <m:jc m:val="centerGroup"/>
+                    </m:oMathParaPr>
+                    <m:oMath xmlns:m="http://schemas.openxmlformats.org/officeDocument/2006/math">
+                      <m:sSub>
+                        <m:sSubPr>
+                          <m:ctrlPr>
+                            <a:rPr lang="es-CL" sz="2400" b="0" i="1" smtClean="0">
+                              <a:solidFill>
+                                <a:schemeClr val="tx1"/>
+                              </a:solidFill>
+                              <a:latin typeface="Cambria Math" panose="02040503050406030204" pitchFamily="18" charset="0"/>
+                            </a:rPr>
+                          </m:ctrlPr>
+                        </m:sSubPr>
+                        <m:e>
+                          <m:r>
+                            <a:rPr lang="es-CL" sz="2400" b="0" i="1" smtClean="0">
+                              <a:solidFill>
+                                <a:schemeClr val="tx1"/>
+                              </a:solidFill>
+                              <a:latin typeface="Cambria Math" panose="02040503050406030204" pitchFamily="18" charset="0"/>
+                            </a:rPr>
+                            <m:t>𝑚</m:t>
+                          </m:r>
+                        </m:e>
+                        <m:sub>
+                          <m:r>
+                            <a:rPr lang="es-CL" sz="2400" b="0" i="1" smtClean="0">
+                              <a:solidFill>
+                                <a:schemeClr val="tx1"/>
+                              </a:solidFill>
+                              <a:latin typeface="Cambria Math" panose="02040503050406030204" pitchFamily="18" charset="0"/>
+                            </a:rPr>
+                            <m:t>2</m:t>
+                          </m:r>
+                        </m:sub>
+                      </m:sSub>
+                    </m:oMath>
+                  </m:oMathPara>
+                </a14:m>
+                <a:endParaRPr lang="en-US" sz="2400" dirty="0"/>
+              </a:p>
+            </p:txBody>
+          </p:sp>
+        </mc:Choice>
+        <mc:Fallback xmlns="">
+          <p:sp>
+            <p:nvSpPr>
+              <p:cNvPr id="56" name="TextBox 55">
+                <a:extLst>
+                  <a:ext uri="{FF2B5EF4-FFF2-40B4-BE49-F238E27FC236}">
+                    <a16:creationId xmlns:a16="http://schemas.microsoft.com/office/drawing/2014/main" id="{1603D83E-EB8B-A0A9-DDD4-34C4A8001FE8}"/>
+                  </a:ext>
+                </a:extLst>
+              </p:cNvPr>
+              <p:cNvSpPr txBox="1">
+                <a:spLocks noRot="1" noChangeAspect="1" noMove="1" noResize="1" noEditPoints="1" noAdjustHandles="1" noChangeArrowheads="1" noChangeShapeType="1" noTextEdit="1"/>
+              </p:cNvSpPr>
+              <p:nvPr/>
+            </p:nvSpPr>
+            <p:spPr>
+              <a:xfrm>
+                <a:off x="7868711" y="4183314"/>
+                <a:ext cx="580426" cy="461665"/>
+              </a:xfrm>
+              <a:prstGeom prst="rect">
+                <a:avLst/>
+              </a:prstGeom>
+              <a:blipFill>
+                <a:blip r:embed="rId9"/>
+                <a:stretch>
+                  <a:fillRect b="-1316"/>
+                </a:stretch>
+              </a:blipFill>
+            </p:spPr>
+            <p:txBody>
+              <a:bodyPr/>
+              <a:lstStyle/>
+              <a:p>
+                <a:r>
+                  <a:rPr lang="en-US">
+                    <a:noFill/>
+                  </a:rPr>
+                  <a:t> </a:t>
+                </a:r>
+              </a:p>
+            </p:txBody>
+          </p:sp>
+        </mc:Fallback>
+      </mc:AlternateContent>
+      <mc:AlternateContent xmlns:mc="http://schemas.openxmlformats.org/markup-compatibility/2006" xmlns:a14="http://schemas.microsoft.com/office/drawing/2010/main">
+        <mc:Choice Requires="a14">
+          <p:sp>
+            <p:nvSpPr>
+              <p:cNvPr id="58" name="TextBox 57">
+                <a:extLst>
+                  <a:ext uri="{FF2B5EF4-FFF2-40B4-BE49-F238E27FC236}">
+                    <a16:creationId xmlns:a16="http://schemas.microsoft.com/office/drawing/2014/main" id="{3CA7C214-1836-DEB9-C974-B0277F3EA0F8}"/>
+                  </a:ext>
+                </a:extLst>
+              </p:cNvPr>
+              <p:cNvSpPr txBox="1"/>
+              <p:nvPr/>
+            </p:nvSpPr>
+            <p:spPr>
+              <a:xfrm>
+                <a:off x="7868711" y="4927951"/>
+                <a:ext cx="580426" cy="461665"/>
+              </a:xfrm>
+              <a:prstGeom prst="rect">
+                <a:avLst/>
+              </a:prstGeom>
+              <a:noFill/>
+            </p:spPr>
+            <p:txBody>
+              <a:bodyPr wrap="square">
+                <a:spAutoFit/>
+              </a:bodyPr>
+              <a:lstStyle/>
+              <a:p>
+                <a:pPr/>
+                <a14:m>
+                  <m:oMathPara xmlns:m="http://schemas.openxmlformats.org/officeDocument/2006/math">
+                    <m:oMathParaPr>
+                      <m:jc m:val="centerGroup"/>
+                    </m:oMathParaPr>
+                    <m:oMath xmlns:m="http://schemas.openxmlformats.org/officeDocument/2006/math">
+                      <m:sSub>
+                        <m:sSubPr>
+                          <m:ctrlPr>
+                            <a:rPr lang="es-CL" sz="2400" b="0" i="1" smtClean="0">
+                              <a:solidFill>
+                                <a:schemeClr val="tx1"/>
+                              </a:solidFill>
+                              <a:latin typeface="Cambria Math" panose="02040503050406030204" pitchFamily="18" charset="0"/>
+                            </a:rPr>
+                          </m:ctrlPr>
+                        </m:sSubPr>
+                        <m:e>
+                          <m:r>
+                            <a:rPr lang="es-CL" sz="2400" b="0" i="1" smtClean="0">
+                              <a:solidFill>
+                                <a:schemeClr val="tx1"/>
+                              </a:solidFill>
+                              <a:latin typeface="Cambria Math" panose="02040503050406030204" pitchFamily="18" charset="0"/>
+                            </a:rPr>
+                            <m:t>𝑚</m:t>
+                          </m:r>
+                        </m:e>
+                        <m:sub>
+                          <m:r>
+                            <a:rPr lang="es-CL" sz="2400" b="0" i="1" smtClean="0">
+                              <a:solidFill>
+                                <a:schemeClr val="tx1"/>
+                              </a:solidFill>
+                              <a:latin typeface="Cambria Math" panose="02040503050406030204" pitchFamily="18" charset="0"/>
+                            </a:rPr>
+                            <m:t>2</m:t>
+                          </m:r>
+                        </m:sub>
+                      </m:sSub>
+                    </m:oMath>
+                  </m:oMathPara>
+                </a14:m>
+                <a:endParaRPr lang="en-US" sz="2400" dirty="0"/>
+              </a:p>
+            </p:txBody>
+          </p:sp>
+        </mc:Choice>
+        <mc:Fallback xmlns="">
+          <p:sp>
+            <p:nvSpPr>
+              <p:cNvPr id="58" name="TextBox 57">
+                <a:extLst>
+                  <a:ext uri="{FF2B5EF4-FFF2-40B4-BE49-F238E27FC236}">
+                    <a16:creationId xmlns:a16="http://schemas.microsoft.com/office/drawing/2014/main" id="{3CA7C214-1836-DEB9-C974-B0277F3EA0F8}"/>
+                  </a:ext>
+                </a:extLst>
+              </p:cNvPr>
+              <p:cNvSpPr txBox="1">
+                <a:spLocks noRot="1" noChangeAspect="1" noMove="1" noResize="1" noEditPoints="1" noAdjustHandles="1" noChangeArrowheads="1" noChangeShapeType="1" noTextEdit="1"/>
+              </p:cNvSpPr>
+              <p:nvPr/>
+            </p:nvSpPr>
+            <p:spPr>
+              <a:xfrm>
+                <a:off x="7868711" y="4927951"/>
+                <a:ext cx="580426" cy="461665"/>
+              </a:xfrm>
+              <a:prstGeom prst="rect">
+                <a:avLst/>
+              </a:prstGeom>
+              <a:blipFill>
+                <a:blip r:embed="rId10"/>
+                <a:stretch>
+                  <a:fillRect b="-1316"/>
+                </a:stretch>
+              </a:blipFill>
+            </p:spPr>
+            <p:txBody>
+              <a:bodyPr/>
+              <a:lstStyle/>
+              <a:p>
+                <a:r>
+                  <a:rPr lang="en-US">
+                    <a:noFill/>
+                  </a:rPr>
+                  <a:t> </a:t>
+                </a:r>
+              </a:p>
+            </p:txBody>
+          </p:sp>
+        </mc:Fallback>
+      </mc:AlternateContent>
+      <mc:AlternateContent xmlns:mc="http://schemas.openxmlformats.org/markup-compatibility/2006" xmlns:a14="http://schemas.microsoft.com/office/drawing/2010/main">
+        <mc:Choice Requires="a14">
+          <p:sp>
+            <p:nvSpPr>
+              <p:cNvPr id="60" name="TextBox 59">
+                <a:extLst>
+                  <a:ext uri="{FF2B5EF4-FFF2-40B4-BE49-F238E27FC236}">
+                    <a16:creationId xmlns:a16="http://schemas.microsoft.com/office/drawing/2014/main" id="{C63D93E3-4894-2C20-88BF-8B6DE14CCD25}"/>
+                  </a:ext>
+                </a:extLst>
+              </p:cNvPr>
+              <p:cNvSpPr txBox="1"/>
+              <p:nvPr/>
+            </p:nvSpPr>
+            <p:spPr>
+              <a:xfrm>
+                <a:off x="6677864" y="4927951"/>
+                <a:ext cx="580426" cy="461665"/>
+              </a:xfrm>
+              <a:prstGeom prst="rect">
+                <a:avLst/>
+              </a:prstGeom>
+              <a:noFill/>
+            </p:spPr>
+            <p:txBody>
+              <a:bodyPr wrap="square">
+                <a:spAutoFit/>
+              </a:bodyPr>
+              <a:lstStyle/>
+              <a:p>
+                <a:pPr/>
+                <a14:m>
+                  <m:oMathPara xmlns:m="http://schemas.openxmlformats.org/officeDocument/2006/math">
+                    <m:oMathParaPr>
+                      <m:jc m:val="centerGroup"/>
+                    </m:oMathParaPr>
+                    <m:oMath xmlns:m="http://schemas.openxmlformats.org/officeDocument/2006/math">
+                      <m:sSub>
+                        <m:sSubPr>
+                          <m:ctrlPr>
+                            <a:rPr lang="es-CL" sz="2400" b="0" i="1" smtClean="0">
+                              <a:solidFill>
+                                <a:schemeClr val="tx1"/>
+                              </a:solidFill>
+                              <a:latin typeface="Cambria Math" panose="02040503050406030204" pitchFamily="18" charset="0"/>
+                            </a:rPr>
+                          </m:ctrlPr>
+                        </m:sSubPr>
+                        <m:e>
+                          <m:r>
+                            <a:rPr lang="es-CL" sz="2400" b="0" i="1" smtClean="0">
+                              <a:solidFill>
+                                <a:schemeClr val="tx1"/>
+                              </a:solidFill>
+                              <a:latin typeface="Cambria Math" panose="02040503050406030204" pitchFamily="18" charset="0"/>
+                            </a:rPr>
+                            <m:t>𝑚</m:t>
+                          </m:r>
+                        </m:e>
+                        <m:sub>
+                          <m:r>
+                            <a:rPr lang="es-CL" sz="2400" b="0" i="1" smtClean="0">
+                              <a:solidFill>
+                                <a:schemeClr val="tx1"/>
+                              </a:solidFill>
+                              <a:latin typeface="Cambria Math" panose="02040503050406030204" pitchFamily="18" charset="0"/>
+                            </a:rPr>
+                            <m:t>1</m:t>
+                          </m:r>
+                        </m:sub>
+                      </m:sSub>
+                    </m:oMath>
+                  </m:oMathPara>
+                </a14:m>
+                <a:endParaRPr lang="en-US" sz="2400" dirty="0"/>
+              </a:p>
+            </p:txBody>
+          </p:sp>
+        </mc:Choice>
+        <mc:Fallback xmlns="">
+          <p:sp>
+            <p:nvSpPr>
+              <p:cNvPr id="60" name="TextBox 59">
+                <a:extLst>
+                  <a:ext uri="{FF2B5EF4-FFF2-40B4-BE49-F238E27FC236}">
+                    <a16:creationId xmlns:a16="http://schemas.microsoft.com/office/drawing/2014/main" id="{C63D93E3-4894-2C20-88BF-8B6DE14CCD25}"/>
+                  </a:ext>
+                </a:extLst>
+              </p:cNvPr>
+              <p:cNvSpPr txBox="1">
+                <a:spLocks noRot="1" noChangeAspect="1" noMove="1" noResize="1" noEditPoints="1" noAdjustHandles="1" noChangeArrowheads="1" noChangeShapeType="1" noTextEdit="1"/>
+              </p:cNvSpPr>
+              <p:nvPr/>
+            </p:nvSpPr>
+            <p:spPr>
+              <a:xfrm>
+                <a:off x="6677864" y="4927951"/>
+                <a:ext cx="580426" cy="461665"/>
+              </a:xfrm>
+              <a:prstGeom prst="rect">
+                <a:avLst/>
+              </a:prstGeom>
+              <a:blipFill>
+                <a:blip r:embed="rId11"/>
+                <a:stretch>
+                  <a:fillRect b="-1316"/>
+                </a:stretch>
+              </a:blipFill>
+            </p:spPr>
+            <p:txBody>
+              <a:bodyPr/>
+              <a:lstStyle/>
+              <a:p>
+                <a:r>
+                  <a:rPr lang="en-US">
+                    <a:noFill/>
+                  </a:rPr>
+                  <a:t> </a:t>
+                </a:r>
+              </a:p>
+            </p:txBody>
+          </p:sp>
+        </mc:Fallback>
+      </mc:AlternateContent>
+      <mc:AlternateContent xmlns:mc="http://schemas.openxmlformats.org/markup-compatibility/2006" xmlns:a14="http://schemas.microsoft.com/office/drawing/2010/main">
+        <mc:Choice Requires="a14">
+          <p:sp>
+            <p:nvSpPr>
+              <p:cNvPr id="62" name="TextBox 61">
+                <a:extLst>
+                  <a:ext uri="{FF2B5EF4-FFF2-40B4-BE49-F238E27FC236}">
+                    <a16:creationId xmlns:a16="http://schemas.microsoft.com/office/drawing/2014/main" id="{56FB5BC9-A81F-3E9C-207F-FDED394AB6FE}"/>
+                  </a:ext>
+                </a:extLst>
+              </p:cNvPr>
+              <p:cNvSpPr txBox="1"/>
+              <p:nvPr/>
+            </p:nvSpPr>
+            <p:spPr>
+              <a:xfrm>
+                <a:off x="7868711" y="5677419"/>
+                <a:ext cx="580426" cy="461665"/>
+              </a:xfrm>
+              <a:prstGeom prst="rect">
+                <a:avLst/>
+              </a:prstGeom>
+              <a:noFill/>
+            </p:spPr>
+            <p:txBody>
+              <a:bodyPr wrap="square">
+                <a:spAutoFit/>
+              </a:bodyPr>
+              <a:lstStyle/>
+              <a:p>
+                <a:pPr/>
+                <a14:m>
+                  <m:oMathPara xmlns:m="http://schemas.openxmlformats.org/officeDocument/2006/math">
+                    <m:oMathParaPr>
+                      <m:jc m:val="centerGroup"/>
+                    </m:oMathParaPr>
+                    <m:oMath xmlns:m="http://schemas.openxmlformats.org/officeDocument/2006/math">
+                      <m:sSub>
+                        <m:sSubPr>
+                          <m:ctrlPr>
+                            <a:rPr lang="es-CL" sz="2400" b="0" i="1" smtClean="0">
+                              <a:solidFill>
+                                <a:schemeClr val="tx1"/>
+                              </a:solidFill>
+                              <a:latin typeface="Cambria Math" panose="02040503050406030204" pitchFamily="18" charset="0"/>
+                            </a:rPr>
+                          </m:ctrlPr>
+                        </m:sSubPr>
+                        <m:e>
+                          <m:r>
+                            <a:rPr lang="es-CL" sz="2400" b="0" i="1" smtClean="0">
+                              <a:solidFill>
+                                <a:schemeClr val="tx1"/>
+                              </a:solidFill>
+                              <a:latin typeface="Cambria Math" panose="02040503050406030204" pitchFamily="18" charset="0"/>
+                            </a:rPr>
+                            <m:t>𝑚</m:t>
+                          </m:r>
+                        </m:e>
+                        <m:sub>
+                          <m:r>
+                            <a:rPr lang="es-CL" sz="2400" b="0" i="1" smtClean="0">
+                              <a:solidFill>
+                                <a:schemeClr val="tx1"/>
+                              </a:solidFill>
+                              <a:latin typeface="Cambria Math" panose="02040503050406030204" pitchFamily="18" charset="0"/>
+                            </a:rPr>
+                            <m:t>2</m:t>
+                          </m:r>
+                        </m:sub>
+                      </m:sSub>
+                    </m:oMath>
+                  </m:oMathPara>
+                </a14:m>
+                <a:endParaRPr lang="en-US" sz="2400" dirty="0"/>
+              </a:p>
+            </p:txBody>
+          </p:sp>
+        </mc:Choice>
+        <mc:Fallback xmlns="">
+          <p:sp>
+            <p:nvSpPr>
+              <p:cNvPr id="62" name="TextBox 61">
+                <a:extLst>
+                  <a:ext uri="{FF2B5EF4-FFF2-40B4-BE49-F238E27FC236}">
+                    <a16:creationId xmlns:a16="http://schemas.microsoft.com/office/drawing/2014/main" id="{56FB5BC9-A81F-3E9C-207F-FDED394AB6FE}"/>
+                  </a:ext>
+                </a:extLst>
+              </p:cNvPr>
+              <p:cNvSpPr txBox="1">
+                <a:spLocks noRot="1" noChangeAspect="1" noMove="1" noResize="1" noEditPoints="1" noAdjustHandles="1" noChangeArrowheads="1" noChangeShapeType="1" noTextEdit="1"/>
+              </p:cNvSpPr>
+              <p:nvPr/>
+            </p:nvSpPr>
+            <p:spPr>
+              <a:xfrm>
+                <a:off x="7868711" y="5677419"/>
+                <a:ext cx="580426" cy="461665"/>
+              </a:xfrm>
+              <a:prstGeom prst="rect">
+                <a:avLst/>
+              </a:prstGeom>
+              <a:blipFill>
+                <a:blip r:embed="rId12"/>
+                <a:stretch>
+                  <a:fillRect b="-1316"/>
+                </a:stretch>
+              </a:blipFill>
+            </p:spPr>
+            <p:txBody>
+              <a:bodyPr/>
+              <a:lstStyle/>
+              <a:p>
+                <a:r>
+                  <a:rPr lang="en-US">
+                    <a:noFill/>
+                  </a:rPr>
+                  <a:t> </a:t>
+                </a:r>
+              </a:p>
+            </p:txBody>
+          </p:sp>
+        </mc:Fallback>
+      </mc:AlternateContent>
+      <mc:AlternateContent xmlns:mc="http://schemas.openxmlformats.org/markup-compatibility/2006" xmlns:a14="http://schemas.microsoft.com/office/drawing/2010/main">
+        <mc:Choice Requires="a14">
+          <p:sp>
+            <p:nvSpPr>
+              <p:cNvPr id="64" name="TextBox 63">
+                <a:extLst>
+                  <a:ext uri="{FF2B5EF4-FFF2-40B4-BE49-F238E27FC236}">
+                    <a16:creationId xmlns:a16="http://schemas.microsoft.com/office/drawing/2014/main" id="{424850D1-A26B-69A1-0FFE-01A7CD0CAB08}"/>
+                  </a:ext>
+                </a:extLst>
+              </p:cNvPr>
+              <p:cNvSpPr txBox="1"/>
+              <p:nvPr/>
+            </p:nvSpPr>
+            <p:spPr>
+              <a:xfrm>
+                <a:off x="7258290" y="5677419"/>
+                <a:ext cx="580426" cy="461665"/>
+              </a:xfrm>
+              <a:prstGeom prst="rect">
+                <a:avLst/>
+              </a:prstGeom>
+              <a:noFill/>
+            </p:spPr>
+            <p:txBody>
+              <a:bodyPr wrap="square">
+                <a:spAutoFit/>
+              </a:bodyPr>
+              <a:lstStyle/>
+              <a:p>
+                <a:pPr/>
+                <a14:m>
+                  <m:oMathPara xmlns:m="http://schemas.openxmlformats.org/officeDocument/2006/math">
+                    <m:oMathParaPr>
+                      <m:jc m:val="centerGroup"/>
+                    </m:oMathParaPr>
+                    <m:oMath xmlns:m="http://schemas.openxmlformats.org/officeDocument/2006/math">
+                      <m:sSub>
+                        <m:sSubPr>
+                          <m:ctrlPr>
+                            <a:rPr lang="es-CL" sz="2400" b="0" i="1" smtClean="0">
+                              <a:solidFill>
+                                <a:schemeClr val="tx1"/>
+                              </a:solidFill>
+                              <a:latin typeface="Cambria Math" panose="02040503050406030204" pitchFamily="18" charset="0"/>
+                            </a:rPr>
+                          </m:ctrlPr>
+                        </m:sSubPr>
+                        <m:e>
+                          <m:r>
+                            <a:rPr lang="es-CL" sz="2400" b="0" i="1" smtClean="0">
+                              <a:solidFill>
+                                <a:schemeClr val="tx1"/>
+                              </a:solidFill>
+                              <a:latin typeface="Cambria Math" panose="02040503050406030204" pitchFamily="18" charset="0"/>
+                            </a:rPr>
+                            <m:t>𝑚</m:t>
+                          </m:r>
+                        </m:e>
+                        <m:sub>
+                          <m:r>
+                            <a:rPr lang="es-CL" sz="2400" b="0" i="1" smtClean="0">
+                              <a:solidFill>
+                                <a:schemeClr val="tx1"/>
+                              </a:solidFill>
+                              <a:latin typeface="Cambria Math" panose="02040503050406030204" pitchFamily="18" charset="0"/>
+                            </a:rPr>
+                            <m:t>3</m:t>
+                          </m:r>
+                        </m:sub>
+                      </m:sSub>
+                    </m:oMath>
+                  </m:oMathPara>
+                </a14:m>
+                <a:endParaRPr lang="en-US" sz="2400" dirty="0"/>
+              </a:p>
+            </p:txBody>
+          </p:sp>
+        </mc:Choice>
+        <mc:Fallback xmlns="">
+          <p:sp>
+            <p:nvSpPr>
+              <p:cNvPr id="64" name="TextBox 63">
+                <a:extLst>
+                  <a:ext uri="{FF2B5EF4-FFF2-40B4-BE49-F238E27FC236}">
+                    <a16:creationId xmlns:a16="http://schemas.microsoft.com/office/drawing/2014/main" id="{424850D1-A26B-69A1-0FFE-01A7CD0CAB08}"/>
+                  </a:ext>
+                </a:extLst>
+              </p:cNvPr>
+              <p:cNvSpPr txBox="1">
+                <a:spLocks noRot="1" noChangeAspect="1" noMove="1" noResize="1" noEditPoints="1" noAdjustHandles="1" noChangeArrowheads="1" noChangeShapeType="1" noTextEdit="1"/>
+              </p:cNvSpPr>
+              <p:nvPr/>
+            </p:nvSpPr>
+            <p:spPr>
+              <a:xfrm>
+                <a:off x="7258290" y="5677419"/>
+                <a:ext cx="580426" cy="461665"/>
+              </a:xfrm>
+              <a:prstGeom prst="rect">
+                <a:avLst/>
+              </a:prstGeom>
+              <a:blipFill>
+                <a:blip r:embed="rId13"/>
+                <a:stretch>
+                  <a:fillRect b="-1316"/>
+                </a:stretch>
+              </a:blipFill>
+            </p:spPr>
+            <p:txBody>
+              <a:bodyPr/>
+              <a:lstStyle/>
+              <a:p>
+                <a:r>
+                  <a:rPr lang="en-US">
+                    <a:noFill/>
+                  </a:rPr>
+                  <a:t> </a:t>
+                </a:r>
+              </a:p>
+            </p:txBody>
+          </p:sp>
+        </mc:Fallback>
+      </mc:AlternateContent>
+      <mc:AlternateContent xmlns:mc="http://schemas.openxmlformats.org/markup-compatibility/2006" xmlns:a14="http://schemas.microsoft.com/office/drawing/2010/main">
+        <mc:Choice Requires="a14">
+          <p:sp>
+            <p:nvSpPr>
+              <p:cNvPr id="66" name="TextBox 65">
+                <a:extLst>
+                  <a:ext uri="{FF2B5EF4-FFF2-40B4-BE49-F238E27FC236}">
+                    <a16:creationId xmlns:a16="http://schemas.microsoft.com/office/drawing/2014/main" id="{277E0CD3-C652-9DB6-797F-09CC01E5CEA3}"/>
+                  </a:ext>
+                </a:extLst>
+              </p:cNvPr>
+              <p:cNvSpPr txBox="1"/>
+              <p:nvPr/>
+            </p:nvSpPr>
+            <p:spPr>
+              <a:xfrm>
+                <a:off x="7258290" y="4927951"/>
+                <a:ext cx="580426" cy="461665"/>
+              </a:xfrm>
+              <a:prstGeom prst="rect">
+                <a:avLst/>
+              </a:prstGeom>
+              <a:noFill/>
+            </p:spPr>
+            <p:txBody>
+              <a:bodyPr wrap="square">
+                <a:spAutoFit/>
+              </a:bodyPr>
+              <a:lstStyle/>
+              <a:p>
+                <a:pPr/>
+                <a14:m>
+                  <m:oMathPara xmlns:m="http://schemas.openxmlformats.org/officeDocument/2006/math">
+                    <m:oMathParaPr>
+                      <m:jc m:val="centerGroup"/>
+                    </m:oMathParaPr>
+                    <m:oMath xmlns:m="http://schemas.openxmlformats.org/officeDocument/2006/math">
+                      <m:sSub>
+                        <m:sSubPr>
+                          <m:ctrlPr>
+                            <a:rPr lang="es-CL" sz="2400" b="0" i="1" smtClean="0">
+                              <a:solidFill>
+                                <a:schemeClr val="tx1"/>
+                              </a:solidFill>
+                              <a:latin typeface="Cambria Math" panose="02040503050406030204" pitchFamily="18" charset="0"/>
+                            </a:rPr>
+                          </m:ctrlPr>
+                        </m:sSubPr>
+                        <m:e>
+                          <m:r>
+                            <a:rPr lang="es-CL" sz="2400" b="0" i="1" smtClean="0">
+                              <a:solidFill>
+                                <a:schemeClr val="tx1"/>
+                              </a:solidFill>
+                              <a:latin typeface="Cambria Math" panose="02040503050406030204" pitchFamily="18" charset="0"/>
+                            </a:rPr>
+                            <m:t>𝑚</m:t>
+                          </m:r>
+                        </m:e>
+                        <m:sub>
+                          <m:r>
+                            <a:rPr lang="es-CL" sz="2400" b="0" i="1" smtClean="0">
+                              <a:solidFill>
+                                <a:schemeClr val="tx1"/>
+                              </a:solidFill>
+                              <a:latin typeface="Cambria Math" panose="02040503050406030204" pitchFamily="18" charset="0"/>
+                            </a:rPr>
+                            <m:t>3</m:t>
+                          </m:r>
+                        </m:sub>
+                      </m:sSub>
+                    </m:oMath>
+                  </m:oMathPara>
+                </a14:m>
+                <a:endParaRPr lang="en-US" sz="2400" dirty="0"/>
+              </a:p>
+            </p:txBody>
+          </p:sp>
+        </mc:Choice>
+        <mc:Fallback xmlns="">
+          <p:sp>
+            <p:nvSpPr>
+              <p:cNvPr id="66" name="TextBox 65">
+                <a:extLst>
+                  <a:ext uri="{FF2B5EF4-FFF2-40B4-BE49-F238E27FC236}">
+                    <a16:creationId xmlns:a16="http://schemas.microsoft.com/office/drawing/2014/main" id="{277E0CD3-C652-9DB6-797F-09CC01E5CEA3}"/>
+                  </a:ext>
+                </a:extLst>
+              </p:cNvPr>
+              <p:cNvSpPr txBox="1">
+                <a:spLocks noRot="1" noChangeAspect="1" noMove="1" noResize="1" noEditPoints="1" noAdjustHandles="1" noChangeArrowheads="1" noChangeShapeType="1" noTextEdit="1"/>
+              </p:cNvSpPr>
+              <p:nvPr/>
+            </p:nvSpPr>
+            <p:spPr>
+              <a:xfrm>
+                <a:off x="7258290" y="4927951"/>
+                <a:ext cx="580426" cy="461665"/>
+              </a:xfrm>
+              <a:prstGeom prst="rect">
+                <a:avLst/>
+              </a:prstGeom>
+              <a:blipFill>
+                <a:blip r:embed="rId14"/>
+                <a:stretch>
+                  <a:fillRect b="-1316"/>
+                </a:stretch>
+              </a:blipFill>
+            </p:spPr>
+            <p:txBody>
+              <a:bodyPr/>
+              <a:lstStyle/>
+              <a:p>
+                <a:r>
+                  <a:rPr lang="en-US">
+                    <a:noFill/>
+                  </a:rPr>
+                  <a:t> </a:t>
+                </a:r>
+              </a:p>
+            </p:txBody>
+          </p:sp>
+        </mc:Fallback>
+      </mc:AlternateContent>
+      <mc:AlternateContent xmlns:mc="http://schemas.openxmlformats.org/markup-compatibility/2006" xmlns:a14="http://schemas.microsoft.com/office/drawing/2010/main">
+        <mc:Choice Requires="a14">
+          <p:sp>
+            <p:nvSpPr>
+              <p:cNvPr id="73" name="TextBox 72">
+                <a:extLst>
+                  <a:ext uri="{FF2B5EF4-FFF2-40B4-BE49-F238E27FC236}">
+                    <a16:creationId xmlns:a16="http://schemas.microsoft.com/office/drawing/2014/main" id="{E925A516-5090-6336-0FFE-99CF1BA72B29}"/>
+                  </a:ext>
+                </a:extLst>
+              </p:cNvPr>
+              <p:cNvSpPr txBox="1"/>
+              <p:nvPr/>
+            </p:nvSpPr>
+            <p:spPr>
+              <a:xfrm>
+                <a:off x="7422145" y="2055765"/>
+                <a:ext cx="580426" cy="461665"/>
+              </a:xfrm>
+              <a:prstGeom prst="rect">
+                <a:avLst/>
+              </a:prstGeom>
+              <a:noFill/>
+            </p:spPr>
+            <p:txBody>
+              <a:bodyPr wrap="square">
+                <a:spAutoFit/>
+              </a:bodyPr>
+              <a:lstStyle/>
+              <a:p>
+                <a:pPr/>
+                <a14:m>
+                  <m:oMathPara xmlns:m="http://schemas.openxmlformats.org/officeDocument/2006/math">
+                    <m:oMathParaPr>
+                      <m:jc m:val="centerGroup"/>
+                    </m:oMathParaPr>
+                    <m:oMath xmlns:m="http://schemas.openxmlformats.org/officeDocument/2006/math">
+                      <m:sSub>
+                        <m:sSubPr>
+                          <m:ctrlPr>
+                            <a:rPr lang="es-CL" sz="2400" b="0" i="1" smtClean="0">
+                              <a:solidFill>
+                                <a:schemeClr val="tx1"/>
+                              </a:solidFill>
+                              <a:latin typeface="Cambria Math" panose="02040503050406030204" pitchFamily="18" charset="0"/>
+                            </a:rPr>
+                          </m:ctrlPr>
+                        </m:sSubPr>
+                        <m:e>
+                          <m:r>
+                            <a:rPr lang="es-CL" sz="2400" b="0" i="1" smtClean="0">
+                              <a:solidFill>
+                                <a:schemeClr val="tx1"/>
+                              </a:solidFill>
+                              <a:latin typeface="Cambria Math" panose="02040503050406030204" pitchFamily="18" charset="0"/>
+                            </a:rPr>
+                            <m:t>𝑥</m:t>
+                          </m:r>
+                        </m:e>
+                        <m:sub>
+                          <m:r>
+                            <a:rPr lang="es-CL" sz="2400" b="0" i="1" smtClean="0">
+                              <a:solidFill>
+                                <a:schemeClr val="tx1"/>
+                              </a:solidFill>
+                              <a:latin typeface="Cambria Math" panose="02040503050406030204" pitchFamily="18" charset="0"/>
+                            </a:rPr>
+                            <m:t>0</m:t>
+                          </m:r>
+                        </m:sub>
+                      </m:sSub>
+                    </m:oMath>
+                  </m:oMathPara>
+                </a14:m>
+                <a:endParaRPr lang="en-US" sz="2400" dirty="0"/>
+              </a:p>
+            </p:txBody>
+          </p:sp>
+        </mc:Choice>
+        <mc:Fallback xmlns="">
+          <p:sp>
+            <p:nvSpPr>
+              <p:cNvPr id="73" name="TextBox 72">
+                <a:extLst>
+                  <a:ext uri="{FF2B5EF4-FFF2-40B4-BE49-F238E27FC236}">
+                    <a16:creationId xmlns:a16="http://schemas.microsoft.com/office/drawing/2014/main" id="{E925A516-5090-6336-0FFE-99CF1BA72B29}"/>
+                  </a:ext>
+                </a:extLst>
+              </p:cNvPr>
+              <p:cNvSpPr txBox="1">
+                <a:spLocks noRot="1" noChangeAspect="1" noMove="1" noResize="1" noEditPoints="1" noAdjustHandles="1" noChangeArrowheads="1" noChangeShapeType="1" noTextEdit="1"/>
+              </p:cNvSpPr>
+              <p:nvPr/>
+            </p:nvSpPr>
+            <p:spPr>
+              <a:xfrm>
+                <a:off x="7422145" y="2055765"/>
+                <a:ext cx="580426" cy="461665"/>
+              </a:xfrm>
+              <a:prstGeom prst="rect">
+                <a:avLst/>
+              </a:prstGeom>
+              <a:blipFill>
+                <a:blip r:embed="rId15"/>
+                <a:stretch>
+                  <a:fillRect b="-1316"/>
+                </a:stretch>
+              </a:blipFill>
+            </p:spPr>
+            <p:txBody>
+              <a:bodyPr/>
+              <a:lstStyle/>
+              <a:p>
+                <a:r>
+                  <a:rPr lang="en-US">
+                    <a:noFill/>
+                  </a:rPr>
+                  <a:t> </a:t>
+                </a:r>
+              </a:p>
+            </p:txBody>
+          </p:sp>
+        </mc:Fallback>
+      </mc:AlternateContent>
+      <mc:AlternateContent xmlns:mc="http://schemas.openxmlformats.org/markup-compatibility/2006" xmlns:a14="http://schemas.microsoft.com/office/drawing/2010/main">
+        <mc:Choice Requires="a14">
+          <p:sp>
+            <p:nvSpPr>
+              <p:cNvPr id="75" name="TextBox 74">
+                <a:extLst>
+                  <a:ext uri="{FF2B5EF4-FFF2-40B4-BE49-F238E27FC236}">
+                    <a16:creationId xmlns:a16="http://schemas.microsoft.com/office/drawing/2014/main" id="{83C6BD86-BF77-990D-B0A8-718521C050A2}"/>
+                  </a:ext>
+                </a:extLst>
+              </p:cNvPr>
+              <p:cNvSpPr txBox="1"/>
+              <p:nvPr/>
+            </p:nvSpPr>
+            <p:spPr>
+              <a:xfrm>
+                <a:off x="9006149" y="1824932"/>
+                <a:ext cx="580426" cy="461665"/>
+              </a:xfrm>
+              <a:prstGeom prst="rect">
+                <a:avLst/>
+              </a:prstGeom>
+              <a:noFill/>
+            </p:spPr>
+            <p:txBody>
+              <a:bodyPr wrap="square">
+                <a:spAutoFit/>
+              </a:bodyPr>
+              <a:lstStyle/>
+              <a:p>
+                <a:pPr/>
+                <a14:m>
+                  <m:oMathPara xmlns:m="http://schemas.openxmlformats.org/officeDocument/2006/math">
+                    <m:oMathParaPr>
+                      <m:jc m:val="centerGroup"/>
+                    </m:oMathParaPr>
+                    <m:oMath xmlns:m="http://schemas.openxmlformats.org/officeDocument/2006/math">
+                      <m:r>
+                        <a:rPr lang="es-CL" sz="2400" b="0" i="1" smtClean="0">
+                          <a:solidFill>
+                            <a:schemeClr val="tx1"/>
+                          </a:solidFill>
+                          <a:latin typeface="Cambria Math" panose="02040503050406030204" pitchFamily="18" charset="0"/>
+                        </a:rPr>
+                        <m:t>𝑥</m:t>
+                      </m:r>
+                    </m:oMath>
+                  </m:oMathPara>
+                </a14:m>
+                <a:endParaRPr lang="en-US" sz="2400" dirty="0"/>
+              </a:p>
+            </p:txBody>
+          </p:sp>
+        </mc:Choice>
+        <mc:Fallback xmlns="">
+          <p:sp>
+            <p:nvSpPr>
+              <p:cNvPr id="75" name="TextBox 74">
+                <a:extLst>
+                  <a:ext uri="{FF2B5EF4-FFF2-40B4-BE49-F238E27FC236}">
+                    <a16:creationId xmlns:a16="http://schemas.microsoft.com/office/drawing/2014/main" id="{83C6BD86-BF77-990D-B0A8-718521C050A2}"/>
+                  </a:ext>
+                </a:extLst>
+              </p:cNvPr>
+              <p:cNvSpPr txBox="1">
+                <a:spLocks noRot="1" noChangeAspect="1" noMove="1" noResize="1" noEditPoints="1" noAdjustHandles="1" noChangeArrowheads="1" noChangeShapeType="1" noTextEdit="1"/>
+              </p:cNvSpPr>
+              <p:nvPr/>
+            </p:nvSpPr>
+            <p:spPr>
+              <a:xfrm>
+                <a:off x="9006149" y="1824932"/>
+                <a:ext cx="580426" cy="461665"/>
+              </a:xfrm>
+              <a:prstGeom prst="rect">
+                <a:avLst/>
+              </a:prstGeom>
+              <a:blipFill>
+                <a:blip r:embed="rId16"/>
+                <a:stretch>
+                  <a:fillRect/>
+                </a:stretch>
+              </a:blipFill>
+            </p:spPr>
+            <p:txBody>
+              <a:bodyPr/>
+              <a:lstStyle/>
+              <a:p>
+                <a:r>
+                  <a:rPr lang="en-US">
+                    <a:noFill/>
+                  </a:rPr>
+                  <a:t> </a:t>
+                </a:r>
+              </a:p>
+            </p:txBody>
+          </p:sp>
+        </mc:Fallback>
+      </mc:AlternateContent>
+    </p:spTree>
+    <p:extLst>
+      <p:ext uri="{BB962C8B-B14F-4D97-AF65-F5344CB8AC3E}">
+        <p14:creationId xmlns:p14="http://schemas.microsoft.com/office/powerpoint/2010/main" val="2911767711"/>
+      </p:ext>
+    </p:extLst>
+  </p:cSld>
+  <p:clrMapOvr>
+    <a:masterClrMapping/>
+  </p:clrMapOvr>
+</p:sld>
+</file>
+
+<file path=ppt/slides/slide17.xml><?xml version="1.0" encoding="utf-8"?>
+<p:sld xmlns:a="http://schemas.openxmlformats.org/drawingml/2006/main" xmlns:r="http://schemas.openxmlformats.org/officeDocument/2006/relationships" xmlns:p="http://schemas.openxmlformats.org/presentationml/2006/main">
+  <p:cSld>
+    <p:spTree>
+      <p:nvGrpSpPr>
+        <p:cNvPr id="1" name=""/>
+        <p:cNvGrpSpPr/>
+        <p:nvPr/>
+      </p:nvGrpSpPr>
+      <p:grpSpPr>
+        <a:xfrm>
+          <a:off x="0" y="0"/>
+          <a:ext cx="0" cy="0"/>
+          <a:chOff x="0" y="0"/>
+          <a:chExt cx="0" cy="0"/>
+        </a:xfrm>
+      </p:grpSpPr>
+      <p:pic>
+        <p:nvPicPr>
+          <p:cNvPr id="19" name="Picture 18">
+            <a:extLst>
+              <a:ext uri="{FF2B5EF4-FFF2-40B4-BE49-F238E27FC236}">
+                <a16:creationId xmlns:a16="http://schemas.microsoft.com/office/drawing/2014/main" id="{A22448F2-07AB-7430-8501-C566BD61C528}"/>
+              </a:ext>
+            </a:extLst>
+          </p:cNvPr>
+          <p:cNvPicPr>
+            <a:picLocks noChangeAspect="1"/>
+          </p:cNvPicPr>
+          <p:nvPr/>
+        </p:nvPicPr>
+        <p:blipFill>
+          <a:blip r:embed="rId2"/>
+          <a:stretch>
+            <a:fillRect/>
+          </a:stretch>
+        </p:blipFill>
+        <p:spPr>
+          <a:xfrm>
+            <a:off x="1003059" y="914666"/>
+            <a:ext cx="4979361" cy="4318881"/>
+          </a:xfrm>
+          <a:prstGeom prst="rect">
+            <a:avLst/>
+          </a:prstGeom>
+        </p:spPr>
+      </p:pic>
+      <mc:AlternateContent xmlns:mc="http://schemas.openxmlformats.org/markup-compatibility/2006">
+        <mc:Choice xmlns:a14="http://schemas.microsoft.com/office/drawing/2010/main" Requires="a14">
+          <p:sp>
+            <p:nvSpPr>
+              <p:cNvPr id="73" name="TextBox 72">
+                <a:extLst>
+                  <a:ext uri="{FF2B5EF4-FFF2-40B4-BE49-F238E27FC236}">
+                    <a16:creationId xmlns:a16="http://schemas.microsoft.com/office/drawing/2014/main" id="{E925A516-5090-6336-0FFE-99CF1BA72B29}"/>
+                  </a:ext>
+                </a:extLst>
+              </p:cNvPr>
+              <p:cNvSpPr txBox="1"/>
+              <p:nvPr/>
+            </p:nvSpPr>
+            <p:spPr>
+              <a:xfrm>
+                <a:off x="4396766" y="3990537"/>
+                <a:ext cx="580426" cy="461665"/>
+              </a:xfrm>
+              <a:prstGeom prst="rect">
+                <a:avLst/>
+              </a:prstGeom>
+              <a:noFill/>
+            </p:spPr>
+            <p:txBody>
+              <a:bodyPr wrap="square">
+                <a:spAutoFit/>
+              </a:bodyPr>
+              <a:lstStyle/>
+              <a:p>
+                <a:pPr/>
+                <a14:m>
+                  <m:oMathPara xmlns:m="http://schemas.openxmlformats.org/officeDocument/2006/math">
+                    <m:oMathParaPr>
+                      <m:jc m:val="centerGroup"/>
+                    </m:oMathParaPr>
+                    <m:oMath xmlns:m="http://schemas.openxmlformats.org/officeDocument/2006/math">
+                      <m:sSub>
+                        <m:sSubPr>
+                          <m:ctrlPr>
+                            <a:rPr lang="es-CL" sz="2400" b="0" i="1" smtClean="0">
+                              <a:solidFill>
+                                <a:schemeClr val="tx1"/>
+                              </a:solidFill>
+                              <a:latin typeface="Cambria Math" panose="02040503050406030204" pitchFamily="18" charset="0"/>
+                            </a:rPr>
+                          </m:ctrlPr>
+                        </m:sSubPr>
+                        <m:e>
+                          <m:r>
+                            <a:rPr lang="es-CL" sz="2400" b="0" i="1" smtClean="0">
+                              <a:solidFill>
+                                <a:schemeClr val="tx1"/>
+                              </a:solidFill>
+                              <a:latin typeface="Cambria Math" panose="02040503050406030204" pitchFamily="18" charset="0"/>
+                            </a:rPr>
+                            <m:t>𝑥</m:t>
+                          </m:r>
+                        </m:e>
+                        <m:sub>
+                          <m:r>
+                            <a:rPr lang="es-CL" sz="2400" b="0" i="1" smtClean="0">
+                              <a:solidFill>
+                                <a:schemeClr val="tx1"/>
+                              </a:solidFill>
+                              <a:latin typeface="Cambria Math" panose="02040503050406030204" pitchFamily="18" charset="0"/>
+                            </a:rPr>
+                            <m:t>𝑘</m:t>
+                          </m:r>
+                        </m:sub>
+                      </m:sSub>
+                    </m:oMath>
+                  </m:oMathPara>
+                </a14:m>
+                <a:endParaRPr lang="en-US" sz="2400" dirty="0"/>
+              </a:p>
+            </p:txBody>
+          </p:sp>
+        </mc:Choice>
+        <mc:Fallback>
+          <p:sp>
+            <p:nvSpPr>
+              <p:cNvPr id="73" name="TextBox 72">
+                <a:extLst>
+                  <a:ext uri="{FF2B5EF4-FFF2-40B4-BE49-F238E27FC236}">
+                    <a16:creationId xmlns:a16="http://schemas.microsoft.com/office/drawing/2014/main" id="{E925A516-5090-6336-0FFE-99CF1BA72B29}"/>
+                  </a:ext>
+                </a:extLst>
+              </p:cNvPr>
+              <p:cNvSpPr txBox="1">
+                <a:spLocks noRot="1" noChangeAspect="1" noMove="1" noResize="1" noEditPoints="1" noAdjustHandles="1" noChangeArrowheads="1" noChangeShapeType="1" noTextEdit="1"/>
+              </p:cNvSpPr>
+              <p:nvPr/>
+            </p:nvSpPr>
+            <p:spPr>
+              <a:xfrm>
+                <a:off x="4396766" y="3990537"/>
+                <a:ext cx="580426" cy="461665"/>
+              </a:xfrm>
+              <a:prstGeom prst="rect">
+                <a:avLst/>
+              </a:prstGeom>
+              <a:blipFill>
+                <a:blip r:embed="rId3"/>
+                <a:stretch>
+                  <a:fillRect b="-2667"/>
+                </a:stretch>
+              </a:blipFill>
+            </p:spPr>
+            <p:txBody>
+              <a:bodyPr/>
+              <a:lstStyle/>
+              <a:p>
+                <a:r>
+                  <a:rPr lang="en-US">
+                    <a:noFill/>
+                  </a:rPr>
+                  <a:t> </a:t>
+                </a:r>
+              </a:p>
+            </p:txBody>
+          </p:sp>
+        </mc:Fallback>
+      </mc:AlternateContent>
+      <mc:AlternateContent xmlns:mc="http://schemas.openxmlformats.org/markup-compatibility/2006">
+        <mc:Choice xmlns:a14="http://schemas.microsoft.com/office/drawing/2010/main" Requires="a14">
+          <p:sp>
+            <p:nvSpPr>
+              <p:cNvPr id="21" name="TextBox 20">
+                <a:extLst>
+                  <a:ext uri="{FF2B5EF4-FFF2-40B4-BE49-F238E27FC236}">
+                    <a16:creationId xmlns:a16="http://schemas.microsoft.com/office/drawing/2014/main" id="{D228B601-4C42-94D1-5A92-E366BF0470E5}"/>
+                  </a:ext>
+                </a:extLst>
+              </p:cNvPr>
+              <p:cNvSpPr txBox="1"/>
+              <p:nvPr/>
+            </p:nvSpPr>
+            <p:spPr>
+              <a:xfrm>
+                <a:off x="3554006" y="3990536"/>
+                <a:ext cx="580426" cy="461665"/>
+              </a:xfrm>
+              <a:prstGeom prst="rect">
+                <a:avLst/>
+              </a:prstGeom>
+              <a:noFill/>
+            </p:spPr>
+            <p:txBody>
+              <a:bodyPr wrap="square">
+                <a:spAutoFit/>
+              </a:bodyPr>
+              <a:lstStyle/>
+              <a:p>
+                <a:pPr/>
+                <a14:m>
+                  <m:oMathPara xmlns:m="http://schemas.openxmlformats.org/officeDocument/2006/math">
+                    <m:oMathParaPr>
+                      <m:jc m:val="centerGroup"/>
+                    </m:oMathParaPr>
+                    <m:oMath xmlns:m="http://schemas.openxmlformats.org/officeDocument/2006/math">
+                      <m:sSub>
+                        <m:sSubPr>
+                          <m:ctrlPr>
+                            <a:rPr lang="es-CL" sz="2400" b="0" i="1" smtClean="0">
+                              <a:solidFill>
+                                <a:schemeClr val="tx1"/>
+                              </a:solidFill>
+                              <a:latin typeface="Cambria Math" panose="02040503050406030204" pitchFamily="18" charset="0"/>
+                            </a:rPr>
+                          </m:ctrlPr>
+                        </m:sSubPr>
+                        <m:e>
+                          <m:r>
+                            <a:rPr lang="es-CL" sz="2400" b="0" i="1" smtClean="0">
+                              <a:solidFill>
+                                <a:schemeClr val="tx1"/>
+                              </a:solidFill>
+                              <a:latin typeface="Cambria Math" panose="02040503050406030204" pitchFamily="18" charset="0"/>
+                            </a:rPr>
+                            <m:t>𝑥</m:t>
+                          </m:r>
+                        </m:e>
+                        <m:sub>
+                          <m:r>
+                            <a:rPr lang="es-CL" sz="2400" b="0" i="1" smtClean="0">
+                              <a:solidFill>
+                                <a:schemeClr val="tx1"/>
+                              </a:solidFill>
+                              <a:latin typeface="Cambria Math" panose="02040503050406030204" pitchFamily="18" charset="0"/>
+                            </a:rPr>
+                            <m:t>𝑘</m:t>
+                          </m:r>
+                          <m:r>
+                            <a:rPr lang="es-CL" sz="2400" b="0" i="1" smtClean="0">
+                              <a:solidFill>
+                                <a:schemeClr val="tx1"/>
+                              </a:solidFill>
+                              <a:latin typeface="Cambria Math" panose="02040503050406030204" pitchFamily="18" charset="0"/>
+                            </a:rPr>
+                            <m:t>+1</m:t>
+                          </m:r>
+                        </m:sub>
+                      </m:sSub>
+                    </m:oMath>
+                  </m:oMathPara>
+                </a14:m>
+                <a:endParaRPr lang="en-US" sz="2400" dirty="0"/>
+              </a:p>
+            </p:txBody>
+          </p:sp>
+        </mc:Choice>
+        <mc:Fallback>
+          <p:sp>
+            <p:nvSpPr>
+              <p:cNvPr id="21" name="TextBox 20">
+                <a:extLst>
+                  <a:ext uri="{FF2B5EF4-FFF2-40B4-BE49-F238E27FC236}">
+                    <a16:creationId xmlns:a16="http://schemas.microsoft.com/office/drawing/2014/main" id="{D228B601-4C42-94D1-5A92-E366BF0470E5}"/>
+                  </a:ext>
+                </a:extLst>
+              </p:cNvPr>
+              <p:cNvSpPr txBox="1">
+                <a:spLocks noRot="1" noChangeAspect="1" noMove="1" noResize="1" noEditPoints="1" noAdjustHandles="1" noChangeArrowheads="1" noChangeShapeType="1" noTextEdit="1"/>
+              </p:cNvSpPr>
+              <p:nvPr/>
+            </p:nvSpPr>
+            <p:spPr>
+              <a:xfrm>
+                <a:off x="3554006" y="3990536"/>
+                <a:ext cx="580426" cy="461665"/>
+              </a:xfrm>
+              <a:prstGeom prst="rect">
+                <a:avLst/>
+              </a:prstGeom>
+              <a:blipFill>
+                <a:blip r:embed="rId4"/>
+                <a:stretch>
+                  <a:fillRect r="-30526" b="-2667"/>
+                </a:stretch>
+              </a:blipFill>
+            </p:spPr>
+            <p:txBody>
+              <a:bodyPr/>
+              <a:lstStyle/>
+              <a:p>
+                <a:r>
+                  <a:rPr lang="en-US">
+                    <a:noFill/>
+                  </a:rPr>
+                  <a:t> </a:t>
+                </a:r>
+              </a:p>
+            </p:txBody>
+          </p:sp>
+        </mc:Fallback>
+      </mc:AlternateContent>
+      <mc:AlternateContent xmlns:mc="http://schemas.openxmlformats.org/markup-compatibility/2006">
+        <mc:Choice xmlns:a14="http://schemas.microsoft.com/office/drawing/2010/main" Requires="a14">
+          <p:sp>
+            <p:nvSpPr>
+              <p:cNvPr id="23" name="TextBox 22">
+                <a:extLst>
+                  <a:ext uri="{FF2B5EF4-FFF2-40B4-BE49-F238E27FC236}">
+                    <a16:creationId xmlns:a16="http://schemas.microsoft.com/office/drawing/2014/main" id="{5784953E-70EA-8294-FED8-B80A9EB76E1C}"/>
+                  </a:ext>
+                </a:extLst>
+              </p:cNvPr>
+              <p:cNvSpPr txBox="1"/>
+              <p:nvPr/>
+            </p:nvSpPr>
+            <p:spPr>
+              <a:xfrm>
+                <a:off x="3656832" y="1479102"/>
+                <a:ext cx="955199" cy="461665"/>
+              </a:xfrm>
+              <a:prstGeom prst="rect">
+                <a:avLst/>
+              </a:prstGeom>
+              <a:noFill/>
+            </p:spPr>
+            <p:txBody>
+              <a:bodyPr wrap="square">
+                <a:spAutoFit/>
+              </a:bodyPr>
+              <a:lstStyle/>
+              <a:p>
+                <a:pPr/>
+                <a14:m>
+                  <m:oMathPara xmlns:m="http://schemas.openxmlformats.org/officeDocument/2006/math">
+                    <m:oMathParaPr>
+                      <m:jc m:val="centerGroup"/>
+                    </m:oMathParaPr>
+                    <m:oMath xmlns:m="http://schemas.openxmlformats.org/officeDocument/2006/math">
+                      <m:r>
+                        <a:rPr lang="en-US" sz="2400" b="0" i="1" smtClean="0">
+                          <a:solidFill>
+                            <a:schemeClr val="tx1"/>
+                          </a:solidFill>
+                          <a:latin typeface="Cambria Math" panose="02040503050406030204" pitchFamily="18" charset="0"/>
+                        </a:rPr>
+                        <m:t>𝑓</m:t>
+                      </m:r>
+                      <m:r>
+                        <a:rPr lang="es-CL" sz="2400" b="0" i="1" smtClean="0">
+                          <a:solidFill>
+                            <a:schemeClr val="tx1"/>
+                          </a:solidFill>
+                          <a:latin typeface="Cambria Math" panose="02040503050406030204" pitchFamily="18" charset="0"/>
+                        </a:rPr>
+                        <m:t>′</m:t>
+                      </m:r>
+                      <m:r>
+                        <a:rPr lang="en-US" sz="2400" b="0" i="1" smtClean="0">
+                          <a:solidFill>
+                            <a:schemeClr val="tx1"/>
+                          </a:solidFill>
+                          <a:latin typeface="Cambria Math" panose="02040503050406030204" pitchFamily="18" charset="0"/>
+                        </a:rPr>
+                        <m:t>(</m:t>
+                      </m:r>
+                      <m:sSub>
+                        <m:sSubPr>
+                          <m:ctrlPr>
+                            <a:rPr lang="es-CL" sz="2400" b="0" i="1" smtClean="0">
+                              <a:solidFill>
+                                <a:schemeClr val="tx1"/>
+                              </a:solidFill>
+                              <a:latin typeface="Cambria Math" panose="02040503050406030204" pitchFamily="18" charset="0"/>
+                            </a:rPr>
+                          </m:ctrlPr>
+                        </m:sSubPr>
+                        <m:e>
+                          <m:r>
+                            <a:rPr lang="es-CL" sz="2400" b="0" i="1" smtClean="0">
+                              <a:solidFill>
+                                <a:schemeClr val="tx1"/>
+                              </a:solidFill>
+                              <a:latin typeface="Cambria Math" panose="02040503050406030204" pitchFamily="18" charset="0"/>
+                            </a:rPr>
+                            <m:t>𝑥</m:t>
+                          </m:r>
+                        </m:e>
+                        <m:sub>
+                          <m:r>
+                            <a:rPr lang="es-CL" sz="2400" b="0" i="1" smtClean="0">
+                              <a:solidFill>
+                                <a:schemeClr val="tx1"/>
+                              </a:solidFill>
+                              <a:latin typeface="Cambria Math" panose="02040503050406030204" pitchFamily="18" charset="0"/>
+                            </a:rPr>
+                            <m:t>𝑘</m:t>
+                          </m:r>
+                        </m:sub>
+                      </m:sSub>
+                      <m:r>
+                        <a:rPr lang="en-US" sz="2400" b="0" i="1" smtClean="0">
+                          <a:solidFill>
+                            <a:schemeClr val="tx1"/>
+                          </a:solidFill>
+                          <a:latin typeface="Cambria Math" panose="02040503050406030204" pitchFamily="18" charset="0"/>
+                        </a:rPr>
+                        <m:t>)</m:t>
+                      </m:r>
+                    </m:oMath>
+                  </m:oMathPara>
+                </a14:m>
+                <a:endParaRPr lang="en-US" sz="2400" dirty="0"/>
+              </a:p>
+            </p:txBody>
+          </p:sp>
+        </mc:Choice>
+        <mc:Fallback>
+          <p:sp>
+            <p:nvSpPr>
+              <p:cNvPr id="23" name="TextBox 22">
+                <a:extLst>
+                  <a:ext uri="{FF2B5EF4-FFF2-40B4-BE49-F238E27FC236}">
+                    <a16:creationId xmlns:a16="http://schemas.microsoft.com/office/drawing/2014/main" id="{5784953E-70EA-8294-FED8-B80A9EB76E1C}"/>
+                  </a:ext>
+                </a:extLst>
+              </p:cNvPr>
+              <p:cNvSpPr txBox="1">
+                <a:spLocks noRot="1" noChangeAspect="1" noMove="1" noResize="1" noEditPoints="1" noAdjustHandles="1" noChangeArrowheads="1" noChangeShapeType="1" noTextEdit="1"/>
+              </p:cNvSpPr>
+              <p:nvPr/>
+            </p:nvSpPr>
+            <p:spPr>
+              <a:xfrm>
+                <a:off x="3656832" y="1479102"/>
+                <a:ext cx="955199" cy="461665"/>
+              </a:xfrm>
+              <a:prstGeom prst="rect">
+                <a:avLst/>
+              </a:prstGeom>
+              <a:blipFill>
+                <a:blip r:embed="rId5"/>
+                <a:stretch>
+                  <a:fillRect l="-5732" r="-10191" b="-18667"/>
+                </a:stretch>
+              </a:blipFill>
+            </p:spPr>
+            <p:txBody>
+              <a:bodyPr/>
+              <a:lstStyle/>
+              <a:p>
+                <a:r>
+                  <a:rPr lang="en-US">
+                    <a:noFill/>
+                  </a:rPr>
+                  <a:t> </a:t>
+                </a:r>
+              </a:p>
+            </p:txBody>
+          </p:sp>
+        </mc:Fallback>
+      </mc:AlternateContent>
+      <mc:AlternateContent xmlns:mc="http://schemas.openxmlformats.org/markup-compatibility/2006">
+        <mc:Choice xmlns:a14="http://schemas.microsoft.com/office/drawing/2010/main" Requires="a14">
+          <p:sp>
+            <p:nvSpPr>
+              <p:cNvPr id="25" name="TextBox 24">
+                <a:extLst>
+                  <a:ext uri="{FF2B5EF4-FFF2-40B4-BE49-F238E27FC236}">
+                    <a16:creationId xmlns:a16="http://schemas.microsoft.com/office/drawing/2014/main" id="{DB372F26-449D-8CC5-3827-797AF7C1E0A3}"/>
+                  </a:ext>
+                </a:extLst>
+              </p:cNvPr>
+              <p:cNvSpPr txBox="1"/>
+              <p:nvPr/>
+            </p:nvSpPr>
+            <p:spPr>
+              <a:xfrm>
+                <a:off x="5029998" y="3111132"/>
+                <a:ext cx="955199" cy="461665"/>
+              </a:xfrm>
+              <a:prstGeom prst="rect">
+                <a:avLst/>
+              </a:prstGeom>
+              <a:noFill/>
+            </p:spPr>
+            <p:txBody>
+              <a:bodyPr wrap="square">
+                <a:spAutoFit/>
+              </a:bodyPr>
+              <a:lstStyle/>
+              <a:p>
+                <a:pPr/>
+                <a14:m>
+                  <m:oMathPara xmlns:m="http://schemas.openxmlformats.org/officeDocument/2006/math">
+                    <m:oMathParaPr>
+                      <m:jc m:val="centerGroup"/>
+                    </m:oMathParaPr>
+                    <m:oMath xmlns:m="http://schemas.openxmlformats.org/officeDocument/2006/math">
+                      <m:r>
+                        <a:rPr lang="en-US" sz="2400" b="0" i="1" smtClean="0">
+                          <a:solidFill>
+                            <a:schemeClr val="tx1"/>
+                          </a:solidFill>
+                          <a:latin typeface="Cambria Math" panose="02040503050406030204" pitchFamily="18" charset="0"/>
+                        </a:rPr>
+                        <m:t>𝑓</m:t>
+                      </m:r>
+                      <m:r>
+                        <a:rPr lang="en-US" sz="2400" b="0" i="1" smtClean="0">
+                          <a:solidFill>
+                            <a:schemeClr val="tx1"/>
+                          </a:solidFill>
+                          <a:latin typeface="Cambria Math" panose="02040503050406030204" pitchFamily="18" charset="0"/>
+                        </a:rPr>
+                        <m:t>(</m:t>
+                      </m:r>
+                      <m:sSub>
+                        <m:sSubPr>
+                          <m:ctrlPr>
+                            <a:rPr lang="es-CL" sz="2400" b="0" i="1" smtClean="0">
+                              <a:solidFill>
+                                <a:schemeClr val="tx1"/>
+                              </a:solidFill>
+                              <a:latin typeface="Cambria Math" panose="02040503050406030204" pitchFamily="18" charset="0"/>
+                            </a:rPr>
+                          </m:ctrlPr>
+                        </m:sSubPr>
+                        <m:e>
+                          <m:r>
+                            <a:rPr lang="es-CL" sz="2400" b="0" i="1" smtClean="0">
+                              <a:solidFill>
+                                <a:schemeClr val="tx1"/>
+                              </a:solidFill>
+                              <a:latin typeface="Cambria Math" panose="02040503050406030204" pitchFamily="18" charset="0"/>
+                            </a:rPr>
+                            <m:t>𝑥</m:t>
+                          </m:r>
+                        </m:e>
+                        <m:sub>
+                          <m:r>
+                            <a:rPr lang="es-CL" sz="2400" b="0" i="1" smtClean="0">
+                              <a:solidFill>
+                                <a:schemeClr val="tx1"/>
+                              </a:solidFill>
+                              <a:latin typeface="Cambria Math" panose="02040503050406030204" pitchFamily="18" charset="0"/>
+                            </a:rPr>
+                            <m:t>𝑘</m:t>
+                          </m:r>
+                        </m:sub>
+                      </m:sSub>
+                      <m:r>
+                        <a:rPr lang="en-US" sz="2400" b="0" i="1" smtClean="0">
+                          <a:solidFill>
+                            <a:schemeClr val="tx1"/>
+                          </a:solidFill>
+                          <a:latin typeface="Cambria Math" panose="02040503050406030204" pitchFamily="18" charset="0"/>
+                        </a:rPr>
+                        <m:t>)</m:t>
+                      </m:r>
+                    </m:oMath>
+                  </m:oMathPara>
+                </a14:m>
+                <a:endParaRPr lang="en-US" sz="2400" dirty="0"/>
+              </a:p>
+            </p:txBody>
+          </p:sp>
+        </mc:Choice>
+        <mc:Fallback>
+          <p:sp>
+            <p:nvSpPr>
+              <p:cNvPr id="25" name="TextBox 24">
+                <a:extLst>
+                  <a:ext uri="{FF2B5EF4-FFF2-40B4-BE49-F238E27FC236}">
+                    <a16:creationId xmlns:a16="http://schemas.microsoft.com/office/drawing/2014/main" id="{DB372F26-449D-8CC5-3827-797AF7C1E0A3}"/>
+                  </a:ext>
+                </a:extLst>
+              </p:cNvPr>
+              <p:cNvSpPr txBox="1">
+                <a:spLocks noRot="1" noChangeAspect="1" noMove="1" noResize="1" noEditPoints="1" noAdjustHandles="1" noChangeArrowheads="1" noChangeShapeType="1" noTextEdit="1"/>
+              </p:cNvSpPr>
+              <p:nvPr/>
+            </p:nvSpPr>
+            <p:spPr>
+              <a:xfrm>
+                <a:off x="5029998" y="3111132"/>
+                <a:ext cx="955199" cy="461665"/>
+              </a:xfrm>
+              <a:prstGeom prst="rect">
+                <a:avLst/>
+              </a:prstGeom>
+              <a:blipFill>
+                <a:blip r:embed="rId6"/>
+                <a:stretch>
+                  <a:fillRect l="-3822" r="-4459" b="-17105"/>
+                </a:stretch>
+              </a:blipFill>
+            </p:spPr>
+            <p:txBody>
+              <a:bodyPr/>
+              <a:lstStyle/>
+              <a:p>
+                <a:r>
+                  <a:rPr lang="en-US">
+                    <a:noFill/>
+                  </a:rPr>
+                  <a:t> </a:t>
+                </a:r>
+              </a:p>
+            </p:txBody>
+          </p:sp>
+        </mc:Fallback>
+      </mc:AlternateContent>
+      <mc:AlternateContent xmlns:mc="http://schemas.openxmlformats.org/markup-compatibility/2006">
+        <mc:Choice xmlns:a14="http://schemas.microsoft.com/office/drawing/2010/main" Requires="a14">
+          <p:sp>
+            <p:nvSpPr>
+              <p:cNvPr id="27" name="TextBox 26">
+                <a:extLst>
+                  <a:ext uri="{FF2B5EF4-FFF2-40B4-BE49-F238E27FC236}">
+                    <a16:creationId xmlns:a16="http://schemas.microsoft.com/office/drawing/2014/main" id="{845142C5-0B5E-BD81-4C8C-0C639D2C6727}"/>
+                  </a:ext>
+                </a:extLst>
+              </p:cNvPr>
+              <p:cNvSpPr txBox="1"/>
+              <p:nvPr/>
+            </p:nvSpPr>
+            <p:spPr>
+              <a:xfrm>
+                <a:off x="1000282" y="563722"/>
+                <a:ext cx="955199" cy="461665"/>
+              </a:xfrm>
+              <a:prstGeom prst="rect">
+                <a:avLst/>
+              </a:prstGeom>
+              <a:noFill/>
+            </p:spPr>
+            <p:txBody>
+              <a:bodyPr wrap="square">
+                <a:spAutoFit/>
+              </a:bodyPr>
+              <a:lstStyle/>
+              <a:p>
+                <a:pPr/>
+                <a14:m>
+                  <m:oMathPara xmlns:m="http://schemas.openxmlformats.org/officeDocument/2006/math">
+                    <m:oMathParaPr>
+                      <m:jc m:val="centerGroup"/>
+                    </m:oMathParaPr>
+                    <m:oMath xmlns:m="http://schemas.openxmlformats.org/officeDocument/2006/math">
+                      <m:r>
+                        <a:rPr lang="en-US" sz="2400" b="0" i="1" smtClean="0">
+                          <a:solidFill>
+                            <a:schemeClr val="tx1"/>
+                          </a:solidFill>
+                          <a:latin typeface="Cambria Math" panose="02040503050406030204" pitchFamily="18" charset="0"/>
+                        </a:rPr>
+                        <m:t>𝑓</m:t>
+                      </m:r>
+                      <m:r>
+                        <a:rPr lang="en-US" sz="2400" b="0" i="1" smtClean="0">
+                          <a:solidFill>
+                            <a:schemeClr val="tx1"/>
+                          </a:solidFill>
+                          <a:latin typeface="Cambria Math" panose="02040503050406030204" pitchFamily="18" charset="0"/>
+                        </a:rPr>
+                        <m:t>(</m:t>
+                      </m:r>
+                      <m:r>
+                        <a:rPr lang="es-CL" sz="2400" b="0" i="1" smtClean="0">
+                          <a:solidFill>
+                            <a:schemeClr val="tx1"/>
+                          </a:solidFill>
+                          <a:latin typeface="Cambria Math" panose="02040503050406030204" pitchFamily="18" charset="0"/>
+                        </a:rPr>
+                        <m:t>𝑥</m:t>
+                      </m:r>
+                      <m:r>
+                        <a:rPr lang="en-US" sz="2400" b="0" i="1" smtClean="0">
+                          <a:solidFill>
+                            <a:schemeClr val="tx1"/>
+                          </a:solidFill>
+                          <a:latin typeface="Cambria Math" panose="02040503050406030204" pitchFamily="18" charset="0"/>
+                        </a:rPr>
+                        <m:t>)</m:t>
+                      </m:r>
+                    </m:oMath>
+                  </m:oMathPara>
+                </a14:m>
+                <a:endParaRPr lang="en-US" sz="2400" dirty="0"/>
+              </a:p>
+            </p:txBody>
+          </p:sp>
+        </mc:Choice>
+        <mc:Fallback>
+          <p:sp>
+            <p:nvSpPr>
+              <p:cNvPr id="27" name="TextBox 26">
+                <a:extLst>
+                  <a:ext uri="{FF2B5EF4-FFF2-40B4-BE49-F238E27FC236}">
+                    <a16:creationId xmlns:a16="http://schemas.microsoft.com/office/drawing/2014/main" id="{845142C5-0B5E-BD81-4C8C-0C639D2C6727}"/>
+                  </a:ext>
+                </a:extLst>
+              </p:cNvPr>
+              <p:cNvSpPr txBox="1">
+                <a:spLocks noRot="1" noChangeAspect="1" noMove="1" noResize="1" noEditPoints="1" noAdjustHandles="1" noChangeArrowheads="1" noChangeShapeType="1" noTextEdit="1"/>
+              </p:cNvSpPr>
+              <p:nvPr/>
+            </p:nvSpPr>
+            <p:spPr>
+              <a:xfrm>
+                <a:off x="1000282" y="563722"/>
+                <a:ext cx="955199" cy="461665"/>
+              </a:xfrm>
+              <a:prstGeom prst="rect">
+                <a:avLst/>
+              </a:prstGeom>
+              <a:blipFill>
+                <a:blip r:embed="rId7"/>
+                <a:stretch>
+                  <a:fillRect b="-17105"/>
+                </a:stretch>
+              </a:blipFill>
+            </p:spPr>
+            <p:txBody>
+              <a:bodyPr/>
+              <a:lstStyle/>
+              <a:p>
+                <a:r>
+                  <a:rPr lang="en-US">
+                    <a:noFill/>
+                  </a:rPr>
+                  <a:t> </a:t>
+                </a:r>
+              </a:p>
+            </p:txBody>
+          </p:sp>
+        </mc:Fallback>
+      </mc:AlternateContent>
+      <mc:AlternateContent xmlns:mc="http://schemas.openxmlformats.org/markup-compatibility/2006">
+        <mc:Choice xmlns:a14="http://schemas.microsoft.com/office/drawing/2010/main" Requires="a14">
+          <p:sp>
+            <p:nvSpPr>
+              <p:cNvPr id="29" name="TextBox 28">
+                <a:extLst>
+                  <a:ext uri="{FF2B5EF4-FFF2-40B4-BE49-F238E27FC236}">
+                    <a16:creationId xmlns:a16="http://schemas.microsoft.com/office/drawing/2014/main" id="{79956686-B60F-1C5A-D811-BBB9FEAFC247}"/>
+                  </a:ext>
+                </a:extLst>
+              </p:cNvPr>
+              <p:cNvSpPr txBox="1"/>
+              <p:nvPr/>
+            </p:nvSpPr>
+            <p:spPr>
+              <a:xfrm>
+                <a:off x="5187498" y="3923741"/>
+                <a:ext cx="955199" cy="461665"/>
+              </a:xfrm>
+              <a:prstGeom prst="rect">
+                <a:avLst/>
+              </a:prstGeom>
+              <a:noFill/>
+            </p:spPr>
+            <p:txBody>
+              <a:bodyPr wrap="square">
+                <a:spAutoFit/>
+              </a:bodyPr>
+              <a:lstStyle/>
+              <a:p>
+                <a:pPr/>
+                <a14:m>
+                  <m:oMathPara xmlns:m="http://schemas.openxmlformats.org/officeDocument/2006/math">
+                    <m:oMathParaPr>
+                      <m:jc m:val="centerGroup"/>
+                    </m:oMathParaPr>
+                    <m:oMath xmlns:m="http://schemas.openxmlformats.org/officeDocument/2006/math">
+                      <m:r>
+                        <a:rPr lang="es-CL" sz="2400" b="0" i="1" smtClean="0">
+                          <a:solidFill>
+                            <a:schemeClr val="tx1"/>
+                          </a:solidFill>
+                          <a:latin typeface="Cambria Math" panose="02040503050406030204" pitchFamily="18" charset="0"/>
+                        </a:rPr>
+                        <m:t>𝑥</m:t>
+                      </m:r>
+                    </m:oMath>
+                  </m:oMathPara>
+                </a14:m>
+                <a:endParaRPr lang="en-US" sz="2400" dirty="0"/>
+              </a:p>
+            </p:txBody>
+          </p:sp>
+        </mc:Choice>
+        <mc:Fallback>
+          <p:sp>
+            <p:nvSpPr>
+              <p:cNvPr id="29" name="TextBox 28">
+                <a:extLst>
+                  <a:ext uri="{FF2B5EF4-FFF2-40B4-BE49-F238E27FC236}">
+                    <a16:creationId xmlns:a16="http://schemas.microsoft.com/office/drawing/2014/main" id="{79956686-B60F-1C5A-D811-BBB9FEAFC247}"/>
+                  </a:ext>
+                </a:extLst>
+              </p:cNvPr>
+              <p:cNvSpPr txBox="1">
+                <a:spLocks noRot="1" noChangeAspect="1" noMove="1" noResize="1" noEditPoints="1" noAdjustHandles="1" noChangeArrowheads="1" noChangeShapeType="1" noTextEdit="1"/>
+              </p:cNvSpPr>
+              <p:nvPr/>
+            </p:nvSpPr>
+            <p:spPr>
+              <a:xfrm>
+                <a:off x="5187498" y="3923741"/>
+                <a:ext cx="955199" cy="461665"/>
+              </a:xfrm>
+              <a:prstGeom prst="rect">
+                <a:avLst/>
+              </a:prstGeom>
+              <a:blipFill>
+                <a:blip r:embed="rId8"/>
+                <a:stretch>
+                  <a:fillRect/>
+                </a:stretch>
+              </a:blipFill>
+            </p:spPr>
+            <p:txBody>
+              <a:bodyPr/>
+              <a:lstStyle/>
+              <a:p>
+                <a:r>
+                  <a:rPr lang="en-US">
+                    <a:noFill/>
+                  </a:rPr>
+                  <a:t> </a:t>
+                </a:r>
+              </a:p>
+            </p:txBody>
+          </p:sp>
+        </mc:Fallback>
+      </mc:AlternateContent>
+    </p:spTree>
+    <p:extLst>
+      <p:ext uri="{BB962C8B-B14F-4D97-AF65-F5344CB8AC3E}">
+        <p14:creationId xmlns:p14="http://schemas.microsoft.com/office/powerpoint/2010/main" val="1598234582"/>
+      </p:ext>
+    </p:extLst>
+  </p:cSld>
+  <p:clrMapOvr>
+    <a:masterClrMapping/>
+  </p:clrMapOvr>
+</p:sld>
+</file>
+
 <file path=ppt/slides/slide2.xml><?xml version="1.0" encoding="utf-8"?>
 <p:sld xmlns:a="http://schemas.openxmlformats.org/drawingml/2006/main" xmlns:r="http://schemas.openxmlformats.org/officeDocument/2006/relationships" xmlns:p="http://schemas.openxmlformats.org/presentationml/2006/main">
   <p:cSld>
